--- a/01 Classes/Aula 11 - Aplicação Cloud Indústria 40 Python Integração Cloud Big Data Parte 2.pptx
+++ b/01 Classes/Aula 11 - Aplicação Cloud Indústria 40 Python Integração Cloud Big Data Parte 2.pptx
@@ -10,10 +10,10 @@
   <p:sldIdLst>
     <p:sldId id="256" r:id="rId2"/>
     <p:sldId id="291" r:id="rId3"/>
-    <p:sldId id="331" r:id="rId4"/>
+    <p:sldId id="346" r:id="rId4"/>
     <p:sldId id="333" r:id="rId5"/>
     <p:sldId id="323" r:id="rId6"/>
-    <p:sldId id="345" r:id="rId7"/>
+    <p:sldId id="360" r:id="rId7"/>
     <p:sldId id="337" r:id="rId8"/>
     <p:sldId id="309" r:id="rId9"/>
   </p:sldIdLst>
@@ -618,7 +618,7 @@
     </p:spTree>
     <p:extLst>
       <p:ext uri="{BB962C8B-B14F-4D97-AF65-F5344CB8AC3E}">
-        <p14:creationId xmlns:p14="http://schemas.microsoft.com/office/powerpoint/2010/main" val="3035753547"/>
+        <p14:creationId xmlns:p14="http://schemas.microsoft.com/office/powerpoint/2010/main" val="2948490523"/>
       </p:ext>
     </p:extLst>
   </p:cSld>
@@ -816,7 +816,7 @@
     </p:spTree>
     <p:extLst>
       <p:ext uri="{BB962C8B-B14F-4D97-AF65-F5344CB8AC3E}">
-        <p14:creationId xmlns:p14="http://schemas.microsoft.com/office/powerpoint/2010/main" val="3863516043"/>
+        <p14:creationId xmlns:p14="http://schemas.microsoft.com/office/powerpoint/2010/main" val="1756347281"/>
       </p:ext>
     </p:extLst>
   </p:cSld>
@@ -3935,7 +3935,7 @@
               </a:rPr>
             </a:br>
             <a:r>
-              <a:rPr lang="pt-BR" b="1">
+              <a:rPr lang="pt-BR" b="1" dirty="0">
                 <a:solidFill>
                   <a:schemeClr val="bg1"/>
                 </a:solidFill>
@@ -3963,23 +3963,7 @@
                   <a:schemeClr val="bg1"/>
                 </a:solidFill>
               </a:rPr>
-              <a:t>Integração Cloud </a:t>
-            </a:r>
-            <a:r>
-              <a:rPr lang="pt-BR" sz="3600" b="1" dirty="0" err="1">
-                <a:solidFill>
-                  <a:schemeClr val="bg1"/>
-                </a:solidFill>
-              </a:rPr>
-              <a:t>IoT</a:t>
-            </a:r>
-            <a:r>
-              <a:rPr lang="pt-BR" sz="3600" b="1" dirty="0">
-                <a:solidFill>
-                  <a:schemeClr val="bg1"/>
-                </a:solidFill>
-              </a:rPr>
-              <a:t> com Big Data Parte 2</a:t>
+              <a:t>Integração Cloud com Big Data Parte 2</a:t>
             </a:r>
           </a:p>
         </p:txBody>
@@ -4366,7 +4350,7 @@
         </p:spPr>
         <p:txBody>
           <a:bodyPr>
-            <a:normAutofit/>
+            <a:normAutofit fontScale="90000"/>
           </a:bodyPr>
           <a:lstStyle/>
           <a:p>
@@ -4376,7 +4360,7 @@
                   <a:srgbClr val="0070C0"/>
                 </a:solidFill>
               </a:rPr>
-              <a:t>Big Data Parte 2</a:t>
+              <a:t>Python com Big Data - Continuação</a:t>
             </a:r>
             <a:endParaRPr lang="en-US" b="1" dirty="0">
               <a:solidFill>
@@ -4411,24 +4395,61 @@
             <a:pPr marL="0" indent="0" algn="just">
               <a:buNone/>
             </a:pPr>
-            <a:r>
-              <a:rPr lang="pt-BR" sz="1400" dirty="0"/>
-              <a:t>ETAPAS</a:t>
-            </a:r>
             <a:endParaRPr lang="pt-BR" sz="2000" dirty="0">
-              <a:solidFill>
-                <a:schemeClr val="tx1"/>
-              </a:solidFill>
               <a:latin typeface="Times New Roman" panose="02020603050405020304" pitchFamily="18" charset="0"/>
               <a:cs typeface="Times New Roman" panose="02020603050405020304" pitchFamily="18" charset="0"/>
             </a:endParaRPr>
+          </a:p>
+          <a:p>
+            <a:pPr marL="0" indent="0" algn="just">
+              <a:buNone/>
+            </a:pPr>
+            <a:endParaRPr lang="pt-BR" sz="2000" dirty="0">
+              <a:latin typeface="Times New Roman" panose="02020603050405020304" pitchFamily="18" charset="0"/>
+              <a:cs typeface="Times New Roman" panose="02020603050405020304" pitchFamily="18" charset="0"/>
+            </a:endParaRPr>
+          </a:p>
+          <a:p>
+            <a:pPr marL="0" indent="0" algn="just">
+              <a:buNone/>
+            </a:pPr>
+            <a:endParaRPr lang="pt-BR" sz="2000" dirty="0">
+              <a:latin typeface="Times New Roman" panose="02020603050405020304" pitchFamily="18" charset="0"/>
+              <a:cs typeface="Times New Roman" panose="02020603050405020304" pitchFamily="18" charset="0"/>
+            </a:endParaRPr>
+          </a:p>
+          <a:p>
+            <a:pPr marL="0" indent="0" algn="just">
+              <a:buNone/>
+            </a:pPr>
+            <a:r>
+              <a:rPr lang="pt-BR" sz="2000" dirty="0">
+                <a:latin typeface="Times New Roman" panose="02020603050405020304" pitchFamily="18" charset="0"/>
+                <a:cs typeface="Times New Roman" panose="02020603050405020304" pitchFamily="18" charset="0"/>
+              </a:rPr>
+              <a:t>Realizar análises de dados utilizando o </a:t>
+            </a:r>
+            <a:r>
+              <a:rPr lang="pt-BR" sz="2000" b="1" dirty="0">
+                <a:latin typeface="Times New Roman" panose="02020603050405020304" pitchFamily="18" charset="0"/>
+                <a:cs typeface="Times New Roman" panose="02020603050405020304" pitchFamily="18" charset="0"/>
+              </a:rPr>
+              <a:t>Python</a:t>
+            </a:r>
+            <a:r>
+              <a:rPr lang="pt-BR" sz="2000" dirty="0">
+                <a:latin typeface="Times New Roman" panose="02020603050405020304" pitchFamily="18" charset="0"/>
+                <a:cs typeface="Times New Roman" panose="02020603050405020304" pitchFamily="18" charset="0"/>
+              </a:rPr>
+              <a:t>, extraindo insights que auxiliam nas tomada de decisões dentro das organizações.</a:t>
+            </a:r>
           </a:p>
         </p:txBody>
       </p:sp>
     </p:spTree>
     <p:extLst>
       <p:ext uri="{BB962C8B-B14F-4D97-AF65-F5344CB8AC3E}">
-        <p14:creationId xmlns:p14="http://schemas.microsoft.com/office/powerpoint/2010/main" val="1362980025"/>
+        <p14:creationId xmlns:p14="http://schemas.microsoft.com/office/powerpoint/2010/main" val="3789392544"/>
       </p:ext>
     </p:extLst>
   </p:cSld>
@@ -4536,25 +4557,25 @@
               <a:buNone/>
             </a:pPr>
             <a:r>
-              <a:rPr lang="pt-BR" sz="2400" dirty="0">
+              <a:rPr lang="pt-BR" sz="2000" dirty="0">
                 <a:latin typeface="Times New Roman" panose="02020603050405020304" pitchFamily="18" charset="0"/>
                 <a:cs typeface="Times New Roman" panose="02020603050405020304" pitchFamily="18" charset="0"/>
               </a:rPr>
               <a:t>[1] </a:t>
             </a:r>
             <a:r>
-              <a:rPr lang="pt-BR" sz="2400" dirty="0" err="1">
+              <a:rPr lang="pt-BR" sz="2000" b="1" dirty="0">
                 <a:latin typeface="Times New Roman" panose="02020603050405020304" pitchFamily="18" charset="0"/>
                 <a:cs typeface="Times New Roman" panose="02020603050405020304" pitchFamily="18" charset="0"/>
               </a:rPr>
-              <a:t>Desenv</a:t>
-            </a:r>
-            <a:r>
-              <a:rPr lang="pt-BR" sz="2400" dirty="0">
+              <a:t>Python para Data Science</a:t>
+            </a:r>
+            <a:r>
+              <a:rPr lang="pt-BR" sz="2000" dirty="0">
                 <a:latin typeface="Times New Roman" panose="02020603050405020304" pitchFamily="18" charset="0"/>
                 <a:cs typeface="Times New Roman" panose="02020603050405020304" pitchFamily="18" charset="0"/>
               </a:rPr>
-              <a:t>. App Plataformas de Middleware Para IOT em Python.</a:t>
+              <a:t>.</a:t>
             </a:r>
           </a:p>
           <a:p>
@@ -4562,7 +4583,7 @@
               <a:buNone/>
             </a:pPr>
             <a:r>
-              <a:rPr lang="pt-BR" sz="2400" b="1" dirty="0">
+              <a:rPr lang="pt-BR" sz="2000" b="1" dirty="0">
                 <a:solidFill>
                   <a:srgbClr val="FF0000"/>
                 </a:solidFill>
@@ -4572,14 +4593,26 @@
               <a:t>Disponível em: </a:t>
             </a:r>
             <a:r>
-              <a:rPr lang="pt-BR" sz="2400" dirty="0">
+              <a:rPr lang="pt-BR" sz="2000" dirty="0">
                 <a:latin typeface="Times New Roman" panose="02020603050405020304" pitchFamily="18" charset="0"/>
                 <a:cs typeface="Times New Roman" panose="02020603050405020304" pitchFamily="18" charset="0"/>
                 <a:hlinkClick r:id="rId3"/>
               </a:rPr>
-              <a:t>https://</a:t>
-            </a:r>
-            <a:endParaRPr lang="pt-BR" sz="2400" dirty="0">
+              <a:t>https://coodesh.com/blog/carreiras/python-para-data-science-a-linguagem-mais-utilizada-na-area/</a:t>
+            </a:r>
+            <a:r>
+              <a:rPr lang="pt-BR" sz="2000" dirty="0">
+                <a:latin typeface="Times New Roman" panose="02020603050405020304" pitchFamily="18" charset="0"/>
+                <a:cs typeface="Times New Roman" panose="02020603050405020304" pitchFamily="18" charset="0"/>
+              </a:rPr>
+              <a:t> </a:t>
+            </a:r>
+          </a:p>
+          <a:p>
+            <a:pPr marL="0" indent="0" algn="just">
+              <a:buNone/>
+            </a:pPr>
+            <a:endParaRPr lang="pt-BR" sz="2000" dirty="0">
               <a:latin typeface="Times New Roman" panose="02020603050405020304" pitchFamily="18" charset="0"/>
               <a:cs typeface="Times New Roman" panose="02020603050405020304" pitchFamily="18" charset="0"/>
             </a:endParaRPr>
@@ -4588,7 +4621,7 @@
             <a:pPr marL="0" indent="0" algn="just">
               <a:buNone/>
             </a:pPr>
-            <a:endParaRPr lang="pt-BR" sz="2400" dirty="0">
+            <a:endParaRPr lang="pt-BR" sz="2000" dirty="0">
               <a:latin typeface="Times New Roman" panose="02020603050405020304" pitchFamily="18" charset="0"/>
               <a:cs typeface="Times New Roman" panose="02020603050405020304" pitchFamily="18" charset="0"/>
             </a:endParaRPr>
@@ -4598,25 +4631,25 @@
               <a:buNone/>
             </a:pPr>
             <a:r>
-              <a:rPr lang="pt-BR" sz="2400" dirty="0">
+              <a:rPr lang="pt-BR" sz="2000" dirty="0">
                 <a:latin typeface="Times New Roman" panose="02020603050405020304" pitchFamily="18" charset="0"/>
                 <a:cs typeface="Times New Roman" panose="02020603050405020304" pitchFamily="18" charset="0"/>
               </a:rPr>
               <a:t>[2] </a:t>
             </a:r>
             <a:r>
-              <a:rPr lang="pt-BR" sz="2400" dirty="0" err="1">
+              <a:rPr lang="en-US" sz="2000" b="1" dirty="0">
                 <a:latin typeface="Times New Roman" panose="02020603050405020304" pitchFamily="18" charset="0"/>
                 <a:cs typeface="Times New Roman" panose="02020603050405020304" pitchFamily="18" charset="0"/>
               </a:rPr>
-              <a:t>Desenv</a:t>
-            </a:r>
-            <a:r>
-              <a:rPr lang="pt-BR" sz="2400" dirty="0">
+              <a:t>Using Python for Big Data &amp; Analytics (Python is Perfect for Big Data)</a:t>
+            </a:r>
+            <a:r>
+              <a:rPr lang="pt-BR" sz="2000" dirty="0">
                 <a:latin typeface="Times New Roman" panose="02020603050405020304" pitchFamily="18" charset="0"/>
                 <a:cs typeface="Times New Roman" panose="02020603050405020304" pitchFamily="18" charset="0"/>
               </a:rPr>
-              <a:t>. App Plataformas de Middleware Para IOT em Python. </a:t>
+              <a:t>. </a:t>
             </a:r>
           </a:p>
           <a:p>
@@ -4624,7 +4657,7 @@
               <a:buNone/>
             </a:pPr>
             <a:r>
-              <a:rPr lang="pt-BR" sz="2400" b="1" dirty="0">
+              <a:rPr lang="pt-BR" sz="2000" b="1" dirty="0">
                 <a:solidFill>
                   <a:srgbClr val="FF0000"/>
                 </a:solidFill>
@@ -4634,26 +4667,26 @@
               <a:t>Disponível em: </a:t>
             </a:r>
             <a:r>
-              <a:rPr lang="pt-BR" sz="2400" dirty="0">
+              <a:rPr lang="pt-BR" sz="2000" dirty="0">
                 <a:latin typeface="Times New Roman" panose="02020603050405020304" pitchFamily="18" charset="0"/>
                 <a:cs typeface="Times New Roman" panose="02020603050405020304" pitchFamily="18" charset="0"/>
                 <a:hlinkClick r:id="rId4"/>
               </a:rPr>
-              <a:t>https:</a:t>
-            </a:r>
-            <a:r>
-              <a:rPr lang="pt-BR" sz="2400" dirty="0">
+              <a:t>https://www.bmc.com/blogs/python-big-data-analytics/</a:t>
+            </a:r>
+            <a:r>
+              <a:rPr lang="pt-BR" sz="2000" dirty="0">
                 <a:latin typeface="Times New Roman" panose="02020603050405020304" pitchFamily="18" charset="0"/>
                 <a:cs typeface="Times New Roman" panose="02020603050405020304" pitchFamily="18" charset="0"/>
               </a:rPr>
-              <a:t>//</a:t>
+              <a:t> </a:t>
             </a:r>
           </a:p>
           <a:p>
             <a:pPr marL="0" indent="0" algn="just">
               <a:buNone/>
             </a:pPr>
-            <a:endParaRPr lang="pt-BR" sz="2400" dirty="0">
+            <a:endParaRPr lang="pt-BR" sz="2000" dirty="0">
               <a:latin typeface="Times New Roman" panose="02020603050405020304" pitchFamily="18" charset="0"/>
               <a:cs typeface="Times New Roman" panose="02020603050405020304" pitchFamily="18" charset="0"/>
             </a:endParaRPr>
@@ -4662,7 +4695,7 @@
             <a:pPr marL="0" indent="0" algn="just">
               <a:buNone/>
             </a:pPr>
-            <a:endParaRPr lang="pt-BR" sz="2400" dirty="0">
+            <a:endParaRPr lang="pt-BR" sz="2000" dirty="0">
               <a:latin typeface="Times New Roman" panose="02020603050405020304" pitchFamily="18" charset="0"/>
               <a:cs typeface="Times New Roman" panose="02020603050405020304" pitchFamily="18" charset="0"/>
             </a:endParaRPr>
@@ -4671,7 +4704,7 @@
             <a:pPr marL="0" indent="0" algn="just">
               <a:buNone/>
             </a:pPr>
-            <a:endParaRPr lang="pt-BR" sz="2400" dirty="0">
+            <a:endParaRPr lang="pt-BR" sz="2000" dirty="0">
               <a:latin typeface="Times New Roman" panose="02020603050405020304" pitchFamily="18" charset="0"/>
               <a:cs typeface="Times New Roman" panose="02020603050405020304" pitchFamily="18" charset="0"/>
             </a:endParaRPr>
@@ -4680,7 +4713,7 @@
             <a:pPr marL="0" indent="0" algn="just">
               <a:buNone/>
             </a:pPr>
-            <a:endParaRPr lang="pt-BR" sz="2400" dirty="0">
+            <a:endParaRPr lang="pt-BR" sz="2000" dirty="0">
               <a:latin typeface="Calibri" panose="020F0502020204030204" pitchFamily="34" charset="0"/>
             </a:endParaRPr>
           </a:p>
@@ -4784,25 +4817,25 @@
               <a:buNone/>
             </a:pPr>
             <a:r>
-              <a:rPr lang="pt-BR" sz="2400" dirty="0">
+              <a:rPr lang="pt-BR" sz="2000" dirty="0">
                 <a:latin typeface="Times New Roman" panose="02020603050405020304" pitchFamily="18" charset="0"/>
                 <a:cs typeface="Times New Roman" panose="02020603050405020304" pitchFamily="18" charset="0"/>
               </a:rPr>
               <a:t>[1] </a:t>
             </a:r>
             <a:r>
-              <a:rPr lang="pt-BR" sz="2400" dirty="0" err="1">
+              <a:rPr lang="en-US" sz="2000" b="1" dirty="0">
                 <a:latin typeface="Times New Roman" panose="02020603050405020304" pitchFamily="18" charset="0"/>
                 <a:cs typeface="Times New Roman" panose="02020603050405020304" pitchFamily="18" charset="0"/>
               </a:rPr>
-              <a:t>Desenv</a:t>
-            </a:r>
-            <a:r>
-              <a:rPr lang="pt-BR" sz="2400" dirty="0">
+              <a:t>Big Data Analytics Using Python | Python Big Data</a:t>
+            </a:r>
+            <a:r>
+              <a:rPr lang="pt-BR" sz="2000" dirty="0">
                 <a:latin typeface="Times New Roman" panose="02020603050405020304" pitchFamily="18" charset="0"/>
                 <a:cs typeface="Times New Roman" panose="02020603050405020304" pitchFamily="18" charset="0"/>
               </a:rPr>
-              <a:t>. App Plataformas de Middleware Para IOT em Python.</a:t>
+              <a:t>.</a:t>
             </a:r>
           </a:p>
           <a:p>
@@ -4810,7 +4843,7 @@
               <a:buNone/>
             </a:pPr>
             <a:r>
-              <a:rPr lang="pt-BR" sz="2400" b="1" dirty="0">
+              <a:rPr lang="pt-BR" sz="2000" b="1" dirty="0">
                 <a:solidFill>
                   <a:srgbClr val="FF0000"/>
                 </a:solidFill>
@@ -4820,14 +4853,26 @@
               <a:t>Disponível em: </a:t>
             </a:r>
             <a:r>
-              <a:rPr lang="pt-BR" sz="2400" dirty="0">
+              <a:rPr lang="pt-BR" sz="2000" dirty="0">
                 <a:latin typeface="Times New Roman" panose="02020603050405020304" pitchFamily="18" charset="0"/>
                 <a:cs typeface="Times New Roman" panose="02020603050405020304" pitchFamily="18" charset="0"/>
                 <a:hlinkClick r:id="rId3"/>
               </a:rPr>
-              <a:t>https://</a:t>
-            </a:r>
-            <a:endParaRPr lang="pt-BR" sz="2400" dirty="0">
+              <a:t>https://youtu.be/cUw3DsDpQCE</a:t>
+            </a:r>
+            <a:r>
+              <a:rPr lang="pt-BR" sz="2000" dirty="0">
+                <a:latin typeface="Times New Roman" panose="02020603050405020304" pitchFamily="18" charset="0"/>
+                <a:cs typeface="Times New Roman" panose="02020603050405020304" pitchFamily="18" charset="0"/>
+              </a:rPr>
+              <a:t> </a:t>
+            </a:r>
+          </a:p>
+          <a:p>
+            <a:pPr marL="0" indent="0" algn="just">
+              <a:buNone/>
+            </a:pPr>
+            <a:endParaRPr lang="pt-BR" sz="2000" dirty="0">
               <a:latin typeface="Times New Roman" panose="02020603050405020304" pitchFamily="18" charset="0"/>
               <a:cs typeface="Times New Roman" panose="02020603050405020304" pitchFamily="18" charset="0"/>
             </a:endParaRPr>
@@ -4836,7 +4881,7 @@
             <a:pPr marL="0" indent="0" algn="just">
               <a:buNone/>
             </a:pPr>
-            <a:endParaRPr lang="pt-BR" sz="2400" dirty="0">
+            <a:endParaRPr lang="pt-BR" sz="2000" dirty="0">
               <a:latin typeface="Times New Roman" panose="02020603050405020304" pitchFamily="18" charset="0"/>
               <a:cs typeface="Times New Roman" panose="02020603050405020304" pitchFamily="18" charset="0"/>
             </a:endParaRPr>
@@ -4845,34 +4890,57 @@
             <a:pPr marL="0" indent="0" algn="just">
               <a:buNone/>
             </a:pPr>
-            <a:r>
-              <a:rPr lang="pt-BR" sz="2400" dirty="0">
-                <a:latin typeface="Times New Roman" panose="02020603050405020304" pitchFamily="18" charset="0"/>
-                <a:cs typeface="Times New Roman" panose="02020603050405020304" pitchFamily="18" charset="0"/>
-              </a:rPr>
-              <a:t>[2] </a:t>
-            </a:r>
-            <a:r>
-              <a:rPr lang="pt-BR" sz="2400" dirty="0" err="1">
-                <a:latin typeface="Times New Roman" panose="02020603050405020304" pitchFamily="18" charset="0"/>
-                <a:cs typeface="Times New Roman" panose="02020603050405020304" pitchFamily="18" charset="0"/>
-              </a:rPr>
-              <a:t>Desenv</a:t>
-            </a:r>
-            <a:r>
-              <a:rPr lang="pt-BR" sz="2400" dirty="0">
-                <a:latin typeface="Times New Roman" panose="02020603050405020304" pitchFamily="18" charset="0"/>
-                <a:cs typeface="Times New Roman" panose="02020603050405020304" pitchFamily="18" charset="0"/>
-              </a:rPr>
-              <a:t>. App Plataformas de Middleware Para IOT em Python. </a:t>
-            </a:r>
+            <a:endParaRPr lang="pt-BR" sz="2000" dirty="0">
+              <a:latin typeface="Times New Roman" panose="02020603050405020304" pitchFamily="18" charset="0"/>
+              <a:cs typeface="Times New Roman" panose="02020603050405020304" pitchFamily="18" charset="0"/>
+            </a:endParaRPr>
           </a:p>
           <a:p>
             <a:pPr marL="0" indent="0" algn="just">
               <a:buNone/>
             </a:pPr>
             <a:r>
-              <a:rPr lang="pt-BR" sz="2400" b="1" dirty="0">
+              <a:rPr lang="pt-BR" sz="2000" dirty="0">
+                <a:latin typeface="Times New Roman" panose="02020603050405020304" pitchFamily="18" charset="0"/>
+                <a:cs typeface="Times New Roman" panose="02020603050405020304" pitchFamily="18" charset="0"/>
+              </a:rPr>
+              <a:t>[2] </a:t>
+            </a:r>
+            <a:r>
+              <a:rPr lang="en-US" sz="2000" b="1" dirty="0">
+                <a:latin typeface="Times New Roman" panose="02020603050405020304" pitchFamily="18" charset="0"/>
+                <a:cs typeface="Times New Roman" panose="02020603050405020304" pitchFamily="18" charset="0"/>
+              </a:rPr>
+              <a:t>Data Analysis with Python - Course (</a:t>
+            </a:r>
+            <a:r>
+              <a:rPr lang="en-US" sz="2000" b="1" dirty="0" err="1">
+                <a:latin typeface="Times New Roman" panose="02020603050405020304" pitchFamily="18" charset="0"/>
+                <a:cs typeface="Times New Roman" panose="02020603050405020304" pitchFamily="18" charset="0"/>
+              </a:rPr>
+              <a:t>Numpy</a:t>
+            </a:r>
+            <a:r>
+              <a:rPr lang="en-US" sz="2000" b="1" dirty="0">
+                <a:latin typeface="Times New Roman" panose="02020603050405020304" pitchFamily="18" charset="0"/>
+                <a:cs typeface="Times New Roman" panose="02020603050405020304" pitchFamily="18" charset="0"/>
+              </a:rPr>
+              <a:t>, Pandas, Matplotlib, Seaborn)</a:t>
+            </a:r>
+            <a:r>
+              <a:rPr lang="pt-BR" sz="2000" dirty="0">
+                <a:latin typeface="Times New Roman" panose="02020603050405020304" pitchFamily="18" charset="0"/>
+                <a:cs typeface="Times New Roman" panose="02020603050405020304" pitchFamily="18" charset="0"/>
+              </a:rPr>
+              <a:t>. </a:t>
+            </a:r>
+          </a:p>
+          <a:p>
+            <a:pPr marL="0" indent="0" algn="just">
+              <a:buNone/>
+            </a:pPr>
+            <a:r>
+              <a:rPr lang="pt-BR" sz="2000" b="1" dirty="0">
                 <a:solidFill>
                   <a:srgbClr val="FF0000"/>
                 </a:solidFill>
@@ -4882,23 +4950,26 @@
               <a:t>Disponível em: </a:t>
             </a:r>
             <a:r>
-              <a:rPr lang="pt-BR" sz="2400" dirty="0">
+              <a:rPr lang="pt-BR" sz="2000" dirty="0">
                 <a:latin typeface="Times New Roman" panose="02020603050405020304" pitchFamily="18" charset="0"/>
                 <a:cs typeface="Times New Roman" panose="02020603050405020304" pitchFamily="18" charset="0"/>
                 <a:hlinkClick r:id="rId4"/>
               </a:rPr>
-              <a:t>https://</a:t>
-            </a:r>
-            <a:endParaRPr lang="pt-BR" sz="2400" dirty="0">
-              <a:latin typeface="Times New Roman" panose="02020603050405020304" pitchFamily="18" charset="0"/>
-              <a:cs typeface="Times New Roman" panose="02020603050405020304" pitchFamily="18" charset="0"/>
-            </a:endParaRPr>
+              <a:t>https://youtu.be/r-uOLxNrNk8</a:t>
+            </a:r>
+            <a:r>
+              <a:rPr lang="pt-BR" sz="2000" dirty="0">
+                <a:latin typeface="Times New Roman" panose="02020603050405020304" pitchFamily="18" charset="0"/>
+                <a:cs typeface="Times New Roman" panose="02020603050405020304" pitchFamily="18" charset="0"/>
+              </a:rPr>
+              <a:t> </a:t>
+            </a:r>
           </a:p>
           <a:p>
             <a:pPr marL="0" indent="0" algn="just">
               <a:buNone/>
             </a:pPr>
-            <a:endParaRPr lang="pt-BR" sz="2400" dirty="0">
+            <a:endParaRPr lang="pt-BR" sz="2000" dirty="0">
               <a:latin typeface="Times New Roman" panose="02020603050405020304" pitchFamily="18" charset="0"/>
               <a:cs typeface="Times New Roman" panose="02020603050405020304" pitchFamily="18" charset="0"/>
             </a:endParaRPr>
@@ -5003,7 +5074,7 @@
         <p:spPr>
           <a:xfrm>
             <a:off x="139472" y="1063230"/>
-            <a:ext cx="8865056" cy="3606305"/>
+            <a:ext cx="8865056" cy="3874290"/>
           </a:xfrm>
         </p:spPr>
         <p:txBody>
@@ -5016,27 +5087,164 @@
               <a:buNone/>
             </a:pPr>
             <a:r>
-              <a:rPr lang="pt-BR" sz="2400" dirty="0">
+              <a:rPr lang="pt-BR" sz="1800" dirty="0">
                 <a:latin typeface="Times New Roman" panose="02020603050405020304" pitchFamily="18" charset="0"/>
                 <a:cs typeface="Times New Roman" panose="02020603050405020304" pitchFamily="18" charset="0"/>
               </a:rPr>
-              <a:t>Exercícios (Atividade Verificadora de Aprendizagem)</a:t>
-            </a:r>
+              <a:t># </a:t>
+            </a:r>
+            <a:r>
+              <a:rPr lang="pt-BR" sz="1800" b="1" dirty="0">
+                <a:latin typeface="Times New Roman" panose="02020603050405020304" pitchFamily="18" charset="0"/>
+                <a:cs typeface="Times New Roman" panose="02020603050405020304" pitchFamily="18" charset="0"/>
+              </a:rPr>
+              <a:t>Google </a:t>
+            </a:r>
+            <a:r>
+              <a:rPr lang="pt-BR" sz="1800" b="1" dirty="0" err="1">
+                <a:latin typeface="Times New Roman" panose="02020603050405020304" pitchFamily="18" charset="0"/>
+                <a:cs typeface="Times New Roman" panose="02020603050405020304" pitchFamily="18" charset="0"/>
+              </a:rPr>
+              <a:t>Colab</a:t>
+            </a:r>
+            <a:endParaRPr lang="pt-BR" sz="1800" b="1" dirty="0">
+              <a:latin typeface="Times New Roman" panose="02020603050405020304" pitchFamily="18" charset="0"/>
+              <a:cs typeface="Times New Roman" panose="02020603050405020304" pitchFamily="18" charset="0"/>
+            </a:endParaRPr>
           </a:p>
           <a:p>
             <a:pPr marL="0" indent="0" algn="just">
               <a:buNone/>
             </a:pPr>
-            <a:endParaRPr lang="pt-BR" sz="2400">
+            <a:r>
+              <a:rPr lang="pt-BR" sz="1800" b="1" dirty="0" err="1">
+                <a:solidFill>
+                  <a:srgbClr val="FF0000"/>
+                </a:solidFill>
+                <a:latin typeface="Times New Roman" panose="02020603050405020304" pitchFamily="18" charset="0"/>
+                <a:cs typeface="Times New Roman" panose="02020603050405020304" pitchFamily="18" charset="0"/>
+              </a:rPr>
+              <a:t>Datasets</a:t>
+            </a:r>
+            <a:r>
+              <a:rPr lang="pt-BR" sz="1800" b="1" dirty="0">
+                <a:solidFill>
+                  <a:srgbClr val="FF0000"/>
+                </a:solidFill>
+                <a:latin typeface="Times New Roman" panose="02020603050405020304" pitchFamily="18" charset="0"/>
+                <a:cs typeface="Times New Roman" panose="02020603050405020304" pitchFamily="18" charset="0"/>
+              </a:rPr>
+              <a:t> Abertos (URL)</a:t>
+            </a:r>
+          </a:p>
+          <a:p>
+            <a:pPr algn="just">
+              <a:buFont typeface="Wingdings" panose="05000000000000000000" pitchFamily="2" charset="2"/>
+              <a:buChar char="§"/>
+            </a:pPr>
+            <a:r>
+              <a:rPr lang="pt-BR" sz="1800" dirty="0">
+                <a:latin typeface="Times New Roman" panose="02020603050405020304" pitchFamily="18" charset="0"/>
+                <a:cs typeface="Times New Roman" panose="02020603050405020304" pitchFamily="18" charset="0"/>
+                <a:hlinkClick r:id="rId3"/>
+              </a:rPr>
+              <a:t>https://dados.gov.br</a:t>
+            </a:r>
+            <a:endParaRPr lang="pt-BR" sz="1800" dirty="0">
               <a:latin typeface="Times New Roman" panose="02020603050405020304" pitchFamily="18" charset="0"/>
               <a:cs typeface="Times New Roman" panose="02020603050405020304" pitchFamily="18" charset="0"/>
             </a:endParaRPr>
           </a:p>
           <a:p>
+            <a:pPr algn="just">
+              <a:buFont typeface="Wingdings" panose="05000000000000000000" pitchFamily="2" charset="2"/>
+              <a:buChar char="§"/>
+            </a:pPr>
+            <a:r>
+              <a:rPr lang="pt-BR" sz="1800" dirty="0">
+                <a:latin typeface="Times New Roman" panose="02020603050405020304" pitchFamily="18" charset="0"/>
+                <a:cs typeface="Times New Roman" panose="02020603050405020304" pitchFamily="18" charset="0"/>
+              </a:rPr>
+              <a:t>https://brasil.io/home/</a:t>
+            </a:r>
+          </a:p>
+          <a:p>
             <a:pPr marL="0" indent="0" algn="just">
               <a:buNone/>
             </a:pPr>
-            <a:endParaRPr lang="pt-BR" sz="2400" dirty="0">
+            <a:endParaRPr lang="pt-BR" sz="1800" b="1" dirty="0">
+              <a:latin typeface="Times New Roman" panose="02020603050405020304" pitchFamily="18" charset="0"/>
+              <a:cs typeface="Times New Roman" panose="02020603050405020304" pitchFamily="18" charset="0"/>
+            </a:endParaRPr>
+          </a:p>
+          <a:p>
+            <a:pPr marL="0" indent="0" algn="just">
+              <a:buNone/>
+            </a:pPr>
+            <a:r>
+              <a:rPr lang="pt-BR" sz="1800" b="1" dirty="0" err="1">
+                <a:latin typeface="Times New Roman" panose="02020603050405020304" pitchFamily="18" charset="0"/>
+                <a:cs typeface="Times New Roman" panose="02020603050405020304" pitchFamily="18" charset="0"/>
+              </a:rPr>
+              <a:t>import</a:t>
+            </a:r>
+            <a:endParaRPr lang="pt-BR" sz="1800" b="1" dirty="0">
+              <a:latin typeface="Times New Roman" panose="02020603050405020304" pitchFamily="18" charset="0"/>
+              <a:cs typeface="Times New Roman" panose="02020603050405020304" pitchFamily="18" charset="0"/>
+            </a:endParaRPr>
+          </a:p>
+          <a:p>
+            <a:pPr marL="0" indent="0" algn="just">
+              <a:buNone/>
+            </a:pPr>
+            <a:r>
+              <a:rPr lang="pt-BR" sz="1800" b="1" dirty="0">
+                <a:solidFill>
+                  <a:srgbClr val="FF0000"/>
+                </a:solidFill>
+                <a:latin typeface="Times New Roman" panose="02020603050405020304" pitchFamily="18" charset="0"/>
+                <a:cs typeface="Times New Roman" panose="02020603050405020304" pitchFamily="18" charset="0"/>
+              </a:rPr>
+              <a:t>pandas</a:t>
+            </a:r>
+            <a:r>
+              <a:rPr lang="pt-BR" sz="1800" dirty="0">
+                <a:latin typeface="Times New Roman" panose="02020603050405020304" pitchFamily="18" charset="0"/>
+                <a:cs typeface="Times New Roman" panose="02020603050405020304" pitchFamily="18" charset="0"/>
+              </a:rPr>
+              <a:t> as </a:t>
+            </a:r>
+            <a:r>
+              <a:rPr lang="pt-BR" sz="1800" dirty="0" err="1">
+                <a:latin typeface="Times New Roman" panose="02020603050405020304" pitchFamily="18" charset="0"/>
+                <a:cs typeface="Times New Roman" panose="02020603050405020304" pitchFamily="18" charset="0"/>
+              </a:rPr>
+              <a:t>pd</a:t>
+            </a:r>
+            <a:r>
+              <a:rPr lang="pt-BR" sz="1800" dirty="0">
+                <a:latin typeface="Times New Roman" panose="02020603050405020304" pitchFamily="18" charset="0"/>
+                <a:cs typeface="Times New Roman" panose="02020603050405020304" pitchFamily="18" charset="0"/>
+              </a:rPr>
+              <a:t> # </a:t>
+            </a:r>
+            <a:r>
+              <a:rPr lang="pt-BR" sz="1800" b="1" dirty="0" err="1">
+                <a:latin typeface="Times New Roman" panose="02020603050405020304" pitchFamily="18" charset="0"/>
+                <a:cs typeface="Times New Roman" panose="02020603050405020304" pitchFamily="18" charset="0"/>
+              </a:rPr>
+              <a:t>Seaborn</a:t>
+            </a:r>
+            <a:endParaRPr lang="pt-BR" sz="1800" b="1" dirty="0">
+              <a:latin typeface="Times New Roman" panose="02020603050405020304" pitchFamily="18" charset="0"/>
+              <a:cs typeface="Times New Roman" panose="02020603050405020304" pitchFamily="18" charset="0"/>
+            </a:endParaRPr>
+          </a:p>
+          <a:p>
+            <a:pPr marL="0" indent="0" algn="just">
+              <a:buNone/>
+            </a:pPr>
+            <a:endParaRPr lang="pt-BR" sz="1800" dirty="0">
               <a:latin typeface="Times New Roman" panose="02020603050405020304" pitchFamily="18" charset="0"/>
               <a:cs typeface="Times New Roman" panose="02020603050405020304" pitchFamily="18" charset="0"/>
             </a:endParaRPr>
@@ -5046,7 +5254,7 @@
     </p:spTree>
     <p:extLst>
       <p:ext uri="{BB962C8B-B14F-4D97-AF65-F5344CB8AC3E}">
-        <p14:creationId xmlns:p14="http://schemas.microsoft.com/office/powerpoint/2010/main" val="1397642976"/>
+        <p14:creationId xmlns:p14="http://schemas.microsoft.com/office/powerpoint/2010/main" val="2475896952"/>
       </p:ext>
     </p:extLst>
   </p:cSld>
@@ -5158,7 +5366,44 @@
                 <a:latin typeface="Times New Roman" panose="02020603050405020304" pitchFamily="18" charset="0"/>
                 <a:cs typeface="Times New Roman" panose="02020603050405020304" pitchFamily="18" charset="0"/>
               </a:rPr>
-              <a:t>[1] .</a:t>
+              <a:t>[1] </a:t>
+            </a:r>
+            <a:r>
+              <a:rPr lang="pt-BR" sz="2000" b="1" dirty="0">
+                <a:solidFill>
+                  <a:srgbClr val="FF0000"/>
+                </a:solidFill>
+                <a:latin typeface="Times New Roman" panose="02020603050405020304" pitchFamily="18" charset="0"/>
+                <a:cs typeface="Times New Roman" panose="02020603050405020304" pitchFamily="18" charset="0"/>
+              </a:rPr>
+              <a:t>SIEGEL, </a:t>
+            </a:r>
+            <a:r>
+              <a:rPr lang="pt-BR" sz="2000" b="1" dirty="0" err="1">
+                <a:solidFill>
+                  <a:srgbClr val="FF0000"/>
+                </a:solidFill>
+                <a:latin typeface="Times New Roman" panose="02020603050405020304" pitchFamily="18" charset="0"/>
+                <a:cs typeface="Times New Roman" panose="02020603050405020304" pitchFamily="18" charset="0"/>
+              </a:rPr>
+              <a:t>Idaltchion</a:t>
+            </a:r>
+            <a:r>
+              <a:rPr lang="pt-BR" sz="2000" b="1" dirty="0">
+                <a:solidFill>
+                  <a:srgbClr val="FF0000"/>
+                </a:solidFill>
+                <a:latin typeface="Times New Roman" panose="02020603050405020304" pitchFamily="18" charset="0"/>
+                <a:cs typeface="Times New Roman" panose="02020603050405020304" pitchFamily="18" charset="0"/>
+              </a:rPr>
+              <a:t> Fabricio</a:t>
+            </a:r>
+            <a:r>
+              <a:rPr lang="pt-BR" sz="2000" dirty="0">
+                <a:latin typeface="Times New Roman" panose="02020603050405020304" pitchFamily="18" charset="0"/>
+                <a:cs typeface="Times New Roman" panose="02020603050405020304" pitchFamily="18" charset="0"/>
+              </a:rPr>
+              <a:t>. Linguagem Python e suas aplicações em ciência de dados. 2018.</a:t>
             </a:r>
           </a:p>
           <a:p>
@@ -5182,18 +5427,34 @@
               <a:t>[2] </a:t>
             </a:r>
             <a:r>
-              <a:rPr lang="pt-BR" sz="2000" dirty="0">
-                <a:latin typeface="Calibri" panose="020F0502020204030204" pitchFamily="34" charset="0"/>
-              </a:rPr>
-              <a:t>.</a:t>
-            </a:r>
+              <a:rPr lang="en-US" sz="2000" b="1" dirty="0">
+                <a:solidFill>
+                  <a:srgbClr val="FF0000"/>
+                </a:solidFill>
+                <a:latin typeface="Times New Roman" panose="02020603050405020304" pitchFamily="18" charset="0"/>
+                <a:cs typeface="Times New Roman" panose="02020603050405020304" pitchFamily="18" charset="0"/>
+              </a:rPr>
+              <a:t>CIELEN, Davy; MEYSMAN, Arno</a:t>
+            </a:r>
+            <a:r>
+              <a:rPr lang="en-US" sz="2000" dirty="0">
+                <a:latin typeface="Times New Roman" panose="02020603050405020304" pitchFamily="18" charset="0"/>
+                <a:cs typeface="Times New Roman" panose="02020603050405020304" pitchFamily="18" charset="0"/>
+              </a:rPr>
+              <a:t>. Introducing data science: big data, machine learning, and more, using Python tools. Simon and Schuster, 2016.</a:t>
+            </a:r>
+            <a:endParaRPr lang="pt-BR" sz="2000" dirty="0">
+              <a:latin typeface="Times New Roman" panose="02020603050405020304" pitchFamily="18" charset="0"/>
+              <a:cs typeface="Times New Roman" panose="02020603050405020304" pitchFamily="18" charset="0"/>
+            </a:endParaRPr>
           </a:p>
           <a:p>
             <a:pPr marL="0" indent="0" algn="just">
               <a:buNone/>
             </a:pPr>
             <a:endParaRPr lang="pt-BR" sz="2000" dirty="0">
-              <a:latin typeface="Calibri" panose="020F0502020204030204" pitchFamily="34" charset="0"/>
+              <a:latin typeface="Times New Roman" panose="02020603050405020304" pitchFamily="18" charset="0"/>
+              <a:cs typeface="Times New Roman" panose="02020603050405020304" pitchFamily="18" charset="0"/>
             </a:endParaRPr>
           </a:p>
           <a:p>
@@ -5202,9 +5463,107 @@
             </a:pPr>
             <a:r>
               <a:rPr lang="pt-BR" sz="2000" dirty="0">
-                <a:latin typeface="Calibri" panose="020F0502020204030204" pitchFamily="34" charset="0"/>
-              </a:rPr>
-              <a:t>[3] .</a:t>
+                <a:latin typeface="Times New Roman" panose="02020603050405020304" pitchFamily="18" charset="0"/>
+                <a:cs typeface="Times New Roman" panose="02020603050405020304" pitchFamily="18" charset="0"/>
+              </a:rPr>
+              <a:t>[3] </a:t>
+            </a:r>
+            <a:r>
+              <a:rPr lang="pt-BR" sz="2000" b="1" dirty="0">
+                <a:solidFill>
+                  <a:srgbClr val="FF0000"/>
+                </a:solidFill>
+                <a:latin typeface="Times New Roman" panose="02020603050405020304" pitchFamily="18" charset="0"/>
+                <a:cs typeface="Times New Roman" panose="02020603050405020304" pitchFamily="18" charset="0"/>
+              </a:rPr>
+              <a:t>MARTÍNEZ BLANCO, </a:t>
+            </a:r>
+            <a:r>
+              <a:rPr lang="pt-BR" sz="2000" b="1" dirty="0" err="1">
+                <a:solidFill>
+                  <a:srgbClr val="FF0000"/>
+                </a:solidFill>
+                <a:latin typeface="Times New Roman" panose="02020603050405020304" pitchFamily="18" charset="0"/>
+                <a:cs typeface="Times New Roman" panose="02020603050405020304" pitchFamily="18" charset="0"/>
+              </a:rPr>
+              <a:t>Miquel</a:t>
+            </a:r>
+            <a:r>
+              <a:rPr lang="pt-BR" sz="2000" dirty="0">
+                <a:latin typeface="Times New Roman" panose="02020603050405020304" pitchFamily="18" charset="0"/>
+                <a:cs typeface="Times New Roman" panose="02020603050405020304" pitchFamily="18" charset="0"/>
+              </a:rPr>
+              <a:t>. Big Data </a:t>
+            </a:r>
+            <a:r>
+              <a:rPr lang="pt-BR" sz="2000" dirty="0" err="1">
+                <a:latin typeface="Times New Roman" panose="02020603050405020304" pitchFamily="18" charset="0"/>
+                <a:cs typeface="Times New Roman" panose="02020603050405020304" pitchFamily="18" charset="0"/>
+              </a:rPr>
+              <a:t>technologies</a:t>
+            </a:r>
+            <a:r>
+              <a:rPr lang="pt-BR" sz="2000" dirty="0">
+                <a:latin typeface="Times New Roman" panose="02020603050405020304" pitchFamily="18" charset="0"/>
+                <a:cs typeface="Times New Roman" panose="02020603050405020304" pitchFamily="18" charset="0"/>
+              </a:rPr>
+              <a:t> for High Performance </a:t>
+            </a:r>
+            <a:r>
+              <a:rPr lang="pt-BR" sz="2000" dirty="0" err="1">
+                <a:latin typeface="Times New Roman" panose="02020603050405020304" pitchFamily="18" charset="0"/>
+                <a:cs typeface="Times New Roman" panose="02020603050405020304" pitchFamily="18" charset="0"/>
+              </a:rPr>
+              <a:t>Computing</a:t>
+            </a:r>
+            <a:r>
+              <a:rPr lang="pt-BR" sz="2000" dirty="0">
+                <a:latin typeface="Times New Roman" panose="02020603050405020304" pitchFamily="18" charset="0"/>
+                <a:cs typeface="Times New Roman" panose="02020603050405020304" pitchFamily="18" charset="0"/>
+              </a:rPr>
+              <a:t>. 2020. Trabalho de Conclusão de Curso. </a:t>
+            </a:r>
+            <a:r>
+              <a:rPr lang="pt-BR" sz="2000" dirty="0" err="1">
+                <a:latin typeface="Times New Roman" panose="02020603050405020304" pitchFamily="18" charset="0"/>
+                <a:cs typeface="Times New Roman" panose="02020603050405020304" pitchFamily="18" charset="0"/>
+              </a:rPr>
+              <a:t>Universitat</a:t>
+            </a:r>
+            <a:r>
+              <a:rPr lang="pt-BR" sz="2000" dirty="0">
+                <a:latin typeface="Times New Roman" panose="02020603050405020304" pitchFamily="18" charset="0"/>
+                <a:cs typeface="Times New Roman" panose="02020603050405020304" pitchFamily="18" charset="0"/>
+              </a:rPr>
+              <a:t> </a:t>
+            </a:r>
+            <a:r>
+              <a:rPr lang="pt-BR" sz="2000" dirty="0" err="1">
+                <a:latin typeface="Times New Roman" panose="02020603050405020304" pitchFamily="18" charset="0"/>
+                <a:cs typeface="Times New Roman" panose="02020603050405020304" pitchFamily="18" charset="0"/>
+              </a:rPr>
+              <a:t>Politècnica</a:t>
+            </a:r>
+            <a:r>
+              <a:rPr lang="pt-BR" sz="2000" dirty="0">
+                <a:latin typeface="Times New Roman" panose="02020603050405020304" pitchFamily="18" charset="0"/>
+                <a:cs typeface="Times New Roman" panose="02020603050405020304" pitchFamily="18" charset="0"/>
+              </a:rPr>
+              <a:t> de </a:t>
+            </a:r>
+            <a:r>
+              <a:rPr lang="pt-BR" sz="2000" dirty="0" err="1">
+                <a:latin typeface="Times New Roman" panose="02020603050405020304" pitchFamily="18" charset="0"/>
+                <a:cs typeface="Times New Roman" panose="02020603050405020304" pitchFamily="18" charset="0"/>
+              </a:rPr>
+              <a:t>Catalunya</a:t>
+            </a:r>
+            <a:r>
+              <a:rPr lang="pt-BR" sz="2000" dirty="0">
+                <a:latin typeface="Times New Roman" panose="02020603050405020304" pitchFamily="18" charset="0"/>
+                <a:cs typeface="Times New Roman" panose="02020603050405020304" pitchFamily="18" charset="0"/>
+              </a:rPr>
+              <a:t>.</a:t>
             </a:r>
           </a:p>
         </p:txBody>

--- a/01 Classes/Aula 11 - Aplicação Cloud Indústria 40 Python Integração Cloud Big Data Parte 2.pptx
+++ b/01 Classes/Aula 11 - Aplicação Cloud Indústria 40 Python Integração Cloud Big Data Parte 2.pptx
@@ -5,17 +5,30 @@
     <p:sldMasterId id="2147483648" r:id="rId1"/>
   </p:sldMasterIdLst>
   <p:notesMasterIdLst>
-    <p:notesMasterId r:id="rId10"/>
+    <p:notesMasterId r:id="rId23"/>
   </p:notesMasterIdLst>
   <p:sldIdLst>
     <p:sldId id="256" r:id="rId2"/>
     <p:sldId id="291" r:id="rId3"/>
-    <p:sldId id="346" r:id="rId4"/>
-    <p:sldId id="333" r:id="rId5"/>
-    <p:sldId id="323" r:id="rId6"/>
-    <p:sldId id="360" r:id="rId7"/>
-    <p:sldId id="337" r:id="rId8"/>
-    <p:sldId id="309" r:id="rId9"/>
+    <p:sldId id="362" r:id="rId4"/>
+    <p:sldId id="364" r:id="rId5"/>
+    <p:sldId id="346" r:id="rId6"/>
+    <p:sldId id="361" r:id="rId7"/>
+    <p:sldId id="363" r:id="rId8"/>
+    <p:sldId id="365" r:id="rId9"/>
+    <p:sldId id="366" r:id="rId10"/>
+    <p:sldId id="367" r:id="rId11"/>
+    <p:sldId id="373" r:id="rId12"/>
+    <p:sldId id="368" r:id="rId13"/>
+    <p:sldId id="369" r:id="rId14"/>
+    <p:sldId id="370" r:id="rId15"/>
+    <p:sldId id="371" r:id="rId16"/>
+    <p:sldId id="372" r:id="rId17"/>
+    <p:sldId id="333" r:id="rId18"/>
+    <p:sldId id="323" r:id="rId19"/>
+    <p:sldId id="360" r:id="rId20"/>
+    <p:sldId id="337" r:id="rId21"/>
+    <p:sldId id="309" r:id="rId22"/>
   </p:sldIdLst>
   <p:sldSz cx="9144000" cy="5143500" type="screen16x9"/>
   <p:notesSz cx="6858000" cy="9144000"/>
@@ -562,6 +575,666 @@
 </p:notes>
 </file>
 
+<file path=ppt/notesSlides/notesSlide10.xml><?xml version="1.0" encoding="utf-8"?>
+<p:notes xmlns:a="http://schemas.openxmlformats.org/drawingml/2006/main" xmlns:r="http://schemas.openxmlformats.org/officeDocument/2006/relationships" xmlns:p="http://schemas.openxmlformats.org/presentationml/2006/main">
+  <p:cSld>
+    <p:spTree>
+      <p:nvGrpSpPr>
+        <p:cNvPr id="1" name=""/>
+        <p:cNvGrpSpPr/>
+        <p:nvPr/>
+      </p:nvGrpSpPr>
+      <p:grpSpPr>
+        <a:xfrm>
+          <a:off x="0" y="0"/>
+          <a:ext cx="0" cy="0"/>
+          <a:chOff x="0" y="0"/>
+          <a:chExt cx="0" cy="0"/>
+        </a:xfrm>
+      </p:grpSpPr>
+      <p:sp>
+        <p:nvSpPr>
+          <p:cNvPr id="2" name="Espaço Reservado para Imagem de Slide 1"/>
+          <p:cNvSpPr>
+            <a:spLocks noGrp="1" noRot="1" noChangeAspect="1"/>
+          </p:cNvSpPr>
+          <p:nvPr>
+            <p:ph type="sldImg"/>
+          </p:nvPr>
+        </p:nvSpPr>
+        <p:spPr>
+          <a:xfrm>
+            <a:off x="381000" y="685800"/>
+            <a:ext cx="6096000" cy="3429000"/>
+          </a:xfrm>
+        </p:spPr>
+      </p:sp>
+      <p:sp>
+        <p:nvSpPr>
+          <p:cNvPr id="3" name="Espaço Reservado para Anotações 2"/>
+          <p:cNvSpPr>
+            <a:spLocks noGrp="1"/>
+          </p:cNvSpPr>
+          <p:nvPr>
+            <p:ph type="body" idx="1"/>
+          </p:nvPr>
+        </p:nvSpPr>
+        <p:spPr/>
+        <p:txBody>
+          <a:bodyPr/>
+          <a:lstStyle/>
+          <a:p>
+            <a:endParaRPr lang="pt-BR" dirty="0"/>
+          </a:p>
+        </p:txBody>
+      </p:sp>
+    </p:spTree>
+    <p:extLst>
+      <p:ext uri="{BB962C8B-B14F-4D97-AF65-F5344CB8AC3E}">
+        <p14:creationId xmlns:p14="http://schemas.microsoft.com/office/powerpoint/2010/main" val="2361065859"/>
+      </p:ext>
+    </p:extLst>
+  </p:cSld>
+  <p:clrMapOvr>
+    <a:masterClrMapping/>
+  </p:clrMapOvr>
+</p:notes>
+</file>
+
+<file path=ppt/notesSlides/notesSlide11.xml><?xml version="1.0" encoding="utf-8"?>
+<p:notes xmlns:a="http://schemas.openxmlformats.org/drawingml/2006/main" xmlns:r="http://schemas.openxmlformats.org/officeDocument/2006/relationships" xmlns:p="http://schemas.openxmlformats.org/presentationml/2006/main">
+  <p:cSld>
+    <p:spTree>
+      <p:nvGrpSpPr>
+        <p:cNvPr id="1" name=""/>
+        <p:cNvGrpSpPr/>
+        <p:nvPr/>
+      </p:nvGrpSpPr>
+      <p:grpSpPr>
+        <a:xfrm>
+          <a:off x="0" y="0"/>
+          <a:ext cx="0" cy="0"/>
+          <a:chOff x="0" y="0"/>
+          <a:chExt cx="0" cy="0"/>
+        </a:xfrm>
+      </p:grpSpPr>
+      <p:sp>
+        <p:nvSpPr>
+          <p:cNvPr id="2" name="Espaço Reservado para Imagem de Slide 1"/>
+          <p:cNvSpPr>
+            <a:spLocks noGrp="1" noRot="1" noChangeAspect="1"/>
+          </p:cNvSpPr>
+          <p:nvPr>
+            <p:ph type="sldImg"/>
+          </p:nvPr>
+        </p:nvSpPr>
+        <p:spPr>
+          <a:xfrm>
+            <a:off x="381000" y="685800"/>
+            <a:ext cx="6096000" cy="3429000"/>
+          </a:xfrm>
+        </p:spPr>
+      </p:sp>
+      <p:sp>
+        <p:nvSpPr>
+          <p:cNvPr id="3" name="Espaço Reservado para Anotações 2"/>
+          <p:cNvSpPr>
+            <a:spLocks noGrp="1"/>
+          </p:cNvSpPr>
+          <p:nvPr>
+            <p:ph type="body" idx="1"/>
+          </p:nvPr>
+        </p:nvSpPr>
+        <p:spPr/>
+        <p:txBody>
+          <a:bodyPr/>
+          <a:lstStyle/>
+          <a:p>
+            <a:endParaRPr lang="pt-BR" dirty="0"/>
+          </a:p>
+        </p:txBody>
+      </p:sp>
+    </p:spTree>
+    <p:extLst>
+      <p:ext uri="{BB962C8B-B14F-4D97-AF65-F5344CB8AC3E}">
+        <p14:creationId xmlns:p14="http://schemas.microsoft.com/office/powerpoint/2010/main" val="1322710471"/>
+      </p:ext>
+    </p:extLst>
+  </p:cSld>
+  <p:clrMapOvr>
+    <a:masterClrMapping/>
+  </p:clrMapOvr>
+</p:notes>
+</file>
+
+<file path=ppt/notesSlides/notesSlide12.xml><?xml version="1.0" encoding="utf-8"?>
+<p:notes xmlns:a="http://schemas.openxmlformats.org/drawingml/2006/main" xmlns:r="http://schemas.openxmlformats.org/officeDocument/2006/relationships" xmlns:p="http://schemas.openxmlformats.org/presentationml/2006/main">
+  <p:cSld>
+    <p:spTree>
+      <p:nvGrpSpPr>
+        <p:cNvPr id="1" name=""/>
+        <p:cNvGrpSpPr/>
+        <p:nvPr/>
+      </p:nvGrpSpPr>
+      <p:grpSpPr>
+        <a:xfrm>
+          <a:off x="0" y="0"/>
+          <a:ext cx="0" cy="0"/>
+          <a:chOff x="0" y="0"/>
+          <a:chExt cx="0" cy="0"/>
+        </a:xfrm>
+      </p:grpSpPr>
+      <p:sp>
+        <p:nvSpPr>
+          <p:cNvPr id="2" name="Espaço Reservado para Imagem de Slide 1"/>
+          <p:cNvSpPr>
+            <a:spLocks noGrp="1" noRot="1" noChangeAspect="1"/>
+          </p:cNvSpPr>
+          <p:nvPr>
+            <p:ph type="sldImg"/>
+          </p:nvPr>
+        </p:nvSpPr>
+        <p:spPr>
+          <a:xfrm>
+            <a:off x="381000" y="685800"/>
+            <a:ext cx="6096000" cy="3429000"/>
+          </a:xfrm>
+        </p:spPr>
+      </p:sp>
+      <p:sp>
+        <p:nvSpPr>
+          <p:cNvPr id="3" name="Espaço Reservado para Anotações 2"/>
+          <p:cNvSpPr>
+            <a:spLocks noGrp="1"/>
+          </p:cNvSpPr>
+          <p:nvPr>
+            <p:ph type="body" idx="1"/>
+          </p:nvPr>
+        </p:nvSpPr>
+        <p:spPr/>
+        <p:txBody>
+          <a:bodyPr/>
+          <a:lstStyle/>
+          <a:p>
+            <a:endParaRPr lang="pt-BR" dirty="0"/>
+          </a:p>
+        </p:txBody>
+      </p:sp>
+    </p:spTree>
+    <p:extLst>
+      <p:ext uri="{BB962C8B-B14F-4D97-AF65-F5344CB8AC3E}">
+        <p14:creationId xmlns:p14="http://schemas.microsoft.com/office/powerpoint/2010/main" val="2556311778"/>
+      </p:ext>
+    </p:extLst>
+  </p:cSld>
+  <p:clrMapOvr>
+    <a:masterClrMapping/>
+  </p:clrMapOvr>
+</p:notes>
+</file>
+
+<file path=ppt/notesSlides/notesSlide13.xml><?xml version="1.0" encoding="utf-8"?>
+<p:notes xmlns:a="http://schemas.openxmlformats.org/drawingml/2006/main" xmlns:r="http://schemas.openxmlformats.org/officeDocument/2006/relationships" xmlns:p="http://schemas.openxmlformats.org/presentationml/2006/main">
+  <p:cSld>
+    <p:spTree>
+      <p:nvGrpSpPr>
+        <p:cNvPr id="1" name=""/>
+        <p:cNvGrpSpPr/>
+        <p:nvPr/>
+      </p:nvGrpSpPr>
+      <p:grpSpPr>
+        <a:xfrm>
+          <a:off x="0" y="0"/>
+          <a:ext cx="0" cy="0"/>
+          <a:chOff x="0" y="0"/>
+          <a:chExt cx="0" cy="0"/>
+        </a:xfrm>
+      </p:grpSpPr>
+      <p:sp>
+        <p:nvSpPr>
+          <p:cNvPr id="2" name="Espaço Reservado para Imagem de Slide 1"/>
+          <p:cNvSpPr>
+            <a:spLocks noGrp="1" noRot="1" noChangeAspect="1"/>
+          </p:cNvSpPr>
+          <p:nvPr>
+            <p:ph type="sldImg"/>
+          </p:nvPr>
+        </p:nvSpPr>
+        <p:spPr>
+          <a:xfrm>
+            <a:off x="381000" y="685800"/>
+            <a:ext cx="6096000" cy="3429000"/>
+          </a:xfrm>
+        </p:spPr>
+      </p:sp>
+      <p:sp>
+        <p:nvSpPr>
+          <p:cNvPr id="3" name="Espaço Reservado para Anotações 2"/>
+          <p:cNvSpPr>
+            <a:spLocks noGrp="1"/>
+          </p:cNvSpPr>
+          <p:nvPr>
+            <p:ph type="body" idx="1"/>
+          </p:nvPr>
+        </p:nvSpPr>
+        <p:spPr/>
+        <p:txBody>
+          <a:bodyPr/>
+          <a:lstStyle/>
+          <a:p>
+            <a:endParaRPr lang="pt-BR" dirty="0"/>
+          </a:p>
+        </p:txBody>
+      </p:sp>
+    </p:spTree>
+    <p:extLst>
+      <p:ext uri="{BB962C8B-B14F-4D97-AF65-F5344CB8AC3E}">
+        <p14:creationId xmlns:p14="http://schemas.microsoft.com/office/powerpoint/2010/main" val="2931903177"/>
+      </p:ext>
+    </p:extLst>
+  </p:cSld>
+  <p:clrMapOvr>
+    <a:masterClrMapping/>
+  </p:clrMapOvr>
+</p:notes>
+</file>
+
+<file path=ppt/notesSlides/notesSlide14.xml><?xml version="1.0" encoding="utf-8"?>
+<p:notes xmlns:a="http://schemas.openxmlformats.org/drawingml/2006/main" xmlns:r="http://schemas.openxmlformats.org/officeDocument/2006/relationships" xmlns:p="http://schemas.openxmlformats.org/presentationml/2006/main">
+  <p:cSld>
+    <p:spTree>
+      <p:nvGrpSpPr>
+        <p:cNvPr id="1" name=""/>
+        <p:cNvGrpSpPr/>
+        <p:nvPr/>
+      </p:nvGrpSpPr>
+      <p:grpSpPr>
+        <a:xfrm>
+          <a:off x="0" y="0"/>
+          <a:ext cx="0" cy="0"/>
+          <a:chOff x="0" y="0"/>
+          <a:chExt cx="0" cy="0"/>
+        </a:xfrm>
+      </p:grpSpPr>
+      <p:sp>
+        <p:nvSpPr>
+          <p:cNvPr id="2" name="Espaço Reservado para Imagem de Slide 1"/>
+          <p:cNvSpPr>
+            <a:spLocks noGrp="1" noRot="1" noChangeAspect="1"/>
+          </p:cNvSpPr>
+          <p:nvPr>
+            <p:ph type="sldImg"/>
+          </p:nvPr>
+        </p:nvSpPr>
+        <p:spPr>
+          <a:xfrm>
+            <a:off x="381000" y="685800"/>
+            <a:ext cx="6096000" cy="3429000"/>
+          </a:xfrm>
+        </p:spPr>
+      </p:sp>
+      <p:sp>
+        <p:nvSpPr>
+          <p:cNvPr id="3" name="Espaço Reservado para Anotações 2"/>
+          <p:cNvSpPr>
+            <a:spLocks noGrp="1"/>
+          </p:cNvSpPr>
+          <p:nvPr>
+            <p:ph type="body" idx="1"/>
+          </p:nvPr>
+        </p:nvSpPr>
+        <p:spPr/>
+        <p:txBody>
+          <a:bodyPr/>
+          <a:lstStyle/>
+          <a:p>
+            <a:endParaRPr lang="pt-BR" dirty="0"/>
+          </a:p>
+        </p:txBody>
+      </p:sp>
+    </p:spTree>
+    <p:extLst>
+      <p:ext uri="{BB962C8B-B14F-4D97-AF65-F5344CB8AC3E}">
+        <p14:creationId xmlns:p14="http://schemas.microsoft.com/office/powerpoint/2010/main" val="313528279"/>
+      </p:ext>
+    </p:extLst>
+  </p:cSld>
+  <p:clrMapOvr>
+    <a:masterClrMapping/>
+  </p:clrMapOvr>
+</p:notes>
+</file>
+
+<file path=ppt/notesSlides/notesSlide15.xml><?xml version="1.0" encoding="utf-8"?>
+<p:notes xmlns:a="http://schemas.openxmlformats.org/drawingml/2006/main" xmlns:r="http://schemas.openxmlformats.org/officeDocument/2006/relationships" xmlns:p="http://schemas.openxmlformats.org/presentationml/2006/main">
+  <p:cSld>
+    <p:spTree>
+      <p:nvGrpSpPr>
+        <p:cNvPr id="1" name=""/>
+        <p:cNvGrpSpPr/>
+        <p:nvPr/>
+      </p:nvGrpSpPr>
+      <p:grpSpPr>
+        <a:xfrm>
+          <a:off x="0" y="0"/>
+          <a:ext cx="0" cy="0"/>
+          <a:chOff x="0" y="0"/>
+          <a:chExt cx="0" cy="0"/>
+        </a:xfrm>
+      </p:grpSpPr>
+      <p:sp>
+        <p:nvSpPr>
+          <p:cNvPr id="2" name="Espaço Reservado para Imagem de Slide 1"/>
+          <p:cNvSpPr>
+            <a:spLocks noGrp="1" noRot="1" noChangeAspect="1"/>
+          </p:cNvSpPr>
+          <p:nvPr>
+            <p:ph type="sldImg"/>
+          </p:nvPr>
+        </p:nvSpPr>
+        <p:spPr>
+          <a:xfrm>
+            <a:off x="381000" y="685800"/>
+            <a:ext cx="6096000" cy="3429000"/>
+          </a:xfrm>
+        </p:spPr>
+      </p:sp>
+      <p:sp>
+        <p:nvSpPr>
+          <p:cNvPr id="3" name="Espaço Reservado para Anotações 2"/>
+          <p:cNvSpPr>
+            <a:spLocks noGrp="1"/>
+          </p:cNvSpPr>
+          <p:nvPr>
+            <p:ph type="body" idx="1"/>
+          </p:nvPr>
+        </p:nvSpPr>
+        <p:spPr/>
+        <p:txBody>
+          <a:bodyPr/>
+          <a:lstStyle/>
+          <a:p>
+            <a:endParaRPr lang="pt-BR" dirty="0"/>
+          </a:p>
+        </p:txBody>
+      </p:sp>
+    </p:spTree>
+    <p:extLst>
+      <p:ext uri="{BB962C8B-B14F-4D97-AF65-F5344CB8AC3E}">
+        <p14:creationId xmlns:p14="http://schemas.microsoft.com/office/powerpoint/2010/main" val="1645344979"/>
+      </p:ext>
+    </p:extLst>
+  </p:cSld>
+  <p:clrMapOvr>
+    <a:masterClrMapping/>
+  </p:clrMapOvr>
+</p:notes>
+</file>
+
+<file path=ppt/notesSlides/notesSlide16.xml><?xml version="1.0" encoding="utf-8"?>
+<p:notes xmlns:a="http://schemas.openxmlformats.org/drawingml/2006/main" xmlns:r="http://schemas.openxmlformats.org/officeDocument/2006/relationships" xmlns:p="http://schemas.openxmlformats.org/presentationml/2006/main">
+  <p:cSld>
+    <p:spTree>
+      <p:nvGrpSpPr>
+        <p:cNvPr id="1" name=""/>
+        <p:cNvGrpSpPr/>
+        <p:nvPr/>
+      </p:nvGrpSpPr>
+      <p:grpSpPr>
+        <a:xfrm>
+          <a:off x="0" y="0"/>
+          <a:ext cx="0" cy="0"/>
+          <a:chOff x="0" y="0"/>
+          <a:chExt cx="0" cy="0"/>
+        </a:xfrm>
+      </p:grpSpPr>
+      <p:sp>
+        <p:nvSpPr>
+          <p:cNvPr id="2" name="Espaço Reservado para Imagem de Slide 1"/>
+          <p:cNvSpPr>
+            <a:spLocks noGrp="1" noRot="1" noChangeAspect="1"/>
+          </p:cNvSpPr>
+          <p:nvPr>
+            <p:ph type="sldImg"/>
+          </p:nvPr>
+        </p:nvSpPr>
+        <p:spPr>
+          <a:xfrm>
+            <a:off x="381000" y="685800"/>
+            <a:ext cx="6096000" cy="3429000"/>
+          </a:xfrm>
+        </p:spPr>
+      </p:sp>
+      <p:sp>
+        <p:nvSpPr>
+          <p:cNvPr id="3" name="Espaço Reservado para Anotações 2"/>
+          <p:cNvSpPr>
+            <a:spLocks noGrp="1"/>
+          </p:cNvSpPr>
+          <p:nvPr>
+            <p:ph type="body" idx="1"/>
+          </p:nvPr>
+        </p:nvSpPr>
+        <p:spPr/>
+        <p:txBody>
+          <a:bodyPr/>
+          <a:lstStyle/>
+          <a:p>
+            <a:endParaRPr lang="pt-BR" dirty="0"/>
+          </a:p>
+        </p:txBody>
+      </p:sp>
+    </p:spTree>
+    <p:extLst>
+      <p:ext uri="{BB962C8B-B14F-4D97-AF65-F5344CB8AC3E}">
+        <p14:creationId xmlns:p14="http://schemas.microsoft.com/office/powerpoint/2010/main" val="585304384"/>
+      </p:ext>
+    </p:extLst>
+  </p:cSld>
+  <p:clrMapOvr>
+    <a:masterClrMapping/>
+  </p:clrMapOvr>
+</p:notes>
+</file>
+
+<file path=ppt/notesSlides/notesSlide17.xml><?xml version="1.0" encoding="utf-8"?>
+<p:notes xmlns:a="http://schemas.openxmlformats.org/drawingml/2006/main" xmlns:r="http://schemas.openxmlformats.org/officeDocument/2006/relationships" xmlns:p="http://schemas.openxmlformats.org/presentationml/2006/main">
+  <p:cSld>
+    <p:spTree>
+      <p:nvGrpSpPr>
+        <p:cNvPr id="1" name=""/>
+        <p:cNvGrpSpPr/>
+        <p:nvPr/>
+      </p:nvGrpSpPr>
+      <p:grpSpPr>
+        <a:xfrm>
+          <a:off x="0" y="0"/>
+          <a:ext cx="0" cy="0"/>
+          <a:chOff x="0" y="0"/>
+          <a:chExt cx="0" cy="0"/>
+        </a:xfrm>
+      </p:grpSpPr>
+      <p:sp>
+        <p:nvSpPr>
+          <p:cNvPr id="2" name="Espaço Reservado para Imagem de Slide 1"/>
+          <p:cNvSpPr>
+            <a:spLocks noGrp="1" noRot="1" noChangeAspect="1"/>
+          </p:cNvSpPr>
+          <p:nvPr>
+            <p:ph type="sldImg"/>
+          </p:nvPr>
+        </p:nvSpPr>
+        <p:spPr>
+          <a:xfrm>
+            <a:off x="381000" y="685800"/>
+            <a:ext cx="6096000" cy="3429000"/>
+          </a:xfrm>
+        </p:spPr>
+      </p:sp>
+      <p:sp>
+        <p:nvSpPr>
+          <p:cNvPr id="3" name="Espaço Reservado para Anotações 2"/>
+          <p:cNvSpPr>
+            <a:spLocks noGrp="1"/>
+          </p:cNvSpPr>
+          <p:nvPr>
+            <p:ph type="body" idx="1"/>
+          </p:nvPr>
+        </p:nvSpPr>
+        <p:spPr/>
+        <p:txBody>
+          <a:bodyPr/>
+          <a:lstStyle/>
+          <a:p>
+            <a:endParaRPr lang="pt-BR" dirty="0"/>
+          </a:p>
+        </p:txBody>
+      </p:sp>
+    </p:spTree>
+    <p:extLst>
+      <p:ext uri="{BB962C8B-B14F-4D97-AF65-F5344CB8AC3E}">
+        <p14:creationId xmlns:p14="http://schemas.microsoft.com/office/powerpoint/2010/main" val="2709569597"/>
+      </p:ext>
+    </p:extLst>
+  </p:cSld>
+  <p:clrMapOvr>
+    <a:masterClrMapping/>
+  </p:clrMapOvr>
+</p:notes>
+</file>
+
+<file path=ppt/notesSlides/notesSlide18.xml><?xml version="1.0" encoding="utf-8"?>
+<p:notes xmlns:a="http://schemas.openxmlformats.org/drawingml/2006/main" xmlns:r="http://schemas.openxmlformats.org/officeDocument/2006/relationships" xmlns:p="http://schemas.openxmlformats.org/presentationml/2006/main">
+  <p:cSld>
+    <p:spTree>
+      <p:nvGrpSpPr>
+        <p:cNvPr id="1" name=""/>
+        <p:cNvGrpSpPr/>
+        <p:nvPr/>
+      </p:nvGrpSpPr>
+      <p:grpSpPr>
+        <a:xfrm>
+          <a:off x="0" y="0"/>
+          <a:ext cx="0" cy="0"/>
+          <a:chOff x="0" y="0"/>
+          <a:chExt cx="0" cy="0"/>
+        </a:xfrm>
+      </p:grpSpPr>
+      <p:sp>
+        <p:nvSpPr>
+          <p:cNvPr id="2" name="Espaço Reservado para Imagem de Slide 1"/>
+          <p:cNvSpPr>
+            <a:spLocks noGrp="1" noRot="1" noChangeAspect="1"/>
+          </p:cNvSpPr>
+          <p:nvPr>
+            <p:ph type="sldImg"/>
+          </p:nvPr>
+        </p:nvSpPr>
+        <p:spPr>
+          <a:xfrm>
+            <a:off x="381000" y="685800"/>
+            <a:ext cx="6096000" cy="3429000"/>
+          </a:xfrm>
+        </p:spPr>
+      </p:sp>
+      <p:sp>
+        <p:nvSpPr>
+          <p:cNvPr id="3" name="Espaço Reservado para Anotações 2"/>
+          <p:cNvSpPr>
+            <a:spLocks noGrp="1"/>
+          </p:cNvSpPr>
+          <p:nvPr>
+            <p:ph type="body" idx="1"/>
+          </p:nvPr>
+        </p:nvSpPr>
+        <p:spPr/>
+        <p:txBody>
+          <a:bodyPr/>
+          <a:lstStyle/>
+          <a:p>
+            <a:endParaRPr lang="pt-BR" dirty="0"/>
+          </a:p>
+        </p:txBody>
+      </p:sp>
+    </p:spTree>
+    <p:extLst>
+      <p:ext uri="{BB962C8B-B14F-4D97-AF65-F5344CB8AC3E}">
+        <p14:creationId xmlns:p14="http://schemas.microsoft.com/office/powerpoint/2010/main" val="1756347281"/>
+      </p:ext>
+    </p:extLst>
+  </p:cSld>
+  <p:clrMapOvr>
+    <a:masterClrMapping/>
+  </p:clrMapOvr>
+</p:notes>
+</file>
+
+<file path=ppt/notesSlides/notesSlide19.xml><?xml version="1.0" encoding="utf-8"?>
+<p:notes xmlns:a="http://schemas.openxmlformats.org/drawingml/2006/main" xmlns:r="http://schemas.openxmlformats.org/officeDocument/2006/relationships" xmlns:p="http://schemas.openxmlformats.org/presentationml/2006/main">
+  <p:cSld>
+    <p:spTree>
+      <p:nvGrpSpPr>
+        <p:cNvPr id="1" name=""/>
+        <p:cNvGrpSpPr/>
+        <p:nvPr/>
+      </p:nvGrpSpPr>
+      <p:grpSpPr>
+        <a:xfrm>
+          <a:off x="0" y="0"/>
+          <a:ext cx="0" cy="0"/>
+          <a:chOff x="0" y="0"/>
+          <a:chExt cx="0" cy="0"/>
+        </a:xfrm>
+      </p:grpSpPr>
+      <p:sp>
+        <p:nvSpPr>
+          <p:cNvPr id="2" name="Espaço Reservado para Imagem de Slide 1"/>
+          <p:cNvSpPr>
+            <a:spLocks noGrp="1" noRot="1" noChangeAspect="1"/>
+          </p:cNvSpPr>
+          <p:nvPr>
+            <p:ph type="sldImg"/>
+          </p:nvPr>
+        </p:nvSpPr>
+        <p:spPr>
+          <a:xfrm>
+            <a:off x="381000" y="685800"/>
+            <a:ext cx="6096000" cy="3429000"/>
+          </a:xfrm>
+        </p:spPr>
+      </p:sp>
+      <p:sp>
+        <p:nvSpPr>
+          <p:cNvPr id="3" name="Espaço Reservado para Anotações 2"/>
+          <p:cNvSpPr>
+            <a:spLocks noGrp="1"/>
+          </p:cNvSpPr>
+          <p:nvPr>
+            <p:ph type="body" idx="1"/>
+          </p:nvPr>
+        </p:nvSpPr>
+        <p:spPr/>
+        <p:txBody>
+          <a:bodyPr/>
+          <a:lstStyle/>
+          <a:p>
+            <a:endParaRPr lang="pt-BR" dirty="0"/>
+          </a:p>
+        </p:txBody>
+      </p:sp>
+    </p:spTree>
+    <p:extLst>
+      <p:ext uri="{BB962C8B-B14F-4D97-AF65-F5344CB8AC3E}">
+        <p14:creationId xmlns:p14="http://schemas.microsoft.com/office/powerpoint/2010/main" val="4290351292"/>
+      </p:ext>
+    </p:extLst>
+  </p:cSld>
+  <p:clrMapOvr>
+    <a:masterClrMapping/>
+  </p:clrMapOvr>
+</p:notes>
+</file>
+
 <file path=ppt/notesSlides/notesSlide2.xml><?xml version="1.0" encoding="utf-8"?>
 <p:notes xmlns:a="http://schemas.openxmlformats.org/drawingml/2006/main" xmlns:r="http://schemas.openxmlformats.org/officeDocument/2006/relationships" xmlns:p="http://schemas.openxmlformats.org/presentationml/2006/main">
   <p:cSld>
@@ -618,7 +1291,7 @@
     </p:spTree>
     <p:extLst>
       <p:ext uri="{BB962C8B-B14F-4D97-AF65-F5344CB8AC3E}">
-        <p14:creationId xmlns:p14="http://schemas.microsoft.com/office/powerpoint/2010/main" val="2948490523"/>
+        <p14:creationId xmlns:p14="http://schemas.microsoft.com/office/powerpoint/2010/main" val="2870822715"/>
       </p:ext>
     </p:extLst>
   </p:cSld>
@@ -684,7 +1357,7 @@
     </p:spTree>
     <p:extLst>
       <p:ext uri="{BB962C8B-B14F-4D97-AF65-F5344CB8AC3E}">
-        <p14:creationId xmlns:p14="http://schemas.microsoft.com/office/powerpoint/2010/main" val="585304384"/>
+        <p14:creationId xmlns:p14="http://schemas.microsoft.com/office/powerpoint/2010/main" val="1622577186"/>
       </p:ext>
     </p:extLst>
   </p:cSld>
@@ -750,7 +1423,7 @@
     </p:spTree>
     <p:extLst>
       <p:ext uri="{BB962C8B-B14F-4D97-AF65-F5344CB8AC3E}">
-        <p14:creationId xmlns:p14="http://schemas.microsoft.com/office/powerpoint/2010/main" val="2709569597"/>
+        <p14:creationId xmlns:p14="http://schemas.microsoft.com/office/powerpoint/2010/main" val="2948490523"/>
       </p:ext>
     </p:extLst>
   </p:cSld>
@@ -816,7 +1489,7 @@
     </p:spTree>
     <p:extLst>
       <p:ext uri="{BB962C8B-B14F-4D97-AF65-F5344CB8AC3E}">
-        <p14:creationId xmlns:p14="http://schemas.microsoft.com/office/powerpoint/2010/main" val="1756347281"/>
+        <p14:creationId xmlns:p14="http://schemas.microsoft.com/office/powerpoint/2010/main" val="2420444968"/>
       </p:ext>
     </p:extLst>
   </p:cSld>
@@ -882,7 +1555,205 @@
     </p:spTree>
     <p:extLst>
       <p:ext uri="{BB962C8B-B14F-4D97-AF65-F5344CB8AC3E}">
-        <p14:creationId xmlns:p14="http://schemas.microsoft.com/office/powerpoint/2010/main" val="4290351292"/>
+        <p14:creationId xmlns:p14="http://schemas.microsoft.com/office/powerpoint/2010/main" val="2399878777"/>
+      </p:ext>
+    </p:extLst>
+  </p:cSld>
+  <p:clrMapOvr>
+    <a:masterClrMapping/>
+  </p:clrMapOvr>
+</p:notes>
+</file>
+
+<file path=ppt/notesSlides/notesSlide7.xml><?xml version="1.0" encoding="utf-8"?>
+<p:notes xmlns:a="http://schemas.openxmlformats.org/drawingml/2006/main" xmlns:r="http://schemas.openxmlformats.org/officeDocument/2006/relationships" xmlns:p="http://schemas.openxmlformats.org/presentationml/2006/main">
+  <p:cSld>
+    <p:spTree>
+      <p:nvGrpSpPr>
+        <p:cNvPr id="1" name=""/>
+        <p:cNvGrpSpPr/>
+        <p:nvPr/>
+      </p:nvGrpSpPr>
+      <p:grpSpPr>
+        <a:xfrm>
+          <a:off x="0" y="0"/>
+          <a:ext cx="0" cy="0"/>
+          <a:chOff x="0" y="0"/>
+          <a:chExt cx="0" cy="0"/>
+        </a:xfrm>
+      </p:grpSpPr>
+      <p:sp>
+        <p:nvSpPr>
+          <p:cNvPr id="2" name="Espaço Reservado para Imagem de Slide 1"/>
+          <p:cNvSpPr>
+            <a:spLocks noGrp="1" noRot="1" noChangeAspect="1"/>
+          </p:cNvSpPr>
+          <p:nvPr>
+            <p:ph type="sldImg"/>
+          </p:nvPr>
+        </p:nvSpPr>
+        <p:spPr>
+          <a:xfrm>
+            <a:off x="381000" y="685800"/>
+            <a:ext cx="6096000" cy="3429000"/>
+          </a:xfrm>
+        </p:spPr>
+      </p:sp>
+      <p:sp>
+        <p:nvSpPr>
+          <p:cNvPr id="3" name="Espaço Reservado para Anotações 2"/>
+          <p:cNvSpPr>
+            <a:spLocks noGrp="1"/>
+          </p:cNvSpPr>
+          <p:nvPr>
+            <p:ph type="body" idx="1"/>
+          </p:nvPr>
+        </p:nvSpPr>
+        <p:spPr/>
+        <p:txBody>
+          <a:bodyPr/>
+          <a:lstStyle/>
+          <a:p>
+            <a:endParaRPr lang="pt-BR" dirty="0"/>
+          </a:p>
+        </p:txBody>
+      </p:sp>
+    </p:spTree>
+    <p:extLst>
+      <p:ext uri="{BB962C8B-B14F-4D97-AF65-F5344CB8AC3E}">
+        <p14:creationId xmlns:p14="http://schemas.microsoft.com/office/powerpoint/2010/main" val="3196507271"/>
+      </p:ext>
+    </p:extLst>
+  </p:cSld>
+  <p:clrMapOvr>
+    <a:masterClrMapping/>
+  </p:clrMapOvr>
+</p:notes>
+</file>
+
+<file path=ppt/notesSlides/notesSlide8.xml><?xml version="1.0" encoding="utf-8"?>
+<p:notes xmlns:a="http://schemas.openxmlformats.org/drawingml/2006/main" xmlns:r="http://schemas.openxmlformats.org/officeDocument/2006/relationships" xmlns:p="http://schemas.openxmlformats.org/presentationml/2006/main">
+  <p:cSld>
+    <p:spTree>
+      <p:nvGrpSpPr>
+        <p:cNvPr id="1" name=""/>
+        <p:cNvGrpSpPr/>
+        <p:nvPr/>
+      </p:nvGrpSpPr>
+      <p:grpSpPr>
+        <a:xfrm>
+          <a:off x="0" y="0"/>
+          <a:ext cx="0" cy="0"/>
+          <a:chOff x="0" y="0"/>
+          <a:chExt cx="0" cy="0"/>
+        </a:xfrm>
+      </p:grpSpPr>
+      <p:sp>
+        <p:nvSpPr>
+          <p:cNvPr id="2" name="Espaço Reservado para Imagem de Slide 1"/>
+          <p:cNvSpPr>
+            <a:spLocks noGrp="1" noRot="1" noChangeAspect="1"/>
+          </p:cNvSpPr>
+          <p:nvPr>
+            <p:ph type="sldImg"/>
+          </p:nvPr>
+        </p:nvSpPr>
+        <p:spPr>
+          <a:xfrm>
+            <a:off x="381000" y="685800"/>
+            <a:ext cx="6096000" cy="3429000"/>
+          </a:xfrm>
+        </p:spPr>
+      </p:sp>
+      <p:sp>
+        <p:nvSpPr>
+          <p:cNvPr id="3" name="Espaço Reservado para Anotações 2"/>
+          <p:cNvSpPr>
+            <a:spLocks noGrp="1"/>
+          </p:cNvSpPr>
+          <p:nvPr>
+            <p:ph type="body" idx="1"/>
+          </p:nvPr>
+        </p:nvSpPr>
+        <p:spPr/>
+        <p:txBody>
+          <a:bodyPr/>
+          <a:lstStyle/>
+          <a:p>
+            <a:endParaRPr lang="pt-BR" dirty="0"/>
+          </a:p>
+        </p:txBody>
+      </p:sp>
+    </p:spTree>
+    <p:extLst>
+      <p:ext uri="{BB962C8B-B14F-4D97-AF65-F5344CB8AC3E}">
+        <p14:creationId xmlns:p14="http://schemas.microsoft.com/office/powerpoint/2010/main" val="2911397774"/>
+      </p:ext>
+    </p:extLst>
+  </p:cSld>
+  <p:clrMapOvr>
+    <a:masterClrMapping/>
+  </p:clrMapOvr>
+</p:notes>
+</file>
+
+<file path=ppt/notesSlides/notesSlide9.xml><?xml version="1.0" encoding="utf-8"?>
+<p:notes xmlns:a="http://schemas.openxmlformats.org/drawingml/2006/main" xmlns:r="http://schemas.openxmlformats.org/officeDocument/2006/relationships" xmlns:p="http://schemas.openxmlformats.org/presentationml/2006/main">
+  <p:cSld>
+    <p:spTree>
+      <p:nvGrpSpPr>
+        <p:cNvPr id="1" name=""/>
+        <p:cNvGrpSpPr/>
+        <p:nvPr/>
+      </p:nvGrpSpPr>
+      <p:grpSpPr>
+        <a:xfrm>
+          <a:off x="0" y="0"/>
+          <a:ext cx="0" cy="0"/>
+          <a:chOff x="0" y="0"/>
+          <a:chExt cx="0" cy="0"/>
+        </a:xfrm>
+      </p:grpSpPr>
+      <p:sp>
+        <p:nvSpPr>
+          <p:cNvPr id="2" name="Espaço Reservado para Imagem de Slide 1"/>
+          <p:cNvSpPr>
+            <a:spLocks noGrp="1" noRot="1" noChangeAspect="1"/>
+          </p:cNvSpPr>
+          <p:nvPr>
+            <p:ph type="sldImg"/>
+          </p:nvPr>
+        </p:nvSpPr>
+        <p:spPr>
+          <a:xfrm>
+            <a:off x="381000" y="685800"/>
+            <a:ext cx="6096000" cy="3429000"/>
+          </a:xfrm>
+        </p:spPr>
+      </p:sp>
+      <p:sp>
+        <p:nvSpPr>
+          <p:cNvPr id="3" name="Espaço Reservado para Anotações 2"/>
+          <p:cNvSpPr>
+            <a:spLocks noGrp="1"/>
+          </p:cNvSpPr>
+          <p:nvPr>
+            <p:ph type="body" idx="1"/>
+          </p:nvPr>
+        </p:nvSpPr>
+        <p:spPr/>
+        <p:txBody>
+          <a:bodyPr/>
+          <a:lstStyle/>
+          <a:p>
+            <a:endParaRPr lang="pt-BR" dirty="0"/>
+          </a:p>
+        </p:txBody>
+      </p:sp>
+    </p:spTree>
+    <p:extLst>
+      <p:ext uri="{BB962C8B-B14F-4D97-AF65-F5344CB8AC3E}">
+        <p14:creationId xmlns:p14="http://schemas.microsoft.com/office/powerpoint/2010/main" val="413967966"/>
       </p:ext>
     </p:extLst>
   </p:cSld>
@@ -3829,6 +4700,3764 @@
 </p:sld>
 </file>
 
+<file path=ppt/slides/slide10.xml><?xml version="1.0" encoding="utf-8"?>
+<p:sld xmlns:a="http://schemas.openxmlformats.org/drawingml/2006/main" xmlns:r="http://schemas.openxmlformats.org/officeDocument/2006/relationships" xmlns:p="http://schemas.openxmlformats.org/presentationml/2006/main">
+  <p:cSld>
+    <p:spTree>
+      <p:nvGrpSpPr>
+        <p:cNvPr id="1" name=""/>
+        <p:cNvGrpSpPr/>
+        <p:nvPr/>
+      </p:nvGrpSpPr>
+      <p:grpSpPr>
+        <a:xfrm>
+          <a:off x="0" y="0"/>
+          <a:ext cx="0" cy="0"/>
+          <a:chOff x="0" y="0"/>
+          <a:chExt cx="0" cy="0"/>
+        </a:xfrm>
+      </p:grpSpPr>
+      <p:sp>
+        <p:nvSpPr>
+          <p:cNvPr id="6" name="Title 1"/>
+          <p:cNvSpPr>
+            <a:spLocks noGrp="1"/>
+          </p:cNvSpPr>
+          <p:nvPr>
+            <p:ph type="title"/>
+          </p:nvPr>
+        </p:nvSpPr>
+        <p:spPr>
+          <a:xfrm>
+            <a:off x="457200" y="205980"/>
+            <a:ext cx="8229600" cy="857251"/>
+          </a:xfrm>
+        </p:spPr>
+        <p:txBody>
+          <a:bodyPr>
+            <a:normAutofit fontScale="90000"/>
+          </a:bodyPr>
+          <a:lstStyle/>
+          <a:p>
+            <a:r>
+              <a:rPr lang="pt-BR" b="1" dirty="0">
+                <a:solidFill>
+                  <a:srgbClr val="0070C0"/>
+                </a:solidFill>
+              </a:rPr>
+              <a:t>Python com Big Data - Continuação</a:t>
+            </a:r>
+            <a:endParaRPr lang="en-US" b="1" dirty="0">
+              <a:solidFill>
+                <a:srgbClr val="0070C0"/>
+              </a:solidFill>
+            </a:endParaRPr>
+          </a:p>
+        </p:txBody>
+      </p:sp>
+      <p:sp>
+        <p:nvSpPr>
+          <p:cNvPr id="8" name="Text Placeholder 2"/>
+          <p:cNvSpPr>
+            <a:spLocks noGrp="1"/>
+          </p:cNvSpPr>
+          <p:nvPr>
+            <p:ph type="body" sz="half" idx="1"/>
+          </p:nvPr>
+        </p:nvSpPr>
+        <p:spPr>
+          <a:xfrm>
+            <a:off x="142865" y="1200150"/>
+            <a:ext cx="8865056" cy="3737370"/>
+          </a:xfrm>
+        </p:spPr>
+        <p:txBody>
+          <a:bodyPr>
+            <a:noAutofit/>
+          </a:bodyPr>
+          <a:lstStyle/>
+          <a:p>
+            <a:pPr marL="0" indent="0" algn="just">
+              <a:buNone/>
+            </a:pPr>
+            <a:r>
+              <a:rPr lang="pt-BR" sz="2000" dirty="0">
+                <a:latin typeface="Times New Roman" panose="02020603050405020304" pitchFamily="18" charset="0"/>
+                <a:cs typeface="Times New Roman" panose="02020603050405020304" pitchFamily="18" charset="0"/>
+              </a:rPr>
+              <a:t># </a:t>
+            </a:r>
+            <a:r>
+              <a:rPr lang="pt-BR" sz="2000" b="1" dirty="0">
+                <a:latin typeface="Times New Roman" panose="02020603050405020304" pitchFamily="18" charset="0"/>
+                <a:cs typeface="Times New Roman" panose="02020603050405020304" pitchFamily="18" charset="0"/>
+              </a:rPr>
+              <a:t>4. Modelagem/Algoritmo = (IA, se necessário) -  dividir a base em </a:t>
+            </a:r>
+            <a:r>
+              <a:rPr lang="pt-BR" sz="2000" b="1" dirty="0">
+                <a:solidFill>
+                  <a:srgbClr val="FF0000"/>
+                </a:solidFill>
+                <a:latin typeface="Times New Roman" panose="02020603050405020304" pitchFamily="18" charset="0"/>
+                <a:cs typeface="Times New Roman" panose="02020603050405020304" pitchFamily="18" charset="0"/>
+              </a:rPr>
+              <a:t>Y e X</a:t>
+            </a:r>
+          </a:p>
+          <a:p>
+            <a:pPr marL="0" indent="0" algn="just">
+              <a:buNone/>
+            </a:pPr>
+            <a:r>
+              <a:rPr lang="pt-BR" sz="2000" dirty="0">
+                <a:latin typeface="Times New Roman" panose="02020603050405020304" pitchFamily="18" charset="0"/>
+                <a:cs typeface="Times New Roman" panose="02020603050405020304" pitchFamily="18" charset="0"/>
+              </a:rPr>
+              <a:t># </a:t>
+            </a:r>
+            <a:r>
+              <a:rPr lang="pt-BR" sz="2000" b="1" dirty="0">
+                <a:solidFill>
+                  <a:srgbClr val="FF0000"/>
+                </a:solidFill>
+                <a:latin typeface="Times New Roman" panose="02020603050405020304" pitchFamily="18" charset="0"/>
+                <a:cs typeface="Times New Roman" panose="02020603050405020304" pitchFamily="18" charset="0"/>
+              </a:rPr>
+              <a:t>Preparando a base de dados para o aprendizado da IA</a:t>
+            </a:r>
+          </a:p>
+          <a:p>
+            <a:pPr marL="0" indent="0" algn="just">
+              <a:buNone/>
+            </a:pPr>
+            <a:r>
+              <a:rPr lang="pt-BR" sz="2000" dirty="0">
+                <a:solidFill>
+                  <a:schemeClr val="tx1"/>
+                </a:solidFill>
+                <a:latin typeface="Times New Roman" panose="02020603050405020304" pitchFamily="18" charset="0"/>
+                <a:cs typeface="Times New Roman" panose="02020603050405020304" pitchFamily="18" charset="0"/>
+              </a:rPr>
+              <a:t># </a:t>
+            </a:r>
+            <a:r>
+              <a:rPr lang="pt-BR" sz="2000" b="1" dirty="0">
+                <a:solidFill>
+                  <a:srgbClr val="FF0000"/>
+                </a:solidFill>
+                <a:latin typeface="Times New Roman" panose="02020603050405020304" pitchFamily="18" charset="0"/>
+                <a:cs typeface="Times New Roman" panose="02020603050405020304" pitchFamily="18" charset="0"/>
+              </a:rPr>
+              <a:t>Previsões (</a:t>
+            </a:r>
+            <a:r>
+              <a:rPr lang="pt-BR" sz="2000" b="1" dirty="0">
+                <a:solidFill>
+                  <a:schemeClr val="tx1"/>
+                </a:solidFill>
+                <a:latin typeface="Times New Roman" panose="02020603050405020304" pitchFamily="18" charset="0"/>
+                <a:cs typeface="Times New Roman" panose="02020603050405020304" pitchFamily="18" charset="0"/>
+              </a:rPr>
+              <a:t>probabilidades</a:t>
+            </a:r>
+            <a:r>
+              <a:rPr lang="pt-BR" sz="2000" b="1" dirty="0">
+                <a:solidFill>
+                  <a:srgbClr val="FF0000"/>
+                </a:solidFill>
+                <a:latin typeface="Times New Roman" panose="02020603050405020304" pitchFamily="18" charset="0"/>
+                <a:cs typeface="Times New Roman" panose="02020603050405020304" pitchFamily="18" charset="0"/>
+              </a:rPr>
+              <a:t>)</a:t>
+            </a:r>
+          </a:p>
+          <a:p>
+            <a:pPr marL="0" indent="0" algn="just">
+              <a:buNone/>
+            </a:pPr>
+            <a:endParaRPr lang="pt-BR" sz="2000" b="1" dirty="0">
+              <a:solidFill>
+                <a:srgbClr val="FF0000"/>
+              </a:solidFill>
+              <a:latin typeface="Times New Roman" panose="02020603050405020304" pitchFamily="18" charset="0"/>
+              <a:cs typeface="Times New Roman" panose="02020603050405020304" pitchFamily="18" charset="0"/>
+            </a:endParaRPr>
+          </a:p>
+          <a:p>
+            <a:pPr marL="0" indent="0" algn="just">
+              <a:buNone/>
+            </a:pPr>
+            <a:r>
+              <a:rPr lang="pt-BR" sz="2000" dirty="0">
+                <a:latin typeface="Times New Roman" panose="02020603050405020304" pitchFamily="18" charset="0"/>
+                <a:cs typeface="Times New Roman" panose="02020603050405020304" pitchFamily="18" charset="0"/>
+              </a:rPr>
+              <a:t>y = entidade['</a:t>
+            </a:r>
+            <a:r>
+              <a:rPr lang="pt-BR" sz="2000" dirty="0" err="1">
+                <a:latin typeface="Times New Roman" panose="02020603050405020304" pitchFamily="18" charset="0"/>
+                <a:cs typeface="Times New Roman" panose="02020603050405020304" pitchFamily="18" charset="0"/>
+              </a:rPr>
+              <a:t>population</a:t>
+            </a:r>
+            <a:r>
+              <a:rPr lang="pt-BR" sz="2000" dirty="0">
+                <a:latin typeface="Times New Roman" panose="02020603050405020304" pitchFamily="18" charset="0"/>
+                <a:cs typeface="Times New Roman" panose="02020603050405020304" pitchFamily="18" charset="0"/>
+              </a:rPr>
+              <a:t>’]   # IA = </a:t>
+            </a:r>
+            <a:r>
+              <a:rPr lang="pt-BR" sz="2000" b="1" dirty="0">
+                <a:solidFill>
+                  <a:srgbClr val="FF0000"/>
+                </a:solidFill>
+                <a:latin typeface="Times New Roman" panose="02020603050405020304" pitchFamily="18" charset="0"/>
+                <a:cs typeface="Times New Roman" panose="02020603050405020304" pitchFamily="18" charset="0"/>
+              </a:rPr>
+              <a:t>aprender</a:t>
+            </a:r>
+            <a:r>
+              <a:rPr lang="pt-BR" sz="2000" b="1" dirty="0">
+                <a:latin typeface="Times New Roman" panose="02020603050405020304" pitchFamily="18" charset="0"/>
+                <a:cs typeface="Times New Roman" panose="02020603050405020304" pitchFamily="18" charset="0"/>
+              </a:rPr>
+              <a:t>/decorar</a:t>
+            </a:r>
+            <a:r>
+              <a:rPr lang="pt-BR" sz="2000" dirty="0">
+                <a:latin typeface="Times New Roman" panose="02020603050405020304" pitchFamily="18" charset="0"/>
+                <a:cs typeface="Times New Roman" panose="02020603050405020304" pitchFamily="18" charset="0"/>
+              </a:rPr>
+              <a:t>;</a:t>
+            </a:r>
+          </a:p>
+          <a:p>
+            <a:pPr marL="0" indent="0" algn="just">
+              <a:buNone/>
+            </a:pPr>
+            <a:endParaRPr lang="pt-BR" sz="2000" dirty="0">
+              <a:latin typeface="Times New Roman" panose="02020603050405020304" pitchFamily="18" charset="0"/>
+              <a:cs typeface="Times New Roman" panose="02020603050405020304" pitchFamily="18" charset="0"/>
+            </a:endParaRPr>
+          </a:p>
+          <a:p>
+            <a:pPr marL="0" indent="0" algn="just">
+              <a:buNone/>
+            </a:pPr>
+            <a:r>
+              <a:rPr lang="pt-BR" sz="2000" dirty="0">
+                <a:latin typeface="Times New Roman" panose="02020603050405020304" pitchFamily="18" charset="0"/>
+                <a:cs typeface="Times New Roman" panose="02020603050405020304" pitchFamily="18" charset="0"/>
+              </a:rPr>
+              <a:t># </a:t>
+            </a:r>
+            <a:r>
+              <a:rPr lang="pt-BR" sz="2000" dirty="0" err="1">
+                <a:latin typeface="Times New Roman" panose="02020603050405020304" pitchFamily="18" charset="0"/>
+                <a:cs typeface="Times New Roman" panose="02020603050405020304" pitchFamily="18" charset="0"/>
+              </a:rPr>
+              <a:t>axis</a:t>
+            </a:r>
+            <a:r>
+              <a:rPr lang="pt-BR" sz="2000" dirty="0">
+                <a:latin typeface="Times New Roman" panose="02020603050405020304" pitchFamily="18" charset="0"/>
+                <a:cs typeface="Times New Roman" panose="02020603050405020304" pitchFamily="18" charset="0"/>
+              </a:rPr>
+              <a:t> = 0 , linhas e </a:t>
+            </a:r>
+            <a:r>
+              <a:rPr lang="pt-BR" sz="2000" dirty="0" err="1">
+                <a:latin typeface="Times New Roman" panose="02020603050405020304" pitchFamily="18" charset="0"/>
+                <a:cs typeface="Times New Roman" panose="02020603050405020304" pitchFamily="18" charset="0"/>
+              </a:rPr>
+              <a:t>axis</a:t>
+            </a:r>
+            <a:r>
+              <a:rPr lang="pt-BR" sz="2000" dirty="0">
+                <a:latin typeface="Times New Roman" panose="02020603050405020304" pitchFamily="18" charset="0"/>
+                <a:cs typeface="Times New Roman" panose="02020603050405020304" pitchFamily="18" charset="0"/>
+              </a:rPr>
+              <a:t> = 1, colunas</a:t>
+            </a:r>
+          </a:p>
+          <a:p>
+            <a:pPr marL="0" indent="0" algn="just">
+              <a:buNone/>
+            </a:pPr>
+            <a:r>
+              <a:rPr lang="pt-BR" sz="2000" dirty="0">
+                <a:latin typeface="Times New Roman" panose="02020603050405020304" pitchFamily="18" charset="0"/>
+                <a:cs typeface="Times New Roman" panose="02020603050405020304" pitchFamily="18" charset="0"/>
+              </a:rPr>
+              <a:t># x = entidade[‘atributo 1’, ‘atributo 2’, ‘atributo 3’, ‘atributo 4’] </a:t>
+            </a:r>
+          </a:p>
+          <a:p>
+            <a:pPr marL="0" indent="0" algn="just">
+              <a:buNone/>
+            </a:pPr>
+            <a:r>
+              <a:rPr lang="pt-BR" sz="2000" dirty="0">
+                <a:latin typeface="Times New Roman" panose="02020603050405020304" pitchFamily="18" charset="0"/>
+                <a:cs typeface="Times New Roman" panose="02020603050405020304" pitchFamily="18" charset="0"/>
+              </a:rPr>
+              <a:t>x = </a:t>
+            </a:r>
+            <a:r>
+              <a:rPr lang="pt-BR" sz="2000" dirty="0" err="1">
+                <a:latin typeface="Times New Roman" panose="02020603050405020304" pitchFamily="18" charset="0"/>
+                <a:cs typeface="Times New Roman" panose="02020603050405020304" pitchFamily="18" charset="0"/>
+              </a:rPr>
+              <a:t>entidade.</a:t>
+            </a:r>
+            <a:r>
+              <a:rPr lang="pt-BR" sz="2000" b="1" dirty="0" err="1">
+                <a:latin typeface="Times New Roman" panose="02020603050405020304" pitchFamily="18" charset="0"/>
+                <a:cs typeface="Times New Roman" panose="02020603050405020304" pitchFamily="18" charset="0"/>
+              </a:rPr>
+              <a:t>drop</a:t>
+            </a:r>
+            <a:r>
+              <a:rPr lang="pt-BR" sz="2000" dirty="0">
+                <a:latin typeface="Times New Roman" panose="02020603050405020304" pitchFamily="18" charset="0"/>
+                <a:cs typeface="Times New Roman" panose="02020603050405020304" pitchFamily="18" charset="0"/>
+              </a:rPr>
+              <a:t>('</a:t>
+            </a:r>
+            <a:r>
+              <a:rPr lang="pt-BR" sz="2000" dirty="0" err="1">
+                <a:latin typeface="Times New Roman" panose="02020603050405020304" pitchFamily="18" charset="0"/>
+                <a:cs typeface="Times New Roman" panose="02020603050405020304" pitchFamily="18" charset="0"/>
+              </a:rPr>
+              <a:t>population</a:t>
+            </a:r>
+            <a:r>
+              <a:rPr lang="pt-BR" sz="2000" dirty="0">
+                <a:latin typeface="Times New Roman" panose="02020603050405020304" pitchFamily="18" charset="0"/>
+                <a:cs typeface="Times New Roman" panose="02020603050405020304" pitchFamily="18" charset="0"/>
+              </a:rPr>
+              <a:t>', </a:t>
+            </a:r>
+            <a:r>
+              <a:rPr lang="pt-BR" sz="2000" b="1" dirty="0" err="1">
+                <a:latin typeface="Times New Roman" panose="02020603050405020304" pitchFamily="18" charset="0"/>
+                <a:cs typeface="Times New Roman" panose="02020603050405020304" pitchFamily="18" charset="0"/>
+              </a:rPr>
+              <a:t>axis</a:t>
+            </a:r>
+            <a:r>
+              <a:rPr lang="pt-BR" sz="2000" dirty="0">
+                <a:latin typeface="Times New Roman" panose="02020603050405020304" pitchFamily="18" charset="0"/>
+                <a:cs typeface="Times New Roman" panose="02020603050405020304" pitchFamily="18" charset="0"/>
+              </a:rPr>
+              <a:t>=1) # </a:t>
+            </a:r>
+            <a:r>
+              <a:rPr lang="pt-BR" sz="2000" dirty="0" err="1">
+                <a:latin typeface="Times New Roman" panose="02020603050405020304" pitchFamily="18" charset="0"/>
+                <a:cs typeface="Times New Roman" panose="02020603050405020304" pitchFamily="18" charset="0"/>
+              </a:rPr>
+              <a:t>axis</a:t>
+            </a:r>
+            <a:r>
+              <a:rPr lang="pt-BR" sz="2000" dirty="0">
+                <a:latin typeface="Times New Roman" panose="02020603050405020304" pitchFamily="18" charset="0"/>
+                <a:cs typeface="Times New Roman" panose="02020603050405020304" pitchFamily="18" charset="0"/>
+              </a:rPr>
+              <a:t> = 1 (</a:t>
+            </a:r>
+            <a:r>
+              <a:rPr lang="pt-BR" sz="2000" b="1" dirty="0">
+                <a:latin typeface="Times New Roman" panose="02020603050405020304" pitchFamily="18" charset="0"/>
+                <a:cs typeface="Times New Roman" panose="02020603050405020304" pitchFamily="18" charset="0"/>
+              </a:rPr>
+              <a:t>coluna</a:t>
+            </a:r>
+            <a:r>
+              <a:rPr lang="pt-BR" sz="2000" dirty="0">
+                <a:latin typeface="Times New Roman" panose="02020603050405020304" pitchFamily="18" charset="0"/>
+                <a:cs typeface="Times New Roman" panose="02020603050405020304" pitchFamily="18" charset="0"/>
+              </a:rPr>
+              <a:t>)</a:t>
+            </a:r>
+          </a:p>
+          <a:p>
+            <a:pPr marL="0" indent="0" algn="just">
+              <a:buNone/>
+            </a:pPr>
+            <a:endParaRPr lang="pt-BR" sz="2000" dirty="0">
+              <a:latin typeface="Times New Roman" panose="02020603050405020304" pitchFamily="18" charset="0"/>
+              <a:cs typeface="Times New Roman" panose="02020603050405020304" pitchFamily="18" charset="0"/>
+            </a:endParaRPr>
+          </a:p>
+        </p:txBody>
+      </p:sp>
+    </p:spTree>
+    <p:extLst>
+      <p:ext uri="{BB962C8B-B14F-4D97-AF65-F5344CB8AC3E}">
+        <p14:creationId xmlns:p14="http://schemas.microsoft.com/office/powerpoint/2010/main" val="1901903825"/>
+      </p:ext>
+    </p:extLst>
+  </p:cSld>
+  <p:clrMapOvr>
+    <a:masterClrMapping/>
+  </p:clrMapOvr>
+  <p:transition spd="med"/>
+</p:sld>
+</file>
+
+<file path=ppt/slides/slide11.xml><?xml version="1.0" encoding="utf-8"?>
+<p:sld xmlns:a="http://schemas.openxmlformats.org/drawingml/2006/main" xmlns:r="http://schemas.openxmlformats.org/officeDocument/2006/relationships" xmlns:p="http://schemas.openxmlformats.org/presentationml/2006/main">
+  <p:cSld>
+    <p:spTree>
+      <p:nvGrpSpPr>
+        <p:cNvPr id="1" name=""/>
+        <p:cNvGrpSpPr/>
+        <p:nvPr/>
+      </p:nvGrpSpPr>
+      <p:grpSpPr>
+        <a:xfrm>
+          <a:off x="0" y="0"/>
+          <a:ext cx="0" cy="0"/>
+          <a:chOff x="0" y="0"/>
+          <a:chExt cx="0" cy="0"/>
+        </a:xfrm>
+      </p:grpSpPr>
+      <p:sp>
+        <p:nvSpPr>
+          <p:cNvPr id="6" name="Title 1"/>
+          <p:cNvSpPr>
+            <a:spLocks noGrp="1"/>
+          </p:cNvSpPr>
+          <p:nvPr>
+            <p:ph type="title"/>
+          </p:nvPr>
+        </p:nvSpPr>
+        <p:spPr>
+          <a:xfrm>
+            <a:off x="457200" y="205980"/>
+            <a:ext cx="8229600" cy="857251"/>
+          </a:xfrm>
+        </p:spPr>
+        <p:txBody>
+          <a:bodyPr>
+            <a:normAutofit fontScale="90000"/>
+          </a:bodyPr>
+          <a:lstStyle/>
+          <a:p>
+            <a:r>
+              <a:rPr lang="pt-BR" b="1" dirty="0">
+                <a:solidFill>
+                  <a:srgbClr val="0070C0"/>
+                </a:solidFill>
+              </a:rPr>
+              <a:t>Python com Big Data - Continuação</a:t>
+            </a:r>
+            <a:endParaRPr lang="en-US" b="1" dirty="0">
+              <a:solidFill>
+                <a:srgbClr val="0070C0"/>
+              </a:solidFill>
+            </a:endParaRPr>
+          </a:p>
+        </p:txBody>
+      </p:sp>
+      <p:sp>
+        <p:nvSpPr>
+          <p:cNvPr id="8" name="Text Placeholder 2"/>
+          <p:cNvSpPr>
+            <a:spLocks noGrp="1"/>
+          </p:cNvSpPr>
+          <p:nvPr>
+            <p:ph type="body" sz="half" idx="1"/>
+          </p:nvPr>
+        </p:nvSpPr>
+        <p:spPr>
+          <a:xfrm>
+            <a:off x="142865" y="1200150"/>
+            <a:ext cx="8865056" cy="3737370"/>
+          </a:xfrm>
+        </p:spPr>
+        <p:txBody>
+          <a:bodyPr>
+            <a:noAutofit/>
+          </a:bodyPr>
+          <a:lstStyle/>
+          <a:p>
+            <a:pPr marL="0" indent="0" algn="just">
+              <a:buNone/>
+            </a:pPr>
+            <a:r>
+              <a:rPr lang="pt-BR" sz="2000" dirty="0">
+                <a:latin typeface="Times New Roman" panose="02020603050405020304" pitchFamily="18" charset="0"/>
+                <a:cs typeface="Times New Roman" panose="02020603050405020304" pitchFamily="18" charset="0"/>
+              </a:rPr>
+              <a:t># </a:t>
+            </a:r>
+            <a:r>
+              <a:rPr lang="pt-BR" sz="2000" b="1" dirty="0">
+                <a:latin typeface="Times New Roman" panose="02020603050405020304" pitchFamily="18" charset="0"/>
+                <a:cs typeface="Times New Roman" panose="02020603050405020304" pitchFamily="18" charset="0"/>
+              </a:rPr>
+              <a:t>4. Modelagem/Algoritmo (</a:t>
+            </a:r>
+            <a:r>
+              <a:rPr lang="pt-BR" sz="2000" b="1" dirty="0">
+                <a:solidFill>
+                  <a:srgbClr val="FF0000"/>
+                </a:solidFill>
+                <a:latin typeface="Times New Roman" panose="02020603050405020304" pitchFamily="18" charset="0"/>
+                <a:cs typeface="Times New Roman" panose="02020603050405020304" pitchFamily="18" charset="0"/>
+              </a:rPr>
+              <a:t>4 - Continuação</a:t>
+            </a:r>
+            <a:r>
+              <a:rPr lang="pt-BR" sz="2000" b="1" dirty="0">
+                <a:latin typeface="Times New Roman" panose="02020603050405020304" pitchFamily="18" charset="0"/>
+                <a:cs typeface="Times New Roman" panose="02020603050405020304" pitchFamily="18" charset="0"/>
+              </a:rPr>
+              <a:t>)</a:t>
+            </a:r>
+            <a:endParaRPr lang="pt-BR" sz="2000" b="1" dirty="0">
+              <a:solidFill>
+                <a:srgbClr val="FF0000"/>
+              </a:solidFill>
+              <a:latin typeface="Times New Roman" panose="02020603050405020304" pitchFamily="18" charset="0"/>
+              <a:cs typeface="Times New Roman" panose="02020603050405020304" pitchFamily="18" charset="0"/>
+            </a:endParaRPr>
+          </a:p>
+          <a:p>
+            <a:pPr marL="0" indent="0" algn="just">
+              <a:buNone/>
+            </a:pPr>
+            <a:endParaRPr lang="pt-BR" sz="2000" b="1" dirty="0">
+              <a:solidFill>
+                <a:srgbClr val="FF0000"/>
+              </a:solidFill>
+              <a:latin typeface="Times New Roman" panose="02020603050405020304" pitchFamily="18" charset="0"/>
+              <a:cs typeface="Times New Roman" panose="02020603050405020304" pitchFamily="18" charset="0"/>
+            </a:endParaRPr>
+          </a:p>
+          <a:p>
+            <a:pPr marL="0" indent="0" algn="just">
+              <a:buNone/>
+            </a:pPr>
+            <a:r>
+              <a:rPr lang="pt-BR" sz="2000" b="1" dirty="0">
+                <a:solidFill>
+                  <a:schemeClr val="tx1"/>
+                </a:solidFill>
+                <a:latin typeface="Times New Roman" panose="02020603050405020304" pitchFamily="18" charset="0"/>
+                <a:cs typeface="Times New Roman" panose="02020603050405020304" pitchFamily="18" charset="0"/>
+              </a:rPr>
+              <a:t>#</a:t>
+            </a:r>
+            <a:r>
+              <a:rPr lang="pt-BR" sz="2000" b="1" dirty="0">
+                <a:solidFill>
+                  <a:srgbClr val="FF0000"/>
+                </a:solidFill>
+                <a:latin typeface="Times New Roman" panose="02020603050405020304" pitchFamily="18" charset="0"/>
+                <a:cs typeface="Times New Roman" panose="02020603050405020304" pitchFamily="18" charset="0"/>
+              </a:rPr>
+              <a:t> </a:t>
+            </a:r>
+            <a:r>
+              <a:rPr lang="pt-BR" sz="2000" b="1" dirty="0">
+                <a:latin typeface="Times New Roman" panose="02020603050405020304" pitchFamily="18" charset="0"/>
+                <a:cs typeface="Times New Roman" panose="02020603050405020304" pitchFamily="18" charset="0"/>
+              </a:rPr>
+              <a:t>(</a:t>
+            </a:r>
+            <a:r>
+              <a:rPr lang="pt-BR" sz="2000" b="1" dirty="0">
+                <a:solidFill>
+                  <a:srgbClr val="FF0000"/>
+                </a:solidFill>
+                <a:latin typeface="Times New Roman" panose="02020603050405020304" pitchFamily="18" charset="0"/>
+                <a:cs typeface="Times New Roman" panose="02020603050405020304" pitchFamily="18" charset="0"/>
+              </a:rPr>
+              <a:t>Treino70/30 Teste</a:t>
+            </a:r>
+            <a:r>
+              <a:rPr lang="pt-BR" sz="2000" b="1" dirty="0">
+                <a:latin typeface="Times New Roman" panose="02020603050405020304" pitchFamily="18" charset="0"/>
+                <a:cs typeface="Times New Roman" panose="02020603050405020304" pitchFamily="18" charset="0"/>
+              </a:rPr>
+              <a:t>; 60/40; 80/20) - </a:t>
+            </a:r>
+            <a:r>
+              <a:rPr lang="pt-BR" sz="2000" b="1" dirty="0" err="1">
+                <a:latin typeface="Times New Roman" panose="02020603050405020304" pitchFamily="18" charset="0"/>
+                <a:cs typeface="Times New Roman" panose="02020603050405020304" pitchFamily="18" charset="0"/>
+              </a:rPr>
+              <a:t>overfitting</a:t>
+            </a:r>
+            <a:r>
+              <a:rPr lang="pt-BR" sz="2800" dirty="0">
+                <a:latin typeface="Times New Roman" panose="02020603050405020304" pitchFamily="18" charset="0"/>
+                <a:cs typeface="Times New Roman" panose="02020603050405020304" pitchFamily="18" charset="0"/>
+              </a:rPr>
+              <a:t>(</a:t>
+            </a:r>
+            <a:r>
+              <a:rPr lang="pt-BR" sz="2000" b="1" dirty="0">
+                <a:solidFill>
+                  <a:srgbClr val="FF0000"/>
+                </a:solidFill>
+                <a:latin typeface="Times New Roman" panose="02020603050405020304" pitchFamily="18" charset="0"/>
+                <a:cs typeface="Times New Roman" panose="02020603050405020304" pitchFamily="18" charset="0"/>
+              </a:rPr>
+              <a:t>atenção: 100% treino</a:t>
+            </a:r>
+            <a:r>
+              <a:rPr lang="pt-BR" sz="2800" dirty="0">
+                <a:latin typeface="Times New Roman" panose="02020603050405020304" pitchFamily="18" charset="0"/>
+                <a:cs typeface="Times New Roman" panose="02020603050405020304" pitchFamily="18" charset="0"/>
+              </a:rPr>
+              <a:t>)</a:t>
+            </a:r>
+            <a:endParaRPr lang="pt-BR" sz="2000" b="1" dirty="0">
+              <a:latin typeface="Times New Roman" panose="02020603050405020304" pitchFamily="18" charset="0"/>
+              <a:cs typeface="Times New Roman" panose="02020603050405020304" pitchFamily="18" charset="0"/>
+            </a:endParaRPr>
+          </a:p>
+          <a:p>
+            <a:pPr marL="0" indent="0" algn="just">
+              <a:buNone/>
+            </a:pPr>
+            <a:endParaRPr lang="pt-BR" sz="2000" b="1" dirty="0">
+              <a:latin typeface="Times New Roman" panose="02020603050405020304" pitchFamily="18" charset="0"/>
+              <a:cs typeface="Times New Roman" panose="02020603050405020304" pitchFamily="18" charset="0"/>
+            </a:endParaRPr>
+          </a:p>
+          <a:p>
+            <a:pPr marL="0" indent="0" algn="just">
+              <a:buNone/>
+            </a:pPr>
+            <a:r>
+              <a:rPr lang="pt-BR" sz="2000" dirty="0">
+                <a:latin typeface="Times New Roman" panose="02020603050405020304" pitchFamily="18" charset="0"/>
+                <a:cs typeface="Times New Roman" panose="02020603050405020304" pitchFamily="18" charset="0"/>
+              </a:rPr>
+              <a:t># </a:t>
+            </a:r>
+            <a:r>
+              <a:rPr lang="pt-BR" sz="2000" b="1" dirty="0">
+                <a:latin typeface="Times New Roman" panose="02020603050405020304" pitchFamily="18" charset="0"/>
+                <a:cs typeface="Times New Roman" panose="02020603050405020304" pitchFamily="18" charset="0"/>
+              </a:rPr>
+              <a:t>Divisão Treino e Teste (</a:t>
+            </a:r>
+            <a:r>
+              <a:rPr lang="pt-BR" sz="2000" b="1" dirty="0" err="1">
+                <a:solidFill>
+                  <a:srgbClr val="FF0000"/>
+                </a:solidFill>
+                <a:latin typeface="Times New Roman" panose="02020603050405020304" pitchFamily="18" charset="0"/>
+                <a:cs typeface="Times New Roman" panose="02020603050405020304" pitchFamily="18" charset="0"/>
+              </a:rPr>
+              <a:t>train</a:t>
+            </a:r>
+            <a:r>
+              <a:rPr lang="pt-BR" sz="2000" b="1" dirty="0">
+                <a:solidFill>
+                  <a:srgbClr val="FF0000"/>
+                </a:solidFill>
+                <a:latin typeface="Times New Roman" panose="02020603050405020304" pitchFamily="18" charset="0"/>
+                <a:cs typeface="Times New Roman" panose="02020603050405020304" pitchFamily="18" charset="0"/>
+              </a:rPr>
+              <a:t> </a:t>
+            </a:r>
+            <a:r>
+              <a:rPr lang="pt-BR" sz="2000" b="1" dirty="0" err="1">
+                <a:solidFill>
+                  <a:srgbClr val="FF0000"/>
+                </a:solidFill>
+                <a:latin typeface="Times New Roman" panose="02020603050405020304" pitchFamily="18" charset="0"/>
+                <a:cs typeface="Times New Roman" panose="02020603050405020304" pitchFamily="18" charset="0"/>
+              </a:rPr>
+              <a:t>test</a:t>
+            </a:r>
+            <a:r>
+              <a:rPr lang="pt-BR" sz="2000" b="1" dirty="0">
+                <a:solidFill>
+                  <a:srgbClr val="FF0000"/>
+                </a:solidFill>
+                <a:latin typeface="Times New Roman" panose="02020603050405020304" pitchFamily="18" charset="0"/>
+                <a:cs typeface="Times New Roman" panose="02020603050405020304" pitchFamily="18" charset="0"/>
+              </a:rPr>
+              <a:t> split</a:t>
+            </a:r>
+            <a:r>
+              <a:rPr lang="pt-BR" sz="2000" b="1" dirty="0">
+                <a:latin typeface="Times New Roman" panose="02020603050405020304" pitchFamily="18" charset="0"/>
+                <a:cs typeface="Times New Roman" panose="02020603050405020304" pitchFamily="18" charset="0"/>
+              </a:rPr>
+              <a:t>); </a:t>
+            </a:r>
+          </a:p>
+          <a:p>
+            <a:pPr marL="0" indent="0" algn="just">
+              <a:buNone/>
+            </a:pPr>
+            <a:r>
+              <a:rPr lang="pt-BR" sz="2000" dirty="0" err="1">
+                <a:latin typeface="Times New Roman" panose="02020603050405020304" pitchFamily="18" charset="0"/>
+                <a:cs typeface="Times New Roman" panose="02020603050405020304" pitchFamily="18" charset="0"/>
+              </a:rPr>
+              <a:t>from</a:t>
+            </a:r>
+            <a:r>
+              <a:rPr lang="pt-BR" sz="2000" dirty="0">
+                <a:latin typeface="Times New Roman" panose="02020603050405020304" pitchFamily="18" charset="0"/>
+                <a:cs typeface="Times New Roman" panose="02020603050405020304" pitchFamily="18" charset="0"/>
+              </a:rPr>
+              <a:t> </a:t>
+            </a:r>
+            <a:r>
+              <a:rPr lang="pt-BR" sz="2000" dirty="0" err="1">
+                <a:latin typeface="Times New Roman" panose="02020603050405020304" pitchFamily="18" charset="0"/>
+                <a:cs typeface="Times New Roman" panose="02020603050405020304" pitchFamily="18" charset="0"/>
+              </a:rPr>
+              <a:t>sklearn.model_selection</a:t>
+            </a:r>
+            <a:r>
+              <a:rPr lang="pt-BR" sz="2000" dirty="0">
+                <a:latin typeface="Times New Roman" panose="02020603050405020304" pitchFamily="18" charset="0"/>
+                <a:cs typeface="Times New Roman" panose="02020603050405020304" pitchFamily="18" charset="0"/>
+              </a:rPr>
+              <a:t> </a:t>
+            </a:r>
+            <a:r>
+              <a:rPr lang="pt-BR" sz="2000" b="1" dirty="0" err="1">
+                <a:latin typeface="Times New Roman" panose="02020603050405020304" pitchFamily="18" charset="0"/>
+                <a:cs typeface="Times New Roman" panose="02020603050405020304" pitchFamily="18" charset="0"/>
+              </a:rPr>
+              <a:t>import</a:t>
+            </a:r>
+            <a:r>
+              <a:rPr lang="pt-BR" sz="2000" dirty="0">
+                <a:latin typeface="Times New Roman" panose="02020603050405020304" pitchFamily="18" charset="0"/>
+                <a:cs typeface="Times New Roman" panose="02020603050405020304" pitchFamily="18" charset="0"/>
+              </a:rPr>
+              <a:t> </a:t>
+            </a:r>
+            <a:r>
+              <a:rPr lang="pt-BR" sz="2000" dirty="0" err="1">
+                <a:latin typeface="Times New Roman" panose="02020603050405020304" pitchFamily="18" charset="0"/>
+                <a:cs typeface="Times New Roman" panose="02020603050405020304" pitchFamily="18" charset="0"/>
+              </a:rPr>
+              <a:t>train_test_split</a:t>
+            </a:r>
+            <a:endParaRPr lang="pt-BR" sz="2000" dirty="0">
+              <a:latin typeface="Times New Roman" panose="02020603050405020304" pitchFamily="18" charset="0"/>
+              <a:cs typeface="Times New Roman" panose="02020603050405020304" pitchFamily="18" charset="0"/>
+            </a:endParaRPr>
+          </a:p>
+          <a:p>
+            <a:pPr marL="0" indent="0" algn="just">
+              <a:buNone/>
+            </a:pPr>
+            <a:r>
+              <a:rPr lang="pt-BR" sz="2000" dirty="0" err="1">
+                <a:latin typeface="Times New Roman" panose="02020603050405020304" pitchFamily="18" charset="0"/>
+                <a:cs typeface="Times New Roman" panose="02020603050405020304" pitchFamily="18" charset="0"/>
+              </a:rPr>
+              <a:t>x_treino</a:t>
+            </a:r>
+            <a:r>
+              <a:rPr lang="pt-BR" sz="2000" dirty="0">
+                <a:latin typeface="Times New Roman" panose="02020603050405020304" pitchFamily="18" charset="0"/>
+                <a:cs typeface="Times New Roman" panose="02020603050405020304" pitchFamily="18" charset="0"/>
+              </a:rPr>
+              <a:t>, </a:t>
+            </a:r>
+            <a:r>
+              <a:rPr lang="pt-BR" sz="2000" dirty="0" err="1">
+                <a:latin typeface="Times New Roman" panose="02020603050405020304" pitchFamily="18" charset="0"/>
+                <a:cs typeface="Times New Roman" panose="02020603050405020304" pitchFamily="18" charset="0"/>
+              </a:rPr>
+              <a:t>x_teste</a:t>
+            </a:r>
+            <a:r>
+              <a:rPr lang="pt-BR" sz="2000" dirty="0">
+                <a:latin typeface="Times New Roman" panose="02020603050405020304" pitchFamily="18" charset="0"/>
+                <a:cs typeface="Times New Roman" panose="02020603050405020304" pitchFamily="18" charset="0"/>
+              </a:rPr>
+              <a:t>, </a:t>
+            </a:r>
+            <a:r>
+              <a:rPr lang="pt-BR" sz="2000" dirty="0" err="1">
+                <a:latin typeface="Times New Roman" panose="02020603050405020304" pitchFamily="18" charset="0"/>
+                <a:cs typeface="Times New Roman" panose="02020603050405020304" pitchFamily="18" charset="0"/>
+              </a:rPr>
+              <a:t>y_treino</a:t>
+            </a:r>
+            <a:r>
+              <a:rPr lang="pt-BR" sz="2000" dirty="0">
+                <a:latin typeface="Times New Roman" panose="02020603050405020304" pitchFamily="18" charset="0"/>
+                <a:cs typeface="Times New Roman" panose="02020603050405020304" pitchFamily="18" charset="0"/>
+              </a:rPr>
+              <a:t>, </a:t>
+            </a:r>
+            <a:r>
+              <a:rPr lang="pt-BR" sz="2000" dirty="0" err="1">
+                <a:latin typeface="Times New Roman" panose="02020603050405020304" pitchFamily="18" charset="0"/>
+                <a:cs typeface="Times New Roman" panose="02020603050405020304" pitchFamily="18" charset="0"/>
+              </a:rPr>
+              <a:t>y_teste</a:t>
+            </a:r>
+            <a:r>
+              <a:rPr lang="pt-BR" sz="2000" dirty="0">
+                <a:latin typeface="Times New Roman" panose="02020603050405020304" pitchFamily="18" charset="0"/>
+                <a:cs typeface="Times New Roman" panose="02020603050405020304" pitchFamily="18" charset="0"/>
+              </a:rPr>
+              <a:t> = </a:t>
+            </a:r>
+            <a:r>
+              <a:rPr lang="pt-BR" sz="2000" b="1" dirty="0" err="1">
+                <a:latin typeface="Times New Roman" panose="02020603050405020304" pitchFamily="18" charset="0"/>
+                <a:cs typeface="Times New Roman" panose="02020603050405020304" pitchFamily="18" charset="0"/>
+              </a:rPr>
+              <a:t>train_test_split</a:t>
+            </a:r>
+            <a:r>
+              <a:rPr lang="pt-BR" sz="2000" dirty="0">
+                <a:latin typeface="Times New Roman" panose="02020603050405020304" pitchFamily="18" charset="0"/>
+                <a:cs typeface="Times New Roman" panose="02020603050405020304" pitchFamily="18" charset="0"/>
+              </a:rPr>
+              <a:t>(x, y, </a:t>
+            </a:r>
+            <a:r>
+              <a:rPr lang="pt-BR" sz="2000" b="1" dirty="0" err="1">
+                <a:latin typeface="Times New Roman" panose="02020603050405020304" pitchFamily="18" charset="0"/>
+                <a:cs typeface="Times New Roman" panose="02020603050405020304" pitchFamily="18" charset="0"/>
+              </a:rPr>
+              <a:t>test_size</a:t>
+            </a:r>
+            <a:r>
+              <a:rPr lang="pt-BR" sz="2000" dirty="0">
+                <a:latin typeface="Times New Roman" panose="02020603050405020304" pitchFamily="18" charset="0"/>
+                <a:cs typeface="Times New Roman" panose="02020603050405020304" pitchFamily="18" charset="0"/>
+              </a:rPr>
+              <a:t>=0.3, </a:t>
+            </a:r>
+            <a:r>
+              <a:rPr lang="pt-BR" sz="2000" b="1" dirty="0" err="1">
+                <a:solidFill>
+                  <a:srgbClr val="FF0000"/>
+                </a:solidFill>
+                <a:latin typeface="Times New Roman" panose="02020603050405020304" pitchFamily="18" charset="0"/>
+                <a:cs typeface="Times New Roman" panose="02020603050405020304" pitchFamily="18" charset="0"/>
+              </a:rPr>
+              <a:t>random_state</a:t>
+            </a:r>
+            <a:r>
+              <a:rPr lang="pt-BR" sz="2000" dirty="0">
+                <a:solidFill>
+                  <a:srgbClr val="FF0000"/>
+                </a:solidFill>
+                <a:latin typeface="Times New Roman" panose="02020603050405020304" pitchFamily="18" charset="0"/>
+                <a:cs typeface="Times New Roman" panose="02020603050405020304" pitchFamily="18" charset="0"/>
+              </a:rPr>
+              <a:t>=1</a:t>
+            </a:r>
+            <a:r>
+              <a:rPr lang="pt-BR" sz="2000" dirty="0">
+                <a:latin typeface="Times New Roman" panose="02020603050405020304" pitchFamily="18" charset="0"/>
+                <a:cs typeface="Times New Roman" panose="02020603050405020304" pitchFamily="18" charset="0"/>
+              </a:rPr>
+              <a:t>) # </a:t>
+            </a:r>
+            <a:r>
+              <a:rPr lang="pt-BR" sz="2000" b="1" dirty="0">
+                <a:latin typeface="Times New Roman" panose="02020603050405020304" pitchFamily="18" charset="0"/>
+                <a:cs typeface="Times New Roman" panose="02020603050405020304" pitchFamily="18" charset="0"/>
+              </a:rPr>
+              <a:t>70% foi para treino; </a:t>
+            </a:r>
+            <a:r>
+              <a:rPr lang="pt-BR" sz="2000" b="1" dirty="0" err="1">
+                <a:solidFill>
+                  <a:srgbClr val="FF0000"/>
+                </a:solidFill>
+                <a:latin typeface="Times New Roman" panose="02020603050405020304" pitchFamily="18" charset="0"/>
+                <a:cs typeface="Times New Roman" panose="02020603050405020304" pitchFamily="18" charset="0"/>
+              </a:rPr>
+              <a:t>random_state</a:t>
+            </a:r>
+            <a:r>
+              <a:rPr lang="pt-BR" sz="2000" dirty="0">
+                <a:solidFill>
+                  <a:srgbClr val="FF0000"/>
+                </a:solidFill>
+                <a:latin typeface="Times New Roman" panose="02020603050405020304" pitchFamily="18" charset="0"/>
+                <a:cs typeface="Times New Roman" panose="02020603050405020304" pitchFamily="18" charset="0"/>
+              </a:rPr>
+              <a:t>=1 (</a:t>
+            </a:r>
+            <a:r>
+              <a:rPr lang="pt-BR" sz="2000" b="1" dirty="0">
+                <a:solidFill>
+                  <a:schemeClr val="tx1"/>
+                </a:solidFill>
+                <a:latin typeface="Times New Roman" panose="02020603050405020304" pitchFamily="18" charset="0"/>
+                <a:cs typeface="Times New Roman" panose="02020603050405020304" pitchFamily="18" charset="0"/>
+              </a:rPr>
+              <a:t>na prática não precisa para não fixar a base treino – </a:t>
+            </a:r>
+            <a:r>
+              <a:rPr lang="pt-BR" sz="2000" b="1" dirty="0">
+                <a:solidFill>
+                  <a:srgbClr val="FF0000"/>
+                </a:solidFill>
+                <a:latin typeface="Times New Roman" panose="02020603050405020304" pitchFamily="18" charset="0"/>
+                <a:cs typeface="Times New Roman" panose="02020603050405020304" pitchFamily="18" charset="0"/>
+              </a:rPr>
+              <a:t>é didático</a:t>
+            </a:r>
+            <a:r>
+              <a:rPr lang="pt-BR" sz="2000" dirty="0">
+                <a:solidFill>
+                  <a:srgbClr val="FF0000"/>
+                </a:solidFill>
+                <a:latin typeface="Times New Roman" panose="02020603050405020304" pitchFamily="18" charset="0"/>
+                <a:cs typeface="Times New Roman" panose="02020603050405020304" pitchFamily="18" charset="0"/>
+              </a:rPr>
+              <a:t>)</a:t>
+            </a:r>
+            <a:endParaRPr lang="pt-BR" sz="2000" b="1" dirty="0">
+              <a:latin typeface="Times New Roman" panose="02020603050405020304" pitchFamily="18" charset="0"/>
+              <a:cs typeface="Times New Roman" panose="02020603050405020304" pitchFamily="18" charset="0"/>
+            </a:endParaRPr>
+          </a:p>
+        </p:txBody>
+      </p:sp>
+    </p:spTree>
+    <p:extLst>
+      <p:ext uri="{BB962C8B-B14F-4D97-AF65-F5344CB8AC3E}">
+        <p14:creationId xmlns:p14="http://schemas.microsoft.com/office/powerpoint/2010/main" val="3758965724"/>
+      </p:ext>
+    </p:extLst>
+  </p:cSld>
+  <p:clrMapOvr>
+    <a:masterClrMapping/>
+  </p:clrMapOvr>
+  <p:transition spd="med"/>
+</p:sld>
+</file>
+
+<file path=ppt/slides/slide12.xml><?xml version="1.0" encoding="utf-8"?>
+<p:sld xmlns:a="http://schemas.openxmlformats.org/drawingml/2006/main" xmlns:r="http://schemas.openxmlformats.org/officeDocument/2006/relationships" xmlns:p="http://schemas.openxmlformats.org/presentationml/2006/main">
+  <p:cSld>
+    <p:spTree>
+      <p:nvGrpSpPr>
+        <p:cNvPr id="1" name=""/>
+        <p:cNvGrpSpPr/>
+        <p:nvPr/>
+      </p:nvGrpSpPr>
+      <p:grpSpPr>
+        <a:xfrm>
+          <a:off x="0" y="0"/>
+          <a:ext cx="0" cy="0"/>
+          <a:chOff x="0" y="0"/>
+          <a:chExt cx="0" cy="0"/>
+        </a:xfrm>
+      </p:grpSpPr>
+      <p:sp>
+        <p:nvSpPr>
+          <p:cNvPr id="6" name="Title 1"/>
+          <p:cNvSpPr>
+            <a:spLocks noGrp="1"/>
+          </p:cNvSpPr>
+          <p:nvPr>
+            <p:ph type="title"/>
+          </p:nvPr>
+        </p:nvSpPr>
+        <p:spPr>
+          <a:xfrm>
+            <a:off x="457200" y="205980"/>
+            <a:ext cx="8229600" cy="857251"/>
+          </a:xfrm>
+        </p:spPr>
+        <p:txBody>
+          <a:bodyPr>
+            <a:normAutofit fontScale="90000"/>
+          </a:bodyPr>
+          <a:lstStyle/>
+          <a:p>
+            <a:r>
+              <a:rPr lang="pt-BR" b="1" dirty="0">
+                <a:solidFill>
+                  <a:srgbClr val="0070C0"/>
+                </a:solidFill>
+              </a:rPr>
+              <a:t>Python com Big Data - Continuação</a:t>
+            </a:r>
+            <a:endParaRPr lang="en-US" b="1" dirty="0">
+              <a:solidFill>
+                <a:srgbClr val="0070C0"/>
+              </a:solidFill>
+            </a:endParaRPr>
+          </a:p>
+        </p:txBody>
+      </p:sp>
+      <p:sp>
+        <p:nvSpPr>
+          <p:cNvPr id="8" name="Text Placeholder 2"/>
+          <p:cNvSpPr>
+            <a:spLocks noGrp="1"/>
+          </p:cNvSpPr>
+          <p:nvPr>
+            <p:ph type="body" sz="half" idx="1"/>
+          </p:nvPr>
+        </p:nvSpPr>
+        <p:spPr>
+          <a:xfrm>
+            <a:off x="142865" y="1200150"/>
+            <a:ext cx="8865056" cy="3737370"/>
+          </a:xfrm>
+        </p:spPr>
+        <p:txBody>
+          <a:bodyPr>
+            <a:noAutofit/>
+          </a:bodyPr>
+          <a:lstStyle/>
+          <a:p>
+            <a:pPr marL="0" indent="0" algn="just">
+              <a:buNone/>
+            </a:pPr>
+            <a:r>
+              <a:rPr lang="pt-BR" sz="2000" dirty="0">
+                <a:latin typeface="Times New Roman" panose="02020603050405020304" pitchFamily="18" charset="0"/>
+                <a:cs typeface="Times New Roman" panose="02020603050405020304" pitchFamily="18" charset="0"/>
+              </a:rPr>
+              <a:t># </a:t>
+            </a:r>
+            <a:r>
+              <a:rPr lang="pt-BR" sz="2000" b="1" dirty="0">
+                <a:latin typeface="Times New Roman" panose="02020603050405020304" pitchFamily="18" charset="0"/>
+                <a:cs typeface="Times New Roman" panose="02020603050405020304" pitchFamily="18" charset="0"/>
+              </a:rPr>
+              <a:t>5. IA (</a:t>
+            </a:r>
+            <a:r>
+              <a:rPr lang="pt-BR" sz="2000" b="1" dirty="0">
+                <a:solidFill>
+                  <a:srgbClr val="FF0000"/>
+                </a:solidFill>
+                <a:latin typeface="Times New Roman" panose="02020603050405020304" pitchFamily="18" charset="0"/>
+                <a:cs typeface="Times New Roman" panose="02020603050405020304" pitchFamily="18" charset="0"/>
+              </a:rPr>
+              <a:t>Definir um modelo, criar o modelo e treinar o modelo</a:t>
+            </a:r>
+            <a:r>
+              <a:rPr lang="pt-BR" sz="2000" b="1" dirty="0">
+                <a:latin typeface="Times New Roman" panose="02020603050405020304" pitchFamily="18" charset="0"/>
+                <a:cs typeface="Times New Roman" panose="02020603050405020304" pitchFamily="18" charset="0"/>
+              </a:rPr>
+              <a:t>)</a:t>
+            </a:r>
+          </a:p>
+          <a:p>
+            <a:pPr marL="0" indent="0" algn="just">
+              <a:buNone/>
+            </a:pPr>
+            <a:endParaRPr lang="pt-BR" sz="2000" dirty="0">
+              <a:latin typeface="Times New Roman" panose="02020603050405020304" pitchFamily="18" charset="0"/>
+              <a:cs typeface="Times New Roman" panose="02020603050405020304" pitchFamily="18" charset="0"/>
+            </a:endParaRPr>
+          </a:p>
+          <a:p>
+            <a:pPr marL="0" indent="0" algn="just">
+              <a:buNone/>
+            </a:pPr>
+            <a:r>
+              <a:rPr lang="pt-BR" sz="2000" dirty="0">
+                <a:latin typeface="Times New Roman" panose="02020603050405020304" pitchFamily="18" charset="0"/>
+                <a:cs typeface="Times New Roman" panose="02020603050405020304" pitchFamily="18" charset="0"/>
+              </a:rPr>
+              <a:t># </a:t>
+            </a:r>
+            <a:r>
+              <a:rPr lang="pt-BR" sz="2000" b="1" dirty="0">
+                <a:latin typeface="Times New Roman" panose="02020603050405020304" pitchFamily="18" charset="0"/>
+                <a:cs typeface="Times New Roman" panose="02020603050405020304" pitchFamily="18" charset="0"/>
+              </a:rPr>
+              <a:t>Importar a IA (</a:t>
+            </a:r>
+            <a:r>
+              <a:rPr lang="pt-BR" sz="2000" b="1" dirty="0">
+                <a:solidFill>
+                  <a:srgbClr val="FF0000"/>
+                </a:solidFill>
+                <a:latin typeface="Times New Roman" panose="02020603050405020304" pitchFamily="18" charset="0"/>
+                <a:cs typeface="Times New Roman" panose="02020603050405020304" pitchFamily="18" charset="0"/>
+              </a:rPr>
+              <a:t>redes neurais, regressão linear, arvore de decisão, </a:t>
+            </a:r>
+            <a:r>
+              <a:rPr lang="pt-BR" sz="2000" b="1" dirty="0" err="1">
+                <a:solidFill>
+                  <a:srgbClr val="FF0000"/>
+                </a:solidFill>
+                <a:latin typeface="Times New Roman" panose="02020603050405020304" pitchFamily="18" charset="0"/>
+                <a:cs typeface="Times New Roman" panose="02020603050405020304" pitchFamily="18" charset="0"/>
+              </a:rPr>
+              <a:t>etc</a:t>
+            </a:r>
+            <a:r>
+              <a:rPr lang="pt-BR" sz="2000" b="1" dirty="0">
+                <a:latin typeface="Times New Roman" panose="02020603050405020304" pitchFamily="18" charset="0"/>
+                <a:cs typeface="Times New Roman" panose="02020603050405020304" pitchFamily="18" charset="0"/>
+              </a:rPr>
+              <a:t>)</a:t>
+            </a:r>
+          </a:p>
+          <a:p>
+            <a:pPr marL="0" indent="0" algn="just">
+              <a:buNone/>
+            </a:pPr>
+            <a:r>
+              <a:rPr lang="pt-BR" sz="2000" dirty="0" err="1">
+                <a:latin typeface="Times New Roman" panose="02020603050405020304" pitchFamily="18" charset="0"/>
+                <a:cs typeface="Times New Roman" panose="02020603050405020304" pitchFamily="18" charset="0"/>
+              </a:rPr>
+              <a:t>from</a:t>
+            </a:r>
+            <a:r>
+              <a:rPr lang="pt-BR" sz="2000" dirty="0">
+                <a:latin typeface="Times New Roman" panose="02020603050405020304" pitchFamily="18" charset="0"/>
+                <a:cs typeface="Times New Roman" panose="02020603050405020304" pitchFamily="18" charset="0"/>
+              </a:rPr>
+              <a:t> </a:t>
+            </a:r>
+            <a:r>
+              <a:rPr lang="pt-BR" sz="2000" dirty="0" err="1">
+                <a:latin typeface="Times New Roman" panose="02020603050405020304" pitchFamily="18" charset="0"/>
+                <a:cs typeface="Times New Roman" panose="02020603050405020304" pitchFamily="18" charset="0"/>
+              </a:rPr>
+              <a:t>sklearn.linear_model</a:t>
+            </a:r>
+            <a:r>
+              <a:rPr lang="pt-BR" sz="2000" dirty="0">
+                <a:latin typeface="Times New Roman" panose="02020603050405020304" pitchFamily="18" charset="0"/>
+                <a:cs typeface="Times New Roman" panose="02020603050405020304" pitchFamily="18" charset="0"/>
+              </a:rPr>
+              <a:t> </a:t>
+            </a:r>
+            <a:r>
+              <a:rPr lang="pt-BR" sz="2000" b="1" dirty="0" err="1">
+                <a:latin typeface="Times New Roman" panose="02020603050405020304" pitchFamily="18" charset="0"/>
+                <a:cs typeface="Times New Roman" panose="02020603050405020304" pitchFamily="18" charset="0"/>
+              </a:rPr>
+              <a:t>import</a:t>
+            </a:r>
+            <a:r>
+              <a:rPr lang="pt-BR" sz="2000" dirty="0">
+                <a:latin typeface="Times New Roman" panose="02020603050405020304" pitchFamily="18" charset="0"/>
+                <a:cs typeface="Times New Roman" panose="02020603050405020304" pitchFamily="18" charset="0"/>
+              </a:rPr>
+              <a:t> </a:t>
+            </a:r>
+            <a:r>
+              <a:rPr lang="pt-BR" sz="2000" dirty="0" err="1">
+                <a:latin typeface="Times New Roman" panose="02020603050405020304" pitchFamily="18" charset="0"/>
+                <a:cs typeface="Times New Roman" panose="02020603050405020304" pitchFamily="18" charset="0"/>
+              </a:rPr>
+              <a:t>LinearRegression</a:t>
+            </a:r>
+            <a:r>
+              <a:rPr lang="pt-BR" sz="2000" dirty="0">
+                <a:latin typeface="Times New Roman" panose="02020603050405020304" pitchFamily="18" charset="0"/>
+                <a:cs typeface="Times New Roman" panose="02020603050405020304" pitchFamily="18" charset="0"/>
+              </a:rPr>
+              <a:t> # </a:t>
+            </a:r>
+            <a:r>
+              <a:rPr lang="pt-BR" sz="2000" b="1" dirty="0" err="1">
+                <a:solidFill>
+                  <a:srgbClr val="FF0000"/>
+                </a:solidFill>
+                <a:latin typeface="Times New Roman" panose="02020603050405020304" pitchFamily="18" charset="0"/>
+                <a:cs typeface="Times New Roman" panose="02020603050405020304" pitchFamily="18" charset="0"/>
+              </a:rPr>
+              <a:t>NeuralNetwork</a:t>
+            </a:r>
+            <a:endParaRPr lang="pt-BR" sz="2000" b="1" dirty="0">
+              <a:solidFill>
+                <a:srgbClr val="FF0000"/>
+              </a:solidFill>
+              <a:latin typeface="Times New Roman" panose="02020603050405020304" pitchFamily="18" charset="0"/>
+              <a:cs typeface="Times New Roman" panose="02020603050405020304" pitchFamily="18" charset="0"/>
+            </a:endParaRPr>
+          </a:p>
+          <a:p>
+            <a:pPr marL="0" indent="0" algn="just">
+              <a:buNone/>
+            </a:pPr>
+            <a:r>
+              <a:rPr lang="pt-BR" sz="2000" dirty="0" err="1">
+                <a:latin typeface="Times New Roman" panose="02020603050405020304" pitchFamily="18" charset="0"/>
+                <a:cs typeface="Times New Roman" panose="02020603050405020304" pitchFamily="18" charset="0"/>
+              </a:rPr>
+              <a:t>from</a:t>
+            </a:r>
+            <a:r>
+              <a:rPr lang="pt-BR" sz="2000" dirty="0">
+                <a:latin typeface="Times New Roman" panose="02020603050405020304" pitchFamily="18" charset="0"/>
+                <a:cs typeface="Times New Roman" panose="02020603050405020304" pitchFamily="18" charset="0"/>
+              </a:rPr>
+              <a:t> </a:t>
+            </a:r>
+            <a:r>
+              <a:rPr lang="pt-BR" sz="2000" dirty="0" err="1">
+                <a:latin typeface="Times New Roman" panose="02020603050405020304" pitchFamily="18" charset="0"/>
+                <a:cs typeface="Times New Roman" panose="02020603050405020304" pitchFamily="18" charset="0"/>
+              </a:rPr>
+              <a:t>sklearn.ensemble</a:t>
+            </a:r>
+            <a:r>
+              <a:rPr lang="pt-BR" sz="2000" dirty="0">
+                <a:latin typeface="Times New Roman" panose="02020603050405020304" pitchFamily="18" charset="0"/>
+                <a:cs typeface="Times New Roman" panose="02020603050405020304" pitchFamily="18" charset="0"/>
+              </a:rPr>
+              <a:t> </a:t>
+            </a:r>
+            <a:r>
+              <a:rPr lang="pt-BR" sz="2000" b="1" dirty="0" err="1">
+                <a:latin typeface="Times New Roman" panose="02020603050405020304" pitchFamily="18" charset="0"/>
+                <a:cs typeface="Times New Roman" panose="02020603050405020304" pitchFamily="18" charset="0"/>
+              </a:rPr>
+              <a:t>import</a:t>
+            </a:r>
+            <a:r>
+              <a:rPr lang="pt-BR" sz="2000" dirty="0">
+                <a:latin typeface="Times New Roman" panose="02020603050405020304" pitchFamily="18" charset="0"/>
+                <a:cs typeface="Times New Roman" panose="02020603050405020304" pitchFamily="18" charset="0"/>
+              </a:rPr>
+              <a:t> </a:t>
+            </a:r>
+            <a:r>
+              <a:rPr lang="pt-BR" sz="2000" dirty="0" err="1">
+                <a:latin typeface="Times New Roman" panose="02020603050405020304" pitchFamily="18" charset="0"/>
+                <a:cs typeface="Times New Roman" panose="02020603050405020304" pitchFamily="18" charset="0"/>
+              </a:rPr>
+              <a:t>RandomForestRegressor</a:t>
+            </a:r>
+            <a:endParaRPr lang="pt-BR" sz="2000" dirty="0">
+              <a:latin typeface="Times New Roman" panose="02020603050405020304" pitchFamily="18" charset="0"/>
+              <a:cs typeface="Times New Roman" panose="02020603050405020304" pitchFamily="18" charset="0"/>
+            </a:endParaRPr>
+          </a:p>
+          <a:p>
+            <a:pPr marL="0" indent="0" algn="just">
+              <a:buNone/>
+            </a:pPr>
+            <a:endParaRPr lang="pt-BR" sz="2000" dirty="0">
+              <a:latin typeface="Times New Roman" panose="02020603050405020304" pitchFamily="18" charset="0"/>
+              <a:cs typeface="Times New Roman" panose="02020603050405020304" pitchFamily="18" charset="0"/>
+            </a:endParaRPr>
+          </a:p>
+          <a:p>
+            <a:pPr marL="0" indent="0" algn="just">
+              <a:buNone/>
+            </a:pPr>
+            <a:r>
+              <a:rPr lang="pt-BR" sz="2000" dirty="0">
+                <a:latin typeface="Times New Roman" panose="02020603050405020304" pitchFamily="18" charset="0"/>
+                <a:cs typeface="Times New Roman" panose="02020603050405020304" pitchFamily="18" charset="0"/>
+              </a:rPr>
+              <a:t># </a:t>
+            </a:r>
+            <a:r>
+              <a:rPr lang="pt-BR" sz="2000" b="1" dirty="0">
+                <a:latin typeface="Times New Roman" panose="02020603050405020304" pitchFamily="18" charset="0"/>
+                <a:cs typeface="Times New Roman" panose="02020603050405020304" pitchFamily="18" charset="0"/>
+              </a:rPr>
+              <a:t>Criar a IA</a:t>
+            </a:r>
+          </a:p>
+          <a:p>
+            <a:pPr marL="0" indent="0" algn="just">
+              <a:buNone/>
+            </a:pPr>
+            <a:r>
+              <a:rPr lang="pt-BR" sz="2000" dirty="0" err="1">
+                <a:latin typeface="Times New Roman" panose="02020603050405020304" pitchFamily="18" charset="0"/>
+                <a:cs typeface="Times New Roman" panose="02020603050405020304" pitchFamily="18" charset="0"/>
+              </a:rPr>
+              <a:t>modelo_regressaolinear</a:t>
+            </a:r>
+            <a:r>
+              <a:rPr lang="pt-BR" sz="2000" dirty="0">
+                <a:latin typeface="Times New Roman" panose="02020603050405020304" pitchFamily="18" charset="0"/>
+                <a:cs typeface="Times New Roman" panose="02020603050405020304" pitchFamily="18" charset="0"/>
+              </a:rPr>
+              <a:t> = </a:t>
+            </a:r>
+            <a:r>
+              <a:rPr lang="pt-BR" sz="2000" b="1" dirty="0" err="1">
+                <a:latin typeface="Times New Roman" panose="02020603050405020304" pitchFamily="18" charset="0"/>
+                <a:cs typeface="Times New Roman" panose="02020603050405020304" pitchFamily="18" charset="0"/>
+              </a:rPr>
+              <a:t>LinearRegression</a:t>
+            </a:r>
+            <a:r>
+              <a:rPr lang="pt-BR" sz="2000" dirty="0">
+                <a:latin typeface="Times New Roman" panose="02020603050405020304" pitchFamily="18" charset="0"/>
+                <a:cs typeface="Times New Roman" panose="02020603050405020304" pitchFamily="18" charset="0"/>
+              </a:rPr>
+              <a:t>()</a:t>
+            </a:r>
+          </a:p>
+          <a:p>
+            <a:pPr marL="0" indent="0" algn="just">
+              <a:buNone/>
+            </a:pPr>
+            <a:r>
+              <a:rPr lang="pt-BR" sz="2000" dirty="0" err="1">
+                <a:latin typeface="Times New Roman" panose="02020603050405020304" pitchFamily="18" charset="0"/>
+                <a:cs typeface="Times New Roman" panose="02020603050405020304" pitchFamily="18" charset="0"/>
+              </a:rPr>
+              <a:t>modelo_arvoredecisao</a:t>
+            </a:r>
+            <a:r>
+              <a:rPr lang="pt-BR" sz="2000" dirty="0">
+                <a:latin typeface="Times New Roman" panose="02020603050405020304" pitchFamily="18" charset="0"/>
+                <a:cs typeface="Times New Roman" panose="02020603050405020304" pitchFamily="18" charset="0"/>
+              </a:rPr>
+              <a:t> = </a:t>
+            </a:r>
+            <a:r>
+              <a:rPr lang="pt-BR" sz="2000" b="1" dirty="0" err="1">
+                <a:latin typeface="Times New Roman" panose="02020603050405020304" pitchFamily="18" charset="0"/>
+                <a:cs typeface="Times New Roman" panose="02020603050405020304" pitchFamily="18" charset="0"/>
+              </a:rPr>
+              <a:t>RandomForestRegressor</a:t>
+            </a:r>
+            <a:r>
+              <a:rPr lang="pt-BR" sz="2000" dirty="0">
+                <a:latin typeface="Times New Roman" panose="02020603050405020304" pitchFamily="18" charset="0"/>
+                <a:cs typeface="Times New Roman" panose="02020603050405020304" pitchFamily="18" charset="0"/>
+              </a:rPr>
+              <a:t>()</a:t>
+            </a:r>
+          </a:p>
+        </p:txBody>
+      </p:sp>
+    </p:spTree>
+    <p:extLst>
+      <p:ext uri="{BB962C8B-B14F-4D97-AF65-F5344CB8AC3E}">
+        <p14:creationId xmlns:p14="http://schemas.microsoft.com/office/powerpoint/2010/main" val="1484111083"/>
+      </p:ext>
+    </p:extLst>
+  </p:cSld>
+  <p:clrMapOvr>
+    <a:masterClrMapping/>
+  </p:clrMapOvr>
+  <p:transition spd="med"/>
+</p:sld>
+</file>
+
+<file path=ppt/slides/slide13.xml><?xml version="1.0" encoding="utf-8"?>
+<p:sld xmlns:a="http://schemas.openxmlformats.org/drawingml/2006/main" xmlns:r="http://schemas.openxmlformats.org/officeDocument/2006/relationships" xmlns:p="http://schemas.openxmlformats.org/presentationml/2006/main">
+  <p:cSld>
+    <p:spTree>
+      <p:nvGrpSpPr>
+        <p:cNvPr id="1" name=""/>
+        <p:cNvGrpSpPr/>
+        <p:nvPr/>
+      </p:nvGrpSpPr>
+      <p:grpSpPr>
+        <a:xfrm>
+          <a:off x="0" y="0"/>
+          <a:ext cx="0" cy="0"/>
+          <a:chOff x="0" y="0"/>
+          <a:chExt cx="0" cy="0"/>
+        </a:xfrm>
+      </p:grpSpPr>
+      <p:sp>
+        <p:nvSpPr>
+          <p:cNvPr id="6" name="Title 1"/>
+          <p:cNvSpPr>
+            <a:spLocks noGrp="1"/>
+          </p:cNvSpPr>
+          <p:nvPr>
+            <p:ph type="title"/>
+          </p:nvPr>
+        </p:nvSpPr>
+        <p:spPr>
+          <a:xfrm>
+            <a:off x="457200" y="205980"/>
+            <a:ext cx="8229600" cy="857251"/>
+          </a:xfrm>
+        </p:spPr>
+        <p:txBody>
+          <a:bodyPr>
+            <a:normAutofit fontScale="90000"/>
+          </a:bodyPr>
+          <a:lstStyle/>
+          <a:p>
+            <a:r>
+              <a:rPr lang="pt-BR" b="1" dirty="0">
+                <a:solidFill>
+                  <a:srgbClr val="0070C0"/>
+                </a:solidFill>
+              </a:rPr>
+              <a:t>Python com Big Data - Continuação</a:t>
+            </a:r>
+            <a:endParaRPr lang="en-US" b="1" dirty="0">
+              <a:solidFill>
+                <a:srgbClr val="0070C0"/>
+              </a:solidFill>
+            </a:endParaRPr>
+          </a:p>
+        </p:txBody>
+      </p:sp>
+      <p:sp>
+        <p:nvSpPr>
+          <p:cNvPr id="8" name="Text Placeholder 2"/>
+          <p:cNvSpPr>
+            <a:spLocks noGrp="1"/>
+          </p:cNvSpPr>
+          <p:nvPr>
+            <p:ph type="body" sz="half" idx="1"/>
+          </p:nvPr>
+        </p:nvSpPr>
+        <p:spPr>
+          <a:xfrm>
+            <a:off x="142865" y="1200150"/>
+            <a:ext cx="8865056" cy="3737370"/>
+          </a:xfrm>
+        </p:spPr>
+        <p:txBody>
+          <a:bodyPr>
+            <a:noAutofit/>
+          </a:bodyPr>
+          <a:lstStyle/>
+          <a:p>
+            <a:pPr marL="0" indent="0" algn="just">
+              <a:buNone/>
+            </a:pPr>
+            <a:r>
+              <a:rPr lang="pt-BR" sz="2000" dirty="0">
+                <a:latin typeface="Times New Roman" panose="02020603050405020304" pitchFamily="18" charset="0"/>
+                <a:cs typeface="Times New Roman" panose="02020603050405020304" pitchFamily="18" charset="0"/>
+              </a:rPr>
+              <a:t># </a:t>
+            </a:r>
+            <a:r>
+              <a:rPr lang="pt-BR" sz="2000" b="1" dirty="0">
+                <a:latin typeface="Times New Roman" panose="02020603050405020304" pitchFamily="18" charset="0"/>
+                <a:cs typeface="Times New Roman" panose="02020603050405020304" pitchFamily="18" charset="0"/>
+              </a:rPr>
+              <a:t>Treinar a IA (</a:t>
+            </a:r>
+            <a:r>
+              <a:rPr lang="pt-BR" sz="2000" b="1" dirty="0">
+                <a:solidFill>
+                  <a:srgbClr val="FF0000"/>
+                </a:solidFill>
+                <a:latin typeface="Times New Roman" panose="02020603050405020304" pitchFamily="18" charset="0"/>
+                <a:cs typeface="Times New Roman" panose="02020603050405020304" pitchFamily="18" charset="0"/>
+              </a:rPr>
+              <a:t>5 - Continuação</a:t>
+            </a:r>
+            <a:r>
+              <a:rPr lang="pt-BR" sz="2000" b="1" dirty="0">
+                <a:latin typeface="Times New Roman" panose="02020603050405020304" pitchFamily="18" charset="0"/>
+                <a:cs typeface="Times New Roman" panose="02020603050405020304" pitchFamily="18" charset="0"/>
+              </a:rPr>
+              <a:t>)</a:t>
+            </a:r>
+          </a:p>
+          <a:p>
+            <a:pPr marL="0" indent="0" algn="just">
+              <a:buNone/>
+            </a:pPr>
+            <a:r>
+              <a:rPr lang="pt-BR" sz="2000" dirty="0" err="1">
+                <a:latin typeface="Times New Roman" panose="02020603050405020304" pitchFamily="18" charset="0"/>
+                <a:cs typeface="Times New Roman" panose="02020603050405020304" pitchFamily="18" charset="0"/>
+              </a:rPr>
+              <a:t>modelo_regressaolinear.</a:t>
+            </a:r>
+            <a:r>
+              <a:rPr lang="pt-BR" sz="2000" b="1" dirty="0" err="1">
+                <a:latin typeface="Times New Roman" panose="02020603050405020304" pitchFamily="18" charset="0"/>
+                <a:cs typeface="Times New Roman" panose="02020603050405020304" pitchFamily="18" charset="0"/>
+              </a:rPr>
+              <a:t>fit</a:t>
+            </a:r>
+            <a:r>
+              <a:rPr lang="pt-BR" sz="2000" dirty="0">
+                <a:latin typeface="Times New Roman" panose="02020603050405020304" pitchFamily="18" charset="0"/>
+                <a:cs typeface="Times New Roman" panose="02020603050405020304" pitchFamily="18" charset="0"/>
+              </a:rPr>
+              <a:t>(</a:t>
+            </a:r>
+            <a:r>
+              <a:rPr lang="pt-BR" sz="2000" dirty="0" err="1">
+                <a:latin typeface="Times New Roman" panose="02020603050405020304" pitchFamily="18" charset="0"/>
+                <a:cs typeface="Times New Roman" panose="02020603050405020304" pitchFamily="18" charset="0"/>
+              </a:rPr>
+              <a:t>x_treino</a:t>
+            </a:r>
+            <a:r>
+              <a:rPr lang="pt-BR" sz="2000" dirty="0">
+                <a:latin typeface="Times New Roman" panose="02020603050405020304" pitchFamily="18" charset="0"/>
+                <a:cs typeface="Times New Roman" panose="02020603050405020304" pitchFamily="18" charset="0"/>
+              </a:rPr>
+              <a:t>, </a:t>
+            </a:r>
+            <a:r>
+              <a:rPr lang="pt-BR" sz="2000" dirty="0" err="1">
+                <a:latin typeface="Times New Roman" panose="02020603050405020304" pitchFamily="18" charset="0"/>
+                <a:cs typeface="Times New Roman" panose="02020603050405020304" pitchFamily="18" charset="0"/>
+              </a:rPr>
+              <a:t>y_treino</a:t>
+            </a:r>
+            <a:r>
+              <a:rPr lang="pt-BR" sz="2000" dirty="0">
+                <a:latin typeface="Times New Roman" panose="02020603050405020304" pitchFamily="18" charset="0"/>
+                <a:cs typeface="Times New Roman" panose="02020603050405020304" pitchFamily="18" charset="0"/>
+              </a:rPr>
+              <a:t>)</a:t>
+            </a:r>
+          </a:p>
+          <a:p>
+            <a:pPr marL="0" indent="0" algn="just">
+              <a:buNone/>
+            </a:pPr>
+            <a:r>
+              <a:rPr lang="pt-BR" sz="2000" dirty="0" err="1">
+                <a:latin typeface="Times New Roman" panose="02020603050405020304" pitchFamily="18" charset="0"/>
+                <a:cs typeface="Times New Roman" panose="02020603050405020304" pitchFamily="18" charset="0"/>
+              </a:rPr>
+              <a:t>modelo_arvoredecisao.</a:t>
+            </a:r>
+            <a:r>
+              <a:rPr lang="pt-BR" sz="2000" b="1" dirty="0" err="1">
+                <a:latin typeface="Times New Roman" panose="02020603050405020304" pitchFamily="18" charset="0"/>
+                <a:cs typeface="Times New Roman" panose="02020603050405020304" pitchFamily="18" charset="0"/>
+              </a:rPr>
+              <a:t>fit</a:t>
+            </a:r>
+            <a:r>
+              <a:rPr lang="pt-BR" sz="2000" dirty="0">
+                <a:latin typeface="Times New Roman" panose="02020603050405020304" pitchFamily="18" charset="0"/>
+                <a:cs typeface="Times New Roman" panose="02020603050405020304" pitchFamily="18" charset="0"/>
+              </a:rPr>
+              <a:t>(</a:t>
+            </a:r>
+            <a:r>
+              <a:rPr lang="pt-BR" sz="2000" dirty="0" err="1">
+                <a:latin typeface="Times New Roman" panose="02020603050405020304" pitchFamily="18" charset="0"/>
+                <a:cs typeface="Times New Roman" panose="02020603050405020304" pitchFamily="18" charset="0"/>
+              </a:rPr>
+              <a:t>x_treino</a:t>
+            </a:r>
+            <a:r>
+              <a:rPr lang="pt-BR" sz="2000" dirty="0">
+                <a:latin typeface="Times New Roman" panose="02020603050405020304" pitchFamily="18" charset="0"/>
+                <a:cs typeface="Times New Roman" panose="02020603050405020304" pitchFamily="18" charset="0"/>
+              </a:rPr>
+              <a:t>, </a:t>
+            </a:r>
+            <a:r>
+              <a:rPr lang="pt-BR" sz="2000" dirty="0" err="1">
+                <a:latin typeface="Times New Roman" panose="02020603050405020304" pitchFamily="18" charset="0"/>
+                <a:cs typeface="Times New Roman" panose="02020603050405020304" pitchFamily="18" charset="0"/>
+              </a:rPr>
+              <a:t>y_treino</a:t>
+            </a:r>
+            <a:r>
+              <a:rPr lang="pt-BR" sz="2000" dirty="0">
+                <a:latin typeface="Times New Roman" panose="02020603050405020304" pitchFamily="18" charset="0"/>
+                <a:cs typeface="Times New Roman" panose="02020603050405020304" pitchFamily="18" charset="0"/>
+              </a:rPr>
+              <a:t>)</a:t>
+            </a:r>
+          </a:p>
+          <a:p>
+            <a:pPr marL="0" indent="0" algn="just">
+              <a:buNone/>
+            </a:pPr>
+            <a:endParaRPr lang="pt-BR" sz="2000" dirty="0">
+              <a:latin typeface="Times New Roman" panose="02020603050405020304" pitchFamily="18" charset="0"/>
+              <a:cs typeface="Times New Roman" panose="02020603050405020304" pitchFamily="18" charset="0"/>
+            </a:endParaRPr>
+          </a:p>
+          <a:p>
+            <a:pPr marL="0" indent="0" algn="just">
+              <a:buNone/>
+            </a:pPr>
+            <a:r>
+              <a:rPr lang="pt-BR" sz="2000" dirty="0">
+                <a:latin typeface="Times New Roman" panose="02020603050405020304" pitchFamily="18" charset="0"/>
+                <a:cs typeface="Times New Roman" panose="02020603050405020304" pitchFamily="18" charset="0"/>
+              </a:rPr>
+              <a:t># </a:t>
+            </a:r>
+            <a:r>
+              <a:rPr lang="pt-BR" sz="2000" dirty="0" err="1">
+                <a:latin typeface="Times New Roman" panose="02020603050405020304" pitchFamily="18" charset="0"/>
+                <a:cs typeface="Times New Roman" panose="02020603050405020304" pitchFamily="18" charset="0"/>
+              </a:rPr>
+              <a:t>RandomForestRegressor</a:t>
+            </a:r>
+            <a:r>
+              <a:rPr lang="pt-BR" sz="2000" dirty="0">
+                <a:latin typeface="Times New Roman" panose="02020603050405020304" pitchFamily="18" charset="0"/>
+                <a:cs typeface="Times New Roman" panose="02020603050405020304" pitchFamily="18" charset="0"/>
+              </a:rPr>
+              <a:t>() – Resultado do modelo</a:t>
+            </a:r>
+          </a:p>
+          <a:p>
+            <a:pPr marL="0" indent="0" algn="just">
+              <a:buNone/>
+            </a:pPr>
+            <a:endParaRPr lang="pt-BR" sz="2000" dirty="0">
+              <a:latin typeface="Times New Roman" panose="02020603050405020304" pitchFamily="18" charset="0"/>
+              <a:cs typeface="Times New Roman" panose="02020603050405020304" pitchFamily="18" charset="0"/>
+            </a:endParaRPr>
+          </a:p>
+        </p:txBody>
+      </p:sp>
+    </p:spTree>
+    <p:extLst>
+      <p:ext uri="{BB962C8B-B14F-4D97-AF65-F5344CB8AC3E}">
+        <p14:creationId xmlns:p14="http://schemas.microsoft.com/office/powerpoint/2010/main" val="624940330"/>
+      </p:ext>
+    </p:extLst>
+  </p:cSld>
+  <p:clrMapOvr>
+    <a:masterClrMapping/>
+  </p:clrMapOvr>
+  <p:transition spd="med"/>
+</p:sld>
+</file>
+
+<file path=ppt/slides/slide14.xml><?xml version="1.0" encoding="utf-8"?>
+<p:sld xmlns:a="http://schemas.openxmlformats.org/drawingml/2006/main" xmlns:r="http://schemas.openxmlformats.org/officeDocument/2006/relationships" xmlns:p="http://schemas.openxmlformats.org/presentationml/2006/main">
+  <p:cSld>
+    <p:spTree>
+      <p:nvGrpSpPr>
+        <p:cNvPr id="1" name=""/>
+        <p:cNvGrpSpPr/>
+        <p:nvPr/>
+      </p:nvGrpSpPr>
+      <p:grpSpPr>
+        <a:xfrm>
+          <a:off x="0" y="0"/>
+          <a:ext cx="0" cy="0"/>
+          <a:chOff x="0" y="0"/>
+          <a:chExt cx="0" cy="0"/>
+        </a:xfrm>
+      </p:grpSpPr>
+      <p:sp>
+        <p:nvSpPr>
+          <p:cNvPr id="6" name="Title 1"/>
+          <p:cNvSpPr>
+            <a:spLocks noGrp="1"/>
+          </p:cNvSpPr>
+          <p:nvPr>
+            <p:ph type="title"/>
+          </p:nvPr>
+        </p:nvSpPr>
+        <p:spPr>
+          <a:xfrm>
+            <a:off x="457200" y="205980"/>
+            <a:ext cx="8229600" cy="857251"/>
+          </a:xfrm>
+        </p:spPr>
+        <p:txBody>
+          <a:bodyPr>
+            <a:normAutofit fontScale="90000"/>
+          </a:bodyPr>
+          <a:lstStyle/>
+          <a:p>
+            <a:r>
+              <a:rPr lang="pt-BR" b="1" dirty="0">
+                <a:solidFill>
+                  <a:srgbClr val="0070C0"/>
+                </a:solidFill>
+              </a:rPr>
+              <a:t>Python com Big Data - Continuação</a:t>
+            </a:r>
+            <a:endParaRPr lang="en-US" b="1" dirty="0">
+              <a:solidFill>
+                <a:srgbClr val="0070C0"/>
+              </a:solidFill>
+            </a:endParaRPr>
+          </a:p>
+        </p:txBody>
+      </p:sp>
+      <p:sp>
+        <p:nvSpPr>
+          <p:cNvPr id="8" name="Text Placeholder 2"/>
+          <p:cNvSpPr>
+            <a:spLocks noGrp="1"/>
+          </p:cNvSpPr>
+          <p:nvPr>
+            <p:ph type="body" sz="half" idx="1"/>
+          </p:nvPr>
+        </p:nvSpPr>
+        <p:spPr>
+          <a:xfrm>
+            <a:off x="142865" y="1200150"/>
+            <a:ext cx="8865056" cy="3737370"/>
+          </a:xfrm>
+        </p:spPr>
+        <p:txBody>
+          <a:bodyPr>
+            <a:noAutofit/>
+          </a:bodyPr>
+          <a:lstStyle/>
+          <a:p>
+            <a:pPr marL="0" indent="0" algn="just">
+              <a:buNone/>
+            </a:pPr>
+            <a:r>
+              <a:rPr lang="pt-BR" sz="2000" dirty="0">
+                <a:latin typeface="Times New Roman" panose="02020603050405020304" pitchFamily="18" charset="0"/>
+                <a:cs typeface="Times New Roman" panose="02020603050405020304" pitchFamily="18" charset="0"/>
+              </a:rPr>
+              <a:t># </a:t>
+            </a:r>
+            <a:r>
+              <a:rPr lang="pt-BR" sz="2000" b="1" dirty="0">
+                <a:latin typeface="Times New Roman" panose="02020603050405020304" pitchFamily="18" charset="0"/>
+                <a:cs typeface="Times New Roman" panose="02020603050405020304" pitchFamily="18" charset="0"/>
+              </a:rPr>
+              <a:t>6. Interpretação de Resultados - Escolher o Melhor Modelo R2 - </a:t>
+            </a:r>
+            <a:r>
+              <a:rPr lang="pt-BR" sz="2000" b="1" dirty="0">
+                <a:solidFill>
+                  <a:srgbClr val="FF0000"/>
+                </a:solidFill>
+                <a:latin typeface="Times New Roman" panose="02020603050405020304" pitchFamily="18" charset="0"/>
+                <a:cs typeface="Times New Roman" panose="02020603050405020304" pitchFamily="18" charset="0"/>
+              </a:rPr>
+              <a:t>0 a 100%</a:t>
+            </a:r>
+          </a:p>
+          <a:p>
+            <a:pPr marL="0" indent="0" algn="just">
+              <a:buNone/>
+            </a:pPr>
+            <a:r>
+              <a:rPr lang="pt-BR" sz="2000" b="1" dirty="0">
+                <a:latin typeface="Times New Roman" panose="02020603050405020304" pitchFamily="18" charset="0"/>
+                <a:cs typeface="Times New Roman" panose="02020603050405020304" pitchFamily="18" charset="0"/>
+              </a:rPr>
+              <a:t># </a:t>
+            </a:r>
+            <a:r>
+              <a:rPr lang="pt-BR" sz="2000" b="1" dirty="0">
+                <a:solidFill>
+                  <a:srgbClr val="FF0000"/>
+                </a:solidFill>
+                <a:latin typeface="Times New Roman" panose="02020603050405020304" pitchFamily="18" charset="0"/>
+                <a:cs typeface="Times New Roman" panose="02020603050405020304" pitchFamily="18" charset="0"/>
+              </a:rPr>
+              <a:t>Escolher o melhor modelo, visualizar e fazer previsões (IA)</a:t>
+            </a:r>
+          </a:p>
+          <a:p>
+            <a:pPr marL="0" indent="0" algn="just">
+              <a:buNone/>
+            </a:pPr>
+            <a:r>
+              <a:rPr lang="pt-BR" sz="2000" b="1" dirty="0" err="1">
+                <a:latin typeface="Times New Roman" panose="02020603050405020304" pitchFamily="18" charset="0"/>
+                <a:cs typeface="Times New Roman" panose="02020603050405020304" pitchFamily="18" charset="0"/>
+              </a:rPr>
+              <a:t>from</a:t>
+            </a:r>
+            <a:r>
+              <a:rPr lang="pt-BR" sz="2000" dirty="0">
+                <a:latin typeface="Times New Roman" panose="02020603050405020304" pitchFamily="18" charset="0"/>
+                <a:cs typeface="Times New Roman" panose="02020603050405020304" pitchFamily="18" charset="0"/>
+              </a:rPr>
+              <a:t> </a:t>
+            </a:r>
+            <a:r>
+              <a:rPr lang="pt-BR" sz="2000" dirty="0" err="1">
+                <a:latin typeface="Times New Roman" panose="02020603050405020304" pitchFamily="18" charset="0"/>
+                <a:cs typeface="Times New Roman" panose="02020603050405020304" pitchFamily="18" charset="0"/>
+              </a:rPr>
+              <a:t>sklearn.metrics</a:t>
+            </a:r>
+            <a:r>
+              <a:rPr lang="pt-BR" sz="2000" dirty="0">
+                <a:latin typeface="Times New Roman" panose="02020603050405020304" pitchFamily="18" charset="0"/>
+                <a:cs typeface="Times New Roman" panose="02020603050405020304" pitchFamily="18" charset="0"/>
+              </a:rPr>
+              <a:t> </a:t>
+            </a:r>
+            <a:r>
+              <a:rPr lang="pt-BR" sz="2000" b="1" dirty="0" err="1">
+                <a:latin typeface="Times New Roman" panose="02020603050405020304" pitchFamily="18" charset="0"/>
+                <a:cs typeface="Times New Roman" panose="02020603050405020304" pitchFamily="18" charset="0"/>
+              </a:rPr>
+              <a:t>import</a:t>
+            </a:r>
+            <a:r>
+              <a:rPr lang="pt-BR" sz="2000" dirty="0">
+                <a:latin typeface="Times New Roman" panose="02020603050405020304" pitchFamily="18" charset="0"/>
+                <a:cs typeface="Times New Roman" panose="02020603050405020304" pitchFamily="18" charset="0"/>
+              </a:rPr>
+              <a:t> r2_score</a:t>
+            </a:r>
+          </a:p>
+          <a:p>
+            <a:pPr marL="0" indent="0" algn="just">
+              <a:buNone/>
+            </a:pPr>
+            <a:endParaRPr lang="pt-BR" sz="2000" dirty="0">
+              <a:latin typeface="Times New Roman" panose="02020603050405020304" pitchFamily="18" charset="0"/>
+              <a:cs typeface="Times New Roman" panose="02020603050405020304" pitchFamily="18" charset="0"/>
+            </a:endParaRPr>
+          </a:p>
+          <a:p>
+            <a:pPr marL="0" indent="0" algn="just">
+              <a:buNone/>
+            </a:pPr>
+            <a:r>
+              <a:rPr lang="pt-BR" sz="2000" dirty="0" err="1">
+                <a:latin typeface="Times New Roman" panose="02020603050405020304" pitchFamily="18" charset="0"/>
+                <a:cs typeface="Times New Roman" panose="02020603050405020304" pitchFamily="18" charset="0"/>
+              </a:rPr>
+              <a:t>previsao_regressaolinear</a:t>
+            </a:r>
+            <a:r>
+              <a:rPr lang="pt-BR" sz="2000" dirty="0">
+                <a:latin typeface="Times New Roman" panose="02020603050405020304" pitchFamily="18" charset="0"/>
+                <a:cs typeface="Times New Roman" panose="02020603050405020304" pitchFamily="18" charset="0"/>
+              </a:rPr>
+              <a:t> = </a:t>
+            </a:r>
+            <a:r>
+              <a:rPr lang="pt-BR" sz="2000" dirty="0" err="1">
+                <a:latin typeface="Times New Roman" panose="02020603050405020304" pitchFamily="18" charset="0"/>
+                <a:cs typeface="Times New Roman" panose="02020603050405020304" pitchFamily="18" charset="0"/>
+              </a:rPr>
+              <a:t>modelo_regressaolinear.</a:t>
+            </a:r>
+            <a:r>
+              <a:rPr lang="pt-BR" sz="2000" b="1" dirty="0" err="1">
+                <a:latin typeface="Times New Roman" panose="02020603050405020304" pitchFamily="18" charset="0"/>
+                <a:cs typeface="Times New Roman" panose="02020603050405020304" pitchFamily="18" charset="0"/>
+              </a:rPr>
+              <a:t>predict</a:t>
+            </a:r>
+            <a:r>
+              <a:rPr lang="pt-BR" sz="2000" dirty="0">
+                <a:latin typeface="Times New Roman" panose="02020603050405020304" pitchFamily="18" charset="0"/>
+                <a:cs typeface="Times New Roman" panose="02020603050405020304" pitchFamily="18" charset="0"/>
+              </a:rPr>
+              <a:t>(</a:t>
+            </a:r>
+            <a:r>
+              <a:rPr lang="pt-BR" sz="2000" dirty="0" err="1">
+                <a:latin typeface="Times New Roman" panose="02020603050405020304" pitchFamily="18" charset="0"/>
+                <a:cs typeface="Times New Roman" panose="02020603050405020304" pitchFamily="18" charset="0"/>
+              </a:rPr>
+              <a:t>x_teste</a:t>
+            </a:r>
+            <a:r>
+              <a:rPr lang="pt-BR" sz="2000" dirty="0">
+                <a:latin typeface="Times New Roman" panose="02020603050405020304" pitchFamily="18" charset="0"/>
+                <a:cs typeface="Times New Roman" panose="02020603050405020304" pitchFamily="18" charset="0"/>
+              </a:rPr>
+              <a:t>) </a:t>
+            </a:r>
+            <a:r>
+              <a:rPr lang="pt-BR" sz="2000" b="1" dirty="0">
+                <a:latin typeface="Times New Roman" panose="02020603050405020304" pitchFamily="18" charset="0"/>
+                <a:cs typeface="Times New Roman" panose="02020603050405020304" pitchFamily="18" charset="0"/>
+              </a:rPr>
+              <a:t># </a:t>
+            </a:r>
+            <a:r>
+              <a:rPr lang="pt-BR" sz="2000" b="1" dirty="0">
+                <a:solidFill>
+                  <a:srgbClr val="FF0000"/>
+                </a:solidFill>
+                <a:latin typeface="Times New Roman" panose="02020603050405020304" pitchFamily="18" charset="0"/>
+                <a:cs typeface="Times New Roman" panose="02020603050405020304" pitchFamily="18" charset="0"/>
+              </a:rPr>
+              <a:t>previsão</a:t>
+            </a:r>
+          </a:p>
+          <a:p>
+            <a:pPr marL="0" indent="0" algn="just">
+              <a:buNone/>
+            </a:pPr>
+            <a:r>
+              <a:rPr lang="pt-BR" sz="2000" dirty="0" err="1">
+                <a:latin typeface="Times New Roman" panose="02020603050405020304" pitchFamily="18" charset="0"/>
+                <a:cs typeface="Times New Roman" panose="02020603050405020304" pitchFamily="18" charset="0"/>
+              </a:rPr>
+              <a:t>previsao_arvoredecisao</a:t>
+            </a:r>
+            <a:r>
+              <a:rPr lang="pt-BR" sz="2000" dirty="0">
+                <a:latin typeface="Times New Roman" panose="02020603050405020304" pitchFamily="18" charset="0"/>
+                <a:cs typeface="Times New Roman" panose="02020603050405020304" pitchFamily="18" charset="0"/>
+              </a:rPr>
+              <a:t> = </a:t>
+            </a:r>
+            <a:r>
+              <a:rPr lang="pt-BR" sz="2000" dirty="0" err="1">
+                <a:latin typeface="Times New Roman" panose="02020603050405020304" pitchFamily="18" charset="0"/>
+                <a:cs typeface="Times New Roman" panose="02020603050405020304" pitchFamily="18" charset="0"/>
+              </a:rPr>
+              <a:t>modelo_arvoredecisao.</a:t>
+            </a:r>
+            <a:r>
+              <a:rPr lang="pt-BR" sz="2000" b="1" dirty="0" err="1">
+                <a:latin typeface="Times New Roman" panose="02020603050405020304" pitchFamily="18" charset="0"/>
+                <a:cs typeface="Times New Roman" panose="02020603050405020304" pitchFamily="18" charset="0"/>
+              </a:rPr>
+              <a:t>predict</a:t>
+            </a:r>
+            <a:r>
+              <a:rPr lang="pt-BR" sz="2000" dirty="0">
+                <a:latin typeface="Times New Roman" panose="02020603050405020304" pitchFamily="18" charset="0"/>
+                <a:cs typeface="Times New Roman" panose="02020603050405020304" pitchFamily="18" charset="0"/>
+              </a:rPr>
+              <a:t>(</a:t>
+            </a:r>
+            <a:r>
+              <a:rPr lang="pt-BR" sz="2000" dirty="0" err="1">
+                <a:latin typeface="Times New Roman" panose="02020603050405020304" pitchFamily="18" charset="0"/>
+                <a:cs typeface="Times New Roman" panose="02020603050405020304" pitchFamily="18" charset="0"/>
+              </a:rPr>
+              <a:t>x_teste</a:t>
+            </a:r>
+            <a:r>
+              <a:rPr lang="pt-BR" sz="2000" dirty="0">
+                <a:latin typeface="Times New Roman" panose="02020603050405020304" pitchFamily="18" charset="0"/>
+                <a:cs typeface="Times New Roman" panose="02020603050405020304" pitchFamily="18" charset="0"/>
+              </a:rPr>
+              <a:t>) </a:t>
+            </a:r>
+            <a:r>
+              <a:rPr lang="pt-BR" sz="2000" b="1" dirty="0">
+                <a:latin typeface="Times New Roman" panose="02020603050405020304" pitchFamily="18" charset="0"/>
+                <a:cs typeface="Times New Roman" panose="02020603050405020304" pitchFamily="18" charset="0"/>
+              </a:rPr>
+              <a:t># </a:t>
+            </a:r>
+            <a:r>
+              <a:rPr lang="pt-BR" sz="2000" b="1" dirty="0">
+                <a:solidFill>
+                  <a:srgbClr val="FF0000"/>
+                </a:solidFill>
+                <a:latin typeface="Times New Roman" panose="02020603050405020304" pitchFamily="18" charset="0"/>
+                <a:cs typeface="Times New Roman" panose="02020603050405020304" pitchFamily="18" charset="0"/>
+              </a:rPr>
+              <a:t>previsão</a:t>
+            </a:r>
+            <a:endParaRPr lang="pt-BR" sz="2000" dirty="0">
+              <a:solidFill>
+                <a:srgbClr val="FF0000"/>
+              </a:solidFill>
+              <a:latin typeface="Times New Roman" panose="02020603050405020304" pitchFamily="18" charset="0"/>
+              <a:cs typeface="Times New Roman" panose="02020603050405020304" pitchFamily="18" charset="0"/>
+            </a:endParaRPr>
+          </a:p>
+          <a:p>
+            <a:pPr marL="0" indent="0" algn="just">
+              <a:buNone/>
+            </a:pPr>
+            <a:endParaRPr lang="pt-BR" sz="2000" dirty="0">
+              <a:latin typeface="Times New Roman" panose="02020603050405020304" pitchFamily="18" charset="0"/>
+              <a:cs typeface="Times New Roman" panose="02020603050405020304" pitchFamily="18" charset="0"/>
+            </a:endParaRPr>
+          </a:p>
+          <a:p>
+            <a:pPr marL="0" indent="0" algn="just">
+              <a:buNone/>
+            </a:pPr>
+            <a:r>
+              <a:rPr lang="pt-BR" sz="2000" dirty="0">
+                <a:latin typeface="Times New Roman" panose="02020603050405020304" pitchFamily="18" charset="0"/>
+                <a:cs typeface="Times New Roman" panose="02020603050405020304" pitchFamily="18" charset="0"/>
+              </a:rPr>
+              <a:t>print(</a:t>
+            </a:r>
+            <a:r>
+              <a:rPr lang="pt-BR" sz="2000" b="1" dirty="0">
+                <a:latin typeface="Times New Roman" panose="02020603050405020304" pitchFamily="18" charset="0"/>
+                <a:cs typeface="Times New Roman" panose="02020603050405020304" pitchFamily="18" charset="0"/>
+              </a:rPr>
+              <a:t>r2_score</a:t>
+            </a:r>
+            <a:r>
+              <a:rPr lang="pt-BR" sz="2000" dirty="0">
+                <a:latin typeface="Times New Roman" panose="02020603050405020304" pitchFamily="18" charset="0"/>
+                <a:cs typeface="Times New Roman" panose="02020603050405020304" pitchFamily="18" charset="0"/>
+              </a:rPr>
+              <a:t>(</a:t>
+            </a:r>
+            <a:r>
+              <a:rPr lang="pt-BR" sz="2000" dirty="0" err="1">
+                <a:latin typeface="Times New Roman" panose="02020603050405020304" pitchFamily="18" charset="0"/>
+                <a:cs typeface="Times New Roman" panose="02020603050405020304" pitchFamily="18" charset="0"/>
+              </a:rPr>
+              <a:t>y_teste</a:t>
+            </a:r>
+            <a:r>
+              <a:rPr lang="pt-BR" sz="2000" dirty="0">
+                <a:latin typeface="Times New Roman" panose="02020603050405020304" pitchFamily="18" charset="0"/>
+                <a:cs typeface="Times New Roman" panose="02020603050405020304" pitchFamily="18" charset="0"/>
+              </a:rPr>
+              <a:t>, </a:t>
+            </a:r>
+            <a:r>
+              <a:rPr lang="pt-BR" sz="2000" dirty="0" err="1">
+                <a:latin typeface="Times New Roman" panose="02020603050405020304" pitchFamily="18" charset="0"/>
+                <a:cs typeface="Times New Roman" panose="02020603050405020304" pitchFamily="18" charset="0"/>
+              </a:rPr>
+              <a:t>previsao_regressaolinear</a:t>
+            </a:r>
+            <a:r>
+              <a:rPr lang="pt-BR" sz="2000" dirty="0">
+                <a:latin typeface="Times New Roman" panose="02020603050405020304" pitchFamily="18" charset="0"/>
+                <a:cs typeface="Times New Roman" panose="02020603050405020304" pitchFamily="18" charset="0"/>
+              </a:rPr>
+              <a:t>)) </a:t>
+            </a:r>
+            <a:r>
+              <a:rPr lang="pt-BR" sz="2000" b="1" dirty="0">
+                <a:latin typeface="Times New Roman" panose="02020603050405020304" pitchFamily="18" charset="0"/>
+                <a:cs typeface="Times New Roman" panose="02020603050405020304" pitchFamily="18" charset="0"/>
+              </a:rPr>
+              <a:t># </a:t>
+            </a:r>
+            <a:r>
+              <a:rPr lang="pt-BR" sz="2000" b="1" dirty="0">
+                <a:solidFill>
+                  <a:srgbClr val="FF0000"/>
+                </a:solidFill>
+                <a:latin typeface="Times New Roman" panose="02020603050405020304" pitchFamily="18" charset="0"/>
+                <a:cs typeface="Times New Roman" panose="02020603050405020304" pitchFamily="18" charset="0"/>
+              </a:rPr>
+              <a:t>previsão regressão linear</a:t>
+            </a:r>
+            <a:endParaRPr lang="pt-BR" sz="2000" dirty="0">
+              <a:latin typeface="Times New Roman" panose="02020603050405020304" pitchFamily="18" charset="0"/>
+              <a:cs typeface="Times New Roman" panose="02020603050405020304" pitchFamily="18" charset="0"/>
+            </a:endParaRPr>
+          </a:p>
+          <a:p>
+            <a:pPr marL="0" indent="0" algn="just">
+              <a:buNone/>
+            </a:pPr>
+            <a:r>
+              <a:rPr lang="pt-BR" sz="2000" dirty="0">
+                <a:latin typeface="Times New Roman" panose="02020603050405020304" pitchFamily="18" charset="0"/>
+                <a:cs typeface="Times New Roman" panose="02020603050405020304" pitchFamily="18" charset="0"/>
+              </a:rPr>
+              <a:t>print(</a:t>
+            </a:r>
+            <a:r>
+              <a:rPr lang="pt-BR" sz="2000" b="1" dirty="0">
+                <a:latin typeface="Times New Roman" panose="02020603050405020304" pitchFamily="18" charset="0"/>
+                <a:cs typeface="Times New Roman" panose="02020603050405020304" pitchFamily="18" charset="0"/>
+              </a:rPr>
+              <a:t>r2_score</a:t>
+            </a:r>
+            <a:r>
+              <a:rPr lang="pt-BR" sz="2000" dirty="0">
+                <a:latin typeface="Times New Roman" panose="02020603050405020304" pitchFamily="18" charset="0"/>
+                <a:cs typeface="Times New Roman" panose="02020603050405020304" pitchFamily="18" charset="0"/>
+              </a:rPr>
+              <a:t>(</a:t>
+            </a:r>
+            <a:r>
+              <a:rPr lang="pt-BR" sz="2000" dirty="0" err="1">
+                <a:latin typeface="Times New Roman" panose="02020603050405020304" pitchFamily="18" charset="0"/>
+                <a:cs typeface="Times New Roman" panose="02020603050405020304" pitchFamily="18" charset="0"/>
+              </a:rPr>
+              <a:t>y_teste</a:t>
+            </a:r>
+            <a:r>
+              <a:rPr lang="pt-BR" sz="2000" dirty="0">
+                <a:latin typeface="Times New Roman" panose="02020603050405020304" pitchFamily="18" charset="0"/>
+                <a:cs typeface="Times New Roman" panose="02020603050405020304" pitchFamily="18" charset="0"/>
+              </a:rPr>
+              <a:t>, </a:t>
+            </a:r>
+            <a:r>
+              <a:rPr lang="pt-BR" sz="2000" dirty="0" err="1">
+                <a:latin typeface="Times New Roman" panose="02020603050405020304" pitchFamily="18" charset="0"/>
+                <a:cs typeface="Times New Roman" panose="02020603050405020304" pitchFamily="18" charset="0"/>
+              </a:rPr>
+              <a:t>previsao_arvoredecisao</a:t>
+            </a:r>
+            <a:r>
+              <a:rPr lang="pt-BR" sz="2000" dirty="0">
+                <a:latin typeface="Times New Roman" panose="02020603050405020304" pitchFamily="18" charset="0"/>
+                <a:cs typeface="Times New Roman" panose="02020603050405020304" pitchFamily="18" charset="0"/>
+              </a:rPr>
+              <a:t>)) </a:t>
+            </a:r>
+            <a:r>
+              <a:rPr lang="pt-BR" sz="2000" b="1" dirty="0">
+                <a:latin typeface="Times New Roman" panose="02020603050405020304" pitchFamily="18" charset="0"/>
+                <a:cs typeface="Times New Roman" panose="02020603050405020304" pitchFamily="18" charset="0"/>
+              </a:rPr>
+              <a:t># </a:t>
+            </a:r>
+            <a:r>
+              <a:rPr lang="pt-BR" sz="2000" b="1" dirty="0">
+                <a:solidFill>
+                  <a:srgbClr val="FF0000"/>
+                </a:solidFill>
+                <a:latin typeface="Times New Roman" panose="02020603050405020304" pitchFamily="18" charset="0"/>
+                <a:cs typeface="Times New Roman" panose="02020603050405020304" pitchFamily="18" charset="0"/>
+              </a:rPr>
+              <a:t>previsão árvore de decisão</a:t>
+            </a:r>
+            <a:endParaRPr lang="pt-BR" sz="2000" dirty="0">
+              <a:latin typeface="Times New Roman" panose="02020603050405020304" pitchFamily="18" charset="0"/>
+              <a:cs typeface="Times New Roman" panose="02020603050405020304" pitchFamily="18" charset="0"/>
+            </a:endParaRPr>
+          </a:p>
+        </p:txBody>
+      </p:sp>
+    </p:spTree>
+    <p:extLst>
+      <p:ext uri="{BB962C8B-B14F-4D97-AF65-F5344CB8AC3E}">
+        <p14:creationId xmlns:p14="http://schemas.microsoft.com/office/powerpoint/2010/main" val="529779421"/>
+      </p:ext>
+    </p:extLst>
+  </p:cSld>
+  <p:clrMapOvr>
+    <a:masterClrMapping/>
+  </p:clrMapOvr>
+  <p:transition spd="med"/>
+</p:sld>
+</file>
+
+<file path=ppt/slides/slide15.xml><?xml version="1.0" encoding="utf-8"?>
+<p:sld xmlns:a="http://schemas.openxmlformats.org/drawingml/2006/main" xmlns:r="http://schemas.openxmlformats.org/officeDocument/2006/relationships" xmlns:p="http://schemas.openxmlformats.org/presentationml/2006/main">
+  <p:cSld>
+    <p:spTree>
+      <p:nvGrpSpPr>
+        <p:cNvPr id="1" name=""/>
+        <p:cNvGrpSpPr/>
+        <p:nvPr/>
+      </p:nvGrpSpPr>
+      <p:grpSpPr>
+        <a:xfrm>
+          <a:off x="0" y="0"/>
+          <a:ext cx="0" cy="0"/>
+          <a:chOff x="0" y="0"/>
+          <a:chExt cx="0" cy="0"/>
+        </a:xfrm>
+      </p:grpSpPr>
+      <p:sp>
+        <p:nvSpPr>
+          <p:cNvPr id="6" name="Title 1"/>
+          <p:cNvSpPr>
+            <a:spLocks noGrp="1"/>
+          </p:cNvSpPr>
+          <p:nvPr>
+            <p:ph type="title"/>
+          </p:nvPr>
+        </p:nvSpPr>
+        <p:spPr>
+          <a:xfrm>
+            <a:off x="457200" y="205980"/>
+            <a:ext cx="8229600" cy="857251"/>
+          </a:xfrm>
+        </p:spPr>
+        <p:txBody>
+          <a:bodyPr>
+            <a:normAutofit fontScale="90000"/>
+          </a:bodyPr>
+          <a:lstStyle/>
+          <a:p>
+            <a:r>
+              <a:rPr lang="pt-BR" b="1" dirty="0">
+                <a:solidFill>
+                  <a:srgbClr val="0070C0"/>
+                </a:solidFill>
+              </a:rPr>
+              <a:t>Python com Big Data - Continuação</a:t>
+            </a:r>
+            <a:endParaRPr lang="en-US" b="1" dirty="0">
+              <a:solidFill>
+                <a:srgbClr val="0070C0"/>
+              </a:solidFill>
+            </a:endParaRPr>
+          </a:p>
+        </p:txBody>
+      </p:sp>
+      <p:sp>
+        <p:nvSpPr>
+          <p:cNvPr id="8" name="Text Placeholder 2"/>
+          <p:cNvSpPr>
+            <a:spLocks noGrp="1"/>
+          </p:cNvSpPr>
+          <p:nvPr>
+            <p:ph type="body" sz="half" idx="1"/>
+          </p:nvPr>
+        </p:nvSpPr>
+        <p:spPr>
+          <a:xfrm>
+            <a:off x="142865" y="1200150"/>
+            <a:ext cx="8865056" cy="3737370"/>
+          </a:xfrm>
+        </p:spPr>
+        <p:txBody>
+          <a:bodyPr>
+            <a:noAutofit/>
+          </a:bodyPr>
+          <a:lstStyle/>
+          <a:p>
+            <a:pPr marL="0" indent="0" algn="just">
+              <a:buNone/>
+            </a:pPr>
+            <a:r>
+              <a:rPr lang="pt-BR" sz="2000" dirty="0">
+                <a:latin typeface="Times New Roman" panose="02020603050405020304" pitchFamily="18" charset="0"/>
+                <a:cs typeface="Times New Roman" panose="02020603050405020304" pitchFamily="18" charset="0"/>
+              </a:rPr>
+              <a:t># </a:t>
+            </a:r>
+            <a:r>
+              <a:rPr lang="pt-BR" sz="2000" b="1" dirty="0">
+                <a:latin typeface="Times New Roman" panose="02020603050405020304" pitchFamily="18" charset="0"/>
+                <a:cs typeface="Times New Roman" panose="02020603050405020304" pitchFamily="18" charset="0"/>
+              </a:rPr>
+              <a:t>7. Previsões – Entidade comparativa dos valores Y e modelos IA</a:t>
+            </a:r>
+          </a:p>
+          <a:p>
+            <a:pPr marL="0" indent="0" algn="just">
+              <a:buNone/>
+            </a:pPr>
+            <a:r>
+              <a:rPr lang="pt-BR" sz="2000" dirty="0" err="1">
+                <a:latin typeface="Times New Roman" panose="02020603050405020304" pitchFamily="18" charset="0"/>
+                <a:cs typeface="Times New Roman" panose="02020603050405020304" pitchFamily="18" charset="0"/>
+              </a:rPr>
+              <a:t>entidade_aux</a:t>
+            </a:r>
+            <a:r>
+              <a:rPr lang="pt-BR" sz="2000" dirty="0">
+                <a:latin typeface="Times New Roman" panose="02020603050405020304" pitchFamily="18" charset="0"/>
+                <a:cs typeface="Times New Roman" panose="02020603050405020304" pitchFamily="18" charset="0"/>
+              </a:rPr>
+              <a:t> = </a:t>
+            </a:r>
+            <a:r>
+              <a:rPr lang="pt-BR" sz="2000" dirty="0" err="1">
+                <a:latin typeface="Times New Roman" panose="02020603050405020304" pitchFamily="18" charset="0"/>
+                <a:cs typeface="Times New Roman" panose="02020603050405020304" pitchFamily="18" charset="0"/>
+              </a:rPr>
+              <a:t>pd.DataFrame</a:t>
+            </a:r>
+            <a:r>
+              <a:rPr lang="pt-BR" sz="2000" dirty="0">
+                <a:latin typeface="Times New Roman" panose="02020603050405020304" pitchFamily="18" charset="0"/>
+                <a:cs typeface="Times New Roman" panose="02020603050405020304" pitchFamily="18" charset="0"/>
+              </a:rPr>
+              <a:t>() # </a:t>
+            </a:r>
+            <a:r>
+              <a:rPr lang="pt-BR" sz="2000" b="1" dirty="0">
+                <a:solidFill>
+                  <a:srgbClr val="FF0000"/>
+                </a:solidFill>
+                <a:latin typeface="Times New Roman" panose="02020603050405020304" pitchFamily="18" charset="0"/>
+                <a:cs typeface="Times New Roman" panose="02020603050405020304" pitchFamily="18" charset="0"/>
+              </a:rPr>
+              <a:t>entidade vazia</a:t>
+            </a:r>
+          </a:p>
+          <a:p>
+            <a:pPr marL="0" indent="0" algn="just">
+              <a:buNone/>
+            </a:pPr>
+            <a:r>
+              <a:rPr lang="pt-BR" sz="2000" dirty="0" err="1">
+                <a:latin typeface="Times New Roman" panose="02020603050405020304" pitchFamily="18" charset="0"/>
+                <a:cs typeface="Times New Roman" panose="02020603050405020304" pitchFamily="18" charset="0"/>
+              </a:rPr>
+              <a:t>entidade_aux</a:t>
+            </a:r>
+            <a:r>
+              <a:rPr lang="pt-BR" sz="2000" dirty="0">
+                <a:latin typeface="Times New Roman" panose="02020603050405020304" pitchFamily="18" charset="0"/>
+                <a:cs typeface="Times New Roman" panose="02020603050405020304" pitchFamily="18" charset="0"/>
+              </a:rPr>
+              <a:t>['</a:t>
+            </a:r>
+            <a:r>
+              <a:rPr lang="pt-BR" sz="2000" dirty="0" err="1">
+                <a:latin typeface="Times New Roman" panose="02020603050405020304" pitchFamily="18" charset="0"/>
+                <a:cs typeface="Times New Roman" panose="02020603050405020304" pitchFamily="18" charset="0"/>
+              </a:rPr>
+              <a:t>y_teste</a:t>
+            </a:r>
+            <a:r>
+              <a:rPr lang="pt-BR" sz="2000" dirty="0">
+                <a:latin typeface="Times New Roman" panose="02020603050405020304" pitchFamily="18" charset="0"/>
+                <a:cs typeface="Times New Roman" panose="02020603050405020304" pitchFamily="18" charset="0"/>
+              </a:rPr>
+              <a:t>'] = </a:t>
+            </a:r>
+            <a:r>
+              <a:rPr lang="pt-BR" sz="2000" dirty="0" err="1">
+                <a:latin typeface="Times New Roman" panose="02020603050405020304" pitchFamily="18" charset="0"/>
+                <a:cs typeface="Times New Roman" panose="02020603050405020304" pitchFamily="18" charset="0"/>
+              </a:rPr>
+              <a:t>y_teste</a:t>
+            </a:r>
+            <a:endParaRPr lang="pt-BR" sz="2000" dirty="0">
+              <a:latin typeface="Times New Roman" panose="02020603050405020304" pitchFamily="18" charset="0"/>
+              <a:cs typeface="Times New Roman" panose="02020603050405020304" pitchFamily="18" charset="0"/>
+            </a:endParaRPr>
+          </a:p>
+          <a:p>
+            <a:pPr marL="0" indent="0" algn="just">
+              <a:buNone/>
+            </a:pPr>
+            <a:r>
+              <a:rPr lang="pt-BR" sz="2000" dirty="0" err="1">
+                <a:latin typeface="Times New Roman" panose="02020603050405020304" pitchFamily="18" charset="0"/>
+                <a:cs typeface="Times New Roman" panose="02020603050405020304" pitchFamily="18" charset="0"/>
+              </a:rPr>
+              <a:t>entidade_aux</a:t>
+            </a:r>
+            <a:r>
+              <a:rPr lang="pt-BR" sz="2000" dirty="0">
+                <a:latin typeface="Times New Roman" panose="02020603050405020304" pitchFamily="18" charset="0"/>
+                <a:cs typeface="Times New Roman" panose="02020603050405020304" pitchFamily="18" charset="0"/>
+              </a:rPr>
+              <a:t>['</a:t>
+            </a:r>
+            <a:r>
+              <a:rPr lang="pt-BR" sz="2000" dirty="0" err="1">
+                <a:latin typeface="Times New Roman" panose="02020603050405020304" pitchFamily="18" charset="0"/>
+                <a:cs typeface="Times New Roman" panose="02020603050405020304" pitchFamily="18" charset="0"/>
+              </a:rPr>
+              <a:t>ArvoreDecisao</a:t>
+            </a:r>
+            <a:r>
+              <a:rPr lang="pt-BR" sz="2000" dirty="0">
+                <a:latin typeface="Times New Roman" panose="02020603050405020304" pitchFamily="18" charset="0"/>
+                <a:cs typeface="Times New Roman" panose="02020603050405020304" pitchFamily="18" charset="0"/>
+              </a:rPr>
+              <a:t>'] = </a:t>
+            </a:r>
+            <a:r>
+              <a:rPr lang="pt-BR" sz="2000" dirty="0" err="1">
+                <a:latin typeface="Times New Roman" panose="02020603050405020304" pitchFamily="18" charset="0"/>
+                <a:cs typeface="Times New Roman" panose="02020603050405020304" pitchFamily="18" charset="0"/>
+              </a:rPr>
+              <a:t>previsao_arvoredecisao</a:t>
+            </a:r>
+            <a:endParaRPr lang="pt-BR" sz="2000" dirty="0">
+              <a:latin typeface="Times New Roman" panose="02020603050405020304" pitchFamily="18" charset="0"/>
+              <a:cs typeface="Times New Roman" panose="02020603050405020304" pitchFamily="18" charset="0"/>
+            </a:endParaRPr>
+          </a:p>
+          <a:p>
+            <a:pPr marL="0" indent="0" algn="just">
+              <a:buNone/>
+            </a:pPr>
+            <a:r>
+              <a:rPr lang="pt-BR" sz="2000" dirty="0" err="1">
+                <a:latin typeface="Times New Roman" panose="02020603050405020304" pitchFamily="18" charset="0"/>
+                <a:cs typeface="Times New Roman" panose="02020603050405020304" pitchFamily="18" charset="0"/>
+              </a:rPr>
+              <a:t>entidade_aux</a:t>
+            </a:r>
+            <a:r>
+              <a:rPr lang="pt-BR" sz="2000" dirty="0">
+                <a:latin typeface="Times New Roman" panose="02020603050405020304" pitchFamily="18" charset="0"/>
+                <a:cs typeface="Times New Roman" panose="02020603050405020304" pitchFamily="18" charset="0"/>
+              </a:rPr>
+              <a:t>['</a:t>
+            </a:r>
+            <a:r>
+              <a:rPr lang="pt-BR" sz="2000" dirty="0" err="1">
+                <a:latin typeface="Times New Roman" panose="02020603050405020304" pitchFamily="18" charset="0"/>
+                <a:cs typeface="Times New Roman" panose="02020603050405020304" pitchFamily="18" charset="0"/>
+              </a:rPr>
+              <a:t>RegressaoLinear</a:t>
+            </a:r>
+            <a:r>
+              <a:rPr lang="pt-BR" sz="2000" dirty="0">
+                <a:latin typeface="Times New Roman" panose="02020603050405020304" pitchFamily="18" charset="0"/>
+                <a:cs typeface="Times New Roman" panose="02020603050405020304" pitchFamily="18" charset="0"/>
+              </a:rPr>
+              <a:t>'] = </a:t>
+            </a:r>
+            <a:r>
+              <a:rPr lang="pt-BR" sz="2000" dirty="0" err="1">
+                <a:latin typeface="Times New Roman" panose="02020603050405020304" pitchFamily="18" charset="0"/>
+                <a:cs typeface="Times New Roman" panose="02020603050405020304" pitchFamily="18" charset="0"/>
+              </a:rPr>
+              <a:t>previsao_regressaolinear</a:t>
+            </a:r>
+            <a:endParaRPr lang="pt-BR" sz="2000" dirty="0">
+              <a:latin typeface="Times New Roman" panose="02020603050405020304" pitchFamily="18" charset="0"/>
+              <a:cs typeface="Times New Roman" panose="02020603050405020304" pitchFamily="18" charset="0"/>
+            </a:endParaRPr>
+          </a:p>
+          <a:p>
+            <a:pPr marL="0" indent="0" algn="just">
+              <a:buNone/>
+            </a:pPr>
+            <a:endParaRPr lang="pt-BR" sz="2000" dirty="0">
+              <a:latin typeface="Times New Roman" panose="02020603050405020304" pitchFamily="18" charset="0"/>
+              <a:cs typeface="Times New Roman" panose="02020603050405020304" pitchFamily="18" charset="0"/>
+            </a:endParaRPr>
+          </a:p>
+          <a:p>
+            <a:pPr marL="0" indent="0" algn="just">
+              <a:buNone/>
+            </a:pPr>
+            <a:r>
+              <a:rPr lang="pt-BR" sz="2000" dirty="0">
+                <a:latin typeface="Times New Roman" panose="02020603050405020304" pitchFamily="18" charset="0"/>
+                <a:cs typeface="Times New Roman" panose="02020603050405020304" pitchFamily="18" charset="0"/>
+              </a:rPr>
+              <a:t># </a:t>
+            </a:r>
+            <a:r>
+              <a:rPr lang="pt-BR" sz="2000" b="1" dirty="0">
+                <a:latin typeface="Times New Roman" panose="02020603050405020304" pitchFamily="18" charset="0"/>
+                <a:cs typeface="Times New Roman" panose="02020603050405020304" pitchFamily="18" charset="0"/>
+              </a:rPr>
+              <a:t>Previsões - Plotando o gráfico comparativo dos valores Y e modelos IA</a:t>
+            </a:r>
+          </a:p>
+          <a:p>
+            <a:pPr marL="0" indent="0" algn="just">
+              <a:buNone/>
+            </a:pPr>
+            <a:r>
+              <a:rPr lang="pt-BR" sz="2000" dirty="0" err="1">
+                <a:latin typeface="Times New Roman" panose="02020603050405020304" pitchFamily="18" charset="0"/>
+                <a:cs typeface="Times New Roman" panose="02020603050405020304" pitchFamily="18" charset="0"/>
+              </a:rPr>
+              <a:t>sns.</a:t>
+            </a:r>
+            <a:r>
+              <a:rPr lang="pt-BR" sz="2000" b="1" dirty="0" err="1">
+                <a:latin typeface="Times New Roman" panose="02020603050405020304" pitchFamily="18" charset="0"/>
+                <a:cs typeface="Times New Roman" panose="02020603050405020304" pitchFamily="18" charset="0"/>
+              </a:rPr>
+              <a:t>lineplot</a:t>
+            </a:r>
+            <a:r>
+              <a:rPr lang="pt-BR" sz="2000" dirty="0">
+                <a:latin typeface="Times New Roman" panose="02020603050405020304" pitchFamily="18" charset="0"/>
+                <a:cs typeface="Times New Roman" panose="02020603050405020304" pitchFamily="18" charset="0"/>
+              </a:rPr>
+              <a:t>(data=</a:t>
+            </a:r>
+            <a:r>
+              <a:rPr lang="pt-BR" sz="2000" dirty="0" err="1">
+                <a:latin typeface="Times New Roman" panose="02020603050405020304" pitchFamily="18" charset="0"/>
+                <a:cs typeface="Times New Roman" panose="02020603050405020304" pitchFamily="18" charset="0"/>
+              </a:rPr>
+              <a:t>entidade_aux</a:t>
+            </a:r>
+            <a:r>
+              <a:rPr lang="pt-BR" sz="2000" dirty="0">
+                <a:latin typeface="Times New Roman" panose="02020603050405020304" pitchFamily="18" charset="0"/>
+                <a:cs typeface="Times New Roman" panose="02020603050405020304" pitchFamily="18" charset="0"/>
+              </a:rPr>
+              <a:t>) # </a:t>
+            </a:r>
+            <a:r>
+              <a:rPr lang="pt-BR" sz="2000" b="1" dirty="0">
+                <a:solidFill>
+                  <a:srgbClr val="FF0000"/>
+                </a:solidFill>
+                <a:latin typeface="Times New Roman" panose="02020603050405020304" pitchFamily="18" charset="0"/>
+                <a:cs typeface="Times New Roman" panose="02020603050405020304" pitchFamily="18" charset="0"/>
+              </a:rPr>
+              <a:t>gráfico de linha</a:t>
+            </a:r>
+          </a:p>
+          <a:p>
+            <a:pPr marL="0" indent="0" algn="just">
+              <a:buNone/>
+            </a:pPr>
+            <a:r>
+              <a:rPr lang="pt-BR" sz="2000" dirty="0" err="1">
+                <a:latin typeface="Times New Roman" panose="02020603050405020304" pitchFamily="18" charset="0"/>
+                <a:cs typeface="Times New Roman" panose="02020603050405020304" pitchFamily="18" charset="0"/>
+              </a:rPr>
+              <a:t>plt.</a:t>
+            </a:r>
+            <a:r>
+              <a:rPr lang="pt-BR" sz="2000" b="1" dirty="0" err="1">
+                <a:latin typeface="Times New Roman" panose="02020603050405020304" pitchFamily="18" charset="0"/>
+                <a:cs typeface="Times New Roman" panose="02020603050405020304" pitchFamily="18" charset="0"/>
+              </a:rPr>
+              <a:t>show</a:t>
+            </a:r>
+            <a:r>
+              <a:rPr lang="pt-BR" sz="2000" dirty="0">
+                <a:latin typeface="Times New Roman" panose="02020603050405020304" pitchFamily="18" charset="0"/>
+                <a:cs typeface="Times New Roman" panose="02020603050405020304" pitchFamily="18" charset="0"/>
+              </a:rPr>
+              <a:t>()</a:t>
+            </a:r>
+          </a:p>
+        </p:txBody>
+      </p:sp>
+    </p:spTree>
+    <p:extLst>
+      <p:ext uri="{BB962C8B-B14F-4D97-AF65-F5344CB8AC3E}">
+        <p14:creationId xmlns:p14="http://schemas.microsoft.com/office/powerpoint/2010/main" val="1771944658"/>
+      </p:ext>
+    </p:extLst>
+  </p:cSld>
+  <p:clrMapOvr>
+    <a:masterClrMapping/>
+  </p:clrMapOvr>
+  <p:transition spd="med"/>
+</p:sld>
+</file>
+
+<file path=ppt/slides/slide16.xml><?xml version="1.0" encoding="utf-8"?>
+<p:sld xmlns:a="http://schemas.openxmlformats.org/drawingml/2006/main" xmlns:r="http://schemas.openxmlformats.org/officeDocument/2006/relationships" xmlns:p="http://schemas.openxmlformats.org/presentationml/2006/main">
+  <p:cSld>
+    <p:spTree>
+      <p:nvGrpSpPr>
+        <p:cNvPr id="1" name=""/>
+        <p:cNvGrpSpPr/>
+        <p:nvPr/>
+      </p:nvGrpSpPr>
+      <p:grpSpPr>
+        <a:xfrm>
+          <a:off x="0" y="0"/>
+          <a:ext cx="0" cy="0"/>
+          <a:chOff x="0" y="0"/>
+          <a:chExt cx="0" cy="0"/>
+        </a:xfrm>
+      </p:grpSpPr>
+      <p:sp>
+        <p:nvSpPr>
+          <p:cNvPr id="6" name="Title 1"/>
+          <p:cNvSpPr>
+            <a:spLocks noGrp="1"/>
+          </p:cNvSpPr>
+          <p:nvPr>
+            <p:ph type="title"/>
+          </p:nvPr>
+        </p:nvSpPr>
+        <p:spPr>
+          <a:xfrm>
+            <a:off x="457200" y="205980"/>
+            <a:ext cx="8229600" cy="857251"/>
+          </a:xfrm>
+        </p:spPr>
+        <p:txBody>
+          <a:bodyPr>
+            <a:normAutofit fontScale="90000"/>
+          </a:bodyPr>
+          <a:lstStyle/>
+          <a:p>
+            <a:r>
+              <a:rPr lang="pt-BR" b="1" dirty="0">
+                <a:solidFill>
+                  <a:srgbClr val="0070C0"/>
+                </a:solidFill>
+              </a:rPr>
+              <a:t>Python com Big Data - Continuação</a:t>
+            </a:r>
+            <a:endParaRPr lang="en-US" b="1" dirty="0">
+              <a:solidFill>
+                <a:srgbClr val="0070C0"/>
+              </a:solidFill>
+            </a:endParaRPr>
+          </a:p>
+        </p:txBody>
+      </p:sp>
+      <p:sp>
+        <p:nvSpPr>
+          <p:cNvPr id="8" name="Text Placeholder 2"/>
+          <p:cNvSpPr>
+            <a:spLocks noGrp="1"/>
+          </p:cNvSpPr>
+          <p:nvPr>
+            <p:ph type="body" sz="half" idx="1"/>
+          </p:nvPr>
+        </p:nvSpPr>
+        <p:spPr>
+          <a:xfrm>
+            <a:off x="142865" y="1200150"/>
+            <a:ext cx="8865056" cy="3737370"/>
+          </a:xfrm>
+        </p:spPr>
+        <p:txBody>
+          <a:bodyPr>
+            <a:noAutofit/>
+          </a:bodyPr>
+          <a:lstStyle/>
+          <a:p>
+            <a:pPr marL="0" indent="0" algn="just">
+              <a:buNone/>
+            </a:pPr>
+            <a:r>
+              <a:rPr lang="pt-BR" sz="2000" dirty="0">
+                <a:latin typeface="Times New Roman" panose="02020603050405020304" pitchFamily="18" charset="0"/>
+                <a:cs typeface="Times New Roman" panose="02020603050405020304" pitchFamily="18" charset="0"/>
+              </a:rPr>
+              <a:t># </a:t>
+            </a:r>
+            <a:r>
+              <a:rPr lang="pt-BR" sz="2000" b="1" dirty="0">
+                <a:latin typeface="Times New Roman" panose="02020603050405020304" pitchFamily="18" charset="0"/>
+                <a:cs typeface="Times New Roman" panose="02020603050405020304" pitchFamily="18" charset="0"/>
+              </a:rPr>
+              <a:t>8. Previsões - Nova Base de Dados para Fazer Previsões (</a:t>
+            </a:r>
+            <a:r>
+              <a:rPr lang="pt-BR" sz="2000" b="1" dirty="0">
+                <a:solidFill>
+                  <a:srgbClr val="FF0000"/>
+                </a:solidFill>
+                <a:latin typeface="Times New Roman" panose="02020603050405020304" pitchFamily="18" charset="0"/>
+                <a:cs typeface="Times New Roman" panose="02020603050405020304" pitchFamily="18" charset="0"/>
+              </a:rPr>
+              <a:t>Sem a coluna Y</a:t>
+            </a:r>
+            <a:r>
+              <a:rPr lang="pt-BR" sz="2000" b="1" dirty="0">
+                <a:latin typeface="Times New Roman" panose="02020603050405020304" pitchFamily="18" charset="0"/>
+                <a:cs typeface="Times New Roman" panose="02020603050405020304" pitchFamily="18" charset="0"/>
+              </a:rPr>
+              <a:t>)</a:t>
+            </a:r>
+          </a:p>
+          <a:p>
+            <a:pPr marL="0" indent="0" algn="just">
+              <a:buNone/>
+            </a:pPr>
+            <a:endParaRPr lang="pt-BR" sz="2000" dirty="0">
+              <a:latin typeface="Times New Roman" panose="02020603050405020304" pitchFamily="18" charset="0"/>
+              <a:cs typeface="Times New Roman" panose="02020603050405020304" pitchFamily="18" charset="0"/>
+            </a:endParaRPr>
+          </a:p>
+          <a:p>
+            <a:pPr marL="0" indent="0" algn="just">
+              <a:buNone/>
+            </a:pPr>
+            <a:r>
+              <a:rPr lang="pt-BR" sz="2000" dirty="0" err="1">
+                <a:latin typeface="Times New Roman" panose="02020603050405020304" pitchFamily="18" charset="0"/>
+                <a:cs typeface="Times New Roman" panose="02020603050405020304" pitchFamily="18" charset="0"/>
+              </a:rPr>
+              <a:t>entidade_nova</a:t>
+            </a:r>
+            <a:r>
+              <a:rPr lang="pt-BR" sz="2000" dirty="0">
+                <a:latin typeface="Times New Roman" panose="02020603050405020304" pitchFamily="18" charset="0"/>
+                <a:cs typeface="Times New Roman" panose="02020603050405020304" pitchFamily="18" charset="0"/>
+              </a:rPr>
+              <a:t> = </a:t>
+            </a:r>
+            <a:r>
+              <a:rPr lang="pt-BR" sz="2000" dirty="0" err="1">
+                <a:latin typeface="Times New Roman" panose="02020603050405020304" pitchFamily="18" charset="0"/>
+                <a:cs typeface="Times New Roman" panose="02020603050405020304" pitchFamily="18" charset="0"/>
+              </a:rPr>
+              <a:t>pd.</a:t>
+            </a:r>
+            <a:r>
+              <a:rPr lang="pt-BR" sz="2000" b="1" dirty="0" err="1">
+                <a:latin typeface="Times New Roman" panose="02020603050405020304" pitchFamily="18" charset="0"/>
+                <a:cs typeface="Times New Roman" panose="02020603050405020304" pitchFamily="18" charset="0"/>
+              </a:rPr>
+              <a:t>read_csv</a:t>
+            </a:r>
+            <a:r>
+              <a:rPr lang="pt-BR" sz="2000" dirty="0">
+                <a:latin typeface="Times New Roman" panose="02020603050405020304" pitchFamily="18" charset="0"/>
+                <a:cs typeface="Times New Roman" panose="02020603050405020304" pitchFamily="18" charset="0"/>
+              </a:rPr>
+              <a:t>('</a:t>
+            </a:r>
+            <a:r>
+              <a:rPr lang="pt-BR" sz="2000" dirty="0" err="1">
+                <a:latin typeface="Times New Roman" panose="02020603050405020304" pitchFamily="18" charset="0"/>
+                <a:cs typeface="Times New Roman" panose="02020603050405020304" pitchFamily="18" charset="0"/>
+              </a:rPr>
+              <a:t>sample_data</a:t>
+            </a:r>
+            <a:r>
+              <a:rPr lang="pt-BR" sz="2000" dirty="0">
+                <a:latin typeface="Times New Roman" panose="02020603050405020304" pitchFamily="18" charset="0"/>
+                <a:cs typeface="Times New Roman" panose="02020603050405020304" pitchFamily="18" charset="0"/>
+              </a:rPr>
+              <a:t>/california2.csv', </a:t>
+            </a:r>
+            <a:r>
+              <a:rPr lang="pt-BR" sz="2000" dirty="0" err="1">
+                <a:latin typeface="Times New Roman" panose="02020603050405020304" pitchFamily="18" charset="0"/>
+                <a:cs typeface="Times New Roman" panose="02020603050405020304" pitchFamily="18" charset="0"/>
+              </a:rPr>
+              <a:t>sep</a:t>
+            </a:r>
+            <a:r>
+              <a:rPr lang="pt-BR" sz="2000" dirty="0">
+                <a:latin typeface="Times New Roman" panose="02020603050405020304" pitchFamily="18" charset="0"/>
+                <a:cs typeface="Times New Roman" panose="02020603050405020304" pitchFamily="18" charset="0"/>
+              </a:rPr>
+              <a:t>=‘;')</a:t>
+            </a:r>
+          </a:p>
+          <a:p>
+            <a:pPr marL="0" indent="0" algn="just">
+              <a:buNone/>
+            </a:pPr>
+            <a:r>
+              <a:rPr lang="pt-BR" sz="2000" b="1" dirty="0">
+                <a:latin typeface="Times New Roman" panose="02020603050405020304" pitchFamily="18" charset="0"/>
+                <a:cs typeface="Times New Roman" panose="02020603050405020304" pitchFamily="18" charset="0"/>
+              </a:rPr>
+              <a:t>display</a:t>
+            </a:r>
+            <a:r>
+              <a:rPr lang="pt-BR" sz="2000" dirty="0">
+                <a:latin typeface="Times New Roman" panose="02020603050405020304" pitchFamily="18" charset="0"/>
+                <a:cs typeface="Times New Roman" panose="02020603050405020304" pitchFamily="18" charset="0"/>
+              </a:rPr>
+              <a:t>(</a:t>
+            </a:r>
+            <a:r>
+              <a:rPr lang="pt-BR" sz="2000" dirty="0" err="1">
+                <a:latin typeface="Times New Roman" panose="02020603050405020304" pitchFamily="18" charset="0"/>
+                <a:cs typeface="Times New Roman" panose="02020603050405020304" pitchFamily="18" charset="0"/>
+              </a:rPr>
+              <a:t>entidade_nova</a:t>
+            </a:r>
+            <a:r>
+              <a:rPr lang="pt-BR" sz="2000" dirty="0">
+                <a:latin typeface="Times New Roman" panose="02020603050405020304" pitchFamily="18" charset="0"/>
+                <a:cs typeface="Times New Roman" panose="02020603050405020304" pitchFamily="18" charset="0"/>
+              </a:rPr>
+              <a:t>)</a:t>
+            </a:r>
+          </a:p>
+          <a:p>
+            <a:pPr marL="0" indent="0" algn="just">
+              <a:buNone/>
+            </a:pPr>
+            <a:endParaRPr lang="pt-BR" sz="2000" dirty="0">
+              <a:latin typeface="Times New Roman" panose="02020603050405020304" pitchFamily="18" charset="0"/>
+              <a:cs typeface="Times New Roman" panose="02020603050405020304" pitchFamily="18" charset="0"/>
+            </a:endParaRPr>
+          </a:p>
+          <a:p>
+            <a:pPr marL="0" indent="0" algn="just">
+              <a:buNone/>
+            </a:pPr>
+            <a:r>
+              <a:rPr lang="pt-BR" sz="2000" dirty="0">
+                <a:latin typeface="Times New Roman" panose="02020603050405020304" pitchFamily="18" charset="0"/>
+                <a:cs typeface="Times New Roman" panose="02020603050405020304" pitchFamily="18" charset="0"/>
+              </a:rPr>
+              <a:t># </a:t>
+            </a:r>
+            <a:r>
+              <a:rPr lang="pt-BR" sz="2000" b="1" dirty="0">
+                <a:latin typeface="Times New Roman" panose="02020603050405020304" pitchFamily="18" charset="0"/>
+                <a:cs typeface="Times New Roman" panose="02020603050405020304" pitchFamily="18" charset="0"/>
+              </a:rPr>
+              <a:t>Fazendo Previsões com base na aprendizagem do modelo</a:t>
+            </a:r>
+          </a:p>
+          <a:p>
+            <a:pPr marL="0" indent="0" algn="just">
+              <a:buNone/>
+            </a:pPr>
+            <a:r>
+              <a:rPr lang="pt-BR" sz="2000" dirty="0" err="1">
+                <a:latin typeface="Times New Roman" panose="02020603050405020304" pitchFamily="18" charset="0"/>
+                <a:cs typeface="Times New Roman" panose="02020603050405020304" pitchFamily="18" charset="0"/>
+              </a:rPr>
+              <a:t>previsao</a:t>
+            </a:r>
+            <a:r>
+              <a:rPr lang="pt-BR" sz="2000" dirty="0">
+                <a:latin typeface="Times New Roman" panose="02020603050405020304" pitchFamily="18" charset="0"/>
+                <a:cs typeface="Times New Roman" panose="02020603050405020304" pitchFamily="18" charset="0"/>
+              </a:rPr>
+              <a:t> = </a:t>
+            </a:r>
+            <a:r>
+              <a:rPr lang="pt-BR" sz="2000" dirty="0" err="1">
+                <a:latin typeface="Times New Roman" panose="02020603050405020304" pitchFamily="18" charset="0"/>
+                <a:cs typeface="Times New Roman" panose="02020603050405020304" pitchFamily="18" charset="0"/>
+              </a:rPr>
+              <a:t>modelo_arvoredecisao.</a:t>
+            </a:r>
+            <a:r>
+              <a:rPr lang="pt-BR" sz="2000" b="1" dirty="0" err="1">
+                <a:latin typeface="Times New Roman" panose="02020603050405020304" pitchFamily="18" charset="0"/>
+                <a:cs typeface="Times New Roman" panose="02020603050405020304" pitchFamily="18" charset="0"/>
+              </a:rPr>
+              <a:t>predict</a:t>
+            </a:r>
+            <a:r>
+              <a:rPr lang="pt-BR" sz="2000" dirty="0">
+                <a:latin typeface="Times New Roman" panose="02020603050405020304" pitchFamily="18" charset="0"/>
+                <a:cs typeface="Times New Roman" panose="02020603050405020304" pitchFamily="18" charset="0"/>
+              </a:rPr>
+              <a:t>(</a:t>
+            </a:r>
+            <a:r>
+              <a:rPr lang="pt-BR" sz="2000" dirty="0" err="1">
+                <a:latin typeface="Times New Roman" panose="02020603050405020304" pitchFamily="18" charset="0"/>
+                <a:cs typeface="Times New Roman" panose="02020603050405020304" pitchFamily="18" charset="0"/>
+              </a:rPr>
+              <a:t>entidade_nova</a:t>
+            </a:r>
+            <a:r>
+              <a:rPr lang="pt-BR" sz="2000" dirty="0">
+                <a:latin typeface="Times New Roman" panose="02020603050405020304" pitchFamily="18" charset="0"/>
+                <a:cs typeface="Times New Roman" panose="02020603050405020304" pitchFamily="18" charset="0"/>
+              </a:rPr>
+              <a:t>)</a:t>
+            </a:r>
+          </a:p>
+          <a:p>
+            <a:pPr marL="0" indent="0" algn="just">
+              <a:buNone/>
+            </a:pPr>
+            <a:r>
+              <a:rPr lang="pt-BR" sz="2000" b="1" dirty="0">
+                <a:latin typeface="Times New Roman" panose="02020603050405020304" pitchFamily="18" charset="0"/>
+                <a:cs typeface="Times New Roman" panose="02020603050405020304" pitchFamily="18" charset="0"/>
+              </a:rPr>
+              <a:t>print</a:t>
+            </a:r>
+            <a:r>
+              <a:rPr lang="pt-BR" sz="2000" dirty="0">
+                <a:latin typeface="Times New Roman" panose="02020603050405020304" pitchFamily="18" charset="0"/>
+                <a:cs typeface="Times New Roman" panose="02020603050405020304" pitchFamily="18" charset="0"/>
+              </a:rPr>
+              <a:t>(</a:t>
+            </a:r>
+            <a:r>
+              <a:rPr lang="pt-BR" sz="2000" dirty="0" err="1">
+                <a:latin typeface="Times New Roman" panose="02020603050405020304" pitchFamily="18" charset="0"/>
+                <a:cs typeface="Times New Roman" panose="02020603050405020304" pitchFamily="18" charset="0"/>
+              </a:rPr>
+              <a:t>previsao</a:t>
+            </a:r>
+            <a:r>
+              <a:rPr lang="pt-BR" sz="2000" dirty="0">
+                <a:latin typeface="Times New Roman" panose="02020603050405020304" pitchFamily="18" charset="0"/>
+                <a:cs typeface="Times New Roman" panose="02020603050405020304" pitchFamily="18" charset="0"/>
+              </a:rPr>
+              <a:t>)</a:t>
+            </a:r>
+          </a:p>
+          <a:p>
+            <a:pPr marL="0" indent="0" algn="just">
+              <a:buNone/>
+            </a:pPr>
+            <a:r>
+              <a:rPr lang="pt-BR" sz="2000" dirty="0">
+                <a:latin typeface="Times New Roman" panose="02020603050405020304" pitchFamily="18" charset="0"/>
+                <a:cs typeface="Times New Roman" panose="02020603050405020304" pitchFamily="18" charset="0"/>
+              </a:rPr>
+              <a:t>					 </a:t>
+            </a:r>
+            <a:r>
+              <a:rPr lang="pt-BR" sz="2000" dirty="0">
+                <a:latin typeface="Times New Roman" panose="02020603050405020304" pitchFamily="18" charset="0"/>
+                <a:cs typeface="Times New Roman" panose="02020603050405020304" pitchFamily="18" charset="0"/>
+                <a:hlinkClick r:id="rId3"/>
+              </a:rPr>
+              <a:t>https://www.kaggle.com/</a:t>
+            </a:r>
+            <a:r>
+              <a:rPr lang="pt-BR" sz="2000" dirty="0">
+                <a:latin typeface="Times New Roman" panose="02020603050405020304" pitchFamily="18" charset="0"/>
+                <a:cs typeface="Times New Roman" panose="02020603050405020304" pitchFamily="18" charset="0"/>
+              </a:rPr>
+              <a:t> </a:t>
+            </a:r>
+          </a:p>
+        </p:txBody>
+      </p:sp>
+    </p:spTree>
+    <p:extLst>
+      <p:ext uri="{BB962C8B-B14F-4D97-AF65-F5344CB8AC3E}">
+        <p14:creationId xmlns:p14="http://schemas.microsoft.com/office/powerpoint/2010/main" val="1876858370"/>
+      </p:ext>
+    </p:extLst>
+  </p:cSld>
+  <p:clrMapOvr>
+    <a:masterClrMapping/>
+  </p:clrMapOvr>
+  <p:transition spd="med"/>
+</p:sld>
+</file>
+
+<file path=ppt/slides/slide17.xml><?xml version="1.0" encoding="utf-8"?>
+<p:sld xmlns:a="http://schemas.openxmlformats.org/drawingml/2006/main" xmlns:r="http://schemas.openxmlformats.org/officeDocument/2006/relationships" xmlns:p="http://schemas.openxmlformats.org/presentationml/2006/main">
+  <p:cSld>
+    <p:spTree>
+      <p:nvGrpSpPr>
+        <p:cNvPr id="1" name=""/>
+        <p:cNvGrpSpPr/>
+        <p:nvPr/>
+      </p:nvGrpSpPr>
+      <p:grpSpPr>
+        <a:xfrm>
+          <a:off x="0" y="0"/>
+          <a:ext cx="0" cy="0"/>
+          <a:chOff x="0" y="0"/>
+          <a:chExt cx="0" cy="0"/>
+        </a:xfrm>
+      </p:grpSpPr>
+      <p:sp>
+        <p:nvSpPr>
+          <p:cNvPr id="6" name="Title 1"/>
+          <p:cNvSpPr>
+            <a:spLocks noGrp="1"/>
+          </p:cNvSpPr>
+          <p:nvPr>
+            <p:ph type="title"/>
+          </p:nvPr>
+        </p:nvSpPr>
+        <p:spPr>
+          <a:xfrm>
+            <a:off x="457200" y="205980"/>
+            <a:ext cx="8229600" cy="857251"/>
+          </a:xfrm>
+        </p:spPr>
+        <p:txBody>
+          <a:bodyPr>
+            <a:normAutofit/>
+          </a:bodyPr>
+          <a:lstStyle/>
+          <a:p>
+            <a:r>
+              <a:rPr lang="en-US" b="1" dirty="0" err="1">
+                <a:solidFill>
+                  <a:srgbClr val="0070C0"/>
+                </a:solidFill>
+              </a:rPr>
+              <a:t>Leitura</a:t>
+            </a:r>
+            <a:r>
+              <a:rPr lang="en-US" b="1" dirty="0">
+                <a:solidFill>
+                  <a:srgbClr val="0070C0"/>
+                </a:solidFill>
+              </a:rPr>
+              <a:t> </a:t>
+            </a:r>
+            <a:r>
+              <a:rPr lang="en-US" b="1" dirty="0" err="1">
+                <a:solidFill>
+                  <a:srgbClr val="0070C0"/>
+                </a:solidFill>
+              </a:rPr>
+              <a:t>Específica</a:t>
+            </a:r>
+            <a:endParaRPr lang="en-US" b="1" dirty="0">
+              <a:solidFill>
+                <a:srgbClr val="0070C0"/>
+              </a:solidFill>
+            </a:endParaRPr>
+          </a:p>
+        </p:txBody>
+      </p:sp>
+      <p:sp>
+        <p:nvSpPr>
+          <p:cNvPr id="8" name="Text Placeholder 2"/>
+          <p:cNvSpPr>
+            <a:spLocks noGrp="1"/>
+          </p:cNvSpPr>
+          <p:nvPr>
+            <p:ph type="body" sz="half" idx="1"/>
+          </p:nvPr>
+        </p:nvSpPr>
+        <p:spPr>
+          <a:xfrm>
+            <a:off x="142865" y="1200150"/>
+            <a:ext cx="8865056" cy="3615689"/>
+          </a:xfrm>
+        </p:spPr>
+        <p:txBody>
+          <a:bodyPr>
+            <a:noAutofit/>
+          </a:bodyPr>
+          <a:lstStyle/>
+          <a:p>
+            <a:pPr marL="0" indent="0" algn="just">
+              <a:buNone/>
+            </a:pPr>
+            <a:r>
+              <a:rPr lang="pt-BR" sz="2000" dirty="0">
+                <a:latin typeface="Times New Roman" panose="02020603050405020304" pitchFamily="18" charset="0"/>
+                <a:cs typeface="Times New Roman" panose="02020603050405020304" pitchFamily="18" charset="0"/>
+              </a:rPr>
+              <a:t>[1] </a:t>
+            </a:r>
+            <a:r>
+              <a:rPr lang="pt-BR" sz="2000" b="1" dirty="0">
+                <a:latin typeface="Times New Roman" panose="02020603050405020304" pitchFamily="18" charset="0"/>
+                <a:cs typeface="Times New Roman" panose="02020603050405020304" pitchFamily="18" charset="0"/>
+              </a:rPr>
+              <a:t>Python para Data Science</a:t>
+            </a:r>
+            <a:r>
+              <a:rPr lang="pt-BR" sz="2000" dirty="0">
+                <a:latin typeface="Times New Roman" panose="02020603050405020304" pitchFamily="18" charset="0"/>
+                <a:cs typeface="Times New Roman" panose="02020603050405020304" pitchFamily="18" charset="0"/>
+              </a:rPr>
+              <a:t>.</a:t>
+            </a:r>
+          </a:p>
+          <a:p>
+            <a:pPr marL="0" indent="0" algn="just">
+              <a:buNone/>
+            </a:pPr>
+            <a:r>
+              <a:rPr lang="pt-BR" sz="2000" b="1" dirty="0">
+                <a:solidFill>
+                  <a:srgbClr val="FF0000"/>
+                </a:solidFill>
+                <a:latin typeface="Times New Roman" panose="02020603050405020304" pitchFamily="18" charset="0"/>
+                <a:cs typeface="Times New Roman" panose="02020603050405020304" pitchFamily="18" charset="0"/>
+              </a:rPr>
+              <a:t>Disponível em: </a:t>
+            </a:r>
+            <a:r>
+              <a:rPr lang="pt-BR" sz="2000" dirty="0">
+                <a:latin typeface="Times New Roman" panose="02020603050405020304" pitchFamily="18" charset="0"/>
+                <a:cs typeface="Times New Roman" panose="02020603050405020304" pitchFamily="18" charset="0"/>
+                <a:hlinkClick r:id="rId3"/>
+              </a:rPr>
+              <a:t>https://coodesh.com/blog/carreiras/python-para-data-science-a-linguagem-mais-utilizada-na-area/</a:t>
+            </a:r>
+            <a:r>
+              <a:rPr lang="pt-BR" sz="2000" dirty="0">
+                <a:latin typeface="Times New Roman" panose="02020603050405020304" pitchFamily="18" charset="0"/>
+                <a:cs typeface="Times New Roman" panose="02020603050405020304" pitchFamily="18" charset="0"/>
+              </a:rPr>
+              <a:t> </a:t>
+            </a:r>
+          </a:p>
+          <a:p>
+            <a:pPr marL="0" indent="0" algn="just">
+              <a:buNone/>
+            </a:pPr>
+            <a:r>
+              <a:rPr lang="pt-BR" sz="2000" dirty="0">
+                <a:latin typeface="Times New Roman" panose="02020603050405020304" pitchFamily="18" charset="0"/>
+                <a:cs typeface="Times New Roman" panose="02020603050405020304" pitchFamily="18" charset="0"/>
+              </a:rPr>
+              <a:t>	</a:t>
+            </a:r>
+          </a:p>
+          <a:p>
+            <a:pPr marL="0" indent="0" algn="just">
+              <a:buNone/>
+            </a:pPr>
+            <a:r>
+              <a:rPr lang="pt-BR" sz="2000" dirty="0">
+                <a:latin typeface="Times New Roman" panose="02020603050405020304" pitchFamily="18" charset="0"/>
+                <a:cs typeface="Times New Roman" panose="02020603050405020304" pitchFamily="18" charset="0"/>
+              </a:rPr>
+              <a:t>[2</a:t>
+            </a:r>
+            <a:r>
+              <a:rPr lang="pt-BR" sz="2000">
+                <a:latin typeface="Times New Roman" panose="02020603050405020304" pitchFamily="18" charset="0"/>
+                <a:cs typeface="Times New Roman" panose="02020603050405020304" pitchFamily="18" charset="0"/>
+              </a:rPr>
+              <a:t>] </a:t>
+            </a:r>
+            <a:r>
+              <a:rPr lang="pt-BR" sz="2000" b="1">
+                <a:latin typeface="Times New Roman" panose="02020603050405020304" pitchFamily="18" charset="0"/>
+                <a:cs typeface="Times New Roman" panose="02020603050405020304" pitchFamily="18" charset="0"/>
+              </a:rPr>
+              <a:t>Histogramas.</a:t>
+            </a:r>
+            <a:endParaRPr lang="pt-BR" sz="2000" b="1" dirty="0">
+              <a:latin typeface="Times New Roman" panose="02020603050405020304" pitchFamily="18" charset="0"/>
+              <a:cs typeface="Times New Roman" panose="02020603050405020304" pitchFamily="18" charset="0"/>
+            </a:endParaRPr>
+          </a:p>
+          <a:p>
+            <a:pPr marL="0" indent="0" algn="just">
+              <a:buNone/>
+            </a:pPr>
+            <a:r>
+              <a:rPr lang="pt-BR" sz="2000" b="1" dirty="0">
+                <a:solidFill>
+                  <a:srgbClr val="FF0000"/>
+                </a:solidFill>
+                <a:latin typeface="Times New Roman" panose="02020603050405020304" pitchFamily="18" charset="0"/>
+                <a:cs typeface="Times New Roman" panose="02020603050405020304" pitchFamily="18" charset="0"/>
+              </a:rPr>
+              <a:t>Disponível em:</a:t>
+            </a:r>
+            <a:r>
+              <a:rPr lang="pt-BR" sz="2000" dirty="0">
+                <a:latin typeface="Times New Roman" panose="02020603050405020304" pitchFamily="18" charset="0"/>
+                <a:cs typeface="Times New Roman" panose="02020603050405020304" pitchFamily="18" charset="0"/>
+              </a:rPr>
+              <a:t>	</a:t>
+            </a:r>
+            <a:r>
+              <a:rPr lang="pt-BR" sz="2000" dirty="0">
+                <a:latin typeface="Times New Roman" panose="02020603050405020304" pitchFamily="18" charset="0"/>
+                <a:cs typeface="Times New Roman" panose="02020603050405020304" pitchFamily="18" charset="0"/>
+                <a:hlinkClick r:id="rId4"/>
+              </a:rPr>
+              <a:t>https://plotly.com/python/histograms/</a:t>
+            </a:r>
+            <a:r>
+              <a:rPr lang="pt-BR" sz="2000" dirty="0">
+                <a:latin typeface="Times New Roman" panose="02020603050405020304" pitchFamily="18" charset="0"/>
+                <a:cs typeface="Times New Roman" panose="02020603050405020304" pitchFamily="18" charset="0"/>
+              </a:rPr>
+              <a:t> </a:t>
+            </a:r>
+          </a:p>
+          <a:p>
+            <a:pPr marL="0" indent="0" algn="just">
+              <a:buNone/>
+            </a:pPr>
+            <a:endParaRPr lang="pt-BR" sz="2000" dirty="0">
+              <a:latin typeface="Times New Roman" panose="02020603050405020304" pitchFamily="18" charset="0"/>
+              <a:cs typeface="Times New Roman" panose="02020603050405020304" pitchFamily="18" charset="0"/>
+            </a:endParaRPr>
+          </a:p>
+          <a:p>
+            <a:pPr marL="0" indent="0" algn="just">
+              <a:buNone/>
+            </a:pPr>
+            <a:r>
+              <a:rPr lang="pt-BR" sz="2000" dirty="0">
+                <a:latin typeface="Times New Roman" panose="02020603050405020304" pitchFamily="18" charset="0"/>
+                <a:cs typeface="Times New Roman" panose="02020603050405020304" pitchFamily="18" charset="0"/>
+              </a:rPr>
+              <a:t>[3] </a:t>
+            </a:r>
+            <a:r>
+              <a:rPr lang="en-US" sz="2000" b="1" dirty="0">
+                <a:latin typeface="Times New Roman" panose="02020603050405020304" pitchFamily="18" charset="0"/>
+                <a:cs typeface="Times New Roman" panose="02020603050405020304" pitchFamily="18" charset="0"/>
+              </a:rPr>
+              <a:t>Using Python for Big Data &amp; Analytics (Python is Perfect for Big Data)</a:t>
+            </a:r>
+            <a:r>
+              <a:rPr lang="pt-BR" sz="2000" dirty="0">
+                <a:latin typeface="Times New Roman" panose="02020603050405020304" pitchFamily="18" charset="0"/>
+                <a:cs typeface="Times New Roman" panose="02020603050405020304" pitchFamily="18" charset="0"/>
+              </a:rPr>
+              <a:t>. </a:t>
+            </a:r>
+          </a:p>
+          <a:p>
+            <a:pPr marL="0" indent="0" algn="just">
+              <a:buNone/>
+            </a:pPr>
+            <a:r>
+              <a:rPr lang="pt-BR" sz="2000" b="1" dirty="0">
+                <a:solidFill>
+                  <a:srgbClr val="FF0000"/>
+                </a:solidFill>
+                <a:latin typeface="Times New Roman" panose="02020603050405020304" pitchFamily="18" charset="0"/>
+                <a:cs typeface="Times New Roman" panose="02020603050405020304" pitchFamily="18" charset="0"/>
+              </a:rPr>
+              <a:t>Disponível em: </a:t>
+            </a:r>
+            <a:r>
+              <a:rPr lang="pt-BR" sz="2000" dirty="0">
+                <a:latin typeface="Times New Roman" panose="02020603050405020304" pitchFamily="18" charset="0"/>
+                <a:cs typeface="Times New Roman" panose="02020603050405020304" pitchFamily="18" charset="0"/>
+                <a:hlinkClick r:id="rId5"/>
+              </a:rPr>
+              <a:t>https://www.bmc.com/blogs/python-big-data-analytics/</a:t>
+            </a:r>
+            <a:r>
+              <a:rPr lang="pt-BR" sz="2000" dirty="0">
+                <a:latin typeface="Times New Roman" panose="02020603050405020304" pitchFamily="18" charset="0"/>
+                <a:cs typeface="Times New Roman" panose="02020603050405020304" pitchFamily="18" charset="0"/>
+              </a:rPr>
+              <a:t> </a:t>
+            </a:r>
+            <a:endParaRPr lang="pt-BR" sz="2000" dirty="0">
+              <a:latin typeface="Calibri" panose="020F0502020204030204" pitchFamily="34" charset="0"/>
+            </a:endParaRPr>
+          </a:p>
+        </p:txBody>
+      </p:sp>
+    </p:spTree>
+    <p:extLst>
+      <p:ext uri="{BB962C8B-B14F-4D97-AF65-F5344CB8AC3E}">
+        <p14:creationId xmlns:p14="http://schemas.microsoft.com/office/powerpoint/2010/main" val="3680270425"/>
+      </p:ext>
+    </p:extLst>
+  </p:cSld>
+  <p:clrMapOvr>
+    <a:masterClrMapping/>
+  </p:clrMapOvr>
+  <p:transition spd="med"/>
+</p:sld>
+</file>
+
+<file path=ppt/slides/slide18.xml><?xml version="1.0" encoding="utf-8"?>
+<p:sld xmlns:a="http://schemas.openxmlformats.org/drawingml/2006/main" xmlns:r="http://schemas.openxmlformats.org/officeDocument/2006/relationships" xmlns:p="http://schemas.openxmlformats.org/presentationml/2006/main">
+  <p:cSld>
+    <p:spTree>
+      <p:nvGrpSpPr>
+        <p:cNvPr id="1" name=""/>
+        <p:cNvGrpSpPr/>
+        <p:nvPr/>
+      </p:nvGrpSpPr>
+      <p:grpSpPr>
+        <a:xfrm>
+          <a:off x="0" y="0"/>
+          <a:ext cx="0" cy="0"/>
+          <a:chOff x="0" y="0"/>
+          <a:chExt cx="0" cy="0"/>
+        </a:xfrm>
+      </p:grpSpPr>
+      <p:sp>
+        <p:nvSpPr>
+          <p:cNvPr id="6" name="Title 1"/>
+          <p:cNvSpPr>
+            <a:spLocks noGrp="1"/>
+          </p:cNvSpPr>
+          <p:nvPr>
+            <p:ph type="title"/>
+          </p:nvPr>
+        </p:nvSpPr>
+        <p:spPr>
+          <a:xfrm>
+            <a:off x="457200" y="205980"/>
+            <a:ext cx="8229600" cy="857251"/>
+          </a:xfrm>
+        </p:spPr>
+        <p:txBody>
+          <a:bodyPr>
+            <a:normAutofit/>
+          </a:bodyPr>
+          <a:lstStyle/>
+          <a:p>
+            <a:r>
+              <a:rPr lang="en-US" b="1" dirty="0" err="1">
+                <a:solidFill>
+                  <a:srgbClr val="0070C0"/>
+                </a:solidFill>
+              </a:rPr>
+              <a:t>Aprenda</a:t>
+            </a:r>
+            <a:r>
+              <a:rPr lang="en-US" b="1" dirty="0">
+                <a:solidFill>
+                  <a:srgbClr val="0070C0"/>
+                </a:solidFill>
+              </a:rPr>
+              <a:t>+</a:t>
+            </a:r>
+          </a:p>
+        </p:txBody>
+      </p:sp>
+      <p:sp>
+        <p:nvSpPr>
+          <p:cNvPr id="8" name="Text Placeholder 2"/>
+          <p:cNvSpPr>
+            <a:spLocks noGrp="1"/>
+          </p:cNvSpPr>
+          <p:nvPr>
+            <p:ph type="body" sz="half" idx="1"/>
+          </p:nvPr>
+        </p:nvSpPr>
+        <p:spPr>
+          <a:xfrm>
+            <a:off x="142865" y="1200150"/>
+            <a:ext cx="8865056" cy="3737370"/>
+          </a:xfrm>
+        </p:spPr>
+        <p:txBody>
+          <a:bodyPr>
+            <a:noAutofit/>
+          </a:bodyPr>
+          <a:lstStyle/>
+          <a:p>
+            <a:pPr marL="0" indent="0" algn="just">
+              <a:buNone/>
+            </a:pPr>
+            <a:r>
+              <a:rPr lang="pt-BR" sz="2000" dirty="0">
+                <a:latin typeface="Times New Roman" panose="02020603050405020304" pitchFamily="18" charset="0"/>
+                <a:cs typeface="Times New Roman" panose="02020603050405020304" pitchFamily="18" charset="0"/>
+              </a:rPr>
+              <a:t>[1] </a:t>
+            </a:r>
+            <a:r>
+              <a:rPr lang="en-US" sz="2000" b="1" dirty="0">
+                <a:latin typeface="Times New Roman" panose="02020603050405020304" pitchFamily="18" charset="0"/>
+                <a:cs typeface="Times New Roman" panose="02020603050405020304" pitchFamily="18" charset="0"/>
+              </a:rPr>
+              <a:t>Big Data Analytics Using Python | Python Big Data</a:t>
+            </a:r>
+            <a:r>
+              <a:rPr lang="pt-BR" sz="2000" dirty="0">
+                <a:latin typeface="Times New Roman" panose="02020603050405020304" pitchFamily="18" charset="0"/>
+                <a:cs typeface="Times New Roman" panose="02020603050405020304" pitchFamily="18" charset="0"/>
+              </a:rPr>
+              <a:t>.</a:t>
+            </a:r>
+          </a:p>
+          <a:p>
+            <a:pPr marL="0" indent="0" algn="just">
+              <a:buNone/>
+            </a:pPr>
+            <a:r>
+              <a:rPr lang="pt-BR" sz="2000" b="1" dirty="0">
+                <a:solidFill>
+                  <a:srgbClr val="FF0000"/>
+                </a:solidFill>
+                <a:latin typeface="Times New Roman" panose="02020603050405020304" pitchFamily="18" charset="0"/>
+                <a:cs typeface="Times New Roman" panose="02020603050405020304" pitchFamily="18" charset="0"/>
+              </a:rPr>
+              <a:t>Disponível em: </a:t>
+            </a:r>
+            <a:r>
+              <a:rPr lang="pt-BR" sz="2000" dirty="0">
+                <a:latin typeface="Times New Roman" panose="02020603050405020304" pitchFamily="18" charset="0"/>
+                <a:cs typeface="Times New Roman" panose="02020603050405020304" pitchFamily="18" charset="0"/>
+                <a:hlinkClick r:id="rId3"/>
+              </a:rPr>
+              <a:t>https://youtu.be/cUw3DsDpQCE</a:t>
+            </a:r>
+            <a:r>
+              <a:rPr lang="pt-BR" sz="2000" dirty="0">
+                <a:latin typeface="Times New Roman" panose="02020603050405020304" pitchFamily="18" charset="0"/>
+                <a:cs typeface="Times New Roman" panose="02020603050405020304" pitchFamily="18" charset="0"/>
+              </a:rPr>
+              <a:t> </a:t>
+            </a:r>
+          </a:p>
+          <a:p>
+            <a:pPr marL="0" indent="0" algn="just">
+              <a:buNone/>
+            </a:pPr>
+            <a:endParaRPr lang="pt-BR" sz="2000" dirty="0">
+              <a:latin typeface="Times New Roman" panose="02020603050405020304" pitchFamily="18" charset="0"/>
+              <a:cs typeface="Times New Roman" panose="02020603050405020304" pitchFamily="18" charset="0"/>
+            </a:endParaRPr>
+          </a:p>
+          <a:p>
+            <a:pPr marL="0" indent="0" algn="just">
+              <a:buNone/>
+            </a:pPr>
+            <a:endParaRPr lang="pt-BR" sz="2000" dirty="0">
+              <a:latin typeface="Times New Roman" panose="02020603050405020304" pitchFamily="18" charset="0"/>
+              <a:cs typeface="Times New Roman" panose="02020603050405020304" pitchFamily="18" charset="0"/>
+            </a:endParaRPr>
+          </a:p>
+          <a:p>
+            <a:pPr marL="0" indent="0" algn="just">
+              <a:buNone/>
+            </a:pPr>
+            <a:endParaRPr lang="pt-BR" sz="2000" dirty="0">
+              <a:latin typeface="Times New Roman" panose="02020603050405020304" pitchFamily="18" charset="0"/>
+              <a:cs typeface="Times New Roman" panose="02020603050405020304" pitchFamily="18" charset="0"/>
+            </a:endParaRPr>
+          </a:p>
+          <a:p>
+            <a:pPr marL="0" indent="0" algn="just">
+              <a:buNone/>
+            </a:pPr>
+            <a:r>
+              <a:rPr lang="pt-BR" sz="2000" dirty="0">
+                <a:latin typeface="Times New Roman" panose="02020603050405020304" pitchFamily="18" charset="0"/>
+                <a:cs typeface="Times New Roman" panose="02020603050405020304" pitchFamily="18" charset="0"/>
+              </a:rPr>
+              <a:t>[2] </a:t>
+            </a:r>
+            <a:r>
+              <a:rPr lang="en-US" sz="2000" b="1" dirty="0">
+                <a:latin typeface="Times New Roman" panose="02020603050405020304" pitchFamily="18" charset="0"/>
+                <a:cs typeface="Times New Roman" panose="02020603050405020304" pitchFamily="18" charset="0"/>
+              </a:rPr>
+              <a:t>Data Analysis with Python - Course (</a:t>
+            </a:r>
+            <a:r>
+              <a:rPr lang="en-US" sz="2000" b="1" dirty="0" err="1">
+                <a:latin typeface="Times New Roman" panose="02020603050405020304" pitchFamily="18" charset="0"/>
+                <a:cs typeface="Times New Roman" panose="02020603050405020304" pitchFamily="18" charset="0"/>
+              </a:rPr>
+              <a:t>Numpy</a:t>
+            </a:r>
+            <a:r>
+              <a:rPr lang="en-US" sz="2000" b="1" dirty="0">
+                <a:latin typeface="Times New Roman" panose="02020603050405020304" pitchFamily="18" charset="0"/>
+                <a:cs typeface="Times New Roman" panose="02020603050405020304" pitchFamily="18" charset="0"/>
+              </a:rPr>
+              <a:t>, Pandas, Matplotlib, Seaborn)</a:t>
+            </a:r>
+            <a:r>
+              <a:rPr lang="pt-BR" sz="2000" dirty="0">
+                <a:latin typeface="Times New Roman" panose="02020603050405020304" pitchFamily="18" charset="0"/>
+                <a:cs typeface="Times New Roman" panose="02020603050405020304" pitchFamily="18" charset="0"/>
+              </a:rPr>
+              <a:t>. </a:t>
+            </a:r>
+          </a:p>
+          <a:p>
+            <a:pPr marL="0" indent="0" algn="just">
+              <a:buNone/>
+            </a:pPr>
+            <a:r>
+              <a:rPr lang="pt-BR" sz="2000" b="1" dirty="0">
+                <a:solidFill>
+                  <a:srgbClr val="FF0000"/>
+                </a:solidFill>
+                <a:latin typeface="Times New Roman" panose="02020603050405020304" pitchFamily="18" charset="0"/>
+                <a:cs typeface="Times New Roman" panose="02020603050405020304" pitchFamily="18" charset="0"/>
+              </a:rPr>
+              <a:t>Disponível em: </a:t>
+            </a:r>
+            <a:r>
+              <a:rPr lang="pt-BR" sz="2000" dirty="0">
+                <a:latin typeface="Times New Roman" panose="02020603050405020304" pitchFamily="18" charset="0"/>
+                <a:cs typeface="Times New Roman" panose="02020603050405020304" pitchFamily="18" charset="0"/>
+                <a:hlinkClick r:id="rId4"/>
+              </a:rPr>
+              <a:t>https://youtu.be/r-uOLxNrNk8</a:t>
+            </a:r>
+            <a:r>
+              <a:rPr lang="pt-BR" sz="2000" dirty="0">
+                <a:latin typeface="Times New Roman" panose="02020603050405020304" pitchFamily="18" charset="0"/>
+                <a:cs typeface="Times New Roman" panose="02020603050405020304" pitchFamily="18" charset="0"/>
+              </a:rPr>
+              <a:t> </a:t>
+            </a:r>
+          </a:p>
+          <a:p>
+            <a:pPr marL="0" indent="0" algn="just">
+              <a:buNone/>
+            </a:pPr>
+            <a:endParaRPr lang="pt-BR" sz="2000" dirty="0">
+              <a:latin typeface="Times New Roman" panose="02020603050405020304" pitchFamily="18" charset="0"/>
+              <a:cs typeface="Times New Roman" panose="02020603050405020304" pitchFamily="18" charset="0"/>
+            </a:endParaRPr>
+          </a:p>
+        </p:txBody>
+      </p:sp>
+    </p:spTree>
+    <p:extLst>
+      <p:ext uri="{BB962C8B-B14F-4D97-AF65-F5344CB8AC3E}">
+        <p14:creationId xmlns:p14="http://schemas.microsoft.com/office/powerpoint/2010/main" val="2747596967"/>
+      </p:ext>
+    </p:extLst>
+  </p:cSld>
+  <p:clrMapOvr>
+    <a:masterClrMapping/>
+  </p:clrMapOvr>
+  <p:transition spd="med"/>
+</p:sld>
+</file>
+
+<file path=ppt/slides/slide19.xml><?xml version="1.0" encoding="utf-8"?>
+<p:sld xmlns:a="http://schemas.openxmlformats.org/drawingml/2006/main" xmlns:r="http://schemas.openxmlformats.org/officeDocument/2006/relationships" xmlns:p="http://schemas.openxmlformats.org/presentationml/2006/main">
+  <p:cSld>
+    <p:spTree>
+      <p:nvGrpSpPr>
+        <p:cNvPr id="1" name=""/>
+        <p:cNvGrpSpPr/>
+        <p:nvPr/>
+      </p:nvGrpSpPr>
+      <p:grpSpPr>
+        <a:xfrm>
+          <a:off x="0" y="0"/>
+          <a:ext cx="0" cy="0"/>
+          <a:chOff x="0" y="0"/>
+          <a:chExt cx="0" cy="0"/>
+        </a:xfrm>
+      </p:grpSpPr>
+      <p:sp>
+        <p:nvSpPr>
+          <p:cNvPr id="6" name="Title 1"/>
+          <p:cNvSpPr>
+            <a:spLocks noGrp="1"/>
+          </p:cNvSpPr>
+          <p:nvPr>
+            <p:ph type="title"/>
+          </p:nvPr>
+        </p:nvSpPr>
+        <p:spPr>
+          <a:xfrm>
+            <a:off x="457200" y="205980"/>
+            <a:ext cx="8229600" cy="857251"/>
+          </a:xfrm>
+        </p:spPr>
+        <p:txBody>
+          <a:bodyPr>
+            <a:normAutofit/>
+          </a:bodyPr>
+          <a:lstStyle/>
+          <a:p>
+            <a:r>
+              <a:rPr lang="en-US" b="1" dirty="0" err="1">
+                <a:solidFill>
+                  <a:srgbClr val="0070C0"/>
+                </a:solidFill>
+              </a:rPr>
+              <a:t>Dinâmica</a:t>
+            </a:r>
+            <a:r>
+              <a:rPr lang="en-US" b="1" dirty="0">
+                <a:solidFill>
+                  <a:srgbClr val="0070C0"/>
+                </a:solidFill>
+              </a:rPr>
+              <a:t>/</a:t>
+            </a:r>
+            <a:r>
+              <a:rPr lang="en-US" b="1" dirty="0" err="1">
+                <a:solidFill>
+                  <a:srgbClr val="0070C0"/>
+                </a:solidFill>
+              </a:rPr>
+              <a:t>Atividades</a:t>
+            </a:r>
+            <a:endParaRPr lang="en-US" b="1" dirty="0">
+              <a:solidFill>
+                <a:srgbClr val="0070C0"/>
+              </a:solidFill>
+            </a:endParaRPr>
+          </a:p>
+        </p:txBody>
+      </p:sp>
+      <p:sp>
+        <p:nvSpPr>
+          <p:cNvPr id="8" name="Text Placeholder 2"/>
+          <p:cNvSpPr>
+            <a:spLocks noGrp="1"/>
+          </p:cNvSpPr>
+          <p:nvPr>
+            <p:ph type="body" sz="half" idx="1"/>
+          </p:nvPr>
+        </p:nvSpPr>
+        <p:spPr>
+          <a:xfrm>
+            <a:off x="139472" y="1063230"/>
+            <a:ext cx="8865056" cy="3874290"/>
+          </a:xfrm>
+        </p:spPr>
+        <p:txBody>
+          <a:bodyPr>
+            <a:noAutofit/>
+          </a:bodyPr>
+          <a:lstStyle/>
+          <a:p>
+            <a:pPr marL="0" indent="0" algn="just">
+              <a:buNone/>
+            </a:pPr>
+            <a:r>
+              <a:rPr lang="pt-BR" sz="1800" dirty="0">
+                <a:latin typeface="Times New Roman" panose="02020603050405020304" pitchFamily="18" charset="0"/>
+                <a:cs typeface="Times New Roman" panose="02020603050405020304" pitchFamily="18" charset="0"/>
+              </a:rPr>
+              <a:t># </a:t>
+            </a:r>
+            <a:r>
+              <a:rPr lang="pt-BR" sz="1800" b="1" dirty="0">
+                <a:latin typeface="Times New Roman" panose="02020603050405020304" pitchFamily="18" charset="0"/>
+                <a:cs typeface="Times New Roman" panose="02020603050405020304" pitchFamily="18" charset="0"/>
+              </a:rPr>
+              <a:t>Google </a:t>
+            </a:r>
+            <a:r>
+              <a:rPr lang="pt-BR" sz="1800" b="1" dirty="0" err="1">
+                <a:latin typeface="Times New Roman" panose="02020603050405020304" pitchFamily="18" charset="0"/>
+                <a:cs typeface="Times New Roman" panose="02020603050405020304" pitchFamily="18" charset="0"/>
+              </a:rPr>
+              <a:t>Colab</a:t>
+            </a:r>
+            <a:r>
+              <a:rPr lang="pt-BR" sz="1800" b="1" dirty="0">
+                <a:latin typeface="Times New Roman" panose="02020603050405020304" pitchFamily="18" charset="0"/>
+                <a:cs typeface="Times New Roman" panose="02020603050405020304" pitchFamily="18" charset="0"/>
+              </a:rPr>
+              <a:t> – Selecionar um </a:t>
+            </a:r>
+            <a:r>
+              <a:rPr lang="pt-BR" sz="1800" b="1" dirty="0" err="1">
+                <a:latin typeface="Times New Roman" panose="02020603050405020304" pitchFamily="18" charset="0"/>
+                <a:cs typeface="Times New Roman" panose="02020603050405020304" pitchFamily="18" charset="0"/>
+              </a:rPr>
+              <a:t>dataset</a:t>
+            </a:r>
+            <a:r>
+              <a:rPr lang="pt-BR" sz="1800" b="1" dirty="0">
+                <a:latin typeface="Times New Roman" panose="02020603050405020304" pitchFamily="18" charset="0"/>
+                <a:cs typeface="Times New Roman" panose="02020603050405020304" pitchFamily="18" charset="0"/>
+              </a:rPr>
+              <a:t> e fazer análises/previsões</a:t>
+            </a:r>
+          </a:p>
+          <a:p>
+            <a:pPr marL="0" indent="0" algn="just">
+              <a:buNone/>
+            </a:pPr>
+            <a:r>
+              <a:rPr lang="pt-BR" sz="1800" b="1" dirty="0" err="1">
+                <a:solidFill>
+                  <a:srgbClr val="FF0000"/>
+                </a:solidFill>
+                <a:latin typeface="Times New Roman" panose="02020603050405020304" pitchFamily="18" charset="0"/>
+                <a:cs typeface="Times New Roman" panose="02020603050405020304" pitchFamily="18" charset="0"/>
+              </a:rPr>
+              <a:t>Datasets</a:t>
+            </a:r>
+            <a:r>
+              <a:rPr lang="pt-BR" sz="1800" b="1" dirty="0">
+                <a:solidFill>
+                  <a:srgbClr val="FF0000"/>
+                </a:solidFill>
+                <a:latin typeface="Times New Roman" panose="02020603050405020304" pitchFamily="18" charset="0"/>
+                <a:cs typeface="Times New Roman" panose="02020603050405020304" pitchFamily="18" charset="0"/>
+              </a:rPr>
+              <a:t> Abertos (URL)</a:t>
+            </a:r>
+          </a:p>
+          <a:p>
+            <a:pPr marL="0" indent="0" algn="just">
+              <a:buNone/>
+            </a:pPr>
+            <a:endParaRPr lang="pt-BR" sz="1800" b="1" dirty="0">
+              <a:solidFill>
+                <a:srgbClr val="FF0000"/>
+              </a:solidFill>
+              <a:latin typeface="Times New Roman" panose="02020603050405020304" pitchFamily="18" charset="0"/>
+              <a:cs typeface="Times New Roman" panose="02020603050405020304" pitchFamily="18" charset="0"/>
+            </a:endParaRPr>
+          </a:p>
+          <a:p>
+            <a:pPr algn="just">
+              <a:buFont typeface="Wingdings" panose="05000000000000000000" pitchFamily="2" charset="2"/>
+              <a:buChar char="§"/>
+            </a:pPr>
+            <a:r>
+              <a:rPr lang="pt-BR" sz="1800" dirty="0">
+                <a:latin typeface="Times New Roman" panose="02020603050405020304" pitchFamily="18" charset="0"/>
+                <a:cs typeface="Times New Roman" panose="02020603050405020304" pitchFamily="18" charset="0"/>
+                <a:hlinkClick r:id="rId3"/>
+              </a:rPr>
+              <a:t>https://dados.gov.br</a:t>
+            </a:r>
+            <a:endParaRPr lang="pt-BR" sz="1800" dirty="0">
+              <a:latin typeface="Times New Roman" panose="02020603050405020304" pitchFamily="18" charset="0"/>
+              <a:cs typeface="Times New Roman" panose="02020603050405020304" pitchFamily="18" charset="0"/>
+            </a:endParaRPr>
+          </a:p>
+          <a:p>
+            <a:pPr algn="just">
+              <a:buFont typeface="Wingdings" panose="05000000000000000000" pitchFamily="2" charset="2"/>
+              <a:buChar char="§"/>
+            </a:pPr>
+            <a:r>
+              <a:rPr lang="pt-BR" sz="1800" dirty="0">
+                <a:latin typeface="Times New Roman" panose="02020603050405020304" pitchFamily="18" charset="0"/>
+                <a:cs typeface="Times New Roman" panose="02020603050405020304" pitchFamily="18" charset="0"/>
+                <a:hlinkClick r:id="rId4"/>
+              </a:rPr>
+              <a:t>https://brasil.io/home/</a:t>
+            </a:r>
+            <a:r>
+              <a:rPr lang="pt-BR" sz="1800" dirty="0">
+                <a:latin typeface="Times New Roman" panose="02020603050405020304" pitchFamily="18" charset="0"/>
+                <a:cs typeface="Times New Roman" panose="02020603050405020304" pitchFamily="18" charset="0"/>
+              </a:rPr>
+              <a:t> </a:t>
+            </a:r>
+          </a:p>
+          <a:p>
+            <a:pPr algn="just">
+              <a:buFont typeface="Wingdings" panose="05000000000000000000" pitchFamily="2" charset="2"/>
+              <a:buChar char="§"/>
+            </a:pPr>
+            <a:r>
+              <a:rPr lang="pt-BR" sz="1800" dirty="0">
+                <a:latin typeface="Times New Roman" panose="02020603050405020304" pitchFamily="18" charset="0"/>
+                <a:cs typeface="Times New Roman" panose="02020603050405020304" pitchFamily="18" charset="0"/>
+                <a:hlinkClick r:id="rId5"/>
+              </a:rPr>
+              <a:t>https://www.kaggle.com/</a:t>
+            </a:r>
+            <a:r>
+              <a:rPr lang="pt-BR" sz="1800" dirty="0">
+                <a:latin typeface="Times New Roman" panose="02020603050405020304" pitchFamily="18" charset="0"/>
+                <a:cs typeface="Times New Roman" panose="02020603050405020304" pitchFamily="18" charset="0"/>
+              </a:rPr>
+              <a:t> </a:t>
+            </a:r>
+          </a:p>
+          <a:p>
+            <a:pPr marL="0" indent="0" algn="just">
+              <a:buNone/>
+            </a:pPr>
+            <a:endParaRPr lang="pt-BR" sz="1800" b="1" dirty="0">
+              <a:latin typeface="Times New Roman" panose="02020603050405020304" pitchFamily="18" charset="0"/>
+              <a:cs typeface="Times New Roman" panose="02020603050405020304" pitchFamily="18" charset="0"/>
+            </a:endParaRPr>
+          </a:p>
+          <a:p>
+            <a:pPr marL="0" indent="0" algn="just">
+              <a:buNone/>
+            </a:pPr>
+            <a:endParaRPr lang="pt-BR" sz="1800" dirty="0">
+              <a:latin typeface="Times New Roman" panose="02020603050405020304" pitchFamily="18" charset="0"/>
+              <a:cs typeface="Times New Roman" panose="02020603050405020304" pitchFamily="18" charset="0"/>
+            </a:endParaRPr>
+          </a:p>
+        </p:txBody>
+      </p:sp>
+    </p:spTree>
+    <p:extLst>
+      <p:ext uri="{BB962C8B-B14F-4D97-AF65-F5344CB8AC3E}">
+        <p14:creationId xmlns:p14="http://schemas.microsoft.com/office/powerpoint/2010/main" val="2475896952"/>
+      </p:ext>
+    </p:extLst>
+  </p:cSld>
+  <p:clrMapOvr>
+    <a:masterClrMapping/>
+  </p:clrMapOvr>
+  <p:transition spd="med"/>
+</p:sld>
+</file>
+
 <file path=ppt/slides/slide2.xml><?xml version="1.0" encoding="utf-8"?>
 <p:sld xmlns:a="http://schemas.openxmlformats.org/drawingml/2006/main" xmlns:r="http://schemas.openxmlformats.org/officeDocument/2006/relationships" xmlns:p="http://schemas.openxmlformats.org/presentationml/2006/main">
   <p:cSld>
@@ -4315,152 +8944,7 @@
 </p:sld>
 </file>
 
-<file path=ppt/slides/slide3.xml><?xml version="1.0" encoding="utf-8"?>
-<p:sld xmlns:a="http://schemas.openxmlformats.org/drawingml/2006/main" xmlns:r="http://schemas.openxmlformats.org/officeDocument/2006/relationships" xmlns:p="http://schemas.openxmlformats.org/presentationml/2006/main">
-  <p:cSld>
-    <p:spTree>
-      <p:nvGrpSpPr>
-        <p:cNvPr id="1" name=""/>
-        <p:cNvGrpSpPr/>
-        <p:nvPr/>
-      </p:nvGrpSpPr>
-      <p:grpSpPr>
-        <a:xfrm>
-          <a:off x="0" y="0"/>
-          <a:ext cx="0" cy="0"/>
-          <a:chOff x="0" y="0"/>
-          <a:chExt cx="0" cy="0"/>
-        </a:xfrm>
-      </p:grpSpPr>
-      <p:sp>
-        <p:nvSpPr>
-          <p:cNvPr id="6" name="Title 1"/>
-          <p:cNvSpPr>
-            <a:spLocks noGrp="1"/>
-          </p:cNvSpPr>
-          <p:nvPr>
-            <p:ph type="title"/>
-          </p:nvPr>
-        </p:nvSpPr>
-        <p:spPr>
-          <a:xfrm>
-            <a:off x="457200" y="205980"/>
-            <a:ext cx="8229600" cy="857251"/>
-          </a:xfrm>
-        </p:spPr>
-        <p:txBody>
-          <a:bodyPr>
-            <a:normAutofit fontScale="90000"/>
-          </a:bodyPr>
-          <a:lstStyle/>
-          <a:p>
-            <a:r>
-              <a:rPr lang="pt-BR" b="1" dirty="0">
-                <a:solidFill>
-                  <a:srgbClr val="0070C0"/>
-                </a:solidFill>
-              </a:rPr>
-              <a:t>Python com Big Data - Continuação</a:t>
-            </a:r>
-            <a:endParaRPr lang="en-US" b="1" dirty="0">
-              <a:solidFill>
-                <a:srgbClr val="0070C0"/>
-              </a:solidFill>
-            </a:endParaRPr>
-          </a:p>
-        </p:txBody>
-      </p:sp>
-      <p:sp>
-        <p:nvSpPr>
-          <p:cNvPr id="8" name="Text Placeholder 2"/>
-          <p:cNvSpPr>
-            <a:spLocks noGrp="1"/>
-          </p:cNvSpPr>
-          <p:nvPr>
-            <p:ph type="body" sz="half" idx="1"/>
-          </p:nvPr>
-        </p:nvSpPr>
-        <p:spPr>
-          <a:xfrm>
-            <a:off x="142865" y="1200150"/>
-            <a:ext cx="8865056" cy="3737370"/>
-          </a:xfrm>
-        </p:spPr>
-        <p:txBody>
-          <a:bodyPr>
-            <a:noAutofit/>
-          </a:bodyPr>
-          <a:lstStyle/>
-          <a:p>
-            <a:pPr marL="0" indent="0" algn="just">
-              <a:buNone/>
-            </a:pPr>
-            <a:endParaRPr lang="pt-BR" sz="2000" dirty="0">
-              <a:latin typeface="Times New Roman" panose="02020603050405020304" pitchFamily="18" charset="0"/>
-              <a:cs typeface="Times New Roman" panose="02020603050405020304" pitchFamily="18" charset="0"/>
-            </a:endParaRPr>
-          </a:p>
-          <a:p>
-            <a:pPr marL="0" indent="0" algn="just">
-              <a:buNone/>
-            </a:pPr>
-            <a:endParaRPr lang="pt-BR" sz="2000" dirty="0">
-              <a:latin typeface="Times New Roman" panose="02020603050405020304" pitchFamily="18" charset="0"/>
-              <a:cs typeface="Times New Roman" panose="02020603050405020304" pitchFamily="18" charset="0"/>
-            </a:endParaRPr>
-          </a:p>
-          <a:p>
-            <a:pPr marL="0" indent="0" algn="just">
-              <a:buNone/>
-            </a:pPr>
-            <a:endParaRPr lang="pt-BR" sz="2000" dirty="0">
-              <a:latin typeface="Times New Roman" panose="02020603050405020304" pitchFamily="18" charset="0"/>
-              <a:cs typeface="Times New Roman" panose="02020603050405020304" pitchFamily="18" charset="0"/>
-            </a:endParaRPr>
-          </a:p>
-          <a:p>
-            <a:pPr marL="0" indent="0" algn="just">
-              <a:buNone/>
-            </a:pPr>
-            <a:r>
-              <a:rPr lang="pt-BR" sz="2000" dirty="0">
-                <a:latin typeface="Times New Roman" panose="02020603050405020304" pitchFamily="18" charset="0"/>
-                <a:cs typeface="Times New Roman" panose="02020603050405020304" pitchFamily="18" charset="0"/>
-              </a:rPr>
-              <a:t>Realizar análises de dados utilizando o </a:t>
-            </a:r>
-            <a:r>
-              <a:rPr lang="pt-BR" sz="2000" b="1" dirty="0">
-                <a:latin typeface="Times New Roman" panose="02020603050405020304" pitchFamily="18" charset="0"/>
-                <a:cs typeface="Times New Roman" panose="02020603050405020304" pitchFamily="18" charset="0"/>
-              </a:rPr>
-              <a:t>Python</a:t>
-            </a:r>
-            <a:r>
-              <a:rPr lang="pt-BR" sz="2000" dirty="0">
-                <a:latin typeface="Times New Roman" panose="02020603050405020304" pitchFamily="18" charset="0"/>
-                <a:cs typeface="Times New Roman" panose="02020603050405020304" pitchFamily="18" charset="0"/>
-              </a:rPr>
-              <a:t>, extraindo insights que auxiliam nas tomada de decisões dentro das organizações.</a:t>
-            </a:r>
-          </a:p>
-        </p:txBody>
-      </p:sp>
-    </p:spTree>
-    <p:extLst>
-      <p:ext uri="{BB962C8B-B14F-4D97-AF65-F5344CB8AC3E}">
-        <p14:creationId xmlns:p14="http://schemas.microsoft.com/office/powerpoint/2010/main" val="3789392544"/>
-      </p:ext>
-    </p:extLst>
-  </p:cSld>
-  <p:clrMapOvr>
-    <a:masterClrMapping/>
-  </p:clrMapOvr>
-  <p:transition spd="med"/>
-</p:sld>
-</file>
-
-<file path=ppt/slides/slide4.xml><?xml version="1.0" encoding="utf-8"?>
+<file path=ppt/slides/slide20.xml><?xml version="1.0" encoding="utf-8"?>
 <p:sld xmlns:a="http://schemas.openxmlformats.org/drawingml/2006/main" xmlns:r="http://schemas.openxmlformats.org/officeDocument/2006/relationships" xmlns:p="http://schemas.openxmlformats.org/presentationml/2006/main">
   <p:cSld>
     <p:spTree>
@@ -4505,7 +8989,7 @@
                   <a:srgbClr val="0070C0"/>
                 </a:solidFill>
               </a:rPr>
-              <a:t>Leitura</a:t>
+              <a:t>Referências</a:t>
             </a:r>
             <a:r>
               <a:rPr lang="en-US" b="1" dirty="0">
@@ -4521,7 +9005,7 @@
                   <a:srgbClr val="0070C0"/>
                 </a:solidFill>
               </a:rPr>
-              <a:t>Específica</a:t>
+              <a:t>Bibliográficas</a:t>
             </a:r>
             <a:endParaRPr lang="en-US" b="1" dirty="0">
               <a:solidFill>
@@ -4565,811 +9049,6 @@
             </a:r>
             <a:r>
               <a:rPr lang="pt-BR" sz="2000" b="1" dirty="0">
-                <a:latin typeface="Times New Roman" panose="02020603050405020304" pitchFamily="18" charset="0"/>
-                <a:cs typeface="Times New Roman" panose="02020603050405020304" pitchFamily="18" charset="0"/>
-              </a:rPr>
-              <a:t>Python para Data Science</a:t>
-            </a:r>
-            <a:r>
-              <a:rPr lang="pt-BR" sz="2000" dirty="0">
-                <a:latin typeface="Times New Roman" panose="02020603050405020304" pitchFamily="18" charset="0"/>
-                <a:cs typeface="Times New Roman" panose="02020603050405020304" pitchFamily="18" charset="0"/>
-              </a:rPr>
-              <a:t>.</a:t>
-            </a:r>
-          </a:p>
-          <a:p>
-            <a:pPr marL="0" indent="0" algn="just">
-              <a:buNone/>
-            </a:pPr>
-            <a:r>
-              <a:rPr lang="pt-BR" sz="2000" b="1" dirty="0">
-                <a:solidFill>
-                  <a:srgbClr val="FF0000"/>
-                </a:solidFill>
-                <a:latin typeface="Times New Roman" panose="02020603050405020304" pitchFamily="18" charset="0"/>
-                <a:cs typeface="Times New Roman" panose="02020603050405020304" pitchFamily="18" charset="0"/>
-              </a:rPr>
-              <a:t>Disponível em: </a:t>
-            </a:r>
-            <a:r>
-              <a:rPr lang="pt-BR" sz="2000" dirty="0">
-                <a:latin typeface="Times New Roman" panose="02020603050405020304" pitchFamily="18" charset="0"/>
-                <a:cs typeface="Times New Roman" panose="02020603050405020304" pitchFamily="18" charset="0"/>
-                <a:hlinkClick r:id="rId3"/>
-              </a:rPr>
-              <a:t>https://coodesh.com/blog/carreiras/python-para-data-science-a-linguagem-mais-utilizada-na-area/</a:t>
-            </a:r>
-            <a:r>
-              <a:rPr lang="pt-BR" sz="2000" dirty="0">
-                <a:latin typeface="Times New Roman" panose="02020603050405020304" pitchFamily="18" charset="0"/>
-                <a:cs typeface="Times New Roman" panose="02020603050405020304" pitchFamily="18" charset="0"/>
-              </a:rPr>
-              <a:t> </a:t>
-            </a:r>
-          </a:p>
-          <a:p>
-            <a:pPr marL="0" indent="0" algn="just">
-              <a:buNone/>
-            </a:pPr>
-            <a:endParaRPr lang="pt-BR" sz="2000" dirty="0">
-              <a:latin typeface="Times New Roman" panose="02020603050405020304" pitchFamily="18" charset="0"/>
-              <a:cs typeface="Times New Roman" panose="02020603050405020304" pitchFamily="18" charset="0"/>
-            </a:endParaRPr>
-          </a:p>
-          <a:p>
-            <a:pPr marL="0" indent="0" algn="just">
-              <a:buNone/>
-            </a:pPr>
-            <a:endParaRPr lang="pt-BR" sz="2000" dirty="0">
-              <a:latin typeface="Times New Roman" panose="02020603050405020304" pitchFamily="18" charset="0"/>
-              <a:cs typeface="Times New Roman" panose="02020603050405020304" pitchFamily="18" charset="0"/>
-            </a:endParaRPr>
-          </a:p>
-          <a:p>
-            <a:pPr marL="0" indent="0" algn="just">
-              <a:buNone/>
-            </a:pPr>
-            <a:r>
-              <a:rPr lang="pt-BR" sz="2000" dirty="0">
-                <a:latin typeface="Times New Roman" panose="02020603050405020304" pitchFamily="18" charset="0"/>
-                <a:cs typeface="Times New Roman" panose="02020603050405020304" pitchFamily="18" charset="0"/>
-              </a:rPr>
-              <a:t>[2] </a:t>
-            </a:r>
-            <a:r>
-              <a:rPr lang="en-US" sz="2000" b="1" dirty="0">
-                <a:latin typeface="Times New Roman" panose="02020603050405020304" pitchFamily="18" charset="0"/>
-                <a:cs typeface="Times New Roman" panose="02020603050405020304" pitchFamily="18" charset="0"/>
-              </a:rPr>
-              <a:t>Using Python for Big Data &amp; Analytics (Python is Perfect for Big Data)</a:t>
-            </a:r>
-            <a:r>
-              <a:rPr lang="pt-BR" sz="2000" dirty="0">
-                <a:latin typeface="Times New Roman" panose="02020603050405020304" pitchFamily="18" charset="0"/>
-                <a:cs typeface="Times New Roman" panose="02020603050405020304" pitchFamily="18" charset="0"/>
-              </a:rPr>
-              <a:t>. </a:t>
-            </a:r>
-          </a:p>
-          <a:p>
-            <a:pPr marL="0" indent="0" algn="just">
-              <a:buNone/>
-            </a:pPr>
-            <a:r>
-              <a:rPr lang="pt-BR" sz="2000" b="1" dirty="0">
-                <a:solidFill>
-                  <a:srgbClr val="FF0000"/>
-                </a:solidFill>
-                <a:latin typeface="Times New Roman" panose="02020603050405020304" pitchFamily="18" charset="0"/>
-                <a:cs typeface="Times New Roman" panose="02020603050405020304" pitchFamily="18" charset="0"/>
-              </a:rPr>
-              <a:t>Disponível em: </a:t>
-            </a:r>
-            <a:r>
-              <a:rPr lang="pt-BR" sz="2000" dirty="0">
-                <a:latin typeface="Times New Roman" panose="02020603050405020304" pitchFamily="18" charset="0"/>
-                <a:cs typeface="Times New Roman" panose="02020603050405020304" pitchFamily="18" charset="0"/>
-                <a:hlinkClick r:id="rId4"/>
-              </a:rPr>
-              <a:t>https://www.bmc.com/blogs/python-big-data-analytics/</a:t>
-            </a:r>
-            <a:r>
-              <a:rPr lang="pt-BR" sz="2000" dirty="0">
-                <a:latin typeface="Times New Roman" panose="02020603050405020304" pitchFamily="18" charset="0"/>
-                <a:cs typeface="Times New Roman" panose="02020603050405020304" pitchFamily="18" charset="0"/>
-              </a:rPr>
-              <a:t> </a:t>
-            </a:r>
-          </a:p>
-          <a:p>
-            <a:pPr marL="0" indent="0" algn="just">
-              <a:buNone/>
-            </a:pPr>
-            <a:endParaRPr lang="pt-BR" sz="2000" dirty="0">
-              <a:latin typeface="Times New Roman" panose="02020603050405020304" pitchFamily="18" charset="0"/>
-              <a:cs typeface="Times New Roman" panose="02020603050405020304" pitchFamily="18" charset="0"/>
-            </a:endParaRPr>
-          </a:p>
-          <a:p>
-            <a:pPr marL="0" indent="0" algn="just">
-              <a:buNone/>
-            </a:pPr>
-            <a:endParaRPr lang="pt-BR" sz="2000" dirty="0">
-              <a:latin typeface="Times New Roman" panose="02020603050405020304" pitchFamily="18" charset="0"/>
-              <a:cs typeface="Times New Roman" panose="02020603050405020304" pitchFamily="18" charset="0"/>
-            </a:endParaRPr>
-          </a:p>
-          <a:p>
-            <a:pPr marL="0" indent="0" algn="just">
-              <a:buNone/>
-            </a:pPr>
-            <a:endParaRPr lang="pt-BR" sz="2000" dirty="0">
-              <a:latin typeface="Times New Roman" panose="02020603050405020304" pitchFamily="18" charset="0"/>
-              <a:cs typeface="Times New Roman" panose="02020603050405020304" pitchFamily="18" charset="0"/>
-            </a:endParaRPr>
-          </a:p>
-          <a:p>
-            <a:pPr marL="0" indent="0" algn="just">
-              <a:buNone/>
-            </a:pPr>
-            <a:endParaRPr lang="pt-BR" sz="2000" dirty="0">
-              <a:latin typeface="Calibri" panose="020F0502020204030204" pitchFamily="34" charset="0"/>
-            </a:endParaRPr>
-          </a:p>
-        </p:txBody>
-      </p:sp>
-    </p:spTree>
-    <p:extLst>
-      <p:ext uri="{BB962C8B-B14F-4D97-AF65-F5344CB8AC3E}">
-        <p14:creationId xmlns:p14="http://schemas.microsoft.com/office/powerpoint/2010/main" val="3680270425"/>
-      </p:ext>
-    </p:extLst>
-  </p:cSld>
-  <p:clrMapOvr>
-    <a:masterClrMapping/>
-  </p:clrMapOvr>
-  <p:transition spd="med"/>
-</p:sld>
-</file>
-
-<file path=ppt/slides/slide5.xml><?xml version="1.0" encoding="utf-8"?>
-<p:sld xmlns:a="http://schemas.openxmlformats.org/drawingml/2006/main" xmlns:r="http://schemas.openxmlformats.org/officeDocument/2006/relationships" xmlns:p="http://schemas.openxmlformats.org/presentationml/2006/main">
-  <p:cSld>
-    <p:spTree>
-      <p:nvGrpSpPr>
-        <p:cNvPr id="1" name=""/>
-        <p:cNvGrpSpPr/>
-        <p:nvPr/>
-      </p:nvGrpSpPr>
-      <p:grpSpPr>
-        <a:xfrm>
-          <a:off x="0" y="0"/>
-          <a:ext cx="0" cy="0"/>
-          <a:chOff x="0" y="0"/>
-          <a:chExt cx="0" cy="0"/>
-        </a:xfrm>
-      </p:grpSpPr>
-      <p:sp>
-        <p:nvSpPr>
-          <p:cNvPr id="6" name="Title 1"/>
-          <p:cNvSpPr>
-            <a:spLocks noGrp="1"/>
-          </p:cNvSpPr>
-          <p:nvPr>
-            <p:ph type="title"/>
-          </p:nvPr>
-        </p:nvSpPr>
-        <p:spPr>
-          <a:xfrm>
-            <a:off x="457200" y="205980"/>
-            <a:ext cx="8229600" cy="857251"/>
-          </a:xfrm>
-        </p:spPr>
-        <p:txBody>
-          <a:bodyPr>
-            <a:normAutofit/>
-          </a:bodyPr>
-          <a:lstStyle/>
-          <a:p>
-            <a:r>
-              <a:rPr lang="en-US" b="1" dirty="0" err="1">
-                <a:solidFill>
-                  <a:srgbClr val="0070C0"/>
-                </a:solidFill>
-              </a:rPr>
-              <a:t>Aprenda</a:t>
-            </a:r>
-            <a:r>
-              <a:rPr lang="en-US" b="1" dirty="0">
-                <a:solidFill>
-                  <a:srgbClr val="0070C0"/>
-                </a:solidFill>
-              </a:rPr>
-              <a:t>+</a:t>
-            </a:r>
-          </a:p>
-        </p:txBody>
-      </p:sp>
-      <p:sp>
-        <p:nvSpPr>
-          <p:cNvPr id="8" name="Text Placeholder 2"/>
-          <p:cNvSpPr>
-            <a:spLocks noGrp="1"/>
-          </p:cNvSpPr>
-          <p:nvPr>
-            <p:ph type="body" sz="half" idx="1"/>
-          </p:nvPr>
-        </p:nvSpPr>
-        <p:spPr>
-          <a:xfrm>
-            <a:off x="142865" y="1200150"/>
-            <a:ext cx="8865056" cy="3737370"/>
-          </a:xfrm>
-        </p:spPr>
-        <p:txBody>
-          <a:bodyPr>
-            <a:noAutofit/>
-          </a:bodyPr>
-          <a:lstStyle/>
-          <a:p>
-            <a:pPr marL="0" indent="0" algn="just">
-              <a:buNone/>
-            </a:pPr>
-            <a:r>
-              <a:rPr lang="pt-BR" sz="2000" dirty="0">
-                <a:latin typeface="Times New Roman" panose="02020603050405020304" pitchFamily="18" charset="0"/>
-                <a:cs typeface="Times New Roman" panose="02020603050405020304" pitchFamily="18" charset="0"/>
-              </a:rPr>
-              <a:t>[1] </a:t>
-            </a:r>
-            <a:r>
-              <a:rPr lang="en-US" sz="2000" b="1" dirty="0">
-                <a:latin typeface="Times New Roman" panose="02020603050405020304" pitchFamily="18" charset="0"/>
-                <a:cs typeface="Times New Roman" panose="02020603050405020304" pitchFamily="18" charset="0"/>
-              </a:rPr>
-              <a:t>Big Data Analytics Using Python | Python Big Data</a:t>
-            </a:r>
-            <a:r>
-              <a:rPr lang="pt-BR" sz="2000" dirty="0">
-                <a:latin typeface="Times New Roman" panose="02020603050405020304" pitchFamily="18" charset="0"/>
-                <a:cs typeface="Times New Roman" panose="02020603050405020304" pitchFamily="18" charset="0"/>
-              </a:rPr>
-              <a:t>.</a:t>
-            </a:r>
-          </a:p>
-          <a:p>
-            <a:pPr marL="0" indent="0" algn="just">
-              <a:buNone/>
-            </a:pPr>
-            <a:r>
-              <a:rPr lang="pt-BR" sz="2000" b="1" dirty="0">
-                <a:solidFill>
-                  <a:srgbClr val="FF0000"/>
-                </a:solidFill>
-                <a:latin typeface="Times New Roman" panose="02020603050405020304" pitchFamily="18" charset="0"/>
-                <a:cs typeface="Times New Roman" panose="02020603050405020304" pitchFamily="18" charset="0"/>
-              </a:rPr>
-              <a:t>Disponível em: </a:t>
-            </a:r>
-            <a:r>
-              <a:rPr lang="pt-BR" sz="2000" dirty="0">
-                <a:latin typeface="Times New Roman" panose="02020603050405020304" pitchFamily="18" charset="0"/>
-                <a:cs typeface="Times New Roman" panose="02020603050405020304" pitchFamily="18" charset="0"/>
-                <a:hlinkClick r:id="rId3"/>
-              </a:rPr>
-              <a:t>https://youtu.be/cUw3DsDpQCE</a:t>
-            </a:r>
-            <a:r>
-              <a:rPr lang="pt-BR" sz="2000" dirty="0">
-                <a:latin typeface="Times New Roman" panose="02020603050405020304" pitchFamily="18" charset="0"/>
-                <a:cs typeface="Times New Roman" panose="02020603050405020304" pitchFamily="18" charset="0"/>
-              </a:rPr>
-              <a:t> </a:t>
-            </a:r>
-          </a:p>
-          <a:p>
-            <a:pPr marL="0" indent="0" algn="just">
-              <a:buNone/>
-            </a:pPr>
-            <a:endParaRPr lang="pt-BR" sz="2000" dirty="0">
-              <a:latin typeface="Times New Roman" panose="02020603050405020304" pitchFamily="18" charset="0"/>
-              <a:cs typeface="Times New Roman" panose="02020603050405020304" pitchFamily="18" charset="0"/>
-            </a:endParaRPr>
-          </a:p>
-          <a:p>
-            <a:pPr marL="0" indent="0" algn="just">
-              <a:buNone/>
-            </a:pPr>
-            <a:endParaRPr lang="pt-BR" sz="2000" dirty="0">
-              <a:latin typeface="Times New Roman" panose="02020603050405020304" pitchFamily="18" charset="0"/>
-              <a:cs typeface="Times New Roman" panose="02020603050405020304" pitchFamily="18" charset="0"/>
-            </a:endParaRPr>
-          </a:p>
-          <a:p>
-            <a:pPr marL="0" indent="0" algn="just">
-              <a:buNone/>
-            </a:pPr>
-            <a:endParaRPr lang="pt-BR" sz="2000" dirty="0">
-              <a:latin typeface="Times New Roman" panose="02020603050405020304" pitchFamily="18" charset="0"/>
-              <a:cs typeface="Times New Roman" panose="02020603050405020304" pitchFamily="18" charset="0"/>
-            </a:endParaRPr>
-          </a:p>
-          <a:p>
-            <a:pPr marL="0" indent="0" algn="just">
-              <a:buNone/>
-            </a:pPr>
-            <a:r>
-              <a:rPr lang="pt-BR" sz="2000" dirty="0">
-                <a:latin typeface="Times New Roman" panose="02020603050405020304" pitchFamily="18" charset="0"/>
-                <a:cs typeface="Times New Roman" panose="02020603050405020304" pitchFamily="18" charset="0"/>
-              </a:rPr>
-              <a:t>[2] </a:t>
-            </a:r>
-            <a:r>
-              <a:rPr lang="en-US" sz="2000" b="1" dirty="0">
-                <a:latin typeface="Times New Roman" panose="02020603050405020304" pitchFamily="18" charset="0"/>
-                <a:cs typeface="Times New Roman" panose="02020603050405020304" pitchFamily="18" charset="0"/>
-              </a:rPr>
-              <a:t>Data Analysis with Python - Course (</a:t>
-            </a:r>
-            <a:r>
-              <a:rPr lang="en-US" sz="2000" b="1" dirty="0" err="1">
-                <a:latin typeface="Times New Roman" panose="02020603050405020304" pitchFamily="18" charset="0"/>
-                <a:cs typeface="Times New Roman" panose="02020603050405020304" pitchFamily="18" charset="0"/>
-              </a:rPr>
-              <a:t>Numpy</a:t>
-            </a:r>
-            <a:r>
-              <a:rPr lang="en-US" sz="2000" b="1" dirty="0">
-                <a:latin typeface="Times New Roman" panose="02020603050405020304" pitchFamily="18" charset="0"/>
-                <a:cs typeface="Times New Roman" panose="02020603050405020304" pitchFamily="18" charset="0"/>
-              </a:rPr>
-              <a:t>, Pandas, Matplotlib, Seaborn)</a:t>
-            </a:r>
-            <a:r>
-              <a:rPr lang="pt-BR" sz="2000" dirty="0">
-                <a:latin typeface="Times New Roman" panose="02020603050405020304" pitchFamily="18" charset="0"/>
-                <a:cs typeface="Times New Roman" panose="02020603050405020304" pitchFamily="18" charset="0"/>
-              </a:rPr>
-              <a:t>. </a:t>
-            </a:r>
-          </a:p>
-          <a:p>
-            <a:pPr marL="0" indent="0" algn="just">
-              <a:buNone/>
-            </a:pPr>
-            <a:r>
-              <a:rPr lang="pt-BR" sz="2000" b="1" dirty="0">
-                <a:solidFill>
-                  <a:srgbClr val="FF0000"/>
-                </a:solidFill>
-                <a:latin typeface="Times New Roman" panose="02020603050405020304" pitchFamily="18" charset="0"/>
-                <a:cs typeface="Times New Roman" panose="02020603050405020304" pitchFamily="18" charset="0"/>
-              </a:rPr>
-              <a:t>Disponível em: </a:t>
-            </a:r>
-            <a:r>
-              <a:rPr lang="pt-BR" sz="2000" dirty="0">
-                <a:latin typeface="Times New Roman" panose="02020603050405020304" pitchFamily="18" charset="0"/>
-                <a:cs typeface="Times New Roman" panose="02020603050405020304" pitchFamily="18" charset="0"/>
-                <a:hlinkClick r:id="rId4"/>
-              </a:rPr>
-              <a:t>https://youtu.be/r-uOLxNrNk8</a:t>
-            </a:r>
-            <a:r>
-              <a:rPr lang="pt-BR" sz="2000" dirty="0">
-                <a:latin typeface="Times New Roman" panose="02020603050405020304" pitchFamily="18" charset="0"/>
-                <a:cs typeface="Times New Roman" panose="02020603050405020304" pitchFamily="18" charset="0"/>
-              </a:rPr>
-              <a:t> </a:t>
-            </a:r>
-          </a:p>
-          <a:p>
-            <a:pPr marL="0" indent="0" algn="just">
-              <a:buNone/>
-            </a:pPr>
-            <a:endParaRPr lang="pt-BR" sz="2000" dirty="0">
-              <a:latin typeface="Times New Roman" panose="02020603050405020304" pitchFamily="18" charset="0"/>
-              <a:cs typeface="Times New Roman" panose="02020603050405020304" pitchFamily="18" charset="0"/>
-            </a:endParaRPr>
-          </a:p>
-        </p:txBody>
-      </p:sp>
-    </p:spTree>
-    <p:extLst>
-      <p:ext uri="{BB962C8B-B14F-4D97-AF65-F5344CB8AC3E}">
-        <p14:creationId xmlns:p14="http://schemas.microsoft.com/office/powerpoint/2010/main" val="2747596967"/>
-      </p:ext>
-    </p:extLst>
-  </p:cSld>
-  <p:clrMapOvr>
-    <a:masterClrMapping/>
-  </p:clrMapOvr>
-  <p:transition spd="med"/>
-</p:sld>
-</file>
-
-<file path=ppt/slides/slide6.xml><?xml version="1.0" encoding="utf-8"?>
-<p:sld xmlns:a="http://schemas.openxmlformats.org/drawingml/2006/main" xmlns:r="http://schemas.openxmlformats.org/officeDocument/2006/relationships" xmlns:p="http://schemas.openxmlformats.org/presentationml/2006/main">
-  <p:cSld>
-    <p:spTree>
-      <p:nvGrpSpPr>
-        <p:cNvPr id="1" name=""/>
-        <p:cNvGrpSpPr/>
-        <p:nvPr/>
-      </p:nvGrpSpPr>
-      <p:grpSpPr>
-        <a:xfrm>
-          <a:off x="0" y="0"/>
-          <a:ext cx="0" cy="0"/>
-          <a:chOff x="0" y="0"/>
-          <a:chExt cx="0" cy="0"/>
-        </a:xfrm>
-      </p:grpSpPr>
-      <p:sp>
-        <p:nvSpPr>
-          <p:cNvPr id="6" name="Title 1"/>
-          <p:cNvSpPr>
-            <a:spLocks noGrp="1"/>
-          </p:cNvSpPr>
-          <p:nvPr>
-            <p:ph type="title"/>
-          </p:nvPr>
-        </p:nvSpPr>
-        <p:spPr>
-          <a:xfrm>
-            <a:off x="457200" y="205980"/>
-            <a:ext cx="8229600" cy="857251"/>
-          </a:xfrm>
-        </p:spPr>
-        <p:txBody>
-          <a:bodyPr>
-            <a:normAutofit/>
-          </a:bodyPr>
-          <a:lstStyle/>
-          <a:p>
-            <a:r>
-              <a:rPr lang="en-US" b="1" dirty="0" err="1">
-                <a:solidFill>
-                  <a:srgbClr val="0070C0"/>
-                </a:solidFill>
-              </a:rPr>
-              <a:t>Dinâmica</a:t>
-            </a:r>
-            <a:r>
-              <a:rPr lang="en-US" b="1" dirty="0">
-                <a:solidFill>
-                  <a:srgbClr val="0070C0"/>
-                </a:solidFill>
-              </a:rPr>
-              <a:t>/</a:t>
-            </a:r>
-            <a:r>
-              <a:rPr lang="en-US" b="1" dirty="0" err="1">
-                <a:solidFill>
-                  <a:srgbClr val="0070C0"/>
-                </a:solidFill>
-              </a:rPr>
-              <a:t>Atividades</a:t>
-            </a:r>
-            <a:endParaRPr lang="en-US" b="1" dirty="0">
-              <a:solidFill>
-                <a:srgbClr val="0070C0"/>
-              </a:solidFill>
-            </a:endParaRPr>
-          </a:p>
-        </p:txBody>
-      </p:sp>
-      <p:sp>
-        <p:nvSpPr>
-          <p:cNvPr id="8" name="Text Placeholder 2"/>
-          <p:cNvSpPr>
-            <a:spLocks noGrp="1"/>
-          </p:cNvSpPr>
-          <p:nvPr>
-            <p:ph type="body" sz="half" idx="1"/>
-          </p:nvPr>
-        </p:nvSpPr>
-        <p:spPr>
-          <a:xfrm>
-            <a:off x="139472" y="1063230"/>
-            <a:ext cx="8865056" cy="3874290"/>
-          </a:xfrm>
-        </p:spPr>
-        <p:txBody>
-          <a:bodyPr>
-            <a:noAutofit/>
-          </a:bodyPr>
-          <a:lstStyle/>
-          <a:p>
-            <a:pPr marL="0" indent="0" algn="just">
-              <a:buNone/>
-            </a:pPr>
-            <a:r>
-              <a:rPr lang="pt-BR" sz="1800" dirty="0">
-                <a:latin typeface="Times New Roman" panose="02020603050405020304" pitchFamily="18" charset="0"/>
-                <a:cs typeface="Times New Roman" panose="02020603050405020304" pitchFamily="18" charset="0"/>
-              </a:rPr>
-              <a:t># </a:t>
-            </a:r>
-            <a:r>
-              <a:rPr lang="pt-BR" sz="1800" b="1" dirty="0">
-                <a:latin typeface="Times New Roman" panose="02020603050405020304" pitchFamily="18" charset="0"/>
-                <a:cs typeface="Times New Roman" panose="02020603050405020304" pitchFamily="18" charset="0"/>
-              </a:rPr>
-              <a:t>Google </a:t>
-            </a:r>
-            <a:r>
-              <a:rPr lang="pt-BR" sz="1800" b="1" dirty="0" err="1">
-                <a:latin typeface="Times New Roman" panose="02020603050405020304" pitchFamily="18" charset="0"/>
-                <a:cs typeface="Times New Roman" panose="02020603050405020304" pitchFamily="18" charset="0"/>
-              </a:rPr>
-              <a:t>Colab</a:t>
-            </a:r>
-            <a:endParaRPr lang="pt-BR" sz="1800" b="1" dirty="0">
-              <a:latin typeface="Times New Roman" panose="02020603050405020304" pitchFamily="18" charset="0"/>
-              <a:cs typeface="Times New Roman" panose="02020603050405020304" pitchFamily="18" charset="0"/>
-            </a:endParaRPr>
-          </a:p>
-          <a:p>
-            <a:pPr marL="0" indent="0" algn="just">
-              <a:buNone/>
-            </a:pPr>
-            <a:r>
-              <a:rPr lang="pt-BR" sz="1800" b="1" dirty="0" err="1">
-                <a:solidFill>
-                  <a:srgbClr val="FF0000"/>
-                </a:solidFill>
-                <a:latin typeface="Times New Roman" panose="02020603050405020304" pitchFamily="18" charset="0"/>
-                <a:cs typeface="Times New Roman" panose="02020603050405020304" pitchFamily="18" charset="0"/>
-              </a:rPr>
-              <a:t>Datasets</a:t>
-            </a:r>
-            <a:r>
-              <a:rPr lang="pt-BR" sz="1800" b="1" dirty="0">
-                <a:solidFill>
-                  <a:srgbClr val="FF0000"/>
-                </a:solidFill>
-                <a:latin typeface="Times New Roman" panose="02020603050405020304" pitchFamily="18" charset="0"/>
-                <a:cs typeface="Times New Roman" panose="02020603050405020304" pitchFamily="18" charset="0"/>
-              </a:rPr>
-              <a:t> Abertos (URL)</a:t>
-            </a:r>
-          </a:p>
-          <a:p>
-            <a:pPr algn="just">
-              <a:buFont typeface="Wingdings" panose="05000000000000000000" pitchFamily="2" charset="2"/>
-              <a:buChar char="§"/>
-            </a:pPr>
-            <a:r>
-              <a:rPr lang="pt-BR" sz="1800" dirty="0">
-                <a:latin typeface="Times New Roman" panose="02020603050405020304" pitchFamily="18" charset="0"/>
-                <a:cs typeface="Times New Roman" panose="02020603050405020304" pitchFamily="18" charset="0"/>
-                <a:hlinkClick r:id="rId3"/>
-              </a:rPr>
-              <a:t>https://dados.gov.br</a:t>
-            </a:r>
-            <a:endParaRPr lang="pt-BR" sz="1800" dirty="0">
-              <a:latin typeface="Times New Roman" panose="02020603050405020304" pitchFamily="18" charset="0"/>
-              <a:cs typeface="Times New Roman" panose="02020603050405020304" pitchFamily="18" charset="0"/>
-            </a:endParaRPr>
-          </a:p>
-          <a:p>
-            <a:pPr algn="just">
-              <a:buFont typeface="Wingdings" panose="05000000000000000000" pitchFamily="2" charset="2"/>
-              <a:buChar char="§"/>
-            </a:pPr>
-            <a:r>
-              <a:rPr lang="pt-BR" sz="1800" dirty="0">
-                <a:latin typeface="Times New Roman" panose="02020603050405020304" pitchFamily="18" charset="0"/>
-                <a:cs typeface="Times New Roman" panose="02020603050405020304" pitchFamily="18" charset="0"/>
-              </a:rPr>
-              <a:t>https://brasil.io/home/</a:t>
-            </a:r>
-          </a:p>
-          <a:p>
-            <a:pPr marL="0" indent="0" algn="just">
-              <a:buNone/>
-            </a:pPr>
-            <a:endParaRPr lang="pt-BR" sz="1800" b="1" dirty="0">
-              <a:latin typeface="Times New Roman" panose="02020603050405020304" pitchFamily="18" charset="0"/>
-              <a:cs typeface="Times New Roman" panose="02020603050405020304" pitchFamily="18" charset="0"/>
-            </a:endParaRPr>
-          </a:p>
-          <a:p>
-            <a:pPr marL="0" indent="0" algn="just">
-              <a:buNone/>
-            </a:pPr>
-            <a:r>
-              <a:rPr lang="pt-BR" sz="1800" b="1" dirty="0" err="1">
-                <a:latin typeface="Times New Roman" panose="02020603050405020304" pitchFamily="18" charset="0"/>
-                <a:cs typeface="Times New Roman" panose="02020603050405020304" pitchFamily="18" charset="0"/>
-              </a:rPr>
-              <a:t>import</a:t>
-            </a:r>
-            <a:endParaRPr lang="pt-BR" sz="1800" b="1" dirty="0">
-              <a:latin typeface="Times New Roman" panose="02020603050405020304" pitchFamily="18" charset="0"/>
-              <a:cs typeface="Times New Roman" panose="02020603050405020304" pitchFamily="18" charset="0"/>
-            </a:endParaRPr>
-          </a:p>
-          <a:p>
-            <a:pPr marL="0" indent="0" algn="just">
-              <a:buNone/>
-            </a:pPr>
-            <a:r>
-              <a:rPr lang="pt-BR" sz="1800" b="1" dirty="0">
-                <a:solidFill>
-                  <a:srgbClr val="FF0000"/>
-                </a:solidFill>
-                <a:latin typeface="Times New Roman" panose="02020603050405020304" pitchFamily="18" charset="0"/>
-                <a:cs typeface="Times New Roman" panose="02020603050405020304" pitchFamily="18" charset="0"/>
-              </a:rPr>
-              <a:t>pandas</a:t>
-            </a:r>
-            <a:r>
-              <a:rPr lang="pt-BR" sz="1800" dirty="0">
-                <a:latin typeface="Times New Roman" panose="02020603050405020304" pitchFamily="18" charset="0"/>
-                <a:cs typeface="Times New Roman" panose="02020603050405020304" pitchFamily="18" charset="0"/>
-              </a:rPr>
-              <a:t> as </a:t>
-            </a:r>
-            <a:r>
-              <a:rPr lang="pt-BR" sz="1800" dirty="0" err="1">
-                <a:latin typeface="Times New Roman" panose="02020603050405020304" pitchFamily="18" charset="0"/>
-                <a:cs typeface="Times New Roman" panose="02020603050405020304" pitchFamily="18" charset="0"/>
-              </a:rPr>
-              <a:t>pd</a:t>
-            </a:r>
-            <a:r>
-              <a:rPr lang="pt-BR" sz="1800" dirty="0">
-                <a:latin typeface="Times New Roman" panose="02020603050405020304" pitchFamily="18" charset="0"/>
-                <a:cs typeface="Times New Roman" panose="02020603050405020304" pitchFamily="18" charset="0"/>
-              </a:rPr>
-              <a:t> # </a:t>
-            </a:r>
-            <a:r>
-              <a:rPr lang="pt-BR" sz="1800" b="1" dirty="0" err="1">
-                <a:latin typeface="Times New Roman" panose="02020603050405020304" pitchFamily="18" charset="0"/>
-                <a:cs typeface="Times New Roman" panose="02020603050405020304" pitchFamily="18" charset="0"/>
-              </a:rPr>
-              <a:t>Seaborn</a:t>
-            </a:r>
-            <a:endParaRPr lang="pt-BR" sz="1800" b="1" dirty="0">
-              <a:latin typeface="Times New Roman" panose="02020603050405020304" pitchFamily="18" charset="0"/>
-              <a:cs typeface="Times New Roman" panose="02020603050405020304" pitchFamily="18" charset="0"/>
-            </a:endParaRPr>
-          </a:p>
-          <a:p>
-            <a:pPr marL="0" indent="0" algn="just">
-              <a:buNone/>
-            </a:pPr>
-            <a:endParaRPr lang="pt-BR" sz="1800" dirty="0">
-              <a:latin typeface="Times New Roman" panose="02020603050405020304" pitchFamily="18" charset="0"/>
-              <a:cs typeface="Times New Roman" panose="02020603050405020304" pitchFamily="18" charset="0"/>
-            </a:endParaRPr>
-          </a:p>
-        </p:txBody>
-      </p:sp>
-    </p:spTree>
-    <p:extLst>
-      <p:ext uri="{BB962C8B-B14F-4D97-AF65-F5344CB8AC3E}">
-        <p14:creationId xmlns:p14="http://schemas.microsoft.com/office/powerpoint/2010/main" val="2475896952"/>
-      </p:ext>
-    </p:extLst>
-  </p:cSld>
-  <p:clrMapOvr>
-    <a:masterClrMapping/>
-  </p:clrMapOvr>
-  <p:transition spd="med"/>
-</p:sld>
-</file>
-
-<file path=ppt/slides/slide7.xml><?xml version="1.0" encoding="utf-8"?>
-<p:sld xmlns:a="http://schemas.openxmlformats.org/drawingml/2006/main" xmlns:r="http://schemas.openxmlformats.org/officeDocument/2006/relationships" xmlns:p="http://schemas.openxmlformats.org/presentationml/2006/main">
-  <p:cSld>
-    <p:spTree>
-      <p:nvGrpSpPr>
-        <p:cNvPr id="1" name=""/>
-        <p:cNvGrpSpPr/>
-        <p:nvPr/>
-      </p:nvGrpSpPr>
-      <p:grpSpPr>
-        <a:xfrm>
-          <a:off x="0" y="0"/>
-          <a:ext cx="0" cy="0"/>
-          <a:chOff x="0" y="0"/>
-          <a:chExt cx="0" cy="0"/>
-        </a:xfrm>
-      </p:grpSpPr>
-      <p:sp>
-        <p:nvSpPr>
-          <p:cNvPr id="6" name="Title 1"/>
-          <p:cNvSpPr>
-            <a:spLocks noGrp="1"/>
-          </p:cNvSpPr>
-          <p:nvPr>
-            <p:ph type="title"/>
-          </p:nvPr>
-        </p:nvSpPr>
-        <p:spPr>
-          <a:xfrm>
-            <a:off x="457200" y="205980"/>
-            <a:ext cx="8229600" cy="857251"/>
-          </a:xfrm>
-        </p:spPr>
-        <p:txBody>
-          <a:bodyPr>
-            <a:normAutofit/>
-          </a:bodyPr>
-          <a:lstStyle/>
-          <a:p>
-            <a:r>
-              <a:rPr lang="en-US" b="1" dirty="0" err="1">
-                <a:solidFill>
-                  <a:srgbClr val="0070C0"/>
-                </a:solidFill>
-              </a:rPr>
-              <a:t>Referências</a:t>
-            </a:r>
-            <a:r>
-              <a:rPr lang="en-US" b="1" dirty="0">
-                <a:solidFill>
-                  <a:srgbClr val="0070C0"/>
-                </a:solidFill>
-              </a:rPr>
-              <a:t> </a:t>
-            </a:r>
-            <a:r>
-              <a:rPr lang="en-US" b="1" dirty="0" err="1">
-                <a:solidFill>
-                  <a:srgbClr val="0070C0"/>
-                </a:solidFill>
-              </a:rPr>
-              <a:t>Bibliográficas</a:t>
-            </a:r>
-            <a:endParaRPr lang="en-US" b="1" dirty="0">
-              <a:solidFill>
-                <a:srgbClr val="0070C0"/>
-              </a:solidFill>
-            </a:endParaRPr>
-          </a:p>
-        </p:txBody>
-      </p:sp>
-      <p:sp>
-        <p:nvSpPr>
-          <p:cNvPr id="8" name="Text Placeholder 2"/>
-          <p:cNvSpPr>
-            <a:spLocks noGrp="1"/>
-          </p:cNvSpPr>
-          <p:nvPr>
-            <p:ph type="body" sz="half" idx="1"/>
-          </p:nvPr>
-        </p:nvSpPr>
-        <p:spPr>
-          <a:xfrm>
-            <a:off x="142865" y="1200151"/>
-            <a:ext cx="8865056" cy="3394472"/>
-          </a:xfrm>
-        </p:spPr>
-        <p:txBody>
-          <a:bodyPr>
-            <a:noAutofit/>
-          </a:bodyPr>
-          <a:lstStyle/>
-          <a:p>
-            <a:pPr marL="0" indent="0" algn="just">
-              <a:buNone/>
-            </a:pPr>
-            <a:r>
-              <a:rPr lang="pt-BR" sz="2000" dirty="0">
-                <a:latin typeface="Times New Roman" panose="02020603050405020304" pitchFamily="18" charset="0"/>
-                <a:cs typeface="Times New Roman" panose="02020603050405020304" pitchFamily="18" charset="0"/>
-              </a:rPr>
-              <a:t>[1] </a:t>
-            </a:r>
-            <a:r>
-              <a:rPr lang="pt-BR" sz="2000" b="1" dirty="0">
                 <a:solidFill>
                   <a:srgbClr val="FF0000"/>
                 </a:solidFill>
@@ -5582,7 +9261,7 @@
 </p:sld>
 </file>
 
-<file path=ppt/slides/slide8.xml><?xml version="1.0" encoding="utf-8"?>
+<file path=ppt/slides/slide21.xml><?xml version="1.0" encoding="utf-8"?>
 <p:sld xmlns:a="http://schemas.openxmlformats.org/drawingml/2006/main" xmlns:r="http://schemas.openxmlformats.org/officeDocument/2006/relationships" xmlns:p="http://schemas.openxmlformats.org/presentationml/2006/main">
   <p:cSld>
     <p:spTree>
@@ -6029,6 +9708,3160 @@
         </p:spPr>
       </p:pic>
     </p:spTree>
+  </p:cSld>
+  <p:clrMapOvr>
+    <a:masterClrMapping/>
+  </p:clrMapOvr>
+  <p:transition spd="med"/>
+</p:sld>
+</file>
+
+<file path=ppt/slides/slide3.xml><?xml version="1.0" encoding="utf-8"?>
+<p:sld xmlns:a="http://schemas.openxmlformats.org/drawingml/2006/main" xmlns:r="http://schemas.openxmlformats.org/officeDocument/2006/relationships" xmlns:p="http://schemas.openxmlformats.org/presentationml/2006/main">
+  <p:cSld>
+    <p:spTree>
+      <p:nvGrpSpPr>
+        <p:cNvPr id="1" name=""/>
+        <p:cNvGrpSpPr/>
+        <p:nvPr/>
+      </p:nvGrpSpPr>
+      <p:grpSpPr>
+        <a:xfrm>
+          <a:off x="0" y="0"/>
+          <a:ext cx="0" cy="0"/>
+          <a:chOff x="0" y="0"/>
+          <a:chExt cx="0" cy="0"/>
+        </a:xfrm>
+      </p:grpSpPr>
+      <p:sp>
+        <p:nvSpPr>
+          <p:cNvPr id="6" name="Title 1"/>
+          <p:cNvSpPr>
+            <a:spLocks noGrp="1"/>
+          </p:cNvSpPr>
+          <p:nvPr>
+            <p:ph type="title"/>
+          </p:nvPr>
+        </p:nvSpPr>
+        <p:spPr>
+          <a:xfrm>
+            <a:off x="457200" y="205980"/>
+            <a:ext cx="8229600" cy="857251"/>
+          </a:xfrm>
+        </p:spPr>
+        <p:txBody>
+          <a:bodyPr>
+            <a:normAutofit/>
+          </a:bodyPr>
+          <a:lstStyle/>
+          <a:p>
+            <a:r>
+              <a:rPr lang="pt-BR" b="1" dirty="0">
+                <a:solidFill>
+                  <a:srgbClr val="0070C0"/>
+                </a:solidFill>
+              </a:rPr>
+              <a:t>Python com </a:t>
+            </a:r>
+            <a:r>
+              <a:rPr lang="pt-BR" b="1" dirty="0" err="1">
+                <a:solidFill>
+                  <a:srgbClr val="0070C0"/>
+                </a:solidFill>
+              </a:rPr>
+              <a:t>numpy</a:t>
+            </a:r>
+            <a:r>
+              <a:rPr lang="pt-BR" b="1" dirty="0">
+                <a:solidFill>
+                  <a:srgbClr val="0070C0"/>
+                </a:solidFill>
+              </a:rPr>
+              <a:t> – Google </a:t>
+            </a:r>
+            <a:r>
+              <a:rPr lang="pt-BR" b="1" dirty="0" err="1">
+                <a:solidFill>
+                  <a:srgbClr val="0070C0"/>
+                </a:solidFill>
+              </a:rPr>
+              <a:t>Colab</a:t>
+            </a:r>
+            <a:endParaRPr lang="en-US" b="1" dirty="0">
+              <a:solidFill>
+                <a:srgbClr val="0070C0"/>
+              </a:solidFill>
+            </a:endParaRPr>
+          </a:p>
+        </p:txBody>
+      </p:sp>
+      <p:sp>
+        <p:nvSpPr>
+          <p:cNvPr id="8" name="Text Placeholder 2"/>
+          <p:cNvSpPr>
+            <a:spLocks noGrp="1"/>
+          </p:cNvSpPr>
+          <p:nvPr>
+            <p:ph type="body" sz="half" idx="1"/>
+          </p:nvPr>
+        </p:nvSpPr>
+        <p:spPr>
+          <a:xfrm>
+            <a:off x="142865" y="1200150"/>
+            <a:ext cx="8865056" cy="3737370"/>
+          </a:xfrm>
+        </p:spPr>
+        <p:txBody>
+          <a:bodyPr>
+            <a:noAutofit/>
+          </a:bodyPr>
+          <a:lstStyle/>
+          <a:p>
+            <a:pPr marL="0" indent="0" algn="just">
+              <a:buNone/>
+            </a:pPr>
+            <a:r>
+              <a:rPr lang="pt-BR" sz="2000" b="1" dirty="0" err="1">
+                <a:latin typeface="Times New Roman" panose="02020603050405020304" pitchFamily="18" charset="0"/>
+                <a:cs typeface="Times New Roman" panose="02020603050405020304" pitchFamily="18" charset="0"/>
+              </a:rPr>
+              <a:t>NumPy</a:t>
+            </a:r>
+            <a:r>
+              <a:rPr lang="pt-BR" sz="2000" b="1" dirty="0">
+                <a:latin typeface="Times New Roman" panose="02020603050405020304" pitchFamily="18" charset="0"/>
+                <a:cs typeface="Times New Roman" panose="02020603050405020304" pitchFamily="18" charset="0"/>
+              </a:rPr>
+              <a:t> </a:t>
+            </a:r>
+            <a:r>
+              <a:rPr lang="pt-BR" sz="2000" dirty="0">
+                <a:latin typeface="Times New Roman" panose="02020603050405020304" pitchFamily="18" charset="0"/>
+                <a:cs typeface="Times New Roman" panose="02020603050405020304" pitchFamily="18" charset="0"/>
+              </a:rPr>
+              <a:t>é uma biblioteca para a linguagem de programação Python, que suporta o processamento de grandes, </a:t>
+            </a:r>
+            <a:r>
+              <a:rPr lang="pt-BR" sz="2000" b="1" dirty="0" err="1">
+                <a:solidFill>
+                  <a:srgbClr val="FF0000"/>
+                </a:solidFill>
+                <a:latin typeface="Times New Roman" panose="02020603050405020304" pitchFamily="18" charset="0"/>
+                <a:cs typeface="Times New Roman" panose="02020603050405020304" pitchFamily="18" charset="0"/>
+              </a:rPr>
+              <a:t>multi-dimensionais</a:t>
+            </a:r>
+            <a:r>
+              <a:rPr lang="pt-BR" sz="2000" b="1" dirty="0">
+                <a:solidFill>
+                  <a:srgbClr val="FF0000"/>
+                </a:solidFill>
+                <a:latin typeface="Times New Roman" panose="02020603050405020304" pitchFamily="18" charset="0"/>
+                <a:cs typeface="Times New Roman" panose="02020603050405020304" pitchFamily="18" charset="0"/>
+              </a:rPr>
+              <a:t> arranjos e matrizes</a:t>
+            </a:r>
+            <a:r>
+              <a:rPr lang="pt-BR" sz="2000" dirty="0">
+                <a:latin typeface="Times New Roman" panose="02020603050405020304" pitchFamily="18" charset="0"/>
+                <a:cs typeface="Times New Roman" panose="02020603050405020304" pitchFamily="18" charset="0"/>
+              </a:rPr>
+              <a:t>, juntamente com uma </a:t>
+            </a:r>
+            <a:r>
+              <a:rPr lang="pt-BR" sz="2000" b="1" dirty="0">
+                <a:latin typeface="Times New Roman" panose="02020603050405020304" pitchFamily="18" charset="0"/>
+                <a:cs typeface="Times New Roman" panose="02020603050405020304" pitchFamily="18" charset="0"/>
+              </a:rPr>
+              <a:t>grande coleção de funções matemáticas de alto nível</a:t>
+            </a:r>
+            <a:r>
+              <a:rPr lang="pt-BR" sz="2000" dirty="0">
+                <a:latin typeface="Times New Roman" panose="02020603050405020304" pitchFamily="18" charset="0"/>
+                <a:cs typeface="Times New Roman" panose="02020603050405020304" pitchFamily="18" charset="0"/>
+              </a:rPr>
+              <a:t> para operar sobre estas </a:t>
+            </a:r>
+            <a:r>
+              <a:rPr lang="pt-BR" sz="2000" b="1" dirty="0" err="1">
+                <a:solidFill>
+                  <a:srgbClr val="FF0000"/>
+                </a:solidFill>
+                <a:latin typeface="Times New Roman" panose="02020603050405020304" pitchFamily="18" charset="0"/>
+                <a:cs typeface="Times New Roman" panose="02020603050405020304" pitchFamily="18" charset="0"/>
+              </a:rPr>
+              <a:t>multi-dimensões</a:t>
+            </a:r>
+            <a:r>
+              <a:rPr lang="pt-BR" sz="2000" dirty="0">
+                <a:latin typeface="Times New Roman" panose="02020603050405020304" pitchFamily="18" charset="0"/>
+                <a:cs typeface="Times New Roman" panose="02020603050405020304" pitchFamily="18" charset="0"/>
+              </a:rPr>
+              <a:t>.</a:t>
+            </a:r>
+          </a:p>
+          <a:p>
+            <a:pPr marL="0" indent="0" algn="just">
+              <a:buNone/>
+            </a:pPr>
+            <a:endParaRPr lang="pt-BR" sz="2000" dirty="0">
+              <a:latin typeface="Times New Roman" panose="02020603050405020304" pitchFamily="18" charset="0"/>
+              <a:cs typeface="Times New Roman" panose="02020603050405020304" pitchFamily="18" charset="0"/>
+            </a:endParaRPr>
+          </a:p>
+          <a:p>
+            <a:pPr marL="0" indent="0" algn="just">
+              <a:buNone/>
+            </a:pPr>
+            <a:r>
+              <a:rPr lang="pt-BR" sz="2000" dirty="0">
+                <a:latin typeface="Times New Roman" panose="02020603050405020304" pitchFamily="18" charset="0"/>
+                <a:cs typeface="Times New Roman" panose="02020603050405020304" pitchFamily="18" charset="0"/>
+              </a:rPr>
+              <a:t>O </a:t>
+            </a:r>
+            <a:r>
+              <a:rPr lang="pt-BR" sz="2000" b="1" dirty="0" err="1">
+                <a:latin typeface="Times New Roman" panose="02020603050405020304" pitchFamily="18" charset="0"/>
+                <a:cs typeface="Times New Roman" panose="02020603050405020304" pitchFamily="18" charset="0"/>
+              </a:rPr>
+              <a:t>Numpy</a:t>
+            </a:r>
+            <a:r>
+              <a:rPr lang="pt-BR" sz="2000" dirty="0">
+                <a:latin typeface="Times New Roman" panose="02020603050405020304" pitchFamily="18" charset="0"/>
+                <a:cs typeface="Times New Roman" panose="02020603050405020304" pitchFamily="18" charset="0"/>
+              </a:rPr>
+              <a:t> é um dos principais pacotes da linguagem Python para </a:t>
+            </a:r>
+            <a:r>
+              <a:rPr lang="pt-BR" sz="2000" b="1" dirty="0" err="1">
+                <a:latin typeface="Times New Roman" panose="02020603050405020304" pitchFamily="18" charset="0"/>
+                <a:cs typeface="Times New Roman" panose="02020603050405020304" pitchFamily="18" charset="0"/>
+              </a:rPr>
+              <a:t>machine</a:t>
+            </a:r>
+            <a:r>
+              <a:rPr lang="pt-BR" sz="2000" b="1" dirty="0">
+                <a:latin typeface="Times New Roman" panose="02020603050405020304" pitchFamily="18" charset="0"/>
+                <a:cs typeface="Times New Roman" panose="02020603050405020304" pitchFamily="18" charset="0"/>
+              </a:rPr>
+              <a:t> </a:t>
+            </a:r>
+            <a:r>
+              <a:rPr lang="pt-BR" sz="2000" b="1" dirty="0" err="1">
+                <a:latin typeface="Times New Roman" panose="02020603050405020304" pitchFamily="18" charset="0"/>
+                <a:cs typeface="Times New Roman" panose="02020603050405020304" pitchFamily="18" charset="0"/>
+              </a:rPr>
+              <a:t>learning</a:t>
+            </a:r>
+            <a:r>
+              <a:rPr lang="pt-BR" sz="2000" dirty="0">
+                <a:latin typeface="Times New Roman" panose="02020603050405020304" pitchFamily="18" charset="0"/>
+                <a:cs typeface="Times New Roman" panose="02020603050405020304" pitchFamily="18" charset="0"/>
+              </a:rPr>
+              <a:t> e </a:t>
+            </a:r>
+            <a:r>
+              <a:rPr lang="pt-BR" sz="2000" b="1" dirty="0">
+                <a:latin typeface="Times New Roman" panose="02020603050405020304" pitchFamily="18" charset="0"/>
+                <a:cs typeface="Times New Roman" panose="02020603050405020304" pitchFamily="18" charset="0"/>
+              </a:rPr>
+              <a:t>inteligência artificial</a:t>
+            </a:r>
+            <a:r>
+              <a:rPr lang="pt-BR" sz="2000" dirty="0">
+                <a:latin typeface="Times New Roman" panose="02020603050405020304" pitchFamily="18" charset="0"/>
+                <a:cs typeface="Times New Roman" panose="02020603050405020304" pitchFamily="18" charset="0"/>
+              </a:rPr>
+              <a:t>.</a:t>
+            </a:r>
+          </a:p>
+          <a:p>
+            <a:pPr marL="0" indent="0" algn="just">
+              <a:buNone/>
+            </a:pPr>
+            <a:endParaRPr lang="pt-BR" sz="2000" dirty="0">
+              <a:latin typeface="Times New Roman" panose="02020603050405020304" pitchFamily="18" charset="0"/>
+              <a:cs typeface="Times New Roman" panose="02020603050405020304" pitchFamily="18" charset="0"/>
+            </a:endParaRPr>
+          </a:p>
+          <a:p>
+            <a:pPr marL="0" indent="0" algn="just">
+              <a:buNone/>
+            </a:pPr>
+            <a:r>
+              <a:rPr lang="pt-BR" sz="2000" dirty="0">
+                <a:latin typeface="Times New Roman" panose="02020603050405020304" pitchFamily="18" charset="0"/>
+                <a:cs typeface="Times New Roman" panose="02020603050405020304" pitchFamily="18" charset="0"/>
+              </a:rPr>
+              <a:t>	</a:t>
+            </a:r>
+            <a:r>
+              <a:rPr lang="pt-BR" sz="2000" dirty="0">
+                <a:latin typeface="Times New Roman" panose="02020603050405020304" pitchFamily="18" charset="0"/>
+                <a:cs typeface="Times New Roman" panose="02020603050405020304" pitchFamily="18" charset="0"/>
+                <a:hlinkClick r:id="rId3"/>
+              </a:rPr>
+              <a:t>https://didatica.tech/o-pacote-numpy-python-para-machine-learning/</a:t>
+            </a:r>
+            <a:r>
+              <a:rPr lang="pt-BR" sz="2000" dirty="0">
+                <a:latin typeface="Times New Roman" panose="02020603050405020304" pitchFamily="18" charset="0"/>
+                <a:cs typeface="Times New Roman" panose="02020603050405020304" pitchFamily="18" charset="0"/>
+              </a:rPr>
+              <a:t> </a:t>
+            </a:r>
+          </a:p>
+        </p:txBody>
+      </p:sp>
+    </p:spTree>
+    <p:extLst>
+      <p:ext uri="{BB962C8B-B14F-4D97-AF65-F5344CB8AC3E}">
+        <p14:creationId xmlns:p14="http://schemas.microsoft.com/office/powerpoint/2010/main" val="552303683"/>
+      </p:ext>
+    </p:extLst>
+  </p:cSld>
+  <p:clrMapOvr>
+    <a:masterClrMapping/>
+  </p:clrMapOvr>
+  <p:transition spd="med"/>
+</p:sld>
+</file>
+
+<file path=ppt/slides/slide4.xml><?xml version="1.0" encoding="utf-8"?>
+<p:sld xmlns:a="http://schemas.openxmlformats.org/drawingml/2006/main" xmlns:r="http://schemas.openxmlformats.org/officeDocument/2006/relationships" xmlns:p="http://schemas.openxmlformats.org/presentationml/2006/main">
+  <p:cSld>
+    <p:spTree>
+      <p:nvGrpSpPr>
+        <p:cNvPr id="1" name=""/>
+        <p:cNvGrpSpPr/>
+        <p:nvPr/>
+      </p:nvGrpSpPr>
+      <p:grpSpPr>
+        <a:xfrm>
+          <a:off x="0" y="0"/>
+          <a:ext cx="0" cy="0"/>
+          <a:chOff x="0" y="0"/>
+          <a:chExt cx="0" cy="0"/>
+        </a:xfrm>
+      </p:grpSpPr>
+      <p:sp>
+        <p:nvSpPr>
+          <p:cNvPr id="6" name="Title 1"/>
+          <p:cNvSpPr>
+            <a:spLocks noGrp="1"/>
+          </p:cNvSpPr>
+          <p:nvPr>
+            <p:ph type="title"/>
+          </p:nvPr>
+        </p:nvSpPr>
+        <p:spPr>
+          <a:xfrm>
+            <a:off x="457200" y="205980"/>
+            <a:ext cx="8229600" cy="857251"/>
+          </a:xfrm>
+        </p:spPr>
+        <p:txBody>
+          <a:bodyPr>
+            <a:normAutofit/>
+          </a:bodyPr>
+          <a:lstStyle/>
+          <a:p>
+            <a:r>
+              <a:rPr lang="pt-BR" b="1" dirty="0">
+                <a:solidFill>
+                  <a:srgbClr val="0070C0"/>
+                </a:solidFill>
+              </a:rPr>
+              <a:t>Python com </a:t>
+            </a:r>
+            <a:r>
+              <a:rPr lang="pt-BR" b="1" dirty="0" err="1">
+                <a:solidFill>
+                  <a:srgbClr val="0070C0"/>
+                </a:solidFill>
+              </a:rPr>
+              <a:t>numpy</a:t>
+            </a:r>
+            <a:r>
+              <a:rPr lang="pt-BR" b="1" dirty="0">
+                <a:solidFill>
+                  <a:srgbClr val="0070C0"/>
+                </a:solidFill>
+              </a:rPr>
+              <a:t> – Google </a:t>
+            </a:r>
+            <a:r>
+              <a:rPr lang="pt-BR" b="1" dirty="0" err="1">
+                <a:solidFill>
+                  <a:srgbClr val="0070C0"/>
+                </a:solidFill>
+              </a:rPr>
+              <a:t>Colab</a:t>
+            </a:r>
+            <a:endParaRPr lang="en-US" b="1" dirty="0">
+              <a:solidFill>
+                <a:srgbClr val="0070C0"/>
+              </a:solidFill>
+            </a:endParaRPr>
+          </a:p>
+        </p:txBody>
+      </p:sp>
+      <p:sp>
+        <p:nvSpPr>
+          <p:cNvPr id="8" name="Text Placeholder 2"/>
+          <p:cNvSpPr>
+            <a:spLocks noGrp="1"/>
+          </p:cNvSpPr>
+          <p:nvPr>
+            <p:ph type="body" sz="half" idx="1"/>
+          </p:nvPr>
+        </p:nvSpPr>
+        <p:spPr>
+          <a:xfrm>
+            <a:off x="142865" y="1200150"/>
+            <a:ext cx="8865056" cy="3737370"/>
+          </a:xfrm>
+        </p:spPr>
+        <p:txBody>
+          <a:bodyPr>
+            <a:noAutofit/>
+          </a:bodyPr>
+          <a:lstStyle/>
+          <a:p>
+            <a:pPr marL="0" indent="0" algn="just">
+              <a:buNone/>
+            </a:pPr>
+            <a:r>
+              <a:rPr lang="pt-BR" sz="2000" b="1" dirty="0" err="1">
+                <a:latin typeface="Times New Roman" panose="02020603050405020304" pitchFamily="18" charset="0"/>
+                <a:cs typeface="Times New Roman" panose="02020603050405020304" pitchFamily="18" charset="0"/>
+              </a:rPr>
+              <a:t>import</a:t>
+            </a:r>
+            <a:r>
+              <a:rPr lang="pt-BR" sz="2000" dirty="0">
+                <a:latin typeface="Times New Roman" panose="02020603050405020304" pitchFamily="18" charset="0"/>
+                <a:cs typeface="Times New Roman" panose="02020603050405020304" pitchFamily="18" charset="0"/>
+              </a:rPr>
+              <a:t> </a:t>
+            </a:r>
+            <a:r>
+              <a:rPr lang="pt-BR" sz="2000" dirty="0" err="1">
+                <a:latin typeface="Times New Roman" panose="02020603050405020304" pitchFamily="18" charset="0"/>
+                <a:cs typeface="Times New Roman" panose="02020603050405020304" pitchFamily="18" charset="0"/>
+              </a:rPr>
+              <a:t>numpy</a:t>
+            </a:r>
+            <a:r>
+              <a:rPr lang="pt-BR" sz="2000" dirty="0">
+                <a:latin typeface="Times New Roman" panose="02020603050405020304" pitchFamily="18" charset="0"/>
+                <a:cs typeface="Times New Roman" panose="02020603050405020304" pitchFamily="18" charset="0"/>
+              </a:rPr>
+              <a:t> as </a:t>
+            </a:r>
+            <a:r>
+              <a:rPr lang="pt-BR" sz="2000" dirty="0" err="1">
+                <a:latin typeface="Times New Roman" panose="02020603050405020304" pitchFamily="18" charset="0"/>
+                <a:cs typeface="Times New Roman" panose="02020603050405020304" pitchFamily="18" charset="0"/>
+              </a:rPr>
+              <a:t>np</a:t>
+            </a:r>
+            <a:endParaRPr lang="pt-BR" sz="2000" dirty="0">
+              <a:latin typeface="Times New Roman" panose="02020603050405020304" pitchFamily="18" charset="0"/>
+              <a:cs typeface="Times New Roman" panose="02020603050405020304" pitchFamily="18" charset="0"/>
+            </a:endParaRPr>
+          </a:p>
+          <a:p>
+            <a:pPr marL="0" indent="0" algn="just">
+              <a:buNone/>
+            </a:pPr>
+            <a:r>
+              <a:rPr lang="pt-BR" sz="2000" dirty="0" err="1">
+                <a:latin typeface="Times New Roman" panose="02020603050405020304" pitchFamily="18" charset="0"/>
+                <a:cs typeface="Times New Roman" panose="02020603050405020304" pitchFamily="18" charset="0"/>
+              </a:rPr>
+              <a:t>from</a:t>
+            </a:r>
+            <a:r>
+              <a:rPr lang="pt-BR" sz="2000" dirty="0">
+                <a:latin typeface="Times New Roman" panose="02020603050405020304" pitchFamily="18" charset="0"/>
+                <a:cs typeface="Times New Roman" panose="02020603050405020304" pitchFamily="18" charset="0"/>
+              </a:rPr>
+              <a:t> </a:t>
+            </a:r>
+            <a:r>
+              <a:rPr lang="pt-BR" sz="2000" b="1" dirty="0" err="1">
+                <a:latin typeface="Times New Roman" panose="02020603050405020304" pitchFamily="18" charset="0"/>
+                <a:cs typeface="Times New Roman" panose="02020603050405020304" pitchFamily="18" charset="0"/>
+              </a:rPr>
+              <a:t>matplotlib</a:t>
+            </a:r>
+            <a:r>
+              <a:rPr lang="pt-BR" sz="2000" dirty="0">
+                <a:latin typeface="Times New Roman" panose="02020603050405020304" pitchFamily="18" charset="0"/>
+                <a:cs typeface="Times New Roman" panose="02020603050405020304" pitchFamily="18" charset="0"/>
+              </a:rPr>
+              <a:t> </a:t>
+            </a:r>
+            <a:r>
+              <a:rPr lang="pt-BR" sz="2000" dirty="0" err="1">
+                <a:latin typeface="Times New Roman" panose="02020603050405020304" pitchFamily="18" charset="0"/>
+                <a:cs typeface="Times New Roman" panose="02020603050405020304" pitchFamily="18" charset="0"/>
+              </a:rPr>
+              <a:t>import</a:t>
+            </a:r>
+            <a:r>
+              <a:rPr lang="pt-BR" sz="2000" dirty="0">
+                <a:latin typeface="Times New Roman" panose="02020603050405020304" pitchFamily="18" charset="0"/>
+                <a:cs typeface="Times New Roman" panose="02020603050405020304" pitchFamily="18" charset="0"/>
+              </a:rPr>
+              <a:t> </a:t>
+            </a:r>
+            <a:r>
+              <a:rPr lang="pt-BR" sz="2000" dirty="0" err="1">
+                <a:latin typeface="Times New Roman" panose="02020603050405020304" pitchFamily="18" charset="0"/>
+                <a:cs typeface="Times New Roman" panose="02020603050405020304" pitchFamily="18" charset="0"/>
+              </a:rPr>
+              <a:t>pyplot</a:t>
+            </a:r>
+            <a:r>
+              <a:rPr lang="pt-BR" sz="2000" dirty="0">
+                <a:latin typeface="Times New Roman" panose="02020603050405020304" pitchFamily="18" charset="0"/>
+                <a:cs typeface="Times New Roman" panose="02020603050405020304" pitchFamily="18" charset="0"/>
+              </a:rPr>
+              <a:t> as </a:t>
+            </a:r>
+            <a:r>
+              <a:rPr lang="pt-BR" sz="2000" dirty="0" err="1">
+                <a:latin typeface="Times New Roman" panose="02020603050405020304" pitchFamily="18" charset="0"/>
+                <a:cs typeface="Times New Roman" panose="02020603050405020304" pitchFamily="18" charset="0"/>
+              </a:rPr>
+              <a:t>plt</a:t>
+            </a:r>
+            <a:endParaRPr lang="pt-BR" sz="2000" dirty="0">
+              <a:latin typeface="Times New Roman" panose="02020603050405020304" pitchFamily="18" charset="0"/>
+              <a:cs typeface="Times New Roman" panose="02020603050405020304" pitchFamily="18" charset="0"/>
+            </a:endParaRPr>
+          </a:p>
+          <a:p>
+            <a:pPr marL="0" indent="0" algn="just">
+              <a:buNone/>
+            </a:pPr>
+            <a:endParaRPr lang="pt-BR" sz="2000" dirty="0">
+              <a:latin typeface="Times New Roman" panose="02020603050405020304" pitchFamily="18" charset="0"/>
+              <a:cs typeface="Times New Roman" panose="02020603050405020304" pitchFamily="18" charset="0"/>
+            </a:endParaRPr>
+          </a:p>
+          <a:p>
+            <a:pPr marL="0" indent="0" algn="just">
+              <a:buNone/>
+            </a:pPr>
+            <a:r>
+              <a:rPr lang="pt-BR" sz="2000" dirty="0" err="1">
+                <a:latin typeface="Times New Roman" panose="02020603050405020304" pitchFamily="18" charset="0"/>
+                <a:cs typeface="Times New Roman" panose="02020603050405020304" pitchFamily="18" charset="0"/>
+              </a:rPr>
+              <a:t>ys</a:t>
+            </a:r>
+            <a:r>
+              <a:rPr lang="pt-BR" sz="2000" dirty="0">
+                <a:latin typeface="Times New Roman" panose="02020603050405020304" pitchFamily="18" charset="0"/>
+                <a:cs typeface="Times New Roman" panose="02020603050405020304" pitchFamily="18" charset="0"/>
+              </a:rPr>
+              <a:t> = 200 + </a:t>
+            </a:r>
+            <a:r>
+              <a:rPr lang="pt-BR" sz="2000" dirty="0" err="1">
+                <a:latin typeface="Times New Roman" panose="02020603050405020304" pitchFamily="18" charset="0"/>
+                <a:cs typeface="Times New Roman" panose="02020603050405020304" pitchFamily="18" charset="0"/>
+              </a:rPr>
+              <a:t>np.</a:t>
+            </a:r>
+            <a:r>
+              <a:rPr lang="pt-BR" sz="2000" b="1" dirty="0" err="1">
+                <a:latin typeface="Times New Roman" panose="02020603050405020304" pitchFamily="18" charset="0"/>
+                <a:cs typeface="Times New Roman" panose="02020603050405020304" pitchFamily="18" charset="0"/>
+              </a:rPr>
+              <a:t>random</a:t>
+            </a:r>
+            <a:r>
+              <a:rPr lang="pt-BR" sz="2000" dirty="0" err="1">
+                <a:latin typeface="Times New Roman" panose="02020603050405020304" pitchFamily="18" charset="0"/>
+                <a:cs typeface="Times New Roman" panose="02020603050405020304" pitchFamily="18" charset="0"/>
+              </a:rPr>
+              <a:t>.randn</a:t>
+            </a:r>
+            <a:r>
+              <a:rPr lang="pt-BR" sz="2000" dirty="0">
+                <a:latin typeface="Times New Roman" panose="02020603050405020304" pitchFamily="18" charset="0"/>
+                <a:cs typeface="Times New Roman" panose="02020603050405020304" pitchFamily="18" charset="0"/>
+              </a:rPr>
+              <a:t>(100)</a:t>
+            </a:r>
+          </a:p>
+          <a:p>
+            <a:pPr marL="0" indent="0" algn="just">
+              <a:buNone/>
+            </a:pPr>
+            <a:r>
+              <a:rPr lang="pt-BR" sz="2000" dirty="0">
+                <a:latin typeface="Times New Roman" panose="02020603050405020304" pitchFamily="18" charset="0"/>
+                <a:cs typeface="Times New Roman" panose="02020603050405020304" pitchFamily="18" charset="0"/>
+              </a:rPr>
+              <a:t>x = [x for x in </a:t>
+            </a:r>
+            <a:r>
+              <a:rPr lang="pt-BR" sz="2000" b="1" dirty="0">
+                <a:latin typeface="Times New Roman" panose="02020603050405020304" pitchFamily="18" charset="0"/>
+                <a:cs typeface="Times New Roman" panose="02020603050405020304" pitchFamily="18" charset="0"/>
+              </a:rPr>
+              <a:t>range</a:t>
+            </a:r>
+            <a:r>
+              <a:rPr lang="pt-BR" sz="2000" dirty="0">
+                <a:latin typeface="Times New Roman" panose="02020603050405020304" pitchFamily="18" charset="0"/>
+                <a:cs typeface="Times New Roman" panose="02020603050405020304" pitchFamily="18" charset="0"/>
+              </a:rPr>
+              <a:t>(</a:t>
+            </a:r>
+            <a:r>
+              <a:rPr lang="pt-BR" sz="2000" dirty="0" err="1">
+                <a:latin typeface="Times New Roman" panose="02020603050405020304" pitchFamily="18" charset="0"/>
+                <a:cs typeface="Times New Roman" panose="02020603050405020304" pitchFamily="18" charset="0"/>
+              </a:rPr>
+              <a:t>len</a:t>
+            </a:r>
+            <a:r>
+              <a:rPr lang="pt-BR" sz="2000" dirty="0">
+                <a:latin typeface="Times New Roman" panose="02020603050405020304" pitchFamily="18" charset="0"/>
+                <a:cs typeface="Times New Roman" panose="02020603050405020304" pitchFamily="18" charset="0"/>
+              </a:rPr>
+              <a:t>(</a:t>
+            </a:r>
+            <a:r>
+              <a:rPr lang="pt-BR" sz="2000" dirty="0" err="1">
+                <a:latin typeface="Times New Roman" panose="02020603050405020304" pitchFamily="18" charset="0"/>
+                <a:cs typeface="Times New Roman" panose="02020603050405020304" pitchFamily="18" charset="0"/>
+              </a:rPr>
+              <a:t>ys</a:t>
+            </a:r>
+            <a:r>
+              <a:rPr lang="pt-BR" sz="2000" dirty="0">
+                <a:latin typeface="Times New Roman" panose="02020603050405020304" pitchFamily="18" charset="0"/>
+                <a:cs typeface="Times New Roman" panose="02020603050405020304" pitchFamily="18" charset="0"/>
+              </a:rPr>
+              <a:t>))]</a:t>
+            </a:r>
+          </a:p>
+          <a:p>
+            <a:pPr marL="0" indent="0" algn="just">
+              <a:buNone/>
+            </a:pPr>
+            <a:endParaRPr lang="pt-BR" sz="2000" dirty="0">
+              <a:latin typeface="Times New Roman" panose="02020603050405020304" pitchFamily="18" charset="0"/>
+              <a:cs typeface="Times New Roman" panose="02020603050405020304" pitchFamily="18" charset="0"/>
+            </a:endParaRPr>
+          </a:p>
+          <a:p>
+            <a:pPr marL="0" indent="0" algn="just">
+              <a:buNone/>
+            </a:pPr>
+            <a:r>
+              <a:rPr lang="pt-BR" sz="2000" dirty="0" err="1">
+                <a:latin typeface="Times New Roman" panose="02020603050405020304" pitchFamily="18" charset="0"/>
+                <a:cs typeface="Times New Roman" panose="02020603050405020304" pitchFamily="18" charset="0"/>
+              </a:rPr>
+              <a:t>plt.</a:t>
+            </a:r>
+            <a:r>
+              <a:rPr lang="pt-BR" sz="2000" b="1" dirty="0" err="1">
+                <a:latin typeface="Times New Roman" panose="02020603050405020304" pitchFamily="18" charset="0"/>
+                <a:cs typeface="Times New Roman" panose="02020603050405020304" pitchFamily="18" charset="0"/>
+              </a:rPr>
+              <a:t>plot</a:t>
+            </a:r>
+            <a:r>
+              <a:rPr lang="pt-BR" sz="2000" dirty="0">
+                <a:latin typeface="Times New Roman" panose="02020603050405020304" pitchFamily="18" charset="0"/>
+                <a:cs typeface="Times New Roman" panose="02020603050405020304" pitchFamily="18" charset="0"/>
+              </a:rPr>
+              <a:t>(x, </a:t>
+            </a:r>
+            <a:r>
+              <a:rPr lang="pt-BR" sz="2000" dirty="0" err="1">
+                <a:latin typeface="Times New Roman" panose="02020603050405020304" pitchFamily="18" charset="0"/>
+                <a:cs typeface="Times New Roman" panose="02020603050405020304" pitchFamily="18" charset="0"/>
+              </a:rPr>
+              <a:t>ys</a:t>
+            </a:r>
+            <a:r>
+              <a:rPr lang="pt-BR" sz="2000" dirty="0">
+                <a:latin typeface="Times New Roman" panose="02020603050405020304" pitchFamily="18" charset="0"/>
+                <a:cs typeface="Times New Roman" panose="02020603050405020304" pitchFamily="18" charset="0"/>
+              </a:rPr>
+              <a:t>, '-')</a:t>
+            </a:r>
+          </a:p>
+          <a:p>
+            <a:pPr marL="0" indent="0" algn="just">
+              <a:buNone/>
+            </a:pPr>
+            <a:r>
+              <a:rPr lang="pt-BR" sz="2000" dirty="0" err="1">
+                <a:latin typeface="Times New Roman" panose="02020603050405020304" pitchFamily="18" charset="0"/>
+                <a:cs typeface="Times New Roman" panose="02020603050405020304" pitchFamily="18" charset="0"/>
+              </a:rPr>
+              <a:t>plt.</a:t>
+            </a:r>
+            <a:r>
+              <a:rPr lang="pt-BR" sz="2000" b="1" dirty="0" err="1">
+                <a:latin typeface="Times New Roman" panose="02020603050405020304" pitchFamily="18" charset="0"/>
+                <a:cs typeface="Times New Roman" panose="02020603050405020304" pitchFamily="18" charset="0"/>
+              </a:rPr>
+              <a:t>fill_between</a:t>
+            </a:r>
+            <a:r>
+              <a:rPr lang="pt-BR" sz="2000" dirty="0">
+                <a:latin typeface="Times New Roman" panose="02020603050405020304" pitchFamily="18" charset="0"/>
+                <a:cs typeface="Times New Roman" panose="02020603050405020304" pitchFamily="18" charset="0"/>
+              </a:rPr>
+              <a:t>(x, </a:t>
+            </a:r>
+            <a:r>
+              <a:rPr lang="pt-BR" sz="2000" dirty="0" err="1">
+                <a:latin typeface="Times New Roman" panose="02020603050405020304" pitchFamily="18" charset="0"/>
+                <a:cs typeface="Times New Roman" panose="02020603050405020304" pitchFamily="18" charset="0"/>
+              </a:rPr>
+              <a:t>ys</a:t>
+            </a:r>
+            <a:r>
+              <a:rPr lang="pt-BR" sz="2000" dirty="0">
+                <a:latin typeface="Times New Roman" panose="02020603050405020304" pitchFamily="18" charset="0"/>
+                <a:cs typeface="Times New Roman" panose="02020603050405020304" pitchFamily="18" charset="0"/>
+              </a:rPr>
+              <a:t>, 195, </a:t>
+            </a:r>
+            <a:r>
+              <a:rPr lang="pt-BR" sz="2000" dirty="0" err="1">
+                <a:latin typeface="Times New Roman" panose="02020603050405020304" pitchFamily="18" charset="0"/>
+                <a:cs typeface="Times New Roman" panose="02020603050405020304" pitchFamily="18" charset="0"/>
+              </a:rPr>
+              <a:t>where</a:t>
+            </a:r>
+            <a:r>
+              <a:rPr lang="pt-BR" sz="2000" dirty="0">
+                <a:latin typeface="Times New Roman" panose="02020603050405020304" pitchFamily="18" charset="0"/>
+                <a:cs typeface="Times New Roman" panose="02020603050405020304" pitchFamily="18" charset="0"/>
+              </a:rPr>
+              <a:t>=(</a:t>
+            </a:r>
+            <a:r>
+              <a:rPr lang="pt-BR" sz="2000" dirty="0" err="1">
+                <a:latin typeface="Times New Roman" panose="02020603050405020304" pitchFamily="18" charset="0"/>
+                <a:cs typeface="Times New Roman" panose="02020603050405020304" pitchFamily="18" charset="0"/>
+              </a:rPr>
+              <a:t>ys</a:t>
+            </a:r>
+            <a:r>
+              <a:rPr lang="pt-BR" sz="2000" dirty="0">
+                <a:latin typeface="Times New Roman" panose="02020603050405020304" pitchFamily="18" charset="0"/>
+                <a:cs typeface="Times New Roman" panose="02020603050405020304" pitchFamily="18" charset="0"/>
+              </a:rPr>
+              <a:t> &gt; 195), </a:t>
+            </a:r>
+            <a:r>
+              <a:rPr lang="pt-BR" sz="2000" dirty="0" err="1">
+                <a:latin typeface="Times New Roman" panose="02020603050405020304" pitchFamily="18" charset="0"/>
+                <a:cs typeface="Times New Roman" panose="02020603050405020304" pitchFamily="18" charset="0"/>
+              </a:rPr>
+              <a:t>facecolor</a:t>
+            </a:r>
+            <a:r>
+              <a:rPr lang="pt-BR" sz="2000" dirty="0">
+                <a:latin typeface="Times New Roman" panose="02020603050405020304" pitchFamily="18" charset="0"/>
+                <a:cs typeface="Times New Roman" panose="02020603050405020304" pitchFamily="18" charset="0"/>
+              </a:rPr>
+              <a:t>='g', alpha=0.6)</a:t>
+            </a:r>
+          </a:p>
+          <a:p>
+            <a:pPr marL="0" indent="0" algn="just">
+              <a:buNone/>
+            </a:pPr>
+            <a:r>
+              <a:rPr lang="pt-BR" sz="2000" dirty="0" err="1">
+                <a:latin typeface="Times New Roman" panose="02020603050405020304" pitchFamily="18" charset="0"/>
+                <a:cs typeface="Times New Roman" panose="02020603050405020304" pitchFamily="18" charset="0"/>
+              </a:rPr>
+              <a:t>plt.</a:t>
+            </a:r>
+            <a:r>
+              <a:rPr lang="pt-BR" sz="2000" b="1" dirty="0" err="1">
+                <a:latin typeface="Times New Roman" panose="02020603050405020304" pitchFamily="18" charset="0"/>
+                <a:cs typeface="Times New Roman" panose="02020603050405020304" pitchFamily="18" charset="0"/>
+              </a:rPr>
+              <a:t>title</a:t>
+            </a:r>
+            <a:r>
+              <a:rPr lang="pt-BR" sz="2000" dirty="0">
+                <a:latin typeface="Times New Roman" panose="02020603050405020304" pitchFamily="18" charset="0"/>
+                <a:cs typeface="Times New Roman" panose="02020603050405020304" pitchFamily="18" charset="0"/>
+              </a:rPr>
+              <a:t>(“</a:t>
+            </a:r>
+            <a:r>
+              <a:rPr lang="pt-BR" sz="2000" dirty="0" err="1">
+                <a:latin typeface="Times New Roman" panose="02020603050405020304" pitchFamily="18" charset="0"/>
+                <a:cs typeface="Times New Roman" panose="02020603050405020304" pitchFamily="18" charset="0"/>
+              </a:rPr>
+              <a:t>Vosualização</a:t>
+            </a:r>
+            <a:r>
+              <a:rPr lang="pt-BR" sz="2000" dirty="0">
+                <a:latin typeface="Times New Roman" panose="02020603050405020304" pitchFamily="18" charset="0"/>
+                <a:cs typeface="Times New Roman" panose="02020603050405020304" pitchFamily="18" charset="0"/>
+              </a:rPr>
+              <a:t> Simples")</a:t>
+            </a:r>
+          </a:p>
+          <a:p>
+            <a:pPr marL="0" indent="0" algn="just">
+              <a:buNone/>
+            </a:pPr>
+            <a:r>
+              <a:rPr lang="pt-BR" sz="2000" dirty="0" err="1">
+                <a:latin typeface="Times New Roman" panose="02020603050405020304" pitchFamily="18" charset="0"/>
+                <a:cs typeface="Times New Roman" panose="02020603050405020304" pitchFamily="18" charset="0"/>
+              </a:rPr>
+              <a:t>plt.</a:t>
+            </a:r>
+            <a:r>
+              <a:rPr lang="pt-BR" sz="2000" b="1" dirty="0" err="1">
+                <a:latin typeface="Times New Roman" panose="02020603050405020304" pitchFamily="18" charset="0"/>
+                <a:cs typeface="Times New Roman" panose="02020603050405020304" pitchFamily="18" charset="0"/>
+              </a:rPr>
+              <a:t>show</a:t>
+            </a:r>
+            <a:r>
+              <a:rPr lang="pt-BR" sz="2000" dirty="0">
+                <a:latin typeface="Times New Roman" panose="02020603050405020304" pitchFamily="18" charset="0"/>
+                <a:cs typeface="Times New Roman" panose="02020603050405020304" pitchFamily="18" charset="0"/>
+              </a:rPr>
+              <a:t>()</a:t>
+            </a:r>
+          </a:p>
+        </p:txBody>
+      </p:sp>
+    </p:spTree>
+    <p:extLst>
+      <p:ext uri="{BB962C8B-B14F-4D97-AF65-F5344CB8AC3E}">
+        <p14:creationId xmlns:p14="http://schemas.microsoft.com/office/powerpoint/2010/main" val="2227752946"/>
+      </p:ext>
+    </p:extLst>
+  </p:cSld>
+  <p:clrMapOvr>
+    <a:masterClrMapping/>
+  </p:clrMapOvr>
+  <p:transition spd="med"/>
+</p:sld>
+</file>
+
+<file path=ppt/slides/slide5.xml><?xml version="1.0" encoding="utf-8"?>
+<p:sld xmlns:a="http://schemas.openxmlformats.org/drawingml/2006/main" xmlns:r="http://schemas.openxmlformats.org/officeDocument/2006/relationships" xmlns:p="http://schemas.openxmlformats.org/presentationml/2006/main">
+  <p:cSld>
+    <p:spTree>
+      <p:nvGrpSpPr>
+        <p:cNvPr id="1" name=""/>
+        <p:cNvGrpSpPr/>
+        <p:nvPr/>
+      </p:nvGrpSpPr>
+      <p:grpSpPr>
+        <a:xfrm>
+          <a:off x="0" y="0"/>
+          <a:ext cx="0" cy="0"/>
+          <a:chOff x="0" y="0"/>
+          <a:chExt cx="0" cy="0"/>
+        </a:xfrm>
+      </p:grpSpPr>
+      <p:sp>
+        <p:nvSpPr>
+          <p:cNvPr id="6" name="Title 1"/>
+          <p:cNvSpPr>
+            <a:spLocks noGrp="1"/>
+          </p:cNvSpPr>
+          <p:nvPr>
+            <p:ph type="title"/>
+          </p:nvPr>
+        </p:nvSpPr>
+        <p:spPr>
+          <a:xfrm>
+            <a:off x="457200" y="205980"/>
+            <a:ext cx="8229600" cy="857251"/>
+          </a:xfrm>
+        </p:spPr>
+        <p:txBody>
+          <a:bodyPr>
+            <a:normAutofit fontScale="90000"/>
+          </a:bodyPr>
+          <a:lstStyle/>
+          <a:p>
+            <a:r>
+              <a:rPr lang="pt-BR" b="1" dirty="0">
+                <a:solidFill>
+                  <a:srgbClr val="0070C0"/>
+                </a:solidFill>
+              </a:rPr>
+              <a:t>Python com Big Data - Continuação</a:t>
+            </a:r>
+            <a:endParaRPr lang="en-US" b="1" dirty="0">
+              <a:solidFill>
+                <a:srgbClr val="0070C0"/>
+              </a:solidFill>
+            </a:endParaRPr>
+          </a:p>
+        </p:txBody>
+      </p:sp>
+      <p:sp>
+        <p:nvSpPr>
+          <p:cNvPr id="8" name="Text Placeholder 2"/>
+          <p:cNvSpPr>
+            <a:spLocks noGrp="1"/>
+          </p:cNvSpPr>
+          <p:nvPr>
+            <p:ph type="body" sz="half" idx="1"/>
+          </p:nvPr>
+        </p:nvSpPr>
+        <p:spPr>
+          <a:xfrm>
+            <a:off x="142865" y="1005078"/>
+            <a:ext cx="8865056" cy="4005834"/>
+          </a:xfrm>
+        </p:spPr>
+        <p:txBody>
+          <a:bodyPr>
+            <a:noAutofit/>
+          </a:bodyPr>
+          <a:lstStyle/>
+          <a:p>
+            <a:pPr marL="0" indent="0" algn="just">
+              <a:buNone/>
+            </a:pPr>
+            <a:r>
+              <a:rPr lang="pt-BR" sz="2000" dirty="0">
+                <a:latin typeface="Times New Roman" panose="02020603050405020304" pitchFamily="18" charset="0"/>
+                <a:cs typeface="Times New Roman" panose="02020603050405020304" pitchFamily="18" charset="0"/>
+              </a:rPr>
+              <a:t>Realizar análises de dados utilizando o </a:t>
+            </a:r>
+            <a:r>
+              <a:rPr lang="pt-BR" sz="2000" b="1" dirty="0">
+                <a:latin typeface="Times New Roman" panose="02020603050405020304" pitchFamily="18" charset="0"/>
+                <a:cs typeface="Times New Roman" panose="02020603050405020304" pitchFamily="18" charset="0"/>
+              </a:rPr>
+              <a:t>Python</a:t>
+            </a:r>
+            <a:r>
+              <a:rPr lang="pt-BR" sz="2000" dirty="0">
+                <a:latin typeface="Times New Roman" panose="02020603050405020304" pitchFamily="18" charset="0"/>
+                <a:cs typeface="Times New Roman" panose="02020603050405020304" pitchFamily="18" charset="0"/>
+              </a:rPr>
+              <a:t>, extraindo insights que auxiliam nas tomada de decisões dentro das organizações.</a:t>
+            </a:r>
+          </a:p>
+          <a:p>
+            <a:pPr marL="0" indent="0" algn="just">
+              <a:buNone/>
+            </a:pPr>
+            <a:endParaRPr lang="pt-BR" sz="2000" dirty="0">
+              <a:latin typeface="Times New Roman" panose="02020603050405020304" pitchFamily="18" charset="0"/>
+              <a:cs typeface="Times New Roman" panose="02020603050405020304" pitchFamily="18" charset="0"/>
+            </a:endParaRPr>
+          </a:p>
+          <a:p>
+            <a:pPr marL="0" indent="0" algn="just">
+              <a:buNone/>
+            </a:pPr>
+            <a:r>
+              <a:rPr lang="pt-BR" sz="2000" dirty="0">
+                <a:latin typeface="Times New Roman" panose="02020603050405020304" pitchFamily="18" charset="0"/>
+                <a:cs typeface="Times New Roman" panose="02020603050405020304" pitchFamily="18" charset="0"/>
+              </a:rPr>
+              <a:t>Bibliotecas (</a:t>
+            </a:r>
+            <a:r>
+              <a:rPr lang="pt-BR" sz="2000" b="1" dirty="0" err="1">
+                <a:latin typeface="Times New Roman" panose="02020603050405020304" pitchFamily="18" charset="0"/>
+                <a:cs typeface="Times New Roman" panose="02020603050405020304" pitchFamily="18" charset="0"/>
+              </a:rPr>
+              <a:t>import</a:t>
+            </a:r>
+            <a:r>
+              <a:rPr lang="pt-BR" sz="2000" dirty="0">
+                <a:latin typeface="Times New Roman" panose="02020603050405020304" pitchFamily="18" charset="0"/>
+                <a:cs typeface="Times New Roman" panose="02020603050405020304" pitchFamily="18" charset="0"/>
+              </a:rPr>
+              <a:t>): Google </a:t>
+            </a:r>
+            <a:r>
+              <a:rPr lang="pt-BR" sz="2000" dirty="0" err="1">
+                <a:latin typeface="Times New Roman" panose="02020603050405020304" pitchFamily="18" charset="0"/>
+                <a:cs typeface="Times New Roman" panose="02020603050405020304" pitchFamily="18" charset="0"/>
+              </a:rPr>
+              <a:t>Colab</a:t>
+            </a:r>
+            <a:r>
+              <a:rPr lang="pt-BR" sz="2000" dirty="0">
+                <a:latin typeface="Times New Roman" panose="02020603050405020304" pitchFamily="18" charset="0"/>
+                <a:cs typeface="Times New Roman" panose="02020603050405020304" pitchFamily="18" charset="0"/>
+              </a:rPr>
+              <a:t> (</a:t>
+            </a:r>
+            <a:r>
+              <a:rPr lang="pt-BR" sz="2000" b="1" dirty="0" err="1">
+                <a:latin typeface="Times New Roman" panose="02020603050405020304" pitchFamily="18" charset="0"/>
+                <a:cs typeface="Times New Roman" panose="02020603050405020304" pitchFamily="18" charset="0"/>
+              </a:rPr>
+              <a:t>Jupyter</a:t>
+            </a:r>
+            <a:r>
+              <a:rPr lang="pt-BR" sz="2000" b="1" dirty="0">
+                <a:latin typeface="Times New Roman" panose="02020603050405020304" pitchFamily="18" charset="0"/>
+                <a:cs typeface="Times New Roman" panose="02020603050405020304" pitchFamily="18" charset="0"/>
+              </a:rPr>
+              <a:t> Notebook</a:t>
+            </a:r>
+            <a:r>
+              <a:rPr lang="pt-BR" sz="2000" dirty="0">
+                <a:latin typeface="Times New Roman" panose="02020603050405020304" pitchFamily="18" charset="0"/>
+                <a:cs typeface="Times New Roman" panose="02020603050405020304" pitchFamily="18" charset="0"/>
+              </a:rPr>
+              <a:t>) – </a:t>
+            </a:r>
+            <a:r>
+              <a:rPr lang="pt-BR" sz="2000" dirty="0">
+                <a:latin typeface="Times New Roman" panose="02020603050405020304" pitchFamily="18" charset="0"/>
+                <a:cs typeface="Times New Roman" panose="02020603050405020304" pitchFamily="18" charset="0"/>
+                <a:hlinkClick r:id="rId3"/>
+              </a:rPr>
+              <a:t>https://jupyter.org/install</a:t>
+            </a:r>
+            <a:endParaRPr lang="pt-BR" sz="2000" b="1" dirty="0">
+              <a:solidFill>
+                <a:srgbClr val="FF0000"/>
+              </a:solidFill>
+              <a:latin typeface="Times New Roman" panose="02020603050405020304" pitchFamily="18" charset="0"/>
+              <a:cs typeface="Times New Roman" panose="02020603050405020304" pitchFamily="18" charset="0"/>
+            </a:endParaRPr>
+          </a:p>
+          <a:p>
+            <a:pPr algn="just">
+              <a:buFont typeface="Wingdings" panose="05000000000000000000" pitchFamily="2" charset="2"/>
+              <a:buChar char="§"/>
+            </a:pPr>
+            <a:r>
+              <a:rPr lang="pt-BR" sz="2000" dirty="0">
+                <a:latin typeface="Times New Roman" panose="02020603050405020304" pitchFamily="18" charset="0"/>
+                <a:cs typeface="Times New Roman" panose="02020603050405020304" pitchFamily="18" charset="0"/>
+              </a:rPr>
+              <a:t>pandas (</a:t>
+            </a:r>
+            <a:r>
+              <a:rPr lang="pt-BR" sz="2000" b="1" dirty="0">
+                <a:latin typeface="Times New Roman" panose="02020603050405020304" pitchFamily="18" charset="0"/>
+                <a:cs typeface="Times New Roman" panose="02020603050405020304" pitchFamily="18" charset="0"/>
+              </a:rPr>
+              <a:t>pydata.org</a:t>
+            </a:r>
+            <a:r>
+              <a:rPr lang="pt-BR" sz="2000" dirty="0">
+                <a:latin typeface="Times New Roman" panose="02020603050405020304" pitchFamily="18" charset="0"/>
+                <a:cs typeface="Times New Roman" panose="02020603050405020304" pitchFamily="18" charset="0"/>
+              </a:rPr>
+              <a:t> ou </a:t>
+            </a:r>
+            <a:r>
+              <a:rPr lang="pt-BR" sz="2000" b="1" dirty="0">
+                <a:latin typeface="Times New Roman" panose="02020603050405020304" pitchFamily="18" charset="0"/>
+                <a:cs typeface="Times New Roman" panose="02020603050405020304" pitchFamily="18" charset="0"/>
+              </a:rPr>
+              <a:t>https://pandas.pydata.org</a:t>
+            </a:r>
+            <a:r>
+              <a:rPr lang="pt-BR" sz="2000" dirty="0">
+                <a:latin typeface="Times New Roman" panose="02020603050405020304" pitchFamily="18" charset="0"/>
+                <a:cs typeface="Times New Roman" panose="02020603050405020304" pitchFamily="18" charset="0"/>
+              </a:rPr>
+              <a:t>)</a:t>
+            </a:r>
+          </a:p>
+          <a:p>
+            <a:pPr algn="just">
+              <a:buFont typeface="Wingdings" panose="05000000000000000000" pitchFamily="2" charset="2"/>
+              <a:buChar char="§"/>
+            </a:pPr>
+            <a:r>
+              <a:rPr lang="pt-BR" sz="2000" dirty="0" err="1">
+                <a:latin typeface="Times New Roman" panose="02020603050405020304" pitchFamily="18" charset="0"/>
+                <a:cs typeface="Times New Roman" panose="02020603050405020304" pitchFamily="18" charset="0"/>
+              </a:rPr>
+              <a:t>numpy</a:t>
+            </a:r>
+            <a:r>
+              <a:rPr lang="pt-BR" sz="2000" dirty="0">
+                <a:latin typeface="Times New Roman" panose="02020603050405020304" pitchFamily="18" charset="0"/>
+                <a:cs typeface="Times New Roman" panose="02020603050405020304" pitchFamily="18" charset="0"/>
+              </a:rPr>
+              <a:t> (</a:t>
+            </a:r>
+            <a:r>
+              <a:rPr lang="pt-BR" sz="2000" b="1" dirty="0">
+                <a:latin typeface="Times New Roman" panose="02020603050405020304" pitchFamily="18" charset="0"/>
+                <a:cs typeface="Times New Roman" panose="02020603050405020304" pitchFamily="18" charset="0"/>
+              </a:rPr>
+              <a:t>numpy.org</a:t>
+            </a:r>
+            <a:r>
+              <a:rPr lang="pt-BR" sz="2000" dirty="0">
+                <a:latin typeface="Times New Roman" panose="02020603050405020304" pitchFamily="18" charset="0"/>
+                <a:cs typeface="Times New Roman" panose="02020603050405020304" pitchFamily="18" charset="0"/>
+              </a:rPr>
+              <a:t>)</a:t>
+            </a:r>
+          </a:p>
+          <a:p>
+            <a:pPr algn="just">
+              <a:buFont typeface="Wingdings" panose="05000000000000000000" pitchFamily="2" charset="2"/>
+              <a:buChar char="§"/>
+            </a:pPr>
+            <a:r>
+              <a:rPr lang="pt-BR" sz="2000" dirty="0" err="1">
+                <a:latin typeface="Times New Roman" panose="02020603050405020304" pitchFamily="18" charset="0"/>
+                <a:cs typeface="Times New Roman" panose="02020603050405020304" pitchFamily="18" charset="0"/>
+              </a:rPr>
+              <a:t>openpyxl</a:t>
+            </a:r>
+            <a:r>
+              <a:rPr lang="pt-BR" sz="2000" dirty="0">
+                <a:latin typeface="Times New Roman" panose="02020603050405020304" pitchFamily="18" charset="0"/>
+                <a:cs typeface="Times New Roman" panose="02020603050405020304" pitchFamily="18" charset="0"/>
+              </a:rPr>
+              <a:t> (</a:t>
+            </a:r>
+            <a:r>
+              <a:rPr lang="pt-BR" sz="2000" b="1" dirty="0">
+                <a:latin typeface="Times New Roman" panose="02020603050405020304" pitchFamily="18" charset="0"/>
+                <a:cs typeface="Times New Roman" panose="02020603050405020304" pitchFamily="18" charset="0"/>
+              </a:rPr>
+              <a:t>pypi.org</a:t>
+            </a:r>
+            <a:r>
+              <a:rPr lang="pt-BR" sz="2000" dirty="0">
+                <a:latin typeface="Times New Roman" panose="02020603050405020304" pitchFamily="18" charset="0"/>
+                <a:cs typeface="Times New Roman" panose="02020603050405020304" pitchFamily="18" charset="0"/>
+              </a:rPr>
+              <a:t>)</a:t>
+            </a:r>
+          </a:p>
+          <a:p>
+            <a:pPr algn="just">
+              <a:buFont typeface="Wingdings" panose="05000000000000000000" pitchFamily="2" charset="2"/>
+              <a:buChar char="§"/>
+            </a:pPr>
+            <a:r>
+              <a:rPr lang="pt-BR" sz="2000" dirty="0" err="1">
+                <a:latin typeface="Times New Roman" panose="02020603050405020304" pitchFamily="18" charset="0"/>
+                <a:cs typeface="Times New Roman" panose="02020603050405020304" pitchFamily="18" charset="0"/>
+              </a:rPr>
+              <a:t>matplotlib</a:t>
+            </a:r>
+            <a:r>
+              <a:rPr lang="pt-BR" sz="2000" dirty="0">
+                <a:latin typeface="Times New Roman" panose="02020603050405020304" pitchFamily="18" charset="0"/>
+                <a:cs typeface="Times New Roman" panose="02020603050405020304" pitchFamily="18" charset="0"/>
+              </a:rPr>
+              <a:t> (</a:t>
+            </a:r>
+            <a:r>
+              <a:rPr lang="pt-BR" sz="2000" b="1" dirty="0">
+                <a:latin typeface="Times New Roman" panose="02020603050405020304" pitchFamily="18" charset="0"/>
+                <a:cs typeface="Times New Roman" panose="02020603050405020304" pitchFamily="18" charset="0"/>
+              </a:rPr>
+              <a:t>matplotlib.org</a:t>
+            </a:r>
+            <a:r>
+              <a:rPr lang="pt-BR" sz="2000" dirty="0">
+                <a:latin typeface="Times New Roman" panose="02020603050405020304" pitchFamily="18" charset="0"/>
+                <a:cs typeface="Times New Roman" panose="02020603050405020304" pitchFamily="18" charset="0"/>
+              </a:rPr>
+              <a:t>) # </a:t>
+            </a:r>
+            <a:r>
+              <a:rPr lang="pt-BR" sz="2000" b="1" dirty="0" err="1">
+                <a:solidFill>
+                  <a:srgbClr val="FF0000"/>
+                </a:solidFill>
+                <a:latin typeface="Times New Roman" panose="02020603050405020304" pitchFamily="18" charset="0"/>
+                <a:cs typeface="Times New Roman" panose="02020603050405020304" pitchFamily="18" charset="0"/>
+              </a:rPr>
+              <a:t>seaborn</a:t>
+            </a:r>
+            <a:r>
+              <a:rPr lang="pt-BR" sz="2000" dirty="0">
+                <a:latin typeface="Times New Roman" panose="02020603050405020304" pitchFamily="18" charset="0"/>
+                <a:cs typeface="Times New Roman" panose="02020603050405020304" pitchFamily="18" charset="0"/>
+              </a:rPr>
+              <a:t>; </a:t>
+            </a:r>
+            <a:r>
+              <a:rPr lang="pt-BR" sz="2000" dirty="0" err="1">
+                <a:latin typeface="Times New Roman" panose="02020603050405020304" pitchFamily="18" charset="0"/>
+                <a:cs typeface="Times New Roman" panose="02020603050405020304" pitchFamily="18" charset="0"/>
+              </a:rPr>
+              <a:t>plotly</a:t>
+            </a:r>
+            <a:r>
+              <a:rPr lang="pt-BR" sz="2000" dirty="0">
+                <a:latin typeface="Times New Roman" panose="02020603050405020304" pitchFamily="18" charset="0"/>
+                <a:cs typeface="Times New Roman" panose="02020603050405020304" pitchFamily="18" charset="0"/>
+              </a:rPr>
+              <a:t>; </a:t>
+            </a:r>
+            <a:r>
+              <a:rPr lang="pt-BR" sz="2000" b="1" dirty="0" err="1">
+                <a:solidFill>
+                  <a:srgbClr val="FF0000"/>
+                </a:solidFill>
+                <a:latin typeface="Times New Roman" panose="02020603050405020304" pitchFamily="18" charset="0"/>
+                <a:cs typeface="Times New Roman" panose="02020603050405020304" pitchFamily="18" charset="0"/>
+              </a:rPr>
+              <a:t>pyplot</a:t>
+            </a:r>
+            <a:r>
+              <a:rPr lang="pt-BR" sz="2000" dirty="0">
+                <a:latin typeface="Times New Roman" panose="02020603050405020304" pitchFamily="18" charset="0"/>
+                <a:cs typeface="Times New Roman" panose="02020603050405020304" pitchFamily="18" charset="0"/>
+              </a:rPr>
+              <a:t> (</a:t>
+            </a:r>
+            <a:r>
+              <a:rPr lang="pt-BR" sz="2000" b="1" dirty="0">
+                <a:solidFill>
+                  <a:schemeClr val="tx1"/>
+                </a:solidFill>
+                <a:latin typeface="Times New Roman" panose="02020603050405020304" pitchFamily="18" charset="0"/>
+                <a:cs typeface="Times New Roman" panose="02020603050405020304" pitchFamily="18" charset="0"/>
+              </a:rPr>
+              <a:t>p/ criar gráficos</a:t>
+            </a:r>
+            <a:r>
+              <a:rPr lang="pt-BR" sz="2000" dirty="0">
+                <a:latin typeface="Times New Roman" panose="02020603050405020304" pitchFamily="18" charset="0"/>
+                <a:cs typeface="Times New Roman" panose="02020603050405020304" pitchFamily="18" charset="0"/>
+              </a:rPr>
+              <a:t>), </a:t>
+            </a:r>
+            <a:r>
+              <a:rPr lang="pt-BR" sz="2000" b="1" dirty="0" err="1">
+                <a:solidFill>
+                  <a:srgbClr val="FF0000"/>
+                </a:solidFill>
+                <a:latin typeface="Times New Roman" panose="02020603050405020304" pitchFamily="18" charset="0"/>
+                <a:cs typeface="Times New Roman" panose="02020603050405020304" pitchFamily="18" charset="0"/>
+              </a:rPr>
+              <a:t>Jupyter</a:t>
+            </a:r>
+            <a:endParaRPr lang="pt-BR" sz="2000" b="1" dirty="0">
+              <a:solidFill>
+                <a:srgbClr val="FF0000"/>
+              </a:solidFill>
+              <a:latin typeface="Times New Roman" panose="02020603050405020304" pitchFamily="18" charset="0"/>
+              <a:cs typeface="Times New Roman" panose="02020603050405020304" pitchFamily="18" charset="0"/>
+            </a:endParaRPr>
+          </a:p>
+          <a:p>
+            <a:pPr algn="just">
+              <a:buFont typeface="Wingdings" panose="05000000000000000000" pitchFamily="2" charset="2"/>
+              <a:buChar char="§"/>
+            </a:pPr>
+            <a:r>
+              <a:rPr lang="pt-BR" sz="2000" dirty="0" err="1">
+                <a:latin typeface="Times New Roman" panose="02020603050405020304" pitchFamily="18" charset="0"/>
+                <a:cs typeface="Times New Roman" panose="02020603050405020304" pitchFamily="18" charset="0"/>
+              </a:rPr>
+              <a:t>tensorflow</a:t>
+            </a:r>
+            <a:r>
+              <a:rPr lang="pt-BR" sz="2000" dirty="0">
+                <a:latin typeface="Times New Roman" panose="02020603050405020304" pitchFamily="18" charset="0"/>
+                <a:cs typeface="Times New Roman" panose="02020603050405020304" pitchFamily="18" charset="0"/>
+              </a:rPr>
+              <a:t> (</a:t>
+            </a:r>
+            <a:r>
+              <a:rPr lang="pt-BR" sz="2000" b="1" dirty="0">
+                <a:latin typeface="Times New Roman" panose="02020603050405020304" pitchFamily="18" charset="0"/>
+                <a:cs typeface="Times New Roman" panose="02020603050405020304" pitchFamily="18" charset="0"/>
+              </a:rPr>
+              <a:t>tensorflow.org</a:t>
+            </a:r>
+            <a:r>
+              <a:rPr lang="pt-BR" sz="2000" dirty="0">
+                <a:latin typeface="Times New Roman" panose="02020603050405020304" pitchFamily="18" charset="0"/>
+                <a:cs typeface="Times New Roman" panose="02020603050405020304" pitchFamily="18" charset="0"/>
+              </a:rPr>
+              <a:t>) – </a:t>
+            </a:r>
+            <a:r>
+              <a:rPr lang="pt-BR" sz="2000" b="1" dirty="0" err="1">
+                <a:solidFill>
+                  <a:srgbClr val="FF0000"/>
+                </a:solidFill>
+                <a:latin typeface="Times New Roman" panose="02020603050405020304" pitchFamily="18" charset="0"/>
+                <a:cs typeface="Times New Roman" panose="02020603050405020304" pitchFamily="18" charset="0"/>
+              </a:rPr>
+              <a:t>machine</a:t>
+            </a:r>
+            <a:r>
+              <a:rPr lang="pt-BR" sz="2000" b="1" dirty="0">
+                <a:solidFill>
+                  <a:srgbClr val="FF0000"/>
+                </a:solidFill>
+                <a:latin typeface="Times New Roman" panose="02020603050405020304" pitchFamily="18" charset="0"/>
+                <a:cs typeface="Times New Roman" panose="02020603050405020304" pitchFamily="18" charset="0"/>
+              </a:rPr>
+              <a:t> </a:t>
+            </a:r>
+            <a:r>
+              <a:rPr lang="pt-BR" sz="2000" b="1" dirty="0" err="1">
+                <a:solidFill>
+                  <a:srgbClr val="FF0000"/>
+                </a:solidFill>
+                <a:latin typeface="Times New Roman" panose="02020603050405020304" pitchFamily="18" charset="0"/>
+                <a:cs typeface="Times New Roman" panose="02020603050405020304" pitchFamily="18" charset="0"/>
+              </a:rPr>
+              <a:t>learning</a:t>
+            </a:r>
+            <a:endParaRPr lang="pt-BR" sz="2000" b="1" dirty="0">
+              <a:solidFill>
+                <a:srgbClr val="FF0000"/>
+              </a:solidFill>
+              <a:latin typeface="Times New Roman" panose="02020603050405020304" pitchFamily="18" charset="0"/>
+              <a:cs typeface="Times New Roman" panose="02020603050405020304" pitchFamily="18" charset="0"/>
+            </a:endParaRPr>
+          </a:p>
+          <a:p>
+            <a:pPr marL="0" indent="0" algn="just">
+              <a:buNone/>
+            </a:pPr>
+            <a:endParaRPr lang="pt-BR" sz="2000" dirty="0">
+              <a:latin typeface="Times New Roman" panose="02020603050405020304" pitchFamily="18" charset="0"/>
+              <a:cs typeface="Times New Roman" panose="02020603050405020304" pitchFamily="18" charset="0"/>
+            </a:endParaRPr>
+          </a:p>
+          <a:p>
+            <a:pPr marL="0" indent="0" algn="just">
+              <a:buNone/>
+            </a:pPr>
+            <a:r>
+              <a:rPr lang="pt-BR" sz="2000" dirty="0">
+                <a:latin typeface="Times New Roman" panose="02020603050405020304" pitchFamily="18" charset="0"/>
+                <a:cs typeface="Times New Roman" panose="02020603050405020304" pitchFamily="18" charset="0"/>
+              </a:rPr>
+              <a:t>Para usar o </a:t>
+            </a:r>
+            <a:r>
+              <a:rPr lang="pt-BR" sz="2000" b="1" dirty="0" err="1">
+                <a:latin typeface="Times New Roman" panose="02020603050405020304" pitchFamily="18" charset="0"/>
+                <a:cs typeface="Times New Roman" panose="02020603050405020304" pitchFamily="18" charset="0"/>
+              </a:rPr>
+              <a:t>Jupyter</a:t>
+            </a:r>
+            <a:r>
+              <a:rPr lang="pt-BR" sz="2000" b="1" dirty="0">
+                <a:latin typeface="Times New Roman" panose="02020603050405020304" pitchFamily="18" charset="0"/>
+                <a:cs typeface="Times New Roman" panose="02020603050405020304" pitchFamily="18" charset="0"/>
+              </a:rPr>
+              <a:t> Notebooks</a:t>
+            </a:r>
+            <a:r>
+              <a:rPr lang="pt-BR" sz="2000" dirty="0">
+                <a:latin typeface="Times New Roman" panose="02020603050405020304" pitchFamily="18" charset="0"/>
+                <a:cs typeface="Times New Roman" panose="02020603050405020304" pitchFamily="18" charset="0"/>
+              </a:rPr>
+              <a:t> é interessante instalar o pacote </a:t>
+            </a:r>
+            <a:r>
+              <a:rPr lang="pt-BR" sz="2000" b="1" dirty="0">
+                <a:latin typeface="Times New Roman" panose="02020603050405020304" pitchFamily="18" charset="0"/>
+                <a:cs typeface="Times New Roman" panose="02020603050405020304" pitchFamily="18" charset="0"/>
+              </a:rPr>
+              <a:t>Anaconda</a:t>
+            </a:r>
+            <a:r>
+              <a:rPr lang="pt-BR" sz="2000" dirty="0">
+                <a:latin typeface="Times New Roman" panose="02020603050405020304" pitchFamily="18" charset="0"/>
+                <a:cs typeface="Times New Roman" panose="02020603050405020304" pitchFamily="18" charset="0"/>
+              </a:rPr>
+              <a:t>.</a:t>
+            </a:r>
+          </a:p>
+        </p:txBody>
+      </p:sp>
+    </p:spTree>
+    <p:extLst>
+      <p:ext uri="{BB962C8B-B14F-4D97-AF65-F5344CB8AC3E}">
+        <p14:creationId xmlns:p14="http://schemas.microsoft.com/office/powerpoint/2010/main" val="3789392544"/>
+      </p:ext>
+    </p:extLst>
+  </p:cSld>
+  <p:clrMapOvr>
+    <a:masterClrMapping/>
+  </p:clrMapOvr>
+  <p:transition spd="med"/>
+</p:sld>
+</file>
+
+<file path=ppt/slides/slide6.xml><?xml version="1.0" encoding="utf-8"?>
+<p:sld xmlns:a="http://schemas.openxmlformats.org/drawingml/2006/main" xmlns:r="http://schemas.openxmlformats.org/officeDocument/2006/relationships" xmlns:p="http://schemas.openxmlformats.org/presentationml/2006/main">
+  <p:cSld>
+    <p:spTree>
+      <p:nvGrpSpPr>
+        <p:cNvPr id="1" name=""/>
+        <p:cNvGrpSpPr/>
+        <p:nvPr/>
+      </p:nvGrpSpPr>
+      <p:grpSpPr>
+        <a:xfrm>
+          <a:off x="0" y="0"/>
+          <a:ext cx="0" cy="0"/>
+          <a:chOff x="0" y="0"/>
+          <a:chExt cx="0" cy="0"/>
+        </a:xfrm>
+      </p:grpSpPr>
+      <p:sp>
+        <p:nvSpPr>
+          <p:cNvPr id="6" name="Title 1"/>
+          <p:cNvSpPr>
+            <a:spLocks noGrp="1"/>
+          </p:cNvSpPr>
+          <p:nvPr>
+            <p:ph type="title"/>
+          </p:nvPr>
+        </p:nvSpPr>
+        <p:spPr>
+          <a:xfrm>
+            <a:off x="457200" y="205980"/>
+            <a:ext cx="8229600" cy="857251"/>
+          </a:xfrm>
+        </p:spPr>
+        <p:txBody>
+          <a:bodyPr>
+            <a:normAutofit fontScale="90000"/>
+          </a:bodyPr>
+          <a:lstStyle/>
+          <a:p>
+            <a:r>
+              <a:rPr lang="pt-BR" b="1" dirty="0">
+                <a:solidFill>
+                  <a:srgbClr val="0070C0"/>
+                </a:solidFill>
+              </a:rPr>
+              <a:t>Python com Big Data - Continuação</a:t>
+            </a:r>
+            <a:endParaRPr lang="en-US" b="1" dirty="0">
+              <a:solidFill>
+                <a:srgbClr val="0070C0"/>
+              </a:solidFill>
+            </a:endParaRPr>
+          </a:p>
+        </p:txBody>
+      </p:sp>
+      <p:sp>
+        <p:nvSpPr>
+          <p:cNvPr id="8" name="Text Placeholder 2"/>
+          <p:cNvSpPr>
+            <a:spLocks noGrp="1"/>
+          </p:cNvSpPr>
+          <p:nvPr>
+            <p:ph type="body" sz="half" idx="1"/>
+          </p:nvPr>
+        </p:nvSpPr>
+        <p:spPr>
+          <a:xfrm>
+            <a:off x="142865" y="1041654"/>
+            <a:ext cx="8865056" cy="3895866"/>
+          </a:xfrm>
+        </p:spPr>
+        <p:txBody>
+          <a:bodyPr>
+            <a:noAutofit/>
+          </a:bodyPr>
+          <a:lstStyle/>
+          <a:p>
+            <a:pPr marL="0" indent="0" algn="just">
+              <a:buNone/>
+            </a:pPr>
+            <a:r>
+              <a:rPr lang="pt-BR" sz="2000" b="1" dirty="0">
+                <a:solidFill>
+                  <a:srgbClr val="FF0000"/>
+                </a:solidFill>
+                <a:latin typeface="Times New Roman" panose="02020603050405020304" pitchFamily="18" charset="0"/>
+                <a:cs typeface="Times New Roman" panose="02020603050405020304" pitchFamily="18" charset="0"/>
+              </a:rPr>
+              <a:t>Ciência de Dados</a:t>
+            </a:r>
+          </a:p>
+          <a:p>
+            <a:pPr marL="0" indent="0" algn="just">
+              <a:buNone/>
+            </a:pPr>
+            <a:r>
+              <a:rPr lang="pt-BR" sz="2000" dirty="0">
+                <a:latin typeface="Times New Roman" panose="02020603050405020304" pitchFamily="18" charset="0"/>
+                <a:cs typeface="Times New Roman" panose="02020603050405020304" pitchFamily="18" charset="0"/>
+              </a:rPr>
+              <a:t>	Entender o </a:t>
+            </a:r>
+            <a:r>
+              <a:rPr lang="pt-BR" sz="2000" b="1" dirty="0">
+                <a:solidFill>
+                  <a:srgbClr val="FF0000"/>
+                </a:solidFill>
+                <a:latin typeface="Times New Roman" panose="02020603050405020304" pitchFamily="18" charset="0"/>
+                <a:cs typeface="Times New Roman" panose="02020603050405020304" pitchFamily="18" charset="0"/>
+              </a:rPr>
+              <a:t>problema(</a:t>
+            </a:r>
+            <a:r>
+              <a:rPr lang="pt-BR" sz="2000" b="1" dirty="0">
+                <a:solidFill>
+                  <a:schemeClr val="tx1"/>
+                </a:solidFill>
+                <a:latin typeface="Times New Roman" panose="02020603050405020304" pitchFamily="18" charset="0"/>
+                <a:cs typeface="Times New Roman" panose="02020603050405020304" pitchFamily="18" charset="0"/>
+              </a:rPr>
+              <a:t>qual a missão</a:t>
+            </a:r>
+            <a:r>
+              <a:rPr lang="pt-BR" sz="2000" b="1" dirty="0">
+                <a:solidFill>
+                  <a:srgbClr val="FF0000"/>
+                </a:solidFill>
+                <a:latin typeface="Times New Roman" panose="02020603050405020304" pitchFamily="18" charset="0"/>
+                <a:cs typeface="Times New Roman" panose="02020603050405020304" pitchFamily="18" charset="0"/>
+              </a:rPr>
+              <a:t>)/área de domínio</a:t>
+            </a:r>
+            <a:r>
+              <a:rPr lang="pt-BR" sz="2000" dirty="0">
+                <a:latin typeface="Times New Roman" panose="02020603050405020304" pitchFamily="18" charset="0"/>
+                <a:cs typeface="Times New Roman" panose="02020603050405020304" pitchFamily="18" charset="0"/>
+              </a:rPr>
+              <a:t> </a:t>
+            </a:r>
+          </a:p>
+          <a:p>
+            <a:pPr marL="0" indent="0" algn="just">
+              <a:buNone/>
+            </a:pPr>
+            <a:endParaRPr lang="pt-BR" sz="2000" dirty="0">
+              <a:latin typeface="Times New Roman" panose="02020603050405020304" pitchFamily="18" charset="0"/>
+              <a:cs typeface="Times New Roman" panose="02020603050405020304" pitchFamily="18" charset="0"/>
+            </a:endParaRPr>
+          </a:p>
+          <a:p>
+            <a:pPr algn="just">
+              <a:buFont typeface="Wingdings" panose="05000000000000000000" pitchFamily="2" charset="2"/>
+              <a:buChar char="§"/>
+            </a:pPr>
+            <a:r>
+              <a:rPr lang="pt-BR" sz="2000" dirty="0">
+                <a:latin typeface="Times New Roman" panose="02020603050405020304" pitchFamily="18" charset="0"/>
+                <a:cs typeface="Times New Roman" panose="02020603050405020304" pitchFamily="18" charset="0"/>
+              </a:rPr>
+              <a:t>ETL</a:t>
+            </a:r>
+          </a:p>
+          <a:p>
+            <a:pPr algn="just">
+              <a:buFont typeface="Wingdings" panose="05000000000000000000" pitchFamily="2" charset="2"/>
+              <a:buChar char="§"/>
+            </a:pPr>
+            <a:r>
+              <a:rPr lang="pt-BR" sz="2000" dirty="0">
+                <a:latin typeface="Times New Roman" panose="02020603050405020304" pitchFamily="18" charset="0"/>
+                <a:cs typeface="Times New Roman" panose="02020603050405020304" pitchFamily="18" charset="0"/>
+              </a:rPr>
+              <a:t>Ajuste de Dados (</a:t>
+            </a:r>
+            <a:r>
+              <a:rPr lang="pt-BR" sz="2000" b="1" dirty="0">
+                <a:latin typeface="Times New Roman" panose="02020603050405020304" pitchFamily="18" charset="0"/>
+                <a:cs typeface="Times New Roman" panose="02020603050405020304" pitchFamily="18" charset="0"/>
+              </a:rPr>
+              <a:t>Tratamento/Limpeza</a:t>
+            </a:r>
+            <a:r>
+              <a:rPr lang="pt-BR" sz="2000" dirty="0">
+                <a:latin typeface="Times New Roman" panose="02020603050405020304" pitchFamily="18" charset="0"/>
+                <a:cs typeface="Times New Roman" panose="02020603050405020304" pitchFamily="18" charset="0"/>
+              </a:rPr>
+              <a:t>)</a:t>
+            </a:r>
+          </a:p>
+          <a:p>
+            <a:pPr algn="just">
+              <a:buFont typeface="Wingdings" panose="05000000000000000000" pitchFamily="2" charset="2"/>
+              <a:buChar char="§"/>
+            </a:pPr>
+            <a:r>
+              <a:rPr lang="pt-BR" sz="2000" dirty="0">
+                <a:latin typeface="Times New Roman" panose="02020603050405020304" pitchFamily="18" charset="0"/>
+                <a:cs typeface="Times New Roman" panose="02020603050405020304" pitchFamily="18" charset="0"/>
+              </a:rPr>
+              <a:t>Análise Exploratória (</a:t>
+            </a:r>
+            <a:r>
+              <a:rPr lang="pt-BR" sz="2000" b="1" dirty="0">
+                <a:latin typeface="Times New Roman" panose="02020603050405020304" pitchFamily="18" charset="0"/>
+                <a:cs typeface="Times New Roman" panose="02020603050405020304" pitchFamily="18" charset="0"/>
+              </a:rPr>
+              <a:t>Correlação das Variáveis/Estatística Descritiva</a:t>
+            </a:r>
+            <a:r>
+              <a:rPr lang="pt-BR" sz="2000" dirty="0">
+                <a:latin typeface="Times New Roman" panose="02020603050405020304" pitchFamily="18" charset="0"/>
+                <a:cs typeface="Times New Roman" panose="02020603050405020304" pitchFamily="18" charset="0"/>
+              </a:rPr>
+              <a:t>)</a:t>
+            </a:r>
+          </a:p>
+          <a:p>
+            <a:pPr algn="just">
+              <a:buFont typeface="Wingdings" panose="05000000000000000000" pitchFamily="2" charset="2"/>
+              <a:buChar char="§"/>
+            </a:pPr>
+            <a:r>
+              <a:rPr lang="pt-BR" sz="2000" dirty="0">
+                <a:latin typeface="Times New Roman" panose="02020603050405020304" pitchFamily="18" charset="0"/>
+                <a:cs typeface="Times New Roman" panose="02020603050405020304" pitchFamily="18" charset="0"/>
+              </a:rPr>
+              <a:t>Modelagem/Algoritmos (</a:t>
+            </a:r>
+            <a:r>
+              <a:rPr lang="pt-BR" sz="2000" b="1" dirty="0">
+                <a:latin typeface="Times New Roman" panose="02020603050405020304" pitchFamily="18" charset="0"/>
+                <a:cs typeface="Times New Roman" panose="02020603050405020304" pitchFamily="18" charset="0"/>
+              </a:rPr>
+              <a:t>Definir um modelo, IA, se necessário</a:t>
+            </a:r>
+            <a:r>
+              <a:rPr lang="pt-BR" sz="2000" dirty="0">
+                <a:latin typeface="Times New Roman" panose="02020603050405020304" pitchFamily="18" charset="0"/>
+                <a:cs typeface="Times New Roman" panose="02020603050405020304" pitchFamily="18" charset="0"/>
+              </a:rPr>
+              <a:t>)</a:t>
+            </a:r>
+          </a:p>
+          <a:p>
+            <a:pPr lvl="1" algn="just">
+              <a:buFont typeface="Wingdings" panose="05000000000000000000" pitchFamily="2" charset="2"/>
+              <a:buChar char="§"/>
+            </a:pPr>
+            <a:r>
+              <a:rPr lang="pt-BR" sz="2000" dirty="0">
+                <a:latin typeface="Times New Roman" panose="02020603050405020304" pitchFamily="18" charset="0"/>
+                <a:cs typeface="Times New Roman" panose="02020603050405020304" pitchFamily="18" charset="0"/>
+              </a:rPr>
+              <a:t>IA (</a:t>
+            </a:r>
+            <a:r>
+              <a:rPr lang="pt-BR" sz="2000" b="1" dirty="0">
+                <a:solidFill>
+                  <a:schemeClr val="tx1"/>
+                </a:solidFill>
+                <a:latin typeface="Times New Roman" panose="02020603050405020304" pitchFamily="18" charset="0"/>
+                <a:cs typeface="Times New Roman" panose="02020603050405020304" pitchFamily="18" charset="0"/>
+              </a:rPr>
+              <a:t>Objetivo</a:t>
+            </a:r>
+            <a:r>
+              <a:rPr lang="pt-BR" sz="2000" b="1" dirty="0">
+                <a:solidFill>
+                  <a:srgbClr val="FF0000"/>
+                </a:solidFill>
+                <a:latin typeface="Times New Roman" panose="02020603050405020304" pitchFamily="18" charset="0"/>
+                <a:cs typeface="Times New Roman" panose="02020603050405020304" pitchFamily="18" charset="0"/>
+              </a:rPr>
+              <a:t>: Quem ela tem que prevê? Y(</a:t>
+            </a:r>
+            <a:r>
+              <a:rPr lang="pt-BR" sz="2000" b="1" dirty="0">
+                <a:solidFill>
+                  <a:schemeClr val="tx1"/>
+                </a:solidFill>
+                <a:latin typeface="Times New Roman" panose="02020603050405020304" pitchFamily="18" charset="0"/>
+                <a:cs typeface="Times New Roman" panose="02020603050405020304" pitchFamily="18" charset="0"/>
+              </a:rPr>
+              <a:t>previsão</a:t>
+            </a:r>
+            <a:r>
+              <a:rPr lang="pt-BR" sz="2000" b="1" dirty="0">
+                <a:solidFill>
+                  <a:srgbClr val="FF0000"/>
+                </a:solidFill>
+                <a:latin typeface="Times New Roman" panose="02020603050405020304" pitchFamily="18" charset="0"/>
+                <a:cs typeface="Times New Roman" panose="02020603050405020304" pitchFamily="18" charset="0"/>
+              </a:rPr>
+              <a:t>) </a:t>
+            </a:r>
+            <a:r>
+              <a:rPr lang="pt-BR" sz="2000" b="1" dirty="0" err="1">
+                <a:solidFill>
+                  <a:srgbClr val="FF0000"/>
+                </a:solidFill>
+                <a:latin typeface="Times New Roman" panose="02020603050405020304" pitchFamily="18" charset="0"/>
+                <a:cs typeface="Times New Roman" panose="02020603050405020304" pitchFamily="18" charset="0"/>
+              </a:rPr>
+              <a:t>vs</a:t>
+            </a:r>
+            <a:r>
+              <a:rPr lang="pt-BR" sz="2000" b="1" dirty="0">
+                <a:solidFill>
+                  <a:srgbClr val="FF0000"/>
+                </a:solidFill>
+                <a:latin typeface="Times New Roman" panose="02020603050405020304" pitchFamily="18" charset="0"/>
+                <a:cs typeface="Times New Roman" panose="02020603050405020304" pitchFamily="18" charset="0"/>
+              </a:rPr>
+              <a:t> X(</a:t>
+            </a:r>
+            <a:r>
+              <a:rPr lang="pt-BR" sz="2000" b="1" dirty="0">
+                <a:solidFill>
+                  <a:schemeClr val="tx1"/>
+                </a:solidFill>
+                <a:latin typeface="Times New Roman" panose="02020603050405020304" pitchFamily="18" charset="0"/>
+                <a:cs typeface="Times New Roman" panose="02020603050405020304" pitchFamily="18" charset="0"/>
+              </a:rPr>
+              <a:t>Características</a:t>
+            </a:r>
+            <a:r>
+              <a:rPr lang="pt-BR" sz="2000" dirty="0">
+                <a:latin typeface="Times New Roman" panose="02020603050405020304" pitchFamily="18" charset="0"/>
+                <a:cs typeface="Times New Roman" panose="02020603050405020304" pitchFamily="18" charset="0"/>
+              </a:rPr>
+              <a:t>)</a:t>
+            </a:r>
+          </a:p>
+          <a:p>
+            <a:pPr algn="just">
+              <a:buFont typeface="Wingdings" panose="05000000000000000000" pitchFamily="2" charset="2"/>
+              <a:buChar char="§"/>
+            </a:pPr>
+            <a:r>
+              <a:rPr lang="pt-BR" sz="2000" dirty="0">
+                <a:latin typeface="Times New Roman" panose="02020603050405020304" pitchFamily="18" charset="0"/>
+                <a:cs typeface="Times New Roman" panose="02020603050405020304" pitchFamily="18" charset="0"/>
+              </a:rPr>
+              <a:t>Interpretação de Resultados (</a:t>
+            </a:r>
+            <a:r>
+              <a:rPr lang="pt-BR" sz="2000" b="1" dirty="0">
+                <a:latin typeface="Times New Roman" panose="02020603050405020304" pitchFamily="18" charset="0"/>
+                <a:cs typeface="Times New Roman" panose="02020603050405020304" pitchFamily="18" charset="0"/>
+              </a:rPr>
+              <a:t>Análise/Tomar Decisões</a:t>
+            </a:r>
+            <a:r>
+              <a:rPr lang="pt-BR" sz="2000" dirty="0">
+                <a:latin typeface="Times New Roman" panose="02020603050405020304" pitchFamily="18" charset="0"/>
+                <a:cs typeface="Times New Roman" panose="02020603050405020304" pitchFamily="18" charset="0"/>
+              </a:rPr>
+              <a:t>)</a:t>
+            </a:r>
+          </a:p>
+          <a:p>
+            <a:pPr algn="just">
+              <a:buFont typeface="Wingdings" panose="05000000000000000000" pitchFamily="2" charset="2"/>
+              <a:buChar char="§"/>
+            </a:pPr>
+            <a:r>
+              <a:rPr lang="pt-BR" sz="2000" dirty="0">
+                <a:latin typeface="Times New Roman" panose="02020603050405020304" pitchFamily="18" charset="0"/>
+                <a:cs typeface="Times New Roman" panose="02020603050405020304" pitchFamily="18" charset="0"/>
+              </a:rPr>
+              <a:t>Previsões (</a:t>
+            </a:r>
+            <a:r>
+              <a:rPr lang="pt-BR" sz="2000" b="1" dirty="0">
+                <a:latin typeface="Times New Roman" panose="02020603050405020304" pitchFamily="18" charset="0"/>
+                <a:cs typeface="Times New Roman" panose="02020603050405020304" pitchFamily="18" charset="0"/>
+              </a:rPr>
+              <a:t>Estimativas/Futuro</a:t>
+            </a:r>
+            <a:r>
+              <a:rPr lang="pt-BR" sz="2000" dirty="0">
+                <a:latin typeface="Times New Roman" panose="02020603050405020304" pitchFamily="18" charset="0"/>
+                <a:cs typeface="Times New Roman" panose="02020603050405020304" pitchFamily="18" charset="0"/>
+              </a:rPr>
+              <a:t>)</a:t>
+            </a:r>
+          </a:p>
+          <a:p>
+            <a:pPr marL="0" indent="0" algn="just">
+              <a:buNone/>
+            </a:pPr>
+            <a:endParaRPr lang="pt-BR" sz="2000" dirty="0">
+              <a:latin typeface="Times New Roman" panose="02020603050405020304" pitchFamily="18" charset="0"/>
+              <a:cs typeface="Times New Roman" panose="02020603050405020304" pitchFamily="18" charset="0"/>
+            </a:endParaRPr>
+          </a:p>
+        </p:txBody>
+      </p:sp>
+    </p:spTree>
+    <p:extLst>
+      <p:ext uri="{BB962C8B-B14F-4D97-AF65-F5344CB8AC3E}">
+        <p14:creationId xmlns:p14="http://schemas.microsoft.com/office/powerpoint/2010/main" val="3131189573"/>
+      </p:ext>
+    </p:extLst>
+  </p:cSld>
+  <p:clrMapOvr>
+    <a:masterClrMapping/>
+  </p:clrMapOvr>
+  <p:transition spd="med"/>
+</p:sld>
+</file>
+
+<file path=ppt/slides/slide7.xml><?xml version="1.0" encoding="utf-8"?>
+<p:sld xmlns:a="http://schemas.openxmlformats.org/drawingml/2006/main" xmlns:r="http://schemas.openxmlformats.org/officeDocument/2006/relationships" xmlns:p="http://schemas.openxmlformats.org/presentationml/2006/main">
+  <p:cSld>
+    <p:spTree>
+      <p:nvGrpSpPr>
+        <p:cNvPr id="1" name=""/>
+        <p:cNvGrpSpPr/>
+        <p:nvPr/>
+      </p:nvGrpSpPr>
+      <p:grpSpPr>
+        <a:xfrm>
+          <a:off x="0" y="0"/>
+          <a:ext cx="0" cy="0"/>
+          <a:chOff x="0" y="0"/>
+          <a:chExt cx="0" cy="0"/>
+        </a:xfrm>
+      </p:grpSpPr>
+      <p:sp>
+        <p:nvSpPr>
+          <p:cNvPr id="6" name="Title 1"/>
+          <p:cNvSpPr>
+            <a:spLocks noGrp="1"/>
+          </p:cNvSpPr>
+          <p:nvPr>
+            <p:ph type="title"/>
+          </p:nvPr>
+        </p:nvSpPr>
+        <p:spPr>
+          <a:xfrm>
+            <a:off x="457200" y="205980"/>
+            <a:ext cx="8229600" cy="857251"/>
+          </a:xfrm>
+        </p:spPr>
+        <p:txBody>
+          <a:bodyPr>
+            <a:normAutofit fontScale="90000"/>
+          </a:bodyPr>
+          <a:lstStyle/>
+          <a:p>
+            <a:r>
+              <a:rPr lang="pt-BR" b="1" dirty="0">
+                <a:solidFill>
+                  <a:srgbClr val="0070C0"/>
+                </a:solidFill>
+              </a:rPr>
+              <a:t>Python com Big Data - Continuação</a:t>
+            </a:r>
+            <a:endParaRPr lang="en-US" b="1" dirty="0">
+              <a:solidFill>
+                <a:srgbClr val="0070C0"/>
+              </a:solidFill>
+            </a:endParaRPr>
+          </a:p>
+        </p:txBody>
+      </p:sp>
+      <p:sp>
+        <p:nvSpPr>
+          <p:cNvPr id="8" name="Text Placeholder 2"/>
+          <p:cNvSpPr>
+            <a:spLocks noGrp="1"/>
+          </p:cNvSpPr>
+          <p:nvPr>
+            <p:ph type="body" sz="half" idx="1"/>
+          </p:nvPr>
+        </p:nvSpPr>
+        <p:spPr>
+          <a:xfrm>
+            <a:off x="142865" y="980694"/>
+            <a:ext cx="8865056" cy="4091178"/>
+          </a:xfrm>
+        </p:spPr>
+        <p:txBody>
+          <a:bodyPr>
+            <a:noAutofit/>
+          </a:bodyPr>
+          <a:lstStyle/>
+          <a:p>
+            <a:pPr marL="0" indent="0" algn="just">
+              <a:buNone/>
+            </a:pPr>
+            <a:r>
+              <a:rPr lang="pt-BR" sz="2000" dirty="0">
+                <a:latin typeface="Times New Roman" panose="02020603050405020304" pitchFamily="18" charset="0"/>
+                <a:cs typeface="Times New Roman" panose="02020603050405020304" pitchFamily="18" charset="0"/>
+              </a:rPr>
+              <a:t># </a:t>
+            </a:r>
+            <a:r>
+              <a:rPr lang="pt-BR" sz="2000" b="1" dirty="0">
+                <a:latin typeface="Times New Roman" panose="02020603050405020304" pitchFamily="18" charset="0"/>
+                <a:cs typeface="Times New Roman" panose="02020603050405020304" pitchFamily="18" charset="0"/>
+              </a:rPr>
+              <a:t>1. ETL (</a:t>
+            </a:r>
+            <a:r>
+              <a:rPr lang="pt-BR" sz="2000" b="1" dirty="0" err="1">
+                <a:latin typeface="Times New Roman" panose="02020603050405020304" pitchFamily="18" charset="0"/>
+                <a:cs typeface="Times New Roman" panose="02020603050405020304" pitchFamily="18" charset="0"/>
+              </a:rPr>
+              <a:t>VSCode</a:t>
+            </a:r>
+            <a:r>
+              <a:rPr lang="pt-BR" sz="2000" b="1" dirty="0">
+                <a:latin typeface="Times New Roman" panose="02020603050405020304" pitchFamily="18" charset="0"/>
+                <a:cs typeface="Times New Roman" panose="02020603050405020304" pitchFamily="18" charset="0"/>
+              </a:rPr>
+              <a:t>: </a:t>
+            </a:r>
+            <a:r>
+              <a:rPr lang="pt-BR" sz="2000" b="1" dirty="0">
+                <a:solidFill>
+                  <a:srgbClr val="FF0000"/>
+                </a:solidFill>
+                <a:latin typeface="Times New Roman" panose="02020603050405020304" pitchFamily="18" charset="0"/>
+                <a:cs typeface="Times New Roman" panose="02020603050405020304" pitchFamily="18" charset="0"/>
+              </a:rPr>
+              <a:t>pandas; </a:t>
+            </a:r>
+            <a:r>
+              <a:rPr lang="pt-BR" sz="2000" b="1" dirty="0" err="1">
+                <a:solidFill>
+                  <a:srgbClr val="FF0000"/>
+                </a:solidFill>
+                <a:latin typeface="Times New Roman" panose="02020603050405020304" pitchFamily="18" charset="0"/>
+                <a:cs typeface="Times New Roman" panose="02020603050405020304" pitchFamily="18" charset="0"/>
+              </a:rPr>
+              <a:t>numpy</a:t>
+            </a:r>
+            <a:r>
+              <a:rPr lang="pt-BR" sz="2000" b="1" dirty="0">
+                <a:solidFill>
+                  <a:srgbClr val="FF0000"/>
+                </a:solidFill>
+                <a:latin typeface="Times New Roman" panose="02020603050405020304" pitchFamily="18" charset="0"/>
+                <a:cs typeface="Times New Roman" panose="02020603050405020304" pitchFamily="18" charset="0"/>
+              </a:rPr>
+              <a:t>; </a:t>
+            </a:r>
+            <a:r>
+              <a:rPr lang="pt-BR" sz="2000" b="1" dirty="0" err="1">
+                <a:solidFill>
+                  <a:srgbClr val="FF0000"/>
+                </a:solidFill>
+                <a:latin typeface="Times New Roman" panose="02020603050405020304" pitchFamily="18" charset="0"/>
+                <a:cs typeface="Times New Roman" panose="02020603050405020304" pitchFamily="18" charset="0"/>
+              </a:rPr>
+              <a:t>openpyxl</a:t>
+            </a:r>
+            <a:r>
+              <a:rPr lang="pt-BR" sz="2000" b="1" dirty="0">
+                <a:latin typeface="Times New Roman" panose="02020603050405020304" pitchFamily="18" charset="0"/>
+                <a:cs typeface="Times New Roman" panose="02020603050405020304" pitchFamily="18" charset="0"/>
+              </a:rPr>
+              <a:t>)</a:t>
+            </a:r>
+          </a:p>
+          <a:p>
+            <a:pPr marL="0" indent="0" algn="just">
+              <a:buNone/>
+            </a:pPr>
+            <a:r>
+              <a:rPr lang="pt-BR" sz="2000" b="1" dirty="0" err="1">
+                <a:latin typeface="Times New Roman" panose="02020603050405020304" pitchFamily="18" charset="0"/>
+                <a:cs typeface="Times New Roman" panose="02020603050405020304" pitchFamily="18" charset="0"/>
+              </a:rPr>
+              <a:t>import</a:t>
+            </a:r>
+            <a:r>
+              <a:rPr lang="pt-BR" sz="2000" dirty="0">
+                <a:latin typeface="Times New Roman" panose="02020603050405020304" pitchFamily="18" charset="0"/>
+                <a:cs typeface="Times New Roman" panose="02020603050405020304" pitchFamily="18" charset="0"/>
+              </a:rPr>
+              <a:t> pandas as </a:t>
+            </a:r>
+            <a:r>
+              <a:rPr lang="pt-BR" sz="2000" dirty="0" err="1">
+                <a:latin typeface="Times New Roman" panose="02020603050405020304" pitchFamily="18" charset="0"/>
+                <a:cs typeface="Times New Roman" panose="02020603050405020304" pitchFamily="18" charset="0"/>
+              </a:rPr>
+              <a:t>pd</a:t>
+            </a:r>
+            <a:endParaRPr lang="pt-BR" sz="2000" dirty="0">
+              <a:latin typeface="Times New Roman" panose="02020603050405020304" pitchFamily="18" charset="0"/>
+              <a:cs typeface="Times New Roman" panose="02020603050405020304" pitchFamily="18" charset="0"/>
+            </a:endParaRPr>
+          </a:p>
+          <a:p>
+            <a:pPr marL="0" indent="0" algn="just">
+              <a:buNone/>
+            </a:pPr>
+            <a:r>
+              <a:rPr lang="pt-BR" sz="2000" dirty="0">
+                <a:latin typeface="Times New Roman" panose="02020603050405020304" pitchFamily="18" charset="0"/>
+                <a:cs typeface="Times New Roman" panose="02020603050405020304" pitchFamily="18" charset="0"/>
+              </a:rPr>
+              <a:t>entidade = </a:t>
+            </a:r>
+            <a:r>
+              <a:rPr lang="pt-BR" sz="2000" dirty="0" err="1">
+                <a:latin typeface="Times New Roman" panose="02020603050405020304" pitchFamily="18" charset="0"/>
+                <a:cs typeface="Times New Roman" panose="02020603050405020304" pitchFamily="18" charset="0"/>
+              </a:rPr>
+              <a:t>pd.read_csv</a:t>
+            </a:r>
+            <a:r>
+              <a:rPr lang="pt-BR" sz="2000" dirty="0">
+                <a:latin typeface="Times New Roman" panose="02020603050405020304" pitchFamily="18" charset="0"/>
+                <a:cs typeface="Times New Roman" panose="02020603050405020304" pitchFamily="18" charset="0"/>
+              </a:rPr>
+              <a:t>('</a:t>
+            </a:r>
+            <a:r>
+              <a:rPr lang="pt-BR" sz="2000" dirty="0" err="1">
+                <a:latin typeface="Times New Roman" panose="02020603050405020304" pitchFamily="18" charset="0"/>
+                <a:cs typeface="Times New Roman" panose="02020603050405020304" pitchFamily="18" charset="0"/>
+              </a:rPr>
+              <a:t>sample_data</a:t>
+            </a:r>
+            <a:r>
+              <a:rPr lang="pt-BR" sz="2000" dirty="0">
+                <a:latin typeface="Times New Roman" panose="02020603050405020304" pitchFamily="18" charset="0"/>
+                <a:cs typeface="Times New Roman" panose="02020603050405020304" pitchFamily="18" charset="0"/>
+              </a:rPr>
+              <a:t>/california.csv', </a:t>
+            </a:r>
+            <a:r>
+              <a:rPr lang="pt-BR" sz="2000" dirty="0" err="1">
+                <a:latin typeface="Times New Roman" panose="02020603050405020304" pitchFamily="18" charset="0"/>
+                <a:cs typeface="Times New Roman" panose="02020603050405020304" pitchFamily="18" charset="0"/>
+              </a:rPr>
+              <a:t>sep</a:t>
+            </a:r>
+            <a:r>
+              <a:rPr lang="pt-BR" sz="2000">
+                <a:latin typeface="Times New Roman" panose="02020603050405020304" pitchFamily="18" charset="0"/>
+                <a:cs typeface="Times New Roman" panose="02020603050405020304" pitchFamily="18" charset="0"/>
+              </a:rPr>
+              <a:t>=‘;’) </a:t>
+            </a:r>
+            <a:r>
+              <a:rPr lang="pt-BR" sz="2000" dirty="0">
+                <a:latin typeface="Times New Roman" panose="02020603050405020304" pitchFamily="18" charset="0"/>
+                <a:cs typeface="Times New Roman" panose="02020603050405020304" pitchFamily="18" charset="0"/>
+              </a:rPr>
+              <a:t>#</a:t>
+            </a:r>
+            <a:r>
+              <a:rPr lang="pt-BR" sz="2000" b="1" dirty="0">
+                <a:latin typeface="Times New Roman" panose="02020603050405020304" pitchFamily="18" charset="0"/>
+                <a:cs typeface="Times New Roman" panose="02020603050405020304" pitchFamily="18" charset="0"/>
+              </a:rPr>
+              <a:t>enconding</a:t>
+            </a:r>
+            <a:r>
+              <a:rPr lang="pt-BR" sz="2000" dirty="0">
+                <a:latin typeface="Times New Roman" panose="02020603050405020304" pitchFamily="18" charset="0"/>
+                <a:cs typeface="Times New Roman" panose="02020603050405020304" pitchFamily="18" charset="0"/>
+              </a:rPr>
+              <a:t>=‘encode’</a:t>
+            </a:r>
+          </a:p>
+          <a:p>
+            <a:pPr marL="0" indent="0" algn="just">
+              <a:buNone/>
+            </a:pPr>
+            <a:r>
+              <a:rPr lang="pt-BR" sz="2000" b="1" dirty="0">
+                <a:latin typeface="Times New Roman" panose="02020603050405020304" pitchFamily="18" charset="0"/>
+                <a:cs typeface="Times New Roman" panose="02020603050405020304" pitchFamily="18" charset="0"/>
+              </a:rPr>
+              <a:t>display</a:t>
+            </a:r>
+            <a:r>
+              <a:rPr lang="pt-BR" sz="2000" dirty="0">
+                <a:latin typeface="Times New Roman" panose="02020603050405020304" pitchFamily="18" charset="0"/>
+                <a:cs typeface="Times New Roman" panose="02020603050405020304" pitchFamily="18" charset="0"/>
+              </a:rPr>
+              <a:t>(entidade) # display só existe no </a:t>
+            </a:r>
+            <a:r>
+              <a:rPr lang="pt-BR" sz="2000" dirty="0" err="1">
+                <a:latin typeface="Times New Roman" panose="02020603050405020304" pitchFamily="18" charset="0"/>
+                <a:cs typeface="Times New Roman" panose="02020603050405020304" pitchFamily="18" charset="0"/>
+              </a:rPr>
+              <a:t>Jupyter</a:t>
+            </a:r>
+            <a:endParaRPr lang="pt-BR" sz="2000" dirty="0">
+              <a:latin typeface="Times New Roman" panose="02020603050405020304" pitchFamily="18" charset="0"/>
+              <a:cs typeface="Times New Roman" panose="02020603050405020304" pitchFamily="18" charset="0"/>
+            </a:endParaRPr>
+          </a:p>
+          <a:p>
+            <a:pPr marL="0" indent="0" algn="just">
+              <a:buNone/>
+            </a:pPr>
+            <a:endParaRPr lang="pt-BR" sz="2000" dirty="0">
+              <a:latin typeface="Times New Roman" panose="02020603050405020304" pitchFamily="18" charset="0"/>
+              <a:cs typeface="Times New Roman" panose="02020603050405020304" pitchFamily="18" charset="0"/>
+            </a:endParaRPr>
+          </a:p>
+          <a:p>
+            <a:pPr marL="0" indent="0" algn="just">
+              <a:buNone/>
+            </a:pPr>
+            <a:r>
+              <a:rPr lang="pt-BR" sz="2000" dirty="0">
+                <a:latin typeface="Times New Roman" panose="02020603050405020304" pitchFamily="18" charset="0"/>
+                <a:cs typeface="Times New Roman" panose="02020603050405020304" pitchFamily="18" charset="0"/>
+              </a:rPr>
+              <a:t># </a:t>
+            </a:r>
+            <a:r>
+              <a:rPr lang="pt-BR" sz="2000" b="1" dirty="0">
+                <a:latin typeface="Times New Roman" panose="02020603050405020304" pitchFamily="18" charset="0"/>
+                <a:cs typeface="Times New Roman" panose="02020603050405020304" pitchFamily="18" charset="0"/>
+              </a:rPr>
+              <a:t>2. Ajuste de Dados (</a:t>
+            </a:r>
+            <a:r>
+              <a:rPr lang="pt-BR" sz="2000" b="1" dirty="0">
+                <a:solidFill>
+                  <a:srgbClr val="FF0000"/>
+                </a:solidFill>
+                <a:latin typeface="Times New Roman" panose="02020603050405020304" pitchFamily="18" charset="0"/>
+                <a:cs typeface="Times New Roman" panose="02020603050405020304" pitchFamily="18" charset="0"/>
+              </a:rPr>
+              <a:t>Preparação do </a:t>
+            </a:r>
+            <a:r>
+              <a:rPr lang="pt-BR" sz="2000" b="1" dirty="0" err="1">
+                <a:solidFill>
+                  <a:srgbClr val="FF0000"/>
+                </a:solidFill>
+                <a:latin typeface="Times New Roman" panose="02020603050405020304" pitchFamily="18" charset="0"/>
+                <a:cs typeface="Times New Roman" panose="02020603050405020304" pitchFamily="18" charset="0"/>
+              </a:rPr>
+              <a:t>dataset</a:t>
+            </a:r>
+            <a:r>
+              <a:rPr lang="pt-BR" sz="2000" b="1" dirty="0">
+                <a:solidFill>
+                  <a:srgbClr val="FF0000"/>
+                </a:solidFill>
+                <a:latin typeface="Times New Roman" panose="02020603050405020304" pitchFamily="18" charset="0"/>
+                <a:cs typeface="Times New Roman" panose="02020603050405020304" pitchFamily="18" charset="0"/>
+              </a:rPr>
+              <a:t> - limpeza</a:t>
+            </a:r>
+            <a:r>
+              <a:rPr lang="pt-BR" sz="2000" b="1" dirty="0">
+                <a:latin typeface="Times New Roman" panose="02020603050405020304" pitchFamily="18" charset="0"/>
+                <a:cs typeface="Times New Roman" panose="02020603050405020304" pitchFamily="18" charset="0"/>
+              </a:rPr>
+              <a:t>)</a:t>
+            </a:r>
+          </a:p>
+          <a:p>
+            <a:pPr marL="0" indent="0" algn="just">
+              <a:buNone/>
+            </a:pPr>
+            <a:r>
+              <a:rPr lang="pt-BR" sz="2000" b="1" dirty="0">
+                <a:latin typeface="Times New Roman" panose="02020603050405020304" pitchFamily="18" charset="0"/>
+                <a:cs typeface="Times New Roman" panose="02020603050405020304" pitchFamily="18" charset="0"/>
+              </a:rPr>
+              <a:t>print</a:t>
+            </a:r>
+            <a:r>
+              <a:rPr lang="pt-BR" sz="2000" dirty="0">
+                <a:latin typeface="Times New Roman" panose="02020603050405020304" pitchFamily="18" charset="0"/>
+                <a:cs typeface="Times New Roman" panose="02020603050405020304" pitchFamily="18" charset="0"/>
+              </a:rPr>
+              <a:t>(entidade.</a:t>
+            </a:r>
+            <a:r>
+              <a:rPr lang="pt-BR" sz="2000" b="1" dirty="0">
+                <a:latin typeface="Times New Roman" panose="02020603050405020304" pitchFamily="18" charset="0"/>
+                <a:cs typeface="Times New Roman" panose="02020603050405020304" pitchFamily="18" charset="0"/>
+              </a:rPr>
+              <a:t>info</a:t>
+            </a:r>
+            <a:r>
+              <a:rPr lang="pt-BR" sz="2000" dirty="0">
+                <a:latin typeface="Times New Roman" panose="02020603050405020304" pitchFamily="18" charset="0"/>
+                <a:cs typeface="Times New Roman" panose="02020603050405020304" pitchFamily="18" charset="0"/>
+              </a:rPr>
+              <a:t>())</a:t>
+            </a:r>
+          </a:p>
+          <a:p>
+            <a:pPr marL="0" indent="0" algn="just">
+              <a:buNone/>
+            </a:pPr>
+            <a:r>
+              <a:rPr lang="pt-BR" sz="2000" dirty="0">
+                <a:latin typeface="Times New Roman" panose="02020603050405020304" pitchFamily="18" charset="0"/>
+                <a:cs typeface="Times New Roman" panose="02020603050405020304" pitchFamily="18" charset="0"/>
+              </a:rPr>
+              <a:t>#entidade.</a:t>
+            </a:r>
+            <a:r>
+              <a:rPr lang="pt-BR" sz="2000" b="1" dirty="0">
+                <a:latin typeface="Times New Roman" panose="02020603050405020304" pitchFamily="18" charset="0"/>
+                <a:cs typeface="Times New Roman" panose="02020603050405020304" pitchFamily="18" charset="0"/>
+              </a:rPr>
+              <a:t>head</a:t>
+            </a:r>
+            <a:r>
+              <a:rPr lang="pt-BR" sz="2000" dirty="0">
+                <a:latin typeface="Times New Roman" panose="02020603050405020304" pitchFamily="18" charset="0"/>
+                <a:cs typeface="Times New Roman" panose="02020603050405020304" pitchFamily="18" charset="0"/>
+              </a:rPr>
+              <a:t>()/</a:t>
+            </a:r>
+            <a:r>
+              <a:rPr lang="pt-BR" sz="2000" b="1" dirty="0">
+                <a:latin typeface="Times New Roman" panose="02020603050405020304" pitchFamily="18" charset="0"/>
+                <a:cs typeface="Times New Roman" panose="02020603050405020304" pitchFamily="18" charset="0"/>
+              </a:rPr>
+              <a:t>tail</a:t>
+            </a:r>
+            <a:r>
+              <a:rPr lang="pt-BR" sz="2000" dirty="0">
+                <a:latin typeface="Times New Roman" panose="02020603050405020304" pitchFamily="18" charset="0"/>
+                <a:cs typeface="Times New Roman" panose="02020603050405020304" pitchFamily="18" charset="0"/>
+              </a:rPr>
+              <a:t>(); </a:t>
+            </a:r>
+            <a:r>
+              <a:rPr lang="pt-BR" sz="2000" dirty="0" err="1">
+                <a:latin typeface="Times New Roman" panose="02020603050405020304" pitchFamily="18" charset="0"/>
+                <a:cs typeface="Times New Roman" panose="02020603050405020304" pitchFamily="18" charset="0"/>
+              </a:rPr>
+              <a:t>entidade.</a:t>
+            </a:r>
+            <a:r>
+              <a:rPr lang="pt-BR" sz="2000" b="1" dirty="0" err="1">
+                <a:latin typeface="Times New Roman" panose="02020603050405020304" pitchFamily="18" charset="0"/>
+                <a:cs typeface="Times New Roman" panose="02020603050405020304" pitchFamily="18" charset="0"/>
+              </a:rPr>
+              <a:t>describe</a:t>
+            </a:r>
+            <a:r>
+              <a:rPr lang="pt-BR" sz="2000" dirty="0">
+                <a:latin typeface="Times New Roman" panose="02020603050405020304" pitchFamily="18" charset="0"/>
+                <a:cs typeface="Times New Roman" panose="02020603050405020304" pitchFamily="18" charset="0"/>
+              </a:rPr>
+              <a:t>(), </a:t>
+            </a:r>
+            <a:r>
+              <a:rPr lang="pt-BR" sz="2000" dirty="0" err="1">
+                <a:latin typeface="Times New Roman" panose="02020603050405020304" pitchFamily="18" charset="0"/>
+                <a:cs typeface="Times New Roman" panose="02020603050405020304" pitchFamily="18" charset="0"/>
+              </a:rPr>
+              <a:t>entidade.</a:t>
+            </a:r>
+            <a:r>
+              <a:rPr lang="pt-BR" sz="2000" b="1" dirty="0" err="1">
+                <a:latin typeface="Times New Roman" panose="02020603050405020304" pitchFamily="18" charset="0"/>
+                <a:cs typeface="Times New Roman" panose="02020603050405020304" pitchFamily="18" charset="0"/>
+              </a:rPr>
+              <a:t>dtypes</a:t>
+            </a:r>
+            <a:r>
+              <a:rPr lang="pt-BR" sz="2000" dirty="0">
+                <a:latin typeface="Times New Roman" panose="02020603050405020304" pitchFamily="18" charset="0"/>
+                <a:cs typeface="Times New Roman" panose="02020603050405020304" pitchFamily="18" charset="0"/>
+              </a:rPr>
+              <a:t>; </a:t>
+            </a:r>
+            <a:r>
+              <a:rPr lang="pt-BR" sz="2000" dirty="0" err="1">
+                <a:latin typeface="Times New Roman" panose="02020603050405020304" pitchFamily="18" charset="0"/>
+                <a:cs typeface="Times New Roman" panose="02020603050405020304" pitchFamily="18" charset="0"/>
+              </a:rPr>
+              <a:t>entidade.</a:t>
+            </a:r>
+            <a:r>
+              <a:rPr lang="pt-BR" sz="2000" b="1" dirty="0" err="1">
+                <a:latin typeface="Times New Roman" panose="02020603050405020304" pitchFamily="18" charset="0"/>
+                <a:cs typeface="Times New Roman" panose="02020603050405020304" pitchFamily="18" charset="0"/>
+              </a:rPr>
+              <a:t>count</a:t>
+            </a:r>
+            <a:r>
+              <a:rPr lang="pt-BR" sz="2000" dirty="0">
+                <a:latin typeface="Times New Roman" panose="02020603050405020304" pitchFamily="18" charset="0"/>
+                <a:cs typeface="Times New Roman" panose="02020603050405020304" pitchFamily="18" charset="0"/>
+              </a:rPr>
+              <a:t>();</a:t>
+            </a:r>
+          </a:p>
+          <a:p>
+            <a:pPr marL="0" indent="0" algn="just">
+              <a:buNone/>
+            </a:pPr>
+            <a:r>
+              <a:rPr lang="pt-BR" sz="2000" dirty="0">
+                <a:latin typeface="Times New Roman" panose="02020603050405020304" pitchFamily="18" charset="0"/>
+                <a:cs typeface="Times New Roman" panose="02020603050405020304" pitchFamily="18" charset="0"/>
+              </a:rPr>
+              <a:t># entidade</a:t>
+            </a:r>
+            <a:r>
+              <a:rPr lang="pt-BR" sz="2000" b="1" dirty="0">
+                <a:latin typeface="Times New Roman" panose="02020603050405020304" pitchFamily="18" charset="0"/>
+                <a:cs typeface="Times New Roman" panose="02020603050405020304" pitchFamily="18" charset="0"/>
+              </a:rPr>
+              <a:t>[atributo].</a:t>
+            </a:r>
+            <a:r>
+              <a:rPr lang="pt-BR" sz="2000" dirty="0">
+                <a:latin typeface="Times New Roman" panose="02020603050405020304" pitchFamily="18" charset="0"/>
+                <a:cs typeface="Times New Roman" panose="02020603050405020304" pitchFamily="18" charset="0"/>
+              </a:rPr>
+              <a:t>método - entidade</a:t>
+            </a:r>
+            <a:r>
+              <a:rPr lang="pt-BR" sz="2000" b="1" dirty="0">
+                <a:latin typeface="Times New Roman" panose="02020603050405020304" pitchFamily="18" charset="0"/>
+                <a:cs typeface="Times New Roman" panose="02020603050405020304" pitchFamily="18" charset="0"/>
+              </a:rPr>
+              <a:t>[atributo].</a:t>
+            </a:r>
+            <a:r>
+              <a:rPr lang="pt-BR" sz="2000" b="1" dirty="0" err="1">
+                <a:latin typeface="Times New Roman" panose="02020603050405020304" pitchFamily="18" charset="0"/>
+                <a:cs typeface="Times New Roman" panose="02020603050405020304" pitchFamily="18" charset="0"/>
+              </a:rPr>
+              <a:t>value_counts</a:t>
+            </a:r>
+            <a:r>
+              <a:rPr lang="pt-BR" sz="2000" dirty="0">
+                <a:latin typeface="Times New Roman" panose="02020603050405020304" pitchFamily="18" charset="0"/>
+                <a:cs typeface="Times New Roman" panose="02020603050405020304" pitchFamily="18" charset="0"/>
+              </a:rPr>
+              <a:t>();</a:t>
+            </a:r>
+          </a:p>
+          <a:p>
+            <a:pPr marL="0" indent="0" algn="just">
+              <a:buNone/>
+            </a:pPr>
+            <a:r>
+              <a:rPr lang="pt-BR" sz="2000" dirty="0">
+                <a:latin typeface="Times New Roman" panose="02020603050405020304" pitchFamily="18" charset="0"/>
+                <a:cs typeface="Times New Roman" panose="02020603050405020304" pitchFamily="18" charset="0"/>
+              </a:rPr>
+              <a:t>%</a:t>
+            </a:r>
+            <a:r>
+              <a:rPr lang="pt-BR" sz="2000" b="1" dirty="0" err="1">
+                <a:solidFill>
+                  <a:srgbClr val="FF0000"/>
+                </a:solidFill>
+                <a:latin typeface="Times New Roman" panose="02020603050405020304" pitchFamily="18" charset="0"/>
+                <a:cs typeface="Times New Roman" panose="02020603050405020304" pitchFamily="18" charset="0"/>
+              </a:rPr>
+              <a:t>matplotlib</a:t>
+            </a:r>
+            <a:r>
+              <a:rPr lang="pt-BR" sz="2000" dirty="0">
+                <a:solidFill>
+                  <a:srgbClr val="FF0000"/>
+                </a:solidFill>
+                <a:latin typeface="Times New Roman" panose="02020603050405020304" pitchFamily="18" charset="0"/>
+                <a:cs typeface="Times New Roman" panose="02020603050405020304" pitchFamily="18" charset="0"/>
+              </a:rPr>
+              <a:t> </a:t>
+            </a:r>
+            <a:r>
+              <a:rPr lang="pt-BR" sz="2000" b="1" dirty="0" err="1">
+                <a:solidFill>
+                  <a:srgbClr val="FF0000"/>
+                </a:solidFill>
+                <a:latin typeface="Times New Roman" panose="02020603050405020304" pitchFamily="18" charset="0"/>
+                <a:cs typeface="Times New Roman" panose="02020603050405020304" pitchFamily="18" charset="0"/>
+              </a:rPr>
+              <a:t>inline</a:t>
+            </a:r>
+            <a:endParaRPr lang="pt-BR" sz="2000" b="1" dirty="0">
+              <a:solidFill>
+                <a:srgbClr val="FF0000"/>
+              </a:solidFill>
+              <a:latin typeface="Times New Roman" panose="02020603050405020304" pitchFamily="18" charset="0"/>
+              <a:cs typeface="Times New Roman" panose="02020603050405020304" pitchFamily="18" charset="0"/>
+            </a:endParaRPr>
+          </a:p>
+          <a:p>
+            <a:pPr marL="0" indent="0" algn="just">
+              <a:buNone/>
+            </a:pPr>
+            <a:r>
+              <a:rPr lang="pt-BR" sz="2000" dirty="0">
+                <a:latin typeface="Times New Roman" panose="02020603050405020304" pitchFamily="18" charset="0"/>
+                <a:cs typeface="Times New Roman" panose="02020603050405020304" pitchFamily="18" charset="0"/>
+              </a:rPr>
+              <a:t># entidade</a:t>
+            </a:r>
+            <a:r>
+              <a:rPr lang="pt-BR" sz="2000" b="1" dirty="0">
+                <a:latin typeface="Times New Roman" panose="02020603050405020304" pitchFamily="18" charset="0"/>
+                <a:cs typeface="Times New Roman" panose="02020603050405020304" pitchFamily="18" charset="0"/>
+              </a:rPr>
+              <a:t>[atributo].</a:t>
+            </a:r>
+            <a:r>
+              <a:rPr lang="pt-BR" sz="2000" dirty="0">
+                <a:latin typeface="Times New Roman" panose="02020603050405020304" pitchFamily="18" charset="0"/>
+                <a:cs typeface="Times New Roman" panose="02020603050405020304" pitchFamily="18" charset="0"/>
+              </a:rPr>
+              <a:t>método - entidade</a:t>
+            </a:r>
+            <a:r>
+              <a:rPr lang="pt-BR" sz="2000" b="1" dirty="0">
+                <a:latin typeface="Times New Roman" panose="02020603050405020304" pitchFamily="18" charset="0"/>
+                <a:cs typeface="Times New Roman" panose="02020603050405020304" pitchFamily="18" charset="0"/>
+              </a:rPr>
+              <a:t>[atributo].</a:t>
+            </a:r>
+            <a:r>
+              <a:rPr lang="pt-BR" sz="2000" b="1" dirty="0" err="1">
+                <a:latin typeface="Times New Roman" panose="02020603050405020304" pitchFamily="18" charset="0"/>
+                <a:cs typeface="Times New Roman" panose="02020603050405020304" pitchFamily="18" charset="0"/>
+              </a:rPr>
+              <a:t>value_counts</a:t>
+            </a:r>
+            <a:r>
+              <a:rPr lang="pt-BR" sz="2000" dirty="0">
+                <a:latin typeface="Times New Roman" panose="02020603050405020304" pitchFamily="18" charset="0"/>
+                <a:cs typeface="Times New Roman" panose="02020603050405020304" pitchFamily="18" charset="0"/>
+              </a:rPr>
+              <a:t>().</a:t>
+            </a:r>
+            <a:r>
+              <a:rPr lang="pt-BR" sz="2000" b="1" dirty="0" err="1">
+                <a:latin typeface="Times New Roman" panose="02020603050405020304" pitchFamily="18" charset="0"/>
+                <a:cs typeface="Times New Roman" panose="02020603050405020304" pitchFamily="18" charset="0"/>
+              </a:rPr>
+              <a:t>plot</a:t>
+            </a:r>
+            <a:r>
+              <a:rPr lang="pt-BR" sz="2000" dirty="0" err="1">
+                <a:latin typeface="Times New Roman" panose="02020603050405020304" pitchFamily="18" charset="0"/>
+                <a:cs typeface="Times New Roman" panose="02020603050405020304" pitchFamily="18" charset="0"/>
+              </a:rPr>
+              <a:t>.</a:t>
+            </a:r>
+            <a:r>
+              <a:rPr lang="pt-BR" sz="2000" b="1" dirty="0" err="1">
+                <a:latin typeface="Times New Roman" panose="02020603050405020304" pitchFamily="18" charset="0"/>
+                <a:cs typeface="Times New Roman" panose="02020603050405020304" pitchFamily="18" charset="0"/>
+              </a:rPr>
+              <a:t>bar</a:t>
+            </a:r>
+            <a:r>
+              <a:rPr lang="pt-BR" sz="2000" dirty="0">
+                <a:latin typeface="Times New Roman" panose="02020603050405020304" pitchFamily="18" charset="0"/>
+                <a:cs typeface="Times New Roman" panose="02020603050405020304" pitchFamily="18" charset="0"/>
+              </a:rPr>
+              <a:t>()</a:t>
+            </a:r>
+          </a:p>
+        </p:txBody>
+      </p:sp>
+    </p:spTree>
+    <p:extLst>
+      <p:ext uri="{BB962C8B-B14F-4D97-AF65-F5344CB8AC3E}">
+        <p14:creationId xmlns:p14="http://schemas.microsoft.com/office/powerpoint/2010/main" val="958534233"/>
+      </p:ext>
+    </p:extLst>
+  </p:cSld>
+  <p:clrMapOvr>
+    <a:masterClrMapping/>
+  </p:clrMapOvr>
+  <p:transition spd="med"/>
+</p:sld>
+</file>
+
+<file path=ppt/slides/slide8.xml><?xml version="1.0" encoding="utf-8"?>
+<p:sld xmlns:a="http://schemas.openxmlformats.org/drawingml/2006/main" xmlns:r="http://schemas.openxmlformats.org/officeDocument/2006/relationships" xmlns:p="http://schemas.openxmlformats.org/presentationml/2006/main">
+  <p:cSld>
+    <p:spTree>
+      <p:nvGrpSpPr>
+        <p:cNvPr id="1" name=""/>
+        <p:cNvGrpSpPr/>
+        <p:nvPr/>
+      </p:nvGrpSpPr>
+      <p:grpSpPr>
+        <a:xfrm>
+          <a:off x="0" y="0"/>
+          <a:ext cx="0" cy="0"/>
+          <a:chOff x="0" y="0"/>
+          <a:chExt cx="0" cy="0"/>
+        </a:xfrm>
+      </p:grpSpPr>
+      <p:sp>
+        <p:nvSpPr>
+          <p:cNvPr id="6" name="Title 1"/>
+          <p:cNvSpPr>
+            <a:spLocks noGrp="1"/>
+          </p:cNvSpPr>
+          <p:nvPr>
+            <p:ph type="title"/>
+          </p:nvPr>
+        </p:nvSpPr>
+        <p:spPr>
+          <a:xfrm>
+            <a:off x="457200" y="205980"/>
+            <a:ext cx="8229600" cy="857251"/>
+          </a:xfrm>
+        </p:spPr>
+        <p:txBody>
+          <a:bodyPr>
+            <a:normAutofit fontScale="90000"/>
+          </a:bodyPr>
+          <a:lstStyle/>
+          <a:p>
+            <a:r>
+              <a:rPr lang="pt-BR" b="1" dirty="0">
+                <a:solidFill>
+                  <a:srgbClr val="0070C0"/>
+                </a:solidFill>
+              </a:rPr>
+              <a:t>Python com Big Data - Continuação</a:t>
+            </a:r>
+            <a:endParaRPr lang="en-US" b="1" dirty="0">
+              <a:solidFill>
+                <a:srgbClr val="0070C0"/>
+              </a:solidFill>
+            </a:endParaRPr>
+          </a:p>
+        </p:txBody>
+      </p:sp>
+      <p:sp>
+        <p:nvSpPr>
+          <p:cNvPr id="8" name="Text Placeholder 2"/>
+          <p:cNvSpPr>
+            <a:spLocks noGrp="1"/>
+          </p:cNvSpPr>
+          <p:nvPr>
+            <p:ph type="body" sz="half" idx="1"/>
+          </p:nvPr>
+        </p:nvSpPr>
+        <p:spPr>
+          <a:xfrm>
+            <a:off x="142865" y="1200150"/>
+            <a:ext cx="8865056" cy="3737370"/>
+          </a:xfrm>
+        </p:spPr>
+        <p:txBody>
+          <a:bodyPr>
+            <a:noAutofit/>
+          </a:bodyPr>
+          <a:lstStyle/>
+          <a:p>
+            <a:pPr marL="0" indent="0" algn="just">
+              <a:buNone/>
+            </a:pPr>
+            <a:r>
+              <a:rPr lang="pt-BR" sz="2000" dirty="0">
+                <a:latin typeface="Times New Roman" panose="02020603050405020304" pitchFamily="18" charset="0"/>
+                <a:cs typeface="Times New Roman" panose="02020603050405020304" pitchFamily="18" charset="0"/>
+              </a:rPr>
+              <a:t># </a:t>
+            </a:r>
+            <a:r>
+              <a:rPr lang="pt-BR" sz="2000" b="1" dirty="0">
+                <a:latin typeface="Times New Roman" panose="02020603050405020304" pitchFamily="18" charset="0"/>
+                <a:cs typeface="Times New Roman" panose="02020603050405020304" pitchFamily="18" charset="0"/>
+              </a:rPr>
+              <a:t>3. Análise Exploratória</a:t>
+            </a:r>
+          </a:p>
+          <a:p>
+            <a:pPr marL="0" indent="0" algn="just">
+              <a:buNone/>
+            </a:pPr>
+            <a:endParaRPr lang="pt-BR" sz="2000" dirty="0">
+              <a:latin typeface="Times New Roman" panose="02020603050405020304" pitchFamily="18" charset="0"/>
+              <a:cs typeface="Times New Roman" panose="02020603050405020304" pitchFamily="18" charset="0"/>
+            </a:endParaRPr>
+          </a:p>
+          <a:p>
+            <a:pPr marL="0" indent="0" algn="just">
+              <a:buNone/>
+            </a:pPr>
+            <a:r>
+              <a:rPr lang="pt-BR" sz="2000" dirty="0">
+                <a:latin typeface="Times New Roman" panose="02020603050405020304" pitchFamily="18" charset="0"/>
+                <a:cs typeface="Times New Roman" panose="02020603050405020304" pitchFamily="18" charset="0"/>
+              </a:rPr>
+              <a:t># display(</a:t>
+            </a:r>
+            <a:r>
+              <a:rPr lang="pt-BR" sz="2000" dirty="0" err="1">
+                <a:latin typeface="Times New Roman" panose="02020603050405020304" pitchFamily="18" charset="0"/>
+                <a:cs typeface="Times New Roman" panose="02020603050405020304" pitchFamily="18" charset="0"/>
+              </a:rPr>
+              <a:t>entidade.corr</a:t>
+            </a:r>
+            <a:r>
+              <a:rPr lang="pt-BR" sz="2000" dirty="0">
+                <a:latin typeface="Times New Roman" panose="02020603050405020304" pitchFamily="18" charset="0"/>
+                <a:cs typeface="Times New Roman" panose="02020603050405020304" pitchFamily="18" charset="0"/>
+              </a:rPr>
+              <a:t>())</a:t>
+            </a:r>
+          </a:p>
+          <a:p>
+            <a:pPr marL="0" indent="0" algn="just">
+              <a:buNone/>
+            </a:pPr>
+            <a:r>
+              <a:rPr lang="pt-BR" sz="2000" dirty="0">
+                <a:latin typeface="Times New Roman" panose="02020603050405020304" pitchFamily="18" charset="0"/>
+                <a:cs typeface="Times New Roman" panose="02020603050405020304" pitchFamily="18" charset="0"/>
+              </a:rPr>
+              <a:t>#correlacao = </a:t>
+            </a:r>
+            <a:r>
+              <a:rPr lang="pt-BR" sz="2000" dirty="0" err="1">
+                <a:latin typeface="Times New Roman" panose="02020603050405020304" pitchFamily="18" charset="0"/>
+                <a:cs typeface="Times New Roman" panose="02020603050405020304" pitchFamily="18" charset="0"/>
+              </a:rPr>
+              <a:t>entidade.corr</a:t>
+            </a:r>
+            <a:r>
+              <a:rPr lang="pt-BR" sz="2000" dirty="0">
+                <a:latin typeface="Times New Roman" panose="02020603050405020304" pitchFamily="18" charset="0"/>
+                <a:cs typeface="Times New Roman" panose="02020603050405020304" pitchFamily="18" charset="0"/>
+              </a:rPr>
+              <a:t>() # </a:t>
+            </a:r>
+            <a:r>
+              <a:rPr lang="pt-BR" sz="2000" b="1" dirty="0">
+                <a:solidFill>
+                  <a:srgbClr val="FF0000"/>
+                </a:solidFill>
+                <a:latin typeface="Times New Roman" panose="02020603050405020304" pitchFamily="18" charset="0"/>
+                <a:cs typeface="Times New Roman" panose="02020603050405020304" pitchFamily="18" charset="0"/>
+              </a:rPr>
+              <a:t>A AI, fará outros cruzamentos entre as </a:t>
+            </a:r>
+            <a:r>
+              <a:rPr lang="pt-BR" sz="2000" b="1" dirty="0" err="1">
+                <a:solidFill>
+                  <a:srgbClr val="FF0000"/>
+                </a:solidFill>
+                <a:latin typeface="Times New Roman" panose="02020603050405020304" pitchFamily="18" charset="0"/>
+                <a:cs typeface="Times New Roman" panose="02020603050405020304" pitchFamily="18" charset="0"/>
+              </a:rPr>
+              <a:t>variávies</a:t>
+            </a:r>
+            <a:endParaRPr lang="pt-BR" sz="2000" b="1" dirty="0">
+              <a:solidFill>
+                <a:srgbClr val="FF0000"/>
+              </a:solidFill>
+              <a:latin typeface="Times New Roman" panose="02020603050405020304" pitchFamily="18" charset="0"/>
+              <a:cs typeface="Times New Roman" panose="02020603050405020304" pitchFamily="18" charset="0"/>
+            </a:endParaRPr>
+          </a:p>
+          <a:p>
+            <a:pPr marL="0" indent="0" algn="just">
+              <a:buNone/>
+            </a:pPr>
+            <a:r>
+              <a:rPr lang="pt-BR" sz="2000" dirty="0">
+                <a:latin typeface="Times New Roman" panose="02020603050405020304" pitchFamily="18" charset="0"/>
+                <a:cs typeface="Times New Roman" panose="02020603050405020304" pitchFamily="18" charset="0"/>
+              </a:rPr>
+              <a:t>#display(correlacao)</a:t>
+            </a:r>
+          </a:p>
+          <a:p>
+            <a:pPr marL="0" indent="0" algn="just">
+              <a:buNone/>
+            </a:pPr>
+            <a:endParaRPr lang="pt-BR" sz="2000" dirty="0">
+              <a:latin typeface="Times New Roman" panose="02020603050405020304" pitchFamily="18" charset="0"/>
+              <a:cs typeface="Times New Roman" panose="02020603050405020304" pitchFamily="18" charset="0"/>
+            </a:endParaRPr>
+          </a:p>
+          <a:p>
+            <a:pPr marL="0" indent="0" algn="just">
+              <a:buNone/>
+            </a:pPr>
+            <a:r>
+              <a:rPr lang="pt-BR" sz="2000" dirty="0">
+                <a:latin typeface="Times New Roman" panose="02020603050405020304" pitchFamily="18" charset="0"/>
+                <a:cs typeface="Times New Roman" panose="02020603050405020304" pitchFamily="18" charset="0"/>
+              </a:rPr>
+              <a:t>correlacao2 = </a:t>
+            </a:r>
+            <a:r>
+              <a:rPr lang="pt-BR" sz="2000" dirty="0" err="1">
+                <a:latin typeface="Times New Roman" panose="02020603050405020304" pitchFamily="18" charset="0"/>
+                <a:cs typeface="Times New Roman" panose="02020603050405020304" pitchFamily="18" charset="0"/>
+              </a:rPr>
+              <a:t>entidade.corr</a:t>
+            </a:r>
+            <a:r>
+              <a:rPr lang="pt-BR" sz="2000" dirty="0">
+                <a:latin typeface="Times New Roman" panose="02020603050405020304" pitchFamily="18" charset="0"/>
+                <a:cs typeface="Times New Roman" panose="02020603050405020304" pitchFamily="18" charset="0"/>
+              </a:rPr>
+              <a:t>()[['</a:t>
+            </a:r>
+            <a:r>
+              <a:rPr lang="pt-BR" sz="2000" dirty="0" err="1">
+                <a:latin typeface="Times New Roman" panose="02020603050405020304" pitchFamily="18" charset="0"/>
+                <a:cs typeface="Times New Roman" panose="02020603050405020304" pitchFamily="18" charset="0"/>
+              </a:rPr>
+              <a:t>population</a:t>
+            </a:r>
+            <a:r>
+              <a:rPr lang="pt-BR" sz="2000" dirty="0">
+                <a:latin typeface="Times New Roman" panose="02020603050405020304" pitchFamily="18" charset="0"/>
+                <a:cs typeface="Times New Roman" panose="02020603050405020304" pitchFamily="18" charset="0"/>
+              </a:rPr>
+              <a:t>’]] # </a:t>
+            </a:r>
+            <a:r>
+              <a:rPr lang="pt-BR" sz="2000" b="1" dirty="0">
+                <a:latin typeface="Times New Roman" panose="02020603050405020304" pitchFamily="18" charset="0"/>
+                <a:cs typeface="Times New Roman" panose="02020603050405020304" pitchFamily="18" charset="0"/>
+              </a:rPr>
+              <a:t>Filtrar por atributo</a:t>
+            </a:r>
+          </a:p>
+          <a:p>
+            <a:pPr marL="0" indent="0" algn="just">
+              <a:buNone/>
+            </a:pPr>
+            <a:r>
+              <a:rPr lang="pt-BR" sz="2000" dirty="0">
+                <a:latin typeface="Times New Roman" panose="02020603050405020304" pitchFamily="18" charset="0"/>
+                <a:cs typeface="Times New Roman" panose="02020603050405020304" pitchFamily="18" charset="0"/>
+              </a:rPr>
+              <a:t>display(correlacao2[['</a:t>
+            </a:r>
+            <a:r>
+              <a:rPr lang="pt-BR" sz="2000" dirty="0" err="1">
+                <a:latin typeface="Times New Roman" panose="02020603050405020304" pitchFamily="18" charset="0"/>
+                <a:cs typeface="Times New Roman" panose="02020603050405020304" pitchFamily="18" charset="0"/>
+              </a:rPr>
+              <a:t>population</a:t>
+            </a:r>
+            <a:r>
+              <a:rPr lang="pt-BR" sz="2000" dirty="0">
+                <a:latin typeface="Times New Roman" panose="02020603050405020304" pitchFamily="18" charset="0"/>
+                <a:cs typeface="Times New Roman" panose="02020603050405020304" pitchFamily="18" charset="0"/>
+              </a:rPr>
+              <a:t>']])</a:t>
+            </a:r>
+          </a:p>
+          <a:p>
+            <a:pPr marL="0" indent="0" algn="just">
+              <a:buNone/>
+            </a:pPr>
+            <a:endParaRPr lang="pt-BR" sz="2000" dirty="0">
+              <a:latin typeface="Times New Roman" panose="02020603050405020304" pitchFamily="18" charset="0"/>
+              <a:cs typeface="Times New Roman" panose="02020603050405020304" pitchFamily="18" charset="0"/>
+            </a:endParaRPr>
+          </a:p>
+        </p:txBody>
+      </p:sp>
+    </p:spTree>
+    <p:extLst>
+      <p:ext uri="{BB962C8B-B14F-4D97-AF65-F5344CB8AC3E}">
+        <p14:creationId xmlns:p14="http://schemas.microsoft.com/office/powerpoint/2010/main" val="3586028356"/>
+      </p:ext>
+    </p:extLst>
+  </p:cSld>
+  <p:clrMapOvr>
+    <a:masterClrMapping/>
+  </p:clrMapOvr>
+  <p:transition spd="med"/>
+</p:sld>
+</file>
+
+<file path=ppt/slides/slide9.xml><?xml version="1.0" encoding="utf-8"?>
+<p:sld xmlns:a="http://schemas.openxmlformats.org/drawingml/2006/main" xmlns:r="http://schemas.openxmlformats.org/officeDocument/2006/relationships" xmlns:p="http://schemas.openxmlformats.org/presentationml/2006/main">
+  <p:cSld>
+    <p:spTree>
+      <p:nvGrpSpPr>
+        <p:cNvPr id="1" name=""/>
+        <p:cNvGrpSpPr/>
+        <p:nvPr/>
+      </p:nvGrpSpPr>
+      <p:grpSpPr>
+        <a:xfrm>
+          <a:off x="0" y="0"/>
+          <a:ext cx="0" cy="0"/>
+          <a:chOff x="0" y="0"/>
+          <a:chExt cx="0" cy="0"/>
+        </a:xfrm>
+      </p:grpSpPr>
+      <p:sp>
+        <p:nvSpPr>
+          <p:cNvPr id="6" name="Title 1"/>
+          <p:cNvSpPr>
+            <a:spLocks noGrp="1"/>
+          </p:cNvSpPr>
+          <p:nvPr>
+            <p:ph type="title"/>
+          </p:nvPr>
+        </p:nvSpPr>
+        <p:spPr>
+          <a:xfrm>
+            <a:off x="457200" y="205980"/>
+            <a:ext cx="8229600" cy="857251"/>
+          </a:xfrm>
+        </p:spPr>
+        <p:txBody>
+          <a:bodyPr>
+            <a:normAutofit fontScale="90000"/>
+          </a:bodyPr>
+          <a:lstStyle/>
+          <a:p>
+            <a:r>
+              <a:rPr lang="pt-BR" b="1" dirty="0">
+                <a:solidFill>
+                  <a:srgbClr val="0070C0"/>
+                </a:solidFill>
+              </a:rPr>
+              <a:t>Python com Big Data - Continuação</a:t>
+            </a:r>
+            <a:endParaRPr lang="en-US" b="1" dirty="0">
+              <a:solidFill>
+                <a:srgbClr val="0070C0"/>
+              </a:solidFill>
+            </a:endParaRPr>
+          </a:p>
+        </p:txBody>
+      </p:sp>
+      <p:sp>
+        <p:nvSpPr>
+          <p:cNvPr id="8" name="Text Placeholder 2"/>
+          <p:cNvSpPr>
+            <a:spLocks noGrp="1"/>
+          </p:cNvSpPr>
+          <p:nvPr>
+            <p:ph type="body" sz="half" idx="1"/>
+          </p:nvPr>
+        </p:nvSpPr>
+        <p:spPr>
+          <a:xfrm>
+            <a:off x="142865" y="1200150"/>
+            <a:ext cx="8865056" cy="3737370"/>
+          </a:xfrm>
+        </p:spPr>
+        <p:txBody>
+          <a:bodyPr>
+            <a:noAutofit/>
+          </a:bodyPr>
+          <a:lstStyle/>
+          <a:p>
+            <a:pPr marL="0" indent="0" algn="just">
+              <a:buNone/>
+            </a:pPr>
+            <a:r>
+              <a:rPr lang="pt-BR" sz="2000" dirty="0" err="1">
+                <a:latin typeface="Times New Roman" panose="02020603050405020304" pitchFamily="18" charset="0"/>
+                <a:cs typeface="Times New Roman" panose="02020603050405020304" pitchFamily="18" charset="0"/>
+              </a:rPr>
+              <a:t>import</a:t>
+            </a:r>
+            <a:r>
+              <a:rPr lang="pt-BR" sz="2000" dirty="0">
+                <a:latin typeface="Times New Roman" panose="02020603050405020304" pitchFamily="18" charset="0"/>
+                <a:cs typeface="Times New Roman" panose="02020603050405020304" pitchFamily="18" charset="0"/>
+              </a:rPr>
+              <a:t> </a:t>
+            </a:r>
+            <a:r>
+              <a:rPr lang="pt-BR" sz="2000" dirty="0" err="1">
+                <a:latin typeface="Times New Roman" panose="02020603050405020304" pitchFamily="18" charset="0"/>
+                <a:cs typeface="Times New Roman" panose="02020603050405020304" pitchFamily="18" charset="0"/>
+              </a:rPr>
+              <a:t>seaborn</a:t>
+            </a:r>
+            <a:r>
+              <a:rPr lang="pt-BR" sz="2000" dirty="0">
+                <a:latin typeface="Times New Roman" panose="02020603050405020304" pitchFamily="18" charset="0"/>
+                <a:cs typeface="Times New Roman" panose="02020603050405020304" pitchFamily="18" charset="0"/>
+              </a:rPr>
+              <a:t> as </a:t>
+            </a:r>
+            <a:r>
+              <a:rPr lang="pt-BR" sz="2000" dirty="0" err="1">
+                <a:latin typeface="Times New Roman" panose="02020603050405020304" pitchFamily="18" charset="0"/>
+                <a:cs typeface="Times New Roman" panose="02020603050405020304" pitchFamily="18" charset="0"/>
+              </a:rPr>
+              <a:t>sns</a:t>
+            </a:r>
+            <a:r>
+              <a:rPr lang="pt-BR" sz="2000" dirty="0">
+                <a:latin typeface="Times New Roman" panose="02020603050405020304" pitchFamily="18" charset="0"/>
+                <a:cs typeface="Times New Roman" panose="02020603050405020304" pitchFamily="18" charset="0"/>
+              </a:rPr>
+              <a:t> </a:t>
+            </a:r>
+            <a:r>
+              <a:rPr lang="pt-BR" sz="2000" b="1" dirty="0">
+                <a:latin typeface="Times New Roman" panose="02020603050405020304" pitchFamily="18" charset="0"/>
+                <a:cs typeface="Times New Roman" panose="02020603050405020304" pitchFamily="18" charset="0"/>
+              </a:rPr>
+              <a:t>(</a:t>
+            </a:r>
+            <a:r>
+              <a:rPr lang="pt-BR" sz="2000" b="1" dirty="0">
+                <a:solidFill>
+                  <a:srgbClr val="FF0000"/>
+                </a:solidFill>
+                <a:latin typeface="Times New Roman" panose="02020603050405020304" pitchFamily="18" charset="0"/>
+                <a:cs typeface="Times New Roman" panose="02020603050405020304" pitchFamily="18" charset="0"/>
+              </a:rPr>
+              <a:t>3 - Continuação</a:t>
+            </a:r>
+            <a:r>
+              <a:rPr lang="pt-BR" sz="2000" b="1" dirty="0">
+                <a:latin typeface="Times New Roman" panose="02020603050405020304" pitchFamily="18" charset="0"/>
+                <a:cs typeface="Times New Roman" panose="02020603050405020304" pitchFamily="18" charset="0"/>
+              </a:rPr>
+              <a:t>)</a:t>
+            </a:r>
+            <a:endParaRPr lang="pt-BR" sz="2000" dirty="0">
+              <a:latin typeface="Times New Roman" panose="02020603050405020304" pitchFamily="18" charset="0"/>
+              <a:cs typeface="Times New Roman" panose="02020603050405020304" pitchFamily="18" charset="0"/>
+            </a:endParaRPr>
+          </a:p>
+          <a:p>
+            <a:pPr marL="0" indent="0" algn="just">
+              <a:buNone/>
+            </a:pPr>
+            <a:r>
+              <a:rPr lang="pt-BR" sz="2000" dirty="0" err="1">
+                <a:latin typeface="Times New Roman" panose="02020603050405020304" pitchFamily="18" charset="0"/>
+                <a:cs typeface="Times New Roman" panose="02020603050405020304" pitchFamily="18" charset="0"/>
+              </a:rPr>
+              <a:t>import</a:t>
+            </a:r>
+            <a:r>
+              <a:rPr lang="pt-BR" sz="2000" dirty="0">
+                <a:latin typeface="Times New Roman" panose="02020603050405020304" pitchFamily="18" charset="0"/>
+                <a:cs typeface="Times New Roman" panose="02020603050405020304" pitchFamily="18" charset="0"/>
+              </a:rPr>
+              <a:t> </a:t>
+            </a:r>
+            <a:r>
+              <a:rPr lang="pt-BR" sz="2000" dirty="0" err="1">
+                <a:latin typeface="Times New Roman" panose="02020603050405020304" pitchFamily="18" charset="0"/>
+                <a:cs typeface="Times New Roman" panose="02020603050405020304" pitchFamily="18" charset="0"/>
+              </a:rPr>
+              <a:t>matplotlib.pyplot</a:t>
+            </a:r>
+            <a:r>
+              <a:rPr lang="pt-BR" sz="2000" dirty="0">
+                <a:latin typeface="Times New Roman" panose="02020603050405020304" pitchFamily="18" charset="0"/>
+                <a:cs typeface="Times New Roman" panose="02020603050405020304" pitchFamily="18" charset="0"/>
+              </a:rPr>
+              <a:t> as </a:t>
+            </a:r>
+            <a:r>
+              <a:rPr lang="pt-BR" sz="2000" dirty="0" err="1">
+                <a:latin typeface="Times New Roman" panose="02020603050405020304" pitchFamily="18" charset="0"/>
+                <a:cs typeface="Times New Roman" panose="02020603050405020304" pitchFamily="18" charset="0"/>
+              </a:rPr>
+              <a:t>plt</a:t>
+            </a:r>
+            <a:endParaRPr lang="pt-BR" sz="2000" dirty="0">
+              <a:latin typeface="Times New Roman" panose="02020603050405020304" pitchFamily="18" charset="0"/>
+              <a:cs typeface="Times New Roman" panose="02020603050405020304" pitchFamily="18" charset="0"/>
+            </a:endParaRPr>
+          </a:p>
+          <a:p>
+            <a:pPr marL="0" indent="0" algn="just">
+              <a:buNone/>
+            </a:pPr>
+            <a:endParaRPr lang="pt-BR" sz="2000" dirty="0">
+              <a:latin typeface="Times New Roman" panose="02020603050405020304" pitchFamily="18" charset="0"/>
+              <a:cs typeface="Times New Roman" panose="02020603050405020304" pitchFamily="18" charset="0"/>
+            </a:endParaRPr>
+          </a:p>
+          <a:p>
+            <a:pPr marL="0" indent="0" algn="just">
+              <a:buNone/>
+            </a:pPr>
+            <a:r>
+              <a:rPr lang="pt-BR" sz="2000" dirty="0">
+                <a:latin typeface="Times New Roman" panose="02020603050405020304" pitchFamily="18" charset="0"/>
+                <a:cs typeface="Times New Roman" panose="02020603050405020304" pitchFamily="18" charset="0"/>
+              </a:rPr>
+              <a:t># </a:t>
+            </a:r>
+            <a:r>
+              <a:rPr lang="pt-BR" sz="2000" b="1" dirty="0">
+                <a:latin typeface="Times New Roman" panose="02020603050405020304" pitchFamily="18" charset="0"/>
+                <a:cs typeface="Times New Roman" panose="02020603050405020304" pitchFamily="18" charset="0"/>
+              </a:rPr>
+              <a:t>Criar o Gráfico</a:t>
+            </a:r>
+          </a:p>
+          <a:p>
+            <a:pPr marL="0" indent="0" algn="just">
+              <a:buNone/>
+            </a:pPr>
+            <a:r>
+              <a:rPr lang="pt-BR" sz="2000" dirty="0" err="1">
+                <a:latin typeface="Times New Roman" panose="02020603050405020304" pitchFamily="18" charset="0"/>
+                <a:cs typeface="Times New Roman" panose="02020603050405020304" pitchFamily="18" charset="0"/>
+              </a:rPr>
+              <a:t>sns.</a:t>
+            </a:r>
+            <a:r>
+              <a:rPr lang="pt-BR" sz="2000" b="1" dirty="0" err="1">
+                <a:latin typeface="Times New Roman" panose="02020603050405020304" pitchFamily="18" charset="0"/>
+                <a:cs typeface="Times New Roman" panose="02020603050405020304" pitchFamily="18" charset="0"/>
+              </a:rPr>
+              <a:t>heatmap</a:t>
+            </a:r>
+            <a:r>
+              <a:rPr lang="pt-BR" sz="2000" dirty="0">
+                <a:latin typeface="Times New Roman" panose="02020603050405020304" pitchFamily="18" charset="0"/>
+                <a:cs typeface="Times New Roman" panose="02020603050405020304" pitchFamily="18" charset="0"/>
+              </a:rPr>
+              <a:t>(correlacao2, </a:t>
+            </a:r>
+            <a:r>
+              <a:rPr lang="pt-BR" sz="2000" b="1" dirty="0" err="1">
+                <a:latin typeface="Times New Roman" panose="02020603050405020304" pitchFamily="18" charset="0"/>
+                <a:cs typeface="Times New Roman" panose="02020603050405020304" pitchFamily="18" charset="0"/>
+              </a:rPr>
+              <a:t>cmap</a:t>
+            </a:r>
+            <a:r>
+              <a:rPr lang="pt-BR" sz="2000" dirty="0">
+                <a:latin typeface="Times New Roman" panose="02020603050405020304" pitchFamily="18" charset="0"/>
+                <a:cs typeface="Times New Roman" panose="02020603050405020304" pitchFamily="18" charset="0"/>
+              </a:rPr>
+              <a:t>='Blues', </a:t>
+            </a:r>
+            <a:r>
+              <a:rPr lang="pt-BR" sz="2000" b="1" dirty="0" err="1">
+                <a:latin typeface="Times New Roman" panose="02020603050405020304" pitchFamily="18" charset="0"/>
+                <a:cs typeface="Times New Roman" panose="02020603050405020304" pitchFamily="18" charset="0"/>
+              </a:rPr>
+              <a:t>annot</a:t>
+            </a:r>
+            <a:r>
+              <a:rPr lang="pt-BR" sz="2000" dirty="0">
+                <a:latin typeface="Times New Roman" panose="02020603050405020304" pitchFamily="18" charset="0"/>
+                <a:cs typeface="Times New Roman" panose="02020603050405020304" pitchFamily="18" charset="0"/>
+              </a:rPr>
+              <a:t>=</a:t>
+            </a:r>
+            <a:r>
+              <a:rPr lang="pt-BR" sz="2000" dirty="0" err="1">
+                <a:latin typeface="Times New Roman" panose="02020603050405020304" pitchFamily="18" charset="0"/>
+                <a:cs typeface="Times New Roman" panose="02020603050405020304" pitchFamily="18" charset="0"/>
+              </a:rPr>
+              <a:t>True</a:t>
+            </a:r>
+            <a:r>
+              <a:rPr lang="pt-BR" sz="2000" dirty="0">
+                <a:latin typeface="Times New Roman" panose="02020603050405020304" pitchFamily="18" charset="0"/>
+                <a:cs typeface="Times New Roman" panose="02020603050405020304" pitchFamily="18" charset="0"/>
+              </a:rPr>
+              <a:t>) # criar o gráfico</a:t>
+            </a:r>
+          </a:p>
+          <a:p>
+            <a:pPr marL="0" indent="0" algn="just">
+              <a:buNone/>
+            </a:pPr>
+            <a:endParaRPr lang="pt-BR" sz="2000" dirty="0">
+              <a:latin typeface="Times New Roman" panose="02020603050405020304" pitchFamily="18" charset="0"/>
+              <a:cs typeface="Times New Roman" panose="02020603050405020304" pitchFamily="18" charset="0"/>
+            </a:endParaRPr>
+          </a:p>
+          <a:p>
+            <a:pPr marL="0" indent="0" algn="just">
+              <a:buNone/>
+            </a:pPr>
+            <a:r>
+              <a:rPr lang="pt-BR" sz="2000" dirty="0">
+                <a:latin typeface="Times New Roman" panose="02020603050405020304" pitchFamily="18" charset="0"/>
+                <a:cs typeface="Times New Roman" panose="02020603050405020304" pitchFamily="18" charset="0"/>
+              </a:rPr>
+              <a:t># </a:t>
+            </a:r>
+            <a:r>
+              <a:rPr lang="pt-BR" sz="2000" b="1" dirty="0">
+                <a:latin typeface="Times New Roman" panose="02020603050405020304" pitchFamily="18" charset="0"/>
+                <a:cs typeface="Times New Roman" panose="02020603050405020304" pitchFamily="18" charset="0"/>
+              </a:rPr>
+              <a:t>Exibir o Gráfico</a:t>
+            </a:r>
+          </a:p>
+          <a:p>
+            <a:pPr marL="0" indent="0" algn="just">
+              <a:buNone/>
+            </a:pPr>
+            <a:r>
+              <a:rPr lang="pt-BR" sz="2000" dirty="0" err="1">
+                <a:latin typeface="Times New Roman" panose="02020603050405020304" pitchFamily="18" charset="0"/>
+                <a:cs typeface="Times New Roman" panose="02020603050405020304" pitchFamily="18" charset="0"/>
+              </a:rPr>
+              <a:t>plt.show</a:t>
+            </a:r>
+            <a:r>
+              <a:rPr lang="pt-BR" sz="2000" dirty="0">
+                <a:latin typeface="Times New Roman" panose="02020603050405020304" pitchFamily="18" charset="0"/>
+                <a:cs typeface="Times New Roman" panose="02020603050405020304" pitchFamily="18" charset="0"/>
+              </a:rPr>
+              <a:t>()</a:t>
+            </a:r>
+          </a:p>
+        </p:txBody>
+      </p:sp>
+    </p:spTree>
+    <p:extLst>
+      <p:ext uri="{BB962C8B-B14F-4D97-AF65-F5344CB8AC3E}">
+        <p14:creationId xmlns:p14="http://schemas.microsoft.com/office/powerpoint/2010/main" val="3139995192"/>
+      </p:ext>
+    </p:extLst>
   </p:cSld>
   <p:clrMapOvr>
     <a:masterClrMapping/>

--- a/01 Classes/Aula 11 - Aplicação Cloud Indústria 40 Python Integração Cloud Big Data Parte 2.pptx
+++ b/01 Classes/Aula 11 - Aplicação Cloud Indústria 40 Python Integração Cloud Big Data Parte 2.pptx
@@ -5,7 +5,7 @@
     <p:sldMasterId id="2147483648" r:id="rId1"/>
   </p:sldMasterIdLst>
   <p:notesMasterIdLst>
-    <p:notesMasterId r:id="rId23"/>
+    <p:notesMasterId r:id="rId24"/>
   </p:notesMasterIdLst>
   <p:sldIdLst>
     <p:sldId id="256" r:id="rId2"/>
@@ -15,20 +15,21 @@
     <p:sldId id="346" r:id="rId6"/>
     <p:sldId id="361" r:id="rId7"/>
     <p:sldId id="363" r:id="rId8"/>
-    <p:sldId id="365" r:id="rId9"/>
-    <p:sldId id="366" r:id="rId10"/>
-    <p:sldId id="367" r:id="rId11"/>
-    <p:sldId id="373" r:id="rId12"/>
-    <p:sldId id="368" r:id="rId13"/>
-    <p:sldId id="369" r:id="rId14"/>
-    <p:sldId id="370" r:id="rId15"/>
-    <p:sldId id="371" r:id="rId16"/>
-    <p:sldId id="372" r:id="rId17"/>
-    <p:sldId id="333" r:id="rId18"/>
-    <p:sldId id="323" r:id="rId19"/>
-    <p:sldId id="360" r:id="rId20"/>
-    <p:sldId id="337" r:id="rId21"/>
-    <p:sldId id="309" r:id="rId22"/>
+    <p:sldId id="374" r:id="rId9"/>
+    <p:sldId id="365" r:id="rId10"/>
+    <p:sldId id="366" r:id="rId11"/>
+    <p:sldId id="367" r:id="rId12"/>
+    <p:sldId id="373" r:id="rId13"/>
+    <p:sldId id="368" r:id="rId14"/>
+    <p:sldId id="369" r:id="rId15"/>
+    <p:sldId id="370" r:id="rId16"/>
+    <p:sldId id="371" r:id="rId17"/>
+    <p:sldId id="372" r:id="rId18"/>
+    <p:sldId id="333" r:id="rId19"/>
+    <p:sldId id="323" r:id="rId20"/>
+    <p:sldId id="360" r:id="rId21"/>
+    <p:sldId id="337" r:id="rId22"/>
+    <p:sldId id="309" r:id="rId23"/>
   </p:sldIdLst>
   <p:sldSz cx="9144000" cy="5143500" type="screen16x9"/>
   <p:notesSz cx="6858000" cy="9144000"/>
@@ -631,7 +632,7 @@
     </p:spTree>
     <p:extLst>
       <p:ext uri="{BB962C8B-B14F-4D97-AF65-F5344CB8AC3E}">
-        <p14:creationId xmlns:p14="http://schemas.microsoft.com/office/powerpoint/2010/main" val="2361065859"/>
+        <p14:creationId xmlns:p14="http://schemas.microsoft.com/office/powerpoint/2010/main" val="413967966"/>
       </p:ext>
     </p:extLst>
   </p:cSld>
@@ -697,7 +698,7 @@
     </p:spTree>
     <p:extLst>
       <p:ext uri="{BB962C8B-B14F-4D97-AF65-F5344CB8AC3E}">
-        <p14:creationId xmlns:p14="http://schemas.microsoft.com/office/powerpoint/2010/main" val="1322710471"/>
+        <p14:creationId xmlns:p14="http://schemas.microsoft.com/office/powerpoint/2010/main" val="2361065859"/>
       </p:ext>
     </p:extLst>
   </p:cSld>
@@ -763,7 +764,7 @@
     </p:spTree>
     <p:extLst>
       <p:ext uri="{BB962C8B-B14F-4D97-AF65-F5344CB8AC3E}">
-        <p14:creationId xmlns:p14="http://schemas.microsoft.com/office/powerpoint/2010/main" val="2556311778"/>
+        <p14:creationId xmlns:p14="http://schemas.microsoft.com/office/powerpoint/2010/main" val="1322710471"/>
       </p:ext>
     </p:extLst>
   </p:cSld>
@@ -829,7 +830,7 @@
     </p:spTree>
     <p:extLst>
       <p:ext uri="{BB962C8B-B14F-4D97-AF65-F5344CB8AC3E}">
-        <p14:creationId xmlns:p14="http://schemas.microsoft.com/office/powerpoint/2010/main" val="2931903177"/>
+        <p14:creationId xmlns:p14="http://schemas.microsoft.com/office/powerpoint/2010/main" val="2556311778"/>
       </p:ext>
     </p:extLst>
   </p:cSld>
@@ -895,7 +896,7 @@
     </p:spTree>
     <p:extLst>
       <p:ext uri="{BB962C8B-B14F-4D97-AF65-F5344CB8AC3E}">
-        <p14:creationId xmlns:p14="http://schemas.microsoft.com/office/powerpoint/2010/main" val="313528279"/>
+        <p14:creationId xmlns:p14="http://schemas.microsoft.com/office/powerpoint/2010/main" val="2931903177"/>
       </p:ext>
     </p:extLst>
   </p:cSld>
@@ -961,7 +962,7 @@
     </p:spTree>
     <p:extLst>
       <p:ext uri="{BB962C8B-B14F-4D97-AF65-F5344CB8AC3E}">
-        <p14:creationId xmlns:p14="http://schemas.microsoft.com/office/powerpoint/2010/main" val="1645344979"/>
+        <p14:creationId xmlns:p14="http://schemas.microsoft.com/office/powerpoint/2010/main" val="313528279"/>
       </p:ext>
     </p:extLst>
   </p:cSld>
@@ -1027,7 +1028,7 @@
     </p:spTree>
     <p:extLst>
       <p:ext uri="{BB962C8B-B14F-4D97-AF65-F5344CB8AC3E}">
-        <p14:creationId xmlns:p14="http://schemas.microsoft.com/office/powerpoint/2010/main" val="585304384"/>
+        <p14:creationId xmlns:p14="http://schemas.microsoft.com/office/powerpoint/2010/main" val="1645344979"/>
       </p:ext>
     </p:extLst>
   </p:cSld>
@@ -1093,7 +1094,7 @@
     </p:spTree>
     <p:extLst>
       <p:ext uri="{BB962C8B-B14F-4D97-AF65-F5344CB8AC3E}">
-        <p14:creationId xmlns:p14="http://schemas.microsoft.com/office/powerpoint/2010/main" val="2709569597"/>
+        <p14:creationId xmlns:p14="http://schemas.microsoft.com/office/powerpoint/2010/main" val="585304384"/>
       </p:ext>
     </p:extLst>
   </p:cSld>
@@ -1159,7 +1160,7 @@
     </p:spTree>
     <p:extLst>
       <p:ext uri="{BB962C8B-B14F-4D97-AF65-F5344CB8AC3E}">
-        <p14:creationId xmlns:p14="http://schemas.microsoft.com/office/powerpoint/2010/main" val="1756347281"/>
+        <p14:creationId xmlns:p14="http://schemas.microsoft.com/office/powerpoint/2010/main" val="2709569597"/>
       </p:ext>
     </p:extLst>
   </p:cSld>
@@ -1225,7 +1226,7 @@
     </p:spTree>
     <p:extLst>
       <p:ext uri="{BB962C8B-B14F-4D97-AF65-F5344CB8AC3E}">
-        <p14:creationId xmlns:p14="http://schemas.microsoft.com/office/powerpoint/2010/main" val="4290351292"/>
+        <p14:creationId xmlns:p14="http://schemas.microsoft.com/office/powerpoint/2010/main" val="1756347281"/>
       </p:ext>
     </p:extLst>
   </p:cSld>
@@ -1292,6 +1293,72 @@
     <p:extLst>
       <p:ext uri="{BB962C8B-B14F-4D97-AF65-F5344CB8AC3E}">
         <p14:creationId xmlns:p14="http://schemas.microsoft.com/office/powerpoint/2010/main" val="2870822715"/>
+      </p:ext>
+    </p:extLst>
+  </p:cSld>
+  <p:clrMapOvr>
+    <a:masterClrMapping/>
+  </p:clrMapOvr>
+</p:notes>
+</file>
+
+<file path=ppt/notesSlides/notesSlide20.xml><?xml version="1.0" encoding="utf-8"?>
+<p:notes xmlns:a="http://schemas.openxmlformats.org/drawingml/2006/main" xmlns:r="http://schemas.openxmlformats.org/officeDocument/2006/relationships" xmlns:p="http://schemas.openxmlformats.org/presentationml/2006/main">
+  <p:cSld>
+    <p:spTree>
+      <p:nvGrpSpPr>
+        <p:cNvPr id="1" name=""/>
+        <p:cNvGrpSpPr/>
+        <p:nvPr/>
+      </p:nvGrpSpPr>
+      <p:grpSpPr>
+        <a:xfrm>
+          <a:off x="0" y="0"/>
+          <a:ext cx="0" cy="0"/>
+          <a:chOff x="0" y="0"/>
+          <a:chExt cx="0" cy="0"/>
+        </a:xfrm>
+      </p:grpSpPr>
+      <p:sp>
+        <p:nvSpPr>
+          <p:cNvPr id="2" name="Espaço Reservado para Imagem de Slide 1"/>
+          <p:cNvSpPr>
+            <a:spLocks noGrp="1" noRot="1" noChangeAspect="1"/>
+          </p:cNvSpPr>
+          <p:nvPr>
+            <p:ph type="sldImg"/>
+          </p:nvPr>
+        </p:nvSpPr>
+        <p:spPr>
+          <a:xfrm>
+            <a:off x="381000" y="685800"/>
+            <a:ext cx="6096000" cy="3429000"/>
+          </a:xfrm>
+        </p:spPr>
+      </p:sp>
+      <p:sp>
+        <p:nvSpPr>
+          <p:cNvPr id="3" name="Espaço Reservado para Anotações 2"/>
+          <p:cNvSpPr>
+            <a:spLocks noGrp="1"/>
+          </p:cNvSpPr>
+          <p:nvPr>
+            <p:ph type="body" idx="1"/>
+          </p:nvPr>
+        </p:nvSpPr>
+        <p:spPr/>
+        <p:txBody>
+          <a:bodyPr/>
+          <a:lstStyle/>
+          <a:p>
+            <a:endParaRPr lang="pt-BR" dirty="0"/>
+          </a:p>
+        </p:txBody>
+      </p:sp>
+    </p:spTree>
+    <p:extLst>
+      <p:ext uri="{BB962C8B-B14F-4D97-AF65-F5344CB8AC3E}">
+        <p14:creationId xmlns:p14="http://schemas.microsoft.com/office/powerpoint/2010/main" val="4290351292"/>
       </p:ext>
     </p:extLst>
   </p:cSld>
@@ -1621,7 +1688,7 @@
     </p:spTree>
     <p:extLst>
       <p:ext uri="{BB962C8B-B14F-4D97-AF65-F5344CB8AC3E}">
-        <p14:creationId xmlns:p14="http://schemas.microsoft.com/office/powerpoint/2010/main" val="3196507271"/>
+        <p14:creationId xmlns:p14="http://schemas.microsoft.com/office/powerpoint/2010/main" val="3406088363"/>
       </p:ext>
     </p:extLst>
   </p:cSld>
@@ -1687,7 +1754,7 @@
     </p:spTree>
     <p:extLst>
       <p:ext uri="{BB962C8B-B14F-4D97-AF65-F5344CB8AC3E}">
-        <p14:creationId xmlns:p14="http://schemas.microsoft.com/office/powerpoint/2010/main" val="2911397774"/>
+        <p14:creationId xmlns:p14="http://schemas.microsoft.com/office/powerpoint/2010/main" val="3196507271"/>
       </p:ext>
     </p:extLst>
   </p:cSld>
@@ -1753,7 +1820,7 @@
     </p:spTree>
     <p:extLst>
       <p:ext uri="{BB962C8B-B14F-4D97-AF65-F5344CB8AC3E}">
-        <p14:creationId xmlns:p14="http://schemas.microsoft.com/office/powerpoint/2010/main" val="413967966"/>
+        <p14:creationId xmlns:p14="http://schemas.microsoft.com/office/powerpoint/2010/main" val="2911397774"/>
       </p:ext>
     </p:extLst>
   </p:cSld>
@@ -4781,18 +4848,53 @@
               <a:buNone/>
             </a:pPr>
             <a:r>
-              <a:rPr lang="pt-BR" sz="2000" dirty="0">
-                <a:latin typeface="Times New Roman" panose="02020603050405020304" pitchFamily="18" charset="0"/>
-                <a:cs typeface="Times New Roman" panose="02020603050405020304" pitchFamily="18" charset="0"/>
-              </a:rPr>
-              <a:t># </a:t>
+              <a:rPr lang="pt-BR" sz="2000" b="1" dirty="0" err="1">
+                <a:latin typeface="Times New Roman" panose="02020603050405020304" pitchFamily="18" charset="0"/>
+                <a:cs typeface="Times New Roman" panose="02020603050405020304" pitchFamily="18" charset="0"/>
+              </a:rPr>
+              <a:t>import</a:t>
+            </a:r>
+            <a:r>
+              <a:rPr lang="pt-BR" sz="2000" dirty="0">
+                <a:latin typeface="Times New Roman" panose="02020603050405020304" pitchFamily="18" charset="0"/>
+                <a:cs typeface="Times New Roman" panose="02020603050405020304" pitchFamily="18" charset="0"/>
+              </a:rPr>
+              <a:t> </a:t>
+            </a:r>
+            <a:r>
+              <a:rPr lang="pt-BR" sz="2000" dirty="0" err="1">
+                <a:latin typeface="Times New Roman" panose="02020603050405020304" pitchFamily="18" charset="0"/>
+                <a:cs typeface="Times New Roman" panose="02020603050405020304" pitchFamily="18" charset="0"/>
+              </a:rPr>
+              <a:t>seaborn</a:t>
+            </a:r>
+            <a:r>
+              <a:rPr lang="pt-BR" sz="2000" dirty="0">
+                <a:latin typeface="Times New Roman" panose="02020603050405020304" pitchFamily="18" charset="0"/>
+                <a:cs typeface="Times New Roman" panose="02020603050405020304" pitchFamily="18" charset="0"/>
+              </a:rPr>
+              <a:t> as </a:t>
+            </a:r>
+            <a:r>
+              <a:rPr lang="pt-BR" sz="2000" dirty="0" err="1">
+                <a:latin typeface="Times New Roman" panose="02020603050405020304" pitchFamily="18" charset="0"/>
+                <a:cs typeface="Times New Roman" panose="02020603050405020304" pitchFamily="18" charset="0"/>
+              </a:rPr>
+              <a:t>sns</a:t>
+            </a:r>
+            <a:r>
+              <a:rPr lang="pt-BR" sz="2000" dirty="0">
+                <a:latin typeface="Times New Roman" panose="02020603050405020304" pitchFamily="18" charset="0"/>
+                <a:cs typeface="Times New Roman" panose="02020603050405020304" pitchFamily="18" charset="0"/>
+              </a:rPr>
+              <a:t> </a:t>
             </a:r>
             <a:r>
               <a:rPr lang="pt-BR" sz="2000" b="1" dirty="0">
                 <a:latin typeface="Times New Roman" panose="02020603050405020304" pitchFamily="18" charset="0"/>
                 <a:cs typeface="Times New Roman" panose="02020603050405020304" pitchFamily="18" charset="0"/>
               </a:rPr>
-              <a:t>4. Modelagem/Algoritmo = (IA, se necessário) -  dividir a base em </a:t>
+              <a:t>(</a:t>
             </a:r>
             <a:r>
               <a:rPr lang="pt-BR" sz="2000" b="1" dirty="0">
@@ -4802,142 +4904,15 @@
                 <a:latin typeface="Times New Roman" panose="02020603050405020304" pitchFamily="18" charset="0"/>
                 <a:cs typeface="Times New Roman" panose="02020603050405020304" pitchFamily="18" charset="0"/>
               </a:rPr>
-              <a:t>Y e X</a:t>
-            </a:r>
-          </a:p>
-          <a:p>
-            <a:pPr marL="0" indent="0" algn="just">
-              <a:buNone/>
-            </a:pPr>
-            <a:r>
-              <a:rPr lang="pt-BR" sz="2000" dirty="0">
-                <a:latin typeface="Times New Roman" panose="02020603050405020304" pitchFamily="18" charset="0"/>
-                <a:cs typeface="Times New Roman" panose="02020603050405020304" pitchFamily="18" charset="0"/>
-              </a:rPr>
-              <a:t># </a:t>
+              <a:t>3 - Continuação</a:t>
             </a:r>
             <a:r>
               <a:rPr lang="pt-BR" sz="2000" b="1" dirty="0">
-                <a:solidFill>
-                  <a:srgbClr val="FF0000"/>
-                </a:solidFill>
-                <a:latin typeface="Times New Roman" panose="02020603050405020304" pitchFamily="18" charset="0"/>
-                <a:cs typeface="Times New Roman" panose="02020603050405020304" pitchFamily="18" charset="0"/>
-              </a:rPr>
-              <a:t>Preparando a base de dados para o aprendizado da IA</a:t>
-            </a:r>
-          </a:p>
-          <a:p>
-            <a:pPr marL="0" indent="0" algn="just">
-              <a:buNone/>
-            </a:pPr>
-            <a:r>
-              <a:rPr lang="pt-BR" sz="2000" dirty="0">
-                <a:solidFill>
-                  <a:schemeClr val="tx1"/>
-                </a:solidFill>
-                <a:latin typeface="Times New Roman" panose="02020603050405020304" pitchFamily="18" charset="0"/>
-                <a:cs typeface="Times New Roman" panose="02020603050405020304" pitchFamily="18" charset="0"/>
-              </a:rPr>
-              <a:t># </a:t>
-            </a:r>
-            <a:r>
-              <a:rPr lang="pt-BR" sz="2000" b="1" dirty="0">
-                <a:solidFill>
-                  <a:srgbClr val="FF0000"/>
-                </a:solidFill>
-                <a:latin typeface="Times New Roman" panose="02020603050405020304" pitchFamily="18" charset="0"/>
-                <a:cs typeface="Times New Roman" panose="02020603050405020304" pitchFamily="18" charset="0"/>
-              </a:rPr>
-              <a:t>Previsões (</a:t>
-            </a:r>
-            <a:r>
-              <a:rPr lang="pt-BR" sz="2000" b="1" dirty="0">
-                <a:solidFill>
-                  <a:schemeClr val="tx1"/>
-                </a:solidFill>
-                <a:latin typeface="Times New Roman" panose="02020603050405020304" pitchFamily="18" charset="0"/>
-                <a:cs typeface="Times New Roman" panose="02020603050405020304" pitchFamily="18" charset="0"/>
-              </a:rPr>
-              <a:t>probabilidades</a:t>
-            </a:r>
-            <a:r>
-              <a:rPr lang="pt-BR" sz="2000" b="1" dirty="0">
-                <a:solidFill>
-                  <a:srgbClr val="FF0000"/>
-                </a:solidFill>
                 <a:latin typeface="Times New Roman" panose="02020603050405020304" pitchFamily="18" charset="0"/>
                 <a:cs typeface="Times New Roman" panose="02020603050405020304" pitchFamily="18" charset="0"/>
               </a:rPr>
               <a:t>)</a:t>
             </a:r>
-          </a:p>
-          <a:p>
-            <a:pPr marL="0" indent="0" algn="just">
-              <a:buNone/>
-            </a:pPr>
-            <a:endParaRPr lang="pt-BR" sz="2000" b="1" dirty="0">
-              <a:solidFill>
-                <a:srgbClr val="FF0000"/>
-              </a:solidFill>
-              <a:latin typeface="Times New Roman" panose="02020603050405020304" pitchFamily="18" charset="0"/>
-              <a:cs typeface="Times New Roman" panose="02020603050405020304" pitchFamily="18" charset="0"/>
-            </a:endParaRPr>
-          </a:p>
-          <a:p>
-            <a:pPr marL="0" indent="0" algn="just">
-              <a:buNone/>
-            </a:pPr>
-            <a:r>
-              <a:rPr lang="pt-BR" sz="2000" dirty="0">
-                <a:latin typeface="Times New Roman" panose="02020603050405020304" pitchFamily="18" charset="0"/>
-                <a:cs typeface="Times New Roman" panose="02020603050405020304" pitchFamily="18" charset="0"/>
-              </a:rPr>
-              <a:t>y = entidade['</a:t>
-            </a:r>
-            <a:r>
-              <a:rPr lang="pt-BR" sz="2000" dirty="0" err="1">
-                <a:latin typeface="Times New Roman" panose="02020603050405020304" pitchFamily="18" charset="0"/>
-                <a:cs typeface="Times New Roman" panose="02020603050405020304" pitchFamily="18" charset="0"/>
-              </a:rPr>
-              <a:t>population</a:t>
-            </a:r>
-            <a:r>
-              <a:rPr lang="pt-BR" sz="2000" dirty="0">
-                <a:latin typeface="Times New Roman" panose="02020603050405020304" pitchFamily="18" charset="0"/>
-                <a:cs typeface="Times New Roman" panose="02020603050405020304" pitchFamily="18" charset="0"/>
-              </a:rPr>
-              <a:t>’]   # IA = </a:t>
-            </a:r>
-            <a:r>
-              <a:rPr lang="pt-BR" sz="2000" b="1" dirty="0">
-                <a:solidFill>
-                  <a:srgbClr val="FF0000"/>
-                </a:solidFill>
-                <a:latin typeface="Times New Roman" panose="02020603050405020304" pitchFamily="18" charset="0"/>
-                <a:cs typeface="Times New Roman" panose="02020603050405020304" pitchFamily="18" charset="0"/>
-              </a:rPr>
-              <a:t>aprender</a:t>
-            </a:r>
-            <a:r>
-              <a:rPr lang="pt-BR" sz="2000" b="1" dirty="0">
-                <a:latin typeface="Times New Roman" panose="02020603050405020304" pitchFamily="18" charset="0"/>
-                <a:cs typeface="Times New Roman" panose="02020603050405020304" pitchFamily="18" charset="0"/>
-              </a:rPr>
-              <a:t>/decorar</a:t>
-            </a:r>
-            <a:r>
-              <a:rPr lang="pt-BR" sz="2000" dirty="0">
-                <a:latin typeface="Times New Roman" panose="02020603050405020304" pitchFamily="18" charset="0"/>
-                <a:cs typeface="Times New Roman" panose="02020603050405020304" pitchFamily="18" charset="0"/>
-              </a:rPr>
-              <a:t>;</a:t>
-            </a:r>
-          </a:p>
-          <a:p>
-            <a:pPr marL="0" indent="0" algn="just">
-              <a:buNone/>
-            </a:pPr>
             <a:endParaRPr lang="pt-BR" sz="2000" dirty="0">
               <a:latin typeface="Times New Roman" panose="02020603050405020304" pitchFamily="18" charset="0"/>
               <a:cs typeface="Times New Roman" panose="02020603050405020304" pitchFamily="18" charset="0"/>
@@ -4948,157 +4923,215 @@
               <a:buNone/>
             </a:pPr>
             <a:r>
-              <a:rPr lang="pt-BR" sz="2000" dirty="0">
-                <a:latin typeface="Times New Roman" panose="02020603050405020304" pitchFamily="18" charset="0"/>
-                <a:cs typeface="Times New Roman" panose="02020603050405020304" pitchFamily="18" charset="0"/>
-              </a:rPr>
-              <a:t># </a:t>
+              <a:rPr lang="pt-BR" sz="2000" b="1" dirty="0" err="1">
+                <a:latin typeface="Times New Roman" panose="02020603050405020304" pitchFamily="18" charset="0"/>
+                <a:cs typeface="Times New Roman" panose="02020603050405020304" pitchFamily="18" charset="0"/>
+              </a:rPr>
+              <a:t>import</a:t>
+            </a:r>
+            <a:r>
+              <a:rPr lang="pt-BR" sz="2000" dirty="0">
+                <a:latin typeface="Times New Roman" panose="02020603050405020304" pitchFamily="18" charset="0"/>
+                <a:cs typeface="Times New Roman" panose="02020603050405020304" pitchFamily="18" charset="0"/>
+              </a:rPr>
+              <a:t> </a:t>
             </a:r>
             <a:r>
               <a:rPr lang="pt-BR" sz="2000" dirty="0" err="1">
                 <a:latin typeface="Times New Roman" panose="02020603050405020304" pitchFamily="18" charset="0"/>
                 <a:cs typeface="Times New Roman" panose="02020603050405020304" pitchFamily="18" charset="0"/>
               </a:rPr>
-              <a:t>axis</a:t>
-            </a:r>
-            <a:r>
-              <a:rPr lang="pt-BR" sz="2000" dirty="0">
-                <a:latin typeface="Times New Roman" panose="02020603050405020304" pitchFamily="18" charset="0"/>
-                <a:cs typeface="Times New Roman" panose="02020603050405020304" pitchFamily="18" charset="0"/>
-              </a:rPr>
-              <a:t> = 0 , linhas e </a:t>
+              <a:t>matplotlib.pyplot</a:t>
+            </a:r>
+            <a:r>
+              <a:rPr lang="pt-BR" sz="2000" dirty="0">
+                <a:latin typeface="Times New Roman" panose="02020603050405020304" pitchFamily="18" charset="0"/>
+                <a:cs typeface="Times New Roman" panose="02020603050405020304" pitchFamily="18" charset="0"/>
+              </a:rPr>
+              <a:t> as </a:t>
             </a:r>
             <a:r>
               <a:rPr lang="pt-BR" sz="2000" dirty="0" err="1">
                 <a:latin typeface="Times New Roman" panose="02020603050405020304" pitchFamily="18" charset="0"/>
                 <a:cs typeface="Times New Roman" panose="02020603050405020304" pitchFamily="18" charset="0"/>
               </a:rPr>
-              <a:t>axis</a:t>
-            </a:r>
-            <a:r>
-              <a:rPr lang="pt-BR" sz="2000" dirty="0">
-                <a:latin typeface="Times New Roman" panose="02020603050405020304" pitchFamily="18" charset="0"/>
-                <a:cs typeface="Times New Roman" panose="02020603050405020304" pitchFamily="18" charset="0"/>
-              </a:rPr>
-              <a:t> = 1, colunas</a:t>
-            </a:r>
-          </a:p>
-          <a:p>
-            <a:pPr marL="0" indent="0" algn="just">
-              <a:buNone/>
-            </a:pPr>
-            <a:r>
-              <a:rPr lang="pt-BR" sz="2000" dirty="0">
-                <a:latin typeface="Times New Roman" panose="02020603050405020304" pitchFamily="18" charset="0"/>
-                <a:cs typeface="Times New Roman" panose="02020603050405020304" pitchFamily="18" charset="0"/>
-              </a:rPr>
-              <a:t># x = entidade[‘atributo 1’, ‘atributo 2’, ‘atributo 3’, ‘atributo 4’] </a:t>
-            </a:r>
-          </a:p>
-          <a:p>
-            <a:pPr marL="0" indent="0" algn="just">
-              <a:buNone/>
-            </a:pPr>
-            <a:r>
-              <a:rPr lang="pt-BR" sz="2000" dirty="0">
-                <a:latin typeface="Times New Roman" panose="02020603050405020304" pitchFamily="18" charset="0"/>
-                <a:cs typeface="Times New Roman" panose="02020603050405020304" pitchFamily="18" charset="0"/>
-              </a:rPr>
-              <a:t>x = </a:t>
-            </a:r>
-            <a:r>
-              <a:rPr lang="pt-BR" sz="2000" dirty="0" err="1">
-                <a:latin typeface="Times New Roman" panose="02020603050405020304" pitchFamily="18" charset="0"/>
-                <a:cs typeface="Times New Roman" panose="02020603050405020304" pitchFamily="18" charset="0"/>
-              </a:rPr>
-              <a:t>entidade.</a:t>
-            </a:r>
-            <a:r>
-              <a:rPr lang="pt-BR" sz="2000" b="1" dirty="0" err="1">
-                <a:latin typeface="Times New Roman" panose="02020603050405020304" pitchFamily="18" charset="0"/>
-                <a:cs typeface="Times New Roman" panose="02020603050405020304" pitchFamily="18" charset="0"/>
-              </a:rPr>
-              <a:t>drop</a:t>
-            </a:r>
-            <a:r>
-              <a:rPr lang="pt-BR" sz="2000" dirty="0">
-                <a:latin typeface="Times New Roman" panose="02020603050405020304" pitchFamily="18" charset="0"/>
-                <a:cs typeface="Times New Roman" panose="02020603050405020304" pitchFamily="18" charset="0"/>
-              </a:rPr>
-              <a:t>('</a:t>
-            </a:r>
-            <a:r>
-              <a:rPr lang="pt-BR" sz="2000" dirty="0" err="1">
-                <a:latin typeface="Times New Roman" panose="02020603050405020304" pitchFamily="18" charset="0"/>
-                <a:cs typeface="Times New Roman" panose="02020603050405020304" pitchFamily="18" charset="0"/>
-              </a:rPr>
-              <a:t>population</a:t>
-            </a:r>
-            <a:r>
-              <a:rPr lang="pt-BR" sz="2000" dirty="0">
-                <a:latin typeface="Times New Roman" panose="02020603050405020304" pitchFamily="18" charset="0"/>
-                <a:cs typeface="Times New Roman" panose="02020603050405020304" pitchFamily="18" charset="0"/>
-              </a:rPr>
-              <a:t>', </a:t>
-            </a:r>
-            <a:r>
-              <a:rPr lang="pt-BR" sz="2000" b="1" dirty="0" err="1">
-                <a:latin typeface="Times New Roman" panose="02020603050405020304" pitchFamily="18" charset="0"/>
-                <a:cs typeface="Times New Roman" panose="02020603050405020304" pitchFamily="18" charset="0"/>
-              </a:rPr>
-              <a:t>axis</a:t>
-            </a:r>
-            <a:r>
-              <a:rPr lang="pt-BR" sz="2000" dirty="0">
-                <a:latin typeface="Times New Roman" panose="02020603050405020304" pitchFamily="18" charset="0"/>
-                <a:cs typeface="Times New Roman" panose="02020603050405020304" pitchFamily="18" charset="0"/>
-              </a:rPr>
-              <a:t>=1) # </a:t>
-            </a:r>
-            <a:r>
-              <a:rPr lang="pt-BR" sz="2000" dirty="0" err="1">
-                <a:latin typeface="Times New Roman" panose="02020603050405020304" pitchFamily="18" charset="0"/>
-                <a:cs typeface="Times New Roman" panose="02020603050405020304" pitchFamily="18" charset="0"/>
-              </a:rPr>
-              <a:t>axis</a:t>
-            </a:r>
-            <a:r>
-              <a:rPr lang="pt-BR" sz="2000" dirty="0">
-                <a:latin typeface="Times New Roman" panose="02020603050405020304" pitchFamily="18" charset="0"/>
-                <a:cs typeface="Times New Roman" panose="02020603050405020304" pitchFamily="18" charset="0"/>
-              </a:rPr>
-              <a:t> = 1 (</a:t>
-            </a:r>
-            <a:r>
-              <a:rPr lang="pt-BR" sz="2000" b="1" dirty="0">
-                <a:latin typeface="Times New Roman" panose="02020603050405020304" pitchFamily="18" charset="0"/>
-                <a:cs typeface="Times New Roman" panose="02020603050405020304" pitchFamily="18" charset="0"/>
-              </a:rPr>
-              <a:t>coluna</a:t>
-            </a:r>
-            <a:r>
-              <a:rPr lang="pt-BR" sz="2000" dirty="0">
-                <a:latin typeface="Times New Roman" panose="02020603050405020304" pitchFamily="18" charset="0"/>
-                <a:cs typeface="Times New Roman" panose="02020603050405020304" pitchFamily="18" charset="0"/>
-              </a:rPr>
-              <a:t>)</a:t>
-            </a:r>
-          </a:p>
-          <a:p>
-            <a:pPr marL="0" indent="0" algn="just">
-              <a:buNone/>
-            </a:pPr>
+              <a:t>plt</a:t>
+            </a:r>
             <a:endParaRPr lang="pt-BR" sz="2000" dirty="0">
               <a:latin typeface="Times New Roman" panose="02020603050405020304" pitchFamily="18" charset="0"/>
               <a:cs typeface="Times New Roman" panose="02020603050405020304" pitchFamily="18" charset="0"/>
             </a:endParaRPr>
+          </a:p>
+          <a:p>
+            <a:pPr marL="0" indent="0" algn="just">
+              <a:buNone/>
+            </a:pPr>
+            <a:endParaRPr lang="pt-BR" sz="2000" dirty="0">
+              <a:latin typeface="Times New Roman" panose="02020603050405020304" pitchFamily="18" charset="0"/>
+              <a:cs typeface="Times New Roman" panose="02020603050405020304" pitchFamily="18" charset="0"/>
+            </a:endParaRPr>
+          </a:p>
+          <a:p>
+            <a:pPr marL="0" indent="0" algn="just">
+              <a:buNone/>
+            </a:pPr>
+            <a:r>
+              <a:rPr lang="pt-BR" sz="2000" dirty="0">
+                <a:latin typeface="Times New Roman" panose="02020603050405020304" pitchFamily="18" charset="0"/>
+                <a:cs typeface="Times New Roman" panose="02020603050405020304" pitchFamily="18" charset="0"/>
+              </a:rPr>
+              <a:t># </a:t>
+            </a:r>
+            <a:r>
+              <a:rPr lang="pt-BR" sz="2000" b="1" dirty="0">
+                <a:latin typeface="Times New Roman" panose="02020603050405020304" pitchFamily="18" charset="0"/>
+                <a:cs typeface="Times New Roman" panose="02020603050405020304" pitchFamily="18" charset="0"/>
+              </a:rPr>
+              <a:t>Criar o Gráfico</a:t>
+            </a:r>
+          </a:p>
+          <a:p>
+            <a:pPr marL="0" indent="0" algn="just">
+              <a:buNone/>
+            </a:pPr>
+            <a:r>
+              <a:rPr lang="pt-BR" sz="2000" dirty="0" err="1">
+                <a:latin typeface="Times New Roman" panose="02020603050405020304" pitchFamily="18" charset="0"/>
+                <a:cs typeface="Times New Roman" panose="02020603050405020304" pitchFamily="18" charset="0"/>
+              </a:rPr>
+              <a:t>sns.</a:t>
+            </a:r>
+            <a:r>
+              <a:rPr lang="pt-BR" sz="2000" b="1" dirty="0" err="1">
+                <a:latin typeface="Times New Roman" panose="02020603050405020304" pitchFamily="18" charset="0"/>
+                <a:cs typeface="Times New Roman" panose="02020603050405020304" pitchFamily="18" charset="0"/>
+              </a:rPr>
+              <a:t>heatmap</a:t>
+            </a:r>
+            <a:r>
+              <a:rPr lang="pt-BR" sz="2000" dirty="0">
+                <a:latin typeface="Times New Roman" panose="02020603050405020304" pitchFamily="18" charset="0"/>
+                <a:cs typeface="Times New Roman" panose="02020603050405020304" pitchFamily="18" charset="0"/>
+              </a:rPr>
+              <a:t>(correlacao2, </a:t>
+            </a:r>
+            <a:r>
+              <a:rPr lang="pt-BR" sz="2000" b="1" dirty="0" err="1">
+                <a:latin typeface="Times New Roman" panose="02020603050405020304" pitchFamily="18" charset="0"/>
+                <a:cs typeface="Times New Roman" panose="02020603050405020304" pitchFamily="18" charset="0"/>
+              </a:rPr>
+              <a:t>cmap</a:t>
+            </a:r>
+            <a:r>
+              <a:rPr lang="pt-BR" sz="2000" dirty="0">
+                <a:latin typeface="Times New Roman" panose="02020603050405020304" pitchFamily="18" charset="0"/>
+                <a:cs typeface="Times New Roman" panose="02020603050405020304" pitchFamily="18" charset="0"/>
+              </a:rPr>
+              <a:t>=</a:t>
+            </a:r>
+            <a:r>
+              <a:rPr lang="pt-BR" sz="2000" dirty="0" err="1">
+                <a:latin typeface="Times New Roman" panose="02020603050405020304" pitchFamily="18" charset="0"/>
+                <a:cs typeface="Times New Roman" panose="02020603050405020304" pitchFamily="18" charset="0"/>
+              </a:rPr>
+              <a:t>Greens</a:t>
+            </a:r>
+            <a:r>
+              <a:rPr lang="pt-BR" sz="2000" dirty="0">
+                <a:latin typeface="Times New Roman" panose="02020603050405020304" pitchFamily="18" charset="0"/>
+                <a:cs typeface="Times New Roman" panose="02020603050405020304" pitchFamily="18" charset="0"/>
+              </a:rPr>
+              <a:t>', </a:t>
+            </a:r>
+            <a:r>
+              <a:rPr lang="pt-BR" sz="2000" b="1" dirty="0" err="1">
+                <a:latin typeface="Times New Roman" panose="02020603050405020304" pitchFamily="18" charset="0"/>
+                <a:cs typeface="Times New Roman" panose="02020603050405020304" pitchFamily="18" charset="0"/>
+              </a:rPr>
+              <a:t>annot</a:t>
+            </a:r>
+            <a:r>
+              <a:rPr lang="pt-BR" sz="2000" dirty="0">
+                <a:latin typeface="Times New Roman" panose="02020603050405020304" pitchFamily="18" charset="0"/>
+                <a:cs typeface="Times New Roman" panose="02020603050405020304" pitchFamily="18" charset="0"/>
+              </a:rPr>
+              <a:t>=</a:t>
+            </a:r>
+            <a:r>
+              <a:rPr lang="pt-BR" sz="2000" dirty="0" err="1">
+                <a:latin typeface="Times New Roman" panose="02020603050405020304" pitchFamily="18" charset="0"/>
+                <a:cs typeface="Times New Roman" panose="02020603050405020304" pitchFamily="18" charset="0"/>
+              </a:rPr>
+              <a:t>True</a:t>
+            </a:r>
+            <a:r>
+              <a:rPr lang="pt-BR" sz="2000" dirty="0">
+                <a:latin typeface="Times New Roman" panose="02020603050405020304" pitchFamily="18" charset="0"/>
+                <a:cs typeface="Times New Roman" panose="02020603050405020304" pitchFamily="18" charset="0"/>
+              </a:rPr>
+              <a:t>) # criar o gráfico</a:t>
+            </a:r>
+          </a:p>
+          <a:p>
+            <a:pPr marL="0" indent="0" algn="just">
+              <a:buNone/>
+            </a:pPr>
+            <a:endParaRPr lang="pt-BR" sz="2000" dirty="0">
+              <a:latin typeface="Times New Roman" panose="02020603050405020304" pitchFamily="18" charset="0"/>
+              <a:cs typeface="Times New Roman" panose="02020603050405020304" pitchFamily="18" charset="0"/>
+            </a:endParaRPr>
+          </a:p>
+          <a:p>
+            <a:pPr marL="0" indent="0" algn="just">
+              <a:buNone/>
+            </a:pPr>
+            <a:r>
+              <a:rPr lang="pt-BR" sz="2000" dirty="0">
+                <a:latin typeface="Times New Roman" panose="02020603050405020304" pitchFamily="18" charset="0"/>
+                <a:cs typeface="Times New Roman" panose="02020603050405020304" pitchFamily="18" charset="0"/>
+              </a:rPr>
+              <a:t># </a:t>
+            </a:r>
+            <a:r>
+              <a:rPr lang="pt-BR" sz="2000" b="1" dirty="0">
+                <a:latin typeface="Times New Roman" panose="02020603050405020304" pitchFamily="18" charset="0"/>
+                <a:cs typeface="Times New Roman" panose="02020603050405020304" pitchFamily="18" charset="0"/>
+              </a:rPr>
+              <a:t>Exibir o Gráfico</a:t>
+            </a:r>
+          </a:p>
+          <a:p>
+            <a:pPr marL="0" indent="0" algn="just">
+              <a:buNone/>
+            </a:pPr>
+            <a:r>
+              <a:rPr lang="pt-BR" sz="2000" dirty="0" err="1">
+                <a:latin typeface="Times New Roman" panose="02020603050405020304" pitchFamily="18" charset="0"/>
+                <a:cs typeface="Times New Roman" panose="02020603050405020304" pitchFamily="18" charset="0"/>
+              </a:rPr>
+              <a:t>plt.</a:t>
+            </a:r>
+            <a:r>
+              <a:rPr lang="pt-BR" sz="2000" b="1" dirty="0" err="1">
+                <a:latin typeface="Times New Roman" panose="02020603050405020304" pitchFamily="18" charset="0"/>
+                <a:cs typeface="Times New Roman" panose="02020603050405020304" pitchFamily="18" charset="0"/>
+              </a:rPr>
+              <a:t>show</a:t>
+            </a:r>
+            <a:r>
+              <a:rPr lang="pt-BR" sz="2000" dirty="0">
+                <a:latin typeface="Times New Roman" panose="02020603050405020304" pitchFamily="18" charset="0"/>
+                <a:cs typeface="Times New Roman" panose="02020603050405020304" pitchFamily="18" charset="0"/>
+              </a:rPr>
+              <a:t>()</a:t>
+            </a:r>
           </a:p>
         </p:txBody>
       </p:sp>
     </p:spTree>
     <p:extLst>
       <p:ext uri="{BB962C8B-B14F-4D97-AF65-F5344CB8AC3E}">
-        <p14:creationId xmlns:p14="http://schemas.microsoft.com/office/powerpoint/2010/main" val="1901903825"/>
+        <p14:creationId xmlns:p14="http://schemas.microsoft.com/office/powerpoint/2010/main" val="3139995192"/>
       </p:ext>
     </p:extLst>
   </p:cSld>
@@ -5201,7 +5234,7 @@
                 <a:latin typeface="Times New Roman" panose="02020603050405020304" pitchFamily="18" charset="0"/>
                 <a:cs typeface="Times New Roman" panose="02020603050405020304" pitchFamily="18" charset="0"/>
               </a:rPr>
-              <a:t>4. Modelagem/Algoritmo (</a:t>
+              <a:t>4. Modelagem/Algoritmo = (IA, se necessário) -  dividir a base em </a:t>
             </a:r>
             <a:r>
               <a:rPr lang="pt-BR" sz="2000" b="1" dirty="0">
@@ -5211,15 +5244,80 @@
                 <a:latin typeface="Times New Roman" panose="02020603050405020304" pitchFamily="18" charset="0"/>
                 <a:cs typeface="Times New Roman" panose="02020603050405020304" pitchFamily="18" charset="0"/>
               </a:rPr>
-              <a:t>4 - Continuação</a:t>
+              <a:t>Y e X</a:t>
+            </a:r>
+          </a:p>
+          <a:p>
+            <a:pPr marL="0" indent="0" algn="just">
+              <a:buNone/>
+            </a:pPr>
+            <a:r>
+              <a:rPr lang="pt-BR" sz="2000" dirty="0">
+                <a:latin typeface="Times New Roman" panose="02020603050405020304" pitchFamily="18" charset="0"/>
+                <a:cs typeface="Times New Roman" panose="02020603050405020304" pitchFamily="18" charset="0"/>
+              </a:rPr>
+              <a:t># </a:t>
             </a:r>
             <a:r>
               <a:rPr lang="pt-BR" sz="2000" b="1" dirty="0">
+                <a:solidFill>
+                  <a:srgbClr val="FF0000"/>
+                </a:solidFill>
+                <a:latin typeface="Times New Roman" panose="02020603050405020304" pitchFamily="18" charset="0"/>
+                <a:cs typeface="Times New Roman" panose="02020603050405020304" pitchFamily="18" charset="0"/>
+              </a:rPr>
+              <a:t>Preparando a base de dados para o aprendizado da IA</a:t>
+            </a:r>
+          </a:p>
+          <a:p>
+            <a:pPr marL="0" indent="0" algn="just">
+              <a:buNone/>
+            </a:pPr>
+            <a:r>
+              <a:rPr lang="pt-BR" sz="2000" dirty="0">
+                <a:solidFill>
+                  <a:schemeClr val="tx1"/>
+                </a:solidFill>
+                <a:latin typeface="Times New Roman" panose="02020603050405020304" pitchFamily="18" charset="0"/>
+                <a:cs typeface="Times New Roman" panose="02020603050405020304" pitchFamily="18" charset="0"/>
+              </a:rPr>
+              <a:t># </a:t>
+            </a:r>
+            <a:r>
+              <a:rPr lang="pt-BR" sz="2000" b="1" dirty="0">
+                <a:solidFill>
+                  <a:srgbClr val="FF0000"/>
+                </a:solidFill>
+                <a:latin typeface="Times New Roman" panose="02020603050405020304" pitchFamily="18" charset="0"/>
+                <a:cs typeface="Times New Roman" panose="02020603050405020304" pitchFamily="18" charset="0"/>
+              </a:rPr>
+              <a:t>Previsões (</a:t>
+            </a:r>
+            <a:r>
+              <a:rPr lang="pt-BR" sz="2000" b="1" dirty="0">
+                <a:solidFill>
+                  <a:schemeClr val="tx1"/>
+                </a:solidFill>
+                <a:latin typeface="Times New Roman" panose="02020603050405020304" pitchFamily="18" charset="0"/>
+                <a:cs typeface="Times New Roman" panose="02020603050405020304" pitchFamily="18" charset="0"/>
+              </a:rPr>
+              <a:t>probabilidades</a:t>
+            </a:r>
+            <a:r>
+              <a:rPr lang="pt-BR" sz="2000" b="1" dirty="0">
+                <a:solidFill>
+                  <a:srgbClr val="FF0000"/>
+                </a:solidFill>
                 <a:latin typeface="Times New Roman" panose="02020603050405020304" pitchFamily="18" charset="0"/>
                 <a:cs typeface="Times New Roman" panose="02020603050405020304" pitchFamily="18" charset="0"/>
               </a:rPr>
               <a:t>)</a:t>
             </a:r>
+          </a:p>
+          <a:p>
+            <a:pPr marL="0" indent="0" algn="just">
+              <a:buNone/>
+            </a:pPr>
             <a:endParaRPr lang="pt-BR" sz="2000" b="1" dirty="0">
               <a:solidFill>
                 <a:srgbClr val="FF0000"/>
@@ -5232,226 +5330,56 @@
             <a:pPr marL="0" indent="0" algn="just">
               <a:buNone/>
             </a:pPr>
-            <a:endParaRPr lang="pt-BR" sz="2000" b="1" dirty="0">
-              <a:solidFill>
-                <a:srgbClr val="FF0000"/>
-              </a:solidFill>
-              <a:latin typeface="Times New Roman" panose="02020603050405020304" pitchFamily="18" charset="0"/>
-              <a:cs typeface="Times New Roman" panose="02020603050405020304" pitchFamily="18" charset="0"/>
-            </a:endParaRPr>
+            <a:r>
+              <a:rPr lang="pt-BR" sz="2000" dirty="0">
+                <a:latin typeface="Times New Roman" panose="02020603050405020304" pitchFamily="18" charset="0"/>
+                <a:cs typeface="Times New Roman" panose="02020603050405020304" pitchFamily="18" charset="0"/>
+              </a:rPr>
+              <a:t>y = entidade[</a:t>
+            </a:r>
+            <a:r>
+              <a:rPr lang="pt-BR" sz="2000" dirty="0" err="1">
+                <a:latin typeface="Times New Roman" panose="02020603050405020304" pitchFamily="18" charset="0"/>
+                <a:cs typeface="Times New Roman" panose="02020603050405020304" pitchFamily="18" charset="0"/>
+              </a:rPr>
+              <a:t>Preco</a:t>
+            </a:r>
+            <a:r>
+              <a:rPr lang="pt-BR" sz="2000" dirty="0">
+                <a:latin typeface="Times New Roman" panose="02020603050405020304" pitchFamily="18" charset="0"/>
+                <a:cs typeface="Times New Roman" panose="02020603050405020304" pitchFamily="18" charset="0"/>
+              </a:rPr>
+              <a:t>']   # IA = </a:t>
+            </a:r>
+            <a:r>
+              <a:rPr lang="pt-BR" sz="2000" b="1" dirty="0">
+                <a:solidFill>
+                  <a:srgbClr val="FF0000"/>
+                </a:solidFill>
+                <a:latin typeface="Times New Roman" panose="02020603050405020304" pitchFamily="18" charset="0"/>
+                <a:cs typeface="Times New Roman" panose="02020603050405020304" pitchFamily="18" charset="0"/>
+              </a:rPr>
+              <a:t>aprender</a:t>
+            </a:r>
+            <a:r>
+              <a:rPr lang="pt-BR" sz="2000" b="1" dirty="0">
+                <a:latin typeface="Times New Roman" panose="02020603050405020304" pitchFamily="18" charset="0"/>
+                <a:cs typeface="Times New Roman" panose="02020603050405020304" pitchFamily="18" charset="0"/>
+              </a:rPr>
+              <a:t>/decorar</a:t>
+            </a:r>
+            <a:r>
+              <a:rPr lang="pt-BR" sz="2000" dirty="0">
+                <a:latin typeface="Times New Roman" panose="02020603050405020304" pitchFamily="18" charset="0"/>
+                <a:cs typeface="Times New Roman" panose="02020603050405020304" pitchFamily="18" charset="0"/>
+              </a:rPr>
+              <a:t>;</a:t>
+            </a:r>
           </a:p>
           <a:p>
             <a:pPr marL="0" indent="0" algn="just">
               <a:buNone/>
             </a:pPr>
-            <a:r>
-              <a:rPr lang="pt-BR" sz="2000" b="1" dirty="0">
-                <a:solidFill>
-                  <a:schemeClr val="tx1"/>
-                </a:solidFill>
-                <a:latin typeface="Times New Roman" panose="02020603050405020304" pitchFamily="18" charset="0"/>
-                <a:cs typeface="Times New Roman" panose="02020603050405020304" pitchFamily="18" charset="0"/>
-              </a:rPr>
-              <a:t>#</a:t>
-            </a:r>
-            <a:r>
-              <a:rPr lang="pt-BR" sz="2000" b="1" dirty="0">
-                <a:solidFill>
-                  <a:srgbClr val="FF0000"/>
-                </a:solidFill>
-                <a:latin typeface="Times New Roman" panose="02020603050405020304" pitchFamily="18" charset="0"/>
-                <a:cs typeface="Times New Roman" panose="02020603050405020304" pitchFamily="18" charset="0"/>
-              </a:rPr>
-              <a:t> </a:t>
-            </a:r>
-            <a:r>
-              <a:rPr lang="pt-BR" sz="2000" b="1" dirty="0">
-                <a:latin typeface="Times New Roman" panose="02020603050405020304" pitchFamily="18" charset="0"/>
-                <a:cs typeface="Times New Roman" panose="02020603050405020304" pitchFamily="18" charset="0"/>
-              </a:rPr>
-              <a:t>(</a:t>
-            </a:r>
-            <a:r>
-              <a:rPr lang="pt-BR" sz="2000" b="1" dirty="0">
-                <a:solidFill>
-                  <a:srgbClr val="FF0000"/>
-                </a:solidFill>
-                <a:latin typeface="Times New Roman" panose="02020603050405020304" pitchFamily="18" charset="0"/>
-                <a:cs typeface="Times New Roman" panose="02020603050405020304" pitchFamily="18" charset="0"/>
-              </a:rPr>
-              <a:t>Treino70/30 Teste</a:t>
-            </a:r>
-            <a:r>
-              <a:rPr lang="pt-BR" sz="2000" b="1" dirty="0">
-                <a:latin typeface="Times New Roman" panose="02020603050405020304" pitchFamily="18" charset="0"/>
-                <a:cs typeface="Times New Roman" panose="02020603050405020304" pitchFamily="18" charset="0"/>
-              </a:rPr>
-              <a:t>; 60/40; 80/20) - </a:t>
-            </a:r>
-            <a:r>
-              <a:rPr lang="pt-BR" sz="2000" b="1" dirty="0" err="1">
-                <a:latin typeface="Times New Roman" panose="02020603050405020304" pitchFamily="18" charset="0"/>
-                <a:cs typeface="Times New Roman" panose="02020603050405020304" pitchFamily="18" charset="0"/>
-              </a:rPr>
-              <a:t>overfitting</a:t>
-            </a:r>
-            <a:r>
-              <a:rPr lang="pt-BR" sz="2800" dirty="0">
-                <a:latin typeface="Times New Roman" panose="02020603050405020304" pitchFamily="18" charset="0"/>
-                <a:cs typeface="Times New Roman" panose="02020603050405020304" pitchFamily="18" charset="0"/>
-              </a:rPr>
-              <a:t>(</a:t>
-            </a:r>
-            <a:r>
-              <a:rPr lang="pt-BR" sz="2000" b="1" dirty="0">
-                <a:solidFill>
-                  <a:srgbClr val="FF0000"/>
-                </a:solidFill>
-                <a:latin typeface="Times New Roman" panose="02020603050405020304" pitchFamily="18" charset="0"/>
-                <a:cs typeface="Times New Roman" panose="02020603050405020304" pitchFamily="18" charset="0"/>
-              </a:rPr>
-              <a:t>atenção: 100% treino</a:t>
-            </a:r>
-            <a:r>
-              <a:rPr lang="pt-BR" sz="2800" dirty="0">
-                <a:latin typeface="Times New Roman" panose="02020603050405020304" pitchFamily="18" charset="0"/>
-                <a:cs typeface="Times New Roman" panose="02020603050405020304" pitchFamily="18" charset="0"/>
-              </a:rPr>
-              <a:t>)</a:t>
-            </a:r>
-            <a:endParaRPr lang="pt-BR" sz="2000" b="1" dirty="0">
-              <a:latin typeface="Times New Roman" panose="02020603050405020304" pitchFamily="18" charset="0"/>
-              <a:cs typeface="Times New Roman" panose="02020603050405020304" pitchFamily="18" charset="0"/>
-            </a:endParaRPr>
-          </a:p>
-          <a:p>
-            <a:pPr marL="0" indent="0" algn="just">
-              <a:buNone/>
-            </a:pPr>
-            <a:endParaRPr lang="pt-BR" sz="2000" b="1" dirty="0">
-              <a:latin typeface="Times New Roman" panose="02020603050405020304" pitchFamily="18" charset="0"/>
-              <a:cs typeface="Times New Roman" panose="02020603050405020304" pitchFamily="18" charset="0"/>
-            </a:endParaRPr>
-          </a:p>
-          <a:p>
-            <a:pPr marL="0" indent="0" algn="just">
-              <a:buNone/>
-            </a:pPr>
-            <a:r>
-              <a:rPr lang="pt-BR" sz="2000" dirty="0">
-                <a:latin typeface="Times New Roman" panose="02020603050405020304" pitchFamily="18" charset="0"/>
-                <a:cs typeface="Times New Roman" panose="02020603050405020304" pitchFamily="18" charset="0"/>
-              </a:rPr>
-              <a:t># </a:t>
-            </a:r>
-            <a:r>
-              <a:rPr lang="pt-BR" sz="2000" b="1" dirty="0">
-                <a:latin typeface="Times New Roman" panose="02020603050405020304" pitchFamily="18" charset="0"/>
-                <a:cs typeface="Times New Roman" panose="02020603050405020304" pitchFamily="18" charset="0"/>
-              </a:rPr>
-              <a:t>Divisão Treino e Teste (</a:t>
-            </a:r>
-            <a:r>
-              <a:rPr lang="pt-BR" sz="2000" b="1" dirty="0" err="1">
-                <a:solidFill>
-                  <a:srgbClr val="FF0000"/>
-                </a:solidFill>
-                <a:latin typeface="Times New Roman" panose="02020603050405020304" pitchFamily="18" charset="0"/>
-                <a:cs typeface="Times New Roman" panose="02020603050405020304" pitchFamily="18" charset="0"/>
-              </a:rPr>
-              <a:t>train</a:t>
-            </a:r>
-            <a:r>
-              <a:rPr lang="pt-BR" sz="2000" b="1" dirty="0">
-                <a:solidFill>
-                  <a:srgbClr val="FF0000"/>
-                </a:solidFill>
-                <a:latin typeface="Times New Roman" panose="02020603050405020304" pitchFamily="18" charset="0"/>
-                <a:cs typeface="Times New Roman" panose="02020603050405020304" pitchFamily="18" charset="0"/>
-              </a:rPr>
-              <a:t> </a:t>
-            </a:r>
-            <a:r>
-              <a:rPr lang="pt-BR" sz="2000" b="1" dirty="0" err="1">
-                <a:solidFill>
-                  <a:srgbClr val="FF0000"/>
-                </a:solidFill>
-                <a:latin typeface="Times New Roman" panose="02020603050405020304" pitchFamily="18" charset="0"/>
-                <a:cs typeface="Times New Roman" panose="02020603050405020304" pitchFamily="18" charset="0"/>
-              </a:rPr>
-              <a:t>test</a:t>
-            </a:r>
-            <a:r>
-              <a:rPr lang="pt-BR" sz="2000" b="1" dirty="0">
-                <a:solidFill>
-                  <a:srgbClr val="FF0000"/>
-                </a:solidFill>
-                <a:latin typeface="Times New Roman" panose="02020603050405020304" pitchFamily="18" charset="0"/>
-                <a:cs typeface="Times New Roman" panose="02020603050405020304" pitchFamily="18" charset="0"/>
-              </a:rPr>
-              <a:t> split</a:t>
-            </a:r>
-            <a:r>
-              <a:rPr lang="pt-BR" sz="2000" b="1" dirty="0">
-                <a:latin typeface="Times New Roman" panose="02020603050405020304" pitchFamily="18" charset="0"/>
-                <a:cs typeface="Times New Roman" panose="02020603050405020304" pitchFamily="18" charset="0"/>
-              </a:rPr>
-              <a:t>); </a:t>
-            </a:r>
-          </a:p>
-          <a:p>
-            <a:pPr marL="0" indent="0" algn="just">
-              <a:buNone/>
-            </a:pPr>
-            <a:r>
-              <a:rPr lang="pt-BR" sz="2000" dirty="0" err="1">
-                <a:latin typeface="Times New Roman" panose="02020603050405020304" pitchFamily="18" charset="0"/>
-                <a:cs typeface="Times New Roman" panose="02020603050405020304" pitchFamily="18" charset="0"/>
-              </a:rPr>
-              <a:t>from</a:t>
-            </a:r>
-            <a:r>
-              <a:rPr lang="pt-BR" sz="2000" dirty="0">
-                <a:latin typeface="Times New Roman" panose="02020603050405020304" pitchFamily="18" charset="0"/>
-                <a:cs typeface="Times New Roman" panose="02020603050405020304" pitchFamily="18" charset="0"/>
-              </a:rPr>
-              <a:t> </a:t>
-            </a:r>
-            <a:r>
-              <a:rPr lang="pt-BR" sz="2000" dirty="0" err="1">
-                <a:latin typeface="Times New Roman" panose="02020603050405020304" pitchFamily="18" charset="0"/>
-                <a:cs typeface="Times New Roman" panose="02020603050405020304" pitchFamily="18" charset="0"/>
-              </a:rPr>
-              <a:t>sklearn.model_selection</a:t>
-            </a:r>
-            <a:r>
-              <a:rPr lang="pt-BR" sz="2000" dirty="0">
-                <a:latin typeface="Times New Roman" panose="02020603050405020304" pitchFamily="18" charset="0"/>
-                <a:cs typeface="Times New Roman" panose="02020603050405020304" pitchFamily="18" charset="0"/>
-              </a:rPr>
-              <a:t> </a:t>
-            </a:r>
-            <a:r>
-              <a:rPr lang="pt-BR" sz="2000" b="1" dirty="0" err="1">
-                <a:latin typeface="Times New Roman" panose="02020603050405020304" pitchFamily="18" charset="0"/>
-                <a:cs typeface="Times New Roman" panose="02020603050405020304" pitchFamily="18" charset="0"/>
-              </a:rPr>
-              <a:t>import</a:t>
-            </a:r>
-            <a:r>
-              <a:rPr lang="pt-BR" sz="2000" dirty="0">
-                <a:latin typeface="Times New Roman" panose="02020603050405020304" pitchFamily="18" charset="0"/>
-                <a:cs typeface="Times New Roman" panose="02020603050405020304" pitchFamily="18" charset="0"/>
-              </a:rPr>
-              <a:t> </a:t>
-            </a:r>
-            <a:r>
-              <a:rPr lang="pt-BR" sz="2000" dirty="0" err="1">
-                <a:latin typeface="Times New Roman" panose="02020603050405020304" pitchFamily="18" charset="0"/>
-                <a:cs typeface="Times New Roman" panose="02020603050405020304" pitchFamily="18" charset="0"/>
-              </a:rPr>
-              <a:t>train_test_split</a:t>
-            </a:r>
             <a:endParaRPr lang="pt-BR" sz="2000" dirty="0">
               <a:latin typeface="Times New Roman" panose="02020603050405020304" pitchFamily="18" charset="0"/>
               <a:cs typeface="Times New Roman" panose="02020603050405020304" pitchFamily="18" charset="0"/>
@@ -5462,174 +5390,147 @@
               <a:buNone/>
             </a:pPr>
             <a:r>
+              <a:rPr lang="pt-BR" sz="2000" dirty="0">
+                <a:latin typeface="Times New Roman" panose="02020603050405020304" pitchFamily="18" charset="0"/>
+                <a:cs typeface="Times New Roman" panose="02020603050405020304" pitchFamily="18" charset="0"/>
+              </a:rPr>
+              <a:t># </a:t>
+            </a:r>
+            <a:r>
               <a:rPr lang="pt-BR" sz="2000" dirty="0" err="1">
                 <a:latin typeface="Times New Roman" panose="02020603050405020304" pitchFamily="18" charset="0"/>
                 <a:cs typeface="Times New Roman" panose="02020603050405020304" pitchFamily="18" charset="0"/>
               </a:rPr>
-              <a:t>x_treino</a:t>
-            </a:r>
-            <a:r>
-              <a:rPr lang="pt-BR" sz="2000" dirty="0">
-                <a:latin typeface="Times New Roman" panose="02020603050405020304" pitchFamily="18" charset="0"/>
-                <a:cs typeface="Times New Roman" panose="02020603050405020304" pitchFamily="18" charset="0"/>
-              </a:rPr>
-              <a:t>, </a:t>
+              <a:t>axis</a:t>
+            </a:r>
+            <a:r>
+              <a:rPr lang="pt-BR" sz="2000" dirty="0">
+                <a:latin typeface="Times New Roman" panose="02020603050405020304" pitchFamily="18" charset="0"/>
+                <a:cs typeface="Times New Roman" panose="02020603050405020304" pitchFamily="18" charset="0"/>
+              </a:rPr>
+              <a:t> = 0 , linhas e </a:t>
             </a:r>
             <a:r>
               <a:rPr lang="pt-BR" sz="2000" dirty="0" err="1">
                 <a:latin typeface="Times New Roman" panose="02020603050405020304" pitchFamily="18" charset="0"/>
                 <a:cs typeface="Times New Roman" panose="02020603050405020304" pitchFamily="18" charset="0"/>
               </a:rPr>
-              <a:t>x_teste</a:t>
-            </a:r>
-            <a:r>
-              <a:rPr lang="pt-BR" sz="2000" dirty="0">
-                <a:latin typeface="Times New Roman" panose="02020603050405020304" pitchFamily="18" charset="0"/>
-                <a:cs typeface="Times New Roman" panose="02020603050405020304" pitchFamily="18" charset="0"/>
-              </a:rPr>
-              <a:t>, </a:t>
+              <a:t>axis</a:t>
+            </a:r>
+            <a:r>
+              <a:rPr lang="pt-BR" sz="2000" dirty="0">
+                <a:latin typeface="Times New Roman" panose="02020603050405020304" pitchFamily="18" charset="0"/>
+                <a:cs typeface="Times New Roman" panose="02020603050405020304" pitchFamily="18" charset="0"/>
+              </a:rPr>
+              <a:t> = 1, colunas</a:t>
+            </a:r>
+          </a:p>
+          <a:p>
+            <a:pPr marL="0" indent="0" algn="just">
+              <a:buNone/>
+            </a:pPr>
+            <a:r>
+              <a:rPr lang="pt-BR" sz="2000" dirty="0">
+                <a:latin typeface="Times New Roman" panose="02020603050405020304" pitchFamily="18" charset="0"/>
+                <a:cs typeface="Times New Roman" panose="02020603050405020304" pitchFamily="18" charset="0"/>
+              </a:rPr>
+              <a:t># x = entidade['atributo 1', 'atributo 2', 'atributo 3', 'atributo 4'] </a:t>
+            </a:r>
+          </a:p>
+          <a:p>
+            <a:pPr marL="0" indent="0" algn="just">
+              <a:buNone/>
+            </a:pPr>
+            <a:r>
+              <a:rPr lang="pt-BR" sz="2000" dirty="0">
+                <a:latin typeface="Times New Roman" panose="02020603050405020304" pitchFamily="18" charset="0"/>
+                <a:cs typeface="Times New Roman" panose="02020603050405020304" pitchFamily="18" charset="0"/>
+              </a:rPr>
+              <a:t>x = </a:t>
             </a:r>
             <a:r>
               <a:rPr lang="pt-BR" sz="2000" dirty="0" err="1">
                 <a:latin typeface="Times New Roman" panose="02020603050405020304" pitchFamily="18" charset="0"/>
                 <a:cs typeface="Times New Roman" panose="02020603050405020304" pitchFamily="18" charset="0"/>
               </a:rPr>
-              <a:t>y_treino</a:t>
-            </a:r>
-            <a:r>
-              <a:rPr lang="pt-BR" sz="2000" dirty="0">
-                <a:latin typeface="Times New Roman" panose="02020603050405020304" pitchFamily="18" charset="0"/>
-                <a:cs typeface="Times New Roman" panose="02020603050405020304" pitchFamily="18" charset="0"/>
-              </a:rPr>
-              <a:t>, </a:t>
+              <a:t>entidade.</a:t>
+            </a:r>
+            <a:r>
+              <a:rPr lang="pt-BR" sz="2000" b="1" dirty="0" err="1">
+                <a:latin typeface="Times New Roman" panose="02020603050405020304" pitchFamily="18" charset="0"/>
+                <a:cs typeface="Times New Roman" panose="02020603050405020304" pitchFamily="18" charset="0"/>
+              </a:rPr>
+              <a:t>drop</a:t>
+            </a:r>
+            <a:r>
+              <a:rPr lang="pt-BR" sz="2000" dirty="0">
+                <a:latin typeface="Times New Roman" panose="02020603050405020304" pitchFamily="18" charset="0"/>
+                <a:cs typeface="Times New Roman" panose="02020603050405020304" pitchFamily="18" charset="0"/>
+              </a:rPr>
+              <a:t>(</a:t>
             </a:r>
             <a:r>
               <a:rPr lang="pt-BR" sz="2000" dirty="0" err="1">
                 <a:latin typeface="Times New Roman" panose="02020603050405020304" pitchFamily="18" charset="0"/>
                 <a:cs typeface="Times New Roman" panose="02020603050405020304" pitchFamily="18" charset="0"/>
               </a:rPr>
-              <a:t>y_teste</a:t>
-            </a:r>
-            <a:r>
-              <a:rPr lang="pt-BR" sz="2000" dirty="0">
-                <a:latin typeface="Times New Roman" panose="02020603050405020304" pitchFamily="18" charset="0"/>
-                <a:cs typeface="Times New Roman" panose="02020603050405020304" pitchFamily="18" charset="0"/>
-              </a:rPr>
-              <a:t> = </a:t>
+              <a:t>Preco</a:t>
+            </a:r>
+            <a:r>
+              <a:rPr lang="pt-BR" sz="2000" dirty="0">
+                <a:latin typeface="Times New Roman" panose="02020603050405020304" pitchFamily="18" charset="0"/>
+                <a:cs typeface="Times New Roman" panose="02020603050405020304" pitchFamily="18" charset="0"/>
+              </a:rPr>
+              <a:t>', </a:t>
             </a:r>
             <a:r>
               <a:rPr lang="pt-BR" sz="2000" b="1" dirty="0" err="1">
                 <a:latin typeface="Times New Roman" panose="02020603050405020304" pitchFamily="18" charset="0"/>
                 <a:cs typeface="Times New Roman" panose="02020603050405020304" pitchFamily="18" charset="0"/>
               </a:rPr>
-              <a:t>train_test_split</a:t>
-            </a:r>
-            <a:r>
-              <a:rPr lang="pt-BR" sz="2000" dirty="0">
-                <a:latin typeface="Times New Roman" panose="02020603050405020304" pitchFamily="18" charset="0"/>
-                <a:cs typeface="Times New Roman" panose="02020603050405020304" pitchFamily="18" charset="0"/>
-              </a:rPr>
-              <a:t>(x, y, </a:t>
-            </a:r>
-            <a:r>
-              <a:rPr lang="pt-BR" sz="2000" b="1" dirty="0" err="1">
-                <a:latin typeface="Times New Roman" panose="02020603050405020304" pitchFamily="18" charset="0"/>
-                <a:cs typeface="Times New Roman" panose="02020603050405020304" pitchFamily="18" charset="0"/>
-              </a:rPr>
-              <a:t>test_size</a:t>
-            </a:r>
-            <a:r>
-              <a:rPr lang="pt-BR" sz="2000" dirty="0">
-                <a:latin typeface="Times New Roman" panose="02020603050405020304" pitchFamily="18" charset="0"/>
-                <a:cs typeface="Times New Roman" panose="02020603050405020304" pitchFamily="18" charset="0"/>
-              </a:rPr>
-              <a:t>=0.3, </a:t>
-            </a:r>
-            <a:r>
-              <a:rPr lang="pt-BR" sz="2000" b="1" dirty="0" err="1">
-                <a:solidFill>
-                  <a:srgbClr val="FF0000"/>
-                </a:solidFill>
-                <a:latin typeface="Times New Roman" panose="02020603050405020304" pitchFamily="18" charset="0"/>
-                <a:cs typeface="Times New Roman" panose="02020603050405020304" pitchFamily="18" charset="0"/>
-              </a:rPr>
-              <a:t>random_state</a:t>
-            </a:r>
-            <a:r>
-              <a:rPr lang="pt-BR" sz="2000" dirty="0">
-                <a:solidFill>
-                  <a:srgbClr val="FF0000"/>
-                </a:solidFill>
-                <a:latin typeface="Times New Roman" panose="02020603050405020304" pitchFamily="18" charset="0"/>
-                <a:cs typeface="Times New Roman" panose="02020603050405020304" pitchFamily="18" charset="0"/>
-              </a:rPr>
-              <a:t>=1</a:t>
-            </a:r>
-            <a:r>
-              <a:rPr lang="pt-BR" sz="2000" dirty="0">
-                <a:latin typeface="Times New Roman" panose="02020603050405020304" pitchFamily="18" charset="0"/>
-                <a:cs typeface="Times New Roman" panose="02020603050405020304" pitchFamily="18" charset="0"/>
-              </a:rPr>
-              <a:t>) # </a:t>
+              <a:t>axis</a:t>
+            </a:r>
+            <a:r>
+              <a:rPr lang="pt-BR" sz="2000" dirty="0">
+                <a:latin typeface="Times New Roman" panose="02020603050405020304" pitchFamily="18" charset="0"/>
+                <a:cs typeface="Times New Roman" panose="02020603050405020304" pitchFamily="18" charset="0"/>
+              </a:rPr>
+              <a:t>=1) # </a:t>
+            </a:r>
+            <a:r>
+              <a:rPr lang="pt-BR" sz="2000" dirty="0" err="1">
+                <a:latin typeface="Times New Roman" panose="02020603050405020304" pitchFamily="18" charset="0"/>
+                <a:cs typeface="Times New Roman" panose="02020603050405020304" pitchFamily="18" charset="0"/>
+              </a:rPr>
+              <a:t>axis</a:t>
+            </a:r>
+            <a:r>
+              <a:rPr lang="pt-BR" sz="2000" dirty="0">
+                <a:latin typeface="Times New Roman" panose="02020603050405020304" pitchFamily="18" charset="0"/>
+                <a:cs typeface="Times New Roman" panose="02020603050405020304" pitchFamily="18" charset="0"/>
+              </a:rPr>
+              <a:t> = 1 (</a:t>
             </a:r>
             <a:r>
               <a:rPr lang="pt-BR" sz="2000" b="1" dirty="0">
                 <a:latin typeface="Times New Roman" panose="02020603050405020304" pitchFamily="18" charset="0"/>
                 <a:cs typeface="Times New Roman" panose="02020603050405020304" pitchFamily="18" charset="0"/>
               </a:rPr>
-              <a:t>70% foi para treino; </a:t>
-            </a:r>
-            <a:r>
-              <a:rPr lang="pt-BR" sz="2000" b="1" dirty="0" err="1">
-                <a:solidFill>
-                  <a:srgbClr val="FF0000"/>
-                </a:solidFill>
-                <a:latin typeface="Times New Roman" panose="02020603050405020304" pitchFamily="18" charset="0"/>
-                <a:cs typeface="Times New Roman" panose="02020603050405020304" pitchFamily="18" charset="0"/>
-              </a:rPr>
-              <a:t>random_state</a:t>
-            </a:r>
-            <a:r>
-              <a:rPr lang="pt-BR" sz="2000" dirty="0">
-                <a:solidFill>
-                  <a:srgbClr val="FF0000"/>
-                </a:solidFill>
-                <a:latin typeface="Times New Roman" panose="02020603050405020304" pitchFamily="18" charset="0"/>
-                <a:cs typeface="Times New Roman" panose="02020603050405020304" pitchFamily="18" charset="0"/>
-              </a:rPr>
-              <a:t>=1 (</a:t>
-            </a:r>
-            <a:r>
-              <a:rPr lang="pt-BR" sz="2000" b="1" dirty="0">
-                <a:solidFill>
-                  <a:schemeClr val="tx1"/>
-                </a:solidFill>
-                <a:latin typeface="Times New Roman" panose="02020603050405020304" pitchFamily="18" charset="0"/>
-                <a:cs typeface="Times New Roman" panose="02020603050405020304" pitchFamily="18" charset="0"/>
-              </a:rPr>
-              <a:t>na prática não precisa para não fixar a base treino – </a:t>
-            </a:r>
-            <a:r>
-              <a:rPr lang="pt-BR" sz="2000" b="1" dirty="0">
-                <a:solidFill>
-                  <a:srgbClr val="FF0000"/>
-                </a:solidFill>
-                <a:latin typeface="Times New Roman" panose="02020603050405020304" pitchFamily="18" charset="0"/>
-                <a:cs typeface="Times New Roman" panose="02020603050405020304" pitchFamily="18" charset="0"/>
-              </a:rPr>
-              <a:t>é didático</a:t>
-            </a:r>
-            <a:r>
-              <a:rPr lang="pt-BR" sz="2000" dirty="0">
-                <a:solidFill>
-                  <a:srgbClr val="FF0000"/>
-                </a:solidFill>
+              <a:t>coluna</a:t>
+            </a:r>
+            <a:r>
+              <a:rPr lang="pt-BR" sz="2000" dirty="0">
                 <a:latin typeface="Times New Roman" panose="02020603050405020304" pitchFamily="18" charset="0"/>
                 <a:cs typeface="Times New Roman" panose="02020603050405020304" pitchFamily="18" charset="0"/>
               </a:rPr>
               <a:t>)</a:t>
             </a:r>
-            <a:endParaRPr lang="pt-BR" sz="2000" b="1" dirty="0">
+          </a:p>
+          <a:p>
+            <a:pPr marL="0" indent="0" algn="just">
+              <a:buNone/>
+            </a:pPr>
+            <a:endParaRPr lang="pt-BR" sz="2000" dirty="0">
               <a:latin typeface="Times New Roman" panose="02020603050405020304" pitchFamily="18" charset="0"/>
               <a:cs typeface="Times New Roman" panose="02020603050405020304" pitchFamily="18" charset="0"/>
             </a:endParaRPr>
@@ -5639,7 +5540,7 @@
     </p:spTree>
     <p:extLst>
       <p:ext uri="{BB962C8B-B14F-4D97-AF65-F5344CB8AC3E}">
-        <p14:creationId xmlns:p14="http://schemas.microsoft.com/office/powerpoint/2010/main" val="3758965724"/>
+        <p14:creationId xmlns:p14="http://schemas.microsoft.com/office/powerpoint/2010/main" val="1901903825"/>
       </p:ext>
     </p:extLst>
   </p:cSld>
@@ -5742,7 +5643,7 @@
                 <a:latin typeface="Times New Roman" panose="02020603050405020304" pitchFamily="18" charset="0"/>
                 <a:cs typeface="Times New Roman" panose="02020603050405020304" pitchFamily="18" charset="0"/>
               </a:rPr>
-              <a:t>5. IA (</a:t>
+              <a:t>4. Modelagem/Algoritmo (</a:t>
             </a:r>
             <a:r>
               <a:rPr lang="pt-BR" sz="2000" b="1" dirty="0">
@@ -5752,7 +5653,7 @@
                 <a:latin typeface="Times New Roman" panose="02020603050405020304" pitchFamily="18" charset="0"/>
                 <a:cs typeface="Times New Roman" panose="02020603050405020304" pitchFamily="18" charset="0"/>
               </a:rPr>
-              <a:t>Definir um modelo, criar o modelo e treinar o modelo</a:t>
+              <a:t>4 - Continuação</a:t>
             </a:r>
             <a:r>
               <a:rPr lang="pt-BR" sz="2000" b="1" dirty="0">
@@ -5760,132 +5661,6 @@
                 <a:cs typeface="Times New Roman" panose="02020603050405020304" pitchFamily="18" charset="0"/>
               </a:rPr>
               <a:t>)</a:t>
-            </a:r>
-          </a:p>
-          <a:p>
-            <a:pPr marL="0" indent="0" algn="just">
-              <a:buNone/>
-            </a:pPr>
-            <a:endParaRPr lang="pt-BR" sz="2000" dirty="0">
-              <a:latin typeface="Times New Roman" panose="02020603050405020304" pitchFamily="18" charset="0"/>
-              <a:cs typeface="Times New Roman" panose="02020603050405020304" pitchFamily="18" charset="0"/>
-            </a:endParaRPr>
-          </a:p>
-          <a:p>
-            <a:pPr marL="0" indent="0" algn="just">
-              <a:buNone/>
-            </a:pPr>
-            <a:r>
-              <a:rPr lang="pt-BR" sz="2000" dirty="0">
-                <a:latin typeface="Times New Roman" panose="02020603050405020304" pitchFamily="18" charset="0"/>
-                <a:cs typeface="Times New Roman" panose="02020603050405020304" pitchFamily="18" charset="0"/>
-              </a:rPr>
-              <a:t># </a:t>
-            </a:r>
-            <a:r>
-              <a:rPr lang="pt-BR" sz="2000" b="1" dirty="0">
-                <a:latin typeface="Times New Roman" panose="02020603050405020304" pitchFamily="18" charset="0"/>
-                <a:cs typeface="Times New Roman" panose="02020603050405020304" pitchFamily="18" charset="0"/>
-              </a:rPr>
-              <a:t>Importar a IA (</a:t>
-            </a:r>
-            <a:r>
-              <a:rPr lang="pt-BR" sz="2000" b="1" dirty="0">
-                <a:solidFill>
-                  <a:srgbClr val="FF0000"/>
-                </a:solidFill>
-                <a:latin typeface="Times New Roman" panose="02020603050405020304" pitchFamily="18" charset="0"/>
-                <a:cs typeface="Times New Roman" panose="02020603050405020304" pitchFamily="18" charset="0"/>
-              </a:rPr>
-              <a:t>redes neurais, regressão linear, arvore de decisão, </a:t>
-            </a:r>
-            <a:r>
-              <a:rPr lang="pt-BR" sz="2000" b="1" dirty="0" err="1">
-                <a:solidFill>
-                  <a:srgbClr val="FF0000"/>
-                </a:solidFill>
-                <a:latin typeface="Times New Roman" panose="02020603050405020304" pitchFamily="18" charset="0"/>
-                <a:cs typeface="Times New Roman" panose="02020603050405020304" pitchFamily="18" charset="0"/>
-              </a:rPr>
-              <a:t>etc</a:t>
-            </a:r>
-            <a:r>
-              <a:rPr lang="pt-BR" sz="2000" b="1" dirty="0">
-                <a:latin typeface="Times New Roman" panose="02020603050405020304" pitchFamily="18" charset="0"/>
-                <a:cs typeface="Times New Roman" panose="02020603050405020304" pitchFamily="18" charset="0"/>
-              </a:rPr>
-              <a:t>)</a:t>
-            </a:r>
-          </a:p>
-          <a:p>
-            <a:pPr marL="0" indent="0" algn="just">
-              <a:buNone/>
-            </a:pPr>
-            <a:r>
-              <a:rPr lang="pt-BR" sz="2000" dirty="0" err="1">
-                <a:latin typeface="Times New Roman" panose="02020603050405020304" pitchFamily="18" charset="0"/>
-                <a:cs typeface="Times New Roman" panose="02020603050405020304" pitchFamily="18" charset="0"/>
-              </a:rPr>
-              <a:t>from</a:t>
-            </a:r>
-            <a:r>
-              <a:rPr lang="pt-BR" sz="2000" dirty="0">
-                <a:latin typeface="Times New Roman" panose="02020603050405020304" pitchFamily="18" charset="0"/>
-                <a:cs typeface="Times New Roman" panose="02020603050405020304" pitchFamily="18" charset="0"/>
-              </a:rPr>
-              <a:t> </a:t>
-            </a:r>
-            <a:r>
-              <a:rPr lang="pt-BR" sz="2000" dirty="0" err="1">
-                <a:latin typeface="Times New Roman" panose="02020603050405020304" pitchFamily="18" charset="0"/>
-                <a:cs typeface="Times New Roman" panose="02020603050405020304" pitchFamily="18" charset="0"/>
-              </a:rPr>
-              <a:t>sklearn.linear_model</a:t>
-            </a:r>
-            <a:r>
-              <a:rPr lang="pt-BR" sz="2000" dirty="0">
-                <a:latin typeface="Times New Roman" panose="02020603050405020304" pitchFamily="18" charset="0"/>
-                <a:cs typeface="Times New Roman" panose="02020603050405020304" pitchFamily="18" charset="0"/>
-              </a:rPr>
-              <a:t> </a:t>
-            </a:r>
-            <a:r>
-              <a:rPr lang="pt-BR" sz="2000" b="1" dirty="0" err="1">
-                <a:latin typeface="Times New Roman" panose="02020603050405020304" pitchFamily="18" charset="0"/>
-                <a:cs typeface="Times New Roman" panose="02020603050405020304" pitchFamily="18" charset="0"/>
-              </a:rPr>
-              <a:t>import</a:t>
-            </a:r>
-            <a:r>
-              <a:rPr lang="pt-BR" sz="2000" dirty="0">
-                <a:latin typeface="Times New Roman" panose="02020603050405020304" pitchFamily="18" charset="0"/>
-                <a:cs typeface="Times New Roman" panose="02020603050405020304" pitchFamily="18" charset="0"/>
-              </a:rPr>
-              <a:t> </a:t>
-            </a:r>
-            <a:r>
-              <a:rPr lang="pt-BR" sz="2000" dirty="0" err="1">
-                <a:latin typeface="Times New Roman" panose="02020603050405020304" pitchFamily="18" charset="0"/>
-                <a:cs typeface="Times New Roman" panose="02020603050405020304" pitchFamily="18" charset="0"/>
-              </a:rPr>
-              <a:t>LinearRegression</a:t>
-            </a:r>
-            <a:r>
-              <a:rPr lang="pt-BR" sz="2000" dirty="0">
-                <a:latin typeface="Times New Roman" panose="02020603050405020304" pitchFamily="18" charset="0"/>
-                <a:cs typeface="Times New Roman" panose="02020603050405020304" pitchFamily="18" charset="0"/>
-              </a:rPr>
-              <a:t> # </a:t>
-            </a:r>
-            <a:r>
-              <a:rPr lang="pt-BR" sz="2000" b="1" dirty="0" err="1">
-                <a:solidFill>
-                  <a:srgbClr val="FF0000"/>
-                </a:solidFill>
-                <a:latin typeface="Times New Roman" panose="02020603050405020304" pitchFamily="18" charset="0"/>
-                <a:cs typeface="Times New Roman" panose="02020603050405020304" pitchFamily="18" charset="0"/>
-              </a:rPr>
-              <a:t>NeuralNetwork</a:t>
             </a:r>
             <a:endParaRPr lang="pt-BR" sz="2000" b="1" dirty="0">
               <a:solidFill>
@@ -5899,12 +5674,200 @@
             <a:pPr marL="0" indent="0" algn="just">
               <a:buNone/>
             </a:pPr>
+            <a:endParaRPr lang="pt-BR" sz="2000" b="1" dirty="0">
+              <a:solidFill>
+                <a:srgbClr val="FF0000"/>
+              </a:solidFill>
+              <a:latin typeface="Times New Roman" panose="02020603050405020304" pitchFamily="18" charset="0"/>
+              <a:cs typeface="Times New Roman" panose="02020603050405020304" pitchFamily="18" charset="0"/>
+            </a:endParaRPr>
+          </a:p>
+          <a:p>
+            <a:pPr marL="0" indent="0" algn="just">
+              <a:buNone/>
+            </a:pPr>
+            <a:r>
+              <a:rPr lang="pt-BR" sz="2000" b="1" dirty="0">
+                <a:solidFill>
+                  <a:schemeClr val="tx1"/>
+                </a:solidFill>
+                <a:latin typeface="Times New Roman" panose="02020603050405020304" pitchFamily="18" charset="0"/>
+                <a:cs typeface="Times New Roman" panose="02020603050405020304" pitchFamily="18" charset="0"/>
+              </a:rPr>
+              <a:t>#</a:t>
+            </a:r>
+            <a:r>
+              <a:rPr lang="pt-BR" sz="2000" b="1" dirty="0">
+                <a:solidFill>
+                  <a:srgbClr val="FF0000"/>
+                </a:solidFill>
+                <a:latin typeface="Times New Roman" panose="02020603050405020304" pitchFamily="18" charset="0"/>
+                <a:cs typeface="Times New Roman" panose="02020603050405020304" pitchFamily="18" charset="0"/>
+              </a:rPr>
+              <a:t> </a:t>
+            </a:r>
+            <a:r>
+              <a:rPr lang="pt-BR" sz="2000" b="1" dirty="0">
+                <a:latin typeface="Times New Roman" panose="02020603050405020304" pitchFamily="18" charset="0"/>
+                <a:cs typeface="Times New Roman" panose="02020603050405020304" pitchFamily="18" charset="0"/>
+              </a:rPr>
+              <a:t>(</a:t>
+            </a:r>
+            <a:r>
+              <a:rPr lang="pt-BR" sz="2000" b="1" dirty="0">
+                <a:solidFill>
+                  <a:srgbClr val="FF0000"/>
+                </a:solidFill>
+                <a:latin typeface="Times New Roman" panose="02020603050405020304" pitchFamily="18" charset="0"/>
+                <a:cs typeface="Times New Roman" panose="02020603050405020304" pitchFamily="18" charset="0"/>
+              </a:rPr>
+              <a:t>Treino70/30 Teste</a:t>
+            </a:r>
+            <a:r>
+              <a:rPr lang="pt-BR" sz="2000" b="1" dirty="0">
+                <a:latin typeface="Times New Roman" panose="02020603050405020304" pitchFamily="18" charset="0"/>
+                <a:cs typeface="Times New Roman" panose="02020603050405020304" pitchFamily="18" charset="0"/>
+              </a:rPr>
+              <a:t>; 60/40; 80/20) - </a:t>
+            </a:r>
+            <a:r>
+              <a:rPr lang="pt-BR" sz="2000" b="1" dirty="0" err="1">
+                <a:solidFill>
+                  <a:srgbClr val="0070C0"/>
+                </a:solidFill>
+                <a:latin typeface="Times New Roman" panose="02020603050405020304" pitchFamily="18" charset="0"/>
+                <a:cs typeface="Times New Roman" panose="02020603050405020304" pitchFamily="18" charset="0"/>
+              </a:rPr>
+              <a:t>Overfitting</a:t>
+            </a:r>
+            <a:r>
+              <a:rPr lang="pt-BR" sz="2800" dirty="0">
+                <a:latin typeface="Times New Roman" panose="02020603050405020304" pitchFamily="18" charset="0"/>
+                <a:cs typeface="Times New Roman" panose="02020603050405020304" pitchFamily="18" charset="0"/>
+              </a:rPr>
+              <a:t>(</a:t>
+            </a:r>
+            <a:r>
+              <a:rPr lang="pt-BR" sz="2000" b="1" dirty="0">
+                <a:solidFill>
+                  <a:srgbClr val="FF0000"/>
+                </a:solidFill>
+                <a:latin typeface="Times New Roman" panose="02020603050405020304" pitchFamily="18" charset="0"/>
+                <a:cs typeface="Times New Roman" panose="02020603050405020304" pitchFamily="18" charset="0"/>
+              </a:rPr>
+              <a:t>atenção: 100% treino</a:t>
+            </a:r>
+            <a:r>
+              <a:rPr lang="pt-BR" sz="2800" dirty="0">
+                <a:latin typeface="Times New Roman" panose="02020603050405020304" pitchFamily="18" charset="0"/>
+                <a:cs typeface="Times New Roman" panose="02020603050405020304" pitchFamily="18" charset="0"/>
+              </a:rPr>
+              <a:t>)</a:t>
+            </a:r>
+            <a:endParaRPr lang="pt-BR" sz="2000" b="1" dirty="0">
+              <a:latin typeface="Times New Roman" panose="02020603050405020304" pitchFamily="18" charset="0"/>
+              <a:cs typeface="Times New Roman" panose="02020603050405020304" pitchFamily="18" charset="0"/>
+            </a:endParaRPr>
+          </a:p>
+          <a:p>
+            <a:pPr marL="0" indent="0" algn="just">
+              <a:buNone/>
+            </a:pPr>
+            <a:endParaRPr lang="pt-BR" sz="2000" b="1" dirty="0">
+              <a:latin typeface="Times New Roman" panose="02020603050405020304" pitchFamily="18" charset="0"/>
+              <a:cs typeface="Times New Roman" panose="02020603050405020304" pitchFamily="18" charset="0"/>
+            </a:endParaRPr>
+          </a:p>
+          <a:p>
+            <a:pPr marL="0" indent="0" algn="just">
+              <a:buNone/>
+            </a:pPr>
+            <a:r>
+              <a:rPr lang="pt-BR" sz="2000" dirty="0">
+                <a:latin typeface="Times New Roman" panose="02020603050405020304" pitchFamily="18" charset="0"/>
+                <a:cs typeface="Times New Roman" panose="02020603050405020304" pitchFamily="18" charset="0"/>
+              </a:rPr>
+              <a:t># </a:t>
+            </a:r>
+            <a:r>
+              <a:rPr lang="pt-BR" sz="2000" b="1" dirty="0">
+                <a:latin typeface="Times New Roman" panose="02020603050405020304" pitchFamily="18" charset="0"/>
+                <a:cs typeface="Times New Roman" panose="02020603050405020304" pitchFamily="18" charset="0"/>
+              </a:rPr>
+              <a:t>Divisão Treino e Teste (</a:t>
+            </a:r>
+            <a:r>
+              <a:rPr lang="pt-BR" sz="2000" b="1" dirty="0" err="1">
+                <a:solidFill>
+                  <a:srgbClr val="FF0000"/>
+                </a:solidFill>
+                <a:latin typeface="Times New Roman" panose="02020603050405020304" pitchFamily="18" charset="0"/>
+                <a:cs typeface="Times New Roman" panose="02020603050405020304" pitchFamily="18" charset="0"/>
+              </a:rPr>
+              <a:t>train</a:t>
+            </a:r>
+            <a:r>
+              <a:rPr lang="pt-BR" sz="2000" b="1" dirty="0">
+                <a:solidFill>
+                  <a:srgbClr val="FF0000"/>
+                </a:solidFill>
+                <a:latin typeface="Times New Roman" panose="02020603050405020304" pitchFamily="18" charset="0"/>
+                <a:cs typeface="Times New Roman" panose="02020603050405020304" pitchFamily="18" charset="0"/>
+              </a:rPr>
+              <a:t> </a:t>
+            </a:r>
+            <a:r>
+              <a:rPr lang="pt-BR" sz="2000" b="1" dirty="0" err="1">
+                <a:solidFill>
+                  <a:srgbClr val="FF0000"/>
+                </a:solidFill>
+                <a:latin typeface="Times New Roman" panose="02020603050405020304" pitchFamily="18" charset="0"/>
+                <a:cs typeface="Times New Roman" panose="02020603050405020304" pitchFamily="18" charset="0"/>
+              </a:rPr>
+              <a:t>test</a:t>
+            </a:r>
+            <a:r>
+              <a:rPr lang="pt-BR" sz="2000" b="1" dirty="0">
+                <a:solidFill>
+                  <a:srgbClr val="FF0000"/>
+                </a:solidFill>
+                <a:latin typeface="Times New Roman" panose="02020603050405020304" pitchFamily="18" charset="0"/>
+                <a:cs typeface="Times New Roman" panose="02020603050405020304" pitchFamily="18" charset="0"/>
+              </a:rPr>
+              <a:t> split</a:t>
+            </a:r>
+            <a:r>
+              <a:rPr lang="pt-BR" sz="2000" b="1" dirty="0">
+                <a:latin typeface="Times New Roman" panose="02020603050405020304" pitchFamily="18" charset="0"/>
+                <a:cs typeface="Times New Roman" panose="02020603050405020304" pitchFamily="18" charset="0"/>
+              </a:rPr>
+              <a:t>); </a:t>
+            </a:r>
+          </a:p>
+          <a:p>
+            <a:pPr marL="0" indent="0" algn="just">
+              <a:buNone/>
+            </a:pPr>
+            <a:r>
+              <a:rPr lang="pt-BR" sz="2000" b="1" dirty="0" err="1">
+                <a:latin typeface="Times New Roman" panose="02020603050405020304" pitchFamily="18" charset="0"/>
+                <a:cs typeface="Times New Roman" panose="02020603050405020304" pitchFamily="18" charset="0"/>
+              </a:rPr>
+              <a:t>from</a:t>
+            </a:r>
+            <a:r>
+              <a:rPr lang="pt-BR" sz="2000" dirty="0">
+                <a:latin typeface="Times New Roman" panose="02020603050405020304" pitchFamily="18" charset="0"/>
+                <a:cs typeface="Times New Roman" panose="02020603050405020304" pitchFamily="18" charset="0"/>
+              </a:rPr>
+              <a:t> </a:t>
+            </a:r>
             <a:r>
               <a:rPr lang="pt-BR" sz="2000" dirty="0" err="1">
                 <a:latin typeface="Times New Roman" panose="02020603050405020304" pitchFamily="18" charset="0"/>
                 <a:cs typeface="Times New Roman" panose="02020603050405020304" pitchFamily="18" charset="0"/>
               </a:rPr>
-              <a:t>from</a:t>
+              <a:t>sklearn.model_selection</a:t>
             </a:r>
             <a:r>
               <a:rPr lang="pt-BR" sz="2000" dirty="0">
@@ -5914,39 +5877,25 @@
               <a:t> </a:t>
             </a:r>
             <a:r>
+              <a:rPr lang="pt-BR" sz="2000" b="1" dirty="0" err="1">
+                <a:latin typeface="Times New Roman" panose="02020603050405020304" pitchFamily="18" charset="0"/>
+                <a:cs typeface="Times New Roman" panose="02020603050405020304" pitchFamily="18" charset="0"/>
+              </a:rPr>
+              <a:t>import</a:t>
+            </a:r>
+            <a:r>
+              <a:rPr lang="pt-BR" sz="2000" dirty="0">
+                <a:latin typeface="Times New Roman" panose="02020603050405020304" pitchFamily="18" charset="0"/>
+                <a:cs typeface="Times New Roman" panose="02020603050405020304" pitchFamily="18" charset="0"/>
+              </a:rPr>
+              <a:t> </a:t>
+            </a:r>
+            <a:r>
               <a:rPr lang="pt-BR" sz="2000" dirty="0" err="1">
                 <a:latin typeface="Times New Roman" panose="02020603050405020304" pitchFamily="18" charset="0"/>
                 <a:cs typeface="Times New Roman" panose="02020603050405020304" pitchFamily="18" charset="0"/>
               </a:rPr>
-              <a:t>sklearn.ensemble</a:t>
-            </a:r>
-            <a:r>
-              <a:rPr lang="pt-BR" sz="2000" dirty="0">
-                <a:latin typeface="Times New Roman" panose="02020603050405020304" pitchFamily="18" charset="0"/>
-                <a:cs typeface="Times New Roman" panose="02020603050405020304" pitchFamily="18" charset="0"/>
-              </a:rPr>
-              <a:t> </a:t>
-            </a:r>
-            <a:r>
-              <a:rPr lang="pt-BR" sz="2000" b="1" dirty="0" err="1">
-                <a:latin typeface="Times New Roman" panose="02020603050405020304" pitchFamily="18" charset="0"/>
-                <a:cs typeface="Times New Roman" panose="02020603050405020304" pitchFamily="18" charset="0"/>
-              </a:rPr>
-              <a:t>import</a:t>
-            </a:r>
-            <a:r>
-              <a:rPr lang="pt-BR" sz="2000" dirty="0">
-                <a:latin typeface="Times New Roman" panose="02020603050405020304" pitchFamily="18" charset="0"/>
-                <a:cs typeface="Times New Roman" panose="02020603050405020304" pitchFamily="18" charset="0"/>
-              </a:rPr>
-              <a:t> </a:t>
-            </a:r>
-            <a:r>
-              <a:rPr lang="pt-BR" sz="2000" dirty="0" err="1">
-                <a:latin typeface="Times New Roman" panose="02020603050405020304" pitchFamily="18" charset="0"/>
-                <a:cs typeface="Times New Roman" panose="02020603050405020304" pitchFamily="18" charset="0"/>
-              </a:rPr>
-              <a:t>RandomForestRegressor</a:t>
+              <a:t>train_test_split</a:t>
             </a:r>
             <a:endParaRPr lang="pt-BR" sz="2000" dirty="0">
               <a:latin typeface="Times New Roman" panose="02020603050405020304" pitchFamily="18" charset="0"/>
@@ -5957,102 +5906,185 @@
             <a:pPr marL="0" indent="0" algn="just">
               <a:buNone/>
             </a:pPr>
-            <a:endParaRPr lang="pt-BR" sz="2000" dirty="0">
+            <a:r>
+              <a:rPr lang="pt-BR" sz="2000" dirty="0" err="1">
+                <a:latin typeface="Times New Roman" panose="02020603050405020304" pitchFamily="18" charset="0"/>
+                <a:cs typeface="Times New Roman" panose="02020603050405020304" pitchFamily="18" charset="0"/>
+              </a:rPr>
+              <a:t>x_treino</a:t>
+            </a:r>
+            <a:r>
+              <a:rPr lang="pt-BR" sz="2000" dirty="0">
+                <a:latin typeface="Times New Roman" panose="02020603050405020304" pitchFamily="18" charset="0"/>
+                <a:cs typeface="Times New Roman" panose="02020603050405020304" pitchFamily="18" charset="0"/>
+              </a:rPr>
+              <a:t>, </a:t>
+            </a:r>
+            <a:r>
+              <a:rPr lang="pt-BR" sz="2000" dirty="0" err="1">
+                <a:latin typeface="Times New Roman" panose="02020603050405020304" pitchFamily="18" charset="0"/>
+                <a:cs typeface="Times New Roman" panose="02020603050405020304" pitchFamily="18" charset="0"/>
+              </a:rPr>
+              <a:t>x_teste</a:t>
+            </a:r>
+            <a:r>
+              <a:rPr lang="pt-BR" sz="2000" dirty="0">
+                <a:latin typeface="Times New Roman" panose="02020603050405020304" pitchFamily="18" charset="0"/>
+                <a:cs typeface="Times New Roman" panose="02020603050405020304" pitchFamily="18" charset="0"/>
+              </a:rPr>
+              <a:t>, </a:t>
+            </a:r>
+            <a:r>
+              <a:rPr lang="pt-BR" sz="2000" dirty="0" err="1">
+                <a:latin typeface="Times New Roman" panose="02020603050405020304" pitchFamily="18" charset="0"/>
+                <a:cs typeface="Times New Roman" panose="02020603050405020304" pitchFamily="18" charset="0"/>
+              </a:rPr>
+              <a:t>y_treino</a:t>
+            </a:r>
+            <a:r>
+              <a:rPr lang="pt-BR" sz="2000" dirty="0">
+                <a:latin typeface="Times New Roman" panose="02020603050405020304" pitchFamily="18" charset="0"/>
+                <a:cs typeface="Times New Roman" panose="02020603050405020304" pitchFamily="18" charset="0"/>
+              </a:rPr>
+              <a:t>, </a:t>
+            </a:r>
+            <a:r>
+              <a:rPr lang="pt-BR" sz="2000" dirty="0" err="1">
+                <a:latin typeface="Times New Roman" panose="02020603050405020304" pitchFamily="18" charset="0"/>
+                <a:cs typeface="Times New Roman" panose="02020603050405020304" pitchFamily="18" charset="0"/>
+              </a:rPr>
+              <a:t>y_teste</a:t>
+            </a:r>
+            <a:r>
+              <a:rPr lang="pt-BR" sz="2000" dirty="0">
+                <a:latin typeface="Times New Roman" panose="02020603050405020304" pitchFamily="18" charset="0"/>
+                <a:cs typeface="Times New Roman" panose="02020603050405020304" pitchFamily="18" charset="0"/>
+              </a:rPr>
+              <a:t> = </a:t>
+            </a:r>
+            <a:r>
+              <a:rPr lang="pt-BR" sz="2000" b="1" dirty="0" err="1">
+                <a:latin typeface="Times New Roman" panose="02020603050405020304" pitchFamily="18" charset="0"/>
+                <a:cs typeface="Times New Roman" panose="02020603050405020304" pitchFamily="18" charset="0"/>
+              </a:rPr>
+              <a:t>train_test_split</a:t>
+            </a:r>
+            <a:r>
+              <a:rPr lang="pt-BR" sz="2000" dirty="0">
+                <a:latin typeface="Times New Roman" panose="02020603050405020304" pitchFamily="18" charset="0"/>
+                <a:cs typeface="Times New Roman" panose="02020603050405020304" pitchFamily="18" charset="0"/>
+              </a:rPr>
+              <a:t>(x, y, </a:t>
+            </a:r>
+            <a:r>
+              <a:rPr lang="pt-BR" sz="2000" b="1" dirty="0" err="1">
+                <a:latin typeface="Times New Roman" panose="02020603050405020304" pitchFamily="18" charset="0"/>
+                <a:cs typeface="Times New Roman" panose="02020603050405020304" pitchFamily="18" charset="0"/>
+              </a:rPr>
+              <a:t>test_size</a:t>
+            </a:r>
+            <a:r>
+              <a:rPr lang="pt-BR" sz="2000" dirty="0">
+                <a:latin typeface="Times New Roman" panose="02020603050405020304" pitchFamily="18" charset="0"/>
+                <a:cs typeface="Times New Roman" panose="02020603050405020304" pitchFamily="18" charset="0"/>
+              </a:rPr>
+              <a:t>=0.3, </a:t>
+            </a:r>
+            <a:r>
+              <a:rPr lang="pt-BR" sz="2000" b="1" dirty="0" err="1">
+                <a:solidFill>
+                  <a:srgbClr val="FF0000"/>
+                </a:solidFill>
+                <a:latin typeface="Times New Roman" panose="02020603050405020304" pitchFamily="18" charset="0"/>
+                <a:cs typeface="Times New Roman" panose="02020603050405020304" pitchFamily="18" charset="0"/>
+              </a:rPr>
+              <a:t>random_state</a:t>
+            </a:r>
+            <a:r>
+              <a:rPr lang="pt-BR" sz="2000" dirty="0">
+                <a:solidFill>
+                  <a:srgbClr val="FF0000"/>
+                </a:solidFill>
+                <a:latin typeface="Times New Roman" panose="02020603050405020304" pitchFamily="18" charset="0"/>
+                <a:cs typeface="Times New Roman" panose="02020603050405020304" pitchFamily="18" charset="0"/>
+              </a:rPr>
+              <a:t>=1</a:t>
+            </a:r>
+            <a:r>
+              <a:rPr lang="pt-BR" sz="2000" dirty="0">
+                <a:latin typeface="Times New Roman" panose="02020603050405020304" pitchFamily="18" charset="0"/>
+                <a:cs typeface="Times New Roman" panose="02020603050405020304" pitchFamily="18" charset="0"/>
+              </a:rPr>
+              <a:t>) # </a:t>
+            </a:r>
+            <a:r>
+              <a:rPr lang="pt-BR" sz="2000" b="1" dirty="0">
+                <a:latin typeface="Times New Roman" panose="02020603050405020304" pitchFamily="18" charset="0"/>
+                <a:cs typeface="Times New Roman" panose="02020603050405020304" pitchFamily="18" charset="0"/>
+              </a:rPr>
+              <a:t>70% foi para treino; </a:t>
+            </a:r>
+            <a:r>
+              <a:rPr lang="pt-BR" sz="2000" b="1" dirty="0" err="1">
+                <a:solidFill>
+                  <a:srgbClr val="FF0000"/>
+                </a:solidFill>
+                <a:latin typeface="Times New Roman" panose="02020603050405020304" pitchFamily="18" charset="0"/>
+                <a:cs typeface="Times New Roman" panose="02020603050405020304" pitchFamily="18" charset="0"/>
+              </a:rPr>
+              <a:t>random_state</a:t>
+            </a:r>
+            <a:r>
+              <a:rPr lang="pt-BR" sz="2000" dirty="0">
+                <a:solidFill>
+                  <a:srgbClr val="FF0000"/>
+                </a:solidFill>
+                <a:latin typeface="Times New Roman" panose="02020603050405020304" pitchFamily="18" charset="0"/>
+                <a:cs typeface="Times New Roman" panose="02020603050405020304" pitchFamily="18" charset="0"/>
+              </a:rPr>
+              <a:t>=1 (</a:t>
+            </a:r>
+            <a:r>
+              <a:rPr lang="pt-BR" sz="2000" b="1" dirty="0">
+                <a:solidFill>
+                  <a:schemeClr val="tx1"/>
+                </a:solidFill>
+                <a:latin typeface="Times New Roman" panose="02020603050405020304" pitchFamily="18" charset="0"/>
+                <a:cs typeface="Times New Roman" panose="02020603050405020304" pitchFamily="18" charset="0"/>
+              </a:rPr>
+              <a:t>na prática não precisa para não fixar a base treino – </a:t>
+            </a:r>
+            <a:r>
+              <a:rPr lang="pt-BR" sz="2000" b="1" dirty="0">
+                <a:solidFill>
+                  <a:srgbClr val="FF0000"/>
+                </a:solidFill>
+                <a:latin typeface="Times New Roman" panose="02020603050405020304" pitchFamily="18" charset="0"/>
+                <a:cs typeface="Times New Roman" panose="02020603050405020304" pitchFamily="18" charset="0"/>
+              </a:rPr>
+              <a:t>é didático</a:t>
+            </a:r>
+            <a:r>
+              <a:rPr lang="pt-BR" sz="2000" dirty="0">
+                <a:solidFill>
+                  <a:srgbClr val="FF0000"/>
+                </a:solidFill>
+                <a:latin typeface="Times New Roman" panose="02020603050405020304" pitchFamily="18" charset="0"/>
+                <a:cs typeface="Times New Roman" panose="02020603050405020304" pitchFamily="18" charset="0"/>
+              </a:rPr>
+              <a:t>)</a:t>
+            </a:r>
+            <a:endParaRPr lang="pt-BR" sz="2000" b="1" dirty="0">
               <a:latin typeface="Times New Roman" panose="02020603050405020304" pitchFamily="18" charset="0"/>
               <a:cs typeface="Times New Roman" panose="02020603050405020304" pitchFamily="18" charset="0"/>
             </a:endParaRPr>
-          </a:p>
-          <a:p>
-            <a:pPr marL="0" indent="0" algn="just">
-              <a:buNone/>
-            </a:pPr>
-            <a:r>
-              <a:rPr lang="pt-BR" sz="2000" dirty="0">
-                <a:latin typeface="Times New Roman" panose="02020603050405020304" pitchFamily="18" charset="0"/>
-                <a:cs typeface="Times New Roman" panose="02020603050405020304" pitchFamily="18" charset="0"/>
-              </a:rPr>
-              <a:t># </a:t>
-            </a:r>
-            <a:r>
-              <a:rPr lang="pt-BR" sz="2000" b="1" dirty="0">
-                <a:latin typeface="Times New Roman" panose="02020603050405020304" pitchFamily="18" charset="0"/>
-                <a:cs typeface="Times New Roman" panose="02020603050405020304" pitchFamily="18" charset="0"/>
-              </a:rPr>
-              <a:t>Criar a IA</a:t>
-            </a:r>
-          </a:p>
-          <a:p>
-            <a:pPr marL="0" indent="0" algn="just">
-              <a:buNone/>
-            </a:pPr>
-            <a:r>
-              <a:rPr lang="pt-BR" sz="2000" dirty="0" err="1">
-                <a:latin typeface="Times New Roman" panose="02020603050405020304" pitchFamily="18" charset="0"/>
-                <a:cs typeface="Times New Roman" panose="02020603050405020304" pitchFamily="18" charset="0"/>
-              </a:rPr>
-              <a:t>modelo_regressaolinear</a:t>
-            </a:r>
-            <a:r>
-              <a:rPr lang="pt-BR" sz="2000" dirty="0">
-                <a:latin typeface="Times New Roman" panose="02020603050405020304" pitchFamily="18" charset="0"/>
-                <a:cs typeface="Times New Roman" panose="02020603050405020304" pitchFamily="18" charset="0"/>
-              </a:rPr>
-              <a:t> = </a:t>
-            </a:r>
-            <a:r>
-              <a:rPr lang="pt-BR" sz="2000" b="1" dirty="0" err="1">
-                <a:latin typeface="Times New Roman" panose="02020603050405020304" pitchFamily="18" charset="0"/>
-                <a:cs typeface="Times New Roman" panose="02020603050405020304" pitchFamily="18" charset="0"/>
-              </a:rPr>
-              <a:t>LinearRegression</a:t>
-            </a:r>
-            <a:r>
-              <a:rPr lang="pt-BR" sz="2000" dirty="0">
-                <a:latin typeface="Times New Roman" panose="02020603050405020304" pitchFamily="18" charset="0"/>
-                <a:cs typeface="Times New Roman" panose="02020603050405020304" pitchFamily="18" charset="0"/>
-              </a:rPr>
-              <a:t>()</a:t>
-            </a:r>
-          </a:p>
-          <a:p>
-            <a:pPr marL="0" indent="0" algn="just">
-              <a:buNone/>
-            </a:pPr>
-            <a:r>
-              <a:rPr lang="pt-BR" sz="2000" dirty="0" err="1">
-                <a:latin typeface="Times New Roman" panose="02020603050405020304" pitchFamily="18" charset="0"/>
-                <a:cs typeface="Times New Roman" panose="02020603050405020304" pitchFamily="18" charset="0"/>
-              </a:rPr>
-              <a:t>modelo_arvoredecisao</a:t>
-            </a:r>
-            <a:r>
-              <a:rPr lang="pt-BR" sz="2000" dirty="0">
-                <a:latin typeface="Times New Roman" panose="02020603050405020304" pitchFamily="18" charset="0"/>
-                <a:cs typeface="Times New Roman" panose="02020603050405020304" pitchFamily="18" charset="0"/>
-              </a:rPr>
-              <a:t> = </a:t>
-            </a:r>
-            <a:r>
-              <a:rPr lang="pt-BR" sz="2000" b="1" dirty="0" err="1">
-                <a:latin typeface="Times New Roman" panose="02020603050405020304" pitchFamily="18" charset="0"/>
-                <a:cs typeface="Times New Roman" panose="02020603050405020304" pitchFamily="18" charset="0"/>
-              </a:rPr>
-              <a:t>RandomForestRegressor</a:t>
-            </a:r>
-            <a:r>
-              <a:rPr lang="pt-BR" sz="2000" dirty="0">
-                <a:latin typeface="Times New Roman" panose="02020603050405020304" pitchFamily="18" charset="0"/>
-                <a:cs typeface="Times New Roman" panose="02020603050405020304" pitchFamily="18" charset="0"/>
-              </a:rPr>
-              <a:t>()</a:t>
-            </a:r>
           </a:p>
         </p:txBody>
       </p:sp>
     </p:spTree>
     <p:extLst>
       <p:ext uri="{BB962C8B-B14F-4D97-AF65-F5344CB8AC3E}">
-        <p14:creationId xmlns:p14="http://schemas.microsoft.com/office/powerpoint/2010/main" val="1484111083"/>
+        <p14:creationId xmlns:p14="http://schemas.microsoft.com/office/powerpoint/2010/main" val="3758965724"/>
       </p:ext>
     </p:extLst>
   </p:cSld>
@@ -6155,7 +6187,7 @@
                 <a:latin typeface="Times New Roman" panose="02020603050405020304" pitchFamily="18" charset="0"/>
                 <a:cs typeface="Times New Roman" panose="02020603050405020304" pitchFamily="18" charset="0"/>
               </a:rPr>
-              <a:t>Treinar a IA (</a:t>
+              <a:t>5. IA (</a:t>
             </a:r>
             <a:r>
               <a:rPr lang="pt-BR" sz="2000" b="1" dirty="0">
@@ -6165,118 +6197,10 @@
                 <a:latin typeface="Times New Roman" panose="02020603050405020304" pitchFamily="18" charset="0"/>
                 <a:cs typeface="Times New Roman" panose="02020603050405020304" pitchFamily="18" charset="0"/>
               </a:rPr>
-              <a:t>5 - Continuação</a:t>
+              <a:t>Definir um modelo, criar o modelo e treinar o modelo</a:t>
             </a:r>
             <a:r>
               <a:rPr lang="pt-BR" sz="2000" b="1" dirty="0">
-                <a:latin typeface="Times New Roman" panose="02020603050405020304" pitchFamily="18" charset="0"/>
-                <a:cs typeface="Times New Roman" panose="02020603050405020304" pitchFamily="18" charset="0"/>
-              </a:rPr>
-              <a:t>)</a:t>
-            </a:r>
-          </a:p>
-          <a:p>
-            <a:pPr marL="0" indent="0" algn="just">
-              <a:buNone/>
-            </a:pPr>
-            <a:r>
-              <a:rPr lang="pt-BR" sz="2000" dirty="0" err="1">
-                <a:latin typeface="Times New Roman" panose="02020603050405020304" pitchFamily="18" charset="0"/>
-                <a:cs typeface="Times New Roman" panose="02020603050405020304" pitchFamily="18" charset="0"/>
-              </a:rPr>
-              <a:t>modelo_regressaolinear.</a:t>
-            </a:r>
-            <a:r>
-              <a:rPr lang="pt-BR" sz="2000" b="1" dirty="0" err="1">
-                <a:latin typeface="Times New Roman" panose="02020603050405020304" pitchFamily="18" charset="0"/>
-                <a:cs typeface="Times New Roman" panose="02020603050405020304" pitchFamily="18" charset="0"/>
-              </a:rPr>
-              <a:t>fit</a:t>
-            </a:r>
-            <a:r>
-              <a:rPr lang="pt-BR" sz="2000" dirty="0">
-                <a:latin typeface="Times New Roman" panose="02020603050405020304" pitchFamily="18" charset="0"/>
-                <a:cs typeface="Times New Roman" panose="02020603050405020304" pitchFamily="18" charset="0"/>
-              </a:rPr>
-              <a:t>(</a:t>
-            </a:r>
-            <a:r>
-              <a:rPr lang="pt-BR" sz="2000" dirty="0" err="1">
-                <a:latin typeface="Times New Roman" panose="02020603050405020304" pitchFamily="18" charset="0"/>
-                <a:cs typeface="Times New Roman" panose="02020603050405020304" pitchFamily="18" charset="0"/>
-              </a:rPr>
-              <a:t>x_treino</a:t>
-            </a:r>
-            <a:r>
-              <a:rPr lang="pt-BR" sz="2000" dirty="0">
-                <a:latin typeface="Times New Roman" panose="02020603050405020304" pitchFamily="18" charset="0"/>
-                <a:cs typeface="Times New Roman" panose="02020603050405020304" pitchFamily="18" charset="0"/>
-              </a:rPr>
-              <a:t>, </a:t>
-            </a:r>
-            <a:r>
-              <a:rPr lang="pt-BR" sz="2000" dirty="0" err="1">
-                <a:latin typeface="Times New Roman" panose="02020603050405020304" pitchFamily="18" charset="0"/>
-                <a:cs typeface="Times New Roman" panose="02020603050405020304" pitchFamily="18" charset="0"/>
-              </a:rPr>
-              <a:t>y_treino</a:t>
-            </a:r>
-            <a:r>
-              <a:rPr lang="pt-BR" sz="2000" dirty="0">
-                <a:latin typeface="Times New Roman" panose="02020603050405020304" pitchFamily="18" charset="0"/>
-                <a:cs typeface="Times New Roman" panose="02020603050405020304" pitchFamily="18" charset="0"/>
-              </a:rPr>
-              <a:t>)</a:t>
-            </a:r>
-          </a:p>
-          <a:p>
-            <a:pPr marL="0" indent="0" algn="just">
-              <a:buNone/>
-            </a:pPr>
-            <a:r>
-              <a:rPr lang="pt-BR" sz="2000" dirty="0" err="1">
-                <a:latin typeface="Times New Roman" panose="02020603050405020304" pitchFamily="18" charset="0"/>
-                <a:cs typeface="Times New Roman" panose="02020603050405020304" pitchFamily="18" charset="0"/>
-              </a:rPr>
-              <a:t>modelo_arvoredecisao.</a:t>
-            </a:r>
-            <a:r>
-              <a:rPr lang="pt-BR" sz="2000" b="1" dirty="0" err="1">
-                <a:latin typeface="Times New Roman" panose="02020603050405020304" pitchFamily="18" charset="0"/>
-                <a:cs typeface="Times New Roman" panose="02020603050405020304" pitchFamily="18" charset="0"/>
-              </a:rPr>
-              <a:t>fit</a:t>
-            </a:r>
-            <a:r>
-              <a:rPr lang="pt-BR" sz="2000" dirty="0">
-                <a:latin typeface="Times New Roman" panose="02020603050405020304" pitchFamily="18" charset="0"/>
-                <a:cs typeface="Times New Roman" panose="02020603050405020304" pitchFamily="18" charset="0"/>
-              </a:rPr>
-              <a:t>(</a:t>
-            </a:r>
-            <a:r>
-              <a:rPr lang="pt-BR" sz="2000" dirty="0" err="1">
-                <a:latin typeface="Times New Roman" panose="02020603050405020304" pitchFamily="18" charset="0"/>
-                <a:cs typeface="Times New Roman" panose="02020603050405020304" pitchFamily="18" charset="0"/>
-              </a:rPr>
-              <a:t>x_treino</a:t>
-            </a:r>
-            <a:r>
-              <a:rPr lang="pt-BR" sz="2000" dirty="0">
-                <a:latin typeface="Times New Roman" panose="02020603050405020304" pitchFamily="18" charset="0"/>
-                <a:cs typeface="Times New Roman" panose="02020603050405020304" pitchFamily="18" charset="0"/>
-              </a:rPr>
-              <a:t>, </a:t>
-            </a:r>
-            <a:r>
-              <a:rPr lang="pt-BR" sz="2000" dirty="0" err="1">
-                <a:latin typeface="Times New Roman" panose="02020603050405020304" pitchFamily="18" charset="0"/>
-                <a:cs typeface="Times New Roman" panose="02020603050405020304" pitchFamily="18" charset="0"/>
-              </a:rPr>
-              <a:t>y_treino</a:t>
-            </a:r>
-            <a:r>
-              <a:rPr lang="pt-BR" sz="2000" dirty="0">
                 <a:latin typeface="Times New Roman" panose="02020603050405020304" pitchFamily="18" charset="0"/>
                 <a:cs typeface="Times New Roman" panose="02020603050405020304" pitchFamily="18" charset="0"/>
               </a:rPr>
@@ -6304,35 +6228,285 @@
               <a:t># </a:t>
             </a:r>
             <a:r>
+              <a:rPr lang="pt-BR" sz="2000" b="1" dirty="0">
+                <a:latin typeface="Times New Roman" panose="02020603050405020304" pitchFamily="18" charset="0"/>
+                <a:cs typeface="Times New Roman" panose="02020603050405020304" pitchFamily="18" charset="0"/>
+              </a:rPr>
+              <a:t>Importar a IA (</a:t>
+            </a:r>
+            <a:r>
+              <a:rPr lang="pt-BR" sz="2000" b="1" dirty="0">
+                <a:solidFill>
+                  <a:srgbClr val="FF0000"/>
+                </a:solidFill>
+                <a:latin typeface="Times New Roman" panose="02020603050405020304" pitchFamily="18" charset="0"/>
+                <a:cs typeface="Times New Roman" panose="02020603050405020304" pitchFamily="18" charset="0"/>
+              </a:rPr>
+              <a:t>redes neurais, regressão linear, arvore de decisão, </a:t>
+            </a:r>
+            <a:r>
+              <a:rPr lang="pt-BR" sz="2000" b="1" dirty="0" err="1">
+                <a:solidFill>
+                  <a:srgbClr val="FF0000"/>
+                </a:solidFill>
+                <a:latin typeface="Times New Roman" panose="02020603050405020304" pitchFamily="18" charset="0"/>
+                <a:cs typeface="Times New Roman" panose="02020603050405020304" pitchFamily="18" charset="0"/>
+              </a:rPr>
+              <a:t>etc</a:t>
+            </a:r>
+            <a:r>
+              <a:rPr lang="pt-BR" sz="2000" b="1" dirty="0">
+                <a:latin typeface="Times New Roman" panose="02020603050405020304" pitchFamily="18" charset="0"/>
+                <a:cs typeface="Times New Roman" panose="02020603050405020304" pitchFamily="18" charset="0"/>
+              </a:rPr>
+              <a:t>)</a:t>
+            </a:r>
+          </a:p>
+          <a:p>
+            <a:pPr marL="0" indent="0" algn="just">
+              <a:buNone/>
+            </a:pPr>
+            <a:r>
+              <a:rPr lang="pt-BR" sz="2000" b="1" dirty="0" err="1">
+                <a:latin typeface="Times New Roman" panose="02020603050405020304" pitchFamily="18" charset="0"/>
+                <a:cs typeface="Times New Roman" panose="02020603050405020304" pitchFamily="18" charset="0"/>
+              </a:rPr>
+              <a:t>from</a:t>
+            </a:r>
+            <a:r>
+              <a:rPr lang="pt-BR" sz="2000" dirty="0">
+                <a:latin typeface="Times New Roman" panose="02020603050405020304" pitchFamily="18" charset="0"/>
+                <a:cs typeface="Times New Roman" panose="02020603050405020304" pitchFamily="18" charset="0"/>
+              </a:rPr>
+              <a:t> </a:t>
+            </a:r>
+            <a:r>
               <a:rPr lang="pt-BR" sz="2000" dirty="0" err="1">
                 <a:latin typeface="Times New Roman" panose="02020603050405020304" pitchFamily="18" charset="0"/>
                 <a:cs typeface="Times New Roman" panose="02020603050405020304" pitchFamily="18" charset="0"/>
               </a:rPr>
+              <a:t>sklearn.linear_model</a:t>
+            </a:r>
+            <a:r>
+              <a:rPr lang="pt-BR" sz="2000" dirty="0">
+                <a:latin typeface="Times New Roman" panose="02020603050405020304" pitchFamily="18" charset="0"/>
+                <a:cs typeface="Times New Roman" panose="02020603050405020304" pitchFamily="18" charset="0"/>
+              </a:rPr>
+              <a:t> </a:t>
+            </a:r>
+            <a:r>
+              <a:rPr lang="pt-BR" sz="2000" b="1" dirty="0" err="1">
+                <a:latin typeface="Times New Roman" panose="02020603050405020304" pitchFamily="18" charset="0"/>
+                <a:cs typeface="Times New Roman" panose="02020603050405020304" pitchFamily="18" charset="0"/>
+              </a:rPr>
+              <a:t>import</a:t>
+            </a:r>
+            <a:r>
+              <a:rPr lang="pt-BR" sz="2000" dirty="0">
+                <a:latin typeface="Times New Roman" panose="02020603050405020304" pitchFamily="18" charset="0"/>
+                <a:cs typeface="Times New Roman" panose="02020603050405020304" pitchFamily="18" charset="0"/>
+              </a:rPr>
+              <a:t> </a:t>
+            </a:r>
+            <a:r>
+              <a:rPr lang="pt-BR" sz="2000" dirty="0" err="1">
+                <a:latin typeface="Times New Roman" panose="02020603050405020304" pitchFamily="18" charset="0"/>
+                <a:cs typeface="Times New Roman" panose="02020603050405020304" pitchFamily="18" charset="0"/>
+              </a:rPr>
+              <a:t>LinearRegression</a:t>
+            </a:r>
+            <a:r>
+              <a:rPr lang="pt-BR" sz="2000" dirty="0">
+                <a:latin typeface="Times New Roman" panose="02020603050405020304" pitchFamily="18" charset="0"/>
+                <a:cs typeface="Times New Roman" panose="02020603050405020304" pitchFamily="18" charset="0"/>
+              </a:rPr>
+              <a:t> # </a:t>
+            </a:r>
+            <a:r>
+              <a:rPr lang="pt-BR" sz="2000" b="1" dirty="0" err="1">
+                <a:solidFill>
+                  <a:srgbClr val="FF0000"/>
+                </a:solidFill>
+                <a:latin typeface="Times New Roman" panose="02020603050405020304" pitchFamily="18" charset="0"/>
+                <a:cs typeface="Times New Roman" panose="02020603050405020304" pitchFamily="18" charset="0"/>
+              </a:rPr>
+              <a:t>NeuralNetwork</a:t>
+            </a:r>
+            <a:endParaRPr lang="pt-BR" sz="2000" b="1" dirty="0">
+              <a:solidFill>
+                <a:srgbClr val="FF0000"/>
+              </a:solidFill>
+              <a:latin typeface="Times New Roman" panose="02020603050405020304" pitchFamily="18" charset="0"/>
+              <a:cs typeface="Times New Roman" panose="02020603050405020304" pitchFamily="18" charset="0"/>
+            </a:endParaRPr>
+          </a:p>
+          <a:p>
+            <a:pPr marL="0" indent="0" algn="just">
+              <a:buNone/>
+            </a:pPr>
+            <a:r>
+              <a:rPr lang="pt-BR" sz="2000" b="1" dirty="0" err="1">
+                <a:latin typeface="Times New Roman" panose="02020603050405020304" pitchFamily="18" charset="0"/>
+                <a:cs typeface="Times New Roman" panose="02020603050405020304" pitchFamily="18" charset="0"/>
+              </a:rPr>
+              <a:t>from</a:t>
+            </a:r>
+            <a:r>
+              <a:rPr lang="pt-BR" sz="2000" dirty="0">
+                <a:latin typeface="Times New Roman" panose="02020603050405020304" pitchFamily="18" charset="0"/>
+                <a:cs typeface="Times New Roman" panose="02020603050405020304" pitchFamily="18" charset="0"/>
+              </a:rPr>
+              <a:t> </a:t>
+            </a:r>
+            <a:r>
+              <a:rPr lang="pt-BR" sz="2000" dirty="0" err="1">
+                <a:latin typeface="Times New Roman" panose="02020603050405020304" pitchFamily="18" charset="0"/>
+                <a:cs typeface="Times New Roman" panose="02020603050405020304" pitchFamily="18" charset="0"/>
+              </a:rPr>
+              <a:t>sklearn.ensemble</a:t>
+            </a:r>
+            <a:r>
+              <a:rPr lang="pt-BR" sz="2000" dirty="0">
+                <a:latin typeface="Times New Roman" panose="02020603050405020304" pitchFamily="18" charset="0"/>
+                <a:cs typeface="Times New Roman" panose="02020603050405020304" pitchFamily="18" charset="0"/>
+              </a:rPr>
+              <a:t> </a:t>
+            </a:r>
+            <a:r>
+              <a:rPr lang="pt-BR" sz="2000" b="1" dirty="0" err="1">
+                <a:latin typeface="Times New Roman" panose="02020603050405020304" pitchFamily="18" charset="0"/>
+                <a:cs typeface="Times New Roman" panose="02020603050405020304" pitchFamily="18" charset="0"/>
+              </a:rPr>
+              <a:t>import</a:t>
+            </a:r>
+            <a:r>
+              <a:rPr lang="pt-BR" sz="2000" dirty="0">
+                <a:latin typeface="Times New Roman" panose="02020603050405020304" pitchFamily="18" charset="0"/>
+                <a:cs typeface="Times New Roman" panose="02020603050405020304" pitchFamily="18" charset="0"/>
+              </a:rPr>
+              <a:t> </a:t>
+            </a:r>
+            <a:r>
+              <a:rPr lang="pt-BR" sz="2000" dirty="0" err="1">
+                <a:latin typeface="Times New Roman" panose="02020603050405020304" pitchFamily="18" charset="0"/>
+                <a:cs typeface="Times New Roman" panose="02020603050405020304" pitchFamily="18" charset="0"/>
+              </a:rPr>
               <a:t>RandomForestRegressor</a:t>
             </a:r>
-            <a:r>
-              <a:rPr lang="pt-BR" sz="2000" dirty="0">
-                <a:latin typeface="Times New Roman" panose="02020603050405020304" pitchFamily="18" charset="0"/>
-                <a:cs typeface="Times New Roman" panose="02020603050405020304" pitchFamily="18" charset="0"/>
-              </a:rPr>
-              <a:t>() – Resultado do modelo</a:t>
-            </a:r>
-          </a:p>
-          <a:p>
-            <a:pPr marL="0" indent="0" algn="just">
-              <a:buNone/>
-            </a:pPr>
             <a:endParaRPr lang="pt-BR" sz="2000" dirty="0">
               <a:latin typeface="Times New Roman" panose="02020603050405020304" pitchFamily="18" charset="0"/>
               <a:cs typeface="Times New Roman" panose="02020603050405020304" pitchFamily="18" charset="0"/>
             </a:endParaRPr>
+          </a:p>
+          <a:p>
+            <a:pPr marL="0" indent="0" algn="just">
+              <a:buNone/>
+            </a:pPr>
+            <a:endParaRPr lang="pt-BR" sz="2000" dirty="0">
+              <a:latin typeface="Times New Roman" panose="02020603050405020304" pitchFamily="18" charset="0"/>
+              <a:cs typeface="Times New Roman" panose="02020603050405020304" pitchFamily="18" charset="0"/>
+            </a:endParaRPr>
+          </a:p>
+          <a:p>
+            <a:pPr marL="0" indent="0" algn="just">
+              <a:buNone/>
+            </a:pPr>
+            <a:r>
+              <a:rPr lang="pt-BR" sz="2000" dirty="0">
+                <a:latin typeface="Times New Roman" panose="02020603050405020304" pitchFamily="18" charset="0"/>
+                <a:cs typeface="Times New Roman" panose="02020603050405020304" pitchFamily="18" charset="0"/>
+              </a:rPr>
+              <a:t># </a:t>
+            </a:r>
+            <a:r>
+              <a:rPr lang="pt-BR" sz="2000" b="1" dirty="0">
+                <a:latin typeface="Times New Roman" panose="02020603050405020304" pitchFamily="18" charset="0"/>
+                <a:cs typeface="Times New Roman" panose="02020603050405020304" pitchFamily="18" charset="0"/>
+              </a:rPr>
+              <a:t>Criar a IA</a:t>
+            </a:r>
+          </a:p>
+          <a:p>
+            <a:pPr marL="0" indent="0" algn="just">
+              <a:buNone/>
+            </a:pPr>
+            <a:endParaRPr lang="pt-BR" sz="2000" dirty="0">
+              <a:latin typeface="Times New Roman" panose="02020603050405020304" pitchFamily="18" charset="0"/>
+              <a:cs typeface="Times New Roman" panose="02020603050405020304" pitchFamily="18" charset="0"/>
+            </a:endParaRPr>
+          </a:p>
+          <a:p>
+            <a:pPr marL="0" indent="0" algn="just">
+              <a:buNone/>
+            </a:pPr>
+            <a:r>
+              <a:rPr lang="pt-BR" sz="2000" dirty="0" err="1">
+                <a:latin typeface="Times New Roman" panose="02020603050405020304" pitchFamily="18" charset="0"/>
+                <a:cs typeface="Times New Roman" panose="02020603050405020304" pitchFamily="18" charset="0"/>
+              </a:rPr>
+              <a:t>modelo_regressaolinear</a:t>
+            </a:r>
+            <a:r>
+              <a:rPr lang="pt-BR" sz="2000" dirty="0">
+                <a:latin typeface="Times New Roman" panose="02020603050405020304" pitchFamily="18" charset="0"/>
+                <a:cs typeface="Times New Roman" panose="02020603050405020304" pitchFamily="18" charset="0"/>
+              </a:rPr>
+              <a:t> = </a:t>
+            </a:r>
+            <a:r>
+              <a:rPr lang="pt-BR" sz="2000" b="1" dirty="0" err="1">
+                <a:latin typeface="Times New Roman" panose="02020603050405020304" pitchFamily="18" charset="0"/>
+                <a:cs typeface="Times New Roman" panose="02020603050405020304" pitchFamily="18" charset="0"/>
+              </a:rPr>
+              <a:t>LinearRegression</a:t>
+            </a:r>
+            <a:r>
+              <a:rPr lang="pt-BR" sz="2000" dirty="0">
+                <a:latin typeface="Times New Roman" panose="02020603050405020304" pitchFamily="18" charset="0"/>
+                <a:cs typeface="Times New Roman" panose="02020603050405020304" pitchFamily="18" charset="0"/>
+              </a:rPr>
+              <a:t>()</a:t>
+            </a:r>
+          </a:p>
+          <a:p>
+            <a:pPr marL="0" indent="0" algn="just">
+              <a:buNone/>
+            </a:pPr>
+            <a:r>
+              <a:rPr lang="pt-BR" sz="2000" dirty="0" err="1">
+                <a:latin typeface="Times New Roman" panose="02020603050405020304" pitchFamily="18" charset="0"/>
+                <a:cs typeface="Times New Roman" panose="02020603050405020304" pitchFamily="18" charset="0"/>
+              </a:rPr>
+              <a:t>modelo_arvoredecisao</a:t>
+            </a:r>
+            <a:r>
+              <a:rPr lang="pt-BR" sz="2000" dirty="0">
+                <a:latin typeface="Times New Roman" panose="02020603050405020304" pitchFamily="18" charset="0"/>
+                <a:cs typeface="Times New Roman" panose="02020603050405020304" pitchFamily="18" charset="0"/>
+              </a:rPr>
+              <a:t> = </a:t>
+            </a:r>
+            <a:r>
+              <a:rPr lang="pt-BR" sz="2000" b="1" dirty="0" err="1">
+                <a:latin typeface="Times New Roman" panose="02020603050405020304" pitchFamily="18" charset="0"/>
+                <a:cs typeface="Times New Roman" panose="02020603050405020304" pitchFamily="18" charset="0"/>
+              </a:rPr>
+              <a:t>RandomForestRegressor</a:t>
+            </a:r>
+            <a:r>
+              <a:rPr lang="pt-BR" sz="2000" dirty="0">
+                <a:latin typeface="Times New Roman" panose="02020603050405020304" pitchFamily="18" charset="0"/>
+                <a:cs typeface="Times New Roman" panose="02020603050405020304" pitchFamily="18" charset="0"/>
+              </a:rPr>
+              <a:t>()</a:t>
+            </a:r>
           </a:p>
         </p:txBody>
       </p:sp>
     </p:spTree>
     <p:extLst>
       <p:ext uri="{BB962C8B-B14F-4D97-AF65-F5344CB8AC3E}">
-        <p14:creationId xmlns:p14="http://schemas.microsoft.com/office/powerpoint/2010/main" val="624940330"/>
+        <p14:creationId xmlns:p14="http://schemas.microsoft.com/office/powerpoint/2010/main" val="1484111083"/>
       </p:ext>
     </p:extLst>
   </p:cSld>
@@ -6435,7 +6609,7 @@
                 <a:latin typeface="Times New Roman" panose="02020603050405020304" pitchFamily="18" charset="0"/>
                 <a:cs typeface="Times New Roman" panose="02020603050405020304" pitchFamily="18" charset="0"/>
               </a:rPr>
-              <a:t>6. Interpretação de Resultados - Escolher o Melhor Modelo R2 - </a:t>
+              <a:t>Treinar a IA (</a:t>
             </a:r>
             <a:r>
               <a:rPr lang="pt-BR" sz="2000" b="1" dirty="0">
@@ -6445,76 +6619,14 @@
                 <a:latin typeface="Times New Roman" panose="02020603050405020304" pitchFamily="18" charset="0"/>
                 <a:cs typeface="Times New Roman" panose="02020603050405020304" pitchFamily="18" charset="0"/>
               </a:rPr>
-              <a:t>0 a 100%</a:t>
-            </a:r>
-          </a:p>
-          <a:p>
-            <a:pPr marL="0" indent="0" algn="just">
-              <a:buNone/>
-            </a:pPr>
+              <a:t>5 - Continuação</a:t>
+            </a:r>
             <a:r>
               <a:rPr lang="pt-BR" sz="2000" b="1" dirty="0">
                 <a:latin typeface="Times New Roman" panose="02020603050405020304" pitchFamily="18" charset="0"/>
                 <a:cs typeface="Times New Roman" panose="02020603050405020304" pitchFamily="18" charset="0"/>
               </a:rPr>
-              <a:t># </a:t>
-            </a:r>
-            <a:r>
-              <a:rPr lang="pt-BR" sz="2000" b="1" dirty="0">
-                <a:solidFill>
-                  <a:srgbClr val="FF0000"/>
-                </a:solidFill>
-                <a:latin typeface="Times New Roman" panose="02020603050405020304" pitchFamily="18" charset="0"/>
-                <a:cs typeface="Times New Roman" panose="02020603050405020304" pitchFamily="18" charset="0"/>
-              </a:rPr>
-              <a:t>Escolher o melhor modelo, visualizar e fazer previsões (IA)</a:t>
-            </a:r>
-          </a:p>
-          <a:p>
-            <a:pPr marL="0" indent="0" algn="just">
-              <a:buNone/>
-            </a:pPr>
-            <a:r>
-              <a:rPr lang="pt-BR" sz="2000" b="1" dirty="0" err="1">
-                <a:latin typeface="Times New Roman" panose="02020603050405020304" pitchFamily="18" charset="0"/>
-                <a:cs typeface="Times New Roman" panose="02020603050405020304" pitchFamily="18" charset="0"/>
-              </a:rPr>
-              <a:t>from</a:t>
-            </a:r>
-            <a:r>
-              <a:rPr lang="pt-BR" sz="2000" dirty="0">
-                <a:latin typeface="Times New Roman" panose="02020603050405020304" pitchFamily="18" charset="0"/>
-                <a:cs typeface="Times New Roman" panose="02020603050405020304" pitchFamily="18" charset="0"/>
-              </a:rPr>
-              <a:t> </a:t>
-            </a:r>
-            <a:r>
-              <a:rPr lang="pt-BR" sz="2000" dirty="0" err="1">
-                <a:latin typeface="Times New Roman" panose="02020603050405020304" pitchFamily="18" charset="0"/>
-                <a:cs typeface="Times New Roman" panose="02020603050405020304" pitchFamily="18" charset="0"/>
-              </a:rPr>
-              <a:t>sklearn.metrics</a:t>
-            </a:r>
-            <a:r>
-              <a:rPr lang="pt-BR" sz="2000" dirty="0">
-                <a:latin typeface="Times New Roman" panose="02020603050405020304" pitchFamily="18" charset="0"/>
-                <a:cs typeface="Times New Roman" panose="02020603050405020304" pitchFamily="18" charset="0"/>
-              </a:rPr>
-              <a:t> </a:t>
-            </a:r>
-            <a:r>
-              <a:rPr lang="pt-BR" sz="2000" b="1" dirty="0" err="1">
-                <a:latin typeface="Times New Roman" panose="02020603050405020304" pitchFamily="18" charset="0"/>
-                <a:cs typeface="Times New Roman" panose="02020603050405020304" pitchFamily="18" charset="0"/>
-              </a:rPr>
-              <a:t>import</a:t>
-            </a:r>
-            <a:r>
-              <a:rPr lang="pt-BR" sz="2000" dirty="0">
-                <a:latin typeface="Times New Roman" panose="02020603050405020304" pitchFamily="18" charset="0"/>
-                <a:cs typeface="Times New Roman" panose="02020603050405020304" pitchFamily="18" charset="0"/>
-              </a:rPr>
-              <a:t> r2_score</a:t>
+              <a:t>)</a:t>
             </a:r>
           </a:p>
           <a:p>
@@ -6535,28 +6647,68 @@
                 <a:latin typeface="Times New Roman" panose="02020603050405020304" pitchFamily="18" charset="0"/>
                 <a:cs typeface="Times New Roman" panose="02020603050405020304" pitchFamily="18" charset="0"/>
               </a:rPr>
-              <a:t>previsao_regressaolinear</a:t>
-            </a:r>
-            <a:r>
-              <a:rPr lang="pt-BR" sz="2000" dirty="0">
-                <a:latin typeface="Times New Roman" panose="02020603050405020304" pitchFamily="18" charset="0"/>
-                <a:cs typeface="Times New Roman" panose="02020603050405020304" pitchFamily="18" charset="0"/>
-              </a:rPr>
-              <a:t> = </a:t>
+              <a:t>modelo_regressaolinear.</a:t>
+            </a:r>
+            <a:r>
+              <a:rPr lang="pt-BR" sz="2000" b="1" dirty="0" err="1">
+                <a:latin typeface="Times New Roman" panose="02020603050405020304" pitchFamily="18" charset="0"/>
+                <a:cs typeface="Times New Roman" panose="02020603050405020304" pitchFamily="18" charset="0"/>
+              </a:rPr>
+              <a:t>fit</a:t>
+            </a:r>
+            <a:r>
+              <a:rPr lang="pt-BR" sz="2000" dirty="0">
+                <a:latin typeface="Times New Roman" panose="02020603050405020304" pitchFamily="18" charset="0"/>
+                <a:cs typeface="Times New Roman" panose="02020603050405020304" pitchFamily="18" charset="0"/>
+              </a:rPr>
+              <a:t>(</a:t>
             </a:r>
             <a:r>
               <a:rPr lang="pt-BR" sz="2000" dirty="0" err="1">
                 <a:latin typeface="Times New Roman" panose="02020603050405020304" pitchFamily="18" charset="0"/>
                 <a:cs typeface="Times New Roman" panose="02020603050405020304" pitchFamily="18" charset="0"/>
               </a:rPr>
-              <a:t>modelo_regressaolinear.</a:t>
+              <a:t>x_treino</a:t>
+            </a:r>
+            <a:r>
+              <a:rPr lang="pt-BR" sz="2000" dirty="0">
+                <a:latin typeface="Times New Roman" panose="02020603050405020304" pitchFamily="18" charset="0"/>
+                <a:cs typeface="Times New Roman" panose="02020603050405020304" pitchFamily="18" charset="0"/>
+              </a:rPr>
+              <a:t>, </a:t>
+            </a:r>
+            <a:r>
+              <a:rPr lang="pt-BR" sz="2000" dirty="0" err="1">
+                <a:latin typeface="Times New Roman" panose="02020603050405020304" pitchFamily="18" charset="0"/>
+                <a:cs typeface="Times New Roman" panose="02020603050405020304" pitchFamily="18" charset="0"/>
+              </a:rPr>
+              <a:t>y_treino</a:t>
+            </a:r>
+            <a:r>
+              <a:rPr lang="pt-BR" sz="2000" dirty="0">
+                <a:latin typeface="Times New Roman" panose="02020603050405020304" pitchFamily="18" charset="0"/>
+                <a:cs typeface="Times New Roman" panose="02020603050405020304" pitchFamily="18" charset="0"/>
+              </a:rPr>
+              <a:t>)</a:t>
+            </a:r>
+          </a:p>
+          <a:p>
+            <a:pPr marL="0" indent="0" algn="just">
+              <a:buNone/>
+            </a:pPr>
+            <a:r>
+              <a:rPr lang="pt-BR" sz="2000" dirty="0" err="1">
+                <a:latin typeface="Times New Roman" panose="02020603050405020304" pitchFamily="18" charset="0"/>
+                <a:cs typeface="Times New Roman" panose="02020603050405020304" pitchFamily="18" charset="0"/>
+              </a:rPr>
+              <a:t>modelo_arvoredecisao.</a:t>
             </a:r>
             <a:r>
               <a:rPr lang="pt-BR" sz="2000" b="1" dirty="0" err="1">
                 <a:latin typeface="Times New Roman" panose="02020603050405020304" pitchFamily="18" charset="0"/>
                 <a:cs typeface="Times New Roman" panose="02020603050405020304" pitchFamily="18" charset="0"/>
               </a:rPr>
-              <a:t>predict</a:t>
+              <a:t>fit</a:t>
             </a:r>
             <a:r>
               <a:rPr lang="pt-BR" sz="2000" dirty="0">
@@ -6570,110 +6722,29 @@
                 <a:latin typeface="Times New Roman" panose="02020603050405020304" pitchFamily="18" charset="0"/>
                 <a:cs typeface="Times New Roman" panose="02020603050405020304" pitchFamily="18" charset="0"/>
               </a:rPr>
-              <a:t>x_teste</a:t>
-            </a:r>
-            <a:r>
-              <a:rPr lang="pt-BR" sz="2000" dirty="0">
-                <a:latin typeface="Times New Roman" panose="02020603050405020304" pitchFamily="18" charset="0"/>
-                <a:cs typeface="Times New Roman" panose="02020603050405020304" pitchFamily="18" charset="0"/>
-              </a:rPr>
-              <a:t>) </a:t>
-            </a:r>
-            <a:r>
-              <a:rPr lang="pt-BR" sz="2000" b="1" dirty="0">
-                <a:latin typeface="Times New Roman" panose="02020603050405020304" pitchFamily="18" charset="0"/>
-                <a:cs typeface="Times New Roman" panose="02020603050405020304" pitchFamily="18" charset="0"/>
-              </a:rPr>
-              <a:t># </a:t>
-            </a:r>
-            <a:r>
-              <a:rPr lang="pt-BR" sz="2000" b="1" dirty="0">
-                <a:solidFill>
-                  <a:srgbClr val="FF0000"/>
-                </a:solidFill>
-                <a:latin typeface="Times New Roman" panose="02020603050405020304" pitchFamily="18" charset="0"/>
-                <a:cs typeface="Times New Roman" panose="02020603050405020304" pitchFamily="18" charset="0"/>
-              </a:rPr>
-              <a:t>previsão</a:t>
-            </a:r>
-          </a:p>
-          <a:p>
-            <a:pPr marL="0" indent="0" algn="just">
-              <a:buNone/>
-            </a:pPr>
+              <a:t>x_treino</a:t>
+            </a:r>
+            <a:r>
+              <a:rPr lang="pt-BR" sz="2000" dirty="0">
+                <a:latin typeface="Times New Roman" panose="02020603050405020304" pitchFamily="18" charset="0"/>
+                <a:cs typeface="Times New Roman" panose="02020603050405020304" pitchFamily="18" charset="0"/>
+              </a:rPr>
+              <a:t>, </a:t>
+            </a:r>
             <a:r>
               <a:rPr lang="pt-BR" sz="2000" dirty="0" err="1">
                 <a:latin typeface="Times New Roman" panose="02020603050405020304" pitchFamily="18" charset="0"/>
                 <a:cs typeface="Times New Roman" panose="02020603050405020304" pitchFamily="18" charset="0"/>
               </a:rPr>
-              <a:t>previsao_arvoredecisao</a:t>
-            </a:r>
-            <a:r>
-              <a:rPr lang="pt-BR" sz="2000" dirty="0">
-                <a:latin typeface="Times New Roman" panose="02020603050405020304" pitchFamily="18" charset="0"/>
-                <a:cs typeface="Times New Roman" panose="02020603050405020304" pitchFamily="18" charset="0"/>
-              </a:rPr>
-              <a:t> = </a:t>
-            </a:r>
-            <a:r>
-              <a:rPr lang="pt-BR" sz="2000" dirty="0" err="1">
-                <a:latin typeface="Times New Roman" panose="02020603050405020304" pitchFamily="18" charset="0"/>
-                <a:cs typeface="Times New Roman" panose="02020603050405020304" pitchFamily="18" charset="0"/>
-              </a:rPr>
-              <a:t>modelo_arvoredecisao.</a:t>
-            </a:r>
-            <a:r>
-              <a:rPr lang="pt-BR" sz="2000" b="1" dirty="0" err="1">
-                <a:latin typeface="Times New Roman" panose="02020603050405020304" pitchFamily="18" charset="0"/>
-                <a:cs typeface="Times New Roman" panose="02020603050405020304" pitchFamily="18" charset="0"/>
-              </a:rPr>
-              <a:t>predict</a:t>
-            </a:r>
-            <a:r>
-              <a:rPr lang="pt-BR" sz="2000" dirty="0">
-                <a:latin typeface="Times New Roman" panose="02020603050405020304" pitchFamily="18" charset="0"/>
-                <a:cs typeface="Times New Roman" panose="02020603050405020304" pitchFamily="18" charset="0"/>
-              </a:rPr>
-              <a:t>(</a:t>
-            </a:r>
-            <a:r>
-              <a:rPr lang="pt-BR" sz="2000" dirty="0" err="1">
-                <a:latin typeface="Times New Roman" panose="02020603050405020304" pitchFamily="18" charset="0"/>
-                <a:cs typeface="Times New Roman" panose="02020603050405020304" pitchFamily="18" charset="0"/>
-              </a:rPr>
-              <a:t>x_teste</a:t>
-            </a:r>
-            <a:r>
-              <a:rPr lang="pt-BR" sz="2000" dirty="0">
-                <a:latin typeface="Times New Roman" panose="02020603050405020304" pitchFamily="18" charset="0"/>
-                <a:cs typeface="Times New Roman" panose="02020603050405020304" pitchFamily="18" charset="0"/>
-              </a:rPr>
-              <a:t>) </a:t>
-            </a:r>
-            <a:r>
-              <a:rPr lang="pt-BR" sz="2000" b="1" dirty="0">
-                <a:latin typeface="Times New Roman" panose="02020603050405020304" pitchFamily="18" charset="0"/>
-                <a:cs typeface="Times New Roman" panose="02020603050405020304" pitchFamily="18" charset="0"/>
-              </a:rPr>
-              <a:t># </a:t>
-            </a:r>
-            <a:r>
-              <a:rPr lang="pt-BR" sz="2000" b="1" dirty="0">
-                <a:solidFill>
-                  <a:srgbClr val="FF0000"/>
-                </a:solidFill>
-                <a:latin typeface="Times New Roman" panose="02020603050405020304" pitchFamily="18" charset="0"/>
-                <a:cs typeface="Times New Roman" panose="02020603050405020304" pitchFamily="18" charset="0"/>
-              </a:rPr>
-              <a:t>previsão</a:t>
-            </a:r>
-            <a:endParaRPr lang="pt-BR" sz="2000" dirty="0">
-              <a:solidFill>
-                <a:srgbClr val="FF0000"/>
-              </a:solidFill>
-              <a:latin typeface="Times New Roman" panose="02020603050405020304" pitchFamily="18" charset="0"/>
-              <a:cs typeface="Times New Roman" panose="02020603050405020304" pitchFamily="18" charset="0"/>
-            </a:endParaRPr>
+              <a:t>y_treino</a:t>
+            </a:r>
+            <a:r>
+              <a:rPr lang="pt-BR" sz="2000" dirty="0">
+                <a:latin typeface="Times New Roman" panose="02020603050405020304" pitchFamily="18" charset="0"/>
+                <a:cs typeface="Times New Roman" panose="02020603050405020304" pitchFamily="18" charset="0"/>
+              </a:rPr>
+              <a:t>)</a:t>
+            </a:r>
           </a:p>
           <a:p>
             <a:pPr marL="0" indent="0" algn="just">
@@ -6693,142 +6764,27 @@
                 <a:latin typeface="Times New Roman" panose="02020603050405020304" pitchFamily="18" charset="0"/>
                 <a:cs typeface="Times New Roman" panose="02020603050405020304" pitchFamily="18" charset="0"/>
               </a:rPr>
-              <a:t>print(</a:t>
-            </a:r>
-            <a:r>
-              <a:rPr lang="pt-BR" sz="2000" b="1" dirty="0">
-                <a:latin typeface="Times New Roman" panose="02020603050405020304" pitchFamily="18" charset="0"/>
-                <a:cs typeface="Times New Roman" panose="02020603050405020304" pitchFamily="18" charset="0"/>
-              </a:rPr>
-              <a:t>r2_score</a:t>
-            </a:r>
-            <a:r>
-              <a:rPr lang="pt-BR" sz="2000" dirty="0">
-                <a:latin typeface="Times New Roman" panose="02020603050405020304" pitchFamily="18" charset="0"/>
-                <a:cs typeface="Times New Roman" panose="02020603050405020304" pitchFamily="18" charset="0"/>
-              </a:rPr>
-              <a:t>(</a:t>
+              <a:t># </a:t>
             </a:r>
             <a:r>
               <a:rPr lang="pt-BR" sz="2000" dirty="0" err="1">
                 <a:latin typeface="Times New Roman" panose="02020603050405020304" pitchFamily="18" charset="0"/>
                 <a:cs typeface="Times New Roman" panose="02020603050405020304" pitchFamily="18" charset="0"/>
               </a:rPr>
-              <a:t>y_teste</a:t>
-            </a:r>
-            <a:r>
-              <a:rPr lang="pt-BR" sz="2000" dirty="0">
-                <a:latin typeface="Times New Roman" panose="02020603050405020304" pitchFamily="18" charset="0"/>
-                <a:cs typeface="Times New Roman" panose="02020603050405020304" pitchFamily="18" charset="0"/>
-              </a:rPr>
-              <a:t>, </a:t>
-            </a:r>
-            <a:r>
-              <a:rPr lang="pt-BR" sz="2000" dirty="0" err="1">
-                <a:latin typeface="Times New Roman" panose="02020603050405020304" pitchFamily="18" charset="0"/>
-                <a:cs typeface="Times New Roman" panose="02020603050405020304" pitchFamily="18" charset="0"/>
-              </a:rPr>
-              <a:t>previsao_regressaolinear</a:t>
-            </a:r>
-            <a:r>
-              <a:rPr lang="pt-BR" sz="2000" dirty="0">
-                <a:latin typeface="Times New Roman" panose="02020603050405020304" pitchFamily="18" charset="0"/>
-                <a:cs typeface="Times New Roman" panose="02020603050405020304" pitchFamily="18" charset="0"/>
-              </a:rPr>
-              <a:t>)) </a:t>
-            </a:r>
-            <a:r>
-              <a:rPr lang="pt-BR" sz="2000" b="1" dirty="0">
-                <a:latin typeface="Times New Roman" panose="02020603050405020304" pitchFamily="18" charset="0"/>
-                <a:cs typeface="Times New Roman" panose="02020603050405020304" pitchFamily="18" charset="0"/>
-              </a:rPr>
-              <a:t># </a:t>
-            </a:r>
-            <a:r>
-              <a:rPr lang="pt-BR" sz="2000" b="1" dirty="0">
-                <a:solidFill>
-                  <a:srgbClr val="FF0000"/>
-                </a:solidFill>
-                <a:latin typeface="Times New Roman" panose="02020603050405020304" pitchFamily="18" charset="0"/>
-                <a:cs typeface="Times New Roman" panose="02020603050405020304" pitchFamily="18" charset="0"/>
-              </a:rPr>
-              <a:t>previsão regressão linear</a:t>
-            </a:r>
-            <a:endParaRPr lang="pt-BR" sz="2000" dirty="0">
-              <a:latin typeface="Times New Roman" panose="02020603050405020304" pitchFamily="18" charset="0"/>
-              <a:cs typeface="Times New Roman" panose="02020603050405020304" pitchFamily="18" charset="0"/>
-            </a:endParaRPr>
+              <a:t>RandomForestRegressor</a:t>
+            </a:r>
+            <a:r>
+              <a:rPr lang="pt-BR" sz="2000" dirty="0">
+                <a:latin typeface="Times New Roman" panose="02020603050405020304" pitchFamily="18" charset="0"/>
+                <a:cs typeface="Times New Roman" panose="02020603050405020304" pitchFamily="18" charset="0"/>
+              </a:rPr>
+              <a:t>() – Resultado do modelo</a:t>
+            </a:r>
           </a:p>
           <a:p>
             <a:pPr marL="0" indent="0" algn="just">
               <a:buNone/>
             </a:pPr>
-            <a:r>
-              <a:rPr lang="pt-BR" sz="2000" dirty="0">
-                <a:latin typeface="Times New Roman" panose="02020603050405020304" pitchFamily="18" charset="0"/>
-                <a:cs typeface="Times New Roman" panose="02020603050405020304" pitchFamily="18" charset="0"/>
-              </a:rPr>
-              <a:t>print(</a:t>
-            </a:r>
-            <a:r>
-              <a:rPr lang="pt-BR" sz="2000" b="1" dirty="0">
-                <a:latin typeface="Times New Roman" panose="02020603050405020304" pitchFamily="18" charset="0"/>
-                <a:cs typeface="Times New Roman" panose="02020603050405020304" pitchFamily="18" charset="0"/>
-              </a:rPr>
-              <a:t>r2_score</a:t>
-            </a:r>
-            <a:r>
-              <a:rPr lang="pt-BR" sz="2000" dirty="0">
-                <a:latin typeface="Times New Roman" panose="02020603050405020304" pitchFamily="18" charset="0"/>
-                <a:cs typeface="Times New Roman" panose="02020603050405020304" pitchFamily="18" charset="0"/>
-              </a:rPr>
-              <a:t>(</a:t>
-            </a:r>
-            <a:r>
-              <a:rPr lang="pt-BR" sz="2000" dirty="0" err="1">
-                <a:latin typeface="Times New Roman" panose="02020603050405020304" pitchFamily="18" charset="0"/>
-                <a:cs typeface="Times New Roman" panose="02020603050405020304" pitchFamily="18" charset="0"/>
-              </a:rPr>
-              <a:t>y_teste</a:t>
-            </a:r>
-            <a:r>
-              <a:rPr lang="pt-BR" sz="2000" dirty="0">
-                <a:latin typeface="Times New Roman" panose="02020603050405020304" pitchFamily="18" charset="0"/>
-                <a:cs typeface="Times New Roman" panose="02020603050405020304" pitchFamily="18" charset="0"/>
-              </a:rPr>
-              <a:t>, </a:t>
-            </a:r>
-            <a:r>
-              <a:rPr lang="pt-BR" sz="2000" dirty="0" err="1">
-                <a:latin typeface="Times New Roman" panose="02020603050405020304" pitchFamily="18" charset="0"/>
-                <a:cs typeface="Times New Roman" panose="02020603050405020304" pitchFamily="18" charset="0"/>
-              </a:rPr>
-              <a:t>previsao_arvoredecisao</a:t>
-            </a:r>
-            <a:r>
-              <a:rPr lang="pt-BR" sz="2000" dirty="0">
-                <a:latin typeface="Times New Roman" panose="02020603050405020304" pitchFamily="18" charset="0"/>
-                <a:cs typeface="Times New Roman" panose="02020603050405020304" pitchFamily="18" charset="0"/>
-              </a:rPr>
-              <a:t>)) </a:t>
-            </a:r>
-            <a:r>
-              <a:rPr lang="pt-BR" sz="2000" b="1" dirty="0">
-                <a:latin typeface="Times New Roman" panose="02020603050405020304" pitchFamily="18" charset="0"/>
-                <a:cs typeface="Times New Roman" panose="02020603050405020304" pitchFamily="18" charset="0"/>
-              </a:rPr>
-              <a:t># </a:t>
-            </a:r>
-            <a:r>
-              <a:rPr lang="pt-BR" sz="2000" b="1" dirty="0">
-                <a:solidFill>
-                  <a:srgbClr val="FF0000"/>
-                </a:solidFill>
-                <a:latin typeface="Times New Roman" panose="02020603050405020304" pitchFamily="18" charset="0"/>
-                <a:cs typeface="Times New Roman" panose="02020603050405020304" pitchFamily="18" charset="0"/>
-              </a:rPr>
-              <a:t>previsão árvore de decisão</a:t>
-            </a:r>
             <a:endParaRPr lang="pt-BR" sz="2000" dirty="0">
               <a:latin typeface="Times New Roman" panose="02020603050405020304" pitchFamily="18" charset="0"/>
               <a:cs typeface="Times New Roman" panose="02020603050405020304" pitchFamily="18" charset="0"/>
@@ -6839,7 +6795,7 @@
     </p:spTree>
     <p:extLst>
       <p:ext uri="{BB962C8B-B14F-4D97-AF65-F5344CB8AC3E}">
-        <p14:creationId xmlns:p14="http://schemas.microsoft.com/office/powerpoint/2010/main" val="529779421"/>
+        <p14:creationId xmlns:p14="http://schemas.microsoft.com/office/powerpoint/2010/main" val="624940330"/>
       </p:ext>
     </p:extLst>
   </p:cSld>
@@ -6942,7 +6898,17 @@
                 <a:latin typeface="Times New Roman" panose="02020603050405020304" pitchFamily="18" charset="0"/>
                 <a:cs typeface="Times New Roman" panose="02020603050405020304" pitchFamily="18" charset="0"/>
               </a:rPr>
-              <a:t>7. Previsões – Entidade comparativa dos valores Y e modelos IA</a:t>
+              <a:t>6. Interpretação de Resultados - Escolher o Melhor Modelo R2 - </a:t>
+            </a:r>
+            <a:r>
+              <a:rPr lang="pt-BR" sz="2000" b="1" dirty="0">
+                <a:solidFill>
+                  <a:srgbClr val="FF0000"/>
+                </a:solidFill>
+                <a:latin typeface="Times New Roman" panose="02020603050405020304" pitchFamily="18" charset="0"/>
+                <a:cs typeface="Times New Roman" panose="02020603050405020304" pitchFamily="18" charset="0"/>
+              </a:rPr>
+              <a:t>0 a 100%</a:t>
             </a:r>
           </a:p>
           <a:p>
@@ -6950,83 +6916,74 @@
               <a:buNone/>
             </a:pPr>
             <a:r>
+              <a:rPr lang="pt-BR" sz="2000" b="1" dirty="0">
+                <a:latin typeface="Times New Roman" panose="02020603050405020304" pitchFamily="18" charset="0"/>
+                <a:cs typeface="Times New Roman" panose="02020603050405020304" pitchFamily="18" charset="0"/>
+              </a:rPr>
+              <a:t># </a:t>
+            </a:r>
+            <a:r>
+              <a:rPr lang="pt-BR" sz="2000" b="1" dirty="0">
+                <a:solidFill>
+                  <a:srgbClr val="FF0000"/>
+                </a:solidFill>
+                <a:latin typeface="Times New Roman" panose="02020603050405020304" pitchFamily="18" charset="0"/>
+                <a:cs typeface="Times New Roman" panose="02020603050405020304" pitchFamily="18" charset="0"/>
+              </a:rPr>
+              <a:t>Escolher o melhor modelo, visualizar e fazer previsões (IA)</a:t>
+            </a:r>
+          </a:p>
+          <a:p>
+            <a:pPr marL="0" indent="0" algn="just">
+              <a:buNone/>
+            </a:pPr>
+            <a:r>
+              <a:rPr lang="pt-BR" sz="2000" b="1" dirty="0" err="1">
+                <a:latin typeface="Times New Roman" panose="02020603050405020304" pitchFamily="18" charset="0"/>
+                <a:cs typeface="Times New Roman" panose="02020603050405020304" pitchFamily="18" charset="0"/>
+              </a:rPr>
+              <a:t>from</a:t>
+            </a:r>
+            <a:r>
+              <a:rPr lang="pt-BR" sz="2000" dirty="0">
+                <a:latin typeface="Times New Roman" panose="02020603050405020304" pitchFamily="18" charset="0"/>
+                <a:cs typeface="Times New Roman" panose="02020603050405020304" pitchFamily="18" charset="0"/>
+              </a:rPr>
+              <a:t> </a:t>
+            </a:r>
+            <a:r>
               <a:rPr lang="pt-BR" sz="2000" dirty="0" err="1">
                 <a:latin typeface="Times New Roman" panose="02020603050405020304" pitchFamily="18" charset="0"/>
                 <a:cs typeface="Times New Roman" panose="02020603050405020304" pitchFamily="18" charset="0"/>
               </a:rPr>
-              <a:t>entidade_aux</a:t>
-            </a:r>
-            <a:r>
-              <a:rPr lang="pt-BR" sz="2000" dirty="0">
-                <a:latin typeface="Times New Roman" panose="02020603050405020304" pitchFamily="18" charset="0"/>
-                <a:cs typeface="Times New Roman" panose="02020603050405020304" pitchFamily="18" charset="0"/>
-              </a:rPr>
-              <a:t> = </a:t>
-            </a:r>
-            <a:r>
-              <a:rPr lang="pt-BR" sz="2000" dirty="0" err="1">
-                <a:latin typeface="Times New Roman" panose="02020603050405020304" pitchFamily="18" charset="0"/>
-                <a:cs typeface="Times New Roman" panose="02020603050405020304" pitchFamily="18" charset="0"/>
-              </a:rPr>
-              <a:t>pd.DataFrame</a:t>
-            </a:r>
-            <a:r>
-              <a:rPr lang="pt-BR" sz="2000" dirty="0">
-                <a:latin typeface="Times New Roman" panose="02020603050405020304" pitchFamily="18" charset="0"/>
-                <a:cs typeface="Times New Roman" panose="02020603050405020304" pitchFamily="18" charset="0"/>
-              </a:rPr>
-              <a:t>() # </a:t>
-            </a:r>
-            <a:r>
-              <a:rPr lang="pt-BR" sz="2000" b="1" dirty="0">
-                <a:solidFill>
-                  <a:srgbClr val="FF0000"/>
-                </a:solidFill>
-                <a:latin typeface="Times New Roman" panose="02020603050405020304" pitchFamily="18" charset="0"/>
-                <a:cs typeface="Times New Roman" panose="02020603050405020304" pitchFamily="18" charset="0"/>
-              </a:rPr>
-              <a:t>entidade vazia</a:t>
+              <a:t>sklearn.metrics</a:t>
+            </a:r>
+            <a:r>
+              <a:rPr lang="pt-BR" sz="2000" dirty="0">
+                <a:latin typeface="Times New Roman" panose="02020603050405020304" pitchFamily="18" charset="0"/>
+                <a:cs typeface="Times New Roman" panose="02020603050405020304" pitchFamily="18" charset="0"/>
+              </a:rPr>
+              <a:t> </a:t>
+            </a:r>
+            <a:r>
+              <a:rPr lang="pt-BR" sz="2000" b="1" dirty="0" err="1">
+                <a:latin typeface="Times New Roman" panose="02020603050405020304" pitchFamily="18" charset="0"/>
+                <a:cs typeface="Times New Roman" panose="02020603050405020304" pitchFamily="18" charset="0"/>
+              </a:rPr>
+              <a:t>import</a:t>
+            </a:r>
+            <a:r>
+              <a:rPr lang="pt-BR" sz="2000" dirty="0">
+                <a:latin typeface="Times New Roman" panose="02020603050405020304" pitchFamily="18" charset="0"/>
+                <a:cs typeface="Times New Roman" panose="02020603050405020304" pitchFamily="18" charset="0"/>
+              </a:rPr>
+              <a:t> r2_score</a:t>
             </a:r>
           </a:p>
           <a:p>
             <a:pPr marL="0" indent="0" algn="just">
               <a:buNone/>
             </a:pPr>
-            <a:r>
-              <a:rPr lang="pt-BR" sz="2000" dirty="0" err="1">
-                <a:latin typeface="Times New Roman" panose="02020603050405020304" pitchFamily="18" charset="0"/>
-                <a:cs typeface="Times New Roman" panose="02020603050405020304" pitchFamily="18" charset="0"/>
-              </a:rPr>
-              <a:t>entidade_aux</a:t>
-            </a:r>
-            <a:r>
-              <a:rPr lang="pt-BR" sz="2000" dirty="0">
-                <a:latin typeface="Times New Roman" panose="02020603050405020304" pitchFamily="18" charset="0"/>
-                <a:cs typeface="Times New Roman" panose="02020603050405020304" pitchFamily="18" charset="0"/>
-              </a:rPr>
-              <a:t>['</a:t>
-            </a:r>
-            <a:r>
-              <a:rPr lang="pt-BR" sz="2000" dirty="0" err="1">
-                <a:latin typeface="Times New Roman" panose="02020603050405020304" pitchFamily="18" charset="0"/>
-                <a:cs typeface="Times New Roman" panose="02020603050405020304" pitchFamily="18" charset="0"/>
-              </a:rPr>
-              <a:t>y_teste</a:t>
-            </a:r>
-            <a:r>
-              <a:rPr lang="pt-BR" sz="2000" dirty="0">
-                <a:latin typeface="Times New Roman" panose="02020603050405020304" pitchFamily="18" charset="0"/>
-                <a:cs typeface="Times New Roman" panose="02020603050405020304" pitchFamily="18" charset="0"/>
-              </a:rPr>
-              <a:t>'] = </a:t>
-            </a:r>
-            <a:r>
-              <a:rPr lang="pt-BR" sz="2000" dirty="0" err="1">
-                <a:latin typeface="Times New Roman" panose="02020603050405020304" pitchFamily="18" charset="0"/>
-                <a:cs typeface="Times New Roman" panose="02020603050405020304" pitchFamily="18" charset="0"/>
-              </a:rPr>
-              <a:t>y_teste</a:t>
-            </a:r>
             <a:endParaRPr lang="pt-BR" sz="2000" dirty="0">
               <a:latin typeface="Times New Roman" panose="02020603050405020304" pitchFamily="18" charset="0"/>
               <a:cs typeface="Times New Roman" panose="02020603050405020304" pitchFamily="18" charset="0"/>
@@ -7037,40 +6994,154 @@
               <a:buNone/>
             </a:pPr>
             <a:r>
+              <a:rPr lang="pt-BR" sz="2000" b="1" dirty="0" err="1">
+                <a:latin typeface="Times New Roman" panose="02020603050405020304" pitchFamily="18" charset="0"/>
+                <a:cs typeface="Times New Roman" panose="02020603050405020304" pitchFamily="18" charset="0"/>
+              </a:rPr>
+              <a:t>previsao_regressaolinear</a:t>
+            </a:r>
+            <a:r>
+              <a:rPr lang="pt-BR" sz="2000" dirty="0">
+                <a:latin typeface="Times New Roman" panose="02020603050405020304" pitchFamily="18" charset="0"/>
+                <a:cs typeface="Times New Roman" panose="02020603050405020304" pitchFamily="18" charset="0"/>
+              </a:rPr>
+              <a:t> = </a:t>
+            </a:r>
+            <a:r>
               <a:rPr lang="pt-BR" sz="2000" dirty="0" err="1">
                 <a:latin typeface="Times New Roman" panose="02020603050405020304" pitchFamily="18" charset="0"/>
                 <a:cs typeface="Times New Roman" panose="02020603050405020304" pitchFamily="18" charset="0"/>
               </a:rPr>
-              <a:t>entidade_aux</a:t>
-            </a:r>
-            <a:r>
-              <a:rPr lang="pt-BR" sz="2000" dirty="0">
-                <a:latin typeface="Times New Roman" panose="02020603050405020304" pitchFamily="18" charset="0"/>
-                <a:cs typeface="Times New Roman" panose="02020603050405020304" pitchFamily="18" charset="0"/>
-              </a:rPr>
-              <a:t>['</a:t>
+              <a:t>modelo_regressaolinear.</a:t>
+            </a:r>
+            <a:r>
+              <a:rPr lang="pt-BR" sz="2000" b="1" dirty="0" err="1">
+                <a:latin typeface="Times New Roman" panose="02020603050405020304" pitchFamily="18" charset="0"/>
+                <a:cs typeface="Times New Roman" panose="02020603050405020304" pitchFamily="18" charset="0"/>
+              </a:rPr>
+              <a:t>predict</a:t>
+            </a:r>
+            <a:r>
+              <a:rPr lang="pt-BR" sz="2000" dirty="0">
+                <a:latin typeface="Times New Roman" panose="02020603050405020304" pitchFamily="18" charset="0"/>
+                <a:cs typeface="Times New Roman" panose="02020603050405020304" pitchFamily="18" charset="0"/>
+              </a:rPr>
+              <a:t>(</a:t>
             </a:r>
             <a:r>
               <a:rPr lang="pt-BR" sz="2000" dirty="0" err="1">
                 <a:latin typeface="Times New Roman" panose="02020603050405020304" pitchFamily="18" charset="0"/>
                 <a:cs typeface="Times New Roman" panose="02020603050405020304" pitchFamily="18" charset="0"/>
               </a:rPr>
-              <a:t>ArvoreDecisao</a:t>
-            </a:r>
-            <a:r>
-              <a:rPr lang="pt-BR" sz="2000" dirty="0">
-                <a:latin typeface="Times New Roman" panose="02020603050405020304" pitchFamily="18" charset="0"/>
-                <a:cs typeface="Times New Roman" panose="02020603050405020304" pitchFamily="18" charset="0"/>
-              </a:rPr>
-              <a:t>'] = </a:t>
+              <a:t>x_teste</a:t>
+            </a:r>
+            <a:r>
+              <a:rPr lang="pt-BR" sz="2000" dirty="0">
+                <a:latin typeface="Times New Roman" panose="02020603050405020304" pitchFamily="18" charset="0"/>
+                <a:cs typeface="Times New Roman" panose="02020603050405020304" pitchFamily="18" charset="0"/>
+              </a:rPr>
+              <a:t>) </a:t>
+            </a:r>
+            <a:r>
+              <a:rPr lang="pt-BR" sz="2000" b="1" dirty="0">
+                <a:latin typeface="Times New Roman" panose="02020603050405020304" pitchFamily="18" charset="0"/>
+                <a:cs typeface="Times New Roman" panose="02020603050405020304" pitchFamily="18" charset="0"/>
+              </a:rPr>
+              <a:t># </a:t>
+            </a:r>
+            <a:r>
+              <a:rPr lang="pt-BR" sz="2000" b="1" dirty="0">
+                <a:solidFill>
+                  <a:srgbClr val="FF0000"/>
+                </a:solidFill>
+                <a:latin typeface="Times New Roman" panose="02020603050405020304" pitchFamily="18" charset="0"/>
+                <a:cs typeface="Times New Roman" panose="02020603050405020304" pitchFamily="18" charset="0"/>
+              </a:rPr>
+              <a:t>previsão</a:t>
+            </a:r>
+          </a:p>
+          <a:p>
+            <a:pPr marL="0" indent="0" algn="just">
+              <a:buNone/>
+            </a:pPr>
+            <a:r>
+              <a:rPr lang="pt-BR" sz="2000" b="1" dirty="0" err="1">
+                <a:latin typeface="Times New Roman" panose="02020603050405020304" pitchFamily="18" charset="0"/>
+                <a:cs typeface="Times New Roman" panose="02020603050405020304" pitchFamily="18" charset="0"/>
+              </a:rPr>
+              <a:t>previsao_arvoredecisao</a:t>
+            </a:r>
+            <a:r>
+              <a:rPr lang="pt-BR" sz="2000" dirty="0">
+                <a:latin typeface="Times New Roman" panose="02020603050405020304" pitchFamily="18" charset="0"/>
+                <a:cs typeface="Times New Roman" panose="02020603050405020304" pitchFamily="18" charset="0"/>
+              </a:rPr>
+              <a:t> = </a:t>
             </a:r>
             <a:r>
               <a:rPr lang="pt-BR" sz="2000" dirty="0" err="1">
                 <a:latin typeface="Times New Roman" panose="02020603050405020304" pitchFamily="18" charset="0"/>
                 <a:cs typeface="Times New Roman" panose="02020603050405020304" pitchFamily="18" charset="0"/>
               </a:rPr>
-              <a:t>previsao_arvoredecisao</a:t>
-            </a:r>
+              <a:t>modelo_arvoredecisao.</a:t>
+            </a:r>
+            <a:r>
+              <a:rPr lang="pt-BR" sz="2000" b="1" dirty="0" err="1">
+                <a:latin typeface="Times New Roman" panose="02020603050405020304" pitchFamily="18" charset="0"/>
+                <a:cs typeface="Times New Roman" panose="02020603050405020304" pitchFamily="18" charset="0"/>
+              </a:rPr>
+              <a:t>predict</a:t>
+            </a:r>
+            <a:r>
+              <a:rPr lang="pt-BR" sz="2000" dirty="0">
+                <a:latin typeface="Times New Roman" panose="02020603050405020304" pitchFamily="18" charset="0"/>
+                <a:cs typeface="Times New Roman" panose="02020603050405020304" pitchFamily="18" charset="0"/>
+              </a:rPr>
+              <a:t>(</a:t>
+            </a:r>
+            <a:r>
+              <a:rPr lang="pt-BR" sz="2000" dirty="0" err="1">
+                <a:latin typeface="Times New Roman" panose="02020603050405020304" pitchFamily="18" charset="0"/>
+                <a:cs typeface="Times New Roman" panose="02020603050405020304" pitchFamily="18" charset="0"/>
+              </a:rPr>
+              <a:t>x_teste</a:t>
+            </a:r>
+            <a:r>
+              <a:rPr lang="pt-BR" sz="2000" dirty="0">
+                <a:latin typeface="Times New Roman" panose="02020603050405020304" pitchFamily="18" charset="0"/>
+                <a:cs typeface="Times New Roman" panose="02020603050405020304" pitchFamily="18" charset="0"/>
+              </a:rPr>
+              <a:t>) </a:t>
+            </a:r>
+            <a:r>
+              <a:rPr lang="pt-BR" sz="2000" b="1" dirty="0">
+                <a:latin typeface="Times New Roman" panose="02020603050405020304" pitchFamily="18" charset="0"/>
+                <a:cs typeface="Times New Roman" panose="02020603050405020304" pitchFamily="18" charset="0"/>
+              </a:rPr>
+              <a:t># </a:t>
+            </a:r>
+            <a:r>
+              <a:rPr lang="pt-BR" sz="2000" b="1" dirty="0">
+                <a:solidFill>
+                  <a:srgbClr val="FF0000"/>
+                </a:solidFill>
+                <a:latin typeface="Times New Roman" panose="02020603050405020304" pitchFamily="18" charset="0"/>
+                <a:cs typeface="Times New Roman" panose="02020603050405020304" pitchFamily="18" charset="0"/>
+              </a:rPr>
+              <a:t>previsão</a:t>
+            </a:r>
+            <a:endParaRPr lang="pt-BR" sz="2000" dirty="0">
+              <a:solidFill>
+                <a:srgbClr val="FF0000"/>
+              </a:solidFill>
+              <a:latin typeface="Times New Roman" panose="02020603050405020304" pitchFamily="18" charset="0"/>
+              <a:cs typeface="Times New Roman" panose="02020603050405020304" pitchFamily="18" charset="0"/>
+            </a:endParaRPr>
+          </a:p>
+          <a:p>
+            <a:pPr marL="0" indent="0" algn="just">
+              <a:buNone/>
+            </a:pPr>
             <a:endParaRPr lang="pt-BR" sz="2000" dirty="0">
               <a:latin typeface="Times New Roman" panose="02020603050405020304" pitchFamily="18" charset="0"/>
               <a:cs typeface="Times New Roman" panose="02020603050405020304" pitchFamily="18" charset="0"/>
@@ -7081,39 +7152,77 @@
               <a:buNone/>
             </a:pPr>
             <a:r>
+              <a:rPr lang="pt-BR" sz="2000" b="1" dirty="0">
+                <a:latin typeface="Times New Roman" panose="02020603050405020304" pitchFamily="18" charset="0"/>
+                <a:cs typeface="Times New Roman" panose="02020603050405020304" pitchFamily="18" charset="0"/>
+              </a:rPr>
+              <a:t>print</a:t>
+            </a:r>
+            <a:r>
+              <a:rPr lang="pt-BR" sz="2000" dirty="0">
+                <a:latin typeface="Times New Roman" panose="02020603050405020304" pitchFamily="18" charset="0"/>
+                <a:cs typeface="Times New Roman" panose="02020603050405020304" pitchFamily="18" charset="0"/>
+              </a:rPr>
+              <a:t>(</a:t>
+            </a:r>
+            <a:r>
+              <a:rPr lang="pt-BR" sz="2000" b="1" dirty="0">
+                <a:latin typeface="Times New Roman" panose="02020603050405020304" pitchFamily="18" charset="0"/>
+                <a:cs typeface="Times New Roman" panose="02020603050405020304" pitchFamily="18" charset="0"/>
+              </a:rPr>
+              <a:t>r2_score</a:t>
+            </a:r>
+            <a:r>
+              <a:rPr lang="pt-BR" sz="2000" dirty="0">
+                <a:latin typeface="Times New Roman" panose="02020603050405020304" pitchFamily="18" charset="0"/>
+                <a:cs typeface="Times New Roman" panose="02020603050405020304" pitchFamily="18" charset="0"/>
+              </a:rPr>
+              <a:t>(</a:t>
+            </a:r>
+            <a:r>
               <a:rPr lang="pt-BR" sz="2000" dirty="0" err="1">
                 <a:latin typeface="Times New Roman" panose="02020603050405020304" pitchFamily="18" charset="0"/>
                 <a:cs typeface="Times New Roman" panose="02020603050405020304" pitchFamily="18" charset="0"/>
               </a:rPr>
-              <a:t>entidade_aux</a:t>
-            </a:r>
-            <a:r>
-              <a:rPr lang="pt-BR" sz="2000" dirty="0">
-                <a:latin typeface="Times New Roman" panose="02020603050405020304" pitchFamily="18" charset="0"/>
-                <a:cs typeface="Times New Roman" panose="02020603050405020304" pitchFamily="18" charset="0"/>
-              </a:rPr>
-              <a:t>['</a:t>
+              <a:t>y_teste</a:t>
+            </a:r>
+            <a:r>
+              <a:rPr lang="pt-BR" sz="2000" dirty="0">
+                <a:latin typeface="Times New Roman" panose="02020603050405020304" pitchFamily="18" charset="0"/>
+                <a:cs typeface="Times New Roman" panose="02020603050405020304" pitchFamily="18" charset="0"/>
+              </a:rPr>
+              <a:t>, </a:t>
             </a:r>
             <a:r>
               <a:rPr lang="pt-BR" sz="2000" dirty="0" err="1">
                 <a:latin typeface="Times New Roman" panose="02020603050405020304" pitchFamily="18" charset="0"/>
                 <a:cs typeface="Times New Roman" panose="02020603050405020304" pitchFamily="18" charset="0"/>
               </a:rPr>
-              <a:t>RegressaoLinear</a:t>
-            </a:r>
-            <a:r>
-              <a:rPr lang="pt-BR" sz="2000" dirty="0">
-                <a:latin typeface="Times New Roman" panose="02020603050405020304" pitchFamily="18" charset="0"/>
-                <a:cs typeface="Times New Roman" panose="02020603050405020304" pitchFamily="18" charset="0"/>
-              </a:rPr>
-              <a:t>'] = </a:t>
-            </a:r>
-            <a:r>
-              <a:rPr lang="pt-BR" sz="2000" dirty="0" err="1">
-                <a:latin typeface="Times New Roman" panose="02020603050405020304" pitchFamily="18" charset="0"/>
-                <a:cs typeface="Times New Roman" panose="02020603050405020304" pitchFamily="18" charset="0"/>
-              </a:rPr>
               <a:t>previsao_regressaolinear</a:t>
+            </a:r>
+            <a:r>
+              <a:rPr lang="pt-BR" sz="2000" dirty="0">
+                <a:latin typeface="Times New Roman" panose="02020603050405020304" pitchFamily="18" charset="0"/>
+                <a:cs typeface="Times New Roman" panose="02020603050405020304" pitchFamily="18" charset="0"/>
+              </a:rPr>
+              <a:t>)) </a:t>
+            </a:r>
+            <a:r>
+              <a:rPr lang="pt-BR" sz="2000" b="1" dirty="0">
+                <a:latin typeface="Times New Roman" panose="02020603050405020304" pitchFamily="18" charset="0"/>
+                <a:cs typeface="Times New Roman" panose="02020603050405020304" pitchFamily="18" charset="0"/>
+              </a:rPr>
+              <a:t># </a:t>
+            </a:r>
+            <a:r>
+              <a:rPr lang="pt-BR" sz="2000" b="1" dirty="0">
+                <a:solidFill>
+                  <a:srgbClr val="FF0000"/>
+                </a:solidFill>
+                <a:latin typeface="Times New Roman" panose="02020603050405020304" pitchFamily="18" charset="0"/>
+                <a:cs typeface="Times New Roman" panose="02020603050405020304" pitchFamily="18" charset="0"/>
+              </a:rPr>
+              <a:t>previsão regressão linear</a:t>
             </a:r>
             <a:endParaRPr lang="pt-BR" sz="2000" dirty="0">
               <a:latin typeface="Times New Roman" panose="02020603050405020304" pitchFamily="18" charset="0"/>
@@ -7124,112 +7233,90 @@
             <a:pPr marL="0" indent="0" algn="just">
               <a:buNone/>
             </a:pPr>
+            <a:r>
+              <a:rPr lang="pt-BR" sz="2000" b="1" dirty="0">
+                <a:latin typeface="Times New Roman" panose="02020603050405020304" pitchFamily="18" charset="0"/>
+                <a:cs typeface="Times New Roman" panose="02020603050405020304" pitchFamily="18" charset="0"/>
+              </a:rPr>
+              <a:t>print</a:t>
+            </a:r>
+            <a:r>
+              <a:rPr lang="pt-BR" sz="2000" dirty="0">
+                <a:latin typeface="Times New Roman" panose="02020603050405020304" pitchFamily="18" charset="0"/>
+                <a:cs typeface="Times New Roman" panose="02020603050405020304" pitchFamily="18" charset="0"/>
+              </a:rPr>
+              <a:t>(</a:t>
+            </a:r>
+            <a:r>
+              <a:rPr lang="pt-BR" sz="2000" b="1" dirty="0">
+                <a:latin typeface="Times New Roman" panose="02020603050405020304" pitchFamily="18" charset="0"/>
+                <a:cs typeface="Times New Roman" panose="02020603050405020304" pitchFamily="18" charset="0"/>
+              </a:rPr>
+              <a:t>r2_score</a:t>
+            </a:r>
+            <a:r>
+              <a:rPr lang="pt-BR" sz="2000" dirty="0">
+                <a:latin typeface="Times New Roman" panose="02020603050405020304" pitchFamily="18" charset="0"/>
+                <a:cs typeface="Times New Roman" panose="02020603050405020304" pitchFamily="18" charset="0"/>
+              </a:rPr>
+              <a:t>(</a:t>
+            </a:r>
+            <a:r>
+              <a:rPr lang="pt-BR" sz="2000" dirty="0" err="1">
+                <a:latin typeface="Times New Roman" panose="02020603050405020304" pitchFamily="18" charset="0"/>
+                <a:cs typeface="Times New Roman" panose="02020603050405020304" pitchFamily="18" charset="0"/>
+              </a:rPr>
+              <a:t>y_teste</a:t>
+            </a:r>
+            <a:r>
+              <a:rPr lang="pt-BR" sz="2000" dirty="0">
+                <a:latin typeface="Times New Roman" panose="02020603050405020304" pitchFamily="18" charset="0"/>
+                <a:cs typeface="Times New Roman" panose="02020603050405020304" pitchFamily="18" charset="0"/>
+              </a:rPr>
+              <a:t>, </a:t>
+            </a:r>
+            <a:r>
+              <a:rPr lang="pt-BR" sz="2000" dirty="0" err="1">
+                <a:latin typeface="Times New Roman" panose="02020603050405020304" pitchFamily="18" charset="0"/>
+                <a:cs typeface="Times New Roman" panose="02020603050405020304" pitchFamily="18" charset="0"/>
+              </a:rPr>
+              <a:t>previsao_arvoredecisao</a:t>
+            </a:r>
+            <a:r>
+              <a:rPr lang="pt-BR" sz="2000" dirty="0">
+                <a:latin typeface="Times New Roman" panose="02020603050405020304" pitchFamily="18" charset="0"/>
+                <a:cs typeface="Times New Roman" panose="02020603050405020304" pitchFamily="18" charset="0"/>
+              </a:rPr>
+              <a:t>)) </a:t>
+            </a:r>
+            <a:r>
+              <a:rPr lang="pt-BR" sz="2000" b="1" dirty="0">
+                <a:latin typeface="Times New Roman" panose="02020603050405020304" pitchFamily="18" charset="0"/>
+                <a:cs typeface="Times New Roman" panose="02020603050405020304" pitchFamily="18" charset="0"/>
+              </a:rPr>
+              <a:t># </a:t>
+            </a:r>
+            <a:r>
+              <a:rPr lang="pt-BR" sz="2000" b="1" dirty="0">
+                <a:solidFill>
+                  <a:srgbClr val="FF0000"/>
+                </a:solidFill>
+                <a:latin typeface="Times New Roman" panose="02020603050405020304" pitchFamily="18" charset="0"/>
+                <a:cs typeface="Times New Roman" panose="02020603050405020304" pitchFamily="18" charset="0"/>
+              </a:rPr>
+              <a:t>previsão árvore de decisão</a:t>
+            </a:r>
             <a:endParaRPr lang="pt-BR" sz="2000" dirty="0">
               <a:latin typeface="Times New Roman" panose="02020603050405020304" pitchFamily="18" charset="0"/>
               <a:cs typeface="Times New Roman" panose="02020603050405020304" pitchFamily="18" charset="0"/>
             </a:endParaRPr>
-          </a:p>
-          <a:p>
-            <a:pPr marL="0" indent="0" algn="just">
-              <a:buNone/>
-            </a:pPr>
-            <a:r>
-              <a:rPr lang="pt-BR" sz="2000" dirty="0">
-                <a:latin typeface="Times New Roman" panose="02020603050405020304" pitchFamily="18" charset="0"/>
-                <a:cs typeface="Times New Roman" panose="02020603050405020304" pitchFamily="18" charset="0"/>
-              </a:rPr>
-              <a:t># </a:t>
-            </a:r>
-            <a:r>
-              <a:rPr lang="pt-BR" sz="2000" b="1" dirty="0">
-                <a:latin typeface="Times New Roman" panose="02020603050405020304" pitchFamily="18" charset="0"/>
-                <a:cs typeface="Times New Roman" panose="02020603050405020304" pitchFamily="18" charset="0"/>
-              </a:rPr>
-              <a:t>Previsões - Plotando o gráfico comparativo dos valores Y e modelos IA</a:t>
-            </a:r>
-          </a:p>
-          <a:p>
-            <a:pPr marL="0" indent="0" algn="just">
-              <a:buNone/>
-            </a:pPr>
-            <a:r>
-              <a:rPr lang="pt-BR" sz="2000" dirty="0" err="1">
-                <a:latin typeface="Times New Roman" panose="02020603050405020304" pitchFamily="18" charset="0"/>
-                <a:cs typeface="Times New Roman" panose="02020603050405020304" pitchFamily="18" charset="0"/>
-              </a:rPr>
-              <a:t>sns.</a:t>
-            </a:r>
-            <a:r>
-              <a:rPr lang="pt-BR" sz="2000" b="1" dirty="0" err="1">
-                <a:latin typeface="Times New Roman" panose="02020603050405020304" pitchFamily="18" charset="0"/>
-                <a:cs typeface="Times New Roman" panose="02020603050405020304" pitchFamily="18" charset="0"/>
-              </a:rPr>
-              <a:t>lineplot</a:t>
-            </a:r>
-            <a:r>
-              <a:rPr lang="pt-BR" sz="2000" dirty="0">
-                <a:latin typeface="Times New Roman" panose="02020603050405020304" pitchFamily="18" charset="0"/>
-                <a:cs typeface="Times New Roman" panose="02020603050405020304" pitchFamily="18" charset="0"/>
-              </a:rPr>
-              <a:t>(data=</a:t>
-            </a:r>
-            <a:r>
-              <a:rPr lang="pt-BR" sz="2000" dirty="0" err="1">
-                <a:latin typeface="Times New Roman" panose="02020603050405020304" pitchFamily="18" charset="0"/>
-                <a:cs typeface="Times New Roman" panose="02020603050405020304" pitchFamily="18" charset="0"/>
-              </a:rPr>
-              <a:t>entidade_aux</a:t>
-            </a:r>
-            <a:r>
-              <a:rPr lang="pt-BR" sz="2000" dirty="0">
-                <a:latin typeface="Times New Roman" panose="02020603050405020304" pitchFamily="18" charset="0"/>
-                <a:cs typeface="Times New Roman" panose="02020603050405020304" pitchFamily="18" charset="0"/>
-              </a:rPr>
-              <a:t>) # </a:t>
-            </a:r>
-            <a:r>
-              <a:rPr lang="pt-BR" sz="2000" b="1" dirty="0">
-                <a:solidFill>
-                  <a:srgbClr val="FF0000"/>
-                </a:solidFill>
-                <a:latin typeface="Times New Roman" panose="02020603050405020304" pitchFamily="18" charset="0"/>
-                <a:cs typeface="Times New Roman" panose="02020603050405020304" pitchFamily="18" charset="0"/>
-              </a:rPr>
-              <a:t>gráfico de linha</a:t>
-            </a:r>
-          </a:p>
-          <a:p>
-            <a:pPr marL="0" indent="0" algn="just">
-              <a:buNone/>
-            </a:pPr>
-            <a:r>
-              <a:rPr lang="pt-BR" sz="2000" dirty="0" err="1">
-                <a:latin typeface="Times New Roman" panose="02020603050405020304" pitchFamily="18" charset="0"/>
-                <a:cs typeface="Times New Roman" panose="02020603050405020304" pitchFamily="18" charset="0"/>
-              </a:rPr>
-              <a:t>plt.</a:t>
-            </a:r>
-            <a:r>
-              <a:rPr lang="pt-BR" sz="2000" b="1" dirty="0" err="1">
-                <a:latin typeface="Times New Roman" panose="02020603050405020304" pitchFamily="18" charset="0"/>
-                <a:cs typeface="Times New Roman" panose="02020603050405020304" pitchFamily="18" charset="0"/>
-              </a:rPr>
-              <a:t>show</a:t>
-            </a:r>
-            <a:r>
-              <a:rPr lang="pt-BR" sz="2000" dirty="0">
-                <a:latin typeface="Times New Roman" panose="02020603050405020304" pitchFamily="18" charset="0"/>
-                <a:cs typeface="Times New Roman" panose="02020603050405020304" pitchFamily="18" charset="0"/>
-              </a:rPr>
-              <a:t>()</a:t>
-            </a:r>
           </a:p>
         </p:txBody>
       </p:sp>
     </p:spTree>
     <p:extLst>
       <p:ext uri="{BB962C8B-B14F-4D97-AF65-F5344CB8AC3E}">
-        <p14:creationId xmlns:p14="http://schemas.microsoft.com/office/powerpoint/2010/main" val="1771944658"/>
+        <p14:creationId xmlns:p14="http://schemas.microsoft.com/office/powerpoint/2010/main" val="529779421"/>
       </p:ext>
     </p:extLst>
   </p:cSld>
@@ -7332,7 +7419,47 @@
                 <a:latin typeface="Times New Roman" panose="02020603050405020304" pitchFamily="18" charset="0"/>
                 <a:cs typeface="Times New Roman" panose="02020603050405020304" pitchFamily="18" charset="0"/>
               </a:rPr>
-              <a:t>8. Previsões - Nova Base de Dados para Fazer Previsões (</a:t>
+              <a:t>7. Previsões – Entidade comparativa dos valores Y e modelos IA</a:t>
+            </a:r>
+          </a:p>
+          <a:p>
+            <a:pPr marL="0" indent="0" algn="just">
+              <a:buNone/>
+            </a:pPr>
+            <a:r>
+              <a:rPr lang="pt-BR" sz="2000" dirty="0" err="1">
+                <a:latin typeface="Times New Roman" panose="02020603050405020304" pitchFamily="18" charset="0"/>
+                <a:cs typeface="Times New Roman" panose="02020603050405020304" pitchFamily="18" charset="0"/>
+              </a:rPr>
+              <a:t>entidade_aux</a:t>
+            </a:r>
+            <a:r>
+              <a:rPr lang="pt-BR" sz="2000" dirty="0">
+                <a:latin typeface="Times New Roman" panose="02020603050405020304" pitchFamily="18" charset="0"/>
+                <a:cs typeface="Times New Roman" panose="02020603050405020304" pitchFamily="18" charset="0"/>
+              </a:rPr>
+              <a:t> = </a:t>
+            </a:r>
+            <a:r>
+              <a:rPr lang="pt-BR" sz="2000" dirty="0" err="1">
+                <a:latin typeface="Times New Roman" panose="02020603050405020304" pitchFamily="18" charset="0"/>
+                <a:cs typeface="Times New Roman" panose="02020603050405020304" pitchFamily="18" charset="0"/>
+              </a:rPr>
+              <a:t>pd.</a:t>
+            </a:r>
+            <a:r>
+              <a:rPr lang="pt-BR" sz="2000" b="1" dirty="0" err="1">
+                <a:latin typeface="Times New Roman" panose="02020603050405020304" pitchFamily="18" charset="0"/>
+                <a:cs typeface="Times New Roman" panose="02020603050405020304" pitchFamily="18" charset="0"/>
+              </a:rPr>
+              <a:t>DataFrame</a:t>
+            </a:r>
+            <a:r>
+              <a:rPr lang="pt-BR" sz="2000" dirty="0">
+                <a:latin typeface="Times New Roman" panose="02020603050405020304" pitchFamily="18" charset="0"/>
+                <a:cs typeface="Times New Roman" panose="02020603050405020304" pitchFamily="18" charset="0"/>
+              </a:rPr>
+              <a:t>() # </a:t>
             </a:r>
             <a:r>
               <a:rPr lang="pt-BR" sz="2000" b="1" dirty="0">
@@ -7342,20 +7469,48 @@
                 <a:latin typeface="Times New Roman" panose="02020603050405020304" pitchFamily="18" charset="0"/>
                 <a:cs typeface="Times New Roman" panose="02020603050405020304" pitchFamily="18" charset="0"/>
               </a:rPr>
-              <a:t>Sem a coluna Y</a:t>
-            </a:r>
-            <a:r>
-              <a:rPr lang="pt-BR" sz="2000" b="1" dirty="0">
-                <a:latin typeface="Times New Roman" panose="02020603050405020304" pitchFamily="18" charset="0"/>
-                <a:cs typeface="Times New Roman" panose="02020603050405020304" pitchFamily="18" charset="0"/>
-              </a:rPr>
-              <a:t>)</a:t>
+              <a:t>entidade vazia</a:t>
             </a:r>
           </a:p>
           <a:p>
             <a:pPr marL="0" indent="0" algn="just">
               <a:buNone/>
             </a:pPr>
+            <a:r>
+              <a:rPr lang="pt-BR" sz="2000" dirty="0" err="1">
+                <a:latin typeface="Times New Roman" panose="02020603050405020304" pitchFamily="18" charset="0"/>
+                <a:cs typeface="Times New Roman" panose="02020603050405020304" pitchFamily="18" charset="0"/>
+              </a:rPr>
+              <a:t>entidade_aux</a:t>
+            </a:r>
+            <a:r>
+              <a:rPr lang="pt-BR" sz="2000" dirty="0">
+                <a:latin typeface="Times New Roman" panose="02020603050405020304" pitchFamily="18" charset="0"/>
+                <a:cs typeface="Times New Roman" panose="02020603050405020304" pitchFamily="18" charset="0"/>
+              </a:rPr>
+              <a:t>['</a:t>
+            </a:r>
+            <a:r>
+              <a:rPr lang="pt-BR" sz="2000" dirty="0" err="1">
+                <a:latin typeface="Times New Roman" panose="02020603050405020304" pitchFamily="18" charset="0"/>
+                <a:cs typeface="Times New Roman" panose="02020603050405020304" pitchFamily="18" charset="0"/>
+              </a:rPr>
+              <a:t>y_teste</a:t>
+            </a:r>
+            <a:r>
+              <a:rPr lang="pt-BR" sz="2000" dirty="0">
+                <a:latin typeface="Times New Roman" panose="02020603050405020304" pitchFamily="18" charset="0"/>
+                <a:cs typeface="Times New Roman" panose="02020603050405020304" pitchFamily="18" charset="0"/>
+              </a:rPr>
+              <a:t>'] = </a:t>
+            </a:r>
+            <a:r>
+              <a:rPr lang="pt-BR" sz="2000" dirty="0" err="1">
+                <a:latin typeface="Times New Roman" panose="02020603050405020304" pitchFamily="18" charset="0"/>
+                <a:cs typeface="Times New Roman" panose="02020603050405020304" pitchFamily="18" charset="0"/>
+              </a:rPr>
+              <a:t>y_teste</a:t>
+            </a:r>
             <a:endParaRPr lang="pt-BR" sz="2000" dirty="0">
               <a:latin typeface="Times New Roman" panose="02020603050405020304" pitchFamily="18" charset="0"/>
               <a:cs typeface="Times New Roman" panose="02020603050405020304" pitchFamily="18" charset="0"/>
@@ -7370,97 +7525,84 @@
                 <a:latin typeface="Times New Roman" panose="02020603050405020304" pitchFamily="18" charset="0"/>
                 <a:cs typeface="Times New Roman" panose="02020603050405020304" pitchFamily="18" charset="0"/>
               </a:rPr>
-              <a:t>entidade_nova</a:t>
-            </a:r>
-            <a:r>
-              <a:rPr lang="pt-BR" sz="2000" dirty="0">
-                <a:latin typeface="Times New Roman" panose="02020603050405020304" pitchFamily="18" charset="0"/>
-                <a:cs typeface="Times New Roman" panose="02020603050405020304" pitchFamily="18" charset="0"/>
-              </a:rPr>
-              <a:t> = </a:t>
+              <a:t>entidade_aux</a:t>
+            </a:r>
+            <a:r>
+              <a:rPr lang="pt-BR" sz="2000" dirty="0">
+                <a:latin typeface="Times New Roman" panose="02020603050405020304" pitchFamily="18" charset="0"/>
+                <a:cs typeface="Times New Roman" panose="02020603050405020304" pitchFamily="18" charset="0"/>
+              </a:rPr>
+              <a:t>['</a:t>
             </a:r>
             <a:r>
               <a:rPr lang="pt-BR" sz="2000" dirty="0" err="1">
                 <a:latin typeface="Times New Roman" panose="02020603050405020304" pitchFamily="18" charset="0"/>
                 <a:cs typeface="Times New Roman" panose="02020603050405020304" pitchFamily="18" charset="0"/>
               </a:rPr>
-              <a:t>pd.</a:t>
+              <a:t>ArvoreDecisao</a:t>
+            </a:r>
+            <a:r>
+              <a:rPr lang="pt-BR" sz="2000" dirty="0">
+                <a:latin typeface="Times New Roman" panose="02020603050405020304" pitchFamily="18" charset="0"/>
+                <a:cs typeface="Times New Roman" panose="02020603050405020304" pitchFamily="18" charset="0"/>
+              </a:rPr>
+              <a:t>'] = </a:t>
             </a:r>
             <a:r>
               <a:rPr lang="pt-BR" sz="2000" b="1" dirty="0" err="1">
                 <a:latin typeface="Times New Roman" panose="02020603050405020304" pitchFamily="18" charset="0"/>
                 <a:cs typeface="Times New Roman" panose="02020603050405020304" pitchFamily="18" charset="0"/>
               </a:rPr>
-              <a:t>read_csv</a:t>
-            </a:r>
-            <a:r>
-              <a:rPr lang="pt-BR" sz="2000" dirty="0">
-                <a:latin typeface="Times New Roman" panose="02020603050405020304" pitchFamily="18" charset="0"/>
-                <a:cs typeface="Times New Roman" panose="02020603050405020304" pitchFamily="18" charset="0"/>
-              </a:rPr>
-              <a:t>('</a:t>
-            </a:r>
+              <a:t>previsao_arvoredecisao</a:t>
+            </a:r>
+            <a:endParaRPr lang="pt-BR" sz="2000" b="1" dirty="0">
+              <a:latin typeface="Times New Roman" panose="02020603050405020304" pitchFamily="18" charset="0"/>
+              <a:cs typeface="Times New Roman" panose="02020603050405020304" pitchFamily="18" charset="0"/>
+            </a:endParaRPr>
+          </a:p>
+          <a:p>
+            <a:pPr marL="0" indent="0" algn="just">
+              <a:buNone/>
+            </a:pPr>
             <a:r>
               <a:rPr lang="pt-BR" sz="2000" dirty="0" err="1">
                 <a:latin typeface="Times New Roman" panose="02020603050405020304" pitchFamily="18" charset="0"/>
                 <a:cs typeface="Times New Roman" panose="02020603050405020304" pitchFamily="18" charset="0"/>
               </a:rPr>
-              <a:t>sample_data</a:t>
-            </a:r>
-            <a:r>
-              <a:rPr lang="pt-BR" sz="2000" dirty="0">
-                <a:latin typeface="Times New Roman" panose="02020603050405020304" pitchFamily="18" charset="0"/>
-                <a:cs typeface="Times New Roman" panose="02020603050405020304" pitchFamily="18" charset="0"/>
-              </a:rPr>
-              <a:t>/california2.csv', </a:t>
+              <a:t>entidade_aux</a:t>
+            </a:r>
+            <a:r>
+              <a:rPr lang="pt-BR" sz="2000" dirty="0">
+                <a:latin typeface="Times New Roman" panose="02020603050405020304" pitchFamily="18" charset="0"/>
+                <a:cs typeface="Times New Roman" panose="02020603050405020304" pitchFamily="18" charset="0"/>
+              </a:rPr>
+              <a:t>['</a:t>
             </a:r>
             <a:r>
               <a:rPr lang="pt-BR" sz="2000" dirty="0" err="1">
                 <a:latin typeface="Times New Roman" panose="02020603050405020304" pitchFamily="18" charset="0"/>
                 <a:cs typeface="Times New Roman" panose="02020603050405020304" pitchFamily="18" charset="0"/>
               </a:rPr>
-              <a:t>sep</a:t>
-            </a:r>
-            <a:r>
-              <a:rPr lang="pt-BR" sz="2000" dirty="0">
-                <a:latin typeface="Times New Roman" panose="02020603050405020304" pitchFamily="18" charset="0"/>
-                <a:cs typeface="Times New Roman" panose="02020603050405020304" pitchFamily="18" charset="0"/>
-              </a:rPr>
-              <a:t>=‘;')</a:t>
-            </a:r>
-          </a:p>
-          <a:p>
-            <a:pPr marL="0" indent="0" algn="just">
-              <a:buNone/>
-            </a:pPr>
-            <a:r>
-              <a:rPr lang="pt-BR" sz="2000" b="1" dirty="0">
-                <a:latin typeface="Times New Roman" panose="02020603050405020304" pitchFamily="18" charset="0"/>
-                <a:cs typeface="Times New Roman" panose="02020603050405020304" pitchFamily="18" charset="0"/>
-              </a:rPr>
-              <a:t>display</a:t>
-            </a:r>
-            <a:r>
-              <a:rPr lang="pt-BR" sz="2000" dirty="0">
-                <a:latin typeface="Times New Roman" panose="02020603050405020304" pitchFamily="18" charset="0"/>
-                <a:cs typeface="Times New Roman" panose="02020603050405020304" pitchFamily="18" charset="0"/>
-              </a:rPr>
-              <a:t>(</a:t>
-            </a:r>
-            <a:r>
-              <a:rPr lang="pt-BR" sz="2000" dirty="0" err="1">
-                <a:latin typeface="Times New Roman" panose="02020603050405020304" pitchFamily="18" charset="0"/>
-                <a:cs typeface="Times New Roman" panose="02020603050405020304" pitchFamily="18" charset="0"/>
-              </a:rPr>
-              <a:t>entidade_nova</a:t>
-            </a:r>
-            <a:r>
-              <a:rPr lang="pt-BR" sz="2000" dirty="0">
-                <a:latin typeface="Times New Roman" panose="02020603050405020304" pitchFamily="18" charset="0"/>
-                <a:cs typeface="Times New Roman" panose="02020603050405020304" pitchFamily="18" charset="0"/>
-              </a:rPr>
-              <a:t>)</a:t>
-            </a:r>
+              <a:t>RegressaoLinear</a:t>
+            </a:r>
+            <a:r>
+              <a:rPr lang="pt-BR" sz="2000" dirty="0">
+                <a:latin typeface="Times New Roman" panose="02020603050405020304" pitchFamily="18" charset="0"/>
+                <a:cs typeface="Times New Roman" panose="02020603050405020304" pitchFamily="18" charset="0"/>
+              </a:rPr>
+              <a:t>'] = </a:t>
+            </a:r>
+            <a:r>
+              <a:rPr lang="pt-BR" sz="2000" b="1" dirty="0" err="1">
+                <a:latin typeface="Times New Roman" panose="02020603050405020304" pitchFamily="18" charset="0"/>
+                <a:cs typeface="Times New Roman" panose="02020603050405020304" pitchFamily="18" charset="0"/>
+              </a:rPr>
+              <a:t>previsao_regressaolinear</a:t>
+            </a:r>
+            <a:endParaRPr lang="pt-BR" sz="2000" b="1" dirty="0">
+              <a:latin typeface="Times New Roman" panose="02020603050405020304" pitchFamily="18" charset="0"/>
+              <a:cs typeface="Times New Roman" panose="02020603050405020304" pitchFamily="18" charset="0"/>
+            </a:endParaRPr>
           </a:p>
           <a:p>
             <a:pPr marL="0" indent="0" algn="just">
@@ -7487,7 +7629,7 @@
                 <a:latin typeface="Times New Roman" panose="02020603050405020304" pitchFamily="18" charset="0"/>
                 <a:cs typeface="Times New Roman" panose="02020603050405020304" pitchFamily="18" charset="0"/>
               </a:rPr>
-              <a:t>Fazendo Previsões com base na aprendizagem do modelo</a:t>
+              <a:t>Previsões - Plotando o gráfico comparativo dos valores Y e modelos IA</a:t>
             </a:r>
           </a:p>
           <a:p>
@@ -7499,109 +7641,71 @@
                 <a:latin typeface="Times New Roman" panose="02020603050405020304" pitchFamily="18" charset="0"/>
                 <a:cs typeface="Times New Roman" panose="02020603050405020304" pitchFamily="18" charset="0"/>
               </a:rPr>
-              <a:t>previsao</a:t>
-            </a:r>
-            <a:r>
-              <a:rPr lang="pt-BR" sz="2000" dirty="0">
-                <a:latin typeface="Times New Roman" panose="02020603050405020304" pitchFamily="18" charset="0"/>
-                <a:cs typeface="Times New Roman" panose="02020603050405020304" pitchFamily="18" charset="0"/>
-              </a:rPr>
-              <a:t> = </a:t>
+              <a:t>sns.</a:t>
+            </a:r>
+            <a:r>
+              <a:rPr lang="pt-BR" sz="2000" b="1" dirty="0" err="1">
+                <a:latin typeface="Times New Roman" panose="02020603050405020304" pitchFamily="18" charset="0"/>
+                <a:cs typeface="Times New Roman" panose="02020603050405020304" pitchFamily="18" charset="0"/>
+              </a:rPr>
+              <a:t>lineplot</a:t>
+            </a:r>
+            <a:r>
+              <a:rPr lang="pt-BR" sz="2000" dirty="0">
+                <a:latin typeface="Times New Roman" panose="02020603050405020304" pitchFamily="18" charset="0"/>
+                <a:cs typeface="Times New Roman" panose="02020603050405020304" pitchFamily="18" charset="0"/>
+              </a:rPr>
+              <a:t>(data=</a:t>
             </a:r>
             <a:r>
               <a:rPr lang="pt-BR" sz="2000" dirty="0" err="1">
                 <a:latin typeface="Times New Roman" panose="02020603050405020304" pitchFamily="18" charset="0"/>
                 <a:cs typeface="Times New Roman" panose="02020603050405020304" pitchFamily="18" charset="0"/>
               </a:rPr>
-              <a:t>modelo_arvoredecisao.</a:t>
+              <a:t>entidade_aux</a:t>
+            </a:r>
+            <a:r>
+              <a:rPr lang="pt-BR" sz="2000" dirty="0">
+                <a:latin typeface="Times New Roman" panose="02020603050405020304" pitchFamily="18" charset="0"/>
+                <a:cs typeface="Times New Roman" panose="02020603050405020304" pitchFamily="18" charset="0"/>
+              </a:rPr>
+              <a:t>) # </a:t>
+            </a:r>
+            <a:r>
+              <a:rPr lang="pt-BR" sz="2000" b="1" dirty="0">
+                <a:solidFill>
+                  <a:srgbClr val="FF0000"/>
+                </a:solidFill>
+                <a:latin typeface="Times New Roman" panose="02020603050405020304" pitchFamily="18" charset="0"/>
+                <a:cs typeface="Times New Roman" panose="02020603050405020304" pitchFamily="18" charset="0"/>
+              </a:rPr>
+              <a:t>gráfico de linha</a:t>
+            </a:r>
+          </a:p>
+          <a:p>
+            <a:pPr marL="0" indent="0" algn="just">
+              <a:buNone/>
+            </a:pPr>
+            <a:r>
+              <a:rPr lang="pt-BR" sz="2000" dirty="0" err="1">
+                <a:latin typeface="Times New Roman" panose="02020603050405020304" pitchFamily="18" charset="0"/>
+                <a:cs typeface="Times New Roman" panose="02020603050405020304" pitchFamily="18" charset="0"/>
+              </a:rPr>
+              <a:t>plt.</a:t>
             </a:r>
             <a:r>
               <a:rPr lang="pt-BR" sz="2000" b="1" dirty="0" err="1">
                 <a:latin typeface="Times New Roman" panose="02020603050405020304" pitchFamily="18" charset="0"/>
                 <a:cs typeface="Times New Roman" panose="02020603050405020304" pitchFamily="18" charset="0"/>
               </a:rPr>
-              <a:t>predict</a:t>
-            </a:r>
-            <a:r>
-              <a:rPr lang="pt-BR" sz="2000" dirty="0">
-                <a:latin typeface="Times New Roman" panose="02020603050405020304" pitchFamily="18" charset="0"/>
-                <a:cs typeface="Times New Roman" panose="02020603050405020304" pitchFamily="18" charset="0"/>
-              </a:rPr>
-              <a:t>(</a:t>
-            </a:r>
-            <a:r>
-              <a:rPr lang="pt-BR" sz="2000" dirty="0" err="1">
-                <a:latin typeface="Times New Roman" panose="02020603050405020304" pitchFamily="18" charset="0"/>
-                <a:cs typeface="Times New Roman" panose="02020603050405020304" pitchFamily="18" charset="0"/>
-              </a:rPr>
-              <a:t>entidade_nova</a:t>
-            </a:r>
-            <a:r>
-              <a:rPr lang="pt-BR" sz="2000" dirty="0">
-                <a:latin typeface="Times New Roman" panose="02020603050405020304" pitchFamily="18" charset="0"/>
-                <a:cs typeface="Times New Roman" panose="02020603050405020304" pitchFamily="18" charset="0"/>
-              </a:rPr>
-              <a:t>)</a:t>
-            </a:r>
-          </a:p>
-          <a:p>
-            <a:pPr marL="0" indent="0" algn="just">
-              <a:buNone/>
-            </a:pPr>
-            <a:r>
-              <a:rPr lang="pt-BR" sz="2000" b="1" dirty="0">
-                <a:latin typeface="Times New Roman" panose="02020603050405020304" pitchFamily="18" charset="0"/>
-                <a:cs typeface="Times New Roman" panose="02020603050405020304" pitchFamily="18" charset="0"/>
-              </a:rPr>
-              <a:t>print</a:t>
-            </a:r>
-            <a:r>
-              <a:rPr lang="pt-BR" sz="2000" dirty="0">
-                <a:latin typeface="Times New Roman" panose="02020603050405020304" pitchFamily="18" charset="0"/>
-                <a:cs typeface="Times New Roman" panose="02020603050405020304" pitchFamily="18" charset="0"/>
-              </a:rPr>
-              <a:t>(</a:t>
-            </a:r>
-            <a:r>
-              <a:rPr lang="pt-BR" sz="2000" dirty="0" err="1">
-                <a:latin typeface="Times New Roman" panose="02020603050405020304" pitchFamily="18" charset="0"/>
-                <a:cs typeface="Times New Roman" panose="02020603050405020304" pitchFamily="18" charset="0"/>
-              </a:rPr>
-              <a:t>previsao</a:t>
-            </a:r>
-            <a:r>
-              <a:rPr lang="pt-BR" sz="2000" dirty="0">
-                <a:latin typeface="Times New Roman" panose="02020603050405020304" pitchFamily="18" charset="0"/>
-                <a:cs typeface="Times New Roman" panose="02020603050405020304" pitchFamily="18" charset="0"/>
-              </a:rPr>
-              <a:t>)</a:t>
-            </a:r>
-          </a:p>
-          <a:p>
-            <a:pPr marL="0" indent="0" algn="just">
-              <a:buNone/>
-            </a:pPr>
-            <a:r>
-              <a:rPr lang="pt-BR" sz="2000" dirty="0">
-                <a:latin typeface="Times New Roman" panose="02020603050405020304" pitchFamily="18" charset="0"/>
-                <a:cs typeface="Times New Roman" panose="02020603050405020304" pitchFamily="18" charset="0"/>
-              </a:rPr>
-              <a:t>					 </a:t>
-            </a:r>
-            <a:r>
-              <a:rPr lang="pt-BR" sz="2000" dirty="0">
-                <a:latin typeface="Times New Roman" panose="02020603050405020304" pitchFamily="18" charset="0"/>
-                <a:cs typeface="Times New Roman" panose="02020603050405020304" pitchFamily="18" charset="0"/>
-                <a:hlinkClick r:id="rId3"/>
-              </a:rPr>
-              <a:t>https://www.kaggle.com/</a:t>
-            </a:r>
-            <a:r>
-              <a:rPr lang="pt-BR" sz="2000" dirty="0">
-                <a:latin typeface="Times New Roman" panose="02020603050405020304" pitchFamily="18" charset="0"/>
-                <a:cs typeface="Times New Roman" panose="02020603050405020304" pitchFamily="18" charset="0"/>
-              </a:rPr>
-              <a:t> </a:t>
+              <a:t>show</a:t>
+            </a:r>
+            <a:r>
+              <a:rPr lang="pt-BR" sz="2000" dirty="0">
+                <a:latin typeface="Times New Roman" panose="02020603050405020304" pitchFamily="18" charset="0"/>
+                <a:cs typeface="Times New Roman" panose="02020603050405020304" pitchFamily="18" charset="0"/>
+              </a:rPr>
+              <a:t>()</a:t>
             </a:r>
           </a:p>
         </p:txBody>
@@ -7609,7 +7713,7 @@
     </p:spTree>
     <p:extLst>
       <p:ext uri="{BB962C8B-B14F-4D97-AF65-F5344CB8AC3E}">
-        <p14:creationId xmlns:p14="http://schemas.microsoft.com/office/powerpoint/2010/main" val="1876858370"/>
+        <p14:creationId xmlns:p14="http://schemas.microsoft.com/office/powerpoint/2010/main" val="1771944658"/>
       </p:ext>
     </p:extLst>
   </p:cSld>
@@ -7655,33 +7759,17 @@
         </p:spPr>
         <p:txBody>
           <a:bodyPr>
-            <a:normAutofit/>
+            <a:normAutofit fontScale="90000"/>
           </a:bodyPr>
           <a:lstStyle/>
           <a:p>
             <a:r>
-              <a:rPr lang="en-US" b="1" dirty="0" err="1">
+              <a:rPr lang="pt-BR" b="1" dirty="0">
                 <a:solidFill>
                   <a:srgbClr val="0070C0"/>
                 </a:solidFill>
               </a:rPr>
-              <a:t>Leitura</a:t>
-            </a:r>
-            <a:r>
-              <a:rPr lang="en-US" b="1" dirty="0">
-                <a:solidFill>
-                  <a:srgbClr val="0070C0"/>
-                </a:solidFill>
-              </a:rPr>
-              <a:t> </a:t>
-            </a:r>
-            <a:r>
-              <a:rPr lang="en-US" b="1" dirty="0" err="1">
-                <a:solidFill>
-                  <a:srgbClr val="0070C0"/>
-                </a:solidFill>
-              </a:rPr>
-              <a:t>Específica</a:t>
+              <a:t>Python com Big Data - Continuação</a:t>
             </a:r>
             <a:endParaRPr lang="en-US" b="1" dirty="0">
               <a:solidFill>
@@ -7704,7 +7792,7 @@
         <p:spPr>
           <a:xfrm>
             <a:off x="142865" y="1200150"/>
-            <a:ext cx="8865056" cy="3615689"/>
+            <a:ext cx="8865056" cy="3737370"/>
           </a:xfrm>
         </p:spPr>
         <p:txBody>
@@ -7721,27 +7809,15 @@
                 <a:latin typeface="Times New Roman" panose="02020603050405020304" pitchFamily="18" charset="0"/>
                 <a:cs typeface="Times New Roman" panose="02020603050405020304" pitchFamily="18" charset="0"/>
               </a:rPr>
-              <a:t>[1] </a:t>
+              <a:t># </a:t>
             </a:r>
             <a:r>
               <a:rPr lang="pt-BR" sz="2000" b="1" dirty="0">
                 <a:latin typeface="Times New Roman" panose="02020603050405020304" pitchFamily="18" charset="0"/>
                 <a:cs typeface="Times New Roman" panose="02020603050405020304" pitchFamily="18" charset="0"/>
               </a:rPr>
-              <a:t>Python para Data Science</a:t>
-            </a:r>
-            <a:r>
-              <a:rPr lang="pt-BR" sz="2000" dirty="0">
-                <a:latin typeface="Times New Roman" panose="02020603050405020304" pitchFamily="18" charset="0"/>
-                <a:cs typeface="Times New Roman" panose="02020603050405020304" pitchFamily="18" charset="0"/>
-              </a:rPr>
-              <a:t>.</a:t>
-            </a:r>
-          </a:p>
-          <a:p>
-            <a:pPr marL="0" indent="0" algn="just">
-              <a:buNone/>
-            </a:pPr>
+              <a:t>8. Previsões - Nova Base de Dados para Fazer Previsões (</a:t>
+            </a:r>
             <a:r>
               <a:rPr lang="pt-BR" sz="2000" b="1" dirty="0">
                 <a:solidFill>
@@ -7750,101 +7826,14 @@
                 <a:latin typeface="Times New Roman" panose="02020603050405020304" pitchFamily="18" charset="0"/>
                 <a:cs typeface="Times New Roman" panose="02020603050405020304" pitchFamily="18" charset="0"/>
               </a:rPr>
-              <a:t>Disponível em: </a:t>
-            </a:r>
-            <a:r>
-              <a:rPr lang="pt-BR" sz="2000" dirty="0">
-                <a:latin typeface="Times New Roman" panose="02020603050405020304" pitchFamily="18" charset="0"/>
-                <a:cs typeface="Times New Roman" panose="02020603050405020304" pitchFamily="18" charset="0"/>
-                <a:hlinkClick r:id="rId3"/>
-              </a:rPr>
-              <a:t>https://coodesh.com/blog/carreiras/python-para-data-science-a-linguagem-mais-utilizada-na-area/</a:t>
-            </a:r>
-            <a:r>
-              <a:rPr lang="pt-BR" sz="2000" dirty="0">
-                <a:latin typeface="Times New Roman" panose="02020603050405020304" pitchFamily="18" charset="0"/>
-                <a:cs typeface="Times New Roman" panose="02020603050405020304" pitchFamily="18" charset="0"/>
-              </a:rPr>
-              <a:t> </a:t>
-            </a:r>
-          </a:p>
-          <a:p>
-            <a:pPr marL="0" indent="0" algn="just">
-              <a:buNone/>
-            </a:pPr>
-            <a:r>
-              <a:rPr lang="pt-BR" sz="2000" dirty="0">
-                <a:latin typeface="Times New Roman" panose="02020603050405020304" pitchFamily="18" charset="0"/>
-                <a:cs typeface="Times New Roman" panose="02020603050405020304" pitchFamily="18" charset="0"/>
-              </a:rPr>
-              <a:t>	</a:t>
-            </a:r>
-          </a:p>
-          <a:p>
-            <a:pPr marL="0" indent="0" algn="just">
-              <a:buNone/>
-            </a:pPr>
-            <a:r>
-              <a:rPr lang="pt-BR" sz="2000" dirty="0">
-                <a:latin typeface="Times New Roman" panose="02020603050405020304" pitchFamily="18" charset="0"/>
-                <a:cs typeface="Times New Roman" panose="02020603050405020304" pitchFamily="18" charset="0"/>
-              </a:rPr>
-              <a:t>[2</a:t>
-            </a:r>
-            <a:r>
-              <a:rPr lang="pt-BR" sz="2000">
-                <a:latin typeface="Times New Roman" panose="02020603050405020304" pitchFamily="18" charset="0"/>
-                <a:cs typeface="Times New Roman" panose="02020603050405020304" pitchFamily="18" charset="0"/>
-              </a:rPr>
-              <a:t>] </a:t>
-            </a:r>
-            <a:r>
-              <a:rPr lang="pt-BR" sz="2000" b="1">
-                <a:latin typeface="Times New Roman" panose="02020603050405020304" pitchFamily="18" charset="0"/>
-                <a:cs typeface="Times New Roman" panose="02020603050405020304" pitchFamily="18" charset="0"/>
-              </a:rPr>
-              <a:t>Histogramas.</a:t>
-            </a:r>
-            <a:endParaRPr lang="pt-BR" sz="2000" b="1" dirty="0">
-              <a:latin typeface="Times New Roman" panose="02020603050405020304" pitchFamily="18" charset="0"/>
-              <a:cs typeface="Times New Roman" panose="02020603050405020304" pitchFamily="18" charset="0"/>
-            </a:endParaRPr>
-          </a:p>
-          <a:p>
-            <a:pPr marL="0" indent="0" algn="just">
-              <a:buNone/>
-            </a:pPr>
+              <a:t>Sem a coluna Y</a:t>
+            </a:r>
             <a:r>
               <a:rPr lang="pt-BR" sz="2000" b="1" dirty="0">
-                <a:solidFill>
-                  <a:srgbClr val="FF0000"/>
-                </a:solidFill>
-                <a:latin typeface="Times New Roman" panose="02020603050405020304" pitchFamily="18" charset="0"/>
-                <a:cs typeface="Times New Roman" panose="02020603050405020304" pitchFamily="18" charset="0"/>
-              </a:rPr>
-              <a:t>Disponível em:</a:t>
-            </a:r>
-            <a:r>
-              <a:rPr lang="pt-BR" sz="2000" dirty="0">
-                <a:latin typeface="Times New Roman" panose="02020603050405020304" pitchFamily="18" charset="0"/>
-                <a:cs typeface="Times New Roman" panose="02020603050405020304" pitchFamily="18" charset="0"/>
-              </a:rPr>
-              <a:t>	</a:t>
-            </a:r>
-            <a:r>
-              <a:rPr lang="pt-BR" sz="2000" dirty="0">
-                <a:latin typeface="Times New Roman" panose="02020603050405020304" pitchFamily="18" charset="0"/>
-                <a:cs typeface="Times New Roman" panose="02020603050405020304" pitchFamily="18" charset="0"/>
-                <a:hlinkClick r:id="rId4"/>
-              </a:rPr>
-              <a:t>https://plotly.com/python/histograms/</a:t>
-            </a:r>
-            <a:r>
-              <a:rPr lang="pt-BR" sz="2000" dirty="0">
-                <a:latin typeface="Times New Roman" panose="02020603050405020304" pitchFamily="18" charset="0"/>
-                <a:cs typeface="Times New Roman" panose="02020603050405020304" pitchFamily="18" charset="0"/>
-              </a:rPr>
-              <a:t> </a:t>
+                <a:latin typeface="Times New Roman" panose="02020603050405020304" pitchFamily="18" charset="0"/>
+                <a:cs typeface="Times New Roman" panose="02020603050405020304" pitchFamily="18" charset="0"/>
+              </a:rPr>
+              <a:t>)</a:t>
             </a:r>
           </a:p>
           <a:p>
@@ -7861,25 +7850,67 @@
               <a:buNone/>
             </a:pPr>
             <a:r>
-              <a:rPr lang="pt-BR" sz="2000" dirty="0">
-                <a:latin typeface="Times New Roman" panose="02020603050405020304" pitchFamily="18" charset="0"/>
-                <a:cs typeface="Times New Roman" panose="02020603050405020304" pitchFamily="18" charset="0"/>
-              </a:rPr>
-              <a:t>[3] </a:t>
-            </a:r>
-            <a:r>
-              <a:rPr lang="en-US" sz="2000" b="1" dirty="0">
-                <a:latin typeface="Times New Roman" panose="02020603050405020304" pitchFamily="18" charset="0"/>
-                <a:cs typeface="Times New Roman" panose="02020603050405020304" pitchFamily="18" charset="0"/>
-              </a:rPr>
-              <a:t>Using Python for Big Data &amp; Analytics (Python is Perfect for Big Data)</a:t>
-            </a:r>
-            <a:r>
-              <a:rPr lang="pt-BR" sz="2000" dirty="0">
-                <a:latin typeface="Times New Roman" panose="02020603050405020304" pitchFamily="18" charset="0"/>
-                <a:cs typeface="Times New Roman" panose="02020603050405020304" pitchFamily="18" charset="0"/>
-              </a:rPr>
-              <a:t>. </a:t>
+              <a:rPr lang="pt-BR" sz="2000" dirty="0" err="1">
+                <a:latin typeface="Times New Roman" panose="02020603050405020304" pitchFamily="18" charset="0"/>
+                <a:cs typeface="Times New Roman" panose="02020603050405020304" pitchFamily="18" charset="0"/>
+              </a:rPr>
+              <a:t>entidade_nova</a:t>
+            </a:r>
+            <a:r>
+              <a:rPr lang="pt-BR" sz="2000" dirty="0">
+                <a:latin typeface="Times New Roman" panose="02020603050405020304" pitchFamily="18" charset="0"/>
+                <a:cs typeface="Times New Roman" panose="02020603050405020304" pitchFamily="18" charset="0"/>
+              </a:rPr>
+              <a:t> = </a:t>
+            </a:r>
+            <a:r>
+              <a:rPr lang="pt-BR" sz="2000" dirty="0" err="1">
+                <a:latin typeface="Times New Roman" panose="02020603050405020304" pitchFamily="18" charset="0"/>
+                <a:cs typeface="Times New Roman" panose="02020603050405020304" pitchFamily="18" charset="0"/>
+              </a:rPr>
+              <a:t>pd.</a:t>
+            </a:r>
+            <a:r>
+              <a:rPr lang="pt-BR" sz="2000" b="1" dirty="0" err="1">
+                <a:latin typeface="Times New Roman" panose="02020603050405020304" pitchFamily="18" charset="0"/>
+                <a:cs typeface="Times New Roman" panose="02020603050405020304" pitchFamily="18" charset="0"/>
+              </a:rPr>
+              <a:t>read_csv</a:t>
+            </a:r>
+            <a:r>
+              <a:rPr lang="pt-BR" sz="2000" dirty="0">
+                <a:latin typeface="Times New Roman" panose="02020603050405020304" pitchFamily="18" charset="0"/>
+                <a:cs typeface="Times New Roman" panose="02020603050405020304" pitchFamily="18" charset="0"/>
+              </a:rPr>
+              <a:t>('</a:t>
+            </a:r>
+            <a:r>
+              <a:rPr lang="pt-BR" sz="2000" dirty="0" err="1">
+                <a:latin typeface="Times New Roman" panose="02020603050405020304" pitchFamily="18" charset="0"/>
+                <a:cs typeface="Times New Roman" panose="02020603050405020304" pitchFamily="18" charset="0"/>
+              </a:rPr>
+              <a:t>sample_data</a:t>
+            </a:r>
+            <a:r>
+              <a:rPr lang="pt-BR" sz="2000" dirty="0">
+                <a:latin typeface="Times New Roman" panose="02020603050405020304" pitchFamily="18" charset="0"/>
+                <a:cs typeface="Times New Roman" panose="02020603050405020304" pitchFamily="18" charset="0"/>
+              </a:rPr>
+              <a:t>/vendasNovo.csv', </a:t>
+            </a:r>
+            <a:r>
+              <a:rPr lang="pt-BR" sz="2000" dirty="0" err="1">
+                <a:latin typeface="Times New Roman" panose="02020603050405020304" pitchFamily="18" charset="0"/>
+                <a:cs typeface="Times New Roman" panose="02020603050405020304" pitchFamily="18" charset="0"/>
+              </a:rPr>
+              <a:t>sep</a:t>
+            </a:r>
+            <a:r>
+              <a:rPr lang="pt-BR" sz="2000" dirty="0">
+                <a:latin typeface="Times New Roman" panose="02020603050405020304" pitchFamily="18" charset="0"/>
+                <a:cs typeface="Times New Roman" panose="02020603050405020304" pitchFamily="18" charset="0"/>
+              </a:rPr>
+              <a:t>=';')</a:t>
             </a:r>
           </a:p>
           <a:p>
@@ -7888,21 +7919,166 @@
             </a:pPr>
             <a:r>
               <a:rPr lang="pt-BR" sz="2000" b="1" dirty="0">
-                <a:solidFill>
-                  <a:srgbClr val="FF0000"/>
-                </a:solidFill>
-                <a:latin typeface="Times New Roman" panose="02020603050405020304" pitchFamily="18" charset="0"/>
-                <a:cs typeface="Times New Roman" panose="02020603050405020304" pitchFamily="18" charset="0"/>
-              </a:rPr>
-              <a:t>Disponível em: </a:t>
-            </a:r>
-            <a:r>
-              <a:rPr lang="pt-BR" sz="2000" dirty="0">
-                <a:latin typeface="Times New Roman" panose="02020603050405020304" pitchFamily="18" charset="0"/>
-                <a:cs typeface="Times New Roman" panose="02020603050405020304" pitchFamily="18" charset="0"/>
-                <a:hlinkClick r:id="rId5"/>
-              </a:rPr>
-              <a:t>https://www.bmc.com/blogs/python-big-data-analytics/</a:t>
+                <a:latin typeface="Times New Roman" panose="02020603050405020304" pitchFamily="18" charset="0"/>
+                <a:cs typeface="Times New Roman" panose="02020603050405020304" pitchFamily="18" charset="0"/>
+              </a:rPr>
+              <a:t>display</a:t>
+            </a:r>
+            <a:r>
+              <a:rPr lang="pt-BR" sz="2000" dirty="0">
+                <a:latin typeface="Times New Roman" panose="02020603050405020304" pitchFamily="18" charset="0"/>
+                <a:cs typeface="Times New Roman" panose="02020603050405020304" pitchFamily="18" charset="0"/>
+              </a:rPr>
+              <a:t>(</a:t>
+            </a:r>
+            <a:r>
+              <a:rPr lang="pt-BR" sz="2000" dirty="0" err="1">
+                <a:latin typeface="Times New Roman" panose="02020603050405020304" pitchFamily="18" charset="0"/>
+                <a:cs typeface="Times New Roman" panose="02020603050405020304" pitchFamily="18" charset="0"/>
+              </a:rPr>
+              <a:t>entidade_nova</a:t>
+            </a:r>
+            <a:r>
+              <a:rPr lang="pt-BR" sz="2000" dirty="0">
+                <a:latin typeface="Times New Roman" panose="02020603050405020304" pitchFamily="18" charset="0"/>
+                <a:cs typeface="Times New Roman" panose="02020603050405020304" pitchFamily="18" charset="0"/>
+              </a:rPr>
+              <a:t>)</a:t>
+            </a:r>
+          </a:p>
+          <a:p>
+            <a:pPr marL="0" indent="0" algn="just">
+              <a:buNone/>
+            </a:pPr>
+            <a:endParaRPr lang="pt-BR" sz="2000" dirty="0">
+              <a:latin typeface="Times New Roman" panose="02020603050405020304" pitchFamily="18" charset="0"/>
+              <a:cs typeface="Times New Roman" panose="02020603050405020304" pitchFamily="18" charset="0"/>
+            </a:endParaRPr>
+          </a:p>
+          <a:p>
+            <a:pPr marL="0" indent="0" algn="just">
+              <a:buNone/>
+            </a:pPr>
+            <a:r>
+              <a:rPr lang="pt-BR" sz="2000" dirty="0">
+                <a:latin typeface="Times New Roman" panose="02020603050405020304" pitchFamily="18" charset="0"/>
+                <a:cs typeface="Times New Roman" panose="02020603050405020304" pitchFamily="18" charset="0"/>
+              </a:rPr>
+              <a:t># </a:t>
+            </a:r>
+            <a:r>
+              <a:rPr lang="pt-BR" sz="2000" b="1" dirty="0">
+                <a:latin typeface="Times New Roman" panose="02020603050405020304" pitchFamily="18" charset="0"/>
+                <a:cs typeface="Times New Roman" panose="02020603050405020304" pitchFamily="18" charset="0"/>
+              </a:rPr>
+              <a:t>Fazendo Previsões com base na aprendizagem do modelo</a:t>
+            </a:r>
+          </a:p>
+          <a:p>
+            <a:pPr marL="0" indent="0" algn="just">
+              <a:buNone/>
+            </a:pPr>
+            <a:r>
+              <a:rPr lang="pt-BR" sz="2000" dirty="0" err="1">
+                <a:latin typeface="Times New Roman" panose="02020603050405020304" pitchFamily="18" charset="0"/>
+                <a:cs typeface="Times New Roman" panose="02020603050405020304" pitchFamily="18" charset="0"/>
+              </a:rPr>
+              <a:t>previsao</a:t>
+            </a:r>
+            <a:r>
+              <a:rPr lang="pt-BR" sz="2000" dirty="0">
+                <a:latin typeface="Times New Roman" panose="02020603050405020304" pitchFamily="18" charset="0"/>
+                <a:cs typeface="Times New Roman" panose="02020603050405020304" pitchFamily="18" charset="0"/>
+              </a:rPr>
+              <a:t> = </a:t>
+            </a:r>
+            <a:r>
+              <a:rPr lang="pt-BR" sz="2000" dirty="0" err="1">
+                <a:latin typeface="Times New Roman" panose="02020603050405020304" pitchFamily="18" charset="0"/>
+                <a:cs typeface="Times New Roman" panose="02020603050405020304" pitchFamily="18" charset="0"/>
+              </a:rPr>
+              <a:t>modelo_arvoredecisao.</a:t>
+            </a:r>
+            <a:r>
+              <a:rPr lang="pt-BR" sz="2000" b="1" dirty="0" err="1">
+                <a:latin typeface="Times New Roman" panose="02020603050405020304" pitchFamily="18" charset="0"/>
+                <a:cs typeface="Times New Roman" panose="02020603050405020304" pitchFamily="18" charset="0"/>
+              </a:rPr>
+              <a:t>predict</a:t>
+            </a:r>
+            <a:r>
+              <a:rPr lang="pt-BR" sz="2000" dirty="0">
+                <a:latin typeface="Times New Roman" panose="02020603050405020304" pitchFamily="18" charset="0"/>
+                <a:cs typeface="Times New Roman" panose="02020603050405020304" pitchFamily="18" charset="0"/>
+              </a:rPr>
+              <a:t>(</a:t>
+            </a:r>
+            <a:r>
+              <a:rPr lang="pt-BR" sz="2000" dirty="0" err="1">
+                <a:latin typeface="Times New Roman" panose="02020603050405020304" pitchFamily="18" charset="0"/>
+                <a:cs typeface="Times New Roman" panose="02020603050405020304" pitchFamily="18" charset="0"/>
+              </a:rPr>
+              <a:t>entidade_nova</a:t>
+            </a:r>
+            <a:r>
+              <a:rPr lang="pt-BR" sz="2000" dirty="0">
+                <a:latin typeface="Times New Roman" panose="02020603050405020304" pitchFamily="18" charset="0"/>
+                <a:cs typeface="Times New Roman" panose="02020603050405020304" pitchFamily="18" charset="0"/>
+              </a:rPr>
+              <a:t>)</a:t>
+            </a:r>
+          </a:p>
+          <a:p>
+            <a:pPr marL="0" indent="0" algn="just">
+              <a:buNone/>
+            </a:pPr>
+            <a:r>
+              <a:rPr lang="pt-BR" sz="2000" b="1" dirty="0">
+                <a:latin typeface="Times New Roman" panose="02020603050405020304" pitchFamily="18" charset="0"/>
+                <a:cs typeface="Times New Roman" panose="02020603050405020304" pitchFamily="18" charset="0"/>
+              </a:rPr>
+              <a:t>print</a:t>
+            </a:r>
+            <a:r>
+              <a:rPr lang="pt-BR" sz="2000" dirty="0">
+                <a:latin typeface="Times New Roman" panose="02020603050405020304" pitchFamily="18" charset="0"/>
+                <a:cs typeface="Times New Roman" panose="02020603050405020304" pitchFamily="18" charset="0"/>
+              </a:rPr>
+              <a:t>(</a:t>
+            </a:r>
+            <a:r>
+              <a:rPr lang="pt-BR" sz="2000" dirty="0" err="1">
+                <a:latin typeface="Times New Roman" panose="02020603050405020304" pitchFamily="18" charset="0"/>
+                <a:cs typeface="Times New Roman" panose="02020603050405020304" pitchFamily="18" charset="0"/>
+              </a:rPr>
+              <a:t>previsao</a:t>
+            </a:r>
+            <a:r>
+              <a:rPr lang="pt-BR" sz="2000" dirty="0">
+                <a:latin typeface="Times New Roman" panose="02020603050405020304" pitchFamily="18" charset="0"/>
+                <a:cs typeface="Times New Roman" panose="02020603050405020304" pitchFamily="18" charset="0"/>
+              </a:rPr>
+              <a:t>)</a:t>
+            </a:r>
+          </a:p>
+          <a:p>
+            <a:pPr marL="0" indent="0" algn="just">
+              <a:buNone/>
+            </a:pPr>
+            <a:r>
+              <a:rPr lang="pt-BR" sz="2000" dirty="0">
+                <a:latin typeface="Times New Roman" panose="02020603050405020304" pitchFamily="18" charset="0"/>
+                <a:cs typeface="Times New Roman" panose="02020603050405020304" pitchFamily="18" charset="0"/>
+              </a:rPr>
+              <a:t>					 </a:t>
+            </a:r>
+            <a:r>
+              <a:rPr lang="pt-BR" sz="2000" dirty="0">
+                <a:latin typeface="Times New Roman" panose="02020603050405020304" pitchFamily="18" charset="0"/>
+                <a:cs typeface="Times New Roman" panose="02020603050405020304" pitchFamily="18" charset="0"/>
+                <a:hlinkClick r:id="rId3"/>
+              </a:rPr>
+              <a:t>https://www.kaggle.com/</a:t>
             </a:r>
             <a:r>
               <a:rPr lang="pt-BR" sz="2000" dirty="0">
@@ -7911,16 +8087,13 @@
               </a:rPr>
               <a:t> </a:t>
             </a:r>
-            <a:endParaRPr lang="pt-BR" sz="2000" dirty="0">
-              <a:latin typeface="Calibri" panose="020F0502020204030204" pitchFamily="34" charset="0"/>
-            </a:endParaRPr>
           </a:p>
         </p:txBody>
       </p:sp>
     </p:spTree>
     <p:extLst>
       <p:ext uri="{BB962C8B-B14F-4D97-AF65-F5344CB8AC3E}">
-        <p14:creationId xmlns:p14="http://schemas.microsoft.com/office/powerpoint/2010/main" val="3680270425"/>
+        <p14:creationId xmlns:p14="http://schemas.microsoft.com/office/powerpoint/2010/main" val="1876858370"/>
       </p:ext>
     </p:extLst>
   </p:cSld>
@@ -7976,7 +8149,7 @@
                   <a:srgbClr val="0070C0"/>
                 </a:solidFill>
               </a:rPr>
-              <a:t>Aprenda</a:t>
+              <a:t>Leitura</a:t>
             </a:r>
             <a:r>
               <a:rPr lang="en-US" b="1" dirty="0">
@@ -7984,8 +8157,21 @@
                   <a:srgbClr val="0070C0"/>
                 </a:solidFill>
               </a:rPr>
-              <a:t>+</a:t>
-            </a:r>
+              <a:t> </a:t>
+            </a:r>
+            <a:r>
+              <a:rPr lang="en-US" b="1" dirty="0" err="1">
+                <a:solidFill>
+                  <a:srgbClr val="0070C0"/>
+                </a:solidFill>
+              </a:rPr>
+              <a:t>Específica</a:t>
+            </a:r>
+            <a:endParaRPr lang="en-US" b="1" dirty="0">
+              <a:solidFill>
+                <a:srgbClr val="0070C0"/>
+              </a:solidFill>
+            </a:endParaRPr>
           </a:p>
         </p:txBody>
       </p:sp>
@@ -8002,7 +8188,7 @@
         <p:spPr>
           <a:xfrm>
             <a:off x="142865" y="1200150"/>
-            <a:ext cx="8865056" cy="3737370"/>
+            <a:ext cx="8865056" cy="3615689"/>
           </a:xfrm>
         </p:spPr>
         <p:txBody>
@@ -8022,11 +8208,11 @@
               <a:t>[1] </a:t>
             </a:r>
             <a:r>
-              <a:rPr lang="en-US" sz="2000" b="1" dirty="0">
-                <a:latin typeface="Times New Roman" panose="02020603050405020304" pitchFamily="18" charset="0"/>
-                <a:cs typeface="Times New Roman" panose="02020603050405020304" pitchFamily="18" charset="0"/>
-              </a:rPr>
-              <a:t>Big Data Analytics Using Python | Python Big Data</a:t>
+              <a:rPr lang="pt-BR" sz="2000" b="1" dirty="0">
+                <a:latin typeface="Times New Roman" panose="02020603050405020304" pitchFamily="18" charset="0"/>
+                <a:cs typeface="Times New Roman" panose="02020603050405020304" pitchFamily="18" charset="0"/>
+              </a:rPr>
+              <a:t>Python para Data Science</a:t>
             </a:r>
             <a:r>
               <a:rPr lang="pt-BR" sz="2000" dirty="0">
@@ -8056,7 +8242,86 @@
                 <a:cs typeface="Times New Roman" panose="02020603050405020304" pitchFamily="18" charset="0"/>
                 <a:hlinkClick r:id="rId3"/>
               </a:rPr>
-              <a:t>https://youtu.be/cUw3DsDpQCE</a:t>
+              <a:t>https://coodesh.com/blog/carreiras/python-para-data-science-a-linguagem-mais-utilizada-na-area/</a:t>
+            </a:r>
+            <a:r>
+              <a:rPr lang="pt-BR" sz="2000" dirty="0">
+                <a:latin typeface="Times New Roman" panose="02020603050405020304" pitchFamily="18" charset="0"/>
+                <a:cs typeface="Times New Roman" panose="02020603050405020304" pitchFamily="18" charset="0"/>
+              </a:rPr>
+              <a:t> </a:t>
+            </a:r>
+          </a:p>
+          <a:p>
+            <a:pPr marL="0" indent="0" algn="just">
+              <a:buNone/>
+            </a:pPr>
+            <a:r>
+              <a:rPr lang="pt-BR" sz="2000" dirty="0">
+                <a:latin typeface="Times New Roman" panose="02020603050405020304" pitchFamily="18" charset="0"/>
+                <a:cs typeface="Times New Roman" panose="02020603050405020304" pitchFamily="18" charset="0"/>
+              </a:rPr>
+              <a:t>	</a:t>
+            </a:r>
+          </a:p>
+          <a:p>
+            <a:pPr marL="0" indent="0" algn="just">
+              <a:buNone/>
+            </a:pPr>
+            <a:r>
+              <a:rPr lang="pt-BR" sz="2000" dirty="0">
+                <a:latin typeface="Times New Roman" panose="02020603050405020304" pitchFamily="18" charset="0"/>
+                <a:cs typeface="Times New Roman" panose="02020603050405020304" pitchFamily="18" charset="0"/>
+              </a:rPr>
+              <a:t>[2</a:t>
+            </a:r>
+            <a:r>
+              <a:rPr lang="pt-BR" sz="2000">
+                <a:latin typeface="Times New Roman" panose="02020603050405020304" pitchFamily="18" charset="0"/>
+                <a:cs typeface="Times New Roman" panose="02020603050405020304" pitchFamily="18" charset="0"/>
+              </a:rPr>
+              <a:t>] </a:t>
+            </a:r>
+            <a:r>
+              <a:rPr lang="pt-BR" sz="2000" b="1">
+                <a:latin typeface="Times New Roman" panose="02020603050405020304" pitchFamily="18" charset="0"/>
+                <a:cs typeface="Times New Roman" panose="02020603050405020304" pitchFamily="18" charset="0"/>
+              </a:rPr>
+              <a:t>Histogramas.</a:t>
+            </a:r>
+            <a:endParaRPr lang="pt-BR" sz="2000" b="1" dirty="0">
+              <a:latin typeface="Times New Roman" panose="02020603050405020304" pitchFamily="18" charset="0"/>
+              <a:cs typeface="Times New Roman" panose="02020603050405020304" pitchFamily="18" charset="0"/>
+            </a:endParaRPr>
+          </a:p>
+          <a:p>
+            <a:pPr marL="0" indent="0" algn="just">
+              <a:buNone/>
+            </a:pPr>
+            <a:r>
+              <a:rPr lang="pt-BR" sz="2000" b="1" dirty="0">
+                <a:solidFill>
+                  <a:srgbClr val="FF0000"/>
+                </a:solidFill>
+                <a:latin typeface="Times New Roman" panose="02020603050405020304" pitchFamily="18" charset="0"/>
+                <a:cs typeface="Times New Roman" panose="02020603050405020304" pitchFamily="18" charset="0"/>
+              </a:rPr>
+              <a:t>Disponível em:</a:t>
+            </a:r>
+            <a:r>
+              <a:rPr lang="pt-BR" sz="2000" dirty="0">
+                <a:latin typeface="Times New Roman" panose="02020603050405020304" pitchFamily="18" charset="0"/>
+                <a:cs typeface="Times New Roman" panose="02020603050405020304" pitchFamily="18" charset="0"/>
+              </a:rPr>
+              <a:t>	</a:t>
+            </a:r>
+            <a:r>
+              <a:rPr lang="pt-BR" sz="2000" dirty="0">
+                <a:latin typeface="Times New Roman" panose="02020603050405020304" pitchFamily="18" charset="0"/>
+                <a:cs typeface="Times New Roman" panose="02020603050405020304" pitchFamily="18" charset="0"/>
+                <a:hlinkClick r:id="rId4"/>
+              </a:rPr>
+              <a:t>https://plotly.com/python/histograms/</a:t>
             </a:r>
             <a:r>
               <a:rPr lang="pt-BR" sz="2000" dirty="0">
@@ -8079,97 +8344,59 @@
             <a:pPr marL="0" indent="0" algn="just">
               <a:buNone/>
             </a:pPr>
+            <a:r>
+              <a:rPr lang="pt-BR" sz="2000" dirty="0">
+                <a:latin typeface="Times New Roman" panose="02020603050405020304" pitchFamily="18" charset="0"/>
+                <a:cs typeface="Times New Roman" panose="02020603050405020304" pitchFamily="18" charset="0"/>
+              </a:rPr>
+              <a:t>[3] </a:t>
+            </a:r>
+            <a:r>
+              <a:rPr lang="en-US" sz="2000" b="1" dirty="0">
+                <a:latin typeface="Times New Roman" panose="02020603050405020304" pitchFamily="18" charset="0"/>
+                <a:cs typeface="Times New Roman" panose="02020603050405020304" pitchFamily="18" charset="0"/>
+              </a:rPr>
+              <a:t>Using Python for Big Data &amp; Analytics (Python is Perfect for Big Data)</a:t>
+            </a:r>
+            <a:r>
+              <a:rPr lang="pt-BR" sz="2000" dirty="0">
+                <a:latin typeface="Times New Roman" panose="02020603050405020304" pitchFamily="18" charset="0"/>
+                <a:cs typeface="Times New Roman" panose="02020603050405020304" pitchFamily="18" charset="0"/>
+              </a:rPr>
+              <a:t>. </a:t>
+            </a:r>
+          </a:p>
+          <a:p>
+            <a:pPr marL="0" indent="0" algn="just">
+              <a:buNone/>
+            </a:pPr>
+            <a:r>
+              <a:rPr lang="pt-BR" sz="2000" b="1" dirty="0">
+                <a:solidFill>
+                  <a:srgbClr val="FF0000"/>
+                </a:solidFill>
+                <a:latin typeface="Times New Roman" panose="02020603050405020304" pitchFamily="18" charset="0"/>
+                <a:cs typeface="Times New Roman" panose="02020603050405020304" pitchFamily="18" charset="0"/>
+              </a:rPr>
+              <a:t>Disponível em: </a:t>
+            </a:r>
+            <a:r>
+              <a:rPr lang="pt-BR" sz="2000" dirty="0">
+                <a:latin typeface="Times New Roman" panose="02020603050405020304" pitchFamily="18" charset="0"/>
+                <a:cs typeface="Times New Roman" panose="02020603050405020304" pitchFamily="18" charset="0"/>
+                <a:hlinkClick r:id="rId5"/>
+              </a:rPr>
+              <a:t>https://www.bmc.com/blogs/python-big-data-analytics/</a:t>
+            </a:r>
+            <a:r>
+              <a:rPr lang="pt-BR" sz="2000" dirty="0">
+                <a:latin typeface="Times New Roman" panose="02020603050405020304" pitchFamily="18" charset="0"/>
+                <a:cs typeface="Times New Roman" panose="02020603050405020304" pitchFamily="18" charset="0"/>
+              </a:rPr>
+              <a:t> </a:t>
+            </a:r>
             <a:endParaRPr lang="pt-BR" sz="2000" dirty="0">
-              <a:latin typeface="Times New Roman" panose="02020603050405020304" pitchFamily="18" charset="0"/>
-              <a:cs typeface="Times New Roman" panose="02020603050405020304" pitchFamily="18" charset="0"/>
-            </a:endParaRPr>
-          </a:p>
-          <a:p>
-            <a:pPr marL="0" indent="0" algn="just">
-              <a:buNone/>
-            </a:pPr>
-            <a:endParaRPr lang="pt-BR" sz="2000" dirty="0">
-              <a:latin typeface="Times New Roman" panose="02020603050405020304" pitchFamily="18" charset="0"/>
-              <a:cs typeface="Times New Roman" panose="02020603050405020304" pitchFamily="18" charset="0"/>
-            </a:endParaRPr>
-          </a:p>
-          <a:p>
-            <a:pPr marL="0" indent="0" algn="just">
-              <a:buNone/>
-            </a:pPr>
-            <a:r>
-              <a:rPr lang="pt-BR" sz="2000" dirty="0">
-                <a:latin typeface="Times New Roman" panose="02020603050405020304" pitchFamily="18" charset="0"/>
-                <a:cs typeface="Times New Roman" panose="02020603050405020304" pitchFamily="18" charset="0"/>
-              </a:rPr>
-              <a:t>[2] </a:t>
-            </a:r>
-            <a:r>
-              <a:rPr lang="en-US" sz="2000" b="1" dirty="0">
-                <a:latin typeface="Times New Roman" panose="02020603050405020304" pitchFamily="18" charset="0"/>
-                <a:cs typeface="Times New Roman" panose="02020603050405020304" pitchFamily="18" charset="0"/>
-              </a:rPr>
-              <a:t>Data Analysis with Python - Course (</a:t>
-            </a:r>
-            <a:r>
-              <a:rPr lang="en-US" sz="2000" b="1" dirty="0" err="1">
-                <a:latin typeface="Times New Roman" panose="02020603050405020304" pitchFamily="18" charset="0"/>
-                <a:cs typeface="Times New Roman" panose="02020603050405020304" pitchFamily="18" charset="0"/>
-              </a:rPr>
-              <a:t>Numpy</a:t>
-            </a:r>
-            <a:r>
-              <a:rPr lang="en-US" sz="2000" b="1" dirty="0">
-                <a:latin typeface="Times New Roman" panose="02020603050405020304" pitchFamily="18" charset="0"/>
-                <a:cs typeface="Times New Roman" panose="02020603050405020304" pitchFamily="18" charset="0"/>
-              </a:rPr>
-              <a:t>, Pandas, Matplotlib, Seaborn)</a:t>
-            </a:r>
-            <a:r>
-              <a:rPr lang="pt-BR" sz="2000" dirty="0">
-                <a:latin typeface="Times New Roman" panose="02020603050405020304" pitchFamily="18" charset="0"/>
-                <a:cs typeface="Times New Roman" panose="02020603050405020304" pitchFamily="18" charset="0"/>
-              </a:rPr>
-              <a:t>. </a:t>
-            </a:r>
-          </a:p>
-          <a:p>
-            <a:pPr marL="0" indent="0" algn="just">
-              <a:buNone/>
-            </a:pPr>
-            <a:r>
-              <a:rPr lang="pt-BR" sz="2000" b="1" dirty="0">
-                <a:solidFill>
-                  <a:srgbClr val="FF0000"/>
-                </a:solidFill>
-                <a:latin typeface="Times New Roman" panose="02020603050405020304" pitchFamily="18" charset="0"/>
-                <a:cs typeface="Times New Roman" panose="02020603050405020304" pitchFamily="18" charset="0"/>
-              </a:rPr>
-              <a:t>Disponível em: </a:t>
-            </a:r>
-            <a:r>
-              <a:rPr lang="pt-BR" sz="2000" dirty="0">
-                <a:latin typeface="Times New Roman" panose="02020603050405020304" pitchFamily="18" charset="0"/>
-                <a:cs typeface="Times New Roman" panose="02020603050405020304" pitchFamily="18" charset="0"/>
-                <a:hlinkClick r:id="rId4"/>
-              </a:rPr>
-              <a:t>https://youtu.be/r-uOLxNrNk8</a:t>
-            </a:r>
-            <a:r>
-              <a:rPr lang="pt-BR" sz="2000" dirty="0">
-                <a:latin typeface="Times New Roman" panose="02020603050405020304" pitchFamily="18" charset="0"/>
-                <a:cs typeface="Times New Roman" panose="02020603050405020304" pitchFamily="18" charset="0"/>
-              </a:rPr>
-              <a:t> </a:t>
-            </a:r>
-          </a:p>
-          <a:p>
-            <a:pPr marL="0" indent="0" algn="just">
-              <a:buNone/>
-            </a:pPr>
-            <a:endParaRPr lang="pt-BR" sz="2000" dirty="0">
-              <a:latin typeface="Times New Roman" panose="02020603050405020304" pitchFamily="18" charset="0"/>
-              <a:cs typeface="Times New Roman" panose="02020603050405020304" pitchFamily="18" charset="0"/>
+              <a:latin typeface="Calibri" panose="020F0502020204030204" pitchFamily="34" charset="0"/>
             </a:endParaRPr>
           </a:p>
         </p:txBody>
@@ -8177,7 +8404,7 @@
     </p:spTree>
     <p:extLst>
       <p:ext uri="{BB962C8B-B14F-4D97-AF65-F5344CB8AC3E}">
-        <p14:creationId xmlns:p14="http://schemas.microsoft.com/office/powerpoint/2010/main" val="2747596967"/>
+        <p14:creationId xmlns:p14="http://schemas.microsoft.com/office/powerpoint/2010/main" val="3680270425"/>
       </p:ext>
     </p:extLst>
   </p:cSld>
@@ -8233,7 +8460,7 @@
                   <a:srgbClr val="0070C0"/>
                 </a:solidFill>
               </a:rPr>
-              <a:t>Dinâmica</a:t>
+              <a:t>Aprenda</a:t>
             </a:r>
             <a:r>
               <a:rPr lang="en-US" b="1" dirty="0">
@@ -8241,21 +8468,8 @@
                   <a:srgbClr val="0070C0"/>
                 </a:solidFill>
               </a:rPr>
-              <a:t>/</a:t>
-            </a:r>
-            <a:r>
-              <a:rPr lang="en-US" b="1" dirty="0" err="1">
-                <a:solidFill>
-                  <a:srgbClr val="0070C0"/>
-                </a:solidFill>
-              </a:rPr>
-              <a:t>Atividades</a:t>
-            </a:r>
-            <a:endParaRPr lang="en-US" b="1" dirty="0">
-              <a:solidFill>
-                <a:srgbClr val="0070C0"/>
-              </a:solidFill>
-            </a:endParaRPr>
+              <a:t>+</a:t>
+            </a:r>
           </a:p>
         </p:txBody>
       </p:sp>
@@ -8271,8 +8485,8 @@
         </p:nvSpPr>
         <p:spPr>
           <a:xfrm>
-            <a:off x="139472" y="1063230"/>
-            <a:ext cx="8865056" cy="3874290"/>
+            <a:off x="142865" y="1200150"/>
+            <a:ext cx="8865056" cy="3737370"/>
           </a:xfrm>
         </p:spPr>
         <p:txBody>
@@ -8285,46 +8499,25 @@
               <a:buNone/>
             </a:pPr>
             <a:r>
-              <a:rPr lang="pt-BR" sz="1800" dirty="0">
-                <a:latin typeface="Times New Roman" panose="02020603050405020304" pitchFamily="18" charset="0"/>
-                <a:cs typeface="Times New Roman" panose="02020603050405020304" pitchFamily="18" charset="0"/>
-              </a:rPr>
-              <a:t># </a:t>
-            </a:r>
-            <a:r>
-              <a:rPr lang="pt-BR" sz="1800" b="1" dirty="0">
-                <a:latin typeface="Times New Roman" panose="02020603050405020304" pitchFamily="18" charset="0"/>
-                <a:cs typeface="Times New Roman" panose="02020603050405020304" pitchFamily="18" charset="0"/>
-              </a:rPr>
-              <a:t>Google </a:t>
-            </a:r>
-            <a:r>
-              <a:rPr lang="pt-BR" sz="1800" b="1" dirty="0" err="1">
-                <a:latin typeface="Times New Roman" panose="02020603050405020304" pitchFamily="18" charset="0"/>
-                <a:cs typeface="Times New Roman" panose="02020603050405020304" pitchFamily="18" charset="0"/>
-              </a:rPr>
-              <a:t>Colab</a:t>
-            </a:r>
-            <a:r>
-              <a:rPr lang="pt-BR" sz="1800" b="1" dirty="0">
-                <a:latin typeface="Times New Roman" panose="02020603050405020304" pitchFamily="18" charset="0"/>
-                <a:cs typeface="Times New Roman" panose="02020603050405020304" pitchFamily="18" charset="0"/>
-              </a:rPr>
-              <a:t> – Selecionar um </a:t>
-            </a:r>
-            <a:r>
-              <a:rPr lang="pt-BR" sz="1800" b="1" dirty="0" err="1">
-                <a:latin typeface="Times New Roman" panose="02020603050405020304" pitchFamily="18" charset="0"/>
-                <a:cs typeface="Times New Roman" panose="02020603050405020304" pitchFamily="18" charset="0"/>
-              </a:rPr>
-              <a:t>dataset</a:t>
-            </a:r>
-            <a:r>
-              <a:rPr lang="pt-BR" sz="1800" b="1" dirty="0">
-                <a:latin typeface="Times New Roman" panose="02020603050405020304" pitchFamily="18" charset="0"/>
-                <a:cs typeface="Times New Roman" panose="02020603050405020304" pitchFamily="18" charset="0"/>
-              </a:rPr>
-              <a:t> e fazer análises/previsões</a:t>
+              <a:rPr lang="pt-BR" sz="2000" dirty="0">
+                <a:latin typeface="Times New Roman" panose="02020603050405020304" pitchFamily="18" charset="0"/>
+                <a:cs typeface="Times New Roman" panose="02020603050405020304" pitchFamily="18" charset="0"/>
+              </a:rPr>
+              <a:t>[1] </a:t>
+            </a:r>
+            <a:r>
+              <a:rPr lang="en-US" sz="2000" b="1" dirty="0">
+                <a:latin typeface="Times New Roman" panose="02020603050405020304" pitchFamily="18" charset="0"/>
+                <a:cs typeface="Times New Roman" panose="02020603050405020304" pitchFamily="18" charset="0"/>
+              </a:rPr>
+              <a:t>Big Data Analytics Using Python | Python Big Data</a:t>
+            </a:r>
+            <a:r>
+              <a:rPr lang="pt-BR" sz="2000" dirty="0">
+                <a:latin typeface="Times New Roman" panose="02020603050405020304" pitchFamily="18" charset="0"/>
+                <a:cs typeface="Times New Roman" panose="02020603050405020304" pitchFamily="18" charset="0"/>
+              </a:rPr>
+              <a:t>.</a:t>
             </a:r>
           </a:p>
           <a:p>
@@ -8332,103 +8525,54 @@
               <a:buNone/>
             </a:pPr>
             <a:r>
-              <a:rPr lang="pt-BR" sz="1800" b="1" dirty="0" err="1">
+              <a:rPr lang="pt-BR" sz="2000" b="1" dirty="0">
                 <a:solidFill>
                   <a:srgbClr val="FF0000"/>
                 </a:solidFill>
                 <a:latin typeface="Times New Roman" panose="02020603050405020304" pitchFamily="18" charset="0"/>
                 <a:cs typeface="Times New Roman" panose="02020603050405020304" pitchFamily="18" charset="0"/>
               </a:rPr>
-              <a:t>Datasets</a:t>
-            </a:r>
-            <a:r>
-              <a:rPr lang="pt-BR" sz="1800" b="1" dirty="0">
-                <a:solidFill>
-                  <a:srgbClr val="FF0000"/>
-                </a:solidFill>
-                <a:latin typeface="Times New Roman" panose="02020603050405020304" pitchFamily="18" charset="0"/>
-                <a:cs typeface="Times New Roman" panose="02020603050405020304" pitchFamily="18" charset="0"/>
-              </a:rPr>
-              <a:t> Abertos (URL)</a:t>
+              <a:t>Disponível em: </a:t>
+            </a:r>
+            <a:r>
+              <a:rPr lang="pt-BR" sz="2000" dirty="0">
+                <a:latin typeface="Times New Roman" panose="02020603050405020304" pitchFamily="18" charset="0"/>
+                <a:cs typeface="Times New Roman" panose="02020603050405020304" pitchFamily="18" charset="0"/>
+                <a:hlinkClick r:id="rId3"/>
+              </a:rPr>
+              <a:t>https://youtu.be/cUw3DsDpQCE</a:t>
+            </a:r>
+            <a:r>
+              <a:rPr lang="pt-BR" sz="2000" dirty="0">
+                <a:latin typeface="Times New Roman" panose="02020603050405020304" pitchFamily="18" charset="0"/>
+                <a:cs typeface="Times New Roman" panose="02020603050405020304" pitchFamily="18" charset="0"/>
+              </a:rPr>
+              <a:t> </a:t>
             </a:r>
           </a:p>
           <a:p>
             <a:pPr marL="0" indent="0" algn="just">
               <a:buNone/>
             </a:pPr>
-            <a:endParaRPr lang="pt-BR" sz="1800" b="1" dirty="0">
-              <a:solidFill>
-                <a:srgbClr val="FF0000"/>
-              </a:solidFill>
+            <a:endParaRPr lang="pt-BR" sz="2000" dirty="0">
               <a:latin typeface="Times New Roman" panose="02020603050405020304" pitchFamily="18" charset="0"/>
               <a:cs typeface="Times New Roman" panose="02020603050405020304" pitchFamily="18" charset="0"/>
             </a:endParaRPr>
           </a:p>
           <a:p>
-            <a:pPr algn="just">
-              <a:buFont typeface="Wingdings" panose="05000000000000000000" pitchFamily="2" charset="2"/>
-              <a:buChar char="§"/>
-            </a:pPr>
-            <a:r>
-              <a:rPr lang="pt-BR" sz="1800" dirty="0">
-                <a:latin typeface="Times New Roman" panose="02020603050405020304" pitchFamily="18" charset="0"/>
-                <a:cs typeface="Times New Roman" panose="02020603050405020304" pitchFamily="18" charset="0"/>
-                <a:hlinkClick r:id="rId3"/>
-              </a:rPr>
-              <a:t>https://dados.gov.br</a:t>
-            </a:r>
-            <a:endParaRPr lang="pt-BR" sz="1800" dirty="0">
+            <a:pPr marL="0" indent="0" algn="just">
+              <a:buNone/>
+            </a:pPr>
+            <a:endParaRPr lang="pt-BR" sz="2000" dirty="0">
               <a:latin typeface="Times New Roman" panose="02020603050405020304" pitchFamily="18" charset="0"/>
               <a:cs typeface="Times New Roman" panose="02020603050405020304" pitchFamily="18" charset="0"/>
             </a:endParaRPr>
           </a:p>
           <a:p>
-            <a:pPr algn="just">
-              <a:buFont typeface="Wingdings" panose="05000000000000000000" pitchFamily="2" charset="2"/>
-              <a:buChar char="§"/>
-            </a:pPr>
-            <a:r>
-              <a:rPr lang="pt-BR" sz="1800" dirty="0">
-                <a:latin typeface="Times New Roman" panose="02020603050405020304" pitchFamily="18" charset="0"/>
-                <a:cs typeface="Times New Roman" panose="02020603050405020304" pitchFamily="18" charset="0"/>
-                <a:hlinkClick r:id="rId4"/>
-              </a:rPr>
-              <a:t>https://brasil.io/home/</a:t>
-            </a:r>
-            <a:r>
-              <a:rPr lang="pt-BR" sz="1800" dirty="0">
-                <a:latin typeface="Times New Roman" panose="02020603050405020304" pitchFamily="18" charset="0"/>
-                <a:cs typeface="Times New Roman" panose="02020603050405020304" pitchFamily="18" charset="0"/>
-              </a:rPr>
-              <a:t> </a:t>
-            </a:r>
-          </a:p>
-          <a:p>
-            <a:pPr algn="just">
-              <a:buFont typeface="Wingdings" panose="05000000000000000000" pitchFamily="2" charset="2"/>
-              <a:buChar char="§"/>
-            </a:pPr>
-            <a:r>
-              <a:rPr lang="pt-BR" sz="1800" dirty="0">
-                <a:latin typeface="Times New Roman" panose="02020603050405020304" pitchFamily="18" charset="0"/>
-                <a:cs typeface="Times New Roman" panose="02020603050405020304" pitchFamily="18" charset="0"/>
-                <a:hlinkClick r:id="rId5"/>
-              </a:rPr>
-              <a:t>https://www.kaggle.com/</a:t>
-            </a:r>
-            <a:r>
-              <a:rPr lang="pt-BR" sz="1800" dirty="0">
-                <a:latin typeface="Times New Roman" panose="02020603050405020304" pitchFamily="18" charset="0"/>
-                <a:cs typeface="Times New Roman" panose="02020603050405020304" pitchFamily="18" charset="0"/>
-              </a:rPr>
-              <a:t> </a:t>
-            </a:r>
-          </a:p>
-          <a:p>
             <a:pPr marL="0" indent="0" algn="just">
               <a:buNone/>
             </a:pPr>
-            <a:endParaRPr lang="pt-BR" sz="1800" b="1" dirty="0">
+            <a:endParaRPr lang="pt-BR" sz="2000" dirty="0">
               <a:latin typeface="Times New Roman" panose="02020603050405020304" pitchFamily="18" charset="0"/>
               <a:cs typeface="Times New Roman" panose="02020603050405020304" pitchFamily="18" charset="0"/>
             </a:endParaRPr>
@@ -8437,7 +8581,77 @@
             <a:pPr marL="0" indent="0" algn="just">
               <a:buNone/>
             </a:pPr>
-            <a:endParaRPr lang="pt-BR" sz="1800" dirty="0">
+            <a:r>
+              <a:rPr lang="pt-BR" sz="2000" dirty="0">
+                <a:latin typeface="Times New Roman" panose="02020603050405020304" pitchFamily="18" charset="0"/>
+                <a:cs typeface="Times New Roman" panose="02020603050405020304" pitchFamily="18" charset="0"/>
+              </a:rPr>
+              <a:t>[2] </a:t>
+            </a:r>
+            <a:r>
+              <a:rPr lang="en-US" sz="2000" b="1" dirty="0">
+                <a:latin typeface="Times New Roman" panose="02020603050405020304" pitchFamily="18" charset="0"/>
+                <a:cs typeface="Times New Roman" panose="02020603050405020304" pitchFamily="18" charset="0"/>
+              </a:rPr>
+              <a:t>Data Analysis with Python - Course (</a:t>
+            </a:r>
+            <a:r>
+              <a:rPr lang="en-US" sz="2000" b="1" dirty="0" err="1">
+                <a:latin typeface="Times New Roman" panose="02020603050405020304" pitchFamily="18" charset="0"/>
+                <a:cs typeface="Times New Roman" panose="02020603050405020304" pitchFamily="18" charset="0"/>
+              </a:rPr>
+              <a:t>Numpy</a:t>
+            </a:r>
+            <a:r>
+              <a:rPr lang="en-US" sz="2000" b="1" dirty="0">
+                <a:latin typeface="Times New Roman" panose="02020603050405020304" pitchFamily="18" charset="0"/>
+                <a:cs typeface="Times New Roman" panose="02020603050405020304" pitchFamily="18" charset="0"/>
+              </a:rPr>
+              <a:t>, Pandas, Matplotlib, Seaborn)</a:t>
+            </a:r>
+            <a:r>
+              <a:rPr lang="pt-BR" sz="2000" dirty="0">
+                <a:latin typeface="Times New Roman" panose="02020603050405020304" pitchFamily="18" charset="0"/>
+                <a:cs typeface="Times New Roman" panose="02020603050405020304" pitchFamily="18" charset="0"/>
+              </a:rPr>
+              <a:t>. </a:t>
+            </a:r>
+          </a:p>
+          <a:p>
+            <a:pPr marL="0" indent="0" algn="just">
+              <a:buNone/>
+            </a:pPr>
+            <a:r>
+              <a:rPr lang="pt-BR" sz="2000" b="1" dirty="0">
+                <a:solidFill>
+                  <a:srgbClr val="FF0000"/>
+                </a:solidFill>
+                <a:latin typeface="Times New Roman" panose="02020603050405020304" pitchFamily="18" charset="0"/>
+                <a:cs typeface="Times New Roman" panose="02020603050405020304" pitchFamily="18" charset="0"/>
+              </a:rPr>
+              <a:t>Disponível em: </a:t>
+            </a:r>
+            <a:r>
+              <a:rPr lang="pt-BR" sz="2000" dirty="0">
+                <a:latin typeface="Times New Roman" panose="02020603050405020304" pitchFamily="18" charset="0"/>
+                <a:cs typeface="Times New Roman" panose="02020603050405020304" pitchFamily="18" charset="0"/>
+                <a:hlinkClick r:id="rId4"/>
+              </a:rPr>
+              <a:t>https://youtu.be/r-uOLxNrNk8</a:t>
+            </a:r>
+            <a:r>
+              <a:rPr lang="pt-BR" sz="2000" dirty="0">
+                <a:latin typeface="Times New Roman" panose="02020603050405020304" pitchFamily="18" charset="0"/>
+                <a:cs typeface="Times New Roman" panose="02020603050405020304" pitchFamily="18" charset="0"/>
+              </a:rPr>
+              <a:t> </a:t>
+            </a:r>
+          </a:p>
+          <a:p>
+            <a:pPr marL="0" indent="0" algn="just">
+              <a:buNone/>
+            </a:pPr>
+            <a:endParaRPr lang="pt-BR" sz="2000" dirty="0">
               <a:latin typeface="Times New Roman" panose="02020603050405020304" pitchFamily="18" charset="0"/>
               <a:cs typeface="Times New Roman" panose="02020603050405020304" pitchFamily="18" charset="0"/>
             </a:endParaRPr>
@@ -8447,7 +8661,7 @@
     </p:spTree>
     <p:extLst>
       <p:ext uri="{BB962C8B-B14F-4D97-AF65-F5344CB8AC3E}">
-        <p14:creationId xmlns:p14="http://schemas.microsoft.com/office/powerpoint/2010/main" val="2475896952"/>
+        <p14:creationId xmlns:p14="http://schemas.microsoft.com/office/powerpoint/2010/main" val="2747596967"/>
       </p:ext>
     </p:extLst>
   </p:cSld>
@@ -8989,6 +9203,276 @@
                   <a:srgbClr val="0070C0"/>
                 </a:solidFill>
               </a:rPr>
+              <a:t>Dinâmica</a:t>
+            </a:r>
+            <a:r>
+              <a:rPr lang="en-US" b="1" dirty="0">
+                <a:solidFill>
+                  <a:srgbClr val="0070C0"/>
+                </a:solidFill>
+              </a:rPr>
+              <a:t>/</a:t>
+            </a:r>
+            <a:r>
+              <a:rPr lang="en-US" b="1" dirty="0" err="1">
+                <a:solidFill>
+                  <a:srgbClr val="0070C0"/>
+                </a:solidFill>
+              </a:rPr>
+              <a:t>Atividades</a:t>
+            </a:r>
+            <a:endParaRPr lang="en-US" b="1" dirty="0">
+              <a:solidFill>
+                <a:srgbClr val="0070C0"/>
+              </a:solidFill>
+            </a:endParaRPr>
+          </a:p>
+        </p:txBody>
+      </p:sp>
+      <p:sp>
+        <p:nvSpPr>
+          <p:cNvPr id="8" name="Text Placeholder 2"/>
+          <p:cNvSpPr>
+            <a:spLocks noGrp="1"/>
+          </p:cNvSpPr>
+          <p:nvPr>
+            <p:ph type="body" sz="half" idx="1"/>
+          </p:nvPr>
+        </p:nvSpPr>
+        <p:spPr>
+          <a:xfrm>
+            <a:off x="139472" y="1063230"/>
+            <a:ext cx="8865056" cy="3874290"/>
+          </a:xfrm>
+        </p:spPr>
+        <p:txBody>
+          <a:bodyPr>
+            <a:noAutofit/>
+          </a:bodyPr>
+          <a:lstStyle/>
+          <a:p>
+            <a:pPr marL="0" indent="0" algn="just">
+              <a:buNone/>
+            </a:pPr>
+            <a:r>
+              <a:rPr lang="pt-BR" sz="1800" dirty="0">
+                <a:latin typeface="Times New Roman" panose="02020603050405020304" pitchFamily="18" charset="0"/>
+                <a:cs typeface="Times New Roman" panose="02020603050405020304" pitchFamily="18" charset="0"/>
+              </a:rPr>
+              <a:t># </a:t>
+            </a:r>
+            <a:r>
+              <a:rPr lang="pt-BR" sz="1800" b="1" dirty="0">
+                <a:latin typeface="Times New Roman" panose="02020603050405020304" pitchFamily="18" charset="0"/>
+                <a:cs typeface="Times New Roman" panose="02020603050405020304" pitchFamily="18" charset="0"/>
+              </a:rPr>
+              <a:t>Google </a:t>
+            </a:r>
+            <a:r>
+              <a:rPr lang="pt-BR" sz="1800" b="1" dirty="0" err="1">
+                <a:latin typeface="Times New Roman" panose="02020603050405020304" pitchFamily="18" charset="0"/>
+                <a:cs typeface="Times New Roman" panose="02020603050405020304" pitchFamily="18" charset="0"/>
+              </a:rPr>
+              <a:t>Colab</a:t>
+            </a:r>
+            <a:r>
+              <a:rPr lang="pt-BR" sz="1800" b="1" dirty="0">
+                <a:latin typeface="Times New Roman" panose="02020603050405020304" pitchFamily="18" charset="0"/>
+                <a:cs typeface="Times New Roman" panose="02020603050405020304" pitchFamily="18" charset="0"/>
+              </a:rPr>
+              <a:t> – Selecionar um </a:t>
+            </a:r>
+            <a:r>
+              <a:rPr lang="pt-BR" sz="1800" b="1" dirty="0" err="1">
+                <a:latin typeface="Times New Roman" panose="02020603050405020304" pitchFamily="18" charset="0"/>
+                <a:cs typeface="Times New Roman" panose="02020603050405020304" pitchFamily="18" charset="0"/>
+              </a:rPr>
+              <a:t>dataset</a:t>
+            </a:r>
+            <a:r>
+              <a:rPr lang="pt-BR" sz="1800" b="1" dirty="0">
+                <a:latin typeface="Times New Roman" panose="02020603050405020304" pitchFamily="18" charset="0"/>
+                <a:cs typeface="Times New Roman" panose="02020603050405020304" pitchFamily="18" charset="0"/>
+              </a:rPr>
+              <a:t> e fazer análises/previsões</a:t>
+            </a:r>
+          </a:p>
+          <a:p>
+            <a:pPr marL="0" indent="0" algn="just">
+              <a:buNone/>
+            </a:pPr>
+            <a:r>
+              <a:rPr lang="pt-BR" sz="1800" b="1" dirty="0" err="1">
+                <a:solidFill>
+                  <a:srgbClr val="FF0000"/>
+                </a:solidFill>
+                <a:latin typeface="Times New Roman" panose="02020603050405020304" pitchFamily="18" charset="0"/>
+                <a:cs typeface="Times New Roman" panose="02020603050405020304" pitchFamily="18" charset="0"/>
+              </a:rPr>
+              <a:t>Datasets</a:t>
+            </a:r>
+            <a:r>
+              <a:rPr lang="pt-BR" sz="1800" b="1" dirty="0">
+                <a:solidFill>
+                  <a:srgbClr val="FF0000"/>
+                </a:solidFill>
+                <a:latin typeface="Times New Roman" panose="02020603050405020304" pitchFamily="18" charset="0"/>
+                <a:cs typeface="Times New Roman" panose="02020603050405020304" pitchFamily="18" charset="0"/>
+              </a:rPr>
+              <a:t> Abertos (URL)</a:t>
+            </a:r>
+          </a:p>
+          <a:p>
+            <a:pPr marL="0" indent="0" algn="just">
+              <a:buNone/>
+            </a:pPr>
+            <a:endParaRPr lang="pt-BR" sz="1800" b="1" dirty="0">
+              <a:solidFill>
+                <a:srgbClr val="FF0000"/>
+              </a:solidFill>
+              <a:latin typeface="Times New Roman" panose="02020603050405020304" pitchFamily="18" charset="0"/>
+              <a:cs typeface="Times New Roman" panose="02020603050405020304" pitchFamily="18" charset="0"/>
+            </a:endParaRPr>
+          </a:p>
+          <a:p>
+            <a:pPr algn="just">
+              <a:buFont typeface="Wingdings" panose="05000000000000000000" pitchFamily="2" charset="2"/>
+              <a:buChar char="§"/>
+            </a:pPr>
+            <a:r>
+              <a:rPr lang="pt-BR" sz="1800" dirty="0">
+                <a:latin typeface="Times New Roman" panose="02020603050405020304" pitchFamily="18" charset="0"/>
+                <a:cs typeface="Times New Roman" panose="02020603050405020304" pitchFamily="18" charset="0"/>
+                <a:hlinkClick r:id="rId3"/>
+              </a:rPr>
+              <a:t>https://dados.gov.br</a:t>
+            </a:r>
+            <a:endParaRPr lang="pt-BR" sz="1800" dirty="0">
+              <a:latin typeface="Times New Roman" panose="02020603050405020304" pitchFamily="18" charset="0"/>
+              <a:cs typeface="Times New Roman" panose="02020603050405020304" pitchFamily="18" charset="0"/>
+            </a:endParaRPr>
+          </a:p>
+          <a:p>
+            <a:pPr algn="just">
+              <a:buFont typeface="Wingdings" panose="05000000000000000000" pitchFamily="2" charset="2"/>
+              <a:buChar char="§"/>
+            </a:pPr>
+            <a:r>
+              <a:rPr lang="pt-BR" sz="1800" dirty="0">
+                <a:latin typeface="Times New Roman" panose="02020603050405020304" pitchFamily="18" charset="0"/>
+                <a:cs typeface="Times New Roman" panose="02020603050405020304" pitchFamily="18" charset="0"/>
+                <a:hlinkClick r:id="rId4"/>
+              </a:rPr>
+              <a:t>https://brasil.io/home/</a:t>
+            </a:r>
+            <a:r>
+              <a:rPr lang="pt-BR" sz="1800" dirty="0">
+                <a:latin typeface="Times New Roman" panose="02020603050405020304" pitchFamily="18" charset="0"/>
+                <a:cs typeface="Times New Roman" panose="02020603050405020304" pitchFamily="18" charset="0"/>
+              </a:rPr>
+              <a:t> </a:t>
+            </a:r>
+          </a:p>
+          <a:p>
+            <a:pPr algn="just">
+              <a:buFont typeface="Wingdings" panose="05000000000000000000" pitchFamily="2" charset="2"/>
+              <a:buChar char="§"/>
+            </a:pPr>
+            <a:r>
+              <a:rPr lang="pt-BR" sz="1800" dirty="0">
+                <a:latin typeface="Times New Roman" panose="02020603050405020304" pitchFamily="18" charset="0"/>
+                <a:cs typeface="Times New Roman" panose="02020603050405020304" pitchFamily="18" charset="0"/>
+                <a:hlinkClick r:id="rId5"/>
+              </a:rPr>
+              <a:t>https://www.kaggle.com/</a:t>
+            </a:r>
+            <a:r>
+              <a:rPr lang="pt-BR" sz="1800" dirty="0">
+                <a:latin typeface="Times New Roman" panose="02020603050405020304" pitchFamily="18" charset="0"/>
+                <a:cs typeface="Times New Roman" panose="02020603050405020304" pitchFamily="18" charset="0"/>
+              </a:rPr>
+              <a:t> </a:t>
+            </a:r>
+          </a:p>
+          <a:p>
+            <a:pPr marL="0" indent="0" algn="just">
+              <a:buNone/>
+            </a:pPr>
+            <a:endParaRPr lang="pt-BR" sz="1800" b="1" dirty="0">
+              <a:latin typeface="Times New Roman" panose="02020603050405020304" pitchFamily="18" charset="0"/>
+              <a:cs typeface="Times New Roman" panose="02020603050405020304" pitchFamily="18" charset="0"/>
+            </a:endParaRPr>
+          </a:p>
+          <a:p>
+            <a:pPr marL="0" indent="0" algn="just">
+              <a:buNone/>
+            </a:pPr>
+            <a:endParaRPr lang="pt-BR" sz="1800" dirty="0">
+              <a:latin typeface="Times New Roman" panose="02020603050405020304" pitchFamily="18" charset="0"/>
+              <a:cs typeface="Times New Roman" panose="02020603050405020304" pitchFamily="18" charset="0"/>
+            </a:endParaRPr>
+          </a:p>
+        </p:txBody>
+      </p:sp>
+    </p:spTree>
+    <p:extLst>
+      <p:ext uri="{BB962C8B-B14F-4D97-AF65-F5344CB8AC3E}">
+        <p14:creationId xmlns:p14="http://schemas.microsoft.com/office/powerpoint/2010/main" val="2475896952"/>
+      </p:ext>
+    </p:extLst>
+  </p:cSld>
+  <p:clrMapOvr>
+    <a:masterClrMapping/>
+  </p:clrMapOvr>
+  <p:transition spd="med"/>
+</p:sld>
+</file>
+
+<file path=ppt/slides/slide21.xml><?xml version="1.0" encoding="utf-8"?>
+<p:sld xmlns:a="http://schemas.openxmlformats.org/drawingml/2006/main" xmlns:r="http://schemas.openxmlformats.org/officeDocument/2006/relationships" xmlns:p="http://schemas.openxmlformats.org/presentationml/2006/main">
+  <p:cSld>
+    <p:spTree>
+      <p:nvGrpSpPr>
+        <p:cNvPr id="1" name=""/>
+        <p:cNvGrpSpPr/>
+        <p:nvPr/>
+      </p:nvGrpSpPr>
+      <p:grpSpPr>
+        <a:xfrm>
+          <a:off x="0" y="0"/>
+          <a:ext cx="0" cy="0"/>
+          <a:chOff x="0" y="0"/>
+          <a:chExt cx="0" cy="0"/>
+        </a:xfrm>
+      </p:grpSpPr>
+      <p:sp>
+        <p:nvSpPr>
+          <p:cNvPr id="6" name="Title 1"/>
+          <p:cNvSpPr>
+            <a:spLocks noGrp="1"/>
+          </p:cNvSpPr>
+          <p:nvPr>
+            <p:ph type="title"/>
+          </p:nvPr>
+        </p:nvSpPr>
+        <p:spPr>
+          <a:xfrm>
+            <a:off x="457200" y="205980"/>
+            <a:ext cx="8229600" cy="857251"/>
+          </a:xfrm>
+        </p:spPr>
+        <p:txBody>
+          <a:bodyPr>
+            <a:normAutofit/>
+          </a:bodyPr>
+          <a:lstStyle/>
+          <a:p>
+            <a:r>
+              <a:rPr lang="en-US" b="1" dirty="0" err="1">
+                <a:solidFill>
+                  <a:srgbClr val="0070C0"/>
+                </a:solidFill>
+              </a:rPr>
               <a:t>Referências</a:t>
             </a:r>
             <a:r>
@@ -9261,7 +9745,7 @@
 </p:sld>
 </file>
 
-<file path=ppt/slides/slide21.xml><?xml version="1.0" encoding="utf-8"?>
+<file path=ppt/slides/slide22.xml><?xml version="1.0" encoding="utf-8"?>
 <p:sld xmlns:a="http://schemas.openxmlformats.org/drawingml/2006/main" xmlns:r="http://schemas.openxmlformats.org/officeDocument/2006/relationships" xmlns:p="http://schemas.openxmlformats.org/presentationml/2006/main">
   <p:cSld>
     <p:spTree>
@@ -10509,21 +10993,7 @@
                 <a:latin typeface="Times New Roman" panose="02020603050405020304" pitchFamily="18" charset="0"/>
                 <a:cs typeface="Times New Roman" panose="02020603050405020304" pitchFamily="18" charset="0"/>
               </a:rPr>
-              <a:t>(“</a:t>
-            </a:r>
-            <a:r>
-              <a:rPr lang="pt-BR" sz="2000" dirty="0" err="1">
-                <a:latin typeface="Times New Roman" panose="02020603050405020304" pitchFamily="18" charset="0"/>
-                <a:cs typeface="Times New Roman" panose="02020603050405020304" pitchFamily="18" charset="0"/>
-              </a:rPr>
-              <a:t>Vosualização</a:t>
-            </a:r>
-            <a:r>
-              <a:rPr lang="pt-BR" sz="2000" dirty="0">
-                <a:latin typeface="Times New Roman" panose="02020603050405020304" pitchFamily="18" charset="0"/>
-                <a:cs typeface="Times New Roman" panose="02020603050405020304" pitchFamily="18" charset="0"/>
-              </a:rPr>
-              <a:t> Simples")</a:t>
+              <a:t>('Visualização Simples')</a:t>
             </a:r>
           </a:p>
           <a:p>
@@ -11695,6 +12165,15 @@
             <a:pPr marL="0" indent="0" algn="just">
               <a:buNone/>
             </a:pPr>
+            <a:endParaRPr lang="pt-BR" sz="2000" b="1" dirty="0">
+              <a:latin typeface="Times New Roman" panose="02020603050405020304" pitchFamily="18" charset="0"/>
+              <a:cs typeface="Times New Roman" panose="02020603050405020304" pitchFamily="18" charset="0"/>
+            </a:endParaRPr>
+          </a:p>
+          <a:p>
+            <a:pPr marL="0" indent="0" algn="just">
+              <a:buNone/>
+            </a:pPr>
             <a:r>
               <a:rPr lang="pt-BR" sz="2000" b="1" dirty="0" err="1">
                 <a:latin typeface="Times New Roman" panose="02020603050405020304" pitchFamily="18" charset="0"/>
@@ -11725,102 +12204,6 @@
             <a:pPr marL="0" indent="0" algn="just">
               <a:buNone/>
             </a:pPr>
-            <a:r>
-              <a:rPr lang="pt-BR" sz="2000" dirty="0">
-                <a:latin typeface="Times New Roman" panose="02020603050405020304" pitchFamily="18" charset="0"/>
-                <a:cs typeface="Times New Roman" panose="02020603050405020304" pitchFamily="18" charset="0"/>
-              </a:rPr>
-              <a:t>entidade = </a:t>
-            </a:r>
-            <a:r>
-              <a:rPr lang="pt-BR" sz="2000" dirty="0" err="1">
-                <a:latin typeface="Times New Roman" panose="02020603050405020304" pitchFamily="18" charset="0"/>
-                <a:cs typeface="Times New Roman" panose="02020603050405020304" pitchFamily="18" charset="0"/>
-              </a:rPr>
-              <a:t>pd.read_csv</a:t>
-            </a:r>
-            <a:r>
-              <a:rPr lang="pt-BR" sz="2000" dirty="0">
-                <a:latin typeface="Times New Roman" panose="02020603050405020304" pitchFamily="18" charset="0"/>
-                <a:cs typeface="Times New Roman" panose="02020603050405020304" pitchFamily="18" charset="0"/>
-              </a:rPr>
-              <a:t>('</a:t>
-            </a:r>
-            <a:r>
-              <a:rPr lang="pt-BR" sz="2000" dirty="0" err="1">
-                <a:latin typeface="Times New Roman" panose="02020603050405020304" pitchFamily="18" charset="0"/>
-                <a:cs typeface="Times New Roman" panose="02020603050405020304" pitchFamily="18" charset="0"/>
-              </a:rPr>
-              <a:t>sample_data</a:t>
-            </a:r>
-            <a:r>
-              <a:rPr lang="pt-BR" sz="2000" dirty="0">
-                <a:latin typeface="Times New Roman" panose="02020603050405020304" pitchFamily="18" charset="0"/>
-                <a:cs typeface="Times New Roman" panose="02020603050405020304" pitchFamily="18" charset="0"/>
-              </a:rPr>
-              <a:t>/california.csv', </a:t>
-            </a:r>
-            <a:r>
-              <a:rPr lang="pt-BR" sz="2000" dirty="0" err="1">
-                <a:latin typeface="Times New Roman" panose="02020603050405020304" pitchFamily="18" charset="0"/>
-                <a:cs typeface="Times New Roman" panose="02020603050405020304" pitchFamily="18" charset="0"/>
-              </a:rPr>
-              <a:t>sep</a:t>
-            </a:r>
-            <a:r>
-              <a:rPr lang="pt-BR" sz="2000">
-                <a:latin typeface="Times New Roman" panose="02020603050405020304" pitchFamily="18" charset="0"/>
-                <a:cs typeface="Times New Roman" panose="02020603050405020304" pitchFamily="18" charset="0"/>
-              </a:rPr>
-              <a:t>=‘;’) </a:t>
-            </a:r>
-            <a:r>
-              <a:rPr lang="pt-BR" sz="2000" dirty="0">
-                <a:latin typeface="Times New Roman" panose="02020603050405020304" pitchFamily="18" charset="0"/>
-                <a:cs typeface="Times New Roman" panose="02020603050405020304" pitchFamily="18" charset="0"/>
-              </a:rPr>
-              <a:t>#</a:t>
-            </a:r>
-            <a:r>
-              <a:rPr lang="pt-BR" sz="2000" b="1" dirty="0">
-                <a:latin typeface="Times New Roman" panose="02020603050405020304" pitchFamily="18" charset="0"/>
-                <a:cs typeface="Times New Roman" panose="02020603050405020304" pitchFamily="18" charset="0"/>
-              </a:rPr>
-              <a:t>enconding</a:t>
-            </a:r>
-            <a:r>
-              <a:rPr lang="pt-BR" sz="2000" dirty="0">
-                <a:latin typeface="Times New Roman" panose="02020603050405020304" pitchFamily="18" charset="0"/>
-                <a:cs typeface="Times New Roman" panose="02020603050405020304" pitchFamily="18" charset="0"/>
-              </a:rPr>
-              <a:t>=‘encode’</a:t>
-            </a:r>
-          </a:p>
-          <a:p>
-            <a:pPr marL="0" indent="0" algn="just">
-              <a:buNone/>
-            </a:pPr>
-            <a:r>
-              <a:rPr lang="pt-BR" sz="2000" b="1" dirty="0">
-                <a:latin typeface="Times New Roman" panose="02020603050405020304" pitchFamily="18" charset="0"/>
-                <a:cs typeface="Times New Roman" panose="02020603050405020304" pitchFamily="18" charset="0"/>
-              </a:rPr>
-              <a:t>display</a:t>
-            </a:r>
-            <a:r>
-              <a:rPr lang="pt-BR" sz="2000" dirty="0">
-                <a:latin typeface="Times New Roman" panose="02020603050405020304" pitchFamily="18" charset="0"/>
-                <a:cs typeface="Times New Roman" panose="02020603050405020304" pitchFamily="18" charset="0"/>
-              </a:rPr>
-              <a:t>(entidade) # display só existe no </a:t>
-            </a:r>
-            <a:r>
-              <a:rPr lang="pt-BR" sz="2000" dirty="0" err="1">
-                <a:latin typeface="Times New Roman" panose="02020603050405020304" pitchFamily="18" charset="0"/>
-                <a:cs typeface="Times New Roman" panose="02020603050405020304" pitchFamily="18" charset="0"/>
-              </a:rPr>
-              <a:t>Jupyter</a:t>
-            </a:r>
             <a:endParaRPr lang="pt-BR" sz="2000" dirty="0">
               <a:latin typeface="Times New Roman" panose="02020603050405020304" pitchFamily="18" charset="0"/>
               <a:cs typeface="Times New Roman" panose="02020603050405020304" pitchFamily="18" charset="0"/>
@@ -11830,7 +12213,85 @@
             <a:pPr marL="0" indent="0" algn="just">
               <a:buNone/>
             </a:pPr>
-            <a:endParaRPr lang="pt-BR" sz="2000" dirty="0">
+            <a:r>
+              <a:rPr lang="pt-BR" sz="2000" dirty="0">
+                <a:latin typeface="Times New Roman" panose="02020603050405020304" pitchFamily="18" charset="0"/>
+                <a:cs typeface="Times New Roman" panose="02020603050405020304" pitchFamily="18" charset="0"/>
+              </a:rPr>
+              <a:t>entidade = </a:t>
+            </a:r>
+            <a:r>
+              <a:rPr lang="pt-BR" sz="2000" dirty="0" err="1">
+                <a:latin typeface="Times New Roman" panose="02020603050405020304" pitchFamily="18" charset="0"/>
+                <a:cs typeface="Times New Roman" panose="02020603050405020304" pitchFamily="18" charset="0"/>
+              </a:rPr>
+              <a:t>pd.</a:t>
+            </a:r>
+            <a:r>
+              <a:rPr lang="pt-BR" sz="2000" b="1" dirty="0" err="1">
+                <a:latin typeface="Times New Roman" panose="02020603050405020304" pitchFamily="18" charset="0"/>
+                <a:cs typeface="Times New Roman" panose="02020603050405020304" pitchFamily="18" charset="0"/>
+              </a:rPr>
+              <a:t>read_csv</a:t>
+            </a:r>
+            <a:r>
+              <a:rPr lang="pt-BR" sz="2000" dirty="0">
+                <a:latin typeface="Times New Roman" panose="02020603050405020304" pitchFamily="18" charset="0"/>
+                <a:cs typeface="Times New Roman" panose="02020603050405020304" pitchFamily="18" charset="0"/>
+              </a:rPr>
+              <a:t>('</a:t>
+            </a:r>
+            <a:r>
+              <a:rPr lang="pt-BR" sz="2000" dirty="0" err="1">
+                <a:latin typeface="Times New Roman" panose="02020603050405020304" pitchFamily="18" charset="0"/>
+                <a:cs typeface="Times New Roman" panose="02020603050405020304" pitchFamily="18" charset="0"/>
+              </a:rPr>
+              <a:t>sample_data</a:t>
+            </a:r>
+            <a:r>
+              <a:rPr lang="pt-BR" sz="2000" dirty="0">
+                <a:latin typeface="Times New Roman" panose="02020603050405020304" pitchFamily="18" charset="0"/>
+                <a:cs typeface="Times New Roman" panose="02020603050405020304" pitchFamily="18" charset="0"/>
+              </a:rPr>
+              <a:t>/vendas.csv', </a:t>
+            </a:r>
+            <a:r>
+              <a:rPr lang="pt-BR" sz="2000" dirty="0" err="1">
+                <a:latin typeface="Times New Roman" panose="02020603050405020304" pitchFamily="18" charset="0"/>
+                <a:cs typeface="Times New Roman" panose="02020603050405020304" pitchFamily="18" charset="0"/>
+              </a:rPr>
+              <a:t>sep</a:t>
+            </a:r>
+            <a:r>
+              <a:rPr lang="pt-BR" sz="2000" dirty="0">
+                <a:latin typeface="Times New Roman" panose="02020603050405020304" pitchFamily="18" charset="0"/>
+                <a:cs typeface="Times New Roman" panose="02020603050405020304" pitchFamily="18" charset="0"/>
+              </a:rPr>
+              <a:t>='; ‘) # </a:t>
+            </a:r>
+            <a:r>
+              <a:rPr lang="pt-BR" sz="2000" b="1" dirty="0" err="1">
+                <a:solidFill>
+                  <a:srgbClr val="FF0000"/>
+                </a:solidFill>
+                <a:latin typeface="Times New Roman" panose="02020603050405020304" pitchFamily="18" charset="0"/>
+                <a:cs typeface="Times New Roman" panose="02020603050405020304" pitchFamily="18" charset="0"/>
+              </a:rPr>
+              <a:t>enconding</a:t>
+            </a:r>
+            <a:r>
+              <a:rPr lang="pt-BR" sz="2000" dirty="0">
+                <a:latin typeface="Times New Roman" panose="02020603050405020304" pitchFamily="18" charset="0"/>
+                <a:cs typeface="Times New Roman" panose="02020603050405020304" pitchFamily="18" charset="0"/>
+              </a:rPr>
+              <a:t>='encode’</a:t>
+            </a:r>
+          </a:p>
+          <a:p>
+            <a:pPr marL="0" indent="0" algn="just">
+              <a:buNone/>
+            </a:pPr>
+            <a:endParaRPr lang="pt-BR" sz="2000" b="1" dirty="0">
               <a:latin typeface="Times New Roman" panose="02020603050405020304" pitchFamily="18" charset="0"/>
               <a:cs typeface="Times New Roman" panose="02020603050405020304" pitchFamily="18" charset="0"/>
             </a:endParaRPr>
@@ -11840,18 +12301,18 @@
               <a:buNone/>
             </a:pPr>
             <a:r>
-              <a:rPr lang="pt-BR" sz="2000" dirty="0">
-                <a:latin typeface="Times New Roman" panose="02020603050405020304" pitchFamily="18" charset="0"/>
-                <a:cs typeface="Times New Roman" panose="02020603050405020304" pitchFamily="18" charset="0"/>
-              </a:rPr>
-              <a:t># </a:t>
-            </a:r>
-            <a:r>
               <a:rPr lang="pt-BR" sz="2000" b="1" dirty="0">
                 <a:latin typeface="Times New Roman" panose="02020603050405020304" pitchFamily="18" charset="0"/>
                 <a:cs typeface="Times New Roman" panose="02020603050405020304" pitchFamily="18" charset="0"/>
               </a:rPr>
-              <a:t>2. Ajuste de Dados (</a:t>
+              <a:t>display</a:t>
+            </a:r>
+            <a:r>
+              <a:rPr lang="pt-BR" sz="2000" dirty="0">
+                <a:latin typeface="Times New Roman" panose="02020603050405020304" pitchFamily="18" charset="0"/>
+                <a:cs typeface="Times New Roman" panose="02020603050405020304" pitchFamily="18" charset="0"/>
+              </a:rPr>
+              <a:t>(entidade) # </a:t>
             </a:r>
             <a:r>
               <a:rPr lang="pt-BR" sz="2000" b="1" dirty="0">
@@ -11861,7 +12322,7 @@
                 <a:latin typeface="Times New Roman" panose="02020603050405020304" pitchFamily="18" charset="0"/>
                 <a:cs typeface="Times New Roman" panose="02020603050405020304" pitchFamily="18" charset="0"/>
               </a:rPr>
-              <a:t>Preparação do </a:t>
+              <a:t>display só existe no </a:t>
             </a:r>
             <a:r>
               <a:rPr lang="pt-BR" sz="2000" b="1" dirty="0" err="1">
@@ -11871,249 +12332,7 @@
                 <a:latin typeface="Times New Roman" panose="02020603050405020304" pitchFamily="18" charset="0"/>
                 <a:cs typeface="Times New Roman" panose="02020603050405020304" pitchFamily="18" charset="0"/>
               </a:rPr>
-              <a:t>dataset</a:t>
-            </a:r>
-            <a:r>
-              <a:rPr lang="pt-BR" sz="2000" b="1" dirty="0">
-                <a:solidFill>
-                  <a:srgbClr val="FF0000"/>
-                </a:solidFill>
-                <a:latin typeface="Times New Roman" panose="02020603050405020304" pitchFamily="18" charset="0"/>
-                <a:cs typeface="Times New Roman" panose="02020603050405020304" pitchFamily="18" charset="0"/>
-              </a:rPr>
-              <a:t> - limpeza</a:t>
-            </a:r>
-            <a:r>
-              <a:rPr lang="pt-BR" sz="2000" b="1" dirty="0">
-                <a:latin typeface="Times New Roman" panose="02020603050405020304" pitchFamily="18" charset="0"/>
-                <a:cs typeface="Times New Roman" panose="02020603050405020304" pitchFamily="18" charset="0"/>
-              </a:rPr>
-              <a:t>)</a:t>
-            </a:r>
-          </a:p>
-          <a:p>
-            <a:pPr marL="0" indent="0" algn="just">
-              <a:buNone/>
-            </a:pPr>
-            <a:r>
-              <a:rPr lang="pt-BR" sz="2000" b="1" dirty="0">
-                <a:latin typeface="Times New Roman" panose="02020603050405020304" pitchFamily="18" charset="0"/>
-                <a:cs typeface="Times New Roman" panose="02020603050405020304" pitchFamily="18" charset="0"/>
-              </a:rPr>
-              <a:t>print</a:t>
-            </a:r>
-            <a:r>
-              <a:rPr lang="pt-BR" sz="2000" dirty="0">
-                <a:latin typeface="Times New Roman" panose="02020603050405020304" pitchFamily="18" charset="0"/>
-                <a:cs typeface="Times New Roman" panose="02020603050405020304" pitchFamily="18" charset="0"/>
-              </a:rPr>
-              <a:t>(entidade.</a:t>
-            </a:r>
-            <a:r>
-              <a:rPr lang="pt-BR" sz="2000" b="1" dirty="0">
-                <a:latin typeface="Times New Roman" panose="02020603050405020304" pitchFamily="18" charset="0"/>
-                <a:cs typeface="Times New Roman" panose="02020603050405020304" pitchFamily="18" charset="0"/>
-              </a:rPr>
-              <a:t>info</a:t>
-            </a:r>
-            <a:r>
-              <a:rPr lang="pt-BR" sz="2000" dirty="0">
-                <a:latin typeface="Times New Roman" panose="02020603050405020304" pitchFamily="18" charset="0"/>
-                <a:cs typeface="Times New Roman" panose="02020603050405020304" pitchFamily="18" charset="0"/>
-              </a:rPr>
-              <a:t>())</a:t>
-            </a:r>
-          </a:p>
-          <a:p>
-            <a:pPr marL="0" indent="0" algn="just">
-              <a:buNone/>
-            </a:pPr>
-            <a:r>
-              <a:rPr lang="pt-BR" sz="2000" dirty="0">
-                <a:latin typeface="Times New Roman" panose="02020603050405020304" pitchFamily="18" charset="0"/>
-                <a:cs typeface="Times New Roman" panose="02020603050405020304" pitchFamily="18" charset="0"/>
-              </a:rPr>
-              <a:t>#entidade.</a:t>
-            </a:r>
-            <a:r>
-              <a:rPr lang="pt-BR" sz="2000" b="1" dirty="0">
-                <a:latin typeface="Times New Roman" panose="02020603050405020304" pitchFamily="18" charset="0"/>
-                <a:cs typeface="Times New Roman" panose="02020603050405020304" pitchFamily="18" charset="0"/>
-              </a:rPr>
-              <a:t>head</a:t>
-            </a:r>
-            <a:r>
-              <a:rPr lang="pt-BR" sz="2000" dirty="0">
-                <a:latin typeface="Times New Roman" panose="02020603050405020304" pitchFamily="18" charset="0"/>
-                <a:cs typeface="Times New Roman" panose="02020603050405020304" pitchFamily="18" charset="0"/>
-              </a:rPr>
-              <a:t>()/</a:t>
-            </a:r>
-            <a:r>
-              <a:rPr lang="pt-BR" sz="2000" b="1" dirty="0">
-                <a:latin typeface="Times New Roman" panose="02020603050405020304" pitchFamily="18" charset="0"/>
-                <a:cs typeface="Times New Roman" panose="02020603050405020304" pitchFamily="18" charset="0"/>
-              </a:rPr>
-              <a:t>tail</a:t>
-            </a:r>
-            <a:r>
-              <a:rPr lang="pt-BR" sz="2000" dirty="0">
-                <a:latin typeface="Times New Roman" panose="02020603050405020304" pitchFamily="18" charset="0"/>
-                <a:cs typeface="Times New Roman" panose="02020603050405020304" pitchFamily="18" charset="0"/>
-              </a:rPr>
-              <a:t>(); </a:t>
-            </a:r>
-            <a:r>
-              <a:rPr lang="pt-BR" sz="2000" dirty="0" err="1">
-                <a:latin typeface="Times New Roman" panose="02020603050405020304" pitchFamily="18" charset="0"/>
-                <a:cs typeface="Times New Roman" panose="02020603050405020304" pitchFamily="18" charset="0"/>
-              </a:rPr>
-              <a:t>entidade.</a:t>
-            </a:r>
-            <a:r>
-              <a:rPr lang="pt-BR" sz="2000" b="1" dirty="0" err="1">
-                <a:latin typeface="Times New Roman" panose="02020603050405020304" pitchFamily="18" charset="0"/>
-                <a:cs typeface="Times New Roman" panose="02020603050405020304" pitchFamily="18" charset="0"/>
-              </a:rPr>
-              <a:t>describe</a:t>
-            </a:r>
-            <a:r>
-              <a:rPr lang="pt-BR" sz="2000" dirty="0">
-                <a:latin typeface="Times New Roman" panose="02020603050405020304" pitchFamily="18" charset="0"/>
-                <a:cs typeface="Times New Roman" panose="02020603050405020304" pitchFamily="18" charset="0"/>
-              </a:rPr>
-              <a:t>(), </a:t>
-            </a:r>
-            <a:r>
-              <a:rPr lang="pt-BR" sz="2000" dirty="0" err="1">
-                <a:latin typeface="Times New Roman" panose="02020603050405020304" pitchFamily="18" charset="0"/>
-                <a:cs typeface="Times New Roman" panose="02020603050405020304" pitchFamily="18" charset="0"/>
-              </a:rPr>
-              <a:t>entidade.</a:t>
-            </a:r>
-            <a:r>
-              <a:rPr lang="pt-BR" sz="2000" b="1" dirty="0" err="1">
-                <a:latin typeface="Times New Roman" panose="02020603050405020304" pitchFamily="18" charset="0"/>
-                <a:cs typeface="Times New Roman" panose="02020603050405020304" pitchFamily="18" charset="0"/>
-              </a:rPr>
-              <a:t>dtypes</a:t>
-            </a:r>
-            <a:r>
-              <a:rPr lang="pt-BR" sz="2000" dirty="0">
-                <a:latin typeface="Times New Roman" panose="02020603050405020304" pitchFamily="18" charset="0"/>
-                <a:cs typeface="Times New Roman" panose="02020603050405020304" pitchFamily="18" charset="0"/>
-              </a:rPr>
-              <a:t>; </a:t>
-            </a:r>
-            <a:r>
-              <a:rPr lang="pt-BR" sz="2000" dirty="0" err="1">
-                <a:latin typeface="Times New Roman" panose="02020603050405020304" pitchFamily="18" charset="0"/>
-                <a:cs typeface="Times New Roman" panose="02020603050405020304" pitchFamily="18" charset="0"/>
-              </a:rPr>
-              <a:t>entidade.</a:t>
-            </a:r>
-            <a:r>
-              <a:rPr lang="pt-BR" sz="2000" b="1" dirty="0" err="1">
-                <a:latin typeface="Times New Roman" panose="02020603050405020304" pitchFamily="18" charset="0"/>
-                <a:cs typeface="Times New Roman" panose="02020603050405020304" pitchFamily="18" charset="0"/>
-              </a:rPr>
-              <a:t>count</a:t>
-            </a:r>
-            <a:r>
-              <a:rPr lang="pt-BR" sz="2000" dirty="0">
-                <a:latin typeface="Times New Roman" panose="02020603050405020304" pitchFamily="18" charset="0"/>
-                <a:cs typeface="Times New Roman" panose="02020603050405020304" pitchFamily="18" charset="0"/>
-              </a:rPr>
-              <a:t>();</a:t>
-            </a:r>
-          </a:p>
-          <a:p>
-            <a:pPr marL="0" indent="0" algn="just">
-              <a:buNone/>
-            </a:pPr>
-            <a:r>
-              <a:rPr lang="pt-BR" sz="2000" dirty="0">
-                <a:latin typeface="Times New Roman" panose="02020603050405020304" pitchFamily="18" charset="0"/>
-                <a:cs typeface="Times New Roman" panose="02020603050405020304" pitchFamily="18" charset="0"/>
-              </a:rPr>
-              <a:t># entidade</a:t>
-            </a:r>
-            <a:r>
-              <a:rPr lang="pt-BR" sz="2000" b="1" dirty="0">
-                <a:latin typeface="Times New Roman" panose="02020603050405020304" pitchFamily="18" charset="0"/>
-                <a:cs typeface="Times New Roman" panose="02020603050405020304" pitchFamily="18" charset="0"/>
-              </a:rPr>
-              <a:t>[atributo].</a:t>
-            </a:r>
-            <a:r>
-              <a:rPr lang="pt-BR" sz="2000" dirty="0">
-                <a:latin typeface="Times New Roman" panose="02020603050405020304" pitchFamily="18" charset="0"/>
-                <a:cs typeface="Times New Roman" panose="02020603050405020304" pitchFamily="18" charset="0"/>
-              </a:rPr>
-              <a:t>método - entidade</a:t>
-            </a:r>
-            <a:r>
-              <a:rPr lang="pt-BR" sz="2000" b="1" dirty="0">
-                <a:latin typeface="Times New Roman" panose="02020603050405020304" pitchFamily="18" charset="0"/>
-                <a:cs typeface="Times New Roman" panose="02020603050405020304" pitchFamily="18" charset="0"/>
-              </a:rPr>
-              <a:t>[atributo].</a:t>
-            </a:r>
-            <a:r>
-              <a:rPr lang="pt-BR" sz="2000" b="1" dirty="0" err="1">
-                <a:latin typeface="Times New Roman" panose="02020603050405020304" pitchFamily="18" charset="0"/>
-                <a:cs typeface="Times New Roman" panose="02020603050405020304" pitchFamily="18" charset="0"/>
-              </a:rPr>
-              <a:t>value_counts</a:t>
-            </a:r>
-            <a:r>
-              <a:rPr lang="pt-BR" sz="2000" dirty="0">
-                <a:latin typeface="Times New Roman" panose="02020603050405020304" pitchFamily="18" charset="0"/>
-                <a:cs typeface="Times New Roman" panose="02020603050405020304" pitchFamily="18" charset="0"/>
-              </a:rPr>
-              <a:t>();</a:t>
-            </a:r>
-          </a:p>
-          <a:p>
-            <a:pPr marL="0" indent="0" algn="just">
-              <a:buNone/>
-            </a:pPr>
-            <a:r>
-              <a:rPr lang="pt-BR" sz="2000" dirty="0">
-                <a:latin typeface="Times New Roman" panose="02020603050405020304" pitchFamily="18" charset="0"/>
-                <a:cs typeface="Times New Roman" panose="02020603050405020304" pitchFamily="18" charset="0"/>
-              </a:rPr>
-              <a:t>%</a:t>
-            </a:r>
-            <a:r>
-              <a:rPr lang="pt-BR" sz="2000" b="1" dirty="0" err="1">
-                <a:solidFill>
-                  <a:srgbClr val="FF0000"/>
-                </a:solidFill>
-                <a:latin typeface="Times New Roman" panose="02020603050405020304" pitchFamily="18" charset="0"/>
-                <a:cs typeface="Times New Roman" panose="02020603050405020304" pitchFamily="18" charset="0"/>
-              </a:rPr>
-              <a:t>matplotlib</a:t>
-            </a:r>
-            <a:r>
-              <a:rPr lang="pt-BR" sz="2000" dirty="0">
-                <a:solidFill>
-                  <a:srgbClr val="FF0000"/>
-                </a:solidFill>
-                <a:latin typeface="Times New Roman" panose="02020603050405020304" pitchFamily="18" charset="0"/>
-                <a:cs typeface="Times New Roman" panose="02020603050405020304" pitchFamily="18" charset="0"/>
-              </a:rPr>
-              <a:t> </a:t>
-            </a:r>
-            <a:r>
-              <a:rPr lang="pt-BR" sz="2000" b="1" dirty="0" err="1">
-                <a:solidFill>
-                  <a:srgbClr val="FF0000"/>
-                </a:solidFill>
-                <a:latin typeface="Times New Roman" panose="02020603050405020304" pitchFamily="18" charset="0"/>
-                <a:cs typeface="Times New Roman" panose="02020603050405020304" pitchFamily="18" charset="0"/>
-              </a:rPr>
-              <a:t>inline</a:t>
+              <a:t>Jupyter</a:t>
             </a:r>
             <a:endParaRPr lang="pt-BR" sz="2000" b="1" dirty="0">
               <a:solidFill>
@@ -12122,81 +12341,6 @@
               <a:latin typeface="Times New Roman" panose="02020603050405020304" pitchFamily="18" charset="0"/>
               <a:cs typeface="Times New Roman" panose="02020603050405020304" pitchFamily="18" charset="0"/>
             </a:endParaRPr>
-          </a:p>
-          <a:p>
-            <a:pPr marL="0" indent="0" algn="just">
-              <a:buNone/>
-            </a:pPr>
-            <a:r>
-              <a:rPr lang="pt-BR" sz="2000" dirty="0">
-                <a:latin typeface="Times New Roman" panose="02020603050405020304" pitchFamily="18" charset="0"/>
-                <a:cs typeface="Times New Roman" panose="02020603050405020304" pitchFamily="18" charset="0"/>
-              </a:rPr>
-              <a:t># entidade</a:t>
-            </a:r>
-            <a:r>
-              <a:rPr lang="pt-BR" sz="2000" b="1" dirty="0">
-                <a:latin typeface="Times New Roman" panose="02020603050405020304" pitchFamily="18" charset="0"/>
-                <a:cs typeface="Times New Roman" panose="02020603050405020304" pitchFamily="18" charset="0"/>
-              </a:rPr>
-              <a:t>[atributo].</a:t>
-            </a:r>
-            <a:r>
-              <a:rPr lang="pt-BR" sz="2000" dirty="0">
-                <a:latin typeface="Times New Roman" panose="02020603050405020304" pitchFamily="18" charset="0"/>
-                <a:cs typeface="Times New Roman" panose="02020603050405020304" pitchFamily="18" charset="0"/>
-              </a:rPr>
-              <a:t>método - entidade</a:t>
-            </a:r>
-            <a:r>
-              <a:rPr lang="pt-BR" sz="2000" b="1" dirty="0">
-                <a:latin typeface="Times New Roman" panose="02020603050405020304" pitchFamily="18" charset="0"/>
-                <a:cs typeface="Times New Roman" panose="02020603050405020304" pitchFamily="18" charset="0"/>
-              </a:rPr>
-              <a:t>[atributo].</a:t>
-            </a:r>
-            <a:r>
-              <a:rPr lang="pt-BR" sz="2000" b="1" dirty="0" err="1">
-                <a:latin typeface="Times New Roman" panose="02020603050405020304" pitchFamily="18" charset="0"/>
-                <a:cs typeface="Times New Roman" panose="02020603050405020304" pitchFamily="18" charset="0"/>
-              </a:rPr>
-              <a:t>value_counts</a:t>
-            </a:r>
-            <a:r>
-              <a:rPr lang="pt-BR" sz="2000" dirty="0">
-                <a:latin typeface="Times New Roman" panose="02020603050405020304" pitchFamily="18" charset="0"/>
-                <a:cs typeface="Times New Roman" panose="02020603050405020304" pitchFamily="18" charset="0"/>
-              </a:rPr>
-              <a:t>().</a:t>
-            </a:r>
-            <a:r>
-              <a:rPr lang="pt-BR" sz="2000" b="1" dirty="0" err="1">
-                <a:latin typeface="Times New Roman" panose="02020603050405020304" pitchFamily="18" charset="0"/>
-                <a:cs typeface="Times New Roman" panose="02020603050405020304" pitchFamily="18" charset="0"/>
-              </a:rPr>
-              <a:t>plot</a:t>
-            </a:r>
-            <a:r>
-              <a:rPr lang="pt-BR" sz="2000" dirty="0" err="1">
-                <a:latin typeface="Times New Roman" panose="02020603050405020304" pitchFamily="18" charset="0"/>
-                <a:cs typeface="Times New Roman" panose="02020603050405020304" pitchFamily="18" charset="0"/>
-              </a:rPr>
-              <a:t>.</a:t>
-            </a:r>
-            <a:r>
-              <a:rPr lang="pt-BR" sz="2000" b="1" dirty="0" err="1">
-                <a:latin typeface="Times New Roman" panose="02020603050405020304" pitchFamily="18" charset="0"/>
-                <a:cs typeface="Times New Roman" panose="02020603050405020304" pitchFamily="18" charset="0"/>
-              </a:rPr>
-              <a:t>bar</a:t>
-            </a:r>
-            <a:r>
-              <a:rPr lang="pt-BR" sz="2000" dirty="0">
-                <a:latin typeface="Times New Roman" panose="02020603050405020304" pitchFamily="18" charset="0"/>
-                <a:cs typeface="Times New Roman" panose="02020603050405020304" pitchFamily="18" charset="0"/>
-              </a:rPr>
-              <a:t>()</a:t>
-            </a:r>
           </a:p>
         </p:txBody>
       </p:sp>
@@ -12281,8 +12425,8 @@
         </p:nvSpPr>
         <p:spPr>
           <a:xfrm>
-            <a:off x="142865" y="1200150"/>
-            <a:ext cx="8865056" cy="3737370"/>
+            <a:off x="142865" y="980694"/>
+            <a:ext cx="8865056" cy="4091178"/>
           </a:xfrm>
         </p:spPr>
         <p:txBody>
@@ -12306,7 +12450,86 @@
                 <a:latin typeface="Times New Roman" panose="02020603050405020304" pitchFamily="18" charset="0"/>
                 <a:cs typeface="Times New Roman" panose="02020603050405020304" pitchFamily="18" charset="0"/>
               </a:rPr>
-              <a:t>3. Análise Exploratória</a:t>
+              <a:t>2. Ajuste de Dados (</a:t>
+            </a:r>
+            <a:r>
+              <a:rPr lang="pt-BR" sz="2000" b="1" dirty="0">
+                <a:solidFill>
+                  <a:srgbClr val="FF0000"/>
+                </a:solidFill>
+                <a:latin typeface="Times New Roman" panose="02020603050405020304" pitchFamily="18" charset="0"/>
+                <a:cs typeface="Times New Roman" panose="02020603050405020304" pitchFamily="18" charset="0"/>
+              </a:rPr>
+              <a:t>Preparação do </a:t>
+            </a:r>
+            <a:r>
+              <a:rPr lang="pt-BR" sz="2000" b="1" dirty="0" err="1">
+                <a:solidFill>
+                  <a:srgbClr val="FF0000"/>
+                </a:solidFill>
+                <a:latin typeface="Times New Roman" panose="02020603050405020304" pitchFamily="18" charset="0"/>
+                <a:cs typeface="Times New Roman" panose="02020603050405020304" pitchFamily="18" charset="0"/>
+              </a:rPr>
+              <a:t>dataset</a:t>
+            </a:r>
+            <a:r>
+              <a:rPr lang="pt-BR" sz="2000" b="1" dirty="0">
+                <a:solidFill>
+                  <a:srgbClr val="FF0000"/>
+                </a:solidFill>
+                <a:latin typeface="Times New Roman" panose="02020603050405020304" pitchFamily="18" charset="0"/>
+                <a:cs typeface="Times New Roman" panose="02020603050405020304" pitchFamily="18" charset="0"/>
+              </a:rPr>
+              <a:t> - limpeza</a:t>
+            </a:r>
+            <a:r>
+              <a:rPr lang="pt-BR" sz="2000" b="1" dirty="0">
+                <a:latin typeface="Times New Roman" panose="02020603050405020304" pitchFamily="18" charset="0"/>
+                <a:cs typeface="Times New Roman" panose="02020603050405020304" pitchFamily="18" charset="0"/>
+              </a:rPr>
+              <a:t>)</a:t>
+            </a:r>
+          </a:p>
+          <a:p>
+            <a:pPr marL="0" indent="0" algn="just">
+              <a:buNone/>
+            </a:pPr>
+            <a:endParaRPr lang="pt-BR" sz="2000" b="1" dirty="0">
+              <a:latin typeface="Times New Roman" panose="02020603050405020304" pitchFamily="18" charset="0"/>
+              <a:cs typeface="Times New Roman" panose="02020603050405020304" pitchFamily="18" charset="0"/>
+            </a:endParaRPr>
+          </a:p>
+          <a:p>
+            <a:pPr marL="0" indent="0" algn="just">
+              <a:buNone/>
+            </a:pPr>
+            <a:r>
+              <a:rPr lang="pt-BR" sz="2000" b="1" dirty="0">
+                <a:latin typeface="Times New Roman" panose="02020603050405020304" pitchFamily="18" charset="0"/>
+                <a:cs typeface="Times New Roman" panose="02020603050405020304" pitchFamily="18" charset="0"/>
+              </a:rPr>
+              <a:t>print</a:t>
+            </a:r>
+            <a:r>
+              <a:rPr lang="pt-BR" sz="2000" dirty="0">
+                <a:latin typeface="Times New Roman" panose="02020603050405020304" pitchFamily="18" charset="0"/>
+                <a:cs typeface="Times New Roman" panose="02020603050405020304" pitchFamily="18" charset="0"/>
+              </a:rPr>
+              <a:t>(entidade.</a:t>
+            </a:r>
+            <a:r>
+              <a:rPr lang="pt-BR" sz="2000" b="1" dirty="0">
+                <a:latin typeface="Times New Roman" panose="02020603050405020304" pitchFamily="18" charset="0"/>
+                <a:cs typeface="Times New Roman" panose="02020603050405020304" pitchFamily="18" charset="0"/>
+              </a:rPr>
+              <a:t>info</a:t>
+            </a:r>
+            <a:r>
+              <a:rPr lang="pt-BR" sz="2000" dirty="0">
+                <a:latin typeface="Times New Roman" panose="02020603050405020304" pitchFamily="18" charset="0"/>
+                <a:cs typeface="Times New Roman" panose="02020603050405020304" pitchFamily="18" charset="0"/>
+              </a:rPr>
+              <a:t>())</a:t>
             </a:r>
           </a:p>
           <a:p>
@@ -12327,21 +12550,49 @@
                 <a:latin typeface="Times New Roman" panose="02020603050405020304" pitchFamily="18" charset="0"/>
                 <a:cs typeface="Times New Roman" panose="02020603050405020304" pitchFamily="18" charset="0"/>
               </a:rPr>
-              <a:t># display(</a:t>
+              <a:t># </a:t>
             </a:r>
             <a:r>
               <a:rPr lang="pt-BR" sz="2000" dirty="0" err="1">
                 <a:latin typeface="Times New Roman" panose="02020603050405020304" pitchFamily="18" charset="0"/>
                 <a:cs typeface="Times New Roman" panose="02020603050405020304" pitchFamily="18" charset="0"/>
               </a:rPr>
-              <a:t>entidade.corr</a:t>
-            </a:r>
-            <a:r>
-              <a:rPr lang="pt-BR" sz="2000" dirty="0">
-                <a:latin typeface="Times New Roman" panose="02020603050405020304" pitchFamily="18" charset="0"/>
-                <a:cs typeface="Times New Roman" panose="02020603050405020304" pitchFamily="18" charset="0"/>
-              </a:rPr>
-              <a:t>())</a:t>
+              <a:t>entidade.</a:t>
+            </a:r>
+            <a:r>
+              <a:rPr lang="pt-BR" sz="2000" b="1" dirty="0" err="1">
+                <a:latin typeface="Times New Roman" panose="02020603050405020304" pitchFamily="18" charset="0"/>
+                <a:cs typeface="Times New Roman" panose="02020603050405020304" pitchFamily="18" charset="0"/>
+              </a:rPr>
+              <a:t>head</a:t>
+            </a:r>
+            <a:r>
+              <a:rPr lang="pt-BR" sz="2000" dirty="0">
+                <a:latin typeface="Times New Roman" panose="02020603050405020304" pitchFamily="18" charset="0"/>
+                <a:cs typeface="Times New Roman" panose="02020603050405020304" pitchFamily="18" charset="0"/>
+              </a:rPr>
+              <a:t>(); </a:t>
+            </a:r>
+            <a:r>
+              <a:rPr lang="pt-BR" sz="2000" dirty="0" err="1">
+                <a:latin typeface="Times New Roman" panose="02020603050405020304" pitchFamily="18" charset="0"/>
+                <a:cs typeface="Times New Roman" panose="02020603050405020304" pitchFamily="18" charset="0"/>
+              </a:rPr>
+              <a:t>entidade.</a:t>
+            </a:r>
+            <a:r>
+              <a:rPr lang="pt-BR" sz="2000" b="1" dirty="0" err="1">
+                <a:latin typeface="Times New Roman" panose="02020603050405020304" pitchFamily="18" charset="0"/>
+                <a:cs typeface="Times New Roman" panose="02020603050405020304" pitchFamily="18" charset="0"/>
+              </a:rPr>
+              <a:t>tail</a:t>
+            </a:r>
+            <a:r>
+              <a:rPr lang="pt-BR" sz="2000" dirty="0">
+                <a:latin typeface="Times New Roman" panose="02020603050405020304" pitchFamily="18" charset="0"/>
+                <a:cs typeface="Times New Roman" panose="02020603050405020304" pitchFamily="18" charset="0"/>
+              </a:rPr>
+              <a:t>(); </a:t>
             </a:r>
           </a:p>
           <a:p>
@@ -12353,31 +12604,161 @@
                 <a:latin typeface="Times New Roman" panose="02020603050405020304" pitchFamily="18" charset="0"/>
                 <a:cs typeface="Times New Roman" panose="02020603050405020304" pitchFamily="18" charset="0"/>
               </a:rPr>
-              <a:t>#correlacao = </a:t>
+              <a:t># </a:t>
             </a:r>
             <a:r>
               <a:rPr lang="pt-BR" sz="2000" dirty="0" err="1">
                 <a:latin typeface="Times New Roman" panose="02020603050405020304" pitchFamily="18" charset="0"/>
                 <a:cs typeface="Times New Roman" panose="02020603050405020304" pitchFamily="18" charset="0"/>
               </a:rPr>
-              <a:t>entidade.corr</a:t>
-            </a:r>
-            <a:r>
-              <a:rPr lang="pt-BR" sz="2000" dirty="0">
-                <a:latin typeface="Times New Roman" panose="02020603050405020304" pitchFamily="18" charset="0"/>
-                <a:cs typeface="Times New Roman" panose="02020603050405020304" pitchFamily="18" charset="0"/>
-              </a:rPr>
-              <a:t>() # </a:t>
+              <a:t>entidade.</a:t>
+            </a:r>
+            <a:r>
+              <a:rPr lang="pt-BR" sz="2000" b="1" dirty="0" err="1">
+                <a:latin typeface="Times New Roman" panose="02020603050405020304" pitchFamily="18" charset="0"/>
+                <a:cs typeface="Times New Roman" panose="02020603050405020304" pitchFamily="18" charset="0"/>
+              </a:rPr>
+              <a:t>describe</a:t>
+            </a:r>
+            <a:r>
+              <a:rPr lang="pt-BR" sz="2000" dirty="0">
+                <a:latin typeface="Times New Roman" panose="02020603050405020304" pitchFamily="18" charset="0"/>
+                <a:cs typeface="Times New Roman" panose="02020603050405020304" pitchFamily="18" charset="0"/>
+              </a:rPr>
+              <a:t>();</a:t>
+            </a:r>
+          </a:p>
+          <a:p>
+            <a:pPr marL="0" indent="0" algn="just">
+              <a:buNone/>
+            </a:pPr>
+            <a:r>
+              <a:rPr lang="pt-BR" sz="2000" dirty="0">
+                <a:latin typeface="Times New Roman" panose="02020603050405020304" pitchFamily="18" charset="0"/>
+                <a:cs typeface="Times New Roman" panose="02020603050405020304" pitchFamily="18" charset="0"/>
+              </a:rPr>
+              <a:t># </a:t>
+            </a:r>
+            <a:r>
+              <a:rPr lang="pt-BR" sz="2000" dirty="0" err="1">
+                <a:latin typeface="Times New Roman" panose="02020603050405020304" pitchFamily="18" charset="0"/>
+                <a:cs typeface="Times New Roman" panose="02020603050405020304" pitchFamily="18" charset="0"/>
+              </a:rPr>
+              <a:t>entidade.</a:t>
+            </a:r>
+            <a:r>
+              <a:rPr lang="pt-BR" sz="2000" b="1" dirty="0" err="1">
+                <a:latin typeface="Times New Roman" panose="02020603050405020304" pitchFamily="18" charset="0"/>
+                <a:cs typeface="Times New Roman" panose="02020603050405020304" pitchFamily="18" charset="0"/>
+              </a:rPr>
+              <a:t>dtypes</a:t>
+            </a:r>
+            <a:r>
+              <a:rPr lang="pt-BR" sz="2000" dirty="0">
+                <a:latin typeface="Times New Roman" panose="02020603050405020304" pitchFamily="18" charset="0"/>
+                <a:cs typeface="Times New Roman" panose="02020603050405020304" pitchFamily="18" charset="0"/>
+              </a:rPr>
+              <a:t>; </a:t>
+            </a:r>
+            <a:r>
+              <a:rPr lang="pt-BR" sz="2000" dirty="0" err="1">
+                <a:latin typeface="Times New Roman" panose="02020603050405020304" pitchFamily="18" charset="0"/>
+                <a:cs typeface="Times New Roman" panose="02020603050405020304" pitchFamily="18" charset="0"/>
+              </a:rPr>
+              <a:t>entidade.</a:t>
+            </a:r>
+            <a:r>
+              <a:rPr lang="pt-BR" sz="2000" b="1" dirty="0" err="1">
+                <a:latin typeface="Times New Roman" panose="02020603050405020304" pitchFamily="18" charset="0"/>
+                <a:cs typeface="Times New Roman" panose="02020603050405020304" pitchFamily="18" charset="0"/>
+              </a:rPr>
+              <a:t>count</a:t>
+            </a:r>
+            <a:r>
+              <a:rPr lang="pt-BR" sz="2000" dirty="0">
+                <a:latin typeface="Times New Roman" panose="02020603050405020304" pitchFamily="18" charset="0"/>
+                <a:cs typeface="Times New Roman" panose="02020603050405020304" pitchFamily="18" charset="0"/>
+              </a:rPr>
+              <a:t>();</a:t>
+            </a:r>
+          </a:p>
+          <a:p>
+            <a:pPr marL="0" indent="0" algn="just">
+              <a:buNone/>
+            </a:pPr>
+            <a:r>
+              <a:rPr lang="pt-BR" sz="2000" dirty="0">
+                <a:latin typeface="Times New Roman" panose="02020603050405020304" pitchFamily="18" charset="0"/>
+                <a:cs typeface="Times New Roman" panose="02020603050405020304" pitchFamily="18" charset="0"/>
+              </a:rPr>
+              <a:t># entidade</a:t>
             </a:r>
             <a:r>
               <a:rPr lang="pt-BR" sz="2000" b="1" dirty="0">
+                <a:latin typeface="Times New Roman" panose="02020603050405020304" pitchFamily="18" charset="0"/>
+                <a:cs typeface="Times New Roman" panose="02020603050405020304" pitchFamily="18" charset="0"/>
+              </a:rPr>
+              <a:t>[atributo].</a:t>
+            </a:r>
+            <a:r>
+              <a:rPr lang="pt-BR" sz="2000" dirty="0">
+                <a:latin typeface="Times New Roman" panose="02020603050405020304" pitchFamily="18" charset="0"/>
+                <a:cs typeface="Times New Roman" panose="02020603050405020304" pitchFamily="18" charset="0"/>
+              </a:rPr>
+              <a:t>método -&gt; ex.: entidade</a:t>
+            </a:r>
+            <a:r>
+              <a:rPr lang="pt-BR" sz="2000" b="1" dirty="0">
+                <a:latin typeface="Times New Roman" panose="02020603050405020304" pitchFamily="18" charset="0"/>
+                <a:cs typeface="Times New Roman" panose="02020603050405020304" pitchFamily="18" charset="0"/>
+              </a:rPr>
+              <a:t>[atributo].</a:t>
+            </a:r>
+            <a:r>
+              <a:rPr lang="pt-BR" sz="2000" b="1" dirty="0" err="1">
+                <a:latin typeface="Times New Roman" panose="02020603050405020304" pitchFamily="18" charset="0"/>
+                <a:cs typeface="Times New Roman" panose="02020603050405020304" pitchFamily="18" charset="0"/>
+              </a:rPr>
+              <a:t>value_counts</a:t>
+            </a:r>
+            <a:r>
+              <a:rPr lang="pt-BR" sz="2000" dirty="0">
+                <a:latin typeface="Times New Roman" panose="02020603050405020304" pitchFamily="18" charset="0"/>
+                <a:cs typeface="Times New Roman" panose="02020603050405020304" pitchFamily="18" charset="0"/>
+              </a:rPr>
+              <a:t>();</a:t>
+            </a:r>
+          </a:p>
+          <a:p>
+            <a:pPr marL="0" indent="0" algn="just">
+              <a:buNone/>
+            </a:pPr>
+            <a:r>
+              <a:rPr lang="pt-BR" sz="2000" dirty="0">
+                <a:latin typeface="Times New Roman" panose="02020603050405020304" pitchFamily="18" charset="0"/>
+                <a:cs typeface="Times New Roman" panose="02020603050405020304" pitchFamily="18" charset="0"/>
+              </a:rPr>
+              <a:t># %</a:t>
+            </a:r>
+            <a:r>
+              <a:rPr lang="pt-BR" sz="2000" b="1" dirty="0" err="1">
                 <a:solidFill>
                   <a:srgbClr val="FF0000"/>
                 </a:solidFill>
                 <a:latin typeface="Times New Roman" panose="02020603050405020304" pitchFamily="18" charset="0"/>
                 <a:cs typeface="Times New Roman" panose="02020603050405020304" pitchFamily="18" charset="0"/>
               </a:rPr>
-              <a:t>A AI, fará outros cruzamentos entre as </a:t>
+              <a:t>matplotlib</a:t>
+            </a:r>
+            <a:r>
+              <a:rPr lang="pt-BR" sz="2000" dirty="0">
+                <a:solidFill>
+                  <a:srgbClr val="FF0000"/>
+                </a:solidFill>
+                <a:latin typeface="Times New Roman" panose="02020603050405020304" pitchFamily="18" charset="0"/>
+                <a:cs typeface="Times New Roman" panose="02020603050405020304" pitchFamily="18" charset="0"/>
+              </a:rPr>
+              <a:t> </a:t>
             </a:r>
             <a:r>
               <a:rPr lang="pt-BR" sz="2000" b="1" dirty="0" err="1">
@@ -12387,7 +12768,7 @@
                 <a:latin typeface="Times New Roman" panose="02020603050405020304" pitchFamily="18" charset="0"/>
                 <a:cs typeface="Times New Roman" panose="02020603050405020304" pitchFamily="18" charset="0"/>
               </a:rPr>
-              <a:t>variávies</a:t>
+              <a:t>inline</a:t>
             </a:r>
             <a:endParaRPr lang="pt-BR" sz="2000" b="1" dirty="0">
               <a:solidFill>
@@ -12406,106 +12787,78 @@
                 <a:latin typeface="Times New Roman" panose="02020603050405020304" pitchFamily="18" charset="0"/>
                 <a:cs typeface="Times New Roman" panose="02020603050405020304" pitchFamily="18" charset="0"/>
               </a:rPr>
-              <a:t>#display(correlacao)</a:t>
-            </a:r>
-          </a:p>
-          <a:p>
-            <a:pPr marL="0" indent="0" algn="just">
-              <a:buNone/>
-            </a:pPr>
-            <a:endParaRPr lang="pt-BR" sz="2000" dirty="0">
-              <a:latin typeface="Times New Roman" panose="02020603050405020304" pitchFamily="18" charset="0"/>
-              <a:cs typeface="Times New Roman" panose="02020603050405020304" pitchFamily="18" charset="0"/>
-            </a:endParaRPr>
-          </a:p>
-          <a:p>
-            <a:pPr marL="0" indent="0" algn="just">
-              <a:buNone/>
-            </a:pPr>
-            <a:r>
-              <a:rPr lang="pt-BR" sz="2000" dirty="0">
-                <a:latin typeface="Times New Roman" panose="02020603050405020304" pitchFamily="18" charset="0"/>
-                <a:cs typeface="Times New Roman" panose="02020603050405020304" pitchFamily="18" charset="0"/>
-              </a:rPr>
-              <a:t>correlacao2 = </a:t>
+              <a:t># entidade</a:t>
+            </a:r>
+            <a:r>
+              <a:rPr lang="pt-BR" sz="2000" b="1" dirty="0">
+                <a:latin typeface="Times New Roman" panose="02020603050405020304" pitchFamily="18" charset="0"/>
+                <a:cs typeface="Times New Roman" panose="02020603050405020304" pitchFamily="18" charset="0"/>
+              </a:rPr>
+              <a:t>[atributo].</a:t>
+            </a:r>
+            <a:r>
+              <a:rPr lang="pt-BR" sz="2000" dirty="0">
+                <a:latin typeface="Times New Roman" panose="02020603050405020304" pitchFamily="18" charset="0"/>
+                <a:cs typeface="Times New Roman" panose="02020603050405020304" pitchFamily="18" charset="0"/>
+              </a:rPr>
+              <a:t>método -&gt; ex.: entidade</a:t>
+            </a:r>
+            <a:r>
+              <a:rPr lang="pt-BR" sz="2000" b="1" dirty="0">
+                <a:latin typeface="Times New Roman" panose="02020603050405020304" pitchFamily="18" charset="0"/>
+                <a:cs typeface="Times New Roman" panose="02020603050405020304" pitchFamily="18" charset="0"/>
+              </a:rPr>
+              <a:t>[atributo].</a:t>
+            </a:r>
+            <a:r>
+              <a:rPr lang="pt-BR" sz="2000" b="1" dirty="0" err="1">
+                <a:latin typeface="Times New Roman" panose="02020603050405020304" pitchFamily="18" charset="0"/>
+                <a:cs typeface="Times New Roman" panose="02020603050405020304" pitchFamily="18" charset="0"/>
+              </a:rPr>
+              <a:t>value_counts</a:t>
+            </a:r>
+            <a:r>
+              <a:rPr lang="pt-BR" sz="2000" dirty="0">
+                <a:latin typeface="Times New Roman" panose="02020603050405020304" pitchFamily="18" charset="0"/>
+                <a:cs typeface="Times New Roman" panose="02020603050405020304" pitchFamily="18" charset="0"/>
+              </a:rPr>
+              <a:t>().</a:t>
+            </a:r>
+            <a:r>
+              <a:rPr lang="pt-BR" sz="2000" b="1" dirty="0" err="1">
+                <a:latin typeface="Times New Roman" panose="02020603050405020304" pitchFamily="18" charset="0"/>
+                <a:cs typeface="Times New Roman" panose="02020603050405020304" pitchFamily="18" charset="0"/>
+              </a:rPr>
+              <a:t>plot</a:t>
             </a:r>
             <a:r>
               <a:rPr lang="pt-BR" sz="2000" dirty="0" err="1">
                 <a:latin typeface="Times New Roman" panose="02020603050405020304" pitchFamily="18" charset="0"/>
                 <a:cs typeface="Times New Roman" panose="02020603050405020304" pitchFamily="18" charset="0"/>
               </a:rPr>
-              <a:t>entidade.corr</a:t>
-            </a:r>
-            <a:r>
-              <a:rPr lang="pt-BR" sz="2000" dirty="0">
-                <a:latin typeface="Times New Roman" panose="02020603050405020304" pitchFamily="18" charset="0"/>
-                <a:cs typeface="Times New Roman" panose="02020603050405020304" pitchFamily="18" charset="0"/>
-              </a:rPr>
-              <a:t>()[['</a:t>
-            </a:r>
-            <a:r>
-              <a:rPr lang="pt-BR" sz="2000" dirty="0" err="1">
-                <a:latin typeface="Times New Roman" panose="02020603050405020304" pitchFamily="18" charset="0"/>
-                <a:cs typeface="Times New Roman" panose="02020603050405020304" pitchFamily="18" charset="0"/>
-              </a:rPr>
-              <a:t>population</a:t>
-            </a:r>
-            <a:r>
-              <a:rPr lang="pt-BR" sz="2000" dirty="0">
-                <a:latin typeface="Times New Roman" panose="02020603050405020304" pitchFamily="18" charset="0"/>
-                <a:cs typeface="Times New Roman" panose="02020603050405020304" pitchFamily="18" charset="0"/>
-              </a:rPr>
-              <a:t>’]] # </a:t>
-            </a:r>
-            <a:r>
-              <a:rPr lang="pt-BR" sz="2000" b="1" dirty="0">
-                <a:latin typeface="Times New Roman" panose="02020603050405020304" pitchFamily="18" charset="0"/>
-                <a:cs typeface="Times New Roman" panose="02020603050405020304" pitchFamily="18" charset="0"/>
-              </a:rPr>
-              <a:t>Filtrar por atributo</a:t>
-            </a:r>
-          </a:p>
-          <a:p>
-            <a:pPr marL="0" indent="0" algn="just">
-              <a:buNone/>
-            </a:pPr>
-            <a:r>
-              <a:rPr lang="pt-BR" sz="2000" dirty="0">
-                <a:latin typeface="Times New Roman" panose="02020603050405020304" pitchFamily="18" charset="0"/>
-                <a:cs typeface="Times New Roman" panose="02020603050405020304" pitchFamily="18" charset="0"/>
-              </a:rPr>
-              <a:t>display(correlacao2[['</a:t>
-            </a:r>
-            <a:r>
-              <a:rPr lang="pt-BR" sz="2000" dirty="0" err="1">
-                <a:latin typeface="Times New Roman" panose="02020603050405020304" pitchFamily="18" charset="0"/>
-                <a:cs typeface="Times New Roman" panose="02020603050405020304" pitchFamily="18" charset="0"/>
-              </a:rPr>
-              <a:t>population</a:t>
-            </a:r>
-            <a:r>
-              <a:rPr lang="pt-BR" sz="2000" dirty="0">
-                <a:latin typeface="Times New Roman" panose="02020603050405020304" pitchFamily="18" charset="0"/>
-                <a:cs typeface="Times New Roman" panose="02020603050405020304" pitchFamily="18" charset="0"/>
-              </a:rPr>
-              <a:t>']])</a:t>
-            </a:r>
-          </a:p>
-          <a:p>
-            <a:pPr marL="0" indent="0" algn="just">
-              <a:buNone/>
-            </a:pPr>
-            <a:endParaRPr lang="pt-BR" sz="2000" dirty="0">
-              <a:latin typeface="Times New Roman" panose="02020603050405020304" pitchFamily="18" charset="0"/>
-              <a:cs typeface="Times New Roman" panose="02020603050405020304" pitchFamily="18" charset="0"/>
-            </a:endParaRPr>
+              <a:t>.</a:t>
+            </a:r>
+            <a:r>
+              <a:rPr lang="pt-BR" sz="2000" b="1" dirty="0" err="1">
+                <a:latin typeface="Times New Roman" panose="02020603050405020304" pitchFamily="18" charset="0"/>
+                <a:cs typeface="Times New Roman" panose="02020603050405020304" pitchFamily="18" charset="0"/>
+              </a:rPr>
+              <a:t>bar</a:t>
+            </a:r>
+            <a:r>
+              <a:rPr lang="pt-BR" sz="2000" dirty="0">
+                <a:latin typeface="Times New Roman" panose="02020603050405020304" pitchFamily="18" charset="0"/>
+                <a:cs typeface="Times New Roman" panose="02020603050405020304" pitchFamily="18" charset="0"/>
+              </a:rPr>
+              <a:t>()</a:t>
+            </a:r>
           </a:p>
         </p:txBody>
       </p:sp>
     </p:spTree>
     <p:extLst>
       <p:ext uri="{BB962C8B-B14F-4D97-AF65-F5344CB8AC3E}">
-        <p14:creationId xmlns:p14="http://schemas.microsoft.com/office/powerpoint/2010/main" val="3586028356"/>
+        <p14:creationId xmlns:p14="http://schemas.microsoft.com/office/powerpoint/2010/main" val="3137950745"/>
       </p:ext>
     </p:extLst>
   </p:cSld>
@@ -12597,71 +12950,24 @@
               <a:buNone/>
             </a:pPr>
             <a:r>
-              <a:rPr lang="pt-BR" sz="2000" dirty="0" err="1">
-                <a:latin typeface="Times New Roman" panose="02020603050405020304" pitchFamily="18" charset="0"/>
-                <a:cs typeface="Times New Roman" panose="02020603050405020304" pitchFamily="18" charset="0"/>
-              </a:rPr>
-              <a:t>import</a:t>
-            </a:r>
-            <a:r>
-              <a:rPr lang="pt-BR" sz="2000" dirty="0">
-                <a:latin typeface="Times New Roman" panose="02020603050405020304" pitchFamily="18" charset="0"/>
-                <a:cs typeface="Times New Roman" panose="02020603050405020304" pitchFamily="18" charset="0"/>
-              </a:rPr>
-              <a:t> </a:t>
-            </a:r>
-            <a:r>
-              <a:rPr lang="pt-BR" sz="2000" dirty="0" err="1">
-                <a:latin typeface="Times New Roman" panose="02020603050405020304" pitchFamily="18" charset="0"/>
-                <a:cs typeface="Times New Roman" panose="02020603050405020304" pitchFamily="18" charset="0"/>
-              </a:rPr>
-              <a:t>seaborn</a:t>
-            </a:r>
-            <a:r>
-              <a:rPr lang="pt-BR" sz="2000" dirty="0">
-                <a:latin typeface="Times New Roman" panose="02020603050405020304" pitchFamily="18" charset="0"/>
-                <a:cs typeface="Times New Roman" panose="02020603050405020304" pitchFamily="18" charset="0"/>
-              </a:rPr>
-              <a:t> as </a:t>
-            </a:r>
-            <a:r>
-              <a:rPr lang="pt-BR" sz="2000" dirty="0" err="1">
-                <a:latin typeface="Times New Roman" panose="02020603050405020304" pitchFamily="18" charset="0"/>
-                <a:cs typeface="Times New Roman" panose="02020603050405020304" pitchFamily="18" charset="0"/>
-              </a:rPr>
-              <a:t>sns</a:t>
-            </a:r>
-            <a:r>
-              <a:rPr lang="pt-BR" sz="2000" dirty="0">
-                <a:latin typeface="Times New Roman" panose="02020603050405020304" pitchFamily="18" charset="0"/>
-                <a:cs typeface="Times New Roman" panose="02020603050405020304" pitchFamily="18" charset="0"/>
-              </a:rPr>
-              <a:t> </a:t>
+              <a:rPr lang="pt-BR" sz="2000" dirty="0">
+                <a:latin typeface="Times New Roman" panose="02020603050405020304" pitchFamily="18" charset="0"/>
+                <a:cs typeface="Times New Roman" panose="02020603050405020304" pitchFamily="18" charset="0"/>
+              </a:rPr>
+              <a:t># </a:t>
             </a:r>
             <a:r>
               <a:rPr lang="pt-BR" sz="2000" b="1" dirty="0">
                 <a:latin typeface="Times New Roman" panose="02020603050405020304" pitchFamily="18" charset="0"/>
                 <a:cs typeface="Times New Roman" panose="02020603050405020304" pitchFamily="18" charset="0"/>
               </a:rPr>
-              <a:t>(</a:t>
-            </a:r>
-            <a:r>
-              <a:rPr lang="pt-BR" sz="2000" b="1" dirty="0">
-                <a:solidFill>
-                  <a:srgbClr val="FF0000"/>
-                </a:solidFill>
-                <a:latin typeface="Times New Roman" panose="02020603050405020304" pitchFamily="18" charset="0"/>
-                <a:cs typeface="Times New Roman" panose="02020603050405020304" pitchFamily="18" charset="0"/>
-              </a:rPr>
-              <a:t>3 - Continuação</a:t>
-            </a:r>
-            <a:r>
-              <a:rPr lang="pt-BR" sz="2000" b="1" dirty="0">
-                <a:latin typeface="Times New Roman" panose="02020603050405020304" pitchFamily="18" charset="0"/>
-                <a:cs typeface="Times New Roman" panose="02020603050405020304" pitchFamily="18" charset="0"/>
-              </a:rPr>
-              <a:t>)</a:t>
-            </a:r>
+              <a:t>3. Análise Exploratória</a:t>
+            </a:r>
+          </a:p>
+          <a:p>
+            <a:pPr marL="0" indent="0" algn="just">
+              <a:buNone/>
+            </a:pPr>
             <a:endParaRPr lang="pt-BR" sz="2000" dirty="0">
               <a:latin typeface="Times New Roman" panose="02020603050405020304" pitchFamily="18" charset="0"/>
               <a:cs typeface="Times New Roman" panose="02020603050405020304" pitchFamily="18" charset="0"/>
@@ -12672,40 +12978,131 @@
               <a:buNone/>
             </a:pPr>
             <a:r>
+              <a:rPr lang="pt-BR" sz="2000" dirty="0">
+                <a:latin typeface="Times New Roman" panose="02020603050405020304" pitchFamily="18" charset="0"/>
+                <a:cs typeface="Times New Roman" panose="02020603050405020304" pitchFamily="18" charset="0"/>
+              </a:rPr>
+              <a:t># </a:t>
+            </a:r>
+            <a:r>
+              <a:rPr lang="pt-BR" sz="2000" b="1" dirty="0">
+                <a:latin typeface="Times New Roman" panose="02020603050405020304" pitchFamily="18" charset="0"/>
+                <a:cs typeface="Times New Roman" panose="02020603050405020304" pitchFamily="18" charset="0"/>
+              </a:rPr>
+              <a:t>display</a:t>
+            </a:r>
+            <a:r>
+              <a:rPr lang="pt-BR" sz="2000" dirty="0">
+                <a:latin typeface="Times New Roman" panose="02020603050405020304" pitchFamily="18" charset="0"/>
+                <a:cs typeface="Times New Roman" panose="02020603050405020304" pitchFamily="18" charset="0"/>
+              </a:rPr>
+              <a:t>(</a:t>
+            </a:r>
+            <a:r>
               <a:rPr lang="pt-BR" sz="2000" dirty="0" err="1">
                 <a:latin typeface="Times New Roman" panose="02020603050405020304" pitchFamily="18" charset="0"/>
                 <a:cs typeface="Times New Roman" panose="02020603050405020304" pitchFamily="18" charset="0"/>
               </a:rPr>
-              <a:t>import</a:t>
-            </a:r>
-            <a:r>
-              <a:rPr lang="pt-BR" sz="2000" dirty="0">
-                <a:latin typeface="Times New Roman" panose="02020603050405020304" pitchFamily="18" charset="0"/>
-                <a:cs typeface="Times New Roman" panose="02020603050405020304" pitchFamily="18" charset="0"/>
-              </a:rPr>
-              <a:t> </a:t>
+              <a:t>entidade.</a:t>
+            </a:r>
+            <a:r>
+              <a:rPr lang="pt-BR" sz="2000" b="1" dirty="0" err="1">
+                <a:latin typeface="Times New Roman" panose="02020603050405020304" pitchFamily="18" charset="0"/>
+                <a:cs typeface="Times New Roman" panose="02020603050405020304" pitchFamily="18" charset="0"/>
+              </a:rPr>
+              <a:t>corr</a:t>
+            </a:r>
+            <a:r>
+              <a:rPr lang="pt-BR" sz="2000" dirty="0">
+                <a:latin typeface="Times New Roman" panose="02020603050405020304" pitchFamily="18" charset="0"/>
+                <a:cs typeface="Times New Roman" panose="02020603050405020304" pitchFamily="18" charset="0"/>
+              </a:rPr>
+              <a:t>())</a:t>
+            </a:r>
+          </a:p>
+          <a:p>
+            <a:pPr marL="0" indent="0" algn="just">
+              <a:buNone/>
+            </a:pPr>
+            <a:r>
+              <a:rPr lang="pt-BR" sz="2000" dirty="0">
+                <a:latin typeface="Times New Roman" panose="02020603050405020304" pitchFamily="18" charset="0"/>
+                <a:cs typeface="Times New Roman" panose="02020603050405020304" pitchFamily="18" charset="0"/>
+              </a:rPr>
+              <a:t>#correlacao = </a:t>
             </a:r>
             <a:r>
               <a:rPr lang="pt-BR" sz="2000" dirty="0" err="1">
                 <a:latin typeface="Times New Roman" panose="02020603050405020304" pitchFamily="18" charset="0"/>
                 <a:cs typeface="Times New Roman" panose="02020603050405020304" pitchFamily="18" charset="0"/>
               </a:rPr>
-              <a:t>matplotlib.pyplot</a:t>
-            </a:r>
-            <a:r>
-              <a:rPr lang="pt-BR" sz="2000" dirty="0">
-                <a:latin typeface="Times New Roman" panose="02020603050405020304" pitchFamily="18" charset="0"/>
-                <a:cs typeface="Times New Roman" panose="02020603050405020304" pitchFamily="18" charset="0"/>
-              </a:rPr>
-              <a:t> as </a:t>
-            </a:r>
-            <a:r>
-              <a:rPr lang="pt-BR" sz="2000" dirty="0" err="1">
-                <a:latin typeface="Times New Roman" panose="02020603050405020304" pitchFamily="18" charset="0"/>
-                <a:cs typeface="Times New Roman" panose="02020603050405020304" pitchFamily="18" charset="0"/>
-              </a:rPr>
-              <a:t>plt</a:t>
-            </a:r>
+              <a:t>entidade.corr</a:t>
+            </a:r>
+            <a:r>
+              <a:rPr lang="pt-BR" sz="2000" dirty="0">
+                <a:latin typeface="Times New Roman" panose="02020603050405020304" pitchFamily="18" charset="0"/>
+                <a:cs typeface="Times New Roman" panose="02020603050405020304" pitchFamily="18" charset="0"/>
+              </a:rPr>
+              <a:t>() # </a:t>
+            </a:r>
+            <a:r>
+              <a:rPr lang="pt-BR" sz="2000" b="1" dirty="0">
+                <a:solidFill>
+                  <a:srgbClr val="FF0000"/>
+                </a:solidFill>
+                <a:latin typeface="Times New Roman" panose="02020603050405020304" pitchFamily="18" charset="0"/>
+                <a:cs typeface="Times New Roman" panose="02020603050405020304" pitchFamily="18" charset="0"/>
+              </a:rPr>
+              <a:t>A AI, fará outros cruzamentos entre as </a:t>
+            </a:r>
+            <a:r>
+              <a:rPr lang="pt-BR" sz="2000" b="1" dirty="0" err="1">
+                <a:solidFill>
+                  <a:srgbClr val="FF0000"/>
+                </a:solidFill>
+                <a:latin typeface="Times New Roman" panose="02020603050405020304" pitchFamily="18" charset="0"/>
+                <a:cs typeface="Times New Roman" panose="02020603050405020304" pitchFamily="18" charset="0"/>
+              </a:rPr>
+              <a:t>variávies</a:t>
+            </a:r>
+            <a:endParaRPr lang="pt-BR" sz="2000" b="1" dirty="0">
+              <a:solidFill>
+                <a:srgbClr val="FF0000"/>
+              </a:solidFill>
+              <a:latin typeface="Times New Roman" panose="02020603050405020304" pitchFamily="18" charset="0"/>
+              <a:cs typeface="Times New Roman" panose="02020603050405020304" pitchFamily="18" charset="0"/>
+            </a:endParaRPr>
+          </a:p>
+          <a:p>
+            <a:pPr marL="0" indent="0" algn="just">
+              <a:buNone/>
+            </a:pPr>
+            <a:r>
+              <a:rPr lang="pt-BR" sz="2000" dirty="0">
+                <a:latin typeface="Times New Roman" panose="02020603050405020304" pitchFamily="18" charset="0"/>
+                <a:cs typeface="Times New Roman" panose="02020603050405020304" pitchFamily="18" charset="0"/>
+              </a:rPr>
+              <a:t>#</a:t>
+            </a:r>
+            <a:r>
+              <a:rPr lang="pt-BR" sz="2000" b="1" dirty="0">
+                <a:latin typeface="Times New Roman" panose="02020603050405020304" pitchFamily="18" charset="0"/>
+                <a:cs typeface="Times New Roman" panose="02020603050405020304" pitchFamily="18" charset="0"/>
+              </a:rPr>
+              <a:t>display</a:t>
+            </a:r>
+            <a:r>
+              <a:rPr lang="pt-BR" sz="2000" dirty="0">
+                <a:latin typeface="Times New Roman" panose="02020603050405020304" pitchFamily="18" charset="0"/>
+                <a:cs typeface="Times New Roman" panose="02020603050405020304" pitchFamily="18" charset="0"/>
+              </a:rPr>
+              <a:t>(correlacao)</a:t>
+            </a:r>
+          </a:p>
+          <a:p>
+            <a:pPr marL="0" indent="0" algn="just">
+              <a:buNone/>
+            </a:pPr>
             <a:endParaRPr lang="pt-BR" sz="2000" dirty="0">
               <a:latin typeface="Times New Roman" panose="02020603050405020304" pitchFamily="18" charset="0"/>
               <a:cs typeface="Times New Roman" panose="02020603050405020304" pitchFamily="18" charset="0"/>
@@ -12715,151 +13112,104 @@
             <a:pPr marL="0" indent="0" algn="just">
               <a:buNone/>
             </a:pPr>
+            <a:r>
+              <a:rPr lang="pt-BR" sz="2000" dirty="0">
+                <a:latin typeface="Times New Roman" panose="02020603050405020304" pitchFamily="18" charset="0"/>
+                <a:cs typeface="Times New Roman" panose="02020603050405020304" pitchFamily="18" charset="0"/>
+              </a:rPr>
+              <a:t>correlacao2 = </a:t>
+            </a:r>
+            <a:r>
+              <a:rPr lang="pt-BR" sz="2000" dirty="0" err="1">
+                <a:latin typeface="Times New Roman" panose="02020603050405020304" pitchFamily="18" charset="0"/>
+                <a:cs typeface="Times New Roman" panose="02020603050405020304" pitchFamily="18" charset="0"/>
+              </a:rPr>
+              <a:t>entidade.</a:t>
+            </a:r>
+            <a:r>
+              <a:rPr lang="pt-BR" sz="2000" b="1" dirty="0" err="1">
+                <a:latin typeface="Times New Roman" panose="02020603050405020304" pitchFamily="18" charset="0"/>
+                <a:cs typeface="Times New Roman" panose="02020603050405020304" pitchFamily="18" charset="0"/>
+              </a:rPr>
+              <a:t>corr</a:t>
+            </a:r>
+            <a:r>
+              <a:rPr lang="pt-BR" sz="2000" dirty="0">
+                <a:latin typeface="Times New Roman" panose="02020603050405020304" pitchFamily="18" charset="0"/>
+                <a:cs typeface="Times New Roman" panose="02020603050405020304" pitchFamily="18" charset="0"/>
+              </a:rPr>
+              <a:t>()[[</a:t>
+            </a:r>
+            <a:r>
+              <a:rPr lang="pt-BR" sz="2000" dirty="0" err="1">
+                <a:latin typeface="Times New Roman" panose="02020603050405020304" pitchFamily="18" charset="0"/>
+                <a:cs typeface="Times New Roman" panose="02020603050405020304" pitchFamily="18" charset="0"/>
+              </a:rPr>
+              <a:t>Preco</a:t>
+            </a:r>
+            <a:r>
+              <a:rPr lang="pt-BR" sz="2000" dirty="0">
+                <a:latin typeface="Times New Roman" panose="02020603050405020304" pitchFamily="18" charset="0"/>
+                <a:cs typeface="Times New Roman" panose="02020603050405020304" pitchFamily="18" charset="0"/>
+              </a:rPr>
+              <a:t>']] # </a:t>
+            </a:r>
+            <a:r>
+              <a:rPr lang="pt-BR" sz="2000" b="1" dirty="0">
+                <a:latin typeface="Times New Roman" panose="02020603050405020304" pitchFamily="18" charset="0"/>
+                <a:cs typeface="Times New Roman" panose="02020603050405020304" pitchFamily="18" charset="0"/>
+              </a:rPr>
+              <a:t>Filtrar por atributo</a:t>
+            </a:r>
+          </a:p>
+          <a:p>
+            <a:pPr marL="0" indent="0" algn="just">
+              <a:buNone/>
+            </a:pPr>
+            <a:r>
+              <a:rPr lang="pt-BR" sz="2000" b="1" dirty="0">
+                <a:latin typeface="Times New Roman" panose="02020603050405020304" pitchFamily="18" charset="0"/>
+                <a:cs typeface="Times New Roman" panose="02020603050405020304" pitchFamily="18" charset="0"/>
+              </a:rPr>
+              <a:t>display</a:t>
+            </a:r>
+            <a:r>
+              <a:rPr lang="pt-BR" sz="2000" dirty="0">
+                <a:latin typeface="Times New Roman" panose="02020603050405020304" pitchFamily="18" charset="0"/>
+                <a:cs typeface="Times New Roman" panose="02020603050405020304" pitchFamily="18" charset="0"/>
+              </a:rPr>
+              <a:t>(correlacao2[[</a:t>
+            </a:r>
+            <a:r>
+              <a:rPr lang="pt-BR" sz="2000" dirty="0" err="1">
+                <a:latin typeface="Times New Roman" panose="02020603050405020304" pitchFamily="18" charset="0"/>
+                <a:cs typeface="Times New Roman" panose="02020603050405020304" pitchFamily="18" charset="0"/>
+              </a:rPr>
+              <a:t>Preco</a:t>
+            </a:r>
+            <a:r>
+              <a:rPr lang="pt-BR" sz="2000" dirty="0">
+                <a:latin typeface="Times New Roman" panose="02020603050405020304" pitchFamily="18" charset="0"/>
+                <a:cs typeface="Times New Roman" panose="02020603050405020304" pitchFamily="18" charset="0"/>
+              </a:rPr>
+              <a:t>']])</a:t>
+            </a:r>
+          </a:p>
+          <a:p>
+            <a:pPr marL="0" indent="0" algn="just">
+              <a:buNone/>
+            </a:pPr>
             <a:endParaRPr lang="pt-BR" sz="2000" dirty="0">
               <a:latin typeface="Times New Roman" panose="02020603050405020304" pitchFamily="18" charset="0"/>
               <a:cs typeface="Times New Roman" panose="02020603050405020304" pitchFamily="18" charset="0"/>
             </a:endParaRPr>
-          </a:p>
-          <a:p>
-            <a:pPr marL="0" indent="0" algn="just">
-              <a:buNone/>
-            </a:pPr>
-            <a:r>
-              <a:rPr lang="pt-BR" sz="2000" dirty="0">
-                <a:latin typeface="Times New Roman" panose="02020603050405020304" pitchFamily="18" charset="0"/>
-                <a:cs typeface="Times New Roman" panose="02020603050405020304" pitchFamily="18" charset="0"/>
-              </a:rPr>
-              <a:t># </a:t>
-            </a:r>
-            <a:r>
-              <a:rPr lang="pt-BR" sz="2000" b="1" dirty="0">
-                <a:latin typeface="Times New Roman" panose="02020603050405020304" pitchFamily="18" charset="0"/>
-                <a:cs typeface="Times New Roman" panose="02020603050405020304" pitchFamily="18" charset="0"/>
-              </a:rPr>
-              <a:t>Criar o Gráfico</a:t>
-            </a:r>
-          </a:p>
-          <a:p>
-            <a:pPr marL="0" indent="0" algn="just">
-              <a:buNone/>
-            </a:pPr>
-            <a:r>
-              <a:rPr lang="pt-BR" sz="2000" dirty="0" err="1">
-                <a:latin typeface="Times New Roman" panose="02020603050405020304" pitchFamily="18" charset="0"/>
-                <a:cs typeface="Times New Roman" panose="02020603050405020304" pitchFamily="18" charset="0"/>
-              </a:rPr>
-              <a:t>sns.</a:t>
-            </a:r>
-            <a:r>
-              <a:rPr lang="pt-BR" sz="2000" b="1" dirty="0" err="1">
-                <a:latin typeface="Times New Roman" panose="02020603050405020304" pitchFamily="18" charset="0"/>
-                <a:cs typeface="Times New Roman" panose="02020603050405020304" pitchFamily="18" charset="0"/>
-              </a:rPr>
-              <a:t>heatmap</a:t>
-            </a:r>
-            <a:r>
-              <a:rPr lang="pt-BR" sz="2000" dirty="0">
-                <a:latin typeface="Times New Roman" panose="02020603050405020304" pitchFamily="18" charset="0"/>
-                <a:cs typeface="Times New Roman" panose="02020603050405020304" pitchFamily="18" charset="0"/>
-              </a:rPr>
-              <a:t>(correlacao2, </a:t>
-            </a:r>
-            <a:r>
-              <a:rPr lang="pt-BR" sz="2000" b="1" dirty="0" err="1">
-                <a:latin typeface="Times New Roman" panose="02020603050405020304" pitchFamily="18" charset="0"/>
-                <a:cs typeface="Times New Roman" panose="02020603050405020304" pitchFamily="18" charset="0"/>
-              </a:rPr>
-              <a:t>cmap</a:t>
-            </a:r>
-            <a:r>
-              <a:rPr lang="pt-BR" sz="2000" dirty="0">
-                <a:latin typeface="Times New Roman" panose="02020603050405020304" pitchFamily="18" charset="0"/>
-                <a:cs typeface="Times New Roman" panose="02020603050405020304" pitchFamily="18" charset="0"/>
-              </a:rPr>
-              <a:t>='Blues', </a:t>
-            </a:r>
-            <a:r>
-              <a:rPr lang="pt-BR" sz="2000" b="1" dirty="0" err="1">
-                <a:latin typeface="Times New Roman" panose="02020603050405020304" pitchFamily="18" charset="0"/>
-                <a:cs typeface="Times New Roman" panose="02020603050405020304" pitchFamily="18" charset="0"/>
-              </a:rPr>
-              <a:t>annot</a:t>
-            </a:r>
-            <a:r>
-              <a:rPr lang="pt-BR" sz="2000" dirty="0">
-                <a:latin typeface="Times New Roman" panose="02020603050405020304" pitchFamily="18" charset="0"/>
-                <a:cs typeface="Times New Roman" panose="02020603050405020304" pitchFamily="18" charset="0"/>
-              </a:rPr>
-              <a:t>=</a:t>
-            </a:r>
-            <a:r>
-              <a:rPr lang="pt-BR" sz="2000" dirty="0" err="1">
-                <a:latin typeface="Times New Roman" panose="02020603050405020304" pitchFamily="18" charset="0"/>
-                <a:cs typeface="Times New Roman" panose="02020603050405020304" pitchFamily="18" charset="0"/>
-              </a:rPr>
-              <a:t>True</a:t>
-            </a:r>
-            <a:r>
-              <a:rPr lang="pt-BR" sz="2000" dirty="0">
-                <a:latin typeface="Times New Roman" panose="02020603050405020304" pitchFamily="18" charset="0"/>
-                <a:cs typeface="Times New Roman" panose="02020603050405020304" pitchFamily="18" charset="0"/>
-              </a:rPr>
-              <a:t>) # criar o gráfico</a:t>
-            </a:r>
-          </a:p>
-          <a:p>
-            <a:pPr marL="0" indent="0" algn="just">
-              <a:buNone/>
-            </a:pPr>
-            <a:endParaRPr lang="pt-BR" sz="2000" dirty="0">
-              <a:latin typeface="Times New Roman" panose="02020603050405020304" pitchFamily="18" charset="0"/>
-              <a:cs typeface="Times New Roman" panose="02020603050405020304" pitchFamily="18" charset="0"/>
-            </a:endParaRPr>
-          </a:p>
-          <a:p>
-            <a:pPr marL="0" indent="0" algn="just">
-              <a:buNone/>
-            </a:pPr>
-            <a:r>
-              <a:rPr lang="pt-BR" sz="2000" dirty="0">
-                <a:latin typeface="Times New Roman" panose="02020603050405020304" pitchFamily="18" charset="0"/>
-                <a:cs typeface="Times New Roman" panose="02020603050405020304" pitchFamily="18" charset="0"/>
-              </a:rPr>
-              <a:t># </a:t>
-            </a:r>
-            <a:r>
-              <a:rPr lang="pt-BR" sz="2000" b="1" dirty="0">
-                <a:latin typeface="Times New Roman" panose="02020603050405020304" pitchFamily="18" charset="0"/>
-                <a:cs typeface="Times New Roman" panose="02020603050405020304" pitchFamily="18" charset="0"/>
-              </a:rPr>
-              <a:t>Exibir o Gráfico</a:t>
-            </a:r>
-          </a:p>
-          <a:p>
-            <a:pPr marL="0" indent="0" algn="just">
-              <a:buNone/>
-            </a:pPr>
-            <a:r>
-              <a:rPr lang="pt-BR" sz="2000" dirty="0" err="1">
-                <a:latin typeface="Times New Roman" panose="02020603050405020304" pitchFamily="18" charset="0"/>
-                <a:cs typeface="Times New Roman" panose="02020603050405020304" pitchFamily="18" charset="0"/>
-              </a:rPr>
-              <a:t>plt.show</a:t>
-            </a:r>
-            <a:r>
-              <a:rPr lang="pt-BR" sz="2000" dirty="0">
-                <a:latin typeface="Times New Roman" panose="02020603050405020304" pitchFamily="18" charset="0"/>
-                <a:cs typeface="Times New Roman" panose="02020603050405020304" pitchFamily="18" charset="0"/>
-              </a:rPr>
-              <a:t>()</a:t>
-            </a:r>
           </a:p>
         </p:txBody>
       </p:sp>
     </p:spTree>
     <p:extLst>
       <p:ext uri="{BB962C8B-B14F-4D97-AF65-F5344CB8AC3E}">
-        <p14:creationId xmlns:p14="http://schemas.microsoft.com/office/powerpoint/2010/main" val="3139995192"/>
+        <p14:creationId xmlns:p14="http://schemas.microsoft.com/office/powerpoint/2010/main" val="3586028356"/>
       </p:ext>
     </p:extLst>
   </p:cSld>
